--- a/Project 1 for Group2 Parking Site.pptx
+++ b/Project 1 for Group2 Parking Site.pptx
@@ -17,7 +17,7 @@
     <p:sldId id="259" r:id="rId8"/>
     <p:sldId id="269" r:id="rId9"/>
     <p:sldId id="270" r:id="rId10"/>
-    <p:sldId id="271" r:id="rId11"/>
+    <p:sldId id="272" r:id="rId11"/>
     <p:sldId id="260" r:id="rId12"/>
     <p:sldId id="261" r:id="rId13"/>
     <p:sldId id="268" r:id="rId14"/>
@@ -5235,15 +5235,15 @@
 </file>
 
 <file path=ppt/diagrams/colors7.xml><?xml version="1.0" encoding="utf-8"?>
-<dgm:colorsDef xmlns:dgm="http://schemas.openxmlformats.org/drawingml/2006/diagram" xmlns:a="http://schemas.openxmlformats.org/drawingml/2006/main" uniqueId="urn:microsoft.com/office/officeart/2018/5/colors/Iconchunking_neutralicontext_colorful1">
+<dgm:colorsDef xmlns:dgm="http://schemas.openxmlformats.org/drawingml/2006/diagram" xmlns:a="http://schemas.openxmlformats.org/drawingml/2006/main" uniqueId="urn:microsoft.com/office/officeart/2018/5/colors/Iconchunking_neutralicon_accent4_2">
   <dgm:title val=""/>
   <dgm:desc val=""/>
   <dgm:catLst>
-    <dgm:cat type="colorful" pri="10100"/>
+    <dgm:cat type="accent4" pri="14200"/>
   </dgm:catLst>
   <dgm:styleLbl name="node0">
     <dgm:fillClrLst meth="repeat">
-      <a:schemeClr val="accent1"/>
+      <a:schemeClr val="accent4"/>
     </dgm:fillClrLst>
     <dgm:linClrLst meth="repeat">
       <a:schemeClr val="lt1"/>
@@ -5271,18 +5271,10 @@
   </dgm:styleLbl>
   <dgm:styleLbl name="alignNode1">
     <dgm:fillClrLst meth="repeat">
-      <a:schemeClr val="accent2"/>
-      <a:schemeClr val="accent3"/>
       <a:schemeClr val="accent4"/>
-      <a:schemeClr val="accent5"/>
-      <a:schemeClr val="accent6"/>
     </dgm:fillClrLst>
     <dgm:linClrLst meth="repeat">
-      <a:schemeClr val="accent2"/>
-      <a:schemeClr val="accent3"/>
       <a:schemeClr val="accent4"/>
-      <a:schemeClr val="accent5"/>
-      <a:schemeClr val="accent6"/>
     </dgm:linClrLst>
     <dgm:effectClrLst/>
     <dgm:txLinClrLst/>
@@ -5291,11 +5283,7 @@
   </dgm:styleLbl>
   <dgm:styleLbl name="lnNode1">
     <dgm:fillClrLst meth="repeat">
-      <a:schemeClr val="accent2"/>
-      <a:schemeClr val="accent3"/>
       <a:schemeClr val="accent4"/>
-      <a:schemeClr val="accent5"/>
-      <a:schemeClr val="accent6"/>
     </dgm:fillClrLst>
     <dgm:linClrLst meth="repeat">
       <a:schemeClr val="lt1"/>
@@ -5307,21 +5295,9 @@
   </dgm:styleLbl>
   <dgm:styleLbl name="vennNode1">
     <dgm:fillClrLst meth="repeat">
-      <a:schemeClr val="accent2">
-        <a:alpha val="50000"/>
-      </a:schemeClr>
-      <a:schemeClr val="accent3">
-        <a:alpha val="50000"/>
-      </a:schemeClr>
       <a:schemeClr val="accent4">
         <a:alpha val="50000"/>
       </a:schemeClr>
-      <a:schemeClr val="accent5">
-        <a:alpha val="50000"/>
-      </a:schemeClr>
-      <a:schemeClr val="accent6">
-        <a:alpha val="50000"/>
-      </a:schemeClr>
     </dgm:fillClrLst>
     <dgm:linClrLst meth="repeat">
       <a:schemeClr val="lt1"/>
@@ -5332,8 +5308,8 @@
     <dgm:txEffectClrLst/>
   </dgm:styleLbl>
   <dgm:styleLbl name="node2">
-    <dgm:fillClrLst>
-      <a:schemeClr val="accent2"/>
+    <dgm:fillClrLst meth="repeat">
+      <a:schemeClr val="accent4"/>
     </dgm:fillClrLst>
     <dgm:linClrLst meth="repeat">
       <a:schemeClr val="lt1"/>
@@ -5344,8 +5320,8 @@
     <dgm:txEffectClrLst/>
   </dgm:styleLbl>
   <dgm:styleLbl name="node3">
-    <dgm:fillClrLst>
-      <a:schemeClr val="accent3"/>
+    <dgm:fillClrLst meth="repeat">
+      <a:schemeClr val="accent4"/>
     </dgm:fillClrLst>
     <dgm:linClrLst meth="repeat">
       <a:schemeClr val="lt1"/>
@@ -5356,7 +5332,7 @@
     <dgm:txEffectClrLst/>
   </dgm:styleLbl>
   <dgm:styleLbl name="node4">
-    <dgm:fillClrLst>
+    <dgm:fillClrLst meth="repeat">
       <a:schemeClr val="accent4"/>
     </dgm:fillClrLst>
     <dgm:linClrLst meth="repeat">
@@ -5369,19 +5345,7 @@
   </dgm:styleLbl>
   <dgm:styleLbl name="fgImgPlace1">
     <dgm:fillClrLst meth="repeat">
-      <a:schemeClr val="accent2">
-        <a:tint val="50000"/>
-      </a:schemeClr>
-      <a:schemeClr val="accent3">
-        <a:tint val="50000"/>
-      </a:schemeClr>
       <a:schemeClr val="accent4">
-        <a:tint val="50000"/>
-      </a:schemeClr>
-      <a:schemeClr val="accent5">
-        <a:tint val="50000"/>
-      </a:schemeClr>
-      <a:schemeClr val="accent6">
         <a:tint val="50000"/>
       </a:schemeClr>
     </dgm:fillClrLst>
@@ -5396,12 +5360,9 @@
     <dgm:txEffectClrLst/>
   </dgm:styleLbl>
   <dgm:styleLbl name="alignImgPlace1">
-    <dgm:fillClrLst>
-      <a:schemeClr val="accent1">
+    <dgm:fillClrLst meth="repeat">
+      <a:schemeClr val="accent4">
         <a:tint val="50000"/>
-      </a:schemeClr>
-      <a:schemeClr val="accent2">
-        <a:tint val="20000"/>
       </a:schemeClr>
     </dgm:fillClrLst>
     <dgm:linClrLst meth="repeat">
@@ -5415,12 +5376,9 @@
     <dgm:txEffectClrLst/>
   </dgm:styleLbl>
   <dgm:styleLbl name="bgImgPlace1">
-    <dgm:fillClrLst>
-      <a:schemeClr val="accent1">
+    <dgm:fillClrLst meth="repeat">
+      <a:schemeClr val="accent4">
         <a:tint val="50000"/>
-      </a:schemeClr>
-      <a:schemeClr val="accent2">
-        <a:tint val="20000"/>
       </a:schemeClr>
     </dgm:fillClrLst>
     <dgm:linClrLst meth="repeat">
@@ -5435,14 +5393,14 @@
   </dgm:styleLbl>
   <dgm:styleLbl name="sibTrans2D1">
     <dgm:fillClrLst meth="repeat">
-      <a:schemeClr val="accent2"/>
-      <a:schemeClr val="accent3"/>
-      <a:schemeClr val="accent4"/>
-      <a:schemeClr val="accent5"/>
-      <a:schemeClr val="accent6"/>
-    </dgm:fillClrLst>
-    <dgm:linClrLst meth="cycle">
-      <a:schemeClr val="lt1"/>
+      <a:schemeClr val="accent4">
+        <a:tint val="60000"/>
+      </a:schemeClr>
+    </dgm:fillClrLst>
+    <dgm:linClrLst meth="repeat">
+      <a:schemeClr val="accent4">
+        <a:tint val="60000"/>
+      </a:schemeClr>
     </dgm:linClrLst>
     <dgm:effectClrLst/>
     <dgm:txLinClrLst/>
@@ -5451,14 +5409,136 @@
   </dgm:styleLbl>
   <dgm:styleLbl name="fgSibTrans2D1">
     <dgm:fillClrLst meth="repeat">
-      <a:schemeClr val="accent2"/>
-      <a:schemeClr val="accent3"/>
+      <a:schemeClr val="accent4">
+        <a:tint val="60000"/>
+      </a:schemeClr>
+    </dgm:fillClrLst>
+    <dgm:linClrLst meth="repeat">
+      <a:schemeClr val="accent4">
+        <a:tint val="60000"/>
+      </a:schemeClr>
+    </dgm:linClrLst>
+    <dgm:effectClrLst/>
+    <dgm:txLinClrLst/>
+    <dgm:txFillClrLst/>
+    <dgm:txEffectClrLst/>
+  </dgm:styleLbl>
+  <dgm:styleLbl name="bgSibTrans2D1">
+    <dgm:fillClrLst meth="repeat">
+      <a:schemeClr val="accent4">
+        <a:tint val="60000"/>
+      </a:schemeClr>
+    </dgm:fillClrLst>
+    <dgm:linClrLst meth="repeat">
+      <a:schemeClr val="accent4">
+        <a:tint val="60000"/>
+      </a:schemeClr>
+    </dgm:linClrLst>
+    <dgm:effectClrLst/>
+    <dgm:txLinClrLst/>
+    <dgm:txFillClrLst/>
+    <dgm:txEffectClrLst/>
+  </dgm:styleLbl>
+  <dgm:styleLbl name="sibTrans1D1">
+    <dgm:fillClrLst meth="repeat">
       <a:schemeClr val="accent4"/>
-      <a:schemeClr val="accent5"/>
-      <a:schemeClr val="accent6"/>
-    </dgm:fillClrLst>
-    <dgm:linClrLst meth="cycle">
+    </dgm:fillClrLst>
+    <dgm:linClrLst meth="repeat">
+      <a:schemeClr val="accent4"/>
+    </dgm:linClrLst>
+    <dgm:effectClrLst/>
+    <dgm:txLinClrLst/>
+    <dgm:txFillClrLst meth="repeat">
+      <a:schemeClr val="tx1"/>
+    </dgm:txFillClrLst>
+    <dgm:txEffectClrLst/>
+  </dgm:styleLbl>
+  <dgm:styleLbl name="callout">
+    <dgm:fillClrLst meth="repeat">
+      <a:schemeClr val="accent4"/>
+    </dgm:fillClrLst>
+    <dgm:linClrLst meth="repeat">
+      <a:schemeClr val="accent4">
+        <a:tint val="50000"/>
+      </a:schemeClr>
+    </dgm:linClrLst>
+    <dgm:effectClrLst/>
+    <dgm:txLinClrLst/>
+    <dgm:txFillClrLst meth="repeat">
+      <a:schemeClr val="tx1"/>
+    </dgm:txFillClrLst>
+    <dgm:txEffectClrLst/>
+  </dgm:styleLbl>
+  <dgm:styleLbl name="asst0">
+    <dgm:fillClrLst meth="repeat">
+      <a:schemeClr val="accent4"/>
+    </dgm:fillClrLst>
+    <dgm:linClrLst meth="repeat">
       <a:schemeClr val="lt1"/>
+    </dgm:linClrLst>
+    <dgm:effectClrLst/>
+    <dgm:txLinClrLst/>
+    <dgm:txFillClrLst/>
+    <dgm:txEffectClrLst/>
+  </dgm:styleLbl>
+  <dgm:styleLbl name="asst1">
+    <dgm:fillClrLst meth="repeat">
+      <a:schemeClr val="accent4"/>
+    </dgm:fillClrLst>
+    <dgm:linClrLst meth="repeat">
+      <a:schemeClr val="lt1"/>
+    </dgm:linClrLst>
+    <dgm:effectClrLst/>
+    <dgm:txLinClrLst/>
+    <dgm:txFillClrLst/>
+    <dgm:txEffectClrLst/>
+  </dgm:styleLbl>
+  <dgm:styleLbl name="asst2">
+    <dgm:fillClrLst meth="repeat">
+      <a:schemeClr val="accent4"/>
+    </dgm:fillClrLst>
+    <dgm:linClrLst meth="repeat">
+      <a:schemeClr val="lt1"/>
+    </dgm:linClrLst>
+    <dgm:effectClrLst/>
+    <dgm:txLinClrLst/>
+    <dgm:txFillClrLst/>
+    <dgm:txEffectClrLst/>
+  </dgm:styleLbl>
+  <dgm:styleLbl name="asst3">
+    <dgm:fillClrLst meth="repeat">
+      <a:schemeClr val="accent4"/>
+    </dgm:fillClrLst>
+    <dgm:linClrLst meth="repeat">
+      <a:schemeClr val="lt1"/>
+    </dgm:linClrLst>
+    <dgm:effectClrLst/>
+    <dgm:txLinClrLst/>
+    <dgm:txFillClrLst/>
+    <dgm:txEffectClrLst/>
+  </dgm:styleLbl>
+  <dgm:styleLbl name="asst4">
+    <dgm:fillClrLst meth="repeat">
+      <a:schemeClr val="accent4"/>
+    </dgm:fillClrLst>
+    <dgm:linClrLst meth="repeat">
+      <a:schemeClr val="lt1"/>
+    </dgm:linClrLst>
+    <dgm:effectClrLst/>
+    <dgm:txLinClrLst/>
+    <dgm:txFillClrLst/>
+    <dgm:txEffectClrLst/>
+  </dgm:styleLbl>
+  <dgm:styleLbl name="parChTrans2D1">
+    <dgm:fillClrLst meth="repeat">
+      <a:schemeClr val="accent4">
+        <a:tint val="60000"/>
+      </a:schemeClr>
+    </dgm:fillClrLst>
+    <dgm:linClrLst meth="repeat">
+      <a:schemeClr val="accent4">
+        <a:tint val="60000"/>
+      </a:schemeClr>
     </dgm:linClrLst>
     <dgm:effectClrLst/>
     <dgm:txLinClrLst/>
@@ -5467,16 +5547,12 @@
     </dgm:txFillClrLst>
     <dgm:txEffectClrLst/>
   </dgm:styleLbl>
-  <dgm:styleLbl name="bgSibTrans2D1">
+  <dgm:styleLbl name="parChTrans2D2">
     <dgm:fillClrLst meth="repeat">
-      <a:schemeClr val="accent2"/>
-      <a:schemeClr val="accent3"/>
       <a:schemeClr val="accent4"/>
-      <a:schemeClr val="accent5"/>
-      <a:schemeClr val="accent6"/>
-    </dgm:fillClrLst>
-    <dgm:linClrLst meth="cycle">
-      <a:schemeClr val="lt1"/>
+    </dgm:fillClrLst>
+    <dgm:linClrLst meth="repeat">
+      <a:schemeClr val="accent4"/>
     </dgm:linClrLst>
     <dgm:effectClrLst/>
     <dgm:txLinClrLst/>
@@ -5485,20 +5561,42 @@
     </dgm:txFillClrLst>
     <dgm:txEffectClrLst/>
   </dgm:styleLbl>
-  <dgm:styleLbl name="sibTrans1D1">
+  <dgm:styleLbl name="parChTrans2D3">
     <dgm:fillClrLst meth="repeat">
-      <a:schemeClr val="accent2"/>
-      <a:schemeClr val="accent3"/>
       <a:schemeClr val="accent4"/>
-      <a:schemeClr val="accent5"/>
-      <a:schemeClr val="accent6"/>
     </dgm:fillClrLst>
     <dgm:linClrLst meth="repeat">
-      <a:schemeClr val="accent2"/>
-      <a:schemeClr val="accent3"/>
       <a:schemeClr val="accent4"/>
-      <a:schemeClr val="accent5"/>
-      <a:schemeClr val="accent6"/>
+    </dgm:linClrLst>
+    <dgm:effectClrLst/>
+    <dgm:txLinClrLst/>
+    <dgm:txFillClrLst meth="repeat">
+      <a:schemeClr val="lt1"/>
+    </dgm:txFillClrLst>
+    <dgm:txEffectClrLst/>
+  </dgm:styleLbl>
+  <dgm:styleLbl name="parChTrans2D4">
+    <dgm:fillClrLst meth="repeat">
+      <a:schemeClr val="accent4"/>
+    </dgm:fillClrLst>
+    <dgm:linClrLst meth="repeat">
+      <a:schemeClr val="accent4"/>
+    </dgm:linClrLst>
+    <dgm:effectClrLst/>
+    <dgm:txLinClrLst/>
+    <dgm:txFillClrLst meth="repeat">
+      <a:schemeClr val="lt1"/>
+    </dgm:txFillClrLst>
+    <dgm:txEffectClrLst/>
+  </dgm:styleLbl>
+  <dgm:styleLbl name="parChTrans1D1">
+    <dgm:fillClrLst meth="repeat">
+      <a:schemeClr val="accent4"/>
+    </dgm:fillClrLst>
+    <dgm:linClrLst meth="repeat">
+      <a:schemeClr val="accent4">
+        <a:shade val="60000"/>
+      </a:schemeClr>
     </dgm:linClrLst>
     <dgm:effectClrLst/>
     <dgm:txLinClrLst/>
@@ -5507,13 +5605,13 @@
     </dgm:txFillClrLst>
     <dgm:txEffectClrLst/>
   </dgm:styleLbl>
-  <dgm:styleLbl name="callout">
+  <dgm:styleLbl name="parChTrans1D2">
     <dgm:fillClrLst meth="repeat">
-      <a:schemeClr val="accent2"/>
+      <a:schemeClr val="accent4"/>
     </dgm:fillClrLst>
     <dgm:linClrLst meth="repeat">
-      <a:schemeClr val="accent2">
-        <a:tint val="50000"/>
+      <a:schemeClr val="accent4">
+        <a:shade val="60000"/>
       </a:schemeClr>
     </dgm:linClrLst>
     <dgm:effectClrLst/>
@@ -5523,124 +5621,14 @@
     </dgm:txFillClrLst>
     <dgm:txEffectClrLst/>
   </dgm:styleLbl>
-  <dgm:styleLbl name="asst0">
-    <dgm:fillClrLst meth="repeat">
-      <a:schemeClr val="accent1"/>
-    </dgm:fillClrLst>
-    <dgm:linClrLst meth="repeat">
-      <a:schemeClr val="lt1"/>
-    </dgm:linClrLst>
-    <dgm:effectClrLst/>
-    <dgm:txLinClrLst/>
-    <dgm:txFillClrLst/>
-    <dgm:txEffectClrLst/>
-  </dgm:styleLbl>
-  <dgm:styleLbl name="asst1">
-    <dgm:fillClrLst meth="repeat">
-      <a:schemeClr val="accent2"/>
-    </dgm:fillClrLst>
-    <dgm:linClrLst meth="repeat">
-      <a:schemeClr val="lt1"/>
-    </dgm:linClrLst>
-    <dgm:effectClrLst/>
-    <dgm:txLinClrLst/>
-    <dgm:txFillClrLst/>
-    <dgm:txEffectClrLst/>
-  </dgm:styleLbl>
-  <dgm:styleLbl name="asst2">
-    <dgm:fillClrLst>
-      <a:schemeClr val="accent3"/>
-    </dgm:fillClrLst>
-    <dgm:linClrLst meth="repeat">
-      <a:schemeClr val="lt1"/>
-    </dgm:linClrLst>
-    <dgm:effectClrLst/>
-    <dgm:txLinClrLst/>
-    <dgm:txFillClrLst/>
-    <dgm:txEffectClrLst/>
-  </dgm:styleLbl>
-  <dgm:styleLbl name="asst3">
-    <dgm:fillClrLst>
-      <a:schemeClr val="accent4"/>
-    </dgm:fillClrLst>
-    <dgm:linClrLst meth="repeat">
-      <a:schemeClr val="lt1"/>
-    </dgm:linClrLst>
-    <dgm:effectClrLst/>
-    <dgm:txLinClrLst/>
-    <dgm:txFillClrLst/>
-    <dgm:txEffectClrLst/>
-  </dgm:styleLbl>
-  <dgm:styleLbl name="asst4">
-    <dgm:fillClrLst>
-      <a:schemeClr val="accent5"/>
-    </dgm:fillClrLst>
-    <dgm:linClrLst meth="repeat">
-      <a:schemeClr val="lt1"/>
-    </dgm:linClrLst>
-    <dgm:effectClrLst/>
-    <dgm:txLinClrLst/>
-    <dgm:txFillClrLst/>
-    <dgm:txEffectClrLst/>
-  </dgm:styleLbl>
-  <dgm:styleLbl name="parChTrans2D1">
-    <dgm:fillClrLst meth="repeat">
-      <a:schemeClr val="accent2"/>
-    </dgm:fillClrLst>
-    <dgm:linClrLst meth="repeat">
-      <a:schemeClr val="lt1"/>
-    </dgm:linClrLst>
-    <dgm:effectClrLst/>
-    <dgm:txLinClrLst/>
-    <dgm:txFillClrLst meth="repeat">
-      <a:schemeClr val="lt1"/>
-    </dgm:txFillClrLst>
-    <dgm:txEffectClrLst/>
-  </dgm:styleLbl>
-  <dgm:styleLbl name="parChTrans2D2">
-    <dgm:fillClrLst meth="repeat">
-      <a:schemeClr val="accent3"/>
-    </dgm:fillClrLst>
-    <dgm:linClrLst meth="repeat">
-      <a:schemeClr val="lt1"/>
-    </dgm:linClrLst>
-    <dgm:effectClrLst/>
-    <dgm:txLinClrLst/>
-    <dgm:txFillClrLst/>
-    <dgm:txEffectClrLst/>
-  </dgm:styleLbl>
-  <dgm:styleLbl name="parChTrans2D3">
+  <dgm:styleLbl name="parChTrans1D3">
     <dgm:fillClrLst meth="repeat">
       <a:schemeClr val="accent4"/>
     </dgm:fillClrLst>
     <dgm:linClrLst meth="repeat">
-      <a:schemeClr val="lt1"/>
-    </dgm:linClrLst>
-    <dgm:effectClrLst/>
-    <dgm:txLinClrLst/>
-    <dgm:txFillClrLst/>
-    <dgm:txEffectClrLst/>
-  </dgm:styleLbl>
-  <dgm:styleLbl name="parChTrans2D4">
-    <dgm:fillClrLst meth="repeat">
-      <a:schemeClr val="accent5"/>
-    </dgm:fillClrLst>
-    <dgm:linClrLst meth="repeat">
-      <a:schemeClr val="lt1"/>
-    </dgm:linClrLst>
-    <dgm:effectClrLst/>
-    <dgm:txLinClrLst/>
-    <dgm:txFillClrLst meth="repeat">
-      <a:schemeClr val="lt1"/>
-    </dgm:txFillClrLst>
-    <dgm:txEffectClrLst/>
-  </dgm:styleLbl>
-  <dgm:styleLbl name="parChTrans1D1">
-    <dgm:fillClrLst meth="repeat">
-      <a:schemeClr val="accent2"/>
-    </dgm:fillClrLst>
-    <dgm:linClrLst meth="repeat">
-      <a:schemeClr val="accent1"/>
+      <a:schemeClr val="accent4">
+        <a:shade val="80000"/>
+      </a:schemeClr>
     </dgm:linClrLst>
     <dgm:effectClrLst/>
     <dgm:txLinClrLst/>
@@ -5649,46 +5637,14 @@
     </dgm:txFillClrLst>
     <dgm:txEffectClrLst/>
   </dgm:styleLbl>
-  <dgm:styleLbl name="parChTrans1D2">
-    <dgm:fillClrLst meth="repeat">
-      <a:schemeClr val="accent3">
-        <a:tint val="90000"/>
-      </a:schemeClr>
-    </dgm:fillClrLst>
-    <dgm:linClrLst meth="repeat">
-      <a:schemeClr val="accent2"/>
-    </dgm:linClrLst>
-    <dgm:effectClrLst/>
-    <dgm:txLinClrLst/>
-    <dgm:txFillClrLst meth="repeat">
-      <a:schemeClr val="tx1"/>
-    </dgm:txFillClrLst>
-    <dgm:txEffectClrLst/>
-  </dgm:styleLbl>
-  <dgm:styleLbl name="parChTrans1D3">
-    <dgm:fillClrLst meth="repeat">
-      <a:schemeClr val="accent4">
-        <a:tint val="70000"/>
-      </a:schemeClr>
-    </dgm:fillClrLst>
-    <dgm:linClrLst meth="repeat">
-      <a:schemeClr val="accent3"/>
-    </dgm:linClrLst>
-    <dgm:effectClrLst/>
-    <dgm:txLinClrLst/>
-    <dgm:txFillClrLst meth="repeat">
-      <a:schemeClr val="tx1"/>
-    </dgm:txFillClrLst>
-    <dgm:txEffectClrLst/>
-  </dgm:styleLbl>
   <dgm:styleLbl name="parChTrans1D4">
     <dgm:fillClrLst meth="repeat">
-      <a:schemeClr val="accent5">
-        <a:tint val="50000"/>
-      </a:schemeClr>
+      <a:schemeClr val="accent4"/>
     </dgm:fillClrLst>
     <dgm:linClrLst meth="repeat">
-      <a:schemeClr val="accent4"/>
+      <a:schemeClr val="accent4">
+        <a:shade val="80000"/>
+      </a:schemeClr>
     </dgm:linClrLst>
     <dgm:effectClrLst/>
     <dgm:txLinClrLst/>
@@ -5704,11 +5660,7 @@
       </a:schemeClr>
     </dgm:fillClrLst>
     <dgm:linClrLst meth="repeat">
-      <a:schemeClr val="accent2"/>
-      <a:schemeClr val="accent3"/>
       <a:schemeClr val="accent4"/>
-      <a:schemeClr val="accent5"/>
-      <a:schemeClr val="accent6"/>
     </dgm:linClrLst>
     <dgm:effectClrLst/>
     <dgm:txLinClrLst/>
@@ -5724,11 +5676,7 @@
       </a:schemeClr>
     </dgm:fillClrLst>
     <dgm:linClrLst meth="repeat">
-      <a:schemeClr val="accent2"/>
-      <a:schemeClr val="accent3"/>
       <a:schemeClr val="accent4"/>
-      <a:schemeClr val="accent5"/>
-      <a:schemeClr val="accent6"/>
     </dgm:linClrLst>
     <dgm:effectClrLst/>
     <dgm:txLinClrLst/>
@@ -5744,11 +5692,7 @@
       </a:schemeClr>
     </dgm:fillClrLst>
     <dgm:linClrLst meth="repeat">
-      <a:schemeClr val="accent2"/>
-      <a:schemeClr val="accent3"/>
       <a:schemeClr val="accent4"/>
-      <a:schemeClr val="accent5"/>
-      <a:schemeClr val="accent6"/>
     </dgm:linClrLst>
     <dgm:effectClrLst/>
     <dgm:txLinClrLst/>
@@ -5764,7 +5708,7 @@
       </a:schemeClr>
     </dgm:fillClrLst>
     <dgm:linClrLst meth="repeat">
-      <a:schemeClr val="accent1"/>
+      <a:schemeClr val="accent4"/>
     </dgm:linClrLst>
     <dgm:effectClrLst/>
     <dgm:txLinClrLst/>
@@ -5780,11 +5724,7 @@
       </a:schemeClr>
     </dgm:fillClrLst>
     <dgm:linClrLst meth="repeat">
-      <a:schemeClr val="accent2"/>
-      <a:schemeClr val="accent3"/>
       <a:schemeClr val="accent4"/>
-      <a:schemeClr val="accent5"/>
-      <a:schemeClr val="accent6"/>
     </dgm:linClrLst>
     <dgm:effectClrLst/>
     <dgm:txLinClrLst/>
@@ -5798,11 +5738,7 @@
       <a:schemeClr val="lt1"/>
     </dgm:fillClrLst>
     <dgm:linClrLst meth="repeat">
-      <a:schemeClr val="accent2"/>
-      <a:schemeClr val="accent3"/>
       <a:schemeClr val="accent4"/>
-      <a:schemeClr val="accent5"/>
-      <a:schemeClr val="accent6"/>
     </dgm:linClrLst>
     <dgm:effectClrLst/>
     <dgm:txLinClrLst/>
@@ -5816,11 +5752,7 @@
       <a:schemeClr val="lt1"/>
     </dgm:fillClrLst>
     <dgm:linClrLst meth="repeat">
-      <a:schemeClr val="accent2"/>
-      <a:schemeClr val="accent3"/>
       <a:schemeClr val="accent4"/>
-      <a:schemeClr val="accent5"/>
-      <a:schemeClr val="accent6"/>
     </dgm:linClrLst>
     <dgm:effectClrLst/>
     <dgm:txLinClrLst/>
@@ -5834,11 +5766,7 @@
       <a:schemeClr val="lt1"/>
     </dgm:fillClrLst>
     <dgm:linClrLst meth="repeat">
-      <a:schemeClr val="accent2"/>
-      <a:schemeClr val="accent3"/>
       <a:schemeClr val="accent4"/>
-      <a:schemeClr val="accent5"/>
-      <a:schemeClr val="accent6"/>
     </dgm:linClrLst>
     <dgm:effectClrLst/>
     <dgm:txLinClrLst/>
@@ -5849,47 +5777,15 @@
   </dgm:styleLbl>
   <dgm:styleLbl name="fgAccFollowNode1">
     <dgm:fillClrLst meth="repeat">
-      <a:schemeClr val="accent2">
+      <a:schemeClr val="accent4">
+        <a:alpha val="90000"/>
         <a:tint val="40000"/>
+      </a:schemeClr>
+    </dgm:fillClrLst>
+    <dgm:linClrLst meth="repeat">
+      <a:schemeClr val="accent4">
         <a:alpha val="90000"/>
-      </a:schemeClr>
-      <a:schemeClr val="accent3">
         <a:tint val="40000"/>
-        <a:alpha val="90000"/>
-      </a:schemeClr>
-      <a:schemeClr val="accent4">
-        <a:tint val="40000"/>
-        <a:alpha val="90000"/>
-      </a:schemeClr>
-      <a:schemeClr val="accent5">
-        <a:tint val="40000"/>
-        <a:alpha val="90000"/>
-      </a:schemeClr>
-      <a:schemeClr val="accent6">
-        <a:tint val="40000"/>
-        <a:alpha val="90000"/>
-      </a:schemeClr>
-    </dgm:fillClrLst>
-    <dgm:linClrLst meth="repeat">
-      <a:schemeClr val="accent2">
-        <a:tint val="40000"/>
-        <a:alpha val="90000"/>
-      </a:schemeClr>
-      <a:schemeClr val="accent3">
-        <a:tint val="40000"/>
-        <a:alpha val="90000"/>
-      </a:schemeClr>
-      <a:schemeClr val="accent4">
-        <a:tint val="40000"/>
-        <a:alpha val="90000"/>
-      </a:schemeClr>
-      <a:schemeClr val="accent5">
-        <a:tint val="40000"/>
-        <a:alpha val="90000"/>
-      </a:schemeClr>
-      <a:schemeClr val="accent6">
-        <a:tint val="40000"/>
-        <a:alpha val="90000"/>
       </a:schemeClr>
     </dgm:linClrLst>
     <dgm:effectClrLst/>
@@ -5901,47 +5797,15 @@
   </dgm:styleLbl>
   <dgm:styleLbl name="alignAccFollowNode1">
     <dgm:fillClrLst meth="repeat">
-      <a:schemeClr val="accent2">
+      <a:schemeClr val="accent4">
+        <a:alpha val="90000"/>
         <a:tint val="40000"/>
+      </a:schemeClr>
+    </dgm:fillClrLst>
+    <dgm:linClrLst meth="repeat">
+      <a:schemeClr val="accent4">
         <a:alpha val="90000"/>
-      </a:schemeClr>
-      <a:schemeClr val="accent3">
         <a:tint val="40000"/>
-        <a:alpha val="90000"/>
-      </a:schemeClr>
-      <a:schemeClr val="accent4">
-        <a:tint val="40000"/>
-        <a:alpha val="90000"/>
-      </a:schemeClr>
-      <a:schemeClr val="accent5">
-        <a:tint val="40000"/>
-        <a:alpha val="90000"/>
-      </a:schemeClr>
-      <a:schemeClr val="accent6">
-        <a:tint val="40000"/>
-        <a:alpha val="90000"/>
-      </a:schemeClr>
-    </dgm:fillClrLst>
-    <dgm:linClrLst meth="repeat">
-      <a:schemeClr val="accent2">
-        <a:tint val="40000"/>
-        <a:alpha val="90000"/>
-      </a:schemeClr>
-      <a:schemeClr val="accent3">
-        <a:tint val="40000"/>
-        <a:alpha val="90000"/>
-      </a:schemeClr>
-      <a:schemeClr val="accent4">
-        <a:tint val="40000"/>
-        <a:alpha val="90000"/>
-      </a:schemeClr>
-      <a:schemeClr val="accent5">
-        <a:tint val="40000"/>
-        <a:alpha val="90000"/>
-      </a:schemeClr>
-      <a:schemeClr val="accent6">
-        <a:tint val="40000"/>
-        <a:alpha val="90000"/>
       </a:schemeClr>
     </dgm:linClrLst>
     <dgm:effectClrLst/>
@@ -5953,47 +5817,15 @@
   </dgm:styleLbl>
   <dgm:styleLbl name="bgAccFollowNode1">
     <dgm:fillClrLst meth="repeat">
-      <a:schemeClr val="accent2">
+      <a:schemeClr val="accent4">
+        <a:alpha val="90000"/>
         <a:tint val="40000"/>
+      </a:schemeClr>
+    </dgm:fillClrLst>
+    <dgm:linClrLst meth="repeat">
+      <a:schemeClr val="accent4">
         <a:alpha val="90000"/>
-      </a:schemeClr>
-      <a:schemeClr val="accent3">
         <a:tint val="40000"/>
-        <a:alpha val="90000"/>
-      </a:schemeClr>
-      <a:schemeClr val="accent4">
-        <a:tint val="40000"/>
-        <a:alpha val="90000"/>
-      </a:schemeClr>
-      <a:schemeClr val="accent5">
-        <a:tint val="40000"/>
-        <a:alpha val="90000"/>
-      </a:schemeClr>
-      <a:schemeClr val="accent6">
-        <a:tint val="40000"/>
-        <a:alpha val="90000"/>
-      </a:schemeClr>
-    </dgm:fillClrLst>
-    <dgm:linClrLst meth="repeat">
-      <a:schemeClr val="accent2">
-        <a:tint val="40000"/>
-        <a:alpha val="90000"/>
-      </a:schemeClr>
-      <a:schemeClr val="accent3">
-        <a:tint val="40000"/>
-        <a:alpha val="90000"/>
-      </a:schemeClr>
-      <a:schemeClr val="accent4">
-        <a:tint val="40000"/>
-        <a:alpha val="90000"/>
-      </a:schemeClr>
-      <a:schemeClr val="accent5">
-        <a:tint val="40000"/>
-        <a:alpha val="90000"/>
-      </a:schemeClr>
-      <a:schemeClr val="accent6">
-        <a:tint val="40000"/>
-        <a:alpha val="90000"/>
       </a:schemeClr>
     </dgm:linClrLst>
     <dgm:effectClrLst/>
@@ -6009,8 +5841,8 @@
         <a:alpha val="90000"/>
       </a:schemeClr>
     </dgm:fillClrLst>
-    <dgm:linClrLst>
-      <a:schemeClr val="accent1"/>
+    <dgm:linClrLst meth="repeat">
+      <a:schemeClr val="accent4"/>
     </dgm:linClrLst>
     <dgm:effectClrLst/>
     <dgm:txLinClrLst/>
@@ -6025,8 +5857,8 @@
         <a:alpha val="90000"/>
       </a:schemeClr>
     </dgm:fillClrLst>
-    <dgm:linClrLst>
-      <a:schemeClr val="accent2"/>
+    <dgm:linClrLst meth="repeat">
+      <a:schemeClr val="accent4"/>
     </dgm:linClrLst>
     <dgm:effectClrLst/>
     <dgm:txLinClrLst/>
@@ -6041,8 +5873,8 @@
         <a:alpha val="90000"/>
       </a:schemeClr>
     </dgm:fillClrLst>
-    <dgm:linClrLst>
-      <a:schemeClr val="accent3"/>
+    <dgm:linClrLst meth="repeat">
+      <a:schemeClr val="accent4"/>
     </dgm:linClrLst>
     <dgm:effectClrLst/>
     <dgm:txLinClrLst/>
@@ -6057,7 +5889,7 @@
         <a:alpha val="90000"/>
       </a:schemeClr>
     </dgm:fillClrLst>
-    <dgm:linClrLst>
+    <dgm:linClrLst meth="repeat">
       <a:schemeClr val="accent4"/>
     </dgm:linClrLst>
     <dgm:effectClrLst/>
@@ -6069,11 +5901,7 @@
   </dgm:styleLbl>
   <dgm:styleLbl name="bgShp">
     <dgm:fillClrLst meth="repeat">
-      <a:schemeClr val="accent2"/>
-      <a:schemeClr val="accent3"/>
       <a:schemeClr val="accent4"/>
-      <a:schemeClr val="accent5"/>
-      <a:schemeClr val="accent6"/>
     </dgm:fillClrLst>
     <dgm:linClrLst meth="repeat">
       <a:schemeClr val="lt1">
@@ -6087,12 +5915,12 @@
   </dgm:styleLbl>
   <dgm:styleLbl name="dkBgShp">
     <dgm:fillClrLst meth="repeat">
-      <a:schemeClr val="accent2">
-        <a:shade val="90000"/>
+      <a:schemeClr val="accent4">
+        <a:shade val="80000"/>
       </a:schemeClr>
     </dgm:fillClrLst>
     <dgm:linClrLst meth="repeat">
-      <a:schemeClr val="dk1"/>
+      <a:schemeClr val="accent4"/>
     </dgm:linClrLst>
     <dgm:effectClrLst/>
     <dgm:txLinClrLst/>
@@ -6103,13 +5931,13 @@
   </dgm:styleLbl>
   <dgm:styleLbl name="trBgShp">
     <dgm:fillClrLst meth="repeat">
-      <a:schemeClr val="accent1">
+      <a:schemeClr val="accent4">
         <a:tint val="50000"/>
         <a:alpha val="40000"/>
       </a:schemeClr>
     </dgm:fillClrLst>
     <dgm:linClrLst meth="repeat">
-      <a:schemeClr val="accent2"/>
+      <a:schemeClr val="accent4"/>
     </dgm:linClrLst>
     <dgm:effectClrLst/>
     <dgm:txLinClrLst/>
@@ -6120,8 +5948,8 @@
   </dgm:styleLbl>
   <dgm:styleLbl name="fgShp">
     <dgm:fillClrLst meth="repeat">
-      <a:schemeClr val="accent2">
-        <a:tint val="40000"/>
+      <a:schemeClr val="accent4">
+        <a:tint val="60000"/>
       </a:schemeClr>
     </dgm:fillClrLst>
     <dgm:linClrLst meth="repeat">
@@ -6148,7 +5976,7 @@
     <dgm:effectClrLst/>
     <dgm:txLinClrLst/>
     <dgm:txFillClrLst meth="repeat">
-      <a:schemeClr val="bg1"/>
+      <a:schemeClr val="tx1"/>
     </dgm:txFillClrLst>
     <dgm:txEffectClrLst/>
   </dgm:styleLbl>
@@ -7102,7 +6930,7 @@
             <a:rPr lang="en-US" b="0" i="0" dirty="0">
               <a:latin typeface="+mn-lt"/>
             </a:rPr>
-            <a:t>Park Me is an all-in-one app to take the stress out of finding a place to park in 3 easy steps. Sign up for a completely free account, find a spot closest to where you need to go, and check in to your chosen garage.</a:t>
+            <a:t>Park Me is an all-in-one Site to take the stress out of finding a place to park in 3 easy steps. Sign up for a completely free account, find a spot closest to where you need to go, and check in to your chosen garage.</a:t>
           </a:r>
           <a:endParaRPr lang="en-US" dirty="0">
             <a:latin typeface="+mn-lt"/>
@@ -7273,7 +7101,7 @@
   <dgm:whole/>
   <dgm:extLst>
     <a:ext uri="http://schemas.microsoft.com/office/drawing/2008/diagram">
-      <dsp:dataModelExt xmlns:dsp="http://schemas.microsoft.com/office/drawing/2008/diagram" relId="rId8" minVer="http://schemas.openxmlformats.org/drawingml/2006/diagram"/>
+      <dsp:dataModelExt xmlns:dsp="http://schemas.microsoft.com/office/drawing/2008/diagram" relId="rId9" minVer="http://schemas.openxmlformats.org/drawingml/2006/diagram"/>
     </a:ext>
   </dgm:extLst>
 </dgm:dataModel>
@@ -7302,7 +7130,7 @@
         <a:p>
           <a:r>
             <a:rPr lang="en-US" dirty="0"/>
-            <a:t>The car owner enters their location on the website and books a spot. When he reaches the parking lot, a sensor will read the license plate and feed it in the database to save his place on the site. The site will then guide the owner to the dedicated spot. </a:t>
+            <a:t>The car owner enters their location on the website. When he reaches the parking lot, a sensor will read the license plate and feed it in the database to save his place on the site “Future”. The site will then guide the owner to the dedicated spot. </a:t>
           </a:r>
         </a:p>
       </dgm:t>
@@ -7342,7 +7170,7 @@
           </a:r>
           <a:r>
             <a:rPr lang="en-US" dirty="0"/>
-            <a:t> fee is free, as we just started.</a:t>
+            <a:t> fee is free, as we just started. For Future, we will be able to add various of payment methods.</a:t>
           </a:r>
         </a:p>
       </dgm:t>
@@ -7378,7 +7206,7 @@
         <a:p>
           <a:r>
             <a:rPr lang="en-US" dirty="0"/>
-            <a:t>With the Park Me site, you will find available parking spots that are ideally located. The Park Me site gives you a perfect overview of parking spots close to your destination. Parking Finder not only saves you time but allows you to plan every trip with ease and confidence.</a:t>
+            <a:t>With the Park Me site, you will find available parking spots that are ideally located. The Park Me site gives you a perfect overview of parking spots close to your destination. Parking Me not only saves you time but allows you to plan every trip with ease and confidence.</a:t>
           </a:r>
         </a:p>
       </dgm:t>
@@ -7697,7 +7525,7 @@
   <dgm:whole/>
   <dgm:extLst>
     <a:ext uri="http://schemas.microsoft.com/office/drawing/2008/diagram">
-      <dsp:dataModelExt xmlns:dsp="http://schemas.microsoft.com/office/drawing/2008/diagram" relId="rId6" minVer="http://schemas.openxmlformats.org/drawingml/2006/diagram"/>
+      <dsp:dataModelExt xmlns:dsp="http://schemas.microsoft.com/office/drawing/2008/diagram" relId="rId7" minVer="http://schemas.openxmlformats.org/drawingml/2006/diagram"/>
     </a:ext>
   </dgm:extLst>
 </dgm:dataModel>
@@ -7707,7 +7535,7 @@
 <dgm:dataModel xmlns:dgm="http://schemas.openxmlformats.org/drawingml/2006/diagram" xmlns:a="http://schemas.openxmlformats.org/drawingml/2006/main">
   <dgm:ptLst>
     <dgm:pt modelId="{48794357-102F-41FD-819E-EB7D203661BE}" type="doc">
-      <dgm:prSet loTypeId="urn:microsoft.com/office/officeart/2005/8/layout/process1" loCatId="process" qsTypeId="urn:microsoft.com/office/officeart/2005/8/quickstyle/simple1" qsCatId="simple" csTypeId="urn:microsoft.com/office/officeart/2005/8/colors/colorful1" csCatId="colorful"/>
+      <dgm:prSet loTypeId="urn:microsoft.com/office/officeart/2005/8/layout/process1" loCatId="process" qsTypeId="urn:microsoft.com/office/officeart/2005/8/quickstyle/simple1" qsCatId="simple" csTypeId="urn:microsoft.com/office/officeart/2005/8/colors/colorful1" csCatId="colorful" phldr="1"/>
       <dgm:spPr/>
       <dgm:t>
         <a:bodyPr/>
@@ -7762,7 +7590,7 @@
         <a:p>
           <a:r>
             <a:rPr lang="en-US" dirty="0"/>
-            <a:t>Luckily, the modern IT industry can implement a solution. Parking apps and sites like our Parking Finder site bring relief to residents since they save time and nerves. The fundamental function of such applications is obtaining and booking free places nearby. </a:t>
+            <a:t>Luckily, the modern IT industry can implement a solution. Parking apps and sites like our Park Me site bring relief to residents since they save time and nerves. The fundamental function of such applications is obtaining and booking free places nearby. </a:t>
           </a:r>
         </a:p>
       </dgm:t>
@@ -7899,7 +7727,7 @@
   <dgm:whole/>
   <dgm:extLst>
     <a:ext uri="http://schemas.microsoft.com/office/drawing/2008/diagram">
-      <dsp:dataModelExt xmlns:dsp="http://schemas.microsoft.com/office/drawing/2008/diagram" relId="rId6" minVer="http://schemas.openxmlformats.org/drawingml/2006/diagram"/>
+      <dsp:dataModelExt xmlns:dsp="http://schemas.microsoft.com/office/drawing/2008/diagram" relId="rId7" minVer="http://schemas.openxmlformats.org/drawingml/2006/diagram"/>
     </a:ext>
   </dgm:extLst>
 </dgm:dataModel>
@@ -7928,7 +7756,7 @@
         <a:p>
           <a:r>
             <a:rPr lang="en-US" dirty="0"/>
-            <a:t>We tested the Search Bar as a user to insert your location. We wanted to make it work with an information bar to show up. Also, we want to search for a resource; when we search for support, we wanted to be able to click on the resource that drops down be brought to that page.</a:t>
+            <a:t>We tested the Sign Up as a user to insert the user information. We wanted to make it work with their information. It worked as we wanted thru the Local Storage information thru the site.</a:t>
           </a:r>
         </a:p>
       </dgm:t>
@@ -8000,7 +7828,7 @@
         <a:p>
           <a:r>
             <a:rPr lang="en-US" dirty="0"/>
-            <a:t>on click, the user should be able to search by anything in the title.</a:t>
+            <a:t>on click, the user should be able to see the Register page.</a:t>
           </a:r>
         </a:p>
       </dgm:t>
@@ -8036,7 +7864,7 @@
         <a:p>
           <a:r>
             <a:rPr lang="en-US" dirty="0"/>
-            <a:t>on input of search, options will drop down below search bar.</a:t>
+            <a:t>on Register page , they will see the information needed from they like username, email and Car information. </a:t>
           </a:r>
         </a:p>
       </dgm:t>
@@ -8053,42 +7881,6 @@
       </dgm:t>
     </dgm:pt>
     <dgm:pt modelId="{89A85E16-DAF9-41F3-90BC-4EED9EF1AD39}" type="sibTrans" cxnId="{213337C6-1737-4FD1-996A-B08BE22E6DA9}">
-      <dgm:prSet/>
-      <dgm:spPr/>
-      <dgm:t>
-        <a:bodyPr/>
-        <a:lstStyle/>
-        <a:p>
-          <a:endParaRPr lang="en-US"/>
-        </a:p>
-      </dgm:t>
-    </dgm:pt>
-    <dgm:pt modelId="{5CB204D4-42F2-4AE2-A10A-F3D54D40AAB5}">
-      <dgm:prSet/>
-      <dgm:spPr/>
-      <dgm:t>
-        <a:bodyPr/>
-        <a:lstStyle/>
-        <a:p>
-          <a:r>
-            <a:rPr lang="en-US" dirty="0"/>
-            <a:t>users search criteria will show options having that have similar (tag) or title elements.</a:t>
-          </a:r>
-        </a:p>
-      </dgm:t>
-    </dgm:pt>
-    <dgm:pt modelId="{E1CBA985-64B5-4D46-99EE-4D1C0F50DDE1}" type="parTrans" cxnId="{6220E347-FAF9-4139-B7C5-A9147D4108E4}">
-      <dgm:prSet/>
-      <dgm:spPr/>
-      <dgm:t>
-        <a:bodyPr/>
-        <a:lstStyle/>
-        <a:p>
-          <a:endParaRPr lang="en-US"/>
-        </a:p>
-      </dgm:t>
-    </dgm:pt>
-    <dgm:pt modelId="{259CD7A6-0F10-4602-BE98-74E88414B64B}" type="sibTrans" cxnId="{6220E347-FAF9-4139-B7C5-A9147D4108E4}">
       <dgm:prSet/>
       <dgm:spPr/>
       <dgm:t>
@@ -8144,7 +7936,7 @@
         <a:p>
           <a:r>
             <a:rPr lang="en-US" dirty="0"/>
-            <a:t>when enter is pressed, it will bring them to the first option in the dropdown list.</a:t>
+            <a:t>when the user enter their information, it will bring them to the first option in the website which is the main page or the last page they visited, which means their info have been taken.</a:t>
           </a:r>
         </a:p>
       </dgm:t>
@@ -8171,41 +7963,25 @@
         </a:p>
       </dgm:t>
     </dgm:pt>
-    <dgm:pt modelId="{1658525D-723E-4BD6-93B2-82C9F4B2986F}">
+    <dgm:pt modelId="{CD6B52C5-F4EF-4944-9BC5-B13CB6BEFA01}">
       <dgm:prSet/>
       <dgm:spPr/>
       <dgm:t>
         <a:bodyPr/>
         <a:lstStyle/>
         <a:p>
-          <a:r>
-            <a:rPr lang="en-US" dirty="0"/>
-            <a:t>On click of search options, you will be redirected to a new page containing your search.</a:t>
-          </a:r>
+          <a:pPr rtl="0"/>
+          <a:endParaRPr lang="en-US" dirty="0"/>
         </a:p>
       </dgm:t>
     </dgm:pt>
-    <dgm:pt modelId="{40B8A44A-3A5E-454C-BB47-696C45E1EA48}" type="parTrans" cxnId="{4E11EFE7-5EFE-4468-9D05-0F51A68E1DEB}">
+    <dgm:pt modelId="{8EC5BB51-C8FD-9049-A5F4-3D2CD7A71121}" type="parTrans" cxnId="{7724337F-C3AD-6940-9401-0EF3A35153E0}">
       <dgm:prSet/>
       <dgm:spPr/>
-      <dgm:t>
-        <a:bodyPr/>
-        <a:lstStyle/>
-        <a:p>
-          <a:endParaRPr lang="en-US"/>
-        </a:p>
-      </dgm:t>
     </dgm:pt>
-    <dgm:pt modelId="{30A712F6-99A2-435D-97C5-144AA1CA70A6}" type="sibTrans" cxnId="{4E11EFE7-5EFE-4468-9D05-0F51A68E1DEB}">
+    <dgm:pt modelId="{8138AB1F-191D-554E-8CEE-D801A2C1AC85}" type="sibTrans" cxnId="{7724337F-C3AD-6940-9401-0EF3A35153E0}">
       <dgm:prSet/>
       <dgm:spPr/>
-      <dgm:t>
-        <a:bodyPr/>
-        <a:lstStyle/>
-        <a:p>
-          <a:endParaRPr lang="en-US"/>
-        </a:p>
-      </dgm:t>
     </dgm:pt>
     <dgm:pt modelId="{BB784B5A-8889-3942-B69A-B9979C6AEB2D}" type="pres">
       <dgm:prSet presAssocID="{9256873C-569D-4476-8EF5-5B396A3BD52B}" presName="linear" presStyleCnt="0">
@@ -8230,7 +8006,7 @@
       <dgm:spPr/>
     </dgm:pt>
     <dgm:pt modelId="{882B0C4A-F1A4-094B-B1E0-CB4EA41E184D}" type="pres">
-      <dgm:prSet presAssocID="{3D4EFA91-4BC0-4534-8138-6C59FC8AD664}" presName="parentText" presStyleLbl="node1" presStyleIdx="1" presStyleCnt="3">
+      <dgm:prSet presAssocID="{3D4EFA91-4BC0-4534-8138-6C59FC8AD664}" presName="parentText" presStyleLbl="node1" presStyleIdx="1" presStyleCnt="3" custScaleY="56145">
         <dgm:presLayoutVars>
           <dgm:chMax val="0"/>
           <dgm:bulletEnabled val="1"/>
@@ -8247,7 +8023,7 @@
       <dgm:spPr/>
     </dgm:pt>
     <dgm:pt modelId="{B1D12D49-C0A2-A540-8DEA-64213FC9C517}" type="pres">
-      <dgm:prSet presAssocID="{3C4D56A5-B042-4A94-AE3F-8EF8246A8FD1}" presName="parentText" presStyleLbl="node1" presStyleIdx="2" presStyleCnt="3">
+      <dgm:prSet presAssocID="{3C4D56A5-B042-4A94-AE3F-8EF8246A8FD1}" presName="parentText" presStyleLbl="node1" presStyleIdx="2" presStyleCnt="3" custScaleY="57263">
         <dgm:presLayoutVars>
           <dgm:chMax val="0"/>
           <dgm:bulletEnabled val="1"/>
@@ -8265,21 +8041,19 @@
     </dgm:pt>
   </dgm:ptLst>
   <dgm:cxnLst>
+    <dgm:cxn modelId="{021FCD29-CEE8-C448-B3CE-DDFD6F7502C6}" type="presOf" srcId="{CD6B52C5-F4EF-4944-9BC5-B13CB6BEFA01}" destId="{33A1E495-FE54-8E4D-91D0-6E7E7759EA61}" srcOrd="0" destOrd="1" presId="urn:microsoft.com/office/officeart/2005/8/layout/vList2"/>
     <dgm:cxn modelId="{5D9BC32D-5ABD-6E43-ABEE-AAB3EC9933A0}" type="presOf" srcId="{3C4D56A5-B042-4A94-AE3F-8EF8246A8FD1}" destId="{B1D12D49-C0A2-A540-8DEA-64213FC9C517}" srcOrd="0" destOrd="0" presId="urn:microsoft.com/office/officeart/2005/8/layout/vList2"/>
-    <dgm:cxn modelId="{1BA34234-73FE-1646-88D8-2378BDD8F4F4}" type="presOf" srcId="{5CB204D4-42F2-4AE2-A10A-F3D54D40AAB5}" destId="{A3FB1F71-C11D-2741-8750-883CA1466F73}" srcOrd="0" destOrd="2" presId="urn:microsoft.com/office/officeart/2005/8/layout/vList2"/>
     <dgm:cxn modelId="{76629B3A-78E5-4F92-8A65-97C96297FA44}" srcId="{3D4EFA91-4BC0-4534-8138-6C59FC8AD664}" destId="{FDF86148-FD33-42D2-9486-39613670B153}" srcOrd="0" destOrd="0" parTransId="{C7DA06DA-3E3C-4FA0-A749-E9CB4431D3B9}" sibTransId="{75E3D11F-9363-4AFA-9FBE-5040FF9F4E7F}"/>
-    <dgm:cxn modelId="{6220E347-FAF9-4139-B7C5-A9147D4108E4}" srcId="{3D4EFA91-4BC0-4534-8138-6C59FC8AD664}" destId="{5CB204D4-42F2-4AE2-A10A-F3D54D40AAB5}" srcOrd="2" destOrd="0" parTransId="{E1CBA985-64B5-4D46-99EE-4D1C0F50DDE1}" sibTransId="{259CD7A6-0F10-4602-BE98-74E88414B64B}"/>
     <dgm:cxn modelId="{76880B48-6D16-F441-8998-9AADADF57587}" type="presOf" srcId="{A760A211-6461-417C-8D97-6D0BC9B6AA34}" destId="{A3FB1F71-C11D-2741-8750-883CA1466F73}" srcOrd="0" destOrd="1" presId="urn:microsoft.com/office/officeart/2005/8/layout/vList2"/>
     <dgm:cxn modelId="{8EB40B4A-268B-46F7-94AF-33139563AC2A}" srcId="{9256873C-569D-4476-8EF5-5B396A3BD52B}" destId="{3D4EFA91-4BC0-4534-8138-6C59FC8AD664}" srcOrd="1" destOrd="0" parTransId="{96099F48-22A4-452A-ADCC-76CACACFE84E}" sibTransId="{FE4C70E5-0856-4DC5-9A12-06E8382A9834}"/>
     <dgm:cxn modelId="{A40C1A5C-2381-9443-B5F7-3AAD6C8ADE40}" type="presOf" srcId="{3D4EFA91-4BC0-4534-8138-6C59FC8AD664}" destId="{882B0C4A-F1A4-094B-B1E0-CB4EA41E184D}" srcOrd="0" destOrd="0" presId="urn:microsoft.com/office/officeart/2005/8/layout/vList2"/>
     <dgm:cxn modelId="{350E2F60-A963-724C-AFEA-708F537E81BA}" type="presOf" srcId="{9256873C-569D-4476-8EF5-5B396A3BD52B}" destId="{BB784B5A-8889-3942-B69A-B9979C6AEB2D}" srcOrd="0" destOrd="0" presId="urn:microsoft.com/office/officeart/2005/8/layout/vList2"/>
     <dgm:cxn modelId="{9DDD326E-500B-464A-8CF2-8767B039407B}" type="presOf" srcId="{E841C8F1-BEA9-497F-AA58-493FE1E2B5CD}" destId="{6D687261-6895-DF4C-8628-C1FB21F103CB}" srcOrd="0" destOrd="0" presId="urn:microsoft.com/office/officeart/2005/8/layout/vList2"/>
-    <dgm:cxn modelId="{D00EF17E-501D-8646-A038-EFE21EF4404C}" type="presOf" srcId="{1658525D-723E-4BD6-93B2-82C9F4B2986F}" destId="{33A1E495-FE54-8E4D-91D0-6E7E7759EA61}" srcOrd="0" destOrd="1" presId="urn:microsoft.com/office/officeart/2005/8/layout/vList2"/>
+    <dgm:cxn modelId="{7724337F-C3AD-6940-9401-0EF3A35153E0}" srcId="{3C4D56A5-B042-4A94-AE3F-8EF8246A8FD1}" destId="{CD6B52C5-F4EF-4944-9BC5-B13CB6BEFA01}" srcOrd="1" destOrd="0" parTransId="{8EC5BB51-C8FD-9049-A5F4-3D2CD7A71121}" sibTransId="{8138AB1F-191D-554E-8CEE-D801A2C1AC85}"/>
     <dgm:cxn modelId="{3EED9D83-F7EF-D44C-90A2-172BB713A6FB}" type="presOf" srcId="{9F60FACF-13BC-4DA5-8788-4781C67D7C3A}" destId="{33A1E495-FE54-8E4D-91D0-6E7E7759EA61}" srcOrd="0" destOrd="0" presId="urn:microsoft.com/office/officeart/2005/8/layout/vList2"/>
     <dgm:cxn modelId="{088C9A93-543F-4611-A1E3-5BD536761548}" srcId="{3C4D56A5-B042-4A94-AE3F-8EF8246A8FD1}" destId="{9F60FACF-13BC-4DA5-8788-4781C67D7C3A}" srcOrd="0" destOrd="0" parTransId="{3F969047-0286-499F-A43B-F551B7B044F0}" sibTransId="{2854D816-5411-4294-847A-1073646C4FED}"/>
     <dgm:cxn modelId="{B0A894B3-43F2-C047-AE54-2671565D1A8E}" type="presOf" srcId="{FDF86148-FD33-42D2-9486-39613670B153}" destId="{A3FB1F71-C11D-2741-8750-883CA1466F73}" srcOrd="0" destOrd="0" presId="urn:microsoft.com/office/officeart/2005/8/layout/vList2"/>
     <dgm:cxn modelId="{213337C6-1737-4FD1-996A-B08BE22E6DA9}" srcId="{3D4EFA91-4BC0-4534-8138-6C59FC8AD664}" destId="{A760A211-6461-417C-8D97-6D0BC9B6AA34}" srcOrd="1" destOrd="0" parTransId="{D7C8F57A-A330-4EE3-8F51-46A91CB0F9FD}" sibTransId="{89A85E16-DAF9-41F3-90BC-4EED9EF1AD39}"/>
-    <dgm:cxn modelId="{4E11EFE7-5EFE-4468-9D05-0F51A68E1DEB}" srcId="{3C4D56A5-B042-4A94-AE3F-8EF8246A8FD1}" destId="{1658525D-723E-4BD6-93B2-82C9F4B2986F}" srcOrd="1" destOrd="0" parTransId="{40B8A44A-3A5E-454C-BB47-696C45E1EA48}" sibTransId="{30A712F6-99A2-435D-97C5-144AA1CA70A6}"/>
     <dgm:cxn modelId="{5DEB50ED-1996-4AEE-9C64-67004A27A948}" srcId="{9256873C-569D-4476-8EF5-5B396A3BD52B}" destId="{E841C8F1-BEA9-497F-AA58-493FE1E2B5CD}" srcOrd="0" destOrd="0" parTransId="{76BEC058-8BEE-4755-AEED-12B893BB30CF}" sibTransId="{53DD29B7-F8A1-4B17-9886-54364541714A}"/>
     <dgm:cxn modelId="{28F04CFF-A0EA-472E-88A9-BC03F3D50C1B}" srcId="{9256873C-569D-4476-8EF5-5B396A3BD52B}" destId="{3C4D56A5-B042-4A94-AE3F-8EF8246A8FD1}" srcOrd="2" destOrd="0" parTransId="{2EBA5D6A-2748-41B5-A9A9-58F854481DC1}" sibTransId="{766CC270-6222-4752-9B66-C21827726247}"/>
     <dgm:cxn modelId="{BC5B4D22-AA25-8948-9E16-1B31D4DFD653}" type="presParOf" srcId="{BB784B5A-8889-3942-B69A-B9979C6AEB2D}" destId="{6D687261-6895-DF4C-8628-C1FB21F103CB}" srcOrd="0" destOrd="0" presId="urn:microsoft.com/office/officeart/2005/8/layout/vList2"/>
@@ -8293,7 +8067,7 @@
   <dgm:whole/>
   <dgm:extLst>
     <a:ext uri="http://schemas.microsoft.com/office/drawing/2008/diagram">
-      <dsp:dataModelExt xmlns:dsp="http://schemas.microsoft.com/office/drawing/2008/diagram" relId="rId6" minVer="http://schemas.openxmlformats.org/drawingml/2006/diagram"/>
+      <dsp:dataModelExt xmlns:dsp="http://schemas.microsoft.com/office/drawing/2008/diagram" relId="rId7" minVer="http://schemas.openxmlformats.org/drawingml/2006/diagram"/>
     </a:ext>
   </dgm:extLst>
 </dgm:dataModel>
@@ -8621,7 +8395,7 @@
   <dgm:whole/>
   <dgm:extLst>
     <a:ext uri="http://schemas.microsoft.com/office/drawing/2008/diagram">
-      <dsp:dataModelExt xmlns:dsp="http://schemas.microsoft.com/office/drawing/2008/diagram" relId="rId6" minVer="http://schemas.openxmlformats.org/drawingml/2006/diagram"/>
+      <dsp:dataModelExt xmlns:dsp="http://schemas.microsoft.com/office/drawing/2008/diagram" relId="rId7" minVer="http://schemas.openxmlformats.org/drawingml/2006/diagram"/>
     </a:ext>
   </dgm:extLst>
 </dgm:dataModel>
@@ -9118,7 +8892,7 @@
   <dgm:whole/>
   <dgm:extLst>
     <a:ext uri="http://schemas.microsoft.com/office/drawing/2008/diagram">
-      <dsp:dataModelExt xmlns:dsp="http://schemas.microsoft.com/office/drawing/2008/diagram" relId="rId7" minVer="http://schemas.openxmlformats.org/drawingml/2006/diagram"/>
+      <dsp:dataModelExt xmlns:dsp="http://schemas.microsoft.com/office/drawing/2008/diagram" relId="rId8" minVer="http://schemas.openxmlformats.org/drawingml/2006/diagram"/>
     </a:ext>
   </dgm:extLst>
 </dgm:dataModel>
@@ -9127,8 +8901,8 @@
 <file path=ppt/diagrams/data7.xml><?xml version="1.0" encoding="utf-8"?>
 <dgm:dataModel xmlns:dgm="http://schemas.openxmlformats.org/drawingml/2006/diagram" xmlns:a="http://schemas.openxmlformats.org/drawingml/2006/main">
   <dgm:ptLst>
-    <dgm:pt modelId="{DEBC08DE-D4B9-49B3-AE23-447C90AEB136}" type="doc">
-      <dgm:prSet loTypeId="urn:microsoft.com/office/officeart/2018/2/layout/IconVerticalSolidList" loCatId="icon" qsTypeId="urn:microsoft.com/office/officeart/2005/8/quickstyle/simple1" qsCatId="simple" csTypeId="urn:microsoft.com/office/officeart/2018/5/colors/Iconchunking_neutralicontext_colorful1" csCatId="colorful" phldr="1"/>
+    <dgm:pt modelId="{84E32B9B-FD57-408C-B439-AF016CD55C9C}" type="doc">
+      <dgm:prSet loTypeId="urn:microsoft.com/office/officeart/2018/2/layout/IconCircleList" loCatId="icon" qsTypeId="urn:microsoft.com/office/officeart/2005/8/quickstyle/simple1" qsCatId="simple" csTypeId="urn:microsoft.com/office/officeart/2018/5/colors/Iconchunking_neutralicon_accent4_2" csCatId="accent4" phldr="1"/>
       <dgm:spPr/>
       <dgm:t>
         <a:bodyPr/>
@@ -9138,13 +8912,18 @@
         </a:p>
       </dgm:t>
     </dgm:pt>
-    <dgm:pt modelId="{64D6A350-7893-4CD0-B7A0-6333AD389926}">
+    <dgm:pt modelId="{4DE91A29-169F-4400-99DE-3C3D4A70A7DD}">
       <dgm:prSet/>
       <dgm:spPr/>
       <dgm:t>
         <a:bodyPr/>
         <a:lstStyle/>
         <a:p>
+          <a:pPr>
+            <a:lnSpc>
+              <a:spcPct val="100000"/>
+            </a:lnSpc>
+          </a:pPr>
           <a:r>
             <a:rPr lang="en-US"/>
             <a:t>Google Maps</a:t>
@@ -9152,7 +8931,7 @@
         </a:p>
       </dgm:t>
     </dgm:pt>
-    <dgm:pt modelId="{7977A0FD-1B50-4E71-988A-D766D751ED7E}" type="parTrans" cxnId="{C130741F-9A34-4E98-986E-4354731C87A6}">
+    <dgm:pt modelId="{75524E49-107C-4FA5-854F-31D401FA403B}" type="parTrans" cxnId="{6B0B3615-AF23-4FCA-B0C9-A8E81D82DEB0}">
       <dgm:prSet/>
       <dgm:spPr/>
       <dgm:t>
@@ -9163,7 +8942,42 @@
         </a:p>
       </dgm:t>
     </dgm:pt>
-    <dgm:pt modelId="{DF770BFD-D1BA-4AE4-A93F-A3E04F00BBEA}" type="sibTrans" cxnId="{C130741F-9A34-4E98-986E-4354731C87A6}">
+    <dgm:pt modelId="{538BC557-F29F-44C7-8374-B785741A09A0}" type="sibTrans" cxnId="{6B0B3615-AF23-4FCA-B0C9-A8E81D82DEB0}">
+      <dgm:prSet/>
+      <dgm:spPr/>
+      <dgm:t>
+        <a:bodyPr/>
+        <a:lstStyle/>
+        <a:p>
+          <a:pPr>
+            <a:lnSpc>
+              <a:spcPct val="100000"/>
+            </a:lnSpc>
+          </a:pPr>
+          <a:endParaRPr lang="en-US"/>
+        </a:p>
+      </dgm:t>
+    </dgm:pt>
+    <dgm:pt modelId="{7C5BBA54-2789-402C-9F27-8BF029D0B840}">
+      <dgm:prSet/>
+      <dgm:spPr/>
+      <dgm:t>
+        <a:bodyPr/>
+        <a:lstStyle/>
+        <a:p>
+          <a:pPr>
+            <a:lnSpc>
+              <a:spcPct val="100000"/>
+            </a:lnSpc>
+          </a:pPr>
+          <a:r>
+            <a:rPr lang="en-US"/>
+            <a:t>GPS is an essential option since it is the main thing about our site users with one primary function of our site, which is obtaining a parking spot near the parking location. Such an application can't book the free parking spot. </a:t>
+          </a:r>
+        </a:p>
+      </dgm:t>
+    </dgm:pt>
+    <dgm:pt modelId="{84515A20-A696-4FD5-A2A0-8854102BBD3C}" type="parTrans" cxnId="{03B6E730-C3DB-42B3-AE3F-F3B7E803DC37}">
       <dgm:prSet/>
       <dgm:spPr/>
       <dgm:t>
@@ -9174,21 +8988,42 @@
         </a:p>
       </dgm:t>
     </dgm:pt>
-    <dgm:pt modelId="{BCD202AC-49A4-4BFA-9708-EA3B20B94E95}">
+    <dgm:pt modelId="{1698248E-E44E-4250-A255-20C712D05655}" type="sibTrans" cxnId="{03B6E730-C3DB-42B3-AE3F-F3B7E803DC37}">
       <dgm:prSet/>
       <dgm:spPr/>
       <dgm:t>
         <a:bodyPr/>
         <a:lstStyle/>
         <a:p>
+          <a:pPr>
+            <a:lnSpc>
+              <a:spcPct val="100000"/>
+            </a:lnSpc>
+          </a:pPr>
+          <a:endParaRPr lang="en-US"/>
+        </a:p>
+      </dgm:t>
+    </dgm:pt>
+    <dgm:pt modelId="{4D259DA8-11AE-422A-9089-F2D55E930D16}">
+      <dgm:prSet/>
+      <dgm:spPr/>
+      <dgm:t>
+        <a:bodyPr/>
+        <a:lstStyle/>
+        <a:p>
+          <a:pPr>
+            <a:lnSpc>
+              <a:spcPct val="100000"/>
+            </a:lnSpc>
+          </a:pPr>
           <a:r>
             <a:rPr lang="en-US"/>
-            <a:t>GPS is an essential option since it is the main thing about our site users with one primary function of our site, which is obtaining a parking spot near the parking location. Such an application can't book the free parking spot. </a:t>
+            <a:t>The map that we used is different from another because it allows users to find the chosen parking spot they need. Additionally, the site can navigate the driver to the booked place.</a:t>
           </a:r>
         </a:p>
       </dgm:t>
     </dgm:pt>
-    <dgm:pt modelId="{9AC4E4A9-A0E1-4F9F-BDB9-8CD734982DE0}" type="parTrans" cxnId="{7EE3F480-1C04-4AFF-AB34-5828CC7D7B22}">
+    <dgm:pt modelId="{3A57AC02-0858-4A9B-A9DF-05E6EBDE0CED}" type="parTrans" cxnId="{16E15E2B-AB99-41EB-813A-23531E355079}">
       <dgm:prSet/>
       <dgm:spPr/>
       <dgm:t>
@@ -9199,7 +9034,42 @@
         </a:p>
       </dgm:t>
     </dgm:pt>
-    <dgm:pt modelId="{D540D133-CAB1-4A7B-8D12-B1E0DA8FE4D0}" type="sibTrans" cxnId="{7EE3F480-1C04-4AFF-AB34-5828CC7D7B22}">
+    <dgm:pt modelId="{CFFAD25F-BD51-4EBD-A7A2-4FBA3DE7CCB2}" type="sibTrans" cxnId="{16E15E2B-AB99-41EB-813A-23531E355079}">
+      <dgm:prSet/>
+      <dgm:spPr/>
+      <dgm:t>
+        <a:bodyPr/>
+        <a:lstStyle/>
+        <a:p>
+          <a:pPr>
+            <a:lnSpc>
+              <a:spcPct val="100000"/>
+            </a:lnSpc>
+          </a:pPr>
+          <a:endParaRPr lang="en-US"/>
+        </a:p>
+      </dgm:t>
+    </dgm:pt>
+    <dgm:pt modelId="{6BE3577A-2EEF-434D-A67D-1937786DE045}">
+      <dgm:prSet/>
+      <dgm:spPr/>
+      <dgm:t>
+        <a:bodyPr/>
+        <a:lstStyle/>
+        <a:p>
+          <a:pPr>
+            <a:lnSpc>
+              <a:spcPct val="100000"/>
+            </a:lnSpc>
+          </a:pPr>
+          <a:r>
+            <a:rPr lang="en-US"/>
+            <a:t>Register &amp; Login</a:t>
+          </a:r>
+        </a:p>
+      </dgm:t>
+    </dgm:pt>
+    <dgm:pt modelId="{EACA85A9-33F7-4F5C-8066-3572F3BD9321}" type="parTrans" cxnId="{84237A34-831A-4D06-9218-DF7E47F571F0}">
       <dgm:prSet/>
       <dgm:spPr/>
       <dgm:t>
@@ -9210,21 +9080,42 @@
         </a:p>
       </dgm:t>
     </dgm:pt>
-    <dgm:pt modelId="{B8314AC0-9E0F-49E3-AD43-B2D018BA7FA9}">
+    <dgm:pt modelId="{CB493FE5-B295-44AC-8954-9D3891861046}" type="sibTrans" cxnId="{84237A34-831A-4D06-9218-DF7E47F571F0}">
       <dgm:prSet/>
       <dgm:spPr/>
       <dgm:t>
         <a:bodyPr/>
         <a:lstStyle/>
         <a:p>
+          <a:pPr>
+            <a:lnSpc>
+              <a:spcPct val="100000"/>
+            </a:lnSpc>
+          </a:pPr>
+          <a:endParaRPr lang="en-US"/>
+        </a:p>
+      </dgm:t>
+    </dgm:pt>
+    <dgm:pt modelId="{F703D793-A918-439D-B186-1D60B1819940}">
+      <dgm:prSet/>
+      <dgm:spPr/>
+      <dgm:t>
+        <a:bodyPr/>
+        <a:lstStyle/>
+        <a:p>
+          <a:pPr>
+            <a:lnSpc>
+              <a:spcPct val="100000"/>
+            </a:lnSpc>
+          </a:pPr>
           <a:r>
-            <a:rPr lang="en-US" dirty="0"/>
-            <a:t>The map that we used is different from another because it allows users to find the chosen parking spot they need. Additionally, the site can navigate the driver to the booked place.</a:t>
+            <a:rPr lang="en-US"/>
+            <a:t>For the register &amp; log in, we used Local Storage is a type of web storage that allows JavaScript sites and apps to collect and access data right in the browser with no termination date. This indicates the data stored in the browser will continue even after the browser window has been shut.</a:t>
           </a:r>
         </a:p>
       </dgm:t>
     </dgm:pt>
-    <dgm:pt modelId="{80577D52-D2AF-477E-87AC-9DA4CAB4EC70}" type="parTrans" cxnId="{457983C0-7826-4D92-8EE5-0B325ED8A778}">
+    <dgm:pt modelId="{9A2E3F2C-35CE-474E-9873-E950D603A12E}" type="parTrans" cxnId="{A21E006B-4EC5-463A-9251-D39212BC8668}">
       <dgm:prSet/>
       <dgm:spPr/>
       <dgm:t>
@@ -9235,7 +9126,42 @@
         </a:p>
       </dgm:t>
     </dgm:pt>
-    <dgm:pt modelId="{97ED5E92-4D21-4917-A6AD-9EDE90BC6BD2}" type="sibTrans" cxnId="{457983C0-7826-4D92-8EE5-0B325ED8A778}">
+    <dgm:pt modelId="{33AAA227-0A68-43FE-8DFF-ECD1CD9B32AD}" type="sibTrans" cxnId="{A21E006B-4EC5-463A-9251-D39212BC8668}">
+      <dgm:prSet/>
+      <dgm:spPr/>
+      <dgm:t>
+        <a:bodyPr/>
+        <a:lstStyle/>
+        <a:p>
+          <a:pPr>
+            <a:lnSpc>
+              <a:spcPct val="100000"/>
+            </a:lnSpc>
+          </a:pPr>
+          <a:endParaRPr lang="en-US"/>
+        </a:p>
+      </dgm:t>
+    </dgm:pt>
+    <dgm:pt modelId="{4FF699F8-B6E9-8F4B-80E0-2386E2F81AE2}">
+      <dgm:prSet/>
+      <dgm:spPr/>
+      <dgm:t>
+        <a:bodyPr/>
+        <a:lstStyle/>
+        <a:p>
+          <a:pPr>
+            <a:lnSpc>
+              <a:spcPct val="100000"/>
+            </a:lnSpc>
+          </a:pPr>
+          <a:r>
+            <a:rPr lang="en-US"/>
+            <a:t>We created JavaScript functions that check whether a value submitted by the user passes the validation. All those functions are called from another service. It arranges the focus to the data field until the user provides a valid value. When the user visits so, they may continue and can provide value to the next available area. The following JavaScript function created is called on the on submit event of the form.</a:t>
+          </a:r>
+        </a:p>
+      </dgm:t>
+    </dgm:pt>
+    <dgm:pt modelId="{2D4D9A71-31BE-7440-B4C9-DFEB734E8066}" type="parTrans" cxnId="{B7223C54-A0BA-8746-BCB8-B7DD45BC9988}">
       <dgm:prSet/>
       <dgm:spPr/>
       <dgm:t>
@@ -9246,21 +9172,7 @@
         </a:p>
       </dgm:t>
     </dgm:pt>
-    <dgm:pt modelId="{0B216707-E07B-40F7-9F3F-A86B2B5D0437}">
-      <dgm:prSet/>
-      <dgm:spPr/>
-      <dgm:t>
-        <a:bodyPr/>
-        <a:lstStyle/>
-        <a:p>
-          <a:r>
-            <a:rPr lang="en-US"/>
-            <a:t>Search Bar</a:t>
-          </a:r>
-        </a:p>
-      </dgm:t>
-    </dgm:pt>
-    <dgm:pt modelId="{47ED65DF-49FD-4846-AF42-98C1DBAC5D57}" type="parTrans" cxnId="{20885712-91F2-416E-B185-E37B45A8B4B0}">
+    <dgm:pt modelId="{392E2554-0551-6D45-B711-F554C95D9F27}" type="sibTrans" cxnId="{B7223C54-A0BA-8746-BCB8-B7DD45BC9988}">
       <dgm:prSet/>
       <dgm:spPr/>
       <dgm:t>
@@ -9271,91 +9183,8 @@
         </a:p>
       </dgm:t>
     </dgm:pt>
-    <dgm:pt modelId="{709567F7-9414-4F8D-B073-8556E3A21900}" type="sibTrans" cxnId="{20885712-91F2-416E-B185-E37B45A8B4B0}">
-      <dgm:prSet/>
-      <dgm:spPr/>
-      <dgm:t>
-        <a:bodyPr/>
-        <a:lstStyle/>
-        <a:p>
-          <a:endParaRPr lang="en-US"/>
-        </a:p>
-      </dgm:t>
-    </dgm:pt>
-    <dgm:pt modelId="{D698D894-EE4E-4E9D-ACB3-2858CDCBC62C}">
-      <dgm:prSet/>
-      <dgm:spPr/>
-      <dgm:t>
-        <a:bodyPr/>
-        <a:lstStyle/>
-        <a:p>
-          <a:r>
-            <a:rPr lang="en-US" dirty="0"/>
-            <a:t>A search bar allows users to use keywords to locate content inside a site, on the device, or online, which is the nearest parking space. Our website can specify what types of addresses are shown in the search results. Search can also be used to filter large lists, such as parking lots.</a:t>
-          </a:r>
-        </a:p>
-      </dgm:t>
-    </dgm:pt>
-    <dgm:pt modelId="{CDD876A3-7798-4B05-A26B-2FEDB02E0A85}" type="parTrans" cxnId="{6066C267-6415-4C0E-8D28-9818D916FA2C}">
-      <dgm:prSet/>
-      <dgm:spPr/>
-      <dgm:t>
-        <a:bodyPr/>
-        <a:lstStyle/>
-        <a:p>
-          <a:endParaRPr lang="en-US"/>
-        </a:p>
-      </dgm:t>
-    </dgm:pt>
-    <dgm:pt modelId="{22153FF3-63C5-4604-9A8C-444E3201D36E}" type="sibTrans" cxnId="{6066C267-6415-4C0E-8D28-9818D916FA2C}">
-      <dgm:prSet/>
-      <dgm:spPr/>
-      <dgm:t>
-        <a:bodyPr/>
-        <a:lstStyle/>
-        <a:p>
-          <a:endParaRPr lang="en-US"/>
-        </a:p>
-      </dgm:t>
-    </dgm:pt>
-    <dgm:pt modelId="{F9711525-17E8-45BF-9C84-1CCB30551CD9}">
-      <dgm:prSet/>
-      <dgm:spPr/>
-      <dgm:t>
-        <a:bodyPr/>
-        <a:lstStyle/>
-        <a:p>
-          <a:r>
-            <a:rPr lang="en-US" dirty="0"/>
-            <a:t>When they use the search data box, the practical keyboard is stimulated. When our users use the search bar to filter lists of items, it's typically displayed at the top of the list only for the nearest parking spots and should scroll with the listed locations.</a:t>
-          </a:r>
-        </a:p>
-      </dgm:t>
-    </dgm:pt>
-    <dgm:pt modelId="{08B46AB8-CD23-470E-9739-E98C33CFDA17}" type="parTrans" cxnId="{305569D4-B055-470F-9AE3-B9677964BE9B}">
-      <dgm:prSet/>
-      <dgm:spPr/>
-      <dgm:t>
-        <a:bodyPr/>
-        <a:lstStyle/>
-        <a:p>
-          <a:endParaRPr lang="en-US"/>
-        </a:p>
-      </dgm:t>
-    </dgm:pt>
-    <dgm:pt modelId="{E2212BC0-7FA0-48A4-8703-E853104B162B}" type="sibTrans" cxnId="{305569D4-B055-470F-9AE3-B9677964BE9B}">
-      <dgm:prSet/>
-      <dgm:spPr/>
-      <dgm:t>
-        <a:bodyPr/>
-        <a:lstStyle/>
-        <a:p>
-          <a:endParaRPr lang="en-US"/>
-        </a:p>
-      </dgm:t>
-    </dgm:pt>
-    <dgm:pt modelId="{ACAA066F-030D-470F-B191-6CB8944C25CB}" type="pres">
-      <dgm:prSet presAssocID="{DEBC08DE-D4B9-49B3-AE23-447C90AEB136}" presName="root" presStyleCnt="0">
+    <dgm:pt modelId="{0E4B039F-C965-4C55-AB0C-2CBC3C012ED7}" type="pres">
+      <dgm:prSet presAssocID="{84E32B9B-FD57-408C-B439-AF016CD55C9C}" presName="root" presStyleCnt="0">
         <dgm:presLayoutVars>
           <dgm:dir/>
           <dgm:resizeHandles val="exact"/>
@@ -9363,16 +9192,25 @@
       </dgm:prSet>
       <dgm:spPr/>
     </dgm:pt>
-    <dgm:pt modelId="{E3C82494-3546-4E90-AF48-700E129093B7}" type="pres">
-      <dgm:prSet presAssocID="{64D6A350-7893-4CD0-B7A0-6333AD389926}" presName="compNode" presStyleCnt="0"/>
+    <dgm:pt modelId="{836D56FE-59C0-46C2-B165-D016CADABC34}" type="pres">
+      <dgm:prSet presAssocID="{84E32B9B-FD57-408C-B439-AF016CD55C9C}" presName="container" presStyleCnt="0">
+        <dgm:presLayoutVars>
+          <dgm:dir/>
+          <dgm:resizeHandles val="exact"/>
+        </dgm:presLayoutVars>
+      </dgm:prSet>
       <dgm:spPr/>
     </dgm:pt>
-    <dgm:pt modelId="{2452070E-9DA7-4311-A35D-E0B4E5D3F521}" type="pres">
-      <dgm:prSet presAssocID="{64D6A350-7893-4CD0-B7A0-6333AD389926}" presName="bgRect" presStyleLbl="bgShp" presStyleIdx="0" presStyleCnt="6"/>
+    <dgm:pt modelId="{9BA7B4C2-7445-49CC-806B-5D0B1E8FA168}" type="pres">
+      <dgm:prSet presAssocID="{4DE91A29-169F-4400-99DE-3C3D4A70A7DD}" presName="compNode" presStyleCnt="0"/>
       <dgm:spPr/>
     </dgm:pt>
-    <dgm:pt modelId="{316C5958-29A1-44A6-A93B-E99D35DD2820}" type="pres">
-      <dgm:prSet presAssocID="{64D6A350-7893-4CD0-B7A0-6333AD389926}" presName="iconRect" presStyleLbl="node1" presStyleIdx="0" presStyleCnt="6"/>
+    <dgm:pt modelId="{44B7392A-01B0-4E1B-8681-8A385A97C153}" type="pres">
+      <dgm:prSet presAssocID="{4DE91A29-169F-4400-99DE-3C3D4A70A7DD}" presName="iconBgRect" presStyleLbl="bgShp" presStyleIdx="0" presStyleCnt="6"/>
+      <dgm:spPr/>
+    </dgm:pt>
+    <dgm:pt modelId="{A3DEB29C-9795-444B-929C-FD38E7805D64}" type="pres">
+      <dgm:prSet presAssocID="{4DE91A29-169F-4400-99DE-3C3D4A70A7DD}" presName="iconRect" presStyleLbl="node1" presStyleIdx="0" presStyleCnt="6"/>
       <dgm:spPr>
         <a:blipFill>
           <a:blip xmlns:r="http://schemas.openxmlformats.org/officeDocument/2006/relationships" r:embed="rId1">
@@ -9399,33 +9237,33 @@
         </a:ext>
       </dgm:extLst>
     </dgm:pt>
-    <dgm:pt modelId="{5E9679BC-DC1E-4E5C-AD35-9113B6D57289}" type="pres">
-      <dgm:prSet presAssocID="{64D6A350-7893-4CD0-B7A0-6333AD389926}" presName="spaceRect" presStyleCnt="0"/>
+    <dgm:pt modelId="{F5AAE589-9277-462E-AA3D-F42A7BC3CB05}" type="pres">
+      <dgm:prSet presAssocID="{4DE91A29-169F-4400-99DE-3C3D4A70A7DD}" presName="spaceRect" presStyleCnt="0"/>
       <dgm:spPr/>
     </dgm:pt>
-    <dgm:pt modelId="{9A10355F-DD5B-44C6-A636-D4222ED6F98F}" type="pres">
-      <dgm:prSet presAssocID="{64D6A350-7893-4CD0-B7A0-6333AD389926}" presName="parTx" presStyleLbl="revTx" presStyleIdx="0" presStyleCnt="6">
+    <dgm:pt modelId="{C7DF7460-D979-479A-8A3C-4F58E66F09A7}" type="pres">
+      <dgm:prSet presAssocID="{4DE91A29-169F-4400-99DE-3C3D4A70A7DD}" presName="textRect" presStyleLbl="revTx" presStyleIdx="0" presStyleCnt="6">
         <dgm:presLayoutVars>
-          <dgm:chMax val="0"/>
-          <dgm:chPref val="0"/>
+          <dgm:chMax val="1"/>
+          <dgm:chPref val="1"/>
         </dgm:presLayoutVars>
       </dgm:prSet>
       <dgm:spPr/>
     </dgm:pt>
-    <dgm:pt modelId="{1DDCE5A5-7B58-452C-8AC9-85C2711733F4}" type="pres">
-      <dgm:prSet presAssocID="{DF770BFD-D1BA-4AE4-A93F-A3E04F00BBEA}" presName="sibTrans" presStyleCnt="0"/>
+    <dgm:pt modelId="{2BA42451-8FF1-4E5B-A5C9-B2E843D6FB41}" type="pres">
+      <dgm:prSet presAssocID="{538BC557-F29F-44C7-8374-B785741A09A0}" presName="sibTrans" presStyleLbl="sibTrans2D1" presStyleIdx="0" presStyleCnt="0"/>
       <dgm:spPr/>
     </dgm:pt>
-    <dgm:pt modelId="{74C75158-E23D-439E-B640-F69AA6155002}" type="pres">
-      <dgm:prSet presAssocID="{BCD202AC-49A4-4BFA-9708-EA3B20B94E95}" presName="compNode" presStyleCnt="0"/>
+    <dgm:pt modelId="{2135144F-8B4A-4654-902A-123DC7BCB8F1}" type="pres">
+      <dgm:prSet presAssocID="{7C5BBA54-2789-402C-9F27-8BF029D0B840}" presName="compNode" presStyleCnt="0"/>
       <dgm:spPr/>
     </dgm:pt>
-    <dgm:pt modelId="{3D3D07AB-D684-4D3D-BF3B-8545A73B4889}" type="pres">
-      <dgm:prSet presAssocID="{BCD202AC-49A4-4BFA-9708-EA3B20B94E95}" presName="bgRect" presStyleLbl="bgShp" presStyleIdx="1" presStyleCnt="6" custScaleY="134014"/>
+    <dgm:pt modelId="{27B93283-6836-4E7F-8B58-9039756570B7}" type="pres">
+      <dgm:prSet presAssocID="{7C5BBA54-2789-402C-9F27-8BF029D0B840}" presName="iconBgRect" presStyleLbl="bgShp" presStyleIdx="1" presStyleCnt="6"/>
       <dgm:spPr/>
     </dgm:pt>
-    <dgm:pt modelId="{C475E4B1-FFED-470B-ABA8-0BDC965A6010}" type="pres">
-      <dgm:prSet presAssocID="{BCD202AC-49A4-4BFA-9708-EA3B20B94E95}" presName="iconRect" presStyleLbl="node1" presStyleIdx="1" presStyleCnt="6"/>
+    <dgm:pt modelId="{A02CF345-FC23-45D5-BBC1-74DA1DA9873E}" type="pres">
+      <dgm:prSet presAssocID="{7C5BBA54-2789-402C-9F27-8BF029D0B840}" presName="iconRect" presStyleLbl="node1" presStyleIdx="1" presStyleCnt="6"/>
       <dgm:spPr>
         <a:blipFill>
           <a:blip xmlns:r="http://schemas.openxmlformats.org/officeDocument/2006/relationships" r:embed="rId3">
@@ -9452,33 +9290,33 @@
         </a:ext>
       </dgm:extLst>
     </dgm:pt>
-    <dgm:pt modelId="{54BC4875-6DA0-493D-A512-219FC6DE4384}" type="pres">
-      <dgm:prSet presAssocID="{BCD202AC-49A4-4BFA-9708-EA3B20B94E95}" presName="spaceRect" presStyleCnt="0"/>
+    <dgm:pt modelId="{726C449F-13DC-4548-AC9F-52DF2D69C1AB}" type="pres">
+      <dgm:prSet presAssocID="{7C5BBA54-2789-402C-9F27-8BF029D0B840}" presName="spaceRect" presStyleCnt="0"/>
       <dgm:spPr/>
     </dgm:pt>
-    <dgm:pt modelId="{44F1F30F-4C66-432C-A2C3-41AFE8CA9E27}" type="pres">
-      <dgm:prSet presAssocID="{BCD202AC-49A4-4BFA-9708-EA3B20B94E95}" presName="parTx" presStyleLbl="revTx" presStyleIdx="1" presStyleCnt="6">
+    <dgm:pt modelId="{8F4B3A42-BDE2-405F-B6EF-FDFF12BD23DE}" type="pres">
+      <dgm:prSet presAssocID="{7C5BBA54-2789-402C-9F27-8BF029D0B840}" presName="textRect" presStyleLbl="revTx" presStyleIdx="1" presStyleCnt="6">
         <dgm:presLayoutVars>
-          <dgm:chMax val="0"/>
-          <dgm:chPref val="0"/>
+          <dgm:chMax val="1"/>
+          <dgm:chPref val="1"/>
         </dgm:presLayoutVars>
       </dgm:prSet>
       <dgm:spPr/>
     </dgm:pt>
-    <dgm:pt modelId="{296F883F-D6ED-4348-8069-81751738E337}" type="pres">
-      <dgm:prSet presAssocID="{D540D133-CAB1-4A7B-8D12-B1E0DA8FE4D0}" presName="sibTrans" presStyleCnt="0"/>
+    <dgm:pt modelId="{5B4890B1-5B48-47DE-B76B-41076FD75505}" type="pres">
+      <dgm:prSet presAssocID="{1698248E-E44E-4250-A255-20C712D05655}" presName="sibTrans" presStyleLbl="sibTrans2D1" presStyleIdx="0" presStyleCnt="0"/>
       <dgm:spPr/>
     </dgm:pt>
-    <dgm:pt modelId="{0C1F8437-8443-4A83-9FEF-B8A204EA210E}" type="pres">
-      <dgm:prSet presAssocID="{B8314AC0-9E0F-49E3-AD43-B2D018BA7FA9}" presName="compNode" presStyleCnt="0"/>
+    <dgm:pt modelId="{5B2288E3-F2CF-4F09-ADE7-1CD5AD37AADA}" type="pres">
+      <dgm:prSet presAssocID="{4D259DA8-11AE-422A-9089-F2D55E930D16}" presName="compNode" presStyleCnt="0"/>
       <dgm:spPr/>
     </dgm:pt>
-    <dgm:pt modelId="{6BE4C7BC-4DB4-49D3-ABE1-A3732821DAAC}" type="pres">
-      <dgm:prSet presAssocID="{B8314AC0-9E0F-49E3-AD43-B2D018BA7FA9}" presName="bgRect" presStyleLbl="bgShp" presStyleIdx="2" presStyleCnt="6" custScaleY="123042"/>
+    <dgm:pt modelId="{C90A706F-D6EF-4FCF-A61F-4A57BB47BE88}" type="pres">
+      <dgm:prSet presAssocID="{4D259DA8-11AE-422A-9089-F2D55E930D16}" presName="iconBgRect" presStyleLbl="bgShp" presStyleIdx="2" presStyleCnt="6"/>
       <dgm:spPr/>
     </dgm:pt>
-    <dgm:pt modelId="{F65B7405-E0E8-44F4-A9ED-A3BACA68D860}" type="pres">
-      <dgm:prSet presAssocID="{B8314AC0-9E0F-49E3-AD43-B2D018BA7FA9}" presName="iconRect" presStyleLbl="node1" presStyleIdx="2" presStyleCnt="6"/>
+    <dgm:pt modelId="{1C234E49-C8E9-4E24-9750-E2C14B377662}" type="pres">
+      <dgm:prSet presAssocID="{4D259DA8-11AE-422A-9089-F2D55E930D16}" presName="iconRect" presStyleLbl="node1" presStyleIdx="2" presStyleCnt="6"/>
       <dgm:spPr>
         <a:blipFill>
           <a:blip xmlns:r="http://schemas.openxmlformats.org/officeDocument/2006/relationships" r:embed="rId5">
@@ -9505,33 +9343,33 @@
         </a:ext>
       </dgm:extLst>
     </dgm:pt>
-    <dgm:pt modelId="{A7F401DD-142B-400D-B517-A79E3F6F132F}" type="pres">
-      <dgm:prSet presAssocID="{B8314AC0-9E0F-49E3-AD43-B2D018BA7FA9}" presName="spaceRect" presStyleCnt="0"/>
+    <dgm:pt modelId="{FAF4AAF0-E80E-48CE-BBC6-1EF519E03531}" type="pres">
+      <dgm:prSet presAssocID="{4D259DA8-11AE-422A-9089-F2D55E930D16}" presName="spaceRect" presStyleCnt="0"/>
       <dgm:spPr/>
     </dgm:pt>
-    <dgm:pt modelId="{80D9DA1F-6F07-4895-8684-8E9B6BBCC5F4}" type="pres">
-      <dgm:prSet presAssocID="{B8314AC0-9E0F-49E3-AD43-B2D018BA7FA9}" presName="parTx" presStyleLbl="revTx" presStyleIdx="2" presStyleCnt="6" custLinFactNeighborX="1579" custLinFactNeighborY="-6268">
+    <dgm:pt modelId="{AE765BD2-ECE5-4E45-8260-29BA28667ACB}" type="pres">
+      <dgm:prSet presAssocID="{4D259DA8-11AE-422A-9089-F2D55E930D16}" presName="textRect" presStyleLbl="revTx" presStyleIdx="2" presStyleCnt="6">
         <dgm:presLayoutVars>
-          <dgm:chMax val="0"/>
-          <dgm:chPref val="0"/>
+          <dgm:chMax val="1"/>
+          <dgm:chPref val="1"/>
         </dgm:presLayoutVars>
       </dgm:prSet>
       <dgm:spPr/>
     </dgm:pt>
-    <dgm:pt modelId="{D053C6E7-E87B-4363-BD9B-4F7D63A5984D}" type="pres">
-      <dgm:prSet presAssocID="{97ED5E92-4D21-4917-A6AD-9EDE90BC6BD2}" presName="sibTrans" presStyleCnt="0"/>
+    <dgm:pt modelId="{6F164456-CDBD-420F-AAE1-746A9B7F678F}" type="pres">
+      <dgm:prSet presAssocID="{CFFAD25F-BD51-4EBD-A7A2-4FBA3DE7CCB2}" presName="sibTrans" presStyleLbl="sibTrans2D1" presStyleIdx="0" presStyleCnt="0"/>
       <dgm:spPr/>
     </dgm:pt>
-    <dgm:pt modelId="{37F641B0-BCF4-483B-BC6A-70EDBC06A0AB}" type="pres">
-      <dgm:prSet presAssocID="{0B216707-E07B-40F7-9F3F-A86B2B5D0437}" presName="compNode" presStyleCnt="0"/>
+    <dgm:pt modelId="{9AC0A8B0-E37A-4112-A958-AAB20D826EF2}" type="pres">
+      <dgm:prSet presAssocID="{6BE3577A-2EEF-434D-A67D-1937786DE045}" presName="compNode" presStyleCnt="0"/>
       <dgm:spPr/>
     </dgm:pt>
-    <dgm:pt modelId="{5067BFCA-2398-42E2-97FB-447DE92A9F6D}" type="pres">
-      <dgm:prSet presAssocID="{0B216707-E07B-40F7-9F3F-A86B2B5D0437}" presName="bgRect" presStyleLbl="bgShp" presStyleIdx="3" presStyleCnt="6"/>
+    <dgm:pt modelId="{0BCBDC8E-22DF-46AB-A23B-2EE43F335AFD}" type="pres">
+      <dgm:prSet presAssocID="{6BE3577A-2EEF-434D-A67D-1937786DE045}" presName="iconBgRect" presStyleLbl="bgShp" presStyleIdx="3" presStyleCnt="6"/>
       <dgm:spPr/>
     </dgm:pt>
-    <dgm:pt modelId="{090E4B54-5BF0-45E3-9AA4-5D87C8ADF837}" type="pres">
-      <dgm:prSet presAssocID="{0B216707-E07B-40F7-9F3F-A86B2B5D0437}" presName="iconRect" presStyleLbl="node1" presStyleIdx="3" presStyleCnt="6"/>
+    <dgm:pt modelId="{066F885E-F14F-4891-9048-5055024C29B6}" type="pres">
+      <dgm:prSet presAssocID="{6BE3577A-2EEF-434D-A67D-1937786DE045}" presName="iconRect" presStyleLbl="node1" presStyleIdx="3" presStyleCnt="6"/>
       <dgm:spPr>
         <a:blipFill>
           <a:blip xmlns:r="http://schemas.openxmlformats.org/officeDocument/2006/relationships" r:embed="rId7">
@@ -9554,37 +9392,37 @@
       </dgm:spPr>
       <dgm:extLst>
         <a:ext uri="{E40237B7-FDA0-4F09-8148-C483321AD2D9}">
-          <dgm14:cNvPr xmlns:dgm14="http://schemas.microsoft.com/office/drawing/2010/diagram" id="0" name="" descr="Magnifying glass"/>
+          <dgm14:cNvPr xmlns:dgm14="http://schemas.microsoft.com/office/drawing/2010/diagram" id="0" name="" descr="Right Pointing Backhand Index"/>
         </a:ext>
       </dgm:extLst>
     </dgm:pt>
-    <dgm:pt modelId="{2D20C1DB-72D9-4904-B783-BC5EF0C5F53E}" type="pres">
-      <dgm:prSet presAssocID="{0B216707-E07B-40F7-9F3F-A86B2B5D0437}" presName="spaceRect" presStyleCnt="0"/>
+    <dgm:pt modelId="{94BE55DB-A44A-4E54-AFAF-968D019D206F}" type="pres">
+      <dgm:prSet presAssocID="{6BE3577A-2EEF-434D-A67D-1937786DE045}" presName="spaceRect" presStyleCnt="0"/>
       <dgm:spPr/>
     </dgm:pt>
-    <dgm:pt modelId="{6E6F68F5-E99B-4041-865C-15A43317DF69}" type="pres">
-      <dgm:prSet presAssocID="{0B216707-E07B-40F7-9F3F-A86B2B5D0437}" presName="parTx" presStyleLbl="revTx" presStyleIdx="3" presStyleCnt="6">
+    <dgm:pt modelId="{D1B88C79-E19D-4F06-9B37-1913F75808D6}" type="pres">
+      <dgm:prSet presAssocID="{6BE3577A-2EEF-434D-A67D-1937786DE045}" presName="textRect" presStyleLbl="revTx" presStyleIdx="3" presStyleCnt="6">
         <dgm:presLayoutVars>
-          <dgm:chMax val="0"/>
-          <dgm:chPref val="0"/>
+          <dgm:chMax val="1"/>
+          <dgm:chPref val="1"/>
         </dgm:presLayoutVars>
       </dgm:prSet>
       <dgm:spPr/>
     </dgm:pt>
-    <dgm:pt modelId="{13F0E7F1-8D98-44D0-A11A-2F0A694A94BE}" type="pres">
-      <dgm:prSet presAssocID="{709567F7-9414-4F8D-B073-8556E3A21900}" presName="sibTrans" presStyleCnt="0"/>
+    <dgm:pt modelId="{7C3F35A6-25C0-43B1-89D7-0CF8EBB82896}" type="pres">
+      <dgm:prSet presAssocID="{CB493FE5-B295-44AC-8954-9D3891861046}" presName="sibTrans" presStyleLbl="sibTrans2D1" presStyleIdx="0" presStyleCnt="0"/>
       <dgm:spPr/>
     </dgm:pt>
-    <dgm:pt modelId="{32D0AC20-844D-4D6E-A85C-CEAB56CD8D4A}" type="pres">
-      <dgm:prSet presAssocID="{D698D894-EE4E-4E9D-ACB3-2858CDCBC62C}" presName="compNode" presStyleCnt="0"/>
+    <dgm:pt modelId="{57D1F32A-BDED-4F38-86E7-B1096CF71F9A}" type="pres">
+      <dgm:prSet presAssocID="{F703D793-A918-439D-B186-1D60B1819940}" presName="compNode" presStyleCnt="0"/>
       <dgm:spPr/>
     </dgm:pt>
-    <dgm:pt modelId="{051A46D7-10E2-4658-AA72-22E54D4E0408}" type="pres">
-      <dgm:prSet presAssocID="{D698D894-EE4E-4E9D-ACB3-2858CDCBC62C}" presName="bgRect" presStyleLbl="bgShp" presStyleIdx="4" presStyleCnt="6" custScaleY="168991"/>
+    <dgm:pt modelId="{AC1093DC-7BA6-4E00-ADA0-006B5DD42660}" type="pres">
+      <dgm:prSet presAssocID="{F703D793-A918-439D-B186-1D60B1819940}" presName="iconBgRect" presStyleLbl="bgShp" presStyleIdx="4" presStyleCnt="6"/>
       <dgm:spPr/>
     </dgm:pt>
-    <dgm:pt modelId="{07724D73-64F9-46AD-9852-326556672361}" type="pres">
-      <dgm:prSet presAssocID="{D698D894-EE4E-4E9D-ACB3-2858CDCBC62C}" presName="iconRect" presStyleLbl="node1" presStyleIdx="4" presStyleCnt="6"/>
+    <dgm:pt modelId="{423A8A95-20E4-4E43-8AF8-4F1AED368C4A}" type="pres">
+      <dgm:prSet presAssocID="{F703D793-A918-439D-B186-1D60B1819940}" presName="iconRect" presStyleLbl="node1" presStyleIdx="4" presStyleCnt="6"/>
       <dgm:spPr>
         <a:blipFill>
           <a:blip xmlns:r="http://schemas.openxmlformats.org/officeDocument/2006/relationships" r:embed="rId9">
@@ -9607,37 +9445,37 @@
       </dgm:spPr>
       <dgm:extLst>
         <a:ext uri="{E40237B7-FDA0-4F09-8148-C483321AD2D9}">
-          <dgm14:cNvPr xmlns:dgm14="http://schemas.microsoft.com/office/drawing/2010/diagram" id="0" name="" descr="Zoom Out"/>
+          <dgm14:cNvPr xmlns:dgm14="http://schemas.microsoft.com/office/drawing/2010/diagram" id="0" name="" descr="Database"/>
         </a:ext>
       </dgm:extLst>
     </dgm:pt>
-    <dgm:pt modelId="{3BB27C72-DB1E-4533-AD61-901DB5E46170}" type="pres">
-      <dgm:prSet presAssocID="{D698D894-EE4E-4E9D-ACB3-2858CDCBC62C}" presName="spaceRect" presStyleCnt="0"/>
+    <dgm:pt modelId="{4E2EC470-2E89-4C1F-A754-A3CE28CBA425}" type="pres">
+      <dgm:prSet presAssocID="{F703D793-A918-439D-B186-1D60B1819940}" presName="spaceRect" presStyleCnt="0"/>
       <dgm:spPr/>
     </dgm:pt>
-    <dgm:pt modelId="{01E8B845-16F4-4DFD-8DE2-28FDBB752BEF}" type="pres">
-      <dgm:prSet presAssocID="{D698D894-EE4E-4E9D-ACB3-2858CDCBC62C}" presName="parTx" presStyleLbl="revTx" presStyleIdx="4" presStyleCnt="6" custScaleY="104815" custLinFactNeighborX="-440" custLinFactNeighborY="-13733">
+    <dgm:pt modelId="{E842CF6B-F1D6-40A4-9D98-383390B9B87F}" type="pres">
+      <dgm:prSet presAssocID="{F703D793-A918-439D-B186-1D60B1819940}" presName="textRect" presStyleLbl="revTx" presStyleIdx="4" presStyleCnt="6">
         <dgm:presLayoutVars>
-          <dgm:chMax val="0"/>
-          <dgm:chPref val="0"/>
+          <dgm:chMax val="1"/>
+          <dgm:chPref val="1"/>
         </dgm:presLayoutVars>
       </dgm:prSet>
       <dgm:spPr/>
     </dgm:pt>
-    <dgm:pt modelId="{D784813F-1B7C-466A-A64D-D710548D02BE}" type="pres">
-      <dgm:prSet presAssocID="{22153FF3-63C5-4604-9A8C-444E3201D36E}" presName="sibTrans" presStyleCnt="0"/>
+    <dgm:pt modelId="{54D530DE-532F-4B3D-88F7-FE9D9060966E}" type="pres">
+      <dgm:prSet presAssocID="{33AAA227-0A68-43FE-8DFF-ECD1CD9B32AD}" presName="sibTrans" presStyleLbl="sibTrans2D1" presStyleIdx="0" presStyleCnt="0"/>
       <dgm:spPr/>
     </dgm:pt>
-    <dgm:pt modelId="{1D459A4C-D49D-40AA-8436-A84A96D1A703}" type="pres">
-      <dgm:prSet presAssocID="{F9711525-17E8-45BF-9C84-1CCB30551CD9}" presName="compNode" presStyleCnt="0"/>
+    <dgm:pt modelId="{CFED6AC3-428A-4452-9138-B1D63A27D8A0}" type="pres">
+      <dgm:prSet presAssocID="{4FF699F8-B6E9-8F4B-80E0-2386E2F81AE2}" presName="compNode" presStyleCnt="0"/>
       <dgm:spPr/>
     </dgm:pt>
-    <dgm:pt modelId="{19920550-A418-4ADB-88C8-7D34118A0534}" type="pres">
-      <dgm:prSet presAssocID="{F9711525-17E8-45BF-9C84-1CCB30551CD9}" presName="bgRect" presStyleLbl="bgShp" presStyleIdx="5" presStyleCnt="6" custScaleY="154247"/>
+    <dgm:pt modelId="{8DD7E083-D61B-434C-AA35-345276811284}" type="pres">
+      <dgm:prSet presAssocID="{4FF699F8-B6E9-8F4B-80E0-2386E2F81AE2}" presName="iconBgRect" presStyleLbl="bgShp" presStyleIdx="5" presStyleCnt="6"/>
       <dgm:spPr/>
     </dgm:pt>
-    <dgm:pt modelId="{E84A854F-31C6-4E9E-9328-C9A238E08C69}" type="pres">
-      <dgm:prSet presAssocID="{F9711525-17E8-45BF-9C84-1CCB30551CD9}" presName="iconRect" presStyleLbl="node1" presStyleIdx="5" presStyleCnt="6"/>
+    <dgm:pt modelId="{8C8D8D11-A8BC-495A-95CD-8179B52CF9A1}" type="pres">
+      <dgm:prSet presAssocID="{4FF699F8-B6E9-8F4B-80E0-2386E2F81AE2}" presName="iconRect" presStyleLbl="node1" presStyleIdx="5" presStyleCnt="6"/>
       <dgm:spPr>
         <a:blipFill>
           <a:blip xmlns:r="http://schemas.openxmlformats.org/officeDocument/2006/relationships" r:embed="rId11">
@@ -9660,79 +9498,93 @@
       </dgm:spPr>
       <dgm:extLst>
         <a:ext uri="{E40237B7-FDA0-4F09-8148-C483321AD2D9}">
-          <dgm14:cNvPr xmlns:dgm14="http://schemas.microsoft.com/office/drawing/2010/diagram" id="0" name="" descr="Filter"/>
+          <dgm14:cNvPr xmlns:dgm14="http://schemas.microsoft.com/office/drawing/2010/diagram" id="0" name="" descr="Target Audience"/>
         </a:ext>
       </dgm:extLst>
     </dgm:pt>
-    <dgm:pt modelId="{BA5C665A-2D26-4820-9569-66E24AD60E14}" type="pres">
-      <dgm:prSet presAssocID="{F9711525-17E8-45BF-9C84-1CCB30551CD9}" presName="spaceRect" presStyleCnt="0"/>
+    <dgm:pt modelId="{1A74EFDB-5134-40AA-B875-415CD92EA309}" type="pres">
+      <dgm:prSet presAssocID="{4FF699F8-B6E9-8F4B-80E0-2386E2F81AE2}" presName="spaceRect" presStyleCnt="0"/>
       <dgm:spPr/>
     </dgm:pt>
-    <dgm:pt modelId="{073C2F1D-C732-4B97-91BE-B7B120C8CF58}" type="pres">
-      <dgm:prSet presAssocID="{F9711525-17E8-45BF-9C84-1CCB30551CD9}" presName="parTx" presStyleLbl="revTx" presStyleIdx="5" presStyleCnt="6">
+    <dgm:pt modelId="{253BDD44-D96E-4587-8A98-B2C2E455E5CF}" type="pres">
+      <dgm:prSet presAssocID="{4FF699F8-B6E9-8F4B-80E0-2386E2F81AE2}" presName="textRect" presStyleLbl="revTx" presStyleIdx="5" presStyleCnt="6">
         <dgm:presLayoutVars>
-          <dgm:chMax val="0"/>
-          <dgm:chPref val="0"/>
+          <dgm:chMax val="1"/>
+          <dgm:chPref val="1"/>
         </dgm:presLayoutVars>
       </dgm:prSet>
       <dgm:spPr/>
     </dgm:pt>
   </dgm:ptLst>
   <dgm:cxnLst>
-    <dgm:cxn modelId="{20885712-91F2-416E-B185-E37B45A8B4B0}" srcId="{DEBC08DE-D4B9-49B3-AE23-447C90AEB136}" destId="{0B216707-E07B-40F7-9F3F-A86B2B5D0437}" srcOrd="3" destOrd="0" parTransId="{47ED65DF-49FD-4846-AF42-98C1DBAC5D57}" sibTransId="{709567F7-9414-4F8D-B073-8556E3A21900}"/>
-    <dgm:cxn modelId="{C130741F-9A34-4E98-986E-4354731C87A6}" srcId="{DEBC08DE-D4B9-49B3-AE23-447C90AEB136}" destId="{64D6A350-7893-4CD0-B7A0-6333AD389926}" srcOrd="0" destOrd="0" parTransId="{7977A0FD-1B50-4E71-988A-D766D751ED7E}" sibTransId="{DF770BFD-D1BA-4AE4-A93F-A3E04F00BBEA}"/>
-    <dgm:cxn modelId="{AAAAFE51-F021-46AD-8750-383AA1EE30BA}" type="presOf" srcId="{B8314AC0-9E0F-49E3-AD43-B2D018BA7FA9}" destId="{80D9DA1F-6F07-4895-8684-8E9B6BBCC5F4}" srcOrd="0" destOrd="0" presId="urn:microsoft.com/office/officeart/2018/2/layout/IconVerticalSolidList"/>
-    <dgm:cxn modelId="{6066C267-6415-4C0E-8D28-9818D916FA2C}" srcId="{DEBC08DE-D4B9-49B3-AE23-447C90AEB136}" destId="{D698D894-EE4E-4E9D-ACB3-2858CDCBC62C}" srcOrd="4" destOrd="0" parTransId="{CDD876A3-7798-4B05-A26B-2FEDB02E0A85}" sibTransId="{22153FF3-63C5-4604-9A8C-444E3201D36E}"/>
-    <dgm:cxn modelId="{12CB6D78-7082-4989-840C-B767108CDF37}" type="presOf" srcId="{D698D894-EE4E-4E9D-ACB3-2858CDCBC62C}" destId="{01E8B845-16F4-4DFD-8DE2-28FDBB752BEF}" srcOrd="0" destOrd="0" presId="urn:microsoft.com/office/officeart/2018/2/layout/IconVerticalSolidList"/>
-    <dgm:cxn modelId="{7EE3F480-1C04-4AFF-AB34-5828CC7D7B22}" srcId="{DEBC08DE-D4B9-49B3-AE23-447C90AEB136}" destId="{BCD202AC-49A4-4BFA-9708-EA3B20B94E95}" srcOrd="1" destOrd="0" parTransId="{9AC4E4A9-A0E1-4F9F-BDB9-8CD734982DE0}" sibTransId="{D540D133-CAB1-4A7B-8D12-B1E0DA8FE4D0}"/>
-    <dgm:cxn modelId="{BB7FB183-E4A8-4C60-B0C7-F6C9DEDC1664}" type="presOf" srcId="{64D6A350-7893-4CD0-B7A0-6333AD389926}" destId="{9A10355F-DD5B-44C6-A636-D4222ED6F98F}" srcOrd="0" destOrd="0" presId="urn:microsoft.com/office/officeart/2018/2/layout/IconVerticalSolidList"/>
-    <dgm:cxn modelId="{49EF258E-BDE3-4913-B0B6-66A7BAAC512C}" type="presOf" srcId="{DEBC08DE-D4B9-49B3-AE23-447C90AEB136}" destId="{ACAA066F-030D-470F-B191-6CB8944C25CB}" srcOrd="0" destOrd="0" presId="urn:microsoft.com/office/officeart/2018/2/layout/IconVerticalSolidList"/>
-    <dgm:cxn modelId="{457983C0-7826-4D92-8EE5-0B325ED8A778}" srcId="{DEBC08DE-D4B9-49B3-AE23-447C90AEB136}" destId="{B8314AC0-9E0F-49E3-AD43-B2D018BA7FA9}" srcOrd="2" destOrd="0" parTransId="{80577D52-D2AF-477E-87AC-9DA4CAB4EC70}" sibTransId="{97ED5E92-4D21-4917-A6AD-9EDE90BC6BD2}"/>
-    <dgm:cxn modelId="{0164FDCE-CDA9-4793-A001-BD93E85936CE}" type="presOf" srcId="{0B216707-E07B-40F7-9F3F-A86B2B5D0437}" destId="{6E6F68F5-E99B-4041-865C-15A43317DF69}" srcOrd="0" destOrd="0" presId="urn:microsoft.com/office/officeart/2018/2/layout/IconVerticalSolidList"/>
-    <dgm:cxn modelId="{305569D4-B055-470F-9AE3-B9677964BE9B}" srcId="{DEBC08DE-D4B9-49B3-AE23-447C90AEB136}" destId="{F9711525-17E8-45BF-9C84-1CCB30551CD9}" srcOrd="5" destOrd="0" parTransId="{08B46AB8-CD23-470E-9739-E98C33CFDA17}" sibTransId="{E2212BC0-7FA0-48A4-8703-E853104B162B}"/>
-    <dgm:cxn modelId="{2DE2B2E6-B92F-478C-B0C7-CD1581A7E22A}" type="presOf" srcId="{BCD202AC-49A4-4BFA-9708-EA3B20B94E95}" destId="{44F1F30F-4C66-432C-A2C3-41AFE8CA9E27}" srcOrd="0" destOrd="0" presId="urn:microsoft.com/office/officeart/2018/2/layout/IconVerticalSolidList"/>
-    <dgm:cxn modelId="{590DFFEE-BDD9-4E40-8D28-0CBFB690553D}" type="presOf" srcId="{F9711525-17E8-45BF-9C84-1CCB30551CD9}" destId="{073C2F1D-C732-4B97-91BE-B7B120C8CF58}" srcOrd="0" destOrd="0" presId="urn:microsoft.com/office/officeart/2018/2/layout/IconVerticalSolidList"/>
-    <dgm:cxn modelId="{3EA73BA8-A573-4790-AFEF-5D7CA7EF4080}" type="presParOf" srcId="{ACAA066F-030D-470F-B191-6CB8944C25CB}" destId="{E3C82494-3546-4E90-AF48-700E129093B7}" srcOrd="0" destOrd="0" presId="urn:microsoft.com/office/officeart/2018/2/layout/IconVerticalSolidList"/>
-    <dgm:cxn modelId="{BFDBEF1D-CEEE-4415-8D61-4CCDBC523330}" type="presParOf" srcId="{E3C82494-3546-4E90-AF48-700E129093B7}" destId="{2452070E-9DA7-4311-A35D-E0B4E5D3F521}" srcOrd="0" destOrd="0" presId="urn:microsoft.com/office/officeart/2018/2/layout/IconVerticalSolidList"/>
-    <dgm:cxn modelId="{BB95C9AF-DC6F-4232-99E4-DC4C7FA23DD5}" type="presParOf" srcId="{E3C82494-3546-4E90-AF48-700E129093B7}" destId="{316C5958-29A1-44A6-A93B-E99D35DD2820}" srcOrd="1" destOrd="0" presId="urn:microsoft.com/office/officeart/2018/2/layout/IconVerticalSolidList"/>
-    <dgm:cxn modelId="{7F306EBF-97E3-4083-AACD-316C5207EF48}" type="presParOf" srcId="{E3C82494-3546-4E90-AF48-700E129093B7}" destId="{5E9679BC-DC1E-4E5C-AD35-9113B6D57289}" srcOrd="2" destOrd="0" presId="urn:microsoft.com/office/officeart/2018/2/layout/IconVerticalSolidList"/>
-    <dgm:cxn modelId="{B3C9BE9F-19E2-47E4-9311-6CFAFDCBCE49}" type="presParOf" srcId="{E3C82494-3546-4E90-AF48-700E129093B7}" destId="{9A10355F-DD5B-44C6-A636-D4222ED6F98F}" srcOrd="3" destOrd="0" presId="urn:microsoft.com/office/officeart/2018/2/layout/IconVerticalSolidList"/>
-    <dgm:cxn modelId="{BDB7249D-9DDC-42F6-BE27-184C0267F191}" type="presParOf" srcId="{ACAA066F-030D-470F-B191-6CB8944C25CB}" destId="{1DDCE5A5-7B58-452C-8AC9-85C2711733F4}" srcOrd="1" destOrd="0" presId="urn:microsoft.com/office/officeart/2018/2/layout/IconVerticalSolidList"/>
-    <dgm:cxn modelId="{02918D9C-8F60-4034-89FC-D92BD1F9CA7C}" type="presParOf" srcId="{ACAA066F-030D-470F-B191-6CB8944C25CB}" destId="{74C75158-E23D-439E-B640-F69AA6155002}" srcOrd="2" destOrd="0" presId="urn:microsoft.com/office/officeart/2018/2/layout/IconVerticalSolidList"/>
-    <dgm:cxn modelId="{47F039E5-9AF1-4C5A-B587-2F2CE5F11A99}" type="presParOf" srcId="{74C75158-E23D-439E-B640-F69AA6155002}" destId="{3D3D07AB-D684-4D3D-BF3B-8545A73B4889}" srcOrd="0" destOrd="0" presId="urn:microsoft.com/office/officeart/2018/2/layout/IconVerticalSolidList"/>
-    <dgm:cxn modelId="{C164B387-C55C-406E-BEAE-E96A0D2348E8}" type="presParOf" srcId="{74C75158-E23D-439E-B640-F69AA6155002}" destId="{C475E4B1-FFED-470B-ABA8-0BDC965A6010}" srcOrd="1" destOrd="0" presId="urn:microsoft.com/office/officeart/2018/2/layout/IconVerticalSolidList"/>
-    <dgm:cxn modelId="{358F8405-B0C0-40B8-9F72-C07B00A4C8ED}" type="presParOf" srcId="{74C75158-E23D-439E-B640-F69AA6155002}" destId="{54BC4875-6DA0-493D-A512-219FC6DE4384}" srcOrd="2" destOrd="0" presId="urn:microsoft.com/office/officeart/2018/2/layout/IconVerticalSolidList"/>
-    <dgm:cxn modelId="{32E82786-580F-44AE-A8FB-ED7B65AEC59F}" type="presParOf" srcId="{74C75158-E23D-439E-B640-F69AA6155002}" destId="{44F1F30F-4C66-432C-A2C3-41AFE8CA9E27}" srcOrd="3" destOrd="0" presId="urn:microsoft.com/office/officeart/2018/2/layout/IconVerticalSolidList"/>
-    <dgm:cxn modelId="{F99704BB-AA1F-43DA-AF93-BF39F59CF448}" type="presParOf" srcId="{ACAA066F-030D-470F-B191-6CB8944C25CB}" destId="{296F883F-D6ED-4348-8069-81751738E337}" srcOrd="3" destOrd="0" presId="urn:microsoft.com/office/officeart/2018/2/layout/IconVerticalSolidList"/>
-    <dgm:cxn modelId="{530F5C82-EC6F-408B-AE8B-479B358E67F0}" type="presParOf" srcId="{ACAA066F-030D-470F-B191-6CB8944C25CB}" destId="{0C1F8437-8443-4A83-9FEF-B8A204EA210E}" srcOrd="4" destOrd="0" presId="urn:microsoft.com/office/officeart/2018/2/layout/IconVerticalSolidList"/>
-    <dgm:cxn modelId="{B684E5D1-37FC-4368-B4E4-42004569E704}" type="presParOf" srcId="{0C1F8437-8443-4A83-9FEF-B8A204EA210E}" destId="{6BE4C7BC-4DB4-49D3-ABE1-A3732821DAAC}" srcOrd="0" destOrd="0" presId="urn:microsoft.com/office/officeart/2018/2/layout/IconVerticalSolidList"/>
-    <dgm:cxn modelId="{8136EA67-C7D6-4004-8891-8D722CDBDBFF}" type="presParOf" srcId="{0C1F8437-8443-4A83-9FEF-B8A204EA210E}" destId="{F65B7405-E0E8-44F4-A9ED-A3BACA68D860}" srcOrd="1" destOrd="0" presId="urn:microsoft.com/office/officeart/2018/2/layout/IconVerticalSolidList"/>
-    <dgm:cxn modelId="{15154E25-7BA7-49B0-B130-C33E84C25B4B}" type="presParOf" srcId="{0C1F8437-8443-4A83-9FEF-B8A204EA210E}" destId="{A7F401DD-142B-400D-B517-A79E3F6F132F}" srcOrd="2" destOrd="0" presId="urn:microsoft.com/office/officeart/2018/2/layout/IconVerticalSolidList"/>
-    <dgm:cxn modelId="{BA08DB63-ED0F-4AFE-8209-3A552DA1770E}" type="presParOf" srcId="{0C1F8437-8443-4A83-9FEF-B8A204EA210E}" destId="{80D9DA1F-6F07-4895-8684-8E9B6BBCC5F4}" srcOrd="3" destOrd="0" presId="urn:microsoft.com/office/officeart/2018/2/layout/IconVerticalSolidList"/>
-    <dgm:cxn modelId="{42A385A2-08D2-4CE7-88B2-6765FD59AA96}" type="presParOf" srcId="{ACAA066F-030D-470F-B191-6CB8944C25CB}" destId="{D053C6E7-E87B-4363-BD9B-4F7D63A5984D}" srcOrd="5" destOrd="0" presId="urn:microsoft.com/office/officeart/2018/2/layout/IconVerticalSolidList"/>
-    <dgm:cxn modelId="{A54CA83A-9B12-4B1D-8B73-C9E20AC869A6}" type="presParOf" srcId="{ACAA066F-030D-470F-B191-6CB8944C25CB}" destId="{37F641B0-BCF4-483B-BC6A-70EDBC06A0AB}" srcOrd="6" destOrd="0" presId="urn:microsoft.com/office/officeart/2018/2/layout/IconVerticalSolidList"/>
-    <dgm:cxn modelId="{993524D2-4AC5-4F17-BD27-A3525B8F768F}" type="presParOf" srcId="{37F641B0-BCF4-483B-BC6A-70EDBC06A0AB}" destId="{5067BFCA-2398-42E2-97FB-447DE92A9F6D}" srcOrd="0" destOrd="0" presId="urn:microsoft.com/office/officeart/2018/2/layout/IconVerticalSolidList"/>
-    <dgm:cxn modelId="{2295F30D-5A11-44A4-B264-06A230448906}" type="presParOf" srcId="{37F641B0-BCF4-483B-BC6A-70EDBC06A0AB}" destId="{090E4B54-5BF0-45E3-9AA4-5D87C8ADF837}" srcOrd="1" destOrd="0" presId="urn:microsoft.com/office/officeart/2018/2/layout/IconVerticalSolidList"/>
-    <dgm:cxn modelId="{F7F2F513-5325-4206-ACA8-50ED538676A8}" type="presParOf" srcId="{37F641B0-BCF4-483B-BC6A-70EDBC06A0AB}" destId="{2D20C1DB-72D9-4904-B783-BC5EF0C5F53E}" srcOrd="2" destOrd="0" presId="urn:microsoft.com/office/officeart/2018/2/layout/IconVerticalSolidList"/>
-    <dgm:cxn modelId="{7D6A9B8A-AED5-40A4-BA53-D372F8282BF2}" type="presParOf" srcId="{37F641B0-BCF4-483B-BC6A-70EDBC06A0AB}" destId="{6E6F68F5-E99B-4041-865C-15A43317DF69}" srcOrd="3" destOrd="0" presId="urn:microsoft.com/office/officeart/2018/2/layout/IconVerticalSolidList"/>
-    <dgm:cxn modelId="{CF5A7AD7-925E-4AAE-A6B2-96172413030B}" type="presParOf" srcId="{ACAA066F-030D-470F-B191-6CB8944C25CB}" destId="{13F0E7F1-8D98-44D0-A11A-2F0A694A94BE}" srcOrd="7" destOrd="0" presId="urn:microsoft.com/office/officeart/2018/2/layout/IconVerticalSolidList"/>
-    <dgm:cxn modelId="{1160A0E2-0ADD-4706-A51D-4CDEB9362C63}" type="presParOf" srcId="{ACAA066F-030D-470F-B191-6CB8944C25CB}" destId="{32D0AC20-844D-4D6E-A85C-CEAB56CD8D4A}" srcOrd="8" destOrd="0" presId="urn:microsoft.com/office/officeart/2018/2/layout/IconVerticalSolidList"/>
-    <dgm:cxn modelId="{81FCFE04-EDFF-4771-9B48-F2E2F5035A4A}" type="presParOf" srcId="{32D0AC20-844D-4D6E-A85C-CEAB56CD8D4A}" destId="{051A46D7-10E2-4658-AA72-22E54D4E0408}" srcOrd="0" destOrd="0" presId="urn:microsoft.com/office/officeart/2018/2/layout/IconVerticalSolidList"/>
-    <dgm:cxn modelId="{8F73A6B8-F87D-4336-BCBC-4E605C31438A}" type="presParOf" srcId="{32D0AC20-844D-4D6E-A85C-CEAB56CD8D4A}" destId="{07724D73-64F9-46AD-9852-326556672361}" srcOrd="1" destOrd="0" presId="urn:microsoft.com/office/officeart/2018/2/layout/IconVerticalSolidList"/>
-    <dgm:cxn modelId="{3BD94586-ADF5-45A7-89CC-72C1CFE017A4}" type="presParOf" srcId="{32D0AC20-844D-4D6E-A85C-CEAB56CD8D4A}" destId="{3BB27C72-DB1E-4533-AD61-901DB5E46170}" srcOrd="2" destOrd="0" presId="urn:microsoft.com/office/officeart/2018/2/layout/IconVerticalSolidList"/>
-    <dgm:cxn modelId="{712B4F00-8EC6-48F5-8A6A-E72085524937}" type="presParOf" srcId="{32D0AC20-844D-4D6E-A85C-CEAB56CD8D4A}" destId="{01E8B845-16F4-4DFD-8DE2-28FDBB752BEF}" srcOrd="3" destOrd="0" presId="urn:microsoft.com/office/officeart/2018/2/layout/IconVerticalSolidList"/>
-    <dgm:cxn modelId="{3A7EC5E6-29DE-48DA-8837-10CB13E88F25}" type="presParOf" srcId="{ACAA066F-030D-470F-B191-6CB8944C25CB}" destId="{D784813F-1B7C-466A-A64D-D710548D02BE}" srcOrd="9" destOrd="0" presId="urn:microsoft.com/office/officeart/2018/2/layout/IconVerticalSolidList"/>
-    <dgm:cxn modelId="{ABB6B404-0765-46A4-9D6C-26363E9BCDC7}" type="presParOf" srcId="{ACAA066F-030D-470F-B191-6CB8944C25CB}" destId="{1D459A4C-D49D-40AA-8436-A84A96D1A703}" srcOrd="10" destOrd="0" presId="urn:microsoft.com/office/officeart/2018/2/layout/IconVerticalSolidList"/>
-    <dgm:cxn modelId="{ADF7E762-F533-4BEE-975E-C263EDBCB441}" type="presParOf" srcId="{1D459A4C-D49D-40AA-8436-A84A96D1A703}" destId="{19920550-A418-4ADB-88C8-7D34118A0534}" srcOrd="0" destOrd="0" presId="urn:microsoft.com/office/officeart/2018/2/layout/IconVerticalSolidList"/>
-    <dgm:cxn modelId="{31D93BAD-D680-4DDB-88A4-0E84EE855F75}" type="presParOf" srcId="{1D459A4C-D49D-40AA-8436-A84A96D1A703}" destId="{E84A854F-31C6-4E9E-9328-C9A238E08C69}" srcOrd="1" destOrd="0" presId="urn:microsoft.com/office/officeart/2018/2/layout/IconVerticalSolidList"/>
-    <dgm:cxn modelId="{47A7E78E-9D0D-4777-B774-50FB90581DC9}" type="presParOf" srcId="{1D459A4C-D49D-40AA-8436-A84A96D1A703}" destId="{BA5C665A-2D26-4820-9569-66E24AD60E14}" srcOrd="2" destOrd="0" presId="urn:microsoft.com/office/officeart/2018/2/layout/IconVerticalSolidList"/>
-    <dgm:cxn modelId="{AD28713E-3020-4BDC-B623-57035BBEA63A}" type="presParOf" srcId="{1D459A4C-D49D-40AA-8436-A84A96D1A703}" destId="{073C2F1D-C732-4B97-91BE-B7B120C8CF58}" srcOrd="3" destOrd="0" presId="urn:microsoft.com/office/officeart/2018/2/layout/IconVerticalSolidList"/>
+    <dgm:cxn modelId="{6B0B3615-AF23-4FCA-B0C9-A8E81D82DEB0}" srcId="{84E32B9B-FD57-408C-B439-AF016CD55C9C}" destId="{4DE91A29-169F-4400-99DE-3C3D4A70A7DD}" srcOrd="0" destOrd="0" parTransId="{75524E49-107C-4FA5-854F-31D401FA403B}" sibTransId="{538BC557-F29F-44C7-8374-B785741A09A0}"/>
+    <dgm:cxn modelId="{89A8EC1D-E5BA-FE43-A38D-C5BF44D13CEC}" type="presOf" srcId="{6BE3577A-2EEF-434D-A67D-1937786DE045}" destId="{D1B88C79-E19D-4F06-9B37-1913F75808D6}" srcOrd="0" destOrd="0" presId="urn:microsoft.com/office/officeart/2018/2/layout/IconCircleList"/>
+    <dgm:cxn modelId="{8DAA0524-71A0-CA49-9B62-95188D34A90E}" type="presOf" srcId="{4DE91A29-169F-4400-99DE-3C3D4A70A7DD}" destId="{C7DF7460-D979-479A-8A3C-4F58E66F09A7}" srcOrd="0" destOrd="0" presId="urn:microsoft.com/office/officeart/2018/2/layout/IconCircleList"/>
+    <dgm:cxn modelId="{16E15E2B-AB99-41EB-813A-23531E355079}" srcId="{84E32B9B-FD57-408C-B439-AF016CD55C9C}" destId="{4D259DA8-11AE-422A-9089-F2D55E930D16}" srcOrd="2" destOrd="0" parTransId="{3A57AC02-0858-4A9B-A9DF-05E6EBDE0CED}" sibTransId="{CFFAD25F-BD51-4EBD-A7A2-4FBA3DE7CCB2}"/>
+    <dgm:cxn modelId="{03B6E730-C3DB-42B3-AE3F-F3B7E803DC37}" srcId="{84E32B9B-FD57-408C-B439-AF016CD55C9C}" destId="{7C5BBA54-2789-402C-9F27-8BF029D0B840}" srcOrd="1" destOrd="0" parTransId="{84515A20-A696-4FD5-A2A0-8854102BBD3C}" sibTransId="{1698248E-E44E-4250-A255-20C712D05655}"/>
+    <dgm:cxn modelId="{191F6233-55B8-814B-BDC0-F20199AA9BA9}" type="presOf" srcId="{CFFAD25F-BD51-4EBD-A7A2-4FBA3DE7CCB2}" destId="{6F164456-CDBD-420F-AAE1-746A9B7F678F}" srcOrd="0" destOrd="0" presId="urn:microsoft.com/office/officeart/2018/2/layout/IconCircleList"/>
+    <dgm:cxn modelId="{84237A34-831A-4D06-9218-DF7E47F571F0}" srcId="{84E32B9B-FD57-408C-B439-AF016CD55C9C}" destId="{6BE3577A-2EEF-434D-A67D-1937786DE045}" srcOrd="3" destOrd="0" parTransId="{EACA85A9-33F7-4F5C-8066-3572F3BD9321}" sibTransId="{CB493FE5-B295-44AC-8954-9D3891861046}"/>
+    <dgm:cxn modelId="{5E13BA51-E419-DD48-8F66-D24D0F2A176D}" type="presOf" srcId="{84E32B9B-FD57-408C-B439-AF016CD55C9C}" destId="{0E4B039F-C965-4C55-AB0C-2CBC3C012ED7}" srcOrd="0" destOrd="0" presId="urn:microsoft.com/office/officeart/2018/2/layout/IconCircleList"/>
+    <dgm:cxn modelId="{B7223C54-A0BA-8746-BCB8-B7DD45BC9988}" srcId="{84E32B9B-FD57-408C-B439-AF016CD55C9C}" destId="{4FF699F8-B6E9-8F4B-80E0-2386E2F81AE2}" srcOrd="5" destOrd="0" parTransId="{2D4D9A71-31BE-7440-B4C9-DFEB734E8066}" sibTransId="{392E2554-0551-6D45-B711-F554C95D9F27}"/>
+    <dgm:cxn modelId="{B333C365-543E-B147-9BE5-D18A67B63195}" type="presOf" srcId="{4D259DA8-11AE-422A-9089-F2D55E930D16}" destId="{AE765BD2-ECE5-4E45-8260-29BA28667ACB}" srcOrd="0" destOrd="0" presId="urn:microsoft.com/office/officeart/2018/2/layout/IconCircleList"/>
+    <dgm:cxn modelId="{A21E006B-4EC5-463A-9251-D39212BC8668}" srcId="{84E32B9B-FD57-408C-B439-AF016CD55C9C}" destId="{F703D793-A918-439D-B186-1D60B1819940}" srcOrd="4" destOrd="0" parTransId="{9A2E3F2C-35CE-474E-9873-E950D603A12E}" sibTransId="{33AAA227-0A68-43FE-8DFF-ECD1CD9B32AD}"/>
+    <dgm:cxn modelId="{71EB648B-D2A6-B241-A5BB-7B1DE0C0E64F}" type="presOf" srcId="{CB493FE5-B295-44AC-8954-9D3891861046}" destId="{7C3F35A6-25C0-43B1-89D7-0CF8EBB82896}" srcOrd="0" destOrd="0" presId="urn:microsoft.com/office/officeart/2018/2/layout/IconCircleList"/>
+    <dgm:cxn modelId="{5E27B98D-8796-A247-8FD5-50AF38EDF18E}" type="presOf" srcId="{33AAA227-0A68-43FE-8DFF-ECD1CD9B32AD}" destId="{54D530DE-532F-4B3D-88F7-FE9D9060966E}" srcOrd="0" destOrd="0" presId="urn:microsoft.com/office/officeart/2018/2/layout/IconCircleList"/>
+    <dgm:cxn modelId="{98D08694-707D-A348-8497-442DAD8A12D7}" type="presOf" srcId="{4FF699F8-B6E9-8F4B-80E0-2386E2F81AE2}" destId="{253BDD44-D96E-4587-8A98-B2C2E455E5CF}" srcOrd="0" destOrd="0" presId="urn:microsoft.com/office/officeart/2018/2/layout/IconCircleList"/>
+    <dgm:cxn modelId="{6F2ED7B1-F660-CF40-9A23-198E95BACD7D}" type="presOf" srcId="{1698248E-E44E-4250-A255-20C712D05655}" destId="{5B4890B1-5B48-47DE-B76B-41076FD75505}" srcOrd="0" destOrd="0" presId="urn:microsoft.com/office/officeart/2018/2/layout/IconCircleList"/>
+    <dgm:cxn modelId="{C76F3DCE-8799-414F-9AF9-9BCA7AE0C029}" type="presOf" srcId="{7C5BBA54-2789-402C-9F27-8BF029D0B840}" destId="{8F4B3A42-BDE2-405F-B6EF-FDFF12BD23DE}" srcOrd="0" destOrd="0" presId="urn:microsoft.com/office/officeart/2018/2/layout/IconCircleList"/>
+    <dgm:cxn modelId="{BCFF27E5-BA11-F646-9BC7-63653302318B}" type="presOf" srcId="{F703D793-A918-439D-B186-1D60B1819940}" destId="{E842CF6B-F1D6-40A4-9D98-383390B9B87F}" srcOrd="0" destOrd="0" presId="urn:microsoft.com/office/officeart/2018/2/layout/IconCircleList"/>
+    <dgm:cxn modelId="{F9B407F4-055A-6F45-921D-B83377F2E05B}" type="presOf" srcId="{538BC557-F29F-44C7-8374-B785741A09A0}" destId="{2BA42451-8FF1-4E5B-A5C9-B2E843D6FB41}" srcOrd="0" destOrd="0" presId="urn:microsoft.com/office/officeart/2018/2/layout/IconCircleList"/>
+    <dgm:cxn modelId="{AE92DD55-1BA5-CC40-827F-A117227C5C79}" type="presParOf" srcId="{0E4B039F-C965-4C55-AB0C-2CBC3C012ED7}" destId="{836D56FE-59C0-46C2-B165-D016CADABC34}" srcOrd="0" destOrd="0" presId="urn:microsoft.com/office/officeart/2018/2/layout/IconCircleList"/>
+    <dgm:cxn modelId="{97D7B44A-2FAE-9C45-9E59-A6B701F9D9C3}" type="presParOf" srcId="{836D56FE-59C0-46C2-B165-D016CADABC34}" destId="{9BA7B4C2-7445-49CC-806B-5D0B1E8FA168}" srcOrd="0" destOrd="0" presId="urn:microsoft.com/office/officeart/2018/2/layout/IconCircleList"/>
+    <dgm:cxn modelId="{58B3865F-C296-2144-82B8-AA98F63E0287}" type="presParOf" srcId="{9BA7B4C2-7445-49CC-806B-5D0B1E8FA168}" destId="{44B7392A-01B0-4E1B-8681-8A385A97C153}" srcOrd="0" destOrd="0" presId="urn:microsoft.com/office/officeart/2018/2/layout/IconCircleList"/>
+    <dgm:cxn modelId="{3BBDF3A5-5BCD-DC41-BE8E-A5B2623ACC17}" type="presParOf" srcId="{9BA7B4C2-7445-49CC-806B-5D0B1E8FA168}" destId="{A3DEB29C-9795-444B-929C-FD38E7805D64}" srcOrd="1" destOrd="0" presId="urn:microsoft.com/office/officeart/2018/2/layout/IconCircleList"/>
+    <dgm:cxn modelId="{FB907FBD-61ED-024E-A521-8358726A74C2}" type="presParOf" srcId="{9BA7B4C2-7445-49CC-806B-5D0B1E8FA168}" destId="{F5AAE589-9277-462E-AA3D-F42A7BC3CB05}" srcOrd="2" destOrd="0" presId="urn:microsoft.com/office/officeart/2018/2/layout/IconCircleList"/>
+    <dgm:cxn modelId="{2CC564A3-11D7-D244-950C-718449EA5D66}" type="presParOf" srcId="{9BA7B4C2-7445-49CC-806B-5D0B1E8FA168}" destId="{C7DF7460-D979-479A-8A3C-4F58E66F09A7}" srcOrd="3" destOrd="0" presId="urn:microsoft.com/office/officeart/2018/2/layout/IconCircleList"/>
+    <dgm:cxn modelId="{3A97199A-DB7F-C245-B898-4852842187CC}" type="presParOf" srcId="{836D56FE-59C0-46C2-B165-D016CADABC34}" destId="{2BA42451-8FF1-4E5B-A5C9-B2E843D6FB41}" srcOrd="1" destOrd="0" presId="urn:microsoft.com/office/officeart/2018/2/layout/IconCircleList"/>
+    <dgm:cxn modelId="{20BDA61E-3F1A-6043-9578-046BE0E5D59B}" type="presParOf" srcId="{836D56FE-59C0-46C2-B165-D016CADABC34}" destId="{2135144F-8B4A-4654-902A-123DC7BCB8F1}" srcOrd="2" destOrd="0" presId="urn:microsoft.com/office/officeart/2018/2/layout/IconCircleList"/>
+    <dgm:cxn modelId="{51C63EAE-1077-8B44-ADE2-E41E0A7D849C}" type="presParOf" srcId="{2135144F-8B4A-4654-902A-123DC7BCB8F1}" destId="{27B93283-6836-4E7F-8B58-9039756570B7}" srcOrd="0" destOrd="0" presId="urn:microsoft.com/office/officeart/2018/2/layout/IconCircleList"/>
+    <dgm:cxn modelId="{AF224385-9397-5948-AEDE-294CA3DDBD7E}" type="presParOf" srcId="{2135144F-8B4A-4654-902A-123DC7BCB8F1}" destId="{A02CF345-FC23-45D5-BBC1-74DA1DA9873E}" srcOrd="1" destOrd="0" presId="urn:microsoft.com/office/officeart/2018/2/layout/IconCircleList"/>
+    <dgm:cxn modelId="{3AE61839-0381-EB4E-8E06-AF039695761F}" type="presParOf" srcId="{2135144F-8B4A-4654-902A-123DC7BCB8F1}" destId="{726C449F-13DC-4548-AC9F-52DF2D69C1AB}" srcOrd="2" destOrd="0" presId="urn:microsoft.com/office/officeart/2018/2/layout/IconCircleList"/>
+    <dgm:cxn modelId="{189AB4F8-F7A2-704E-85A7-93A771D064F0}" type="presParOf" srcId="{2135144F-8B4A-4654-902A-123DC7BCB8F1}" destId="{8F4B3A42-BDE2-405F-B6EF-FDFF12BD23DE}" srcOrd="3" destOrd="0" presId="urn:microsoft.com/office/officeart/2018/2/layout/IconCircleList"/>
+    <dgm:cxn modelId="{E1D3D6F0-1A83-F849-807F-F39AFFD8424D}" type="presParOf" srcId="{836D56FE-59C0-46C2-B165-D016CADABC34}" destId="{5B4890B1-5B48-47DE-B76B-41076FD75505}" srcOrd="3" destOrd="0" presId="urn:microsoft.com/office/officeart/2018/2/layout/IconCircleList"/>
+    <dgm:cxn modelId="{995075C4-77AA-0D42-80B2-159942E949E9}" type="presParOf" srcId="{836D56FE-59C0-46C2-B165-D016CADABC34}" destId="{5B2288E3-F2CF-4F09-ADE7-1CD5AD37AADA}" srcOrd="4" destOrd="0" presId="urn:microsoft.com/office/officeart/2018/2/layout/IconCircleList"/>
+    <dgm:cxn modelId="{9D2B6B66-A2EB-4E44-AD6B-00A9325B02D6}" type="presParOf" srcId="{5B2288E3-F2CF-4F09-ADE7-1CD5AD37AADA}" destId="{C90A706F-D6EF-4FCF-A61F-4A57BB47BE88}" srcOrd="0" destOrd="0" presId="urn:microsoft.com/office/officeart/2018/2/layout/IconCircleList"/>
+    <dgm:cxn modelId="{A180B998-E447-9349-8475-233BC8C72A7C}" type="presParOf" srcId="{5B2288E3-F2CF-4F09-ADE7-1CD5AD37AADA}" destId="{1C234E49-C8E9-4E24-9750-E2C14B377662}" srcOrd="1" destOrd="0" presId="urn:microsoft.com/office/officeart/2018/2/layout/IconCircleList"/>
+    <dgm:cxn modelId="{A4C0E523-187F-2443-AAEC-B98E1198CEB4}" type="presParOf" srcId="{5B2288E3-F2CF-4F09-ADE7-1CD5AD37AADA}" destId="{FAF4AAF0-E80E-48CE-BBC6-1EF519E03531}" srcOrd="2" destOrd="0" presId="urn:microsoft.com/office/officeart/2018/2/layout/IconCircleList"/>
+    <dgm:cxn modelId="{413D3E1D-0F82-5944-AA23-7622D712E618}" type="presParOf" srcId="{5B2288E3-F2CF-4F09-ADE7-1CD5AD37AADA}" destId="{AE765BD2-ECE5-4E45-8260-29BA28667ACB}" srcOrd="3" destOrd="0" presId="urn:microsoft.com/office/officeart/2018/2/layout/IconCircleList"/>
+    <dgm:cxn modelId="{83C3185F-5677-474C-AD4C-5B8B27260CDE}" type="presParOf" srcId="{836D56FE-59C0-46C2-B165-D016CADABC34}" destId="{6F164456-CDBD-420F-AAE1-746A9B7F678F}" srcOrd="5" destOrd="0" presId="urn:microsoft.com/office/officeart/2018/2/layout/IconCircleList"/>
+    <dgm:cxn modelId="{A8DB326E-B398-9548-A3BC-9397A4769BA7}" type="presParOf" srcId="{836D56FE-59C0-46C2-B165-D016CADABC34}" destId="{9AC0A8B0-E37A-4112-A958-AAB20D826EF2}" srcOrd="6" destOrd="0" presId="urn:microsoft.com/office/officeart/2018/2/layout/IconCircleList"/>
+    <dgm:cxn modelId="{27BB9AF4-2E26-2D4A-8A96-8F922BB29A53}" type="presParOf" srcId="{9AC0A8B0-E37A-4112-A958-AAB20D826EF2}" destId="{0BCBDC8E-22DF-46AB-A23B-2EE43F335AFD}" srcOrd="0" destOrd="0" presId="urn:microsoft.com/office/officeart/2018/2/layout/IconCircleList"/>
+    <dgm:cxn modelId="{75A0F5F2-E7A1-8043-8480-D14A83B59256}" type="presParOf" srcId="{9AC0A8B0-E37A-4112-A958-AAB20D826EF2}" destId="{066F885E-F14F-4891-9048-5055024C29B6}" srcOrd="1" destOrd="0" presId="urn:microsoft.com/office/officeart/2018/2/layout/IconCircleList"/>
+    <dgm:cxn modelId="{8C0EC52A-680E-EE40-814E-14856C0CFFF9}" type="presParOf" srcId="{9AC0A8B0-E37A-4112-A958-AAB20D826EF2}" destId="{94BE55DB-A44A-4E54-AFAF-968D019D206F}" srcOrd="2" destOrd="0" presId="urn:microsoft.com/office/officeart/2018/2/layout/IconCircleList"/>
+    <dgm:cxn modelId="{2171841F-39F0-1F47-AE5A-27B132EB0444}" type="presParOf" srcId="{9AC0A8B0-E37A-4112-A958-AAB20D826EF2}" destId="{D1B88C79-E19D-4F06-9B37-1913F75808D6}" srcOrd="3" destOrd="0" presId="urn:microsoft.com/office/officeart/2018/2/layout/IconCircleList"/>
+    <dgm:cxn modelId="{935F4D4D-7FE5-EA49-B1F8-C7C9ED24482E}" type="presParOf" srcId="{836D56FE-59C0-46C2-B165-D016CADABC34}" destId="{7C3F35A6-25C0-43B1-89D7-0CF8EBB82896}" srcOrd="7" destOrd="0" presId="urn:microsoft.com/office/officeart/2018/2/layout/IconCircleList"/>
+    <dgm:cxn modelId="{69DD05A5-467F-EF46-A30A-5FDD831359D2}" type="presParOf" srcId="{836D56FE-59C0-46C2-B165-D016CADABC34}" destId="{57D1F32A-BDED-4F38-86E7-B1096CF71F9A}" srcOrd="8" destOrd="0" presId="urn:microsoft.com/office/officeart/2018/2/layout/IconCircleList"/>
+    <dgm:cxn modelId="{20E7B797-9C95-A64A-B60C-2F6048FD15BA}" type="presParOf" srcId="{57D1F32A-BDED-4F38-86E7-B1096CF71F9A}" destId="{AC1093DC-7BA6-4E00-ADA0-006B5DD42660}" srcOrd="0" destOrd="0" presId="urn:microsoft.com/office/officeart/2018/2/layout/IconCircleList"/>
+    <dgm:cxn modelId="{031D8289-4082-0240-91AC-5D37AF9737C2}" type="presParOf" srcId="{57D1F32A-BDED-4F38-86E7-B1096CF71F9A}" destId="{423A8A95-20E4-4E43-8AF8-4F1AED368C4A}" srcOrd="1" destOrd="0" presId="urn:microsoft.com/office/officeart/2018/2/layout/IconCircleList"/>
+    <dgm:cxn modelId="{8EB65AD1-833B-3043-856E-D696954F130A}" type="presParOf" srcId="{57D1F32A-BDED-4F38-86E7-B1096CF71F9A}" destId="{4E2EC470-2E89-4C1F-A754-A3CE28CBA425}" srcOrd="2" destOrd="0" presId="urn:microsoft.com/office/officeart/2018/2/layout/IconCircleList"/>
+    <dgm:cxn modelId="{86D88BA0-6612-0346-85C7-22C022D86A11}" type="presParOf" srcId="{57D1F32A-BDED-4F38-86E7-B1096CF71F9A}" destId="{E842CF6B-F1D6-40A4-9D98-383390B9B87F}" srcOrd="3" destOrd="0" presId="urn:microsoft.com/office/officeart/2018/2/layout/IconCircleList"/>
+    <dgm:cxn modelId="{23F1A8A9-B70E-FB44-B6DD-1ACD703AD02F}" type="presParOf" srcId="{836D56FE-59C0-46C2-B165-D016CADABC34}" destId="{54D530DE-532F-4B3D-88F7-FE9D9060966E}" srcOrd="9" destOrd="0" presId="urn:microsoft.com/office/officeart/2018/2/layout/IconCircleList"/>
+    <dgm:cxn modelId="{4970917B-6D2C-6E41-AD35-CA214DF6E6A9}" type="presParOf" srcId="{836D56FE-59C0-46C2-B165-D016CADABC34}" destId="{CFED6AC3-428A-4452-9138-B1D63A27D8A0}" srcOrd="10" destOrd="0" presId="urn:microsoft.com/office/officeart/2018/2/layout/IconCircleList"/>
+    <dgm:cxn modelId="{6AF017CD-6C29-4941-A878-8D84791D8A55}" type="presParOf" srcId="{CFED6AC3-428A-4452-9138-B1D63A27D8A0}" destId="{8DD7E083-D61B-434C-AA35-345276811284}" srcOrd="0" destOrd="0" presId="urn:microsoft.com/office/officeart/2018/2/layout/IconCircleList"/>
+    <dgm:cxn modelId="{B564C093-92D5-F745-A924-297646FC1BAF}" type="presParOf" srcId="{CFED6AC3-428A-4452-9138-B1D63A27D8A0}" destId="{8C8D8D11-A8BC-495A-95CD-8179B52CF9A1}" srcOrd="1" destOrd="0" presId="urn:microsoft.com/office/officeart/2018/2/layout/IconCircleList"/>
+    <dgm:cxn modelId="{E5F254BE-D762-904E-A134-DAB0A5A10F59}" type="presParOf" srcId="{CFED6AC3-428A-4452-9138-B1D63A27D8A0}" destId="{1A74EFDB-5134-40AA-B875-415CD92EA309}" srcOrd="2" destOrd="0" presId="urn:microsoft.com/office/officeart/2018/2/layout/IconCircleList"/>
+    <dgm:cxn modelId="{D85F06F2-1F2E-E94B-BD85-21674393D71E}" type="presParOf" srcId="{CFED6AC3-428A-4452-9138-B1D63A27D8A0}" destId="{253BDD44-D96E-4587-8A98-B2C2E455E5CF}" srcOrd="3" destOrd="0" presId="urn:microsoft.com/office/officeart/2018/2/layout/IconCircleList"/>
   </dgm:cxnLst>
-  <dgm:bg/>
-  <dgm:whole/>
+  <dgm:bg>
+    <a:noFill/>
+  </dgm:bg>
+  <dgm:whole>
+    <a:ln>
+      <a:solidFill>
+        <a:srgbClr val="00585A"/>
+      </a:solidFill>
+    </a:ln>
+  </dgm:whole>
   <dgm:extLst>
     <a:ext uri="http://schemas.microsoft.com/office/drawing/2008/diagram">
-      <dsp:dataModelExt xmlns:dsp="http://schemas.microsoft.com/office/drawing/2008/diagram" relId="rId6" minVer="http://schemas.openxmlformats.org/drawingml/2006/diagram"/>
+      <dsp:dataModelExt xmlns:dsp="http://schemas.microsoft.com/office/drawing/2008/diagram" relId="rId7" minVer="http://schemas.openxmlformats.org/drawingml/2006/diagram"/>
     </a:ext>
   </dgm:extLst>
 </dgm:dataModel>
@@ -9918,7 +9770,7 @@
             <a:rPr lang="en-US" dirty="0">
               <a:hlinkClick xmlns:r="http://schemas.openxmlformats.org/officeDocument/2006/relationships" r:id="rId3"/>
             </a:rPr>
-            <a:t>https://yousiadel.github.io/Parking-Finder-App/</a:t>
+            <a:t>https://github.com/Yousiadel/Park-Me-Site</a:t>
           </a:r>
           <a:endParaRPr lang="en-US" dirty="0"/>
         </a:p>
@@ -9954,12 +9806,18 @@
         <a:lstStyle/>
         <a:p>
           <a:r>
-            <a:rPr lang="en-US">
+            <a:rPr lang="en-US" b="0" i="0" dirty="0">
               <a:hlinkClick xmlns:r="http://schemas.openxmlformats.org/officeDocument/2006/relationships" r:id="rId4"/>
             </a:rPr>
-            <a:t>https://github.com/Yousiadel/Parking-Finder-App</a:t>
+            <a:t>https://yousiadel.github.io</a:t>
           </a:r>
-          <a:endParaRPr lang="en-US"/>
+          <a:r>
+            <a:rPr lang="en-US" b="0" i="0">
+              <a:hlinkClick xmlns:r="http://schemas.openxmlformats.org/officeDocument/2006/relationships" r:id="rId4"/>
+            </a:rPr>
+            <a:t>/Park-Me-Site/</a:t>
+          </a:r>
+          <a:endParaRPr lang="en-US" dirty="0"/>
         </a:p>
       </dgm:t>
     </dgm:pt>
@@ -10100,7 +9958,7 @@
   <dgm:whole/>
   <dgm:extLst>
     <a:ext uri="http://schemas.microsoft.com/office/drawing/2008/diagram">
-      <dsp:dataModelExt xmlns:dsp="http://schemas.microsoft.com/office/drawing/2008/diagram" relId="rId6" minVer="http://schemas.openxmlformats.org/drawingml/2006/diagram"/>
+      <dsp:dataModelExt xmlns:dsp="http://schemas.microsoft.com/office/drawing/2008/diagram" relId="rId7" minVer="http://schemas.openxmlformats.org/drawingml/2006/diagram"/>
     </a:ext>
   </dgm:extLst>
 </dgm:dataModel>
@@ -10207,7 +10065,7 @@
             <a:rPr lang="en-US" sz="1400" b="0" i="0" kern="1200" dirty="0">
               <a:latin typeface="+mn-lt"/>
             </a:rPr>
-            <a:t>Park Me is an all-in-one app to take the stress out of finding a place to park in 3 easy steps. Sign up for a completely free account, find a spot closest to where you need to go, and check in to your chosen garage.</a:t>
+            <a:t>Park Me is an all-in-one Site to take the stress out of finding a place to park in 3 easy steps. Sign up for a completely free account, find a spot closest to where you need to go, and check in to your chosen garage.</a:t>
           </a:r>
           <a:endParaRPr lang="en-US" sz="1400" kern="1200" dirty="0">
             <a:latin typeface="+mn-lt"/>
@@ -10573,7 +10431,7 @@
           </a:pPr>
           <a:r>
             <a:rPr lang="en-US" sz="1400" kern="1200" dirty="0"/>
-            <a:t>The car owner enters their location on the website and books a spot. When he reaches the parking lot, a sensor will read the license plate and feed it in the database to save his place on the site. The site will then guide the owner to the dedicated spot. </a:t>
+            <a:t>The car owner enters their location on the website. When he reaches the parking lot, a sensor will read the license plate and feed it in the database to save his place on the site “Future”. The site will then guide the owner to the dedicated spot. </a:t>
           </a:r>
         </a:p>
       </dsp:txBody>
@@ -10728,7 +10586,7 @@
           </a:r>
           <a:r>
             <a:rPr lang="en-US" sz="1400" kern="1200" dirty="0"/>
-            <a:t> fee is free, as we just started.</a:t>
+            <a:t> fee is free, as we just started. For Future, we will be able to add various of payment methods.</a:t>
           </a:r>
         </a:p>
       </dsp:txBody>
@@ -10879,7 +10737,7 @@
           </a:pPr>
           <a:r>
             <a:rPr lang="en-US" sz="1400" kern="1200" dirty="0"/>
-            <a:t>With the Park Me site, you will find available parking spots that are ideally located. The Park Me site gives you a perfect overview of parking spots close to your destination. Parking Finder not only saves you time but allows you to plan every trip with ease and confidence.</a:t>
+            <a:t>With the Park Me site, you will find available parking spots that are ideally located. The Park Me site gives you a perfect overview of parking spots close to your destination. Parking Me not only saves you time but allows you to plan every trip with ease and confidence.</a:t>
           </a:r>
         </a:p>
       </dsp:txBody>
@@ -11271,7 +11129,7 @@
           </a:pPr>
           <a:r>
             <a:rPr lang="en-US" sz="1300" kern="1200" dirty="0"/>
-            <a:t>Luckily, the modern IT industry can implement a solution. Parking apps and sites like our Parking Finder site bring relief to residents since they save time and nerves. The fundamental function of such applications is obtaining and booking free places nearby. </a:t>
+            <a:t>Luckily, the modern IT industry can implement a solution. Parking apps and sites like our Park Me site bring relief to residents since they save time and nerves. The fundamental function of such applications is obtaining and booking free places nearby. </a:t>
           </a:r>
         </a:p>
       </dsp:txBody>
@@ -11448,8 +11306,8 @@
       </dsp:nvSpPr>
       <dsp:spPr>
         <a:xfrm>
-          <a:off x="0" y="545315"/>
-          <a:ext cx="6588691" cy="1213289"/>
+          <a:off x="0" y="163884"/>
+          <a:ext cx="6588691" cy="1641509"/>
         </a:xfrm>
         <a:prstGeom prst="roundRect">
           <a:avLst/>
@@ -11491,12 +11349,12 @@
         </a:fontRef>
       </dsp:style>
       <dsp:txBody>
-        <a:bodyPr spcFirstLastPara="0" vert="horz" wrap="square" lIns="64770" tIns="64770" rIns="64770" bIns="64770" numCol="1" spcCol="1270" anchor="ctr" anchorCtr="0">
+        <a:bodyPr spcFirstLastPara="0" vert="horz" wrap="square" lIns="87630" tIns="87630" rIns="87630" bIns="87630" numCol="1" spcCol="1270" anchor="ctr" anchorCtr="0">
           <a:noAutofit/>
         </a:bodyPr>
         <a:lstStyle/>
         <a:p>
-          <a:pPr marL="0" lvl="0" indent="0" algn="l" defTabSz="755650">
+          <a:pPr marL="0" lvl="0" indent="0" algn="l" defTabSz="1022350">
             <a:lnSpc>
               <a:spcPct val="90000"/>
             </a:lnSpc>
@@ -11509,14 +11367,14 @@
             <a:buNone/>
           </a:pPr>
           <a:r>
-            <a:rPr lang="en-US" sz="1700" kern="1200" dirty="0"/>
-            <a:t>We tested the Search Bar as a user to insert your location. We wanted to make it work with an information bar to show up. Also, we want to search for a resource; when we search for support, we wanted to be able to click on the resource that drops down be brought to that page.</a:t>
+            <a:rPr lang="en-US" sz="2300" kern="1200" dirty="0"/>
+            <a:t>We tested the Sign Up as a user to insert the user information. We wanted to make it work with their information. It worked as we wanted thru the Local Storage information thru the site.</a:t>
           </a:r>
         </a:p>
       </dsp:txBody>
       <dsp:txXfrm>
-        <a:off x="59228" y="604543"/>
-        <a:ext cx="6470235" cy="1094833"/>
+        <a:off x="80132" y="244016"/>
+        <a:ext cx="6428427" cy="1481245"/>
       </dsp:txXfrm>
     </dsp:sp>
     <dsp:sp modelId="{882B0C4A-F1A4-094B-B1E0-CB4EA41E184D}">
@@ -11526,8 +11384,8 @@
       </dsp:nvSpPr>
       <dsp:spPr>
         <a:xfrm>
-          <a:off x="0" y="1807565"/>
-          <a:ext cx="6588691" cy="1213289"/>
+          <a:off x="0" y="1871634"/>
+          <a:ext cx="6588691" cy="921625"/>
         </a:xfrm>
         <a:prstGeom prst="roundRect">
           <a:avLst/>
@@ -11569,12 +11427,12 @@
         </a:fontRef>
       </dsp:style>
       <dsp:txBody>
-        <a:bodyPr spcFirstLastPara="0" vert="horz" wrap="square" lIns="64770" tIns="64770" rIns="64770" bIns="64770" numCol="1" spcCol="1270" anchor="ctr" anchorCtr="0">
+        <a:bodyPr spcFirstLastPara="0" vert="horz" wrap="square" lIns="87630" tIns="87630" rIns="87630" bIns="87630" numCol="1" spcCol="1270" anchor="ctr" anchorCtr="0">
           <a:noAutofit/>
         </a:bodyPr>
         <a:lstStyle/>
         <a:p>
-          <a:pPr marL="0" lvl="0" indent="0" algn="l" defTabSz="755650">
+          <a:pPr marL="0" lvl="0" indent="0" algn="l" defTabSz="1022350">
             <a:lnSpc>
               <a:spcPct val="90000"/>
             </a:lnSpc>
@@ -11587,14 +11445,14 @@
             <a:buNone/>
           </a:pPr>
           <a:r>
-            <a:rPr lang="en-US" sz="1700" kern="1200" dirty="0"/>
+            <a:rPr lang="en-US" sz="2300" kern="1200" dirty="0"/>
             <a:t>Acceptance:</a:t>
           </a:r>
         </a:p>
       </dsp:txBody>
       <dsp:txXfrm>
-        <a:off x="59228" y="1866793"/>
-        <a:ext cx="6470235" cy="1094833"/>
+        <a:off x="44990" y="1916624"/>
+        <a:ext cx="6498711" cy="831645"/>
       </dsp:txXfrm>
     </dsp:sp>
     <dsp:sp modelId="{A3FB1F71-C11D-2741-8750-883CA1466F73}">
@@ -11604,8 +11462,8 @@
       </dsp:nvSpPr>
       <dsp:spPr>
         <a:xfrm>
-          <a:off x="0" y="3020855"/>
-          <a:ext cx="6588691" cy="668609"/>
+          <a:off x="0" y="2793260"/>
+          <a:ext cx="6588691" cy="880785"/>
         </a:xfrm>
         <a:prstGeom prst="rect">
           <a:avLst/>
@@ -11629,12 +11487,12 @@
         <a:fontRef idx="minor"/>
       </dsp:style>
       <dsp:txBody>
-        <a:bodyPr spcFirstLastPara="0" vert="horz" wrap="square" lIns="209191" tIns="21590" rIns="120904" bIns="21590" numCol="1" spcCol="1270" anchor="t" anchorCtr="0">
+        <a:bodyPr spcFirstLastPara="0" vert="horz" wrap="square" lIns="209191" tIns="29210" rIns="163576" bIns="29210" numCol="1" spcCol="1270" anchor="t" anchorCtr="0">
           <a:noAutofit/>
         </a:bodyPr>
         <a:lstStyle/>
         <a:p>
-          <a:pPr marL="114300" lvl="1" indent="-114300" algn="l" defTabSz="577850">
+          <a:pPr marL="171450" lvl="1" indent="-171450" algn="l" defTabSz="800100">
             <a:lnSpc>
               <a:spcPct val="90000"/>
             </a:lnSpc>
@@ -11647,12 +11505,12 @@
             <a:buChar char="•"/>
           </a:pPr>
           <a:r>
-            <a:rPr lang="en-US" sz="1300" kern="1200" dirty="0"/>
-            <a:t>on click, the user should be able to search by anything in the title.</a:t>
+            <a:rPr lang="en-US" sz="1800" kern="1200" dirty="0"/>
+            <a:t>on click, the user should be able to see the Register page.</a:t>
           </a:r>
         </a:p>
         <a:p>
-          <a:pPr marL="114300" lvl="1" indent="-114300" algn="l" defTabSz="577850">
+          <a:pPr marL="171450" lvl="1" indent="-171450" algn="l" defTabSz="800100">
             <a:lnSpc>
               <a:spcPct val="90000"/>
             </a:lnSpc>
@@ -11665,32 +11523,14 @@
             <a:buChar char="•"/>
           </a:pPr>
           <a:r>
-            <a:rPr lang="en-US" sz="1300" kern="1200" dirty="0"/>
-            <a:t>on input of search, options will drop down below search bar.</a:t>
-          </a:r>
-        </a:p>
-        <a:p>
-          <a:pPr marL="114300" lvl="1" indent="-114300" algn="l" defTabSz="577850">
-            <a:lnSpc>
-              <a:spcPct val="90000"/>
-            </a:lnSpc>
-            <a:spcBef>
-              <a:spcPct val="0"/>
-            </a:spcBef>
-            <a:spcAft>
-              <a:spcPct val="20000"/>
-            </a:spcAft>
-            <a:buChar char="•"/>
-          </a:pPr>
-          <a:r>
-            <a:rPr lang="en-US" sz="1300" kern="1200" dirty="0"/>
-            <a:t>users search criteria will show options having that have similar (tag) or title elements.</a:t>
+            <a:rPr lang="en-US" sz="1800" kern="1200" dirty="0"/>
+            <a:t>on Register page , they will see the information needed from they like username, email and Car information. </a:t>
           </a:r>
         </a:p>
       </dsp:txBody>
       <dsp:txXfrm>
-        <a:off x="0" y="3020855"/>
-        <a:ext cx="6588691" cy="668609"/>
+        <a:off x="0" y="2793260"/>
+        <a:ext cx="6588691" cy="880785"/>
       </dsp:txXfrm>
     </dsp:sp>
     <dsp:sp modelId="{B1D12D49-C0A2-A540-8DEA-64213FC9C517}">
@@ -11700,8 +11540,8 @@
       </dsp:nvSpPr>
       <dsp:spPr>
         <a:xfrm>
-          <a:off x="0" y="3689465"/>
-          <a:ext cx="6588691" cy="1213289"/>
+          <a:off x="0" y="3674045"/>
+          <a:ext cx="6588691" cy="939977"/>
         </a:xfrm>
         <a:prstGeom prst="roundRect">
           <a:avLst/>
@@ -11743,12 +11583,12 @@
         </a:fontRef>
       </dsp:style>
       <dsp:txBody>
-        <a:bodyPr spcFirstLastPara="0" vert="horz" wrap="square" lIns="64770" tIns="64770" rIns="64770" bIns="64770" numCol="1" spcCol="1270" anchor="ctr" anchorCtr="0">
+        <a:bodyPr spcFirstLastPara="0" vert="horz" wrap="square" lIns="87630" tIns="87630" rIns="87630" bIns="87630" numCol="1" spcCol="1270" anchor="ctr" anchorCtr="0">
           <a:noAutofit/>
         </a:bodyPr>
         <a:lstStyle/>
         <a:p>
-          <a:pPr marL="0" lvl="0" indent="0" algn="l" defTabSz="755650">
+          <a:pPr marL="0" lvl="0" indent="0" algn="l" defTabSz="1022350">
             <a:lnSpc>
               <a:spcPct val="90000"/>
             </a:lnSpc>
@@ -11761,14 +11601,14 @@
             <a:buNone/>
           </a:pPr>
           <a:r>
-            <a:rPr lang="en-US" sz="1700" kern="1200" dirty="0"/>
+            <a:rPr lang="en-US" sz="2300" kern="1200" dirty="0"/>
             <a:t>Definition of done:</a:t>
           </a:r>
         </a:p>
       </dsp:txBody>
       <dsp:txXfrm>
-        <a:off x="59228" y="3748693"/>
-        <a:ext cx="6470235" cy="1094833"/>
+        <a:off x="45886" y="3719931"/>
+        <a:ext cx="6496919" cy="848205"/>
       </dsp:txXfrm>
     </dsp:sp>
     <dsp:sp modelId="{33A1E495-FE54-8E4D-91D0-6E7E7759EA61}">
@@ -11778,8 +11618,8 @@
       </dsp:nvSpPr>
       <dsp:spPr>
         <a:xfrm>
-          <a:off x="0" y="4902755"/>
-          <a:ext cx="6588691" cy="448672"/>
+          <a:off x="0" y="4614023"/>
+          <a:ext cx="6588691" cy="1118835"/>
         </a:xfrm>
         <a:prstGeom prst="rect">
           <a:avLst/>
@@ -11803,12 +11643,12 @@
         <a:fontRef idx="minor"/>
       </dsp:style>
       <dsp:txBody>
-        <a:bodyPr spcFirstLastPara="0" vert="horz" wrap="square" lIns="209191" tIns="21590" rIns="120904" bIns="21590" numCol="1" spcCol="1270" anchor="t" anchorCtr="0">
+        <a:bodyPr spcFirstLastPara="0" vert="horz" wrap="square" lIns="209191" tIns="29210" rIns="163576" bIns="29210" numCol="1" spcCol="1270" anchor="t" anchorCtr="0">
           <a:noAutofit/>
         </a:bodyPr>
         <a:lstStyle/>
         <a:p>
-          <a:pPr marL="114300" lvl="1" indent="-114300" algn="l" defTabSz="577850">
+          <a:pPr marL="171450" lvl="1" indent="-171450" algn="l" defTabSz="800100">
             <a:lnSpc>
               <a:spcPct val="90000"/>
             </a:lnSpc>
@@ -11821,12 +11661,12 @@
             <a:buChar char="•"/>
           </a:pPr>
           <a:r>
-            <a:rPr lang="en-US" sz="1300" kern="1200" dirty="0"/>
-            <a:t>when enter is pressed, it will bring them to the first option in the dropdown list.</a:t>
+            <a:rPr lang="en-US" sz="1800" kern="1200" dirty="0"/>
+            <a:t>when the user enter their information, it will bring them to the first option in the website which is the main page or the last page they visited, which means their info have been taken.</a:t>
           </a:r>
         </a:p>
         <a:p>
-          <a:pPr marL="114300" lvl="1" indent="-114300" algn="l" defTabSz="577850">
+          <a:pPr marL="171450" lvl="1" indent="-171450" algn="l" defTabSz="800100" rtl="0">
             <a:lnSpc>
               <a:spcPct val="90000"/>
             </a:lnSpc>
@@ -11838,15 +11678,12 @@
             </a:spcAft>
             <a:buChar char="•"/>
           </a:pPr>
-          <a:r>
-            <a:rPr lang="en-US" sz="1300" kern="1200" dirty="0"/>
-            <a:t>On click of search options, you will be redirected to a new page containing your search.</a:t>
-          </a:r>
+          <a:endParaRPr lang="en-US" sz="1800" kern="1200" dirty="0"/>
         </a:p>
       </dsp:txBody>
       <dsp:txXfrm>
-        <a:off x="0" y="4902755"/>
-        <a:ext cx="6588691" cy="448672"/>
+        <a:off x="0" y="4614023"/>
+        <a:ext cx="6588691" cy="1118835"/>
       </dsp:txXfrm>
     </dsp:sp>
   </dsp:spTree>
@@ -13822,23 +13659,21 @@
       <dsp:cNvGrpSpPr/>
     </dsp:nvGrpSpPr>
     <dsp:grpSpPr/>
-    <dsp:sp modelId="{2452070E-9DA7-4311-A35D-E0B4E5D3F521}">
+    <dsp:sp modelId="{44B7392A-01B0-4E1B-8681-8A385A97C153}">
       <dsp:nvSpPr>
         <dsp:cNvPr id="0" name=""/>
         <dsp:cNvSpPr/>
       </dsp:nvSpPr>
       <dsp:spPr>
         <a:xfrm>
-          <a:off x="0" y="246297"/>
-          <a:ext cx="6513603" cy="561648"/>
+          <a:off x="334680" y="923891"/>
+          <a:ext cx="926838" cy="926838"/>
         </a:xfrm>
-        <a:prstGeom prst="roundRect">
-          <a:avLst>
-            <a:gd name="adj" fmla="val 10000"/>
-          </a:avLst>
+        <a:prstGeom prst="ellipse">
+          <a:avLst/>
         </a:prstGeom>
         <a:solidFill>
-          <a:schemeClr val="accent2">
+          <a:schemeClr val="accent4">
             <a:hueOff val="0"/>
             <a:satOff val="0"/>
             <a:lumOff val="0"/>
@@ -13863,15 +13698,15 @@
         <a:fontRef idx="minor"/>
       </dsp:style>
     </dsp:sp>
-    <dsp:sp modelId="{316C5958-29A1-44A6-A93B-E99D35DD2820}">
+    <dsp:sp modelId="{A3DEB29C-9795-444B-929C-FD38E7805D64}">
       <dsp:nvSpPr>
         <dsp:cNvPr id="0" name=""/>
         <dsp:cNvSpPr/>
       </dsp:nvSpPr>
       <dsp:spPr>
         <a:xfrm>
-          <a:off x="169898" y="372668"/>
-          <a:ext cx="309208" cy="308906"/>
+          <a:off x="529316" y="1118527"/>
+          <a:ext cx="537566" cy="537566"/>
         </a:xfrm>
         <a:prstGeom prst="rect">
           <a:avLst/>
@@ -13913,15 +13748,15 @@
         </a:fontRef>
       </dsp:style>
     </dsp:sp>
-    <dsp:sp modelId="{9A10355F-DD5B-44C6-A636-D4222ED6F98F}">
+    <dsp:sp modelId="{C7DF7460-D979-479A-8A3C-4F58E66F09A7}">
       <dsp:nvSpPr>
         <dsp:cNvPr id="0" name=""/>
         <dsp:cNvSpPr/>
       </dsp:nvSpPr>
       <dsp:spPr>
         <a:xfrm>
-          <a:off x="649005" y="246297"/>
-          <a:ext cx="5815952" cy="649405"/>
+          <a:off x="1460127" y="923891"/>
+          <a:ext cx="2184691" cy="926838"/>
         </a:xfrm>
         <a:prstGeom prst="rect">
           <a:avLst/>
@@ -13945,14 +13780,14 @@
         <a:fontRef idx="minor"/>
       </dsp:style>
       <dsp:txBody>
-        <a:bodyPr spcFirstLastPara="0" vert="horz" wrap="square" lIns="68729" tIns="68729" rIns="68729" bIns="68729" numCol="1" spcCol="1270" anchor="ctr" anchorCtr="0">
+        <a:bodyPr spcFirstLastPara="0" vert="horz" wrap="square" lIns="0" tIns="0" rIns="0" bIns="0" numCol="1" spcCol="1270" anchor="ctr" anchorCtr="0">
           <a:noAutofit/>
         </a:bodyPr>
         <a:lstStyle/>
         <a:p>
-          <a:pPr marL="0" lvl="0" indent="0" algn="l" defTabSz="622300">
+          <a:pPr marL="0" lvl="0" indent="0" algn="l" defTabSz="488950">
             <a:lnSpc>
-              <a:spcPct val="90000"/>
+              <a:spcPct val="100000"/>
             </a:lnSpc>
             <a:spcBef>
               <a:spcPct val="0"/>
@@ -13963,33 +13798,31 @@
             <a:buNone/>
           </a:pPr>
           <a:r>
-            <a:rPr lang="en-US" sz="1400" kern="1200"/>
+            <a:rPr lang="en-US" sz="1100" kern="1200"/>
             <a:t>Google Maps</a:t>
           </a:r>
         </a:p>
       </dsp:txBody>
       <dsp:txXfrm>
-        <a:off x="649005" y="246297"/>
-        <a:ext cx="5815952" cy="649405"/>
+        <a:off x="1460127" y="923891"/>
+        <a:ext cx="2184691" cy="926838"/>
       </dsp:txXfrm>
     </dsp:sp>
-    <dsp:sp modelId="{3D3D07AB-D684-4D3D-BF3B-8545A73B4889}">
+    <dsp:sp modelId="{27B93283-6836-4E7F-8B58-9039756570B7}">
       <dsp:nvSpPr>
         <dsp:cNvPr id="0" name=""/>
         <dsp:cNvSpPr/>
       </dsp:nvSpPr>
       <dsp:spPr>
         <a:xfrm>
-          <a:off x="0" y="1058054"/>
-          <a:ext cx="6513603" cy="752687"/>
+          <a:off x="4025484" y="923891"/>
+          <a:ext cx="926838" cy="926838"/>
         </a:xfrm>
-        <a:prstGeom prst="roundRect">
-          <a:avLst>
-            <a:gd name="adj" fmla="val 10000"/>
-          </a:avLst>
+        <a:prstGeom prst="ellipse">
+          <a:avLst/>
         </a:prstGeom>
         <a:solidFill>
-          <a:schemeClr val="accent3">
+          <a:schemeClr val="accent4">
             <a:hueOff val="0"/>
             <a:satOff val="0"/>
             <a:lumOff val="0"/>
@@ -14014,15 +13847,15 @@
         <a:fontRef idx="minor"/>
       </dsp:style>
     </dsp:sp>
-    <dsp:sp modelId="{C475E4B1-FFED-470B-ABA8-0BDC965A6010}">
+    <dsp:sp modelId="{A02CF345-FC23-45D5-BBC1-74DA1DA9873E}">
       <dsp:nvSpPr>
         <dsp:cNvPr id="0" name=""/>
         <dsp:cNvSpPr/>
       </dsp:nvSpPr>
       <dsp:spPr>
         <a:xfrm>
-          <a:off x="169898" y="1279945"/>
-          <a:ext cx="309208" cy="308906"/>
+          <a:off x="4220120" y="1118527"/>
+          <a:ext cx="537566" cy="537566"/>
         </a:xfrm>
         <a:prstGeom prst="rect">
           <a:avLst/>
@@ -14064,15 +13897,15 @@
         </a:fontRef>
       </dsp:style>
     </dsp:sp>
-    <dsp:sp modelId="{44F1F30F-4C66-432C-A2C3-41AFE8CA9E27}">
+    <dsp:sp modelId="{8F4B3A42-BDE2-405F-B6EF-FDFF12BD23DE}">
       <dsp:nvSpPr>
         <dsp:cNvPr id="0" name=""/>
         <dsp:cNvSpPr/>
       </dsp:nvSpPr>
       <dsp:spPr>
         <a:xfrm>
-          <a:off x="649005" y="1153574"/>
-          <a:ext cx="5815952" cy="649405"/>
+          <a:off x="5150931" y="923891"/>
+          <a:ext cx="2184691" cy="926838"/>
         </a:xfrm>
         <a:prstGeom prst="rect">
           <a:avLst/>
@@ -14096,14 +13929,14 @@
         <a:fontRef idx="minor"/>
       </dsp:style>
       <dsp:txBody>
-        <a:bodyPr spcFirstLastPara="0" vert="horz" wrap="square" lIns="68729" tIns="68729" rIns="68729" bIns="68729" numCol="1" spcCol="1270" anchor="ctr" anchorCtr="0">
+        <a:bodyPr spcFirstLastPara="0" vert="horz" wrap="square" lIns="0" tIns="0" rIns="0" bIns="0" numCol="1" spcCol="1270" anchor="ctr" anchorCtr="0">
           <a:noAutofit/>
         </a:bodyPr>
         <a:lstStyle/>
         <a:p>
-          <a:pPr marL="0" lvl="0" indent="0" algn="l" defTabSz="622300">
+          <a:pPr marL="0" lvl="0" indent="0" algn="l" defTabSz="488950">
             <a:lnSpc>
-              <a:spcPct val="90000"/>
+              <a:spcPct val="100000"/>
             </a:lnSpc>
             <a:spcBef>
               <a:spcPct val="0"/>
@@ -14114,30 +13947,28 @@
             <a:buNone/>
           </a:pPr>
           <a:r>
-            <a:rPr lang="en-US" sz="1400" kern="1200"/>
+            <a:rPr lang="en-US" sz="1100" kern="1200"/>
             <a:t>GPS is an essential option since it is the main thing about our site users with one primary function of our site, which is obtaining a parking spot near the parking location. Such an application can't book the free parking spot. </a:t>
           </a:r>
         </a:p>
       </dsp:txBody>
       <dsp:txXfrm>
-        <a:off x="649005" y="1153574"/>
-        <a:ext cx="5815952" cy="649405"/>
+        <a:off x="5150931" y="923891"/>
+        <a:ext cx="2184691" cy="926838"/>
       </dsp:txXfrm>
     </dsp:sp>
-    <dsp:sp modelId="{6BE4C7BC-4DB4-49D3-ABE1-A3732821DAAC}">
+    <dsp:sp modelId="{C90A706F-D6EF-4FCF-A61F-4A57BB47BE88}">
       <dsp:nvSpPr>
         <dsp:cNvPr id="0" name=""/>
         <dsp:cNvSpPr/>
       </dsp:nvSpPr>
       <dsp:spPr>
         <a:xfrm>
-          <a:off x="0" y="1973093"/>
-          <a:ext cx="6513603" cy="691063"/>
+          <a:off x="7716288" y="923891"/>
+          <a:ext cx="926838" cy="926838"/>
         </a:xfrm>
-        <a:prstGeom prst="roundRect">
-          <a:avLst>
-            <a:gd name="adj" fmla="val 10000"/>
-          </a:avLst>
+        <a:prstGeom prst="ellipse">
+          <a:avLst/>
         </a:prstGeom>
         <a:solidFill>
           <a:schemeClr val="accent4">
@@ -14165,15 +13996,15 @@
         <a:fontRef idx="minor"/>
       </dsp:style>
     </dsp:sp>
-    <dsp:sp modelId="{F65B7405-E0E8-44F4-A9ED-A3BACA68D860}">
+    <dsp:sp modelId="{1C234E49-C8E9-4E24-9750-E2C14B377662}">
       <dsp:nvSpPr>
         <dsp:cNvPr id="0" name=""/>
         <dsp:cNvSpPr/>
       </dsp:nvSpPr>
       <dsp:spPr>
         <a:xfrm>
-          <a:off x="169898" y="2164172"/>
-          <a:ext cx="309208" cy="308906"/>
+          <a:off x="7910924" y="1118527"/>
+          <a:ext cx="537566" cy="537566"/>
         </a:xfrm>
         <a:prstGeom prst="rect">
           <a:avLst/>
@@ -14215,15 +14046,15 @@
         </a:fontRef>
       </dsp:style>
     </dsp:sp>
-    <dsp:sp modelId="{80D9DA1F-6F07-4895-8684-8E9B6BBCC5F4}">
+    <dsp:sp modelId="{AE765BD2-ECE5-4E45-8260-29BA28667ACB}">
       <dsp:nvSpPr>
         <dsp:cNvPr id="0" name=""/>
         <dsp:cNvSpPr/>
       </dsp:nvSpPr>
       <dsp:spPr>
         <a:xfrm>
-          <a:off x="697651" y="1997096"/>
-          <a:ext cx="5815952" cy="649405"/>
+          <a:off x="8841735" y="923891"/>
+          <a:ext cx="2184691" cy="926838"/>
         </a:xfrm>
         <a:prstGeom prst="rect">
           <a:avLst/>
@@ -14247,14 +14078,14 @@
         <a:fontRef idx="minor"/>
       </dsp:style>
       <dsp:txBody>
-        <a:bodyPr spcFirstLastPara="0" vert="horz" wrap="square" lIns="68729" tIns="68729" rIns="68729" bIns="68729" numCol="1" spcCol="1270" anchor="ctr" anchorCtr="0">
+        <a:bodyPr spcFirstLastPara="0" vert="horz" wrap="square" lIns="0" tIns="0" rIns="0" bIns="0" numCol="1" spcCol="1270" anchor="ctr" anchorCtr="0">
           <a:noAutofit/>
         </a:bodyPr>
         <a:lstStyle/>
         <a:p>
-          <a:pPr marL="0" lvl="0" indent="0" algn="l" defTabSz="622300">
+          <a:pPr marL="0" lvl="0" indent="0" algn="l" defTabSz="488950">
             <a:lnSpc>
-              <a:spcPct val="90000"/>
+              <a:spcPct val="100000"/>
             </a:lnSpc>
             <a:spcBef>
               <a:spcPct val="0"/>
@@ -14265,33 +14096,31 @@
             <a:buNone/>
           </a:pPr>
           <a:r>
-            <a:rPr lang="en-US" sz="1400" kern="1200" dirty="0"/>
+            <a:rPr lang="en-US" sz="1100" kern="1200"/>
             <a:t>The map that we used is different from another because it allows users to find the chosen parking spot they need. Additionally, the site can navigate the driver to the booked place.</a:t>
           </a:r>
         </a:p>
       </dsp:txBody>
       <dsp:txXfrm>
-        <a:off x="697651" y="1997096"/>
-        <a:ext cx="5815952" cy="649405"/>
+        <a:off x="8841735" y="923891"/>
+        <a:ext cx="2184691" cy="926838"/>
       </dsp:txXfrm>
     </dsp:sp>
-    <dsp:sp modelId="{5067BFCA-2398-42E2-97FB-447DE92A9F6D}">
+    <dsp:sp modelId="{0BCBDC8E-22DF-46AB-A23B-2EE43F335AFD}">
       <dsp:nvSpPr>
         <dsp:cNvPr id="0" name=""/>
         <dsp:cNvSpPr/>
       </dsp:nvSpPr>
       <dsp:spPr>
         <a:xfrm>
-          <a:off x="0" y="2849558"/>
-          <a:ext cx="6513603" cy="561648"/>
+          <a:off x="334680" y="2608860"/>
+          <a:ext cx="926838" cy="926838"/>
         </a:xfrm>
-        <a:prstGeom prst="roundRect">
-          <a:avLst>
-            <a:gd name="adj" fmla="val 10000"/>
-          </a:avLst>
+        <a:prstGeom prst="ellipse">
+          <a:avLst/>
         </a:prstGeom>
         <a:solidFill>
-          <a:schemeClr val="accent5">
+          <a:schemeClr val="accent4">
             <a:hueOff val="0"/>
             <a:satOff val="0"/>
             <a:lumOff val="0"/>
@@ -14316,15 +14145,15 @@
         <a:fontRef idx="minor"/>
       </dsp:style>
     </dsp:sp>
-    <dsp:sp modelId="{090E4B54-5BF0-45E3-9AA4-5D87C8ADF837}">
+    <dsp:sp modelId="{066F885E-F14F-4891-9048-5055024C29B6}">
       <dsp:nvSpPr>
         <dsp:cNvPr id="0" name=""/>
         <dsp:cNvSpPr/>
       </dsp:nvSpPr>
       <dsp:spPr>
         <a:xfrm>
-          <a:off x="169898" y="2975929"/>
-          <a:ext cx="309208" cy="308906"/>
+          <a:off x="529316" y="2803496"/>
+          <a:ext cx="537566" cy="537566"/>
         </a:xfrm>
         <a:prstGeom prst="rect">
           <a:avLst/>
@@ -14366,15 +14195,15 @@
         </a:fontRef>
       </dsp:style>
     </dsp:sp>
-    <dsp:sp modelId="{6E6F68F5-E99B-4041-865C-15A43317DF69}">
+    <dsp:sp modelId="{D1B88C79-E19D-4F06-9B37-1913F75808D6}">
       <dsp:nvSpPr>
         <dsp:cNvPr id="0" name=""/>
         <dsp:cNvSpPr/>
       </dsp:nvSpPr>
       <dsp:spPr>
         <a:xfrm>
-          <a:off x="649005" y="2849558"/>
-          <a:ext cx="5815952" cy="649405"/>
+          <a:off x="1460127" y="2608860"/>
+          <a:ext cx="2184691" cy="926838"/>
         </a:xfrm>
         <a:prstGeom prst="rect">
           <a:avLst/>
@@ -14398,14 +14227,14 @@
         <a:fontRef idx="minor"/>
       </dsp:style>
       <dsp:txBody>
-        <a:bodyPr spcFirstLastPara="0" vert="horz" wrap="square" lIns="68729" tIns="68729" rIns="68729" bIns="68729" numCol="1" spcCol="1270" anchor="ctr" anchorCtr="0">
+        <a:bodyPr spcFirstLastPara="0" vert="horz" wrap="square" lIns="0" tIns="0" rIns="0" bIns="0" numCol="1" spcCol="1270" anchor="ctr" anchorCtr="0">
           <a:noAutofit/>
         </a:bodyPr>
         <a:lstStyle/>
         <a:p>
-          <a:pPr marL="0" lvl="0" indent="0" algn="l" defTabSz="622300">
+          <a:pPr marL="0" lvl="0" indent="0" algn="l" defTabSz="488950">
             <a:lnSpc>
-              <a:spcPct val="90000"/>
+              <a:spcPct val="100000"/>
             </a:lnSpc>
             <a:spcBef>
               <a:spcPct val="0"/>
@@ -14416,33 +14245,31 @@
             <a:buNone/>
           </a:pPr>
           <a:r>
-            <a:rPr lang="en-US" sz="1400" kern="1200"/>
-            <a:t>Search Bar</a:t>
+            <a:rPr lang="en-US" sz="1100" kern="1200"/>
+            <a:t>Register &amp; Login</a:t>
           </a:r>
         </a:p>
       </dsp:txBody>
       <dsp:txXfrm>
-        <a:off x="649005" y="2849558"/>
-        <a:ext cx="5815952" cy="649405"/>
+        <a:off x="1460127" y="2608860"/>
+        <a:ext cx="2184691" cy="926838"/>
       </dsp:txXfrm>
     </dsp:sp>
-    <dsp:sp modelId="{051A46D7-10E2-4658-AA72-22E54D4E0408}">
+    <dsp:sp modelId="{AC1093DC-7BA6-4E00-ADA0-006B5DD42660}">
       <dsp:nvSpPr>
         <dsp:cNvPr id="0" name=""/>
         <dsp:cNvSpPr/>
       </dsp:nvSpPr>
       <dsp:spPr>
         <a:xfrm>
-          <a:off x="0" y="3661316"/>
-          <a:ext cx="6513603" cy="949135"/>
+          <a:off x="4025484" y="2608860"/>
+          <a:ext cx="926838" cy="926838"/>
         </a:xfrm>
-        <a:prstGeom prst="roundRect">
-          <a:avLst>
-            <a:gd name="adj" fmla="val 10000"/>
-          </a:avLst>
+        <a:prstGeom prst="ellipse">
+          <a:avLst/>
         </a:prstGeom>
         <a:solidFill>
-          <a:schemeClr val="accent6">
+          <a:schemeClr val="accent4">
             <a:hueOff val="0"/>
             <a:satOff val="0"/>
             <a:lumOff val="0"/>
@@ -14467,15 +14294,15 @@
         <a:fontRef idx="minor"/>
       </dsp:style>
     </dsp:sp>
-    <dsp:sp modelId="{07724D73-64F9-46AD-9852-326556672361}">
+    <dsp:sp modelId="{423A8A95-20E4-4E43-8AF8-4F1AED368C4A}">
       <dsp:nvSpPr>
         <dsp:cNvPr id="0" name=""/>
         <dsp:cNvSpPr/>
       </dsp:nvSpPr>
       <dsp:spPr>
         <a:xfrm>
-          <a:off x="169898" y="3981430"/>
-          <a:ext cx="309208" cy="308906"/>
+          <a:off x="4220120" y="2803496"/>
+          <a:ext cx="537566" cy="537566"/>
         </a:xfrm>
         <a:prstGeom prst="rect">
           <a:avLst/>
@@ -14517,15 +14344,15 @@
         </a:fontRef>
       </dsp:style>
     </dsp:sp>
-    <dsp:sp modelId="{01E8B845-16F4-4DFD-8DE2-28FDBB752BEF}">
+    <dsp:sp modelId="{E842CF6B-F1D6-40A4-9D98-383390B9B87F}">
       <dsp:nvSpPr>
         <dsp:cNvPr id="0" name=""/>
         <dsp:cNvSpPr/>
       </dsp:nvSpPr>
       <dsp:spPr>
         <a:xfrm>
-          <a:off x="623415" y="3750242"/>
-          <a:ext cx="5815952" cy="680674"/>
+          <a:off x="5150931" y="2608860"/>
+          <a:ext cx="2184691" cy="926838"/>
         </a:xfrm>
         <a:prstGeom prst="rect">
           <a:avLst/>
@@ -14549,14 +14376,14 @@
         <a:fontRef idx="minor"/>
       </dsp:style>
       <dsp:txBody>
-        <a:bodyPr spcFirstLastPara="0" vert="horz" wrap="square" lIns="68729" tIns="68729" rIns="68729" bIns="68729" numCol="1" spcCol="1270" anchor="ctr" anchorCtr="0">
+        <a:bodyPr spcFirstLastPara="0" vert="horz" wrap="square" lIns="0" tIns="0" rIns="0" bIns="0" numCol="1" spcCol="1270" anchor="ctr" anchorCtr="0">
           <a:noAutofit/>
         </a:bodyPr>
         <a:lstStyle/>
         <a:p>
-          <a:pPr marL="0" lvl="0" indent="0" algn="l" defTabSz="622300">
+          <a:pPr marL="0" lvl="0" indent="0" algn="l" defTabSz="488950">
             <a:lnSpc>
-              <a:spcPct val="90000"/>
+              <a:spcPct val="100000"/>
             </a:lnSpc>
             <a:spcBef>
               <a:spcPct val="0"/>
@@ -14567,33 +14394,31 @@
             <a:buNone/>
           </a:pPr>
           <a:r>
-            <a:rPr lang="en-US" sz="1400" kern="1200" dirty="0"/>
-            <a:t>A search bar allows users to use keywords to locate content inside a site, on the device, or online, which is the nearest parking space. Our website can specify what types of addresses are shown in the search results. Search can also be used to filter large lists, such as parking lots.</a:t>
+            <a:rPr lang="en-US" sz="1100" kern="1200"/>
+            <a:t>For the register &amp; log in, we used Local Storage is a type of web storage that allows JavaScript sites and apps to collect and access data right in the browser with no termination date. This indicates the data stored in the browser will continue even after the browser window has been shut.</a:t>
           </a:r>
         </a:p>
       </dsp:txBody>
       <dsp:txXfrm>
-        <a:off x="623415" y="3750242"/>
-        <a:ext cx="5815952" cy="680674"/>
+        <a:off x="5150931" y="2608860"/>
+        <a:ext cx="2184691" cy="926838"/>
       </dsp:txXfrm>
     </dsp:sp>
-    <dsp:sp modelId="{19920550-A418-4ADB-88C8-7D34118A0534}">
+    <dsp:sp modelId="{8DD7E083-D61B-434C-AA35-345276811284}">
       <dsp:nvSpPr>
         <dsp:cNvPr id="0" name=""/>
         <dsp:cNvSpPr/>
       </dsp:nvSpPr>
       <dsp:spPr>
         <a:xfrm>
-          <a:off x="0" y="4772802"/>
-          <a:ext cx="6513603" cy="866325"/>
+          <a:off x="7716288" y="2608860"/>
+          <a:ext cx="926838" cy="926838"/>
         </a:xfrm>
-        <a:prstGeom prst="roundRect">
-          <a:avLst>
-            <a:gd name="adj" fmla="val 10000"/>
-          </a:avLst>
+        <a:prstGeom prst="ellipse">
+          <a:avLst/>
         </a:prstGeom>
         <a:solidFill>
-          <a:schemeClr val="accent2">
+          <a:schemeClr val="accent4">
             <a:hueOff val="0"/>
             <a:satOff val="0"/>
             <a:lumOff val="0"/>
@@ -14618,15 +14443,15 @@
         <a:fontRef idx="minor"/>
       </dsp:style>
     </dsp:sp>
-    <dsp:sp modelId="{E84A854F-31C6-4E9E-9328-C9A238E08C69}">
+    <dsp:sp modelId="{8C8D8D11-A8BC-495A-95CD-8179B52CF9A1}">
       <dsp:nvSpPr>
         <dsp:cNvPr id="0" name=""/>
         <dsp:cNvSpPr/>
       </dsp:nvSpPr>
       <dsp:spPr>
         <a:xfrm>
-          <a:off x="169898" y="5051512"/>
-          <a:ext cx="309208" cy="308906"/>
+          <a:off x="7910924" y="2803496"/>
+          <a:ext cx="537566" cy="537566"/>
         </a:xfrm>
         <a:prstGeom prst="rect">
           <a:avLst/>
@@ -14668,15 +14493,15 @@
         </a:fontRef>
       </dsp:style>
     </dsp:sp>
-    <dsp:sp modelId="{073C2F1D-C732-4B97-91BE-B7B120C8CF58}">
+    <dsp:sp modelId="{253BDD44-D96E-4587-8A98-B2C2E455E5CF}">
       <dsp:nvSpPr>
         <dsp:cNvPr id="0" name=""/>
         <dsp:cNvSpPr/>
       </dsp:nvSpPr>
       <dsp:spPr>
         <a:xfrm>
-          <a:off x="649005" y="4925141"/>
-          <a:ext cx="5815952" cy="649405"/>
+          <a:off x="8841735" y="2608860"/>
+          <a:ext cx="2184691" cy="926838"/>
         </a:xfrm>
         <a:prstGeom prst="rect">
           <a:avLst/>
@@ -14700,14 +14525,14 @@
         <a:fontRef idx="minor"/>
       </dsp:style>
       <dsp:txBody>
-        <a:bodyPr spcFirstLastPara="0" vert="horz" wrap="square" lIns="68729" tIns="68729" rIns="68729" bIns="68729" numCol="1" spcCol="1270" anchor="ctr" anchorCtr="0">
+        <a:bodyPr spcFirstLastPara="0" vert="horz" wrap="square" lIns="0" tIns="0" rIns="0" bIns="0" numCol="1" spcCol="1270" anchor="ctr" anchorCtr="0">
           <a:noAutofit/>
         </a:bodyPr>
         <a:lstStyle/>
         <a:p>
-          <a:pPr marL="0" lvl="0" indent="0" algn="l" defTabSz="622300">
+          <a:pPr marL="0" lvl="0" indent="0" algn="l" defTabSz="488950">
             <a:lnSpc>
-              <a:spcPct val="90000"/>
+              <a:spcPct val="100000"/>
             </a:lnSpc>
             <a:spcBef>
               <a:spcPct val="0"/>
@@ -14718,14 +14543,14 @@
             <a:buNone/>
           </a:pPr>
           <a:r>
-            <a:rPr lang="en-US" sz="1400" kern="1200" dirty="0"/>
-            <a:t>When they use the search data box, the practical keyboard is stimulated. When our users use the search bar to filter lists of items, it's typically displayed at the top of the list only for the nearest parking spots and should scroll with the listed locations.</a:t>
+            <a:rPr lang="en-US" sz="1100" kern="1200"/>
+            <a:t>We created JavaScript functions that check whether a value submitted by the user passes the validation. All those functions are called from another service. It arranges the focus to the data field until the user provides a valid value. When the user visits so, they may continue and can provide value to the next available area. The following JavaScript function created is called on the on submit event of the form.</a:t>
           </a:r>
         </a:p>
       </dsp:txBody>
       <dsp:txXfrm>
-        <a:off x="649005" y="4925141"/>
-        <a:ext cx="5815952" cy="649405"/>
+        <a:off x="8841735" y="2608860"/>
+        <a:ext cx="2184691" cy="926838"/>
       </dsp:txXfrm>
     </dsp:sp>
   </dsp:spTree>
@@ -14808,12 +14633,18 @@
             <a:buNone/>
           </a:pPr>
           <a:r>
-            <a:rPr lang="en-US" sz="1600" kern="1200">
+            <a:rPr lang="en-US" sz="1600" b="0" i="0" kern="1200" dirty="0">
               <a:hlinkClick xmlns:r="http://schemas.openxmlformats.org/officeDocument/2006/relationships" r:id="rId1"/>
             </a:rPr>
-            <a:t>https://github.com/Yousiadel/Parking-Finder-App</a:t>
+            <a:t>https://yousiadel.github.io</a:t>
           </a:r>
-          <a:endParaRPr lang="en-US" sz="1600" kern="1200"/>
+          <a:r>
+            <a:rPr lang="en-US" sz="1600" b="0" i="0" kern="1200">
+              <a:hlinkClick xmlns:r="http://schemas.openxmlformats.org/officeDocument/2006/relationships" r:id="rId1"/>
+            </a:rPr>
+            <a:t>/Park-Me-Site/</a:t>
+          </a:r>
+          <a:endParaRPr lang="en-US" sz="1600" kern="1200" dirty="0"/>
         </a:p>
       </dsp:txBody>
       <dsp:txXfrm>
@@ -14892,7 +14723,7 @@
             <a:rPr lang="en-US" sz="1600" kern="1200" dirty="0">
               <a:hlinkClick xmlns:r="http://schemas.openxmlformats.org/officeDocument/2006/relationships" r:id="rId2"/>
             </a:rPr>
-            <a:t>https://yousiadel.github.io/Parking-Finder-App/</a:t>
+            <a:t>https://github.com/Yousiadel/Park-Me-Site</a:t>
           </a:r>
           <a:endParaRPr lang="en-US" sz="1600" kern="1200" dirty="0"/>
         </a:p>
@@ -16388,9 +16219,9 @@
 </file>
 
 <file path=ppt/diagrams/layout7.xml><?xml version="1.0" encoding="utf-8"?>
-<dgm:layoutDef xmlns:dgm="http://schemas.openxmlformats.org/drawingml/2006/diagram" xmlns:a="http://schemas.openxmlformats.org/drawingml/2006/main" uniqueId="urn:microsoft.com/office/officeart/2018/2/layout/IconVerticalSolidList">
-  <dgm:title val="Icon Vertical Solid List"/>
-  <dgm:desc val="Use to show a series of visuals from top to bottom with Level 1 or Level 1 and Level 2 text grouped in a shape. Works best with icons or small pictures with lengthier descriptions."/>
+<dgm:layoutDef xmlns:dgm="http://schemas.openxmlformats.org/drawingml/2006/diagram" xmlns:a="http://schemas.openxmlformats.org/drawingml/2006/main" uniqueId="urn:microsoft.com/office/officeart/2018/2/layout/IconCircleList">
+  <dgm:title val="Icon Circle List"/>
+  <dgm:desc val="Use to show non-sequential or grouped chunks of information accompanied by related visuals. Circular shapes can hold an icon or small picture and corresponding text box shows Level 1 text. Works best for icons or small pictures with medium-length descriptions."/>
   <dgm:catLst>
     <dgm:cat type="icon" pri="500"/>
   </dgm:catLst>
@@ -16420,247 +16251,170 @@
       <dgm:dir/>
       <dgm:resizeHandles val="exact"/>
     </dgm:varLst>
-    <dgm:choose name="Name0">
-      <dgm:if name="Name1" axis="self" func="var" arg="dir" op="equ" val="norm">
-        <dgm:alg type="lin">
-          <dgm:param type="linDir" val="fromT"/>
-          <dgm:param type="nodeHorzAlign" val="l"/>
-        </dgm:alg>
-      </dgm:if>
-      <dgm:else name="Name2">
-        <dgm:alg type="lin">
-          <dgm:param type="linDir" val="fromT"/>
-          <dgm:param type="nodeHorzAlign" val="r"/>
-        </dgm:alg>
-      </dgm:else>
-    </dgm:choose>
+    <dgm:alg type="sp"/>
     <dgm:shape xmlns:r="http://schemas.openxmlformats.org/officeDocument/2006/relationships" r:blip="">
       <dgm:adjLst/>
     </dgm:shape>
     <dgm:presOf/>
-    <dgm:choose name="Name3">
-      <dgm:if name="Name4" axis="ch" ptType="node" func="cnt" op="lte" val="3">
+    <dgm:choose name="Name0">
+      <dgm:if name="Name1" axis="ch" ptType="node" func="cnt" op="lte" val="3">
         <dgm:constrLst>
-          <dgm:constr type="h" for="ch" forName="compNode" refType="h" fact="0.3"/>
-          <dgm:constr type="w" for="ch" forName="compNode" refType="w"/>
-          <dgm:constr type="h" for="ch" forName="sibTrans" refType="h" refFor="ch" refForName="compNode" fact="0.25"/>
-          <dgm:constr type="primFontSz" for="des" forName="parTx" val="25"/>
-          <dgm:constr type="primFontSz" for="des" forName="desTx" refType="primFontSz" refFor="des" refForName="parTx" op="lte" fact="0.75"/>
-          <dgm:constr type="h" for="des" forName="compNode" op="equ"/>
-          <dgm:constr type="h" for="des" forName="bgRect" op="equ"/>
-          <dgm:constr type="h" for="des" forName="iconRect" op="equ"/>
-          <dgm:constr type="w" for="des" forName="iconRect" op="equ"/>
-          <dgm:constr type="h" for="des" forName="spaceRect" op="equ"/>
-          <dgm:constr type="h" for="des" forName="parTx" op="equ"/>
-          <dgm:constr type="h" for="des" forName="desTx" op="equ"/>
+          <dgm:constr type="w" for="ch" forName="container" refType="w"/>
+          <dgm:constr type="h" for="ch" forName="container" refType="h" fact="0.4"/>
         </dgm:constrLst>
       </dgm:if>
-      <dgm:if name="Name5" axis="ch" ptType="node" func="cnt" op="lte" val="4">
+      <dgm:else name="Name2">
         <dgm:constrLst>
-          <dgm:constr type="h" for="ch" forName="compNode" refType="h" fact="0.3"/>
-          <dgm:constr type="w" for="ch" forName="compNode" refType="w"/>
-          <dgm:constr type="h" for="ch" forName="sibTrans" refType="h" refFor="ch" refForName="compNode" fact="0.25"/>
-          <dgm:constr type="primFontSz" for="des" forName="parTx" val="22"/>
-          <dgm:constr type="primFontSz" for="des" forName="desTx" refType="primFontSz" refFor="des" refForName="parTx" op="lte" fact="0.75"/>
-          <dgm:constr type="h" for="des" forName="compNode" op="equ"/>
-          <dgm:constr type="h" for="des" forName="bgRect" op="equ"/>
-          <dgm:constr type="h" for="des" forName="iconRect" op="equ"/>
-          <dgm:constr type="w" for="des" forName="iconRect" op="equ"/>
-          <dgm:constr type="h" for="des" forName="spaceRect" op="equ"/>
-          <dgm:constr type="h" for="des" forName="parTx" op="equ"/>
-          <dgm:constr type="h" for="des" forName="desTx" op="equ"/>
-        </dgm:constrLst>
-      </dgm:if>
-      <dgm:if name="Name6" axis="ch" ptType="node" func="cnt" op="lte" val="6">
-        <dgm:constrLst>
-          <dgm:constr type="h" for="ch" forName="compNode" refType="h" fact="0.3"/>
-          <dgm:constr type="w" for="ch" forName="compNode" refType="w"/>
-          <dgm:constr type="h" for="ch" forName="sibTrans" refType="h" refFor="ch" refForName="compNode" fact="0.25"/>
-          <dgm:constr type="primFontSz" for="des" forName="parTx" val="19"/>
-          <dgm:constr type="primFontSz" for="des" forName="desTx" refType="primFontSz" refFor="des" refForName="parTx" op="lte" fact="0.75"/>
-          <dgm:constr type="h" for="des" forName="compNode" op="equ"/>
-          <dgm:constr type="h" for="des" forName="bgRect" op="equ"/>
-          <dgm:constr type="h" for="des" forName="iconRect" op="equ"/>
-          <dgm:constr type="w" for="des" forName="iconRect" op="equ"/>
-          <dgm:constr type="h" for="des" forName="spaceRect" op="equ"/>
-          <dgm:constr type="h" for="des" forName="parTx" op="equ"/>
-          <dgm:constr type="h" for="des" forName="desTx" op="equ"/>
-        </dgm:constrLst>
-      </dgm:if>
-      <dgm:else name="Name7">
-        <dgm:constrLst>
-          <dgm:constr type="h" for="ch" forName="compNode" refType="h" fact="0.3"/>
-          <dgm:constr type="w" for="ch" forName="compNode" refType="w"/>
-          <dgm:constr type="h" for="ch" forName="sibTrans" refType="h" refFor="ch" refForName="compNode" fact="0.25"/>
-          <dgm:constr type="primFontSz" for="des" forName="parTx" val="16"/>
-          <dgm:constr type="primFontSz" for="des" forName="desTx" refType="primFontSz" refFor="des" refForName="parTx" op="lte" fact="0.75"/>
-          <dgm:constr type="h" for="des" forName="compNode" op="equ"/>
-          <dgm:constr type="h" for="des" forName="bgRect" op="equ"/>
-          <dgm:constr type="h" for="des" forName="iconRect" op="equ"/>
-          <dgm:constr type="w" for="des" forName="iconRect" op="equ"/>
-          <dgm:constr type="h" for="des" forName="spaceRect" op="equ"/>
-          <dgm:constr type="h" for="des" forName="parTx" op="equ"/>
-          <dgm:constr type="h" for="des" forName="desTx" op="equ"/>
+          <dgm:constr type="w" for="ch" forName="container" refType="w"/>
+          <dgm:constr type="h" for="ch" forName="container" refType="h"/>
         </dgm:constrLst>
       </dgm:else>
     </dgm:choose>
     <dgm:ruleLst>
-      <dgm:rule type="h" for="ch" forName="compNode" val="0" fact="NaN" max="NaN"/>
+      <dgm:rule type="h" for="ch" forName="container" val="INF" fact="NaN" max="NaN"/>
     </dgm:ruleLst>
-    <dgm:forEach name="Name8" axis="ch" ptType="node">
-      <dgm:layoutNode name="compNode">
-        <dgm:alg type="composite"/>
-        <dgm:shape xmlns:r="http://schemas.openxmlformats.org/officeDocument/2006/relationships" r:blip="">
-          <dgm:adjLst/>
-        </dgm:shape>
-        <dgm:presOf axis="self"/>
-        <dgm:choose name="Name9">
-          <dgm:if name="Name10" axis="ch" ptType="node" func="cnt" op="gte" val="1">
-            <dgm:constrLst>
-              <dgm:constr type="w" for="ch" forName="bgRect" refType="w"/>
-              <dgm:constr type="h" for="ch" forName="bgRect" refType="h"/>
-              <dgm:constr type="l" for="ch" forName="bgRect"/>
-              <dgm:constr type="t" for="ch" forName="bgRect"/>
-              <dgm:constr type="h" for="ch" forName="iconRect" refType="h" fact="0.55"/>
-              <dgm:constr type="w" for="ch" forName="iconRect" refType="h" refFor="ch" refForName="iconRect"/>
-              <dgm:constr type="l" for="ch" forName="iconRect" refType="h" refFor="ch" refForName="iconRect" fact="0.55"/>
-              <dgm:constr type="ctrY" for="ch" forName="iconRect" refType="ctrY" refFor="ch" refForName="bgRect"/>
-              <dgm:constr type="w" for="ch" forName="spaceRect" refType="l" refFor="ch" refForName="iconRect"/>
-              <dgm:constr type="h" for="ch" forName="spaceRect" refType="h"/>
-              <dgm:constr type="l" for="ch" forName="spaceRect" refType="r" refFor="ch" refForName="iconRect"/>
-              <dgm:constr type="t" for="ch" forName="spaceRect"/>
-              <dgm:constr type="w" for="ch" forName="parTx" refType="w" fact="0.45"/>
-              <dgm:constr type="h" for="ch" forName="parTx" refType="h"/>
-              <dgm:constr type="l" for="ch" forName="parTx" refType="r" refFor="ch" refForName="spaceRect"/>
-              <dgm:constr type="t" for="ch" forName="parTx"/>
-              <dgm:constr type="h" for="ch" forName="desTx" refType="h"/>
-              <dgm:constr type="l" for="ch" forName="desTx" refType="r" refFor="ch" refForName="parTx"/>
-              <dgm:constr type="t" for="ch" forName="desTx"/>
-            </dgm:constrLst>
-          </dgm:if>
-          <dgm:else name="Name11">
-            <dgm:constrLst>
-              <dgm:constr type="w" for="ch" forName="bgRect" refType="w"/>
-              <dgm:constr type="h" for="ch" forName="bgRect" refType="h"/>
-              <dgm:constr type="l" for="ch" forName="bgRect"/>
-              <dgm:constr type="t" for="ch" forName="bgRect"/>
-              <dgm:constr type="h" for="ch" forName="iconRect" refType="h" fact="0.55"/>
-              <dgm:constr type="w" for="ch" forName="iconRect" refType="h" refFor="ch" refForName="iconRect"/>
-              <dgm:constr type="l" for="ch" forName="iconRect" refType="h" refFor="ch" refForName="iconRect" fact="0.55"/>
-              <dgm:constr type="ctrY" for="ch" forName="iconRect" refType="ctrY" refFor="ch" refForName="bgRect"/>
-              <dgm:constr type="w" for="ch" forName="spaceRect" refType="l" refFor="ch" refForName="iconRect"/>
-              <dgm:constr type="h" for="ch" forName="spaceRect" refType="h"/>
-              <dgm:constr type="l" for="ch" forName="spaceRect" refType="r" refFor="ch" refForName="iconRect"/>
-              <dgm:constr type="t" for="ch" forName="spaceRect"/>
-              <dgm:constr type="h" for="ch" forName="parTx" refType="h"/>
-              <dgm:constr type="l" for="ch" forName="parTx" refType="r" refFor="ch" refForName="spaceRect"/>
-              <dgm:constr type="t" for="ch" forName="parTx"/>
-            </dgm:constrLst>
-          </dgm:else>
-        </dgm:choose>
-        <dgm:ruleLst>
-          <dgm:rule type="h" val="INF" fact="NaN" max="NaN"/>
-        </dgm:ruleLst>
-        <dgm:layoutNode name="bgRect" styleLbl="bgShp">
-          <dgm:alg type="sp"/>
-          <dgm:shape xmlns:r="http://schemas.openxmlformats.org/officeDocument/2006/relationships" type="roundRect" r:blip="">
-            <dgm:adjLst>
-              <dgm:adj idx="1" val="0.1"/>
-            </dgm:adjLst>
-          </dgm:shape>
-          <dgm:presOf/>
-          <dgm:constrLst/>
-          <dgm:ruleLst/>
-        </dgm:layoutNode>
-        <dgm:layoutNode name="iconRect" styleLbl="node1">
-          <dgm:alg type="sp"/>
-          <dgm:shape xmlns:r="http://schemas.openxmlformats.org/officeDocument/2006/relationships" type="rect" r:blip="" blipPhldr="1">
-            <dgm:adjLst/>
-          </dgm:shape>
-          <dgm:presOf/>
-          <dgm:constrLst/>
-          <dgm:ruleLst/>
-        </dgm:layoutNode>
-        <dgm:layoutNode name="spaceRect">
-          <dgm:alg type="sp"/>
-          <dgm:shape xmlns:r="http://schemas.openxmlformats.org/officeDocument/2006/relationships" r:blip="">
-            <dgm:adjLst/>
-          </dgm:shape>
-          <dgm:presOf/>
-          <dgm:constrLst/>
-          <dgm:ruleLst/>
-        </dgm:layoutNode>
-        <dgm:layoutNode name="parTx" styleLbl="revTx">
-          <dgm:varLst>
-            <dgm:chMax val="0"/>
-            <dgm:chPref val="0"/>
-          </dgm:varLst>
-          <dgm:alg type="tx">
-            <dgm:param type="txAnchorVert" val="mid"/>
-            <dgm:param type="parTxLTRAlign" val="l"/>
-            <dgm:param type="shpTxLTRAlignCh" val="l"/>
-            <dgm:param type="parTxRTLAlign" val="r"/>
-            <dgm:param type="shpTxRTLAlignCh" val="r"/>
+    <dgm:layoutNode name="container">
+      <dgm:varLst>
+        <dgm:dir/>
+        <dgm:resizeHandles val="exact"/>
+      </dgm:varLst>
+      <dgm:choose name="Name3">
+        <dgm:if name="Name4" axis="self" func="var" arg="dir" op="equ" val="norm">
+          <dgm:alg type="snake">
+            <dgm:param type="grDir" val="tL"/>
+            <dgm:param type="flowDir" val="row"/>
+            <dgm:param type="contDir" val="sameDir"/>
           </dgm:alg>
-          <dgm:shape xmlns:r="http://schemas.openxmlformats.org/officeDocument/2006/relationships" type="rect" r:blip="">
-            <dgm:adjLst/>
-          </dgm:shape>
-          <dgm:presOf axis="self" ptType="node"/>
-          <dgm:constrLst>
-            <dgm:constr type="lMarg" refType="h" fact="0.3"/>
-            <dgm:constr type="rMarg" refType="h" fact="0.3"/>
-            <dgm:constr type="tMarg" refType="h" fact="0.3"/>
-            <dgm:constr type="bMarg" refType="h" fact="0.3"/>
-          </dgm:constrLst>
-          <dgm:ruleLst>
-            <dgm:rule type="primFontSz" val="14" fact="NaN" max="NaN"/>
-            <dgm:rule type="h" val="INF" fact="NaN" max="NaN"/>
-          </dgm:ruleLst>
-        </dgm:layoutNode>
-        <dgm:choose name="Name12">
-          <dgm:if name="Name13" axis="ch" ptType="node" func="cnt" op="gte" val="1">
-            <dgm:layoutNode name="desTx" styleLbl="revTx">
-              <dgm:varLst/>
-              <dgm:alg type="tx">
-                <dgm:param type="txAnchorVertCh" val="mid"/>
-                <dgm:param type="parTxLTRAlign" val="l"/>
-                <dgm:param type="shpTxLTRAlignCh" val="l"/>
-                <dgm:param type="parTxRTLAlign" val="r"/>
-                <dgm:param type="shpTxRTLAlignCh" val="r"/>
-                <dgm:param type="stBulletLvl" val="0"/>
-              </dgm:alg>
-              <dgm:shape xmlns:r="http://schemas.openxmlformats.org/officeDocument/2006/relationships" type="rect" r:blip="">
-                <dgm:adjLst/>
-              </dgm:shape>
-              <dgm:presOf axis="des" ptType="node"/>
-              <dgm:constrLst>
-                <dgm:constr type="primFontSz" val="18"/>
-                <dgm:constr type="secFontSz" refType="primFontSz"/>
-                <dgm:constr type="lMarg" refType="h" fact="0.3"/>
-                <dgm:constr type="rMarg" refType="h" fact="0.3"/>
-                <dgm:constr type="tMarg" refType="h" fact="0.3"/>
-                <dgm:constr type="bMarg" refType="h" fact="0.3"/>
-              </dgm:constrLst>
-              <dgm:ruleLst>
-                <dgm:rule type="primFontSz" val="11" fact="NaN" max="NaN"/>
-              </dgm:ruleLst>
-            </dgm:layoutNode>
-          </dgm:if>
-          <dgm:else name="Name14"/>
-        </dgm:choose>
-      </dgm:layoutNode>
-      <dgm:forEach name="Name15" axis="followSib" ptType="sibTrans" cnt="1">
-        <dgm:layoutNode name="sibTrans">
-          <dgm:alg type="sp"/>
+        </dgm:if>
+        <dgm:else name="Name5">
+          <dgm:alg type="snake">
+            <dgm:param type="grDir" val="tR"/>
+            <dgm:param type="flowDir" val="row"/>
+            <dgm:param type="contDir" val="sameDir"/>
+          </dgm:alg>
+        </dgm:else>
+      </dgm:choose>
+      <dgm:shape xmlns:r="http://schemas.openxmlformats.org/officeDocument/2006/relationships" r:blip="">
+        <dgm:adjLst/>
+      </dgm:shape>
+      <dgm:presOf/>
+      <dgm:constrLst>
+        <dgm:constr type="w" for="ch" forName="compNode" refType="w"/>
+        <dgm:constr type="h" for="ch" forName="compNode" refType="w" fact="0.28"/>
+        <dgm:constr type="w" for="ch" forName="sibTrans" refType="w" refFor="ch" refForName="compNode" fact="0.115"/>
+        <dgm:constr type="sp" refType="h" op="equ" fact="0.17"/>
+        <dgm:constr type="primFontSz" for="des" ptType="node" op="equ" val="24"/>
+        <dgm:constr type="h" for="des" forName="compNode" op="equ"/>
+        <dgm:constr type="h" for="des" forName="iconBgRect" op="equ"/>
+      </dgm:constrLst>
+      <dgm:ruleLst>
+        <dgm:rule type="w" for="ch" forName="compNode" val="60" fact="NaN" max="NaN"/>
+      </dgm:ruleLst>
+      <dgm:forEach name="Name6" axis="ch" ptType="node">
+        <dgm:layoutNode name="compNode">
+          <dgm:alg type="composite"/>
           <dgm:shape xmlns:r="http://schemas.openxmlformats.org/officeDocument/2006/relationships" r:blip="">
             <dgm:adjLst/>
           </dgm:shape>
           <dgm:presOf axis="self"/>
-          <dgm:constrLst/>
+          <dgm:constrLst>
+            <dgm:constr type="w" for="ch" forName="iconBgRect" refType="w" fact="0.28"/>
+            <dgm:constr type="h" for="ch" forName="iconBgRect" refType="w" refFor="ch" refForName="iconBgRect"/>
+            <dgm:constr type="t" for="ch" forName="iconBgRect"/>
+            <dgm:constr type="l" for="ch" forName="iconBgRect"/>
+            <dgm:constr type="w" for="ch" forName="iconRect" refType="w" refFor="ch" refForName="iconBgRect" fact="0.58"/>
+            <dgm:constr type="h" for="ch" forName="iconRect" refType="w" refFor="ch" refForName="iconRect"/>
+            <dgm:constr type="ctrX" for="ch" forName="iconRect" refType="ctrX" refFor="ch" refForName="iconBgRect"/>
+            <dgm:constr type="ctrY" for="ch" forName="iconRect" refType="ctrY" refFor="ch" refForName="iconBgRect"/>
+            <dgm:constr type="w" for="ch" forName="spaceRect" refType="w" fact="0.06"/>
+            <dgm:constr type="h" for="ch" forName="spaceRect" refType="h" refFor="ch" refForName="iconBgRect"/>
+            <dgm:constr type="t" for="ch" forName="spaceRect" refType="t" refFor="ch" refForName="iconBgRect"/>
+            <dgm:constr type="l" for="ch" forName="spaceRect" refType="r" refFor="ch" refForName="iconBgRect"/>
+            <dgm:constr type="h" for="ch" forName="textRect" refType="h" refFor="ch" refForName="iconBgRect"/>
+            <dgm:constr type="t" for="ch" forName="textRect" refType="t" refFor="ch" refForName="iconBgRect"/>
+            <dgm:constr type="l" for="ch" forName="textRect" refType="r" refFor="ch" refForName="spaceRect"/>
+          </dgm:constrLst>
           <dgm:ruleLst/>
+          <dgm:layoutNode name="iconBgRect" styleLbl="bgShp">
+            <dgm:alg type="sp"/>
+            <dgm:shape xmlns:r="http://schemas.openxmlformats.org/officeDocument/2006/relationships" type="ellipse" r:blip="">
+              <dgm:adjLst/>
+            </dgm:shape>
+            <dgm:presOf/>
+            <dgm:constrLst/>
+            <dgm:ruleLst/>
+          </dgm:layoutNode>
+          <dgm:layoutNode name="iconRect" styleLbl="node1">
+            <dgm:alg type="sp"/>
+            <dgm:shape xmlns:r="http://schemas.openxmlformats.org/officeDocument/2006/relationships" type="rect" r:blip="" blipPhldr="1">
+              <dgm:adjLst/>
+            </dgm:shape>
+            <dgm:presOf/>
+            <dgm:constrLst/>
+            <dgm:ruleLst/>
+          </dgm:layoutNode>
+          <dgm:layoutNode name="spaceRect">
+            <dgm:alg type="sp"/>
+            <dgm:shape xmlns:r="http://schemas.openxmlformats.org/officeDocument/2006/relationships" r:blip="">
+              <dgm:adjLst/>
+            </dgm:shape>
+            <dgm:presOf/>
+            <dgm:constrLst/>
+            <dgm:ruleLst/>
+          </dgm:layoutNode>
+          <dgm:layoutNode name="textRect" styleLbl="revTx">
+            <dgm:varLst>
+              <dgm:chMax val="1"/>
+              <dgm:chPref val="1"/>
+            </dgm:varLst>
+            <dgm:choose name="Name7">
+              <dgm:if name="Name8" func="var" arg="dir" op="equ" val="norm">
+                <dgm:alg type="tx">
+                  <dgm:param type="txAnchorVert" val="mid"/>
+                  <dgm:param type="parTxLTRAlign" val="l"/>
+                  <dgm:param type="shpTxLTRAlignCh" val="l"/>
+                  <dgm:param type="parTxRTLAlign" val="l"/>
+                  <dgm:param type="shpTxRTLAlignCh" val="l"/>
+                </dgm:alg>
+              </dgm:if>
+              <dgm:else name="Name9">
+                <dgm:alg type="tx">
+                  <dgm:param type="txAnchorVert" val="mid"/>
+                  <dgm:param type="parTxLTRAlign" val="r"/>
+                  <dgm:param type="shpTxLTRAlignCh" val="r"/>
+                  <dgm:param type="parTxRTLAlign" val="r"/>
+                  <dgm:param type="shpTxRTLAlignCh" val="r"/>
+                </dgm:alg>
+              </dgm:else>
+            </dgm:choose>
+            <dgm:shape xmlns:r="http://schemas.openxmlformats.org/officeDocument/2006/relationships" type="rect" r:blip="">
+              <dgm:adjLst/>
+            </dgm:shape>
+            <dgm:presOf axis="self" ptType="node"/>
+            <dgm:constrLst>
+              <dgm:constr type="lMarg"/>
+              <dgm:constr type="rMarg"/>
+              <dgm:constr type="tMarg"/>
+              <dgm:constr type="bMarg"/>
+            </dgm:constrLst>
+            <dgm:ruleLst>
+              <dgm:rule type="primFontSz" val="11" fact="NaN" max="NaN"/>
+            </dgm:ruleLst>
+          </dgm:layoutNode>
         </dgm:layoutNode>
+        <dgm:forEach name="Name10" axis="followSib" ptType="sibTrans" cnt="1">
+          <dgm:layoutNode name="sibTrans">
+            <dgm:alg type="sp"/>
+            <dgm:shape xmlns:r="http://schemas.openxmlformats.org/officeDocument/2006/relationships" type="rect" r:blip="" hideGeom="1">
+              <dgm:adjLst/>
+            </dgm:shape>
+            <dgm:presOf axis="self"/>
+            <dgm:constrLst/>
+            <dgm:ruleLst/>
+          </dgm:layoutNode>
+        </dgm:forEach>
       </dgm:forEach>
-    </dgm:forEach>
+    </dgm:layoutNode>
   </dgm:layoutNode>
   <dgm:extLst>
     <a:ext uri="{68A01E43-0DF5-4B5B-8FA6-DAF915123BFB}">
@@ -16670,11 +16424,6 @@
             <a:spcPct val="100000"/>
           </a:lnSpc>
         </a:lvl1pPr>
-        <a:lvl2pPr>
-          <a:lnSpc>
-            <a:spcPct val="100000"/>
-          </a:lnSpc>
-        </a:lvl2pPr>
       </dgm1612:lstStyle>
     </a:ext>
   </dgm:extLst>
@@ -25388,7 +25137,7 @@
           <a:p>
             <a:fld id="{86056FF6-3910-F246-B52E-9078528631F2}" type="datetimeFigureOut">
               <a:rPr lang="en-US" smtClean="0"/>
-              <a:t>4/16/20</a:t>
+              <a:t>4/18/20</a:t>
             </a:fld>
             <a:endParaRPr lang="en-US"/>
           </a:p>
@@ -25655,6 +25404,1311 @@
 </p:notesMaster>
 </file>
 
+<file path=ppt/notesSlides/notesSlide1.xml><?xml version="1.0" encoding="utf-8"?>
+<p:notes xmlns:a="http://schemas.openxmlformats.org/drawingml/2006/main" xmlns:r="http://schemas.openxmlformats.org/officeDocument/2006/relationships" xmlns:p="http://schemas.openxmlformats.org/presentationml/2006/main">
+  <p:cSld>
+    <p:spTree>
+      <p:nvGrpSpPr>
+        <p:cNvPr id="1" name=""/>
+        <p:cNvGrpSpPr/>
+        <p:nvPr/>
+      </p:nvGrpSpPr>
+      <p:grpSpPr>
+        <a:xfrm>
+          <a:off x="0" y="0"/>
+          <a:ext cx="0" cy="0"/>
+          <a:chOff x="0" y="0"/>
+          <a:chExt cx="0" cy="0"/>
+        </a:xfrm>
+      </p:grpSpPr>
+      <p:sp>
+        <p:nvSpPr>
+          <p:cNvPr id="2" name="Slide Image Placeholder 1"/>
+          <p:cNvSpPr>
+            <a:spLocks noGrp="1" noRot="1" noChangeAspect="1"/>
+          </p:cNvSpPr>
+          <p:nvPr>
+            <p:ph type="sldImg"/>
+          </p:nvPr>
+        </p:nvSpPr>
+        <p:spPr/>
+      </p:sp>
+      <p:sp>
+        <p:nvSpPr>
+          <p:cNvPr id="3" name="Notes Placeholder 2"/>
+          <p:cNvSpPr>
+            <a:spLocks noGrp="1"/>
+          </p:cNvSpPr>
+          <p:nvPr>
+            <p:ph type="body" idx="1"/>
+          </p:nvPr>
+        </p:nvSpPr>
+        <p:spPr/>
+        <p:txBody>
+          <a:bodyPr/>
+          <a:lstStyle/>
+          <a:p>
+            <a:r>
+              <a:rPr lang="en-US" dirty="0"/>
+              <a:t>Derek</a:t>
+            </a:r>
+          </a:p>
+        </p:txBody>
+      </p:sp>
+      <p:sp>
+        <p:nvSpPr>
+          <p:cNvPr id="4" name="Slide Number Placeholder 3"/>
+          <p:cNvSpPr>
+            <a:spLocks noGrp="1"/>
+          </p:cNvSpPr>
+          <p:nvPr>
+            <p:ph type="sldNum" sz="quarter" idx="5"/>
+          </p:nvPr>
+        </p:nvSpPr>
+        <p:spPr/>
+        <p:txBody>
+          <a:bodyPr/>
+          <a:lstStyle/>
+          <a:p>
+            <a:fld id="{DCE921D0-8091-1B47-9857-716BD5BE96A8}" type="slidenum">
+              <a:rPr lang="en-US" smtClean="0"/>
+              <a:t>1</a:t>
+            </a:fld>
+            <a:endParaRPr lang="en-US"/>
+          </a:p>
+        </p:txBody>
+      </p:sp>
+    </p:spTree>
+    <p:extLst>
+      <p:ext uri="{BB962C8B-B14F-4D97-AF65-F5344CB8AC3E}">
+        <p14:creationId xmlns:p14="http://schemas.microsoft.com/office/powerpoint/2010/main" val="712301461"/>
+      </p:ext>
+    </p:extLst>
+  </p:cSld>
+  <p:clrMapOvr>
+    <a:masterClrMapping/>
+  </p:clrMapOvr>
+</p:notes>
+</file>
+
+<file path=ppt/notesSlides/notesSlide10.xml><?xml version="1.0" encoding="utf-8"?>
+<p:notes xmlns:a="http://schemas.openxmlformats.org/drawingml/2006/main" xmlns:r="http://schemas.openxmlformats.org/officeDocument/2006/relationships" xmlns:p="http://schemas.openxmlformats.org/presentationml/2006/main">
+  <p:cSld>
+    <p:spTree>
+      <p:nvGrpSpPr>
+        <p:cNvPr id="1" name=""/>
+        <p:cNvGrpSpPr/>
+        <p:nvPr/>
+      </p:nvGrpSpPr>
+      <p:grpSpPr>
+        <a:xfrm>
+          <a:off x="0" y="0"/>
+          <a:ext cx="0" cy="0"/>
+          <a:chOff x="0" y="0"/>
+          <a:chExt cx="0" cy="0"/>
+        </a:xfrm>
+      </p:grpSpPr>
+      <p:sp>
+        <p:nvSpPr>
+          <p:cNvPr id="2" name="Slide Image Placeholder 1"/>
+          <p:cNvSpPr>
+            <a:spLocks noGrp="1" noRot="1" noChangeAspect="1"/>
+          </p:cNvSpPr>
+          <p:nvPr>
+            <p:ph type="sldImg"/>
+          </p:nvPr>
+        </p:nvSpPr>
+        <p:spPr/>
+      </p:sp>
+      <p:sp>
+        <p:nvSpPr>
+          <p:cNvPr id="3" name="Notes Placeholder 2"/>
+          <p:cNvSpPr>
+            <a:spLocks noGrp="1"/>
+          </p:cNvSpPr>
+          <p:nvPr>
+            <p:ph type="body" idx="1"/>
+          </p:nvPr>
+        </p:nvSpPr>
+        <p:spPr/>
+        <p:txBody>
+          <a:bodyPr/>
+          <a:lstStyle/>
+          <a:p>
+            <a:r>
+              <a:rPr lang="en-US" dirty="0"/>
+              <a:t>Youstina</a:t>
+            </a:r>
+          </a:p>
+        </p:txBody>
+      </p:sp>
+      <p:sp>
+        <p:nvSpPr>
+          <p:cNvPr id="4" name="Slide Number Placeholder 3"/>
+          <p:cNvSpPr>
+            <a:spLocks noGrp="1"/>
+          </p:cNvSpPr>
+          <p:nvPr>
+            <p:ph type="sldNum" sz="quarter" idx="5"/>
+          </p:nvPr>
+        </p:nvSpPr>
+        <p:spPr/>
+        <p:txBody>
+          <a:bodyPr/>
+          <a:lstStyle/>
+          <a:p>
+            <a:fld id="{DCE921D0-8091-1B47-9857-716BD5BE96A8}" type="slidenum">
+              <a:rPr lang="en-US" smtClean="0"/>
+              <a:t>10</a:t>
+            </a:fld>
+            <a:endParaRPr lang="en-US"/>
+          </a:p>
+        </p:txBody>
+      </p:sp>
+    </p:spTree>
+    <p:extLst>
+      <p:ext uri="{BB962C8B-B14F-4D97-AF65-F5344CB8AC3E}">
+        <p14:creationId xmlns:p14="http://schemas.microsoft.com/office/powerpoint/2010/main" val="3773876475"/>
+      </p:ext>
+    </p:extLst>
+  </p:cSld>
+  <p:clrMapOvr>
+    <a:masterClrMapping/>
+  </p:clrMapOvr>
+</p:notes>
+</file>
+
+<file path=ppt/notesSlides/notesSlide11.xml><?xml version="1.0" encoding="utf-8"?>
+<p:notes xmlns:a="http://schemas.openxmlformats.org/drawingml/2006/main" xmlns:r="http://schemas.openxmlformats.org/officeDocument/2006/relationships" xmlns:p="http://schemas.openxmlformats.org/presentationml/2006/main">
+  <p:cSld>
+    <p:spTree>
+      <p:nvGrpSpPr>
+        <p:cNvPr id="1" name=""/>
+        <p:cNvGrpSpPr/>
+        <p:nvPr/>
+      </p:nvGrpSpPr>
+      <p:grpSpPr>
+        <a:xfrm>
+          <a:off x="0" y="0"/>
+          <a:ext cx="0" cy="0"/>
+          <a:chOff x="0" y="0"/>
+          <a:chExt cx="0" cy="0"/>
+        </a:xfrm>
+      </p:grpSpPr>
+      <p:sp>
+        <p:nvSpPr>
+          <p:cNvPr id="2" name="Slide Image Placeholder 1"/>
+          <p:cNvSpPr>
+            <a:spLocks noGrp="1" noRot="1" noChangeAspect="1"/>
+          </p:cNvSpPr>
+          <p:nvPr>
+            <p:ph type="sldImg"/>
+          </p:nvPr>
+        </p:nvSpPr>
+        <p:spPr/>
+      </p:sp>
+      <p:sp>
+        <p:nvSpPr>
+          <p:cNvPr id="3" name="Notes Placeholder 2"/>
+          <p:cNvSpPr>
+            <a:spLocks noGrp="1"/>
+          </p:cNvSpPr>
+          <p:nvPr>
+            <p:ph type="body" idx="1"/>
+          </p:nvPr>
+        </p:nvSpPr>
+        <p:spPr/>
+        <p:txBody>
+          <a:bodyPr/>
+          <a:lstStyle/>
+          <a:p>
+            <a:r>
+              <a:rPr lang="en-US" dirty="0"/>
+              <a:t>Paul</a:t>
+            </a:r>
+          </a:p>
+        </p:txBody>
+      </p:sp>
+      <p:sp>
+        <p:nvSpPr>
+          <p:cNvPr id="4" name="Slide Number Placeholder 3"/>
+          <p:cNvSpPr>
+            <a:spLocks noGrp="1"/>
+          </p:cNvSpPr>
+          <p:nvPr>
+            <p:ph type="sldNum" sz="quarter" idx="5"/>
+          </p:nvPr>
+        </p:nvSpPr>
+        <p:spPr/>
+        <p:txBody>
+          <a:bodyPr/>
+          <a:lstStyle/>
+          <a:p>
+            <a:fld id="{DCE921D0-8091-1B47-9857-716BD5BE96A8}" type="slidenum">
+              <a:rPr lang="en-US" smtClean="0"/>
+              <a:t>11</a:t>
+            </a:fld>
+            <a:endParaRPr lang="en-US"/>
+          </a:p>
+        </p:txBody>
+      </p:sp>
+    </p:spTree>
+    <p:extLst>
+      <p:ext uri="{BB962C8B-B14F-4D97-AF65-F5344CB8AC3E}">
+        <p14:creationId xmlns:p14="http://schemas.microsoft.com/office/powerpoint/2010/main" val="4195247423"/>
+      </p:ext>
+    </p:extLst>
+  </p:cSld>
+  <p:clrMapOvr>
+    <a:masterClrMapping/>
+  </p:clrMapOvr>
+</p:notes>
+</file>
+
+<file path=ppt/notesSlides/notesSlide12.xml><?xml version="1.0" encoding="utf-8"?>
+<p:notes xmlns:a="http://schemas.openxmlformats.org/drawingml/2006/main" xmlns:r="http://schemas.openxmlformats.org/officeDocument/2006/relationships" xmlns:p="http://schemas.openxmlformats.org/presentationml/2006/main">
+  <p:cSld>
+    <p:spTree>
+      <p:nvGrpSpPr>
+        <p:cNvPr id="1" name=""/>
+        <p:cNvGrpSpPr/>
+        <p:nvPr/>
+      </p:nvGrpSpPr>
+      <p:grpSpPr>
+        <a:xfrm>
+          <a:off x="0" y="0"/>
+          <a:ext cx="0" cy="0"/>
+          <a:chOff x="0" y="0"/>
+          <a:chExt cx="0" cy="0"/>
+        </a:xfrm>
+      </p:grpSpPr>
+      <p:sp>
+        <p:nvSpPr>
+          <p:cNvPr id="2" name="Slide Image Placeholder 1"/>
+          <p:cNvSpPr>
+            <a:spLocks noGrp="1" noRot="1" noChangeAspect="1"/>
+          </p:cNvSpPr>
+          <p:nvPr>
+            <p:ph type="sldImg"/>
+          </p:nvPr>
+        </p:nvSpPr>
+        <p:spPr/>
+      </p:sp>
+      <p:sp>
+        <p:nvSpPr>
+          <p:cNvPr id="3" name="Notes Placeholder 2"/>
+          <p:cNvSpPr>
+            <a:spLocks noGrp="1"/>
+          </p:cNvSpPr>
+          <p:nvPr>
+            <p:ph type="body" idx="1"/>
+          </p:nvPr>
+        </p:nvSpPr>
+        <p:spPr/>
+        <p:txBody>
+          <a:bodyPr/>
+          <a:lstStyle/>
+          <a:p>
+            <a:r>
+              <a:rPr lang="en-US" dirty="0"/>
+              <a:t>Paul</a:t>
+            </a:r>
+          </a:p>
+        </p:txBody>
+      </p:sp>
+      <p:sp>
+        <p:nvSpPr>
+          <p:cNvPr id="4" name="Slide Number Placeholder 3"/>
+          <p:cNvSpPr>
+            <a:spLocks noGrp="1"/>
+          </p:cNvSpPr>
+          <p:nvPr>
+            <p:ph type="sldNum" sz="quarter" idx="5"/>
+          </p:nvPr>
+        </p:nvSpPr>
+        <p:spPr/>
+        <p:txBody>
+          <a:bodyPr/>
+          <a:lstStyle/>
+          <a:p>
+            <a:fld id="{DCE921D0-8091-1B47-9857-716BD5BE96A8}" type="slidenum">
+              <a:rPr lang="en-US" smtClean="0"/>
+              <a:t>12</a:t>
+            </a:fld>
+            <a:endParaRPr lang="en-US"/>
+          </a:p>
+        </p:txBody>
+      </p:sp>
+    </p:spTree>
+    <p:extLst>
+      <p:ext uri="{BB962C8B-B14F-4D97-AF65-F5344CB8AC3E}">
+        <p14:creationId xmlns:p14="http://schemas.microsoft.com/office/powerpoint/2010/main" val="1372094170"/>
+      </p:ext>
+    </p:extLst>
+  </p:cSld>
+  <p:clrMapOvr>
+    <a:masterClrMapping/>
+  </p:clrMapOvr>
+</p:notes>
+</file>
+
+<file path=ppt/notesSlides/notesSlide13.xml><?xml version="1.0" encoding="utf-8"?>
+<p:notes xmlns:a="http://schemas.openxmlformats.org/drawingml/2006/main" xmlns:r="http://schemas.openxmlformats.org/officeDocument/2006/relationships" xmlns:p="http://schemas.openxmlformats.org/presentationml/2006/main">
+  <p:cSld>
+    <p:spTree>
+      <p:nvGrpSpPr>
+        <p:cNvPr id="1" name=""/>
+        <p:cNvGrpSpPr/>
+        <p:nvPr/>
+      </p:nvGrpSpPr>
+      <p:grpSpPr>
+        <a:xfrm>
+          <a:off x="0" y="0"/>
+          <a:ext cx="0" cy="0"/>
+          <a:chOff x="0" y="0"/>
+          <a:chExt cx="0" cy="0"/>
+        </a:xfrm>
+      </p:grpSpPr>
+      <p:sp>
+        <p:nvSpPr>
+          <p:cNvPr id="2" name="Slide Image Placeholder 1"/>
+          <p:cNvSpPr>
+            <a:spLocks noGrp="1" noRot="1" noChangeAspect="1"/>
+          </p:cNvSpPr>
+          <p:nvPr>
+            <p:ph type="sldImg"/>
+          </p:nvPr>
+        </p:nvSpPr>
+        <p:spPr/>
+      </p:sp>
+      <p:sp>
+        <p:nvSpPr>
+          <p:cNvPr id="3" name="Notes Placeholder 2"/>
+          <p:cNvSpPr>
+            <a:spLocks noGrp="1"/>
+          </p:cNvSpPr>
+          <p:nvPr>
+            <p:ph type="body" idx="1"/>
+          </p:nvPr>
+        </p:nvSpPr>
+        <p:spPr/>
+        <p:txBody>
+          <a:bodyPr/>
+          <a:lstStyle/>
+          <a:p>
+            <a:r>
+              <a:rPr lang="en-US" dirty="0"/>
+              <a:t>Youstina</a:t>
+            </a:r>
+          </a:p>
+        </p:txBody>
+      </p:sp>
+      <p:sp>
+        <p:nvSpPr>
+          <p:cNvPr id="4" name="Slide Number Placeholder 3"/>
+          <p:cNvSpPr>
+            <a:spLocks noGrp="1"/>
+          </p:cNvSpPr>
+          <p:nvPr>
+            <p:ph type="sldNum" sz="quarter" idx="5"/>
+          </p:nvPr>
+        </p:nvSpPr>
+        <p:spPr/>
+        <p:txBody>
+          <a:bodyPr/>
+          <a:lstStyle/>
+          <a:p>
+            <a:fld id="{DCE921D0-8091-1B47-9857-716BD5BE96A8}" type="slidenum">
+              <a:rPr lang="en-US" smtClean="0"/>
+              <a:t>13</a:t>
+            </a:fld>
+            <a:endParaRPr lang="en-US"/>
+          </a:p>
+        </p:txBody>
+      </p:sp>
+    </p:spTree>
+    <p:extLst>
+      <p:ext uri="{BB962C8B-B14F-4D97-AF65-F5344CB8AC3E}">
+        <p14:creationId xmlns:p14="http://schemas.microsoft.com/office/powerpoint/2010/main" val="1561248102"/>
+      </p:ext>
+    </p:extLst>
+  </p:cSld>
+  <p:clrMapOvr>
+    <a:masterClrMapping/>
+  </p:clrMapOvr>
+</p:notes>
+</file>
+
+<file path=ppt/notesSlides/notesSlide14.xml><?xml version="1.0" encoding="utf-8"?>
+<p:notes xmlns:a="http://schemas.openxmlformats.org/drawingml/2006/main" xmlns:r="http://schemas.openxmlformats.org/officeDocument/2006/relationships" xmlns:p="http://schemas.openxmlformats.org/presentationml/2006/main">
+  <p:cSld>
+    <p:spTree>
+      <p:nvGrpSpPr>
+        <p:cNvPr id="1" name=""/>
+        <p:cNvGrpSpPr/>
+        <p:nvPr/>
+      </p:nvGrpSpPr>
+      <p:grpSpPr>
+        <a:xfrm>
+          <a:off x="0" y="0"/>
+          <a:ext cx="0" cy="0"/>
+          <a:chOff x="0" y="0"/>
+          <a:chExt cx="0" cy="0"/>
+        </a:xfrm>
+      </p:grpSpPr>
+      <p:sp>
+        <p:nvSpPr>
+          <p:cNvPr id="2" name="Slide Image Placeholder 1"/>
+          <p:cNvSpPr>
+            <a:spLocks noGrp="1" noRot="1" noChangeAspect="1"/>
+          </p:cNvSpPr>
+          <p:nvPr>
+            <p:ph type="sldImg"/>
+          </p:nvPr>
+        </p:nvSpPr>
+        <p:spPr/>
+      </p:sp>
+      <p:sp>
+        <p:nvSpPr>
+          <p:cNvPr id="3" name="Notes Placeholder 2"/>
+          <p:cNvSpPr>
+            <a:spLocks noGrp="1"/>
+          </p:cNvSpPr>
+          <p:nvPr>
+            <p:ph type="body" idx="1"/>
+          </p:nvPr>
+        </p:nvSpPr>
+        <p:spPr/>
+        <p:txBody>
+          <a:bodyPr/>
+          <a:lstStyle/>
+          <a:p>
+            <a:r>
+              <a:rPr lang="en-US" dirty="0"/>
+              <a:t>Youstina</a:t>
+            </a:r>
+          </a:p>
+        </p:txBody>
+      </p:sp>
+      <p:sp>
+        <p:nvSpPr>
+          <p:cNvPr id="4" name="Slide Number Placeholder 3"/>
+          <p:cNvSpPr>
+            <a:spLocks noGrp="1"/>
+          </p:cNvSpPr>
+          <p:nvPr>
+            <p:ph type="sldNum" sz="quarter" idx="5"/>
+          </p:nvPr>
+        </p:nvSpPr>
+        <p:spPr/>
+        <p:txBody>
+          <a:bodyPr/>
+          <a:lstStyle/>
+          <a:p>
+            <a:fld id="{DCE921D0-8091-1B47-9857-716BD5BE96A8}" type="slidenum">
+              <a:rPr lang="en-US" smtClean="0"/>
+              <a:t>14</a:t>
+            </a:fld>
+            <a:endParaRPr lang="en-US"/>
+          </a:p>
+        </p:txBody>
+      </p:sp>
+    </p:spTree>
+    <p:extLst>
+      <p:ext uri="{BB962C8B-B14F-4D97-AF65-F5344CB8AC3E}">
+        <p14:creationId xmlns:p14="http://schemas.microsoft.com/office/powerpoint/2010/main" val="202030720"/>
+      </p:ext>
+    </p:extLst>
+  </p:cSld>
+  <p:clrMapOvr>
+    <a:masterClrMapping/>
+  </p:clrMapOvr>
+</p:notes>
+</file>
+
+<file path=ppt/notesSlides/notesSlide15.xml><?xml version="1.0" encoding="utf-8"?>
+<p:notes xmlns:a="http://schemas.openxmlformats.org/drawingml/2006/main" xmlns:r="http://schemas.openxmlformats.org/officeDocument/2006/relationships" xmlns:p="http://schemas.openxmlformats.org/presentationml/2006/main">
+  <p:cSld>
+    <p:spTree>
+      <p:nvGrpSpPr>
+        <p:cNvPr id="1" name=""/>
+        <p:cNvGrpSpPr/>
+        <p:nvPr/>
+      </p:nvGrpSpPr>
+      <p:grpSpPr>
+        <a:xfrm>
+          <a:off x="0" y="0"/>
+          <a:ext cx="0" cy="0"/>
+          <a:chOff x="0" y="0"/>
+          <a:chExt cx="0" cy="0"/>
+        </a:xfrm>
+      </p:grpSpPr>
+      <p:sp>
+        <p:nvSpPr>
+          <p:cNvPr id="2" name="Slide Image Placeholder 1"/>
+          <p:cNvSpPr>
+            <a:spLocks noGrp="1" noRot="1" noChangeAspect="1"/>
+          </p:cNvSpPr>
+          <p:nvPr>
+            <p:ph type="sldImg"/>
+          </p:nvPr>
+        </p:nvSpPr>
+        <p:spPr/>
+      </p:sp>
+      <p:sp>
+        <p:nvSpPr>
+          <p:cNvPr id="3" name="Notes Placeholder 2"/>
+          <p:cNvSpPr>
+            <a:spLocks noGrp="1"/>
+          </p:cNvSpPr>
+          <p:nvPr>
+            <p:ph type="body" idx="1"/>
+          </p:nvPr>
+        </p:nvSpPr>
+        <p:spPr/>
+        <p:txBody>
+          <a:bodyPr/>
+          <a:lstStyle/>
+          <a:p>
+            <a:r>
+              <a:rPr lang="en-US" dirty="0"/>
+              <a:t>Youstina</a:t>
+            </a:r>
+          </a:p>
+        </p:txBody>
+      </p:sp>
+      <p:sp>
+        <p:nvSpPr>
+          <p:cNvPr id="4" name="Slide Number Placeholder 3"/>
+          <p:cNvSpPr>
+            <a:spLocks noGrp="1"/>
+          </p:cNvSpPr>
+          <p:nvPr>
+            <p:ph type="sldNum" sz="quarter" idx="5"/>
+          </p:nvPr>
+        </p:nvSpPr>
+        <p:spPr/>
+        <p:txBody>
+          <a:bodyPr/>
+          <a:lstStyle/>
+          <a:p>
+            <a:fld id="{DCE921D0-8091-1B47-9857-716BD5BE96A8}" type="slidenum">
+              <a:rPr lang="en-US" smtClean="0"/>
+              <a:t>15</a:t>
+            </a:fld>
+            <a:endParaRPr lang="en-US"/>
+          </a:p>
+        </p:txBody>
+      </p:sp>
+    </p:spTree>
+    <p:extLst>
+      <p:ext uri="{BB962C8B-B14F-4D97-AF65-F5344CB8AC3E}">
+        <p14:creationId xmlns:p14="http://schemas.microsoft.com/office/powerpoint/2010/main" val="2103620309"/>
+      </p:ext>
+    </p:extLst>
+  </p:cSld>
+  <p:clrMapOvr>
+    <a:masterClrMapping/>
+  </p:clrMapOvr>
+</p:notes>
+</file>
+
+<file path=ppt/notesSlides/notesSlide2.xml><?xml version="1.0" encoding="utf-8"?>
+<p:notes xmlns:a="http://schemas.openxmlformats.org/drawingml/2006/main" xmlns:r="http://schemas.openxmlformats.org/officeDocument/2006/relationships" xmlns:p="http://schemas.openxmlformats.org/presentationml/2006/main">
+  <p:cSld>
+    <p:spTree>
+      <p:nvGrpSpPr>
+        <p:cNvPr id="1" name=""/>
+        <p:cNvGrpSpPr/>
+        <p:nvPr/>
+      </p:nvGrpSpPr>
+      <p:grpSpPr>
+        <a:xfrm>
+          <a:off x="0" y="0"/>
+          <a:ext cx="0" cy="0"/>
+          <a:chOff x="0" y="0"/>
+          <a:chExt cx="0" cy="0"/>
+        </a:xfrm>
+      </p:grpSpPr>
+      <p:sp>
+        <p:nvSpPr>
+          <p:cNvPr id="2" name="Slide Image Placeholder 1"/>
+          <p:cNvSpPr>
+            <a:spLocks noGrp="1" noRot="1" noChangeAspect="1"/>
+          </p:cNvSpPr>
+          <p:nvPr>
+            <p:ph type="sldImg"/>
+          </p:nvPr>
+        </p:nvSpPr>
+        <p:spPr/>
+      </p:sp>
+      <p:sp>
+        <p:nvSpPr>
+          <p:cNvPr id="3" name="Notes Placeholder 2"/>
+          <p:cNvSpPr>
+            <a:spLocks noGrp="1"/>
+          </p:cNvSpPr>
+          <p:nvPr>
+            <p:ph type="body" idx="1"/>
+          </p:nvPr>
+        </p:nvSpPr>
+        <p:spPr/>
+        <p:txBody>
+          <a:bodyPr/>
+          <a:lstStyle/>
+          <a:p>
+            <a:r>
+              <a:rPr lang="en-US" dirty="0"/>
+              <a:t>Derek</a:t>
+            </a:r>
+          </a:p>
+        </p:txBody>
+      </p:sp>
+      <p:sp>
+        <p:nvSpPr>
+          <p:cNvPr id="4" name="Slide Number Placeholder 3"/>
+          <p:cNvSpPr>
+            <a:spLocks noGrp="1"/>
+          </p:cNvSpPr>
+          <p:nvPr>
+            <p:ph type="sldNum" sz="quarter" idx="5"/>
+          </p:nvPr>
+        </p:nvSpPr>
+        <p:spPr/>
+        <p:txBody>
+          <a:bodyPr/>
+          <a:lstStyle/>
+          <a:p>
+            <a:fld id="{DCE921D0-8091-1B47-9857-716BD5BE96A8}" type="slidenum">
+              <a:rPr lang="en-US" smtClean="0"/>
+              <a:t>2</a:t>
+            </a:fld>
+            <a:endParaRPr lang="en-US"/>
+          </a:p>
+        </p:txBody>
+      </p:sp>
+    </p:spTree>
+    <p:extLst>
+      <p:ext uri="{BB962C8B-B14F-4D97-AF65-F5344CB8AC3E}">
+        <p14:creationId xmlns:p14="http://schemas.microsoft.com/office/powerpoint/2010/main" val="634017422"/>
+      </p:ext>
+    </p:extLst>
+  </p:cSld>
+  <p:clrMapOvr>
+    <a:masterClrMapping/>
+  </p:clrMapOvr>
+</p:notes>
+</file>
+
+<file path=ppt/notesSlides/notesSlide3.xml><?xml version="1.0" encoding="utf-8"?>
+<p:notes xmlns:a="http://schemas.openxmlformats.org/drawingml/2006/main" xmlns:r="http://schemas.openxmlformats.org/officeDocument/2006/relationships" xmlns:p="http://schemas.openxmlformats.org/presentationml/2006/main">
+  <p:cSld>
+    <p:spTree>
+      <p:nvGrpSpPr>
+        <p:cNvPr id="1" name=""/>
+        <p:cNvGrpSpPr/>
+        <p:nvPr/>
+      </p:nvGrpSpPr>
+      <p:grpSpPr>
+        <a:xfrm>
+          <a:off x="0" y="0"/>
+          <a:ext cx="0" cy="0"/>
+          <a:chOff x="0" y="0"/>
+          <a:chExt cx="0" cy="0"/>
+        </a:xfrm>
+      </p:grpSpPr>
+      <p:sp>
+        <p:nvSpPr>
+          <p:cNvPr id="2" name="Slide Image Placeholder 1"/>
+          <p:cNvSpPr>
+            <a:spLocks noGrp="1" noRot="1" noChangeAspect="1"/>
+          </p:cNvSpPr>
+          <p:nvPr>
+            <p:ph type="sldImg"/>
+          </p:nvPr>
+        </p:nvSpPr>
+        <p:spPr/>
+      </p:sp>
+      <p:sp>
+        <p:nvSpPr>
+          <p:cNvPr id="3" name="Notes Placeholder 2"/>
+          <p:cNvSpPr>
+            <a:spLocks noGrp="1"/>
+          </p:cNvSpPr>
+          <p:nvPr>
+            <p:ph type="body" idx="1"/>
+          </p:nvPr>
+        </p:nvSpPr>
+        <p:spPr/>
+        <p:txBody>
+          <a:bodyPr/>
+          <a:lstStyle/>
+          <a:p>
+            <a:r>
+              <a:rPr lang="en-US" dirty="0"/>
+              <a:t>Derek</a:t>
+            </a:r>
+          </a:p>
+        </p:txBody>
+      </p:sp>
+      <p:sp>
+        <p:nvSpPr>
+          <p:cNvPr id="4" name="Slide Number Placeholder 3"/>
+          <p:cNvSpPr>
+            <a:spLocks noGrp="1"/>
+          </p:cNvSpPr>
+          <p:nvPr>
+            <p:ph type="sldNum" sz="quarter" idx="5"/>
+          </p:nvPr>
+        </p:nvSpPr>
+        <p:spPr/>
+        <p:txBody>
+          <a:bodyPr/>
+          <a:lstStyle/>
+          <a:p>
+            <a:fld id="{DCE921D0-8091-1B47-9857-716BD5BE96A8}" type="slidenum">
+              <a:rPr lang="en-US" smtClean="0"/>
+              <a:t>3</a:t>
+            </a:fld>
+            <a:endParaRPr lang="en-US"/>
+          </a:p>
+        </p:txBody>
+      </p:sp>
+    </p:spTree>
+    <p:extLst>
+      <p:ext uri="{BB962C8B-B14F-4D97-AF65-F5344CB8AC3E}">
+        <p14:creationId xmlns:p14="http://schemas.microsoft.com/office/powerpoint/2010/main" val="3317495040"/>
+      </p:ext>
+    </p:extLst>
+  </p:cSld>
+  <p:clrMapOvr>
+    <a:masterClrMapping/>
+  </p:clrMapOvr>
+</p:notes>
+</file>
+
+<file path=ppt/notesSlides/notesSlide4.xml><?xml version="1.0" encoding="utf-8"?>
+<p:notes xmlns:a="http://schemas.openxmlformats.org/drawingml/2006/main" xmlns:r="http://schemas.openxmlformats.org/officeDocument/2006/relationships" xmlns:p="http://schemas.openxmlformats.org/presentationml/2006/main">
+  <p:cSld>
+    <p:spTree>
+      <p:nvGrpSpPr>
+        <p:cNvPr id="1" name=""/>
+        <p:cNvGrpSpPr/>
+        <p:nvPr/>
+      </p:nvGrpSpPr>
+      <p:grpSpPr>
+        <a:xfrm>
+          <a:off x="0" y="0"/>
+          <a:ext cx="0" cy="0"/>
+          <a:chOff x="0" y="0"/>
+          <a:chExt cx="0" cy="0"/>
+        </a:xfrm>
+      </p:grpSpPr>
+      <p:sp>
+        <p:nvSpPr>
+          <p:cNvPr id="2" name="Slide Image Placeholder 1"/>
+          <p:cNvSpPr>
+            <a:spLocks noGrp="1" noRot="1" noChangeAspect="1"/>
+          </p:cNvSpPr>
+          <p:nvPr>
+            <p:ph type="sldImg"/>
+          </p:nvPr>
+        </p:nvSpPr>
+        <p:spPr/>
+      </p:sp>
+      <p:sp>
+        <p:nvSpPr>
+          <p:cNvPr id="3" name="Notes Placeholder 2"/>
+          <p:cNvSpPr>
+            <a:spLocks noGrp="1"/>
+          </p:cNvSpPr>
+          <p:nvPr>
+            <p:ph type="body" idx="1"/>
+          </p:nvPr>
+        </p:nvSpPr>
+        <p:spPr/>
+        <p:txBody>
+          <a:bodyPr/>
+          <a:lstStyle/>
+          <a:p>
+            <a:r>
+              <a:rPr lang="en-US" dirty="0"/>
+              <a:t>Derek</a:t>
+            </a:r>
+          </a:p>
+        </p:txBody>
+      </p:sp>
+      <p:sp>
+        <p:nvSpPr>
+          <p:cNvPr id="4" name="Slide Number Placeholder 3"/>
+          <p:cNvSpPr>
+            <a:spLocks noGrp="1"/>
+          </p:cNvSpPr>
+          <p:nvPr>
+            <p:ph type="sldNum" sz="quarter" idx="5"/>
+          </p:nvPr>
+        </p:nvSpPr>
+        <p:spPr/>
+        <p:txBody>
+          <a:bodyPr/>
+          <a:lstStyle/>
+          <a:p>
+            <a:fld id="{DCE921D0-8091-1B47-9857-716BD5BE96A8}" type="slidenum">
+              <a:rPr lang="en-US" smtClean="0"/>
+              <a:t>4</a:t>
+            </a:fld>
+            <a:endParaRPr lang="en-US"/>
+          </a:p>
+        </p:txBody>
+      </p:sp>
+    </p:spTree>
+    <p:extLst>
+      <p:ext uri="{BB962C8B-B14F-4D97-AF65-F5344CB8AC3E}">
+        <p14:creationId xmlns:p14="http://schemas.microsoft.com/office/powerpoint/2010/main" val="468420351"/>
+      </p:ext>
+    </p:extLst>
+  </p:cSld>
+  <p:clrMapOvr>
+    <a:masterClrMapping/>
+  </p:clrMapOvr>
+</p:notes>
+</file>
+
+<file path=ppt/notesSlides/notesSlide5.xml><?xml version="1.0" encoding="utf-8"?>
+<p:notes xmlns:a="http://schemas.openxmlformats.org/drawingml/2006/main" xmlns:r="http://schemas.openxmlformats.org/officeDocument/2006/relationships" xmlns:p="http://schemas.openxmlformats.org/presentationml/2006/main">
+  <p:cSld>
+    <p:spTree>
+      <p:nvGrpSpPr>
+        <p:cNvPr id="1" name=""/>
+        <p:cNvGrpSpPr/>
+        <p:nvPr/>
+      </p:nvGrpSpPr>
+      <p:grpSpPr>
+        <a:xfrm>
+          <a:off x="0" y="0"/>
+          <a:ext cx="0" cy="0"/>
+          <a:chOff x="0" y="0"/>
+          <a:chExt cx="0" cy="0"/>
+        </a:xfrm>
+      </p:grpSpPr>
+      <p:sp>
+        <p:nvSpPr>
+          <p:cNvPr id="2" name="Slide Image Placeholder 1"/>
+          <p:cNvSpPr>
+            <a:spLocks noGrp="1" noRot="1" noChangeAspect="1"/>
+          </p:cNvSpPr>
+          <p:nvPr>
+            <p:ph type="sldImg"/>
+          </p:nvPr>
+        </p:nvSpPr>
+        <p:spPr/>
+      </p:sp>
+      <p:sp>
+        <p:nvSpPr>
+          <p:cNvPr id="3" name="Notes Placeholder 2"/>
+          <p:cNvSpPr>
+            <a:spLocks noGrp="1"/>
+          </p:cNvSpPr>
+          <p:nvPr>
+            <p:ph type="body" idx="1"/>
+          </p:nvPr>
+        </p:nvSpPr>
+        <p:spPr/>
+        <p:txBody>
+          <a:bodyPr/>
+          <a:lstStyle/>
+          <a:p>
+            <a:r>
+              <a:rPr lang="en-US" dirty="0"/>
+              <a:t>Andrew</a:t>
+            </a:r>
+          </a:p>
+        </p:txBody>
+      </p:sp>
+      <p:sp>
+        <p:nvSpPr>
+          <p:cNvPr id="4" name="Slide Number Placeholder 3"/>
+          <p:cNvSpPr>
+            <a:spLocks noGrp="1"/>
+          </p:cNvSpPr>
+          <p:nvPr>
+            <p:ph type="sldNum" sz="quarter" idx="5"/>
+          </p:nvPr>
+        </p:nvSpPr>
+        <p:spPr/>
+        <p:txBody>
+          <a:bodyPr/>
+          <a:lstStyle/>
+          <a:p>
+            <a:fld id="{DCE921D0-8091-1B47-9857-716BD5BE96A8}" type="slidenum">
+              <a:rPr lang="en-US" smtClean="0"/>
+              <a:t>5</a:t>
+            </a:fld>
+            <a:endParaRPr lang="en-US"/>
+          </a:p>
+        </p:txBody>
+      </p:sp>
+    </p:spTree>
+    <p:extLst>
+      <p:ext uri="{BB962C8B-B14F-4D97-AF65-F5344CB8AC3E}">
+        <p14:creationId xmlns:p14="http://schemas.microsoft.com/office/powerpoint/2010/main" val="1194075261"/>
+      </p:ext>
+    </p:extLst>
+  </p:cSld>
+  <p:clrMapOvr>
+    <a:masterClrMapping/>
+  </p:clrMapOvr>
+</p:notes>
+</file>
+
+<file path=ppt/notesSlides/notesSlide6.xml><?xml version="1.0" encoding="utf-8"?>
+<p:notes xmlns:a="http://schemas.openxmlformats.org/drawingml/2006/main" xmlns:r="http://schemas.openxmlformats.org/officeDocument/2006/relationships" xmlns:p="http://schemas.openxmlformats.org/presentationml/2006/main">
+  <p:cSld>
+    <p:spTree>
+      <p:nvGrpSpPr>
+        <p:cNvPr id="1" name=""/>
+        <p:cNvGrpSpPr/>
+        <p:nvPr/>
+      </p:nvGrpSpPr>
+      <p:grpSpPr>
+        <a:xfrm>
+          <a:off x="0" y="0"/>
+          <a:ext cx="0" cy="0"/>
+          <a:chOff x="0" y="0"/>
+          <a:chExt cx="0" cy="0"/>
+        </a:xfrm>
+      </p:grpSpPr>
+      <p:sp>
+        <p:nvSpPr>
+          <p:cNvPr id="2" name="Slide Image Placeholder 1"/>
+          <p:cNvSpPr>
+            <a:spLocks noGrp="1" noRot="1" noChangeAspect="1"/>
+          </p:cNvSpPr>
+          <p:nvPr>
+            <p:ph type="sldImg"/>
+          </p:nvPr>
+        </p:nvSpPr>
+        <p:spPr/>
+      </p:sp>
+      <p:sp>
+        <p:nvSpPr>
+          <p:cNvPr id="3" name="Notes Placeholder 2"/>
+          <p:cNvSpPr>
+            <a:spLocks noGrp="1"/>
+          </p:cNvSpPr>
+          <p:nvPr>
+            <p:ph type="body" idx="1"/>
+          </p:nvPr>
+        </p:nvSpPr>
+        <p:spPr/>
+        <p:txBody>
+          <a:bodyPr/>
+          <a:lstStyle/>
+          <a:p>
+            <a:r>
+              <a:rPr lang="en-US" dirty="0"/>
+              <a:t>Andrew</a:t>
+            </a:r>
+          </a:p>
+        </p:txBody>
+      </p:sp>
+      <p:sp>
+        <p:nvSpPr>
+          <p:cNvPr id="4" name="Slide Number Placeholder 3"/>
+          <p:cNvSpPr>
+            <a:spLocks noGrp="1"/>
+          </p:cNvSpPr>
+          <p:nvPr>
+            <p:ph type="sldNum" sz="quarter" idx="5"/>
+          </p:nvPr>
+        </p:nvSpPr>
+        <p:spPr/>
+        <p:txBody>
+          <a:bodyPr/>
+          <a:lstStyle/>
+          <a:p>
+            <a:fld id="{DCE921D0-8091-1B47-9857-716BD5BE96A8}" type="slidenum">
+              <a:rPr lang="en-US" smtClean="0"/>
+              <a:t>6</a:t>
+            </a:fld>
+            <a:endParaRPr lang="en-US"/>
+          </a:p>
+        </p:txBody>
+      </p:sp>
+    </p:spTree>
+    <p:extLst>
+      <p:ext uri="{BB962C8B-B14F-4D97-AF65-F5344CB8AC3E}">
+        <p14:creationId xmlns:p14="http://schemas.microsoft.com/office/powerpoint/2010/main" val="1237907965"/>
+      </p:ext>
+    </p:extLst>
+  </p:cSld>
+  <p:clrMapOvr>
+    <a:masterClrMapping/>
+  </p:clrMapOvr>
+</p:notes>
+</file>
+
+<file path=ppt/notesSlides/notesSlide7.xml><?xml version="1.0" encoding="utf-8"?>
+<p:notes xmlns:a="http://schemas.openxmlformats.org/drawingml/2006/main" xmlns:r="http://schemas.openxmlformats.org/officeDocument/2006/relationships" xmlns:p="http://schemas.openxmlformats.org/presentationml/2006/main">
+  <p:cSld>
+    <p:spTree>
+      <p:nvGrpSpPr>
+        <p:cNvPr id="1" name=""/>
+        <p:cNvGrpSpPr/>
+        <p:nvPr/>
+      </p:nvGrpSpPr>
+      <p:grpSpPr>
+        <a:xfrm>
+          <a:off x="0" y="0"/>
+          <a:ext cx="0" cy="0"/>
+          <a:chOff x="0" y="0"/>
+          <a:chExt cx="0" cy="0"/>
+        </a:xfrm>
+      </p:grpSpPr>
+      <p:sp>
+        <p:nvSpPr>
+          <p:cNvPr id="2" name="Slide Image Placeholder 1"/>
+          <p:cNvSpPr>
+            <a:spLocks noGrp="1" noRot="1" noChangeAspect="1"/>
+          </p:cNvSpPr>
+          <p:nvPr>
+            <p:ph type="sldImg"/>
+          </p:nvPr>
+        </p:nvSpPr>
+        <p:spPr/>
+      </p:sp>
+      <p:sp>
+        <p:nvSpPr>
+          <p:cNvPr id="3" name="Notes Placeholder 2"/>
+          <p:cNvSpPr>
+            <a:spLocks noGrp="1"/>
+          </p:cNvSpPr>
+          <p:nvPr>
+            <p:ph type="body" idx="1"/>
+          </p:nvPr>
+        </p:nvSpPr>
+        <p:spPr/>
+        <p:txBody>
+          <a:bodyPr/>
+          <a:lstStyle/>
+          <a:p>
+            <a:r>
+              <a:rPr lang="en-US" dirty="0"/>
+              <a:t>Andrew</a:t>
+            </a:r>
+          </a:p>
+        </p:txBody>
+      </p:sp>
+      <p:sp>
+        <p:nvSpPr>
+          <p:cNvPr id="4" name="Slide Number Placeholder 3"/>
+          <p:cNvSpPr>
+            <a:spLocks noGrp="1"/>
+          </p:cNvSpPr>
+          <p:nvPr>
+            <p:ph type="sldNum" sz="quarter" idx="5"/>
+          </p:nvPr>
+        </p:nvSpPr>
+        <p:spPr/>
+        <p:txBody>
+          <a:bodyPr/>
+          <a:lstStyle/>
+          <a:p>
+            <a:fld id="{DCE921D0-8091-1B47-9857-716BD5BE96A8}" type="slidenum">
+              <a:rPr lang="en-US" smtClean="0"/>
+              <a:t>7</a:t>
+            </a:fld>
+            <a:endParaRPr lang="en-US"/>
+          </a:p>
+        </p:txBody>
+      </p:sp>
+    </p:spTree>
+    <p:extLst>
+      <p:ext uri="{BB962C8B-B14F-4D97-AF65-F5344CB8AC3E}">
+        <p14:creationId xmlns:p14="http://schemas.microsoft.com/office/powerpoint/2010/main" val="995543424"/>
+      </p:ext>
+    </p:extLst>
+  </p:cSld>
+  <p:clrMapOvr>
+    <a:masterClrMapping/>
+  </p:clrMapOvr>
+</p:notes>
+</file>
+
+<file path=ppt/notesSlides/notesSlide8.xml><?xml version="1.0" encoding="utf-8"?>
+<p:notes xmlns:a="http://schemas.openxmlformats.org/drawingml/2006/main" xmlns:r="http://schemas.openxmlformats.org/officeDocument/2006/relationships" xmlns:p="http://schemas.openxmlformats.org/presentationml/2006/main">
+  <p:cSld>
+    <p:spTree>
+      <p:nvGrpSpPr>
+        <p:cNvPr id="1" name=""/>
+        <p:cNvGrpSpPr/>
+        <p:nvPr/>
+      </p:nvGrpSpPr>
+      <p:grpSpPr>
+        <a:xfrm>
+          <a:off x="0" y="0"/>
+          <a:ext cx="0" cy="0"/>
+          <a:chOff x="0" y="0"/>
+          <a:chExt cx="0" cy="0"/>
+        </a:xfrm>
+      </p:grpSpPr>
+      <p:sp>
+        <p:nvSpPr>
+          <p:cNvPr id="2" name="Slide Image Placeholder 1"/>
+          <p:cNvSpPr>
+            <a:spLocks noGrp="1" noRot="1" noChangeAspect="1"/>
+          </p:cNvSpPr>
+          <p:nvPr>
+            <p:ph type="sldImg"/>
+          </p:nvPr>
+        </p:nvSpPr>
+        <p:spPr/>
+      </p:sp>
+      <p:sp>
+        <p:nvSpPr>
+          <p:cNvPr id="3" name="Notes Placeholder 2"/>
+          <p:cNvSpPr>
+            <a:spLocks noGrp="1"/>
+          </p:cNvSpPr>
+          <p:nvPr>
+            <p:ph type="body" idx="1"/>
+          </p:nvPr>
+        </p:nvSpPr>
+        <p:spPr/>
+        <p:txBody>
+          <a:bodyPr/>
+          <a:lstStyle/>
+          <a:p>
+            <a:r>
+              <a:rPr lang="en-US" dirty="0"/>
+              <a:t>Andrew</a:t>
+            </a:r>
+          </a:p>
+        </p:txBody>
+      </p:sp>
+      <p:sp>
+        <p:nvSpPr>
+          <p:cNvPr id="4" name="Slide Number Placeholder 3"/>
+          <p:cNvSpPr>
+            <a:spLocks noGrp="1"/>
+          </p:cNvSpPr>
+          <p:nvPr>
+            <p:ph type="sldNum" sz="quarter" idx="5"/>
+          </p:nvPr>
+        </p:nvSpPr>
+        <p:spPr/>
+        <p:txBody>
+          <a:bodyPr/>
+          <a:lstStyle/>
+          <a:p>
+            <a:fld id="{DCE921D0-8091-1B47-9857-716BD5BE96A8}" type="slidenum">
+              <a:rPr lang="en-US" smtClean="0"/>
+              <a:t>8</a:t>
+            </a:fld>
+            <a:endParaRPr lang="en-US"/>
+          </a:p>
+        </p:txBody>
+      </p:sp>
+    </p:spTree>
+    <p:extLst>
+      <p:ext uri="{BB962C8B-B14F-4D97-AF65-F5344CB8AC3E}">
+        <p14:creationId xmlns:p14="http://schemas.microsoft.com/office/powerpoint/2010/main" val="157056269"/>
+      </p:ext>
+    </p:extLst>
+  </p:cSld>
+  <p:clrMapOvr>
+    <a:masterClrMapping/>
+  </p:clrMapOvr>
+</p:notes>
+</file>
+
+<file path=ppt/notesSlides/notesSlide9.xml><?xml version="1.0" encoding="utf-8"?>
+<p:notes xmlns:a="http://schemas.openxmlformats.org/drawingml/2006/main" xmlns:r="http://schemas.openxmlformats.org/officeDocument/2006/relationships" xmlns:p="http://schemas.openxmlformats.org/presentationml/2006/main">
+  <p:cSld>
+    <p:spTree>
+      <p:nvGrpSpPr>
+        <p:cNvPr id="1" name=""/>
+        <p:cNvGrpSpPr/>
+        <p:nvPr/>
+      </p:nvGrpSpPr>
+      <p:grpSpPr>
+        <a:xfrm>
+          <a:off x="0" y="0"/>
+          <a:ext cx="0" cy="0"/>
+          <a:chOff x="0" y="0"/>
+          <a:chExt cx="0" cy="0"/>
+        </a:xfrm>
+      </p:grpSpPr>
+      <p:sp>
+        <p:nvSpPr>
+          <p:cNvPr id="2" name="Slide Image Placeholder 1"/>
+          <p:cNvSpPr>
+            <a:spLocks noGrp="1" noRot="1" noChangeAspect="1"/>
+          </p:cNvSpPr>
+          <p:nvPr>
+            <p:ph type="sldImg"/>
+          </p:nvPr>
+        </p:nvSpPr>
+        <p:spPr/>
+      </p:sp>
+      <p:sp>
+        <p:nvSpPr>
+          <p:cNvPr id="3" name="Notes Placeholder 2"/>
+          <p:cNvSpPr>
+            <a:spLocks noGrp="1"/>
+          </p:cNvSpPr>
+          <p:nvPr>
+            <p:ph type="body" idx="1"/>
+          </p:nvPr>
+        </p:nvSpPr>
+        <p:spPr/>
+        <p:txBody>
+          <a:bodyPr/>
+          <a:lstStyle/>
+          <a:p>
+            <a:r>
+              <a:rPr lang="en-US" dirty="0"/>
+              <a:t>Youstina</a:t>
+            </a:r>
+          </a:p>
+        </p:txBody>
+      </p:sp>
+      <p:sp>
+        <p:nvSpPr>
+          <p:cNvPr id="4" name="Slide Number Placeholder 3"/>
+          <p:cNvSpPr>
+            <a:spLocks noGrp="1"/>
+          </p:cNvSpPr>
+          <p:nvPr>
+            <p:ph type="sldNum" sz="quarter" idx="5"/>
+          </p:nvPr>
+        </p:nvSpPr>
+        <p:spPr/>
+        <p:txBody>
+          <a:bodyPr/>
+          <a:lstStyle/>
+          <a:p>
+            <a:fld id="{DCE921D0-8091-1B47-9857-716BD5BE96A8}" type="slidenum">
+              <a:rPr lang="en-US" smtClean="0"/>
+              <a:t>9</a:t>
+            </a:fld>
+            <a:endParaRPr lang="en-US"/>
+          </a:p>
+        </p:txBody>
+      </p:sp>
+    </p:spTree>
+    <p:extLst>
+      <p:ext uri="{BB962C8B-B14F-4D97-AF65-F5344CB8AC3E}">
+        <p14:creationId xmlns:p14="http://schemas.microsoft.com/office/powerpoint/2010/main" val="1572613341"/>
+      </p:ext>
+    </p:extLst>
+  </p:cSld>
+  <p:clrMapOvr>
+    <a:masterClrMapping/>
+  </p:clrMapOvr>
+</p:notes>
+</file>
+
 <file path=ppt/slideLayouts/slideLayout1.xml><?xml version="1.0" encoding="utf-8"?>
 <p:sldLayout xmlns:a="http://schemas.openxmlformats.org/drawingml/2006/main" xmlns:r="http://schemas.openxmlformats.org/officeDocument/2006/relationships" xmlns:p="http://schemas.openxmlformats.org/presentationml/2006/main" type="title" preserve="1">
   <p:cSld name="Title Slide">
@@ -25802,7 +26856,7 @@
           <a:p>
             <a:fld id="{2A21A15A-B208-964B-BAD9-3F4EB340CFDD}" type="datetimeFigureOut">
               <a:rPr lang="en-US" smtClean="0"/>
-              <a:t>4/16/20</a:t>
+              <a:t>4/18/20</a:t>
             </a:fld>
             <a:endParaRPr lang="en-US"/>
           </a:p>
@@ -26000,7 +27054,7 @@
           <a:p>
             <a:fld id="{2A21A15A-B208-964B-BAD9-3F4EB340CFDD}" type="datetimeFigureOut">
               <a:rPr lang="en-US" smtClean="0"/>
-              <a:t>4/16/20</a:t>
+              <a:t>4/18/20</a:t>
             </a:fld>
             <a:endParaRPr lang="en-US"/>
           </a:p>
@@ -26208,7 +27262,7 @@
           <a:p>
             <a:fld id="{2A21A15A-B208-964B-BAD9-3F4EB340CFDD}" type="datetimeFigureOut">
               <a:rPr lang="en-US" smtClean="0"/>
-              <a:t>4/16/20</a:t>
+              <a:t>4/18/20</a:t>
             </a:fld>
             <a:endParaRPr lang="en-US"/>
           </a:p>
@@ -26406,7 +27460,7 @@
           <a:p>
             <a:fld id="{2A21A15A-B208-964B-BAD9-3F4EB340CFDD}" type="datetimeFigureOut">
               <a:rPr lang="en-US" smtClean="0"/>
-              <a:t>4/16/20</a:t>
+              <a:t>4/18/20</a:t>
             </a:fld>
             <a:endParaRPr lang="en-US"/>
           </a:p>
@@ -26681,7 +27735,7 @@
           <a:p>
             <a:fld id="{2A21A15A-B208-964B-BAD9-3F4EB340CFDD}" type="datetimeFigureOut">
               <a:rPr lang="en-US" smtClean="0"/>
-              <a:t>4/16/20</a:t>
+              <a:t>4/18/20</a:t>
             </a:fld>
             <a:endParaRPr lang="en-US"/>
           </a:p>
@@ -26946,7 +28000,7 @@
           <a:p>
             <a:fld id="{2A21A15A-B208-964B-BAD9-3F4EB340CFDD}" type="datetimeFigureOut">
               <a:rPr lang="en-US" smtClean="0"/>
-              <a:t>4/16/20</a:t>
+              <a:t>4/18/20</a:t>
             </a:fld>
             <a:endParaRPr lang="en-US"/>
           </a:p>
@@ -27358,7 +28412,7 @@
           <a:p>
             <a:fld id="{2A21A15A-B208-964B-BAD9-3F4EB340CFDD}" type="datetimeFigureOut">
               <a:rPr lang="en-US" smtClean="0"/>
-              <a:t>4/16/20</a:t>
+              <a:t>4/18/20</a:t>
             </a:fld>
             <a:endParaRPr lang="en-US"/>
           </a:p>
@@ -27499,7 +28553,7 @@
           <a:p>
             <a:fld id="{2A21A15A-B208-964B-BAD9-3F4EB340CFDD}" type="datetimeFigureOut">
               <a:rPr lang="en-US" smtClean="0"/>
-              <a:t>4/16/20</a:t>
+              <a:t>4/18/20</a:t>
             </a:fld>
             <a:endParaRPr lang="en-US"/>
           </a:p>
@@ -27612,7 +28666,7 @@
           <a:p>
             <a:fld id="{2A21A15A-B208-964B-BAD9-3F4EB340CFDD}" type="datetimeFigureOut">
               <a:rPr lang="en-US" smtClean="0"/>
-              <a:t>4/16/20</a:t>
+              <a:t>4/18/20</a:t>
             </a:fld>
             <a:endParaRPr lang="en-US"/>
           </a:p>
@@ -27923,7 +28977,7 @@
           <a:p>
             <a:fld id="{2A21A15A-B208-964B-BAD9-3F4EB340CFDD}" type="datetimeFigureOut">
               <a:rPr lang="en-US" smtClean="0"/>
-              <a:t>4/16/20</a:t>
+              <a:t>4/18/20</a:t>
             </a:fld>
             <a:endParaRPr lang="en-US"/>
           </a:p>
@@ -28211,7 +29265,7 @@
           <a:p>
             <a:fld id="{2A21A15A-B208-964B-BAD9-3F4EB340CFDD}" type="datetimeFigureOut">
               <a:rPr lang="en-US" smtClean="0"/>
-              <a:t>4/16/20</a:t>
+              <a:t>4/18/20</a:t>
             </a:fld>
             <a:endParaRPr lang="en-US"/>
           </a:p>
@@ -28452,7 +29506,7 @@
           <a:p>
             <a:fld id="{2A21A15A-B208-964B-BAD9-3F4EB340CFDD}" type="datetimeFigureOut">
               <a:rPr lang="en-US" smtClean="0"/>
-              <a:t>4/16/20</a:t>
+              <a:t>4/18/20</a:t>
             </a:fld>
             <a:endParaRPr lang="en-US"/>
           </a:p>
@@ -28955,7 +30009,7 @@
           <p:nvPr/>
         </p:nvPicPr>
         <p:blipFill rotWithShape="1">
-          <a:blip r:embed="rId2">
+          <a:blip r:embed="rId3">
             <a:alphaModFix amt="50000"/>
           </a:blip>
           <a:srcRect t="4255"/>
@@ -29195,491 +30249,10 @@
       </p:grpSpPr>
       <p:sp>
         <p:nvSpPr>
-          <p:cNvPr id="20" name="Freeform: Shape 19">
-            <a:extLst>
-              <a:ext uri="{FF2B5EF4-FFF2-40B4-BE49-F238E27FC236}">
-                <a16:creationId xmlns:a16="http://schemas.microsoft.com/office/drawing/2014/main" id="{46C2E80F-49A6-4372-B103-219D417A55ED}"/>
-              </a:ext>
-              <a:ext uri="{C183D7F6-B498-43B3-948B-1728B52AA6E4}">
-                <adec:decorative xmlns:adec="http://schemas.microsoft.com/office/drawing/2017/decorative" val="1"/>
-              </a:ext>
-            </a:extLst>
-          </p:cNvPr>
-          <p:cNvSpPr>
-            <a:spLocks noGrp="1" noRot="1" noChangeAspect="1" noMove="1" noResize="1" noEditPoints="1" noAdjustHandles="1" noChangeArrowheads="1" noChangeShapeType="1" noTextEdit="1"/>
-          </p:cNvSpPr>
-          <p:nvPr>
-            <p:extLst>
-              <p:ext uri="{386F3935-93C4-4BCD-93E2-E3B085C9AB24}">
-                <p16:designElem xmlns:p16="http://schemas.microsoft.com/office/powerpoint/2015/main" val="1"/>
-              </p:ext>
-            </p:extLst>
-          </p:nvPr>
-        </p:nvSpPr>
-        <p:spPr>
-          <a:xfrm>
-            <a:off x="484096" y="470925"/>
-            <a:ext cx="4381009" cy="5892104"/>
-          </a:xfrm>
-          <a:custGeom>
-            <a:avLst/>
-            <a:gdLst>
-              <a:gd name="connsiteX0" fmla="*/ 0 w 4381009"/>
-              <a:gd name="connsiteY0" fmla="*/ 0 h 5892104"/>
-              <a:gd name="connsiteX1" fmla="*/ 4157628 w 4381009"/>
-              <a:gd name="connsiteY1" fmla="*/ 0 h 5892104"/>
-              <a:gd name="connsiteX2" fmla="*/ 4169302 w 4381009"/>
-              <a:gd name="connsiteY2" fmla="*/ 68659 h 5892104"/>
-              <a:gd name="connsiteX3" fmla="*/ 4191571 w 4381009"/>
-              <a:gd name="connsiteY3" fmla="*/ 205472 h 5892104"/>
-              <a:gd name="connsiteX4" fmla="*/ 4213368 w 4381009"/>
-              <a:gd name="connsiteY4" fmla="*/ 342890 h 5892104"/>
-              <a:gd name="connsiteX5" fmla="*/ 4232030 w 4381009"/>
-              <a:gd name="connsiteY5" fmla="*/ 480913 h 5892104"/>
-              <a:gd name="connsiteX6" fmla="*/ 4250848 w 4381009"/>
-              <a:gd name="connsiteY6" fmla="*/ 618332 h 5892104"/>
-              <a:gd name="connsiteX7" fmla="*/ 4268412 w 4381009"/>
-              <a:gd name="connsiteY7" fmla="*/ 756355 h 5892104"/>
-              <a:gd name="connsiteX8" fmla="*/ 4283467 w 4381009"/>
-              <a:gd name="connsiteY8" fmla="*/ 892563 h 5892104"/>
-              <a:gd name="connsiteX9" fmla="*/ 4297737 w 4381009"/>
-              <a:gd name="connsiteY9" fmla="*/ 1030587 h 5892104"/>
-              <a:gd name="connsiteX10" fmla="*/ 4310754 w 4381009"/>
-              <a:gd name="connsiteY10" fmla="*/ 1168005 h 5892104"/>
-              <a:gd name="connsiteX11" fmla="*/ 4322045 w 4381009"/>
-              <a:gd name="connsiteY11" fmla="*/ 1303002 h 5892104"/>
-              <a:gd name="connsiteX12" fmla="*/ 4333336 w 4381009"/>
-              <a:gd name="connsiteY12" fmla="*/ 1439815 h 5892104"/>
-              <a:gd name="connsiteX13" fmla="*/ 4342745 w 4381009"/>
-              <a:gd name="connsiteY13" fmla="*/ 1574812 h 5892104"/>
-              <a:gd name="connsiteX14" fmla="*/ 4350115 w 4381009"/>
-              <a:gd name="connsiteY14" fmla="*/ 1709808 h 5892104"/>
-              <a:gd name="connsiteX15" fmla="*/ 4357799 w 4381009"/>
-              <a:gd name="connsiteY15" fmla="*/ 1844200 h 5892104"/>
-              <a:gd name="connsiteX16" fmla="*/ 4364229 w 4381009"/>
-              <a:gd name="connsiteY16" fmla="*/ 1977381 h 5892104"/>
-              <a:gd name="connsiteX17" fmla="*/ 4368777 w 4381009"/>
-              <a:gd name="connsiteY17" fmla="*/ 2109351 h 5892104"/>
-              <a:gd name="connsiteX18" fmla="*/ 4372697 w 4381009"/>
-              <a:gd name="connsiteY18" fmla="*/ 2241321 h 5892104"/>
-              <a:gd name="connsiteX19" fmla="*/ 4376461 w 4381009"/>
-              <a:gd name="connsiteY19" fmla="*/ 2372080 h 5892104"/>
-              <a:gd name="connsiteX20" fmla="*/ 4378186 w 4381009"/>
-              <a:gd name="connsiteY20" fmla="*/ 2501023 h 5892104"/>
-              <a:gd name="connsiteX21" fmla="*/ 4380068 w 4381009"/>
-              <a:gd name="connsiteY21" fmla="*/ 2629966 h 5892104"/>
-              <a:gd name="connsiteX22" fmla="*/ 4381009 w 4381009"/>
-              <a:gd name="connsiteY22" fmla="*/ 2757093 h 5892104"/>
-              <a:gd name="connsiteX23" fmla="*/ 4380068 w 4381009"/>
-              <a:gd name="connsiteY23" fmla="*/ 2883010 h 5892104"/>
-              <a:gd name="connsiteX24" fmla="*/ 4380068 w 4381009"/>
-              <a:gd name="connsiteY24" fmla="*/ 3007715 h 5892104"/>
-              <a:gd name="connsiteX25" fmla="*/ 4378186 w 4381009"/>
-              <a:gd name="connsiteY25" fmla="*/ 3131210 h 5892104"/>
-              <a:gd name="connsiteX26" fmla="*/ 4375363 w 4381009"/>
-              <a:gd name="connsiteY26" fmla="*/ 3252283 h 5892104"/>
-              <a:gd name="connsiteX27" fmla="*/ 4372697 w 4381009"/>
-              <a:gd name="connsiteY27" fmla="*/ 3372146 h 5892104"/>
-              <a:gd name="connsiteX28" fmla="*/ 4369718 w 4381009"/>
-              <a:gd name="connsiteY28" fmla="*/ 3489587 h 5892104"/>
-              <a:gd name="connsiteX29" fmla="*/ 4365170 w 4381009"/>
-              <a:gd name="connsiteY29" fmla="*/ 3606423 h 5892104"/>
-              <a:gd name="connsiteX30" fmla="*/ 4360309 w 4381009"/>
-              <a:gd name="connsiteY30" fmla="*/ 3721443 h 5892104"/>
-              <a:gd name="connsiteX31" fmla="*/ 4355918 w 4381009"/>
-              <a:gd name="connsiteY31" fmla="*/ 3834041 h 5892104"/>
-              <a:gd name="connsiteX32" fmla="*/ 4343529 w 4381009"/>
-              <a:gd name="connsiteY32" fmla="*/ 4053789 h 5892104"/>
-              <a:gd name="connsiteX33" fmla="*/ 4330356 w 4381009"/>
-              <a:gd name="connsiteY33" fmla="*/ 4264457 h 5892104"/>
-              <a:gd name="connsiteX34" fmla="*/ 4316556 w 4381009"/>
-              <a:gd name="connsiteY34" fmla="*/ 4466650 h 5892104"/>
-              <a:gd name="connsiteX35" fmla="*/ 4301344 w 4381009"/>
-              <a:gd name="connsiteY35" fmla="*/ 4657946 h 5892104"/>
-              <a:gd name="connsiteX36" fmla="*/ 4285506 w 4381009"/>
-              <a:gd name="connsiteY36" fmla="*/ 4840767 h 5892104"/>
-              <a:gd name="connsiteX37" fmla="*/ 4268412 w 4381009"/>
-              <a:gd name="connsiteY37" fmla="*/ 5010269 h 5892104"/>
-              <a:gd name="connsiteX38" fmla="*/ 4251633 w 4381009"/>
-              <a:gd name="connsiteY38" fmla="*/ 5169481 h 5892104"/>
-              <a:gd name="connsiteX39" fmla="*/ 4234853 w 4381009"/>
-              <a:gd name="connsiteY39" fmla="*/ 5315980 h 5892104"/>
-              <a:gd name="connsiteX40" fmla="*/ 4219014 w 4381009"/>
-              <a:gd name="connsiteY40" fmla="*/ 5450371 h 5892104"/>
-              <a:gd name="connsiteX41" fmla="*/ 4203959 w 4381009"/>
-              <a:gd name="connsiteY41" fmla="*/ 5569628 h 5892104"/>
-              <a:gd name="connsiteX42" fmla="*/ 4189689 w 4381009"/>
-              <a:gd name="connsiteY42" fmla="*/ 5677384 h 5892104"/>
-              <a:gd name="connsiteX43" fmla="*/ 4177770 w 4381009"/>
-              <a:gd name="connsiteY43" fmla="*/ 5768189 h 5892104"/>
-              <a:gd name="connsiteX44" fmla="*/ 4166479 w 4381009"/>
-              <a:gd name="connsiteY44" fmla="*/ 5844465 h 5892104"/>
-              <a:gd name="connsiteX45" fmla="*/ 4159132 w 4381009"/>
-              <a:gd name="connsiteY45" fmla="*/ 5892104 h 5892104"/>
-              <a:gd name="connsiteX46" fmla="*/ 0 w 4381009"/>
-              <a:gd name="connsiteY46" fmla="*/ 5892104 h 5892104"/>
-            </a:gdLst>
-            <a:ahLst/>
-            <a:cxnLst>
-              <a:cxn ang="0">
-                <a:pos x="connsiteX0" y="connsiteY0"/>
-              </a:cxn>
-              <a:cxn ang="0">
-                <a:pos x="connsiteX1" y="connsiteY1"/>
-              </a:cxn>
-              <a:cxn ang="0">
-                <a:pos x="connsiteX2" y="connsiteY2"/>
-              </a:cxn>
-              <a:cxn ang="0">
-                <a:pos x="connsiteX3" y="connsiteY3"/>
-              </a:cxn>
-              <a:cxn ang="0">
-                <a:pos x="connsiteX4" y="connsiteY4"/>
-              </a:cxn>
-              <a:cxn ang="0">
-                <a:pos x="connsiteX5" y="connsiteY5"/>
-              </a:cxn>
-              <a:cxn ang="0">
-                <a:pos x="connsiteX6" y="connsiteY6"/>
-              </a:cxn>
-              <a:cxn ang="0">
-                <a:pos x="connsiteX7" y="connsiteY7"/>
-              </a:cxn>
-              <a:cxn ang="0">
-                <a:pos x="connsiteX8" y="connsiteY8"/>
-              </a:cxn>
-              <a:cxn ang="0">
-                <a:pos x="connsiteX9" y="connsiteY9"/>
-              </a:cxn>
-              <a:cxn ang="0">
-                <a:pos x="connsiteX10" y="connsiteY10"/>
-              </a:cxn>
-              <a:cxn ang="0">
-                <a:pos x="connsiteX11" y="connsiteY11"/>
-              </a:cxn>
-              <a:cxn ang="0">
-                <a:pos x="connsiteX12" y="connsiteY12"/>
-              </a:cxn>
-              <a:cxn ang="0">
-                <a:pos x="connsiteX13" y="connsiteY13"/>
-              </a:cxn>
-              <a:cxn ang="0">
-                <a:pos x="connsiteX14" y="connsiteY14"/>
-              </a:cxn>
-              <a:cxn ang="0">
-                <a:pos x="connsiteX15" y="connsiteY15"/>
-              </a:cxn>
-              <a:cxn ang="0">
-                <a:pos x="connsiteX16" y="connsiteY16"/>
-              </a:cxn>
-              <a:cxn ang="0">
-                <a:pos x="connsiteX17" y="connsiteY17"/>
-              </a:cxn>
-              <a:cxn ang="0">
-                <a:pos x="connsiteX18" y="connsiteY18"/>
-              </a:cxn>
-              <a:cxn ang="0">
-                <a:pos x="connsiteX19" y="connsiteY19"/>
-              </a:cxn>
-              <a:cxn ang="0">
-                <a:pos x="connsiteX20" y="connsiteY20"/>
-              </a:cxn>
-              <a:cxn ang="0">
-                <a:pos x="connsiteX21" y="connsiteY21"/>
-              </a:cxn>
-              <a:cxn ang="0">
-                <a:pos x="connsiteX22" y="connsiteY22"/>
-              </a:cxn>
-              <a:cxn ang="0">
-                <a:pos x="connsiteX23" y="connsiteY23"/>
-              </a:cxn>
-              <a:cxn ang="0">
-                <a:pos x="connsiteX24" y="connsiteY24"/>
-              </a:cxn>
-              <a:cxn ang="0">
-                <a:pos x="connsiteX25" y="connsiteY25"/>
-              </a:cxn>
-              <a:cxn ang="0">
-                <a:pos x="connsiteX26" y="connsiteY26"/>
-              </a:cxn>
-              <a:cxn ang="0">
-                <a:pos x="connsiteX27" y="connsiteY27"/>
-              </a:cxn>
-              <a:cxn ang="0">
-                <a:pos x="connsiteX28" y="connsiteY28"/>
-              </a:cxn>
-              <a:cxn ang="0">
-                <a:pos x="connsiteX29" y="connsiteY29"/>
-              </a:cxn>
-              <a:cxn ang="0">
-                <a:pos x="connsiteX30" y="connsiteY30"/>
-              </a:cxn>
-              <a:cxn ang="0">
-                <a:pos x="connsiteX31" y="connsiteY31"/>
-              </a:cxn>
-              <a:cxn ang="0">
-                <a:pos x="connsiteX32" y="connsiteY32"/>
-              </a:cxn>
-              <a:cxn ang="0">
-                <a:pos x="connsiteX33" y="connsiteY33"/>
-              </a:cxn>
-              <a:cxn ang="0">
-                <a:pos x="connsiteX34" y="connsiteY34"/>
-              </a:cxn>
-              <a:cxn ang="0">
-                <a:pos x="connsiteX35" y="connsiteY35"/>
-              </a:cxn>
-              <a:cxn ang="0">
-                <a:pos x="connsiteX36" y="connsiteY36"/>
-              </a:cxn>
-              <a:cxn ang="0">
-                <a:pos x="connsiteX37" y="connsiteY37"/>
-              </a:cxn>
-              <a:cxn ang="0">
-                <a:pos x="connsiteX38" y="connsiteY38"/>
-              </a:cxn>
-              <a:cxn ang="0">
-                <a:pos x="connsiteX39" y="connsiteY39"/>
-              </a:cxn>
-              <a:cxn ang="0">
-                <a:pos x="connsiteX40" y="connsiteY40"/>
-              </a:cxn>
-              <a:cxn ang="0">
-                <a:pos x="connsiteX41" y="connsiteY41"/>
-              </a:cxn>
-              <a:cxn ang="0">
-                <a:pos x="connsiteX42" y="connsiteY42"/>
-              </a:cxn>
-              <a:cxn ang="0">
-                <a:pos x="connsiteX43" y="connsiteY43"/>
-              </a:cxn>
-              <a:cxn ang="0">
-                <a:pos x="connsiteX44" y="connsiteY44"/>
-              </a:cxn>
-              <a:cxn ang="0">
-                <a:pos x="connsiteX45" y="connsiteY45"/>
-              </a:cxn>
-              <a:cxn ang="0">
-                <a:pos x="connsiteX46" y="connsiteY46"/>
-              </a:cxn>
-            </a:cxnLst>
-            <a:rect l="l" t="t" r="r" b="b"/>
-            <a:pathLst>
-              <a:path w="4381009" h="5892104">
-                <a:moveTo>
-                  <a:pt x="0" y="0"/>
-                </a:moveTo>
-                <a:lnTo>
-                  <a:pt x="4157628" y="0"/>
-                </a:lnTo>
-                <a:lnTo>
-                  <a:pt x="4169302" y="68659"/>
-                </a:lnTo>
-                <a:lnTo>
-                  <a:pt x="4191571" y="205472"/>
-                </a:lnTo>
-                <a:lnTo>
-                  <a:pt x="4213368" y="342890"/>
-                </a:lnTo>
-                <a:lnTo>
-                  <a:pt x="4232030" y="480913"/>
-                </a:lnTo>
-                <a:lnTo>
-                  <a:pt x="4250848" y="618332"/>
-                </a:lnTo>
-                <a:lnTo>
-                  <a:pt x="4268412" y="756355"/>
-                </a:lnTo>
-                <a:lnTo>
-                  <a:pt x="4283467" y="892563"/>
-                </a:lnTo>
-                <a:lnTo>
-                  <a:pt x="4297737" y="1030587"/>
-                </a:lnTo>
-                <a:lnTo>
-                  <a:pt x="4310754" y="1168005"/>
-                </a:lnTo>
-                <a:lnTo>
-                  <a:pt x="4322045" y="1303002"/>
-                </a:lnTo>
-                <a:lnTo>
-                  <a:pt x="4333336" y="1439815"/>
-                </a:lnTo>
-                <a:lnTo>
-                  <a:pt x="4342745" y="1574812"/>
-                </a:lnTo>
-                <a:lnTo>
-                  <a:pt x="4350115" y="1709808"/>
-                </a:lnTo>
-                <a:lnTo>
-                  <a:pt x="4357799" y="1844200"/>
-                </a:lnTo>
-                <a:lnTo>
-                  <a:pt x="4364229" y="1977381"/>
-                </a:lnTo>
-                <a:lnTo>
-                  <a:pt x="4368777" y="2109351"/>
-                </a:lnTo>
-                <a:lnTo>
-                  <a:pt x="4372697" y="2241321"/>
-                </a:lnTo>
-                <a:lnTo>
-                  <a:pt x="4376461" y="2372080"/>
-                </a:lnTo>
-                <a:lnTo>
-                  <a:pt x="4378186" y="2501023"/>
-                </a:lnTo>
-                <a:lnTo>
-                  <a:pt x="4380068" y="2629966"/>
-                </a:lnTo>
-                <a:lnTo>
-                  <a:pt x="4381009" y="2757093"/>
-                </a:lnTo>
-                <a:lnTo>
-                  <a:pt x="4380068" y="2883010"/>
-                </a:lnTo>
-                <a:lnTo>
-                  <a:pt x="4380068" y="3007715"/>
-                </a:lnTo>
-                <a:lnTo>
-                  <a:pt x="4378186" y="3131210"/>
-                </a:lnTo>
-                <a:lnTo>
-                  <a:pt x="4375363" y="3252283"/>
-                </a:lnTo>
-                <a:lnTo>
-                  <a:pt x="4372697" y="3372146"/>
-                </a:lnTo>
-                <a:lnTo>
-                  <a:pt x="4369718" y="3489587"/>
-                </a:lnTo>
-                <a:lnTo>
-                  <a:pt x="4365170" y="3606423"/>
-                </a:lnTo>
-                <a:lnTo>
-                  <a:pt x="4360309" y="3721443"/>
-                </a:lnTo>
-                <a:lnTo>
-                  <a:pt x="4355918" y="3834041"/>
-                </a:lnTo>
-                <a:lnTo>
-                  <a:pt x="4343529" y="4053789"/>
-                </a:lnTo>
-                <a:lnTo>
-                  <a:pt x="4330356" y="4264457"/>
-                </a:lnTo>
-                <a:lnTo>
-                  <a:pt x="4316556" y="4466650"/>
-                </a:lnTo>
-                <a:lnTo>
-                  <a:pt x="4301344" y="4657946"/>
-                </a:lnTo>
-                <a:lnTo>
-                  <a:pt x="4285506" y="4840767"/>
-                </a:lnTo>
-                <a:lnTo>
-                  <a:pt x="4268412" y="5010269"/>
-                </a:lnTo>
-                <a:lnTo>
-                  <a:pt x="4251633" y="5169481"/>
-                </a:lnTo>
-                <a:lnTo>
-                  <a:pt x="4234853" y="5315980"/>
-                </a:lnTo>
-                <a:lnTo>
-                  <a:pt x="4219014" y="5450371"/>
-                </a:lnTo>
-                <a:lnTo>
-                  <a:pt x="4203959" y="5569628"/>
-                </a:lnTo>
-                <a:lnTo>
-                  <a:pt x="4189689" y="5677384"/>
-                </a:lnTo>
-                <a:lnTo>
-                  <a:pt x="4177770" y="5768189"/>
-                </a:lnTo>
-                <a:lnTo>
-                  <a:pt x="4166479" y="5844465"/>
-                </a:lnTo>
-                <a:lnTo>
-                  <a:pt x="4159132" y="5892104"/>
-                </a:lnTo>
-                <a:lnTo>
-                  <a:pt x="0" y="5892104"/>
-                </a:lnTo>
-                <a:close/>
-              </a:path>
-            </a:pathLst>
-          </a:custGeom>
-          <a:solidFill>
-            <a:srgbClr val="404040"/>
-          </a:solidFill>
-          <a:ln>
-            <a:noFill/>
-          </a:ln>
-        </p:spPr>
-        <p:style>
-          <a:lnRef idx="2">
-            <a:schemeClr val="accent1">
-              <a:shade val="50000"/>
-            </a:schemeClr>
-          </a:lnRef>
-          <a:fillRef idx="1">
-            <a:schemeClr val="accent1"/>
-          </a:fillRef>
-          <a:effectRef idx="0">
-            <a:schemeClr val="accent1"/>
-          </a:effectRef>
-          <a:fontRef idx="minor">
-            <a:schemeClr val="lt1"/>
-          </a:fontRef>
-        </p:style>
-        <p:txBody>
-          <a:bodyPr wrap="square" rtlCol="0" anchor="ctr">
-            <a:noAutofit/>
-          </a:bodyPr>
-          <a:lstStyle/>
-          <a:p>
-            <a:pPr marL="0" marR="0" lvl="0" indent="0" algn="ctr" defTabSz="457200" rtl="0" eaLnBrk="1" fontAlgn="auto" latinLnBrk="0" hangingPunct="1">
-              <a:lnSpc>
-                <a:spcPct val="100000"/>
-              </a:lnSpc>
-              <a:spcBef>
-                <a:spcPts val="0"/>
-              </a:spcBef>
-              <a:spcAft>
-                <a:spcPts val="0"/>
-              </a:spcAft>
-              <a:buClrTx/>
-              <a:buSzTx/>
-              <a:buFontTx/>
-              <a:buNone/>
-              <a:tabLst/>
-              <a:defRPr/>
-            </a:pPr>
-            <a:endParaRPr kumimoji="0" lang="en-US" sz="1800" b="0" i="0" u="none" strike="noStrike" kern="1200" cap="none" spc="0" normalizeH="0" baseline="0" noProof="0">
-              <a:ln>
-                <a:noFill/>
-              </a:ln>
-              <a:solidFill>
-                <a:prstClr val="white"/>
-              </a:solidFill>
-              <a:effectLst/>
-              <a:uLnTx/>
-              <a:uFillTx/>
-              <a:latin typeface="Calibri" panose="020F0502020204030204"/>
-              <a:ea typeface="+mn-ea"/>
-              <a:cs typeface="+mn-cs"/>
-            </a:endParaRPr>
-          </a:p>
-        </p:txBody>
-      </p:sp>
-      <p:sp>
-        <p:nvSpPr>
           <p:cNvPr id="2" name="Title 1">
             <a:extLst>
               <a:ext uri="{FF2B5EF4-FFF2-40B4-BE49-F238E27FC236}">
-                <a16:creationId xmlns:a16="http://schemas.microsoft.com/office/drawing/2014/main" id="{2F8A7BDA-6EC3-5642-BF77-F8618978186E}"/>
+                <a16:creationId xmlns:a16="http://schemas.microsoft.com/office/drawing/2014/main" id="{61450426-FE2A-274F-97D4-0BFE7FDFF67C}"/>
               </a:ext>
             </a:extLst>
           </p:cNvPr>
@@ -29692,8 +30265,8 @@
         </p:nvSpPr>
         <p:spPr>
           <a:xfrm>
-            <a:off x="484096" y="1012004"/>
-            <a:ext cx="4381009" cy="4795408"/>
+            <a:off x="838200" y="365125"/>
+            <a:ext cx="10515600" cy="1325563"/>
           </a:xfrm>
         </p:spPr>
         <p:txBody>
@@ -29704,23 +30277,32 @@
           <a:p>
             <a:pPr algn="ctr"/>
             <a:r>
-              <a:rPr lang="en-US" sz="6600" b="1" dirty="0">
+              <a:rPr lang="en-US" sz="5400" b="1" dirty="0">
                 <a:solidFill>
-                  <a:srgbClr val="00B050"/>
+                  <a:schemeClr val="accent6">
+                    <a:lumMod val="50000"/>
+                  </a:schemeClr>
                 </a:solidFill>
                 <a:latin typeface="Baskerville Old Face" panose="02020602080505020303" pitchFamily="18" charset="77"/>
               </a:rPr>
               <a:t>Process “Successes”:</a:t>
             </a:r>
+            <a:endParaRPr lang="en-US" sz="5400" dirty="0">
+              <a:solidFill>
+                <a:schemeClr val="accent6">
+                  <a:lumMod val="50000"/>
+                </a:schemeClr>
+              </a:solidFill>
+            </a:endParaRPr>
           </a:p>
         </p:txBody>
       </p:sp>
       <p:graphicFrame>
         <p:nvGraphicFramePr>
-          <p:cNvPr id="15" name="Content Placeholder 2">
+          <p:cNvPr id="13" name="Content Placeholder 2">
             <a:extLst>
               <a:ext uri="{FF2B5EF4-FFF2-40B4-BE49-F238E27FC236}">
-                <a16:creationId xmlns:a16="http://schemas.microsoft.com/office/drawing/2014/main" id="{6B808EDA-29EC-4D02-B583-993B9CA2227B}"/>
+                <a16:creationId xmlns:a16="http://schemas.microsoft.com/office/drawing/2014/main" id="{DC249909-263A-4538-8E25-855054B78B3A}"/>
               </a:ext>
             </a:extLst>
           </p:cNvPr>
@@ -29731,25 +30313,25 @@
             <p:ph idx="1"/>
             <p:extLst>
               <p:ext uri="{D42A27DB-BD31-4B8C-83A1-F6EECF244321}">
-                <p14:modId xmlns:p14="http://schemas.microsoft.com/office/powerpoint/2010/main" val="3189997849"/>
+                <p14:modId xmlns:p14="http://schemas.microsoft.com/office/powerpoint/2010/main" val="437787187"/>
               </p:ext>
             </p:extLst>
           </p:nvPr>
         </p:nvGraphicFramePr>
         <p:xfrm>
-          <a:off x="5194300" y="470924"/>
-          <a:ext cx="6513604" cy="5885426"/>
+          <a:off x="463463" y="1690688"/>
+          <a:ext cx="11361107" cy="4459591"/>
         </p:xfrm>
         <a:graphic>
           <a:graphicData uri="http://schemas.openxmlformats.org/drawingml/2006/diagram">
-            <dgm:relIds xmlns:dgm="http://schemas.openxmlformats.org/drawingml/2006/diagram" xmlns:r="http://schemas.openxmlformats.org/officeDocument/2006/relationships" r:dm="rId2" r:lo="rId3" r:qs="rId4" r:cs="rId5"/>
+            <dgm:relIds xmlns:dgm="http://schemas.openxmlformats.org/drawingml/2006/diagram" xmlns:r="http://schemas.openxmlformats.org/officeDocument/2006/relationships" r:dm="rId3" r:lo="rId4" r:qs="rId5" r:cs="rId6"/>
           </a:graphicData>
         </a:graphic>
       </p:graphicFrame>
     </p:spTree>
     <p:extLst>
       <p:ext uri="{BB962C8B-B14F-4D97-AF65-F5344CB8AC3E}">
-        <p14:creationId xmlns:p14="http://schemas.microsoft.com/office/powerpoint/2010/main" val="3912475194"/>
+        <p14:creationId xmlns:p14="http://schemas.microsoft.com/office/powerpoint/2010/main" val="4200986644"/>
       </p:ext>
     </p:extLst>
   </p:cSld>
@@ -29801,7 +30383,7 @@
           </p:nvPr>
         </p:nvPicPr>
         <p:blipFill rotWithShape="1">
-          <a:blip r:embed="rId2"/>
+          <a:blip r:embed="rId3"/>
           <a:srcRect b="6250"/>
           <a:stretch/>
         </p:blipFill>
@@ -30082,7 +30664,7 @@
           <p:nvPr/>
         </p:nvPicPr>
         <p:blipFill rotWithShape="1">
-          <a:blip r:embed="rId2"/>
+          <a:blip r:embed="rId3"/>
           <a:srcRect t="9493" r="9091"/>
           <a:stretch/>
         </p:blipFill>
@@ -30222,8 +30804,8 @@
         </p:nvSpPr>
         <p:spPr>
           <a:xfrm>
-            <a:off x="115613" y="2121763"/>
-            <a:ext cx="4645573" cy="3773010"/>
+            <a:off x="115613" y="2121762"/>
+            <a:ext cx="4645573" cy="3963727"/>
           </a:xfrm>
         </p:spPr>
         <p:txBody>
@@ -30236,7 +30818,7 @@
               <a:buNone/>
             </a:pPr>
             <a:r>
-              <a:rPr lang="en-US" sz="2000" b="1" dirty="0">
+              <a:rPr lang="en-US" sz="1850" b="1" dirty="0">
                 <a:solidFill>
                   <a:srgbClr val="015053"/>
                 </a:solidFill>
@@ -30247,29 +30829,18 @@
           </a:p>
           <a:p>
             <a:r>
-              <a:rPr lang="en-US" sz="1600" dirty="0">
+              <a:rPr lang="en-US" sz="1850" dirty="0">
                 <a:solidFill>
                   <a:srgbClr val="015053"/>
                 </a:solidFill>
                 <a:latin typeface="Baskerville Old Face" panose="02020602080505020303" pitchFamily="18" charset="77"/>
               </a:rPr>
-              <a:t>This parking finder site serves to accommodate a flexible payment method in the future. So, the users usually can pay by credit card or in cash. There are also before-mentioned features as adding extra parking time or navigating back to the parked car. </a:t>
+              <a:t>This Park Me site serves to accommodate a flexible payment method in the future. So, the users usually can pay by credit card. There are also before-mentioned features as adding extra parking time or navigating back to the parked car. </a:t>
             </a:r>
           </a:p>
           <a:p>
             <a:r>
-              <a:rPr lang="en-US" sz="1600" dirty="0">
-                <a:solidFill>
-                  <a:srgbClr val="015053"/>
-                </a:solidFill>
-                <a:latin typeface="Baskerville Old Face" panose="02020602080505020303" pitchFamily="18" charset="77"/>
-              </a:rPr>
-              <a:t>This innovation allows reserving a parking spot. The user can obtain a place that fits the funds and pre-pay it on a daily, weekly, and monthly base. It provides for avoiding everyday reservations.</a:t>
-            </a:r>
-          </a:p>
-          <a:p>
-            <a:r>
-              <a:rPr lang="en-US" sz="1600" dirty="0">
+              <a:rPr lang="en-US" sz="1850" dirty="0">
                 <a:solidFill>
                   <a:srgbClr val="015053"/>
                 </a:solidFill>
@@ -30280,7 +30851,7 @@
           </a:p>
           <a:p>
             <a:r>
-              <a:rPr lang="en-US" sz="1600" dirty="0">
+              <a:rPr lang="en-US" sz="1850" dirty="0">
                 <a:solidFill>
                   <a:srgbClr val="015053"/>
                 </a:solidFill>
@@ -30407,7 +30978,7 @@
           <p:nvPr/>
         </p:nvPicPr>
         <p:blipFill rotWithShape="1">
-          <a:blip r:embed="rId2">
+          <a:blip r:embed="rId3">
             <a:alphaModFix amt="35000"/>
           </a:blip>
           <a:srcRect l="760" r="1463" b="1"/>
@@ -30760,7 +31331,7 @@
             <p:ph idx="1"/>
             <p:extLst>
               <p:ext uri="{D42A27DB-BD31-4B8C-83A1-F6EECF244321}">
-                <p14:modId xmlns:p14="http://schemas.microsoft.com/office/powerpoint/2010/main" val="4108412131"/>
+                <p14:modId xmlns:p14="http://schemas.microsoft.com/office/powerpoint/2010/main" val="3704692273"/>
               </p:ext>
             </p:extLst>
           </p:nvPr>
@@ -30771,7 +31342,7 @@
         </p:xfrm>
         <a:graphic>
           <a:graphicData uri="http://schemas.openxmlformats.org/drawingml/2006/diagram">
-            <dgm:relIds xmlns:dgm="http://schemas.openxmlformats.org/drawingml/2006/diagram" xmlns:r="http://schemas.openxmlformats.org/officeDocument/2006/relationships" r:dm="rId2" r:lo="rId3" r:qs="rId4" r:cs="rId5"/>
+            <dgm:relIds xmlns:dgm="http://schemas.openxmlformats.org/drawingml/2006/diagram" xmlns:r="http://schemas.openxmlformats.org/officeDocument/2006/relationships" r:dm="rId3" r:lo="rId4" r:qs="rId5" r:cs="rId6"/>
           </a:graphicData>
         </a:graphic>
       </p:graphicFrame>
@@ -30828,7 +31399,7 @@
           <p:nvPr/>
         </p:nvPicPr>
         <p:blipFill rotWithShape="1">
-          <a:blip r:embed="rId2"/>
+          <a:blip r:embed="rId3"/>
           <a:srcRect/>
           <a:stretch/>
         </p:blipFill>
@@ -31041,7 +31612,7 @@
           </p:nvPr>
         </p:nvPicPr>
         <p:blipFill>
-          <a:blip r:embed="rId2">
+          <a:blip r:embed="rId3">
             <a:extLst>
               <a:ext uri="{28A0092B-C50C-407E-A947-70E740481C1C}">
                 <a14:useLocalDpi xmlns:a14="http://schemas.microsoft.com/office/drawing/2010/main" val="0"/>
@@ -31265,7 +31836,7 @@
           <p:nvPr/>
         </p:nvPicPr>
         <p:blipFill rotWithShape="1">
-          <a:blip r:embed="rId3">
+          <a:blip r:embed="rId4">
             <a:alphaModFix/>
           </a:blip>
           <a:srcRect l="21041" r="25455" b="-1"/>
@@ -31425,7 +31996,7 @@
             <p:ph idx="1"/>
             <p:extLst>
               <p:ext uri="{D42A27DB-BD31-4B8C-83A1-F6EECF244321}">
-                <p14:modId xmlns:p14="http://schemas.microsoft.com/office/powerpoint/2010/main" val="2513002409"/>
+                <p14:modId xmlns:p14="http://schemas.microsoft.com/office/powerpoint/2010/main" val="1455317428"/>
               </p:ext>
             </p:extLst>
           </p:nvPr>
@@ -31436,7 +32007,7 @@
         </p:xfrm>
         <a:graphic>
           <a:graphicData uri="http://schemas.openxmlformats.org/drawingml/2006/diagram">
-            <dgm:relIds xmlns:dgm="http://schemas.openxmlformats.org/drawingml/2006/diagram" xmlns:r="http://schemas.openxmlformats.org/officeDocument/2006/relationships" r:dm="rId4" r:lo="rId5" r:qs="rId6" r:cs="rId7"/>
+            <dgm:relIds xmlns:dgm="http://schemas.openxmlformats.org/drawingml/2006/diagram" xmlns:r="http://schemas.openxmlformats.org/officeDocument/2006/relationships" r:dm="rId5" r:lo="rId6" r:qs="rId7" r:cs="rId8"/>
           </a:graphicData>
         </a:graphic>
       </p:graphicFrame>
@@ -31688,7 +32259,7 @@
             <p:ph idx="1"/>
             <p:extLst>
               <p:ext uri="{D42A27DB-BD31-4B8C-83A1-F6EECF244321}">
-                <p14:modId xmlns:p14="http://schemas.microsoft.com/office/powerpoint/2010/main" val="3159183864"/>
+                <p14:modId xmlns:p14="http://schemas.microsoft.com/office/powerpoint/2010/main" val="1315050337"/>
               </p:ext>
             </p:extLst>
           </p:nvPr>
@@ -31699,7 +32270,7 @@
         </p:xfrm>
         <a:graphic>
           <a:graphicData uri="http://schemas.openxmlformats.org/drawingml/2006/diagram">
-            <dgm:relIds xmlns:dgm="http://schemas.openxmlformats.org/drawingml/2006/diagram" xmlns:r="http://schemas.openxmlformats.org/officeDocument/2006/relationships" r:dm="rId2" r:lo="rId3" r:qs="rId4" r:cs="rId5"/>
+            <dgm:relIds xmlns:dgm="http://schemas.openxmlformats.org/drawingml/2006/diagram" xmlns:r="http://schemas.openxmlformats.org/officeDocument/2006/relationships" r:dm="rId3" r:lo="rId4" r:qs="rId5" r:cs="rId6"/>
           </a:graphicData>
         </a:graphic>
       </p:graphicFrame>
@@ -31893,7 +32464,7 @@
             <p:ph idx="1"/>
             <p:extLst>
               <p:ext uri="{D42A27DB-BD31-4B8C-83A1-F6EECF244321}">
-                <p14:modId xmlns:p14="http://schemas.microsoft.com/office/powerpoint/2010/main" val="2627061551"/>
+                <p14:modId xmlns:p14="http://schemas.microsoft.com/office/powerpoint/2010/main" val="1480613766"/>
               </p:ext>
             </p:extLst>
           </p:nvPr>
@@ -31904,7 +32475,7 @@
         </p:xfrm>
         <a:graphic>
           <a:graphicData uri="http://schemas.openxmlformats.org/drawingml/2006/diagram">
-            <dgm:relIds xmlns:dgm="http://schemas.openxmlformats.org/drawingml/2006/diagram" xmlns:r="http://schemas.openxmlformats.org/officeDocument/2006/relationships" r:dm="rId2" r:lo="rId3" r:qs="rId4" r:cs="rId5"/>
+            <dgm:relIds xmlns:dgm="http://schemas.openxmlformats.org/drawingml/2006/diagram" xmlns:r="http://schemas.openxmlformats.org/officeDocument/2006/relationships" r:dm="rId3" r:lo="rId4" r:qs="rId5" r:cs="rId6"/>
           </a:graphicData>
         </a:graphic>
       </p:graphicFrame>
@@ -32068,7 +32639,7 @@
                 </a:solidFill>
                 <a:latin typeface="Baskerville Old Face" panose="02020602080505020303" pitchFamily="18" charset="77"/>
               </a:rPr>
-              <a:t>“User story about Search Bar”:</a:t>
+              <a:t>“User story about Sign Up”:</a:t>
             </a:r>
           </a:p>
         </p:txBody>
@@ -32089,7 +32660,7 @@
             <p:ph idx="1"/>
             <p:extLst>
               <p:ext uri="{D42A27DB-BD31-4B8C-83A1-F6EECF244321}">
-                <p14:modId xmlns:p14="http://schemas.microsoft.com/office/powerpoint/2010/main" val="2125287703"/>
+                <p14:modId xmlns:p14="http://schemas.microsoft.com/office/powerpoint/2010/main" val="3597956341"/>
               </p:ext>
             </p:extLst>
           </p:nvPr>
@@ -32100,7 +32671,7 @@
         </p:xfrm>
         <a:graphic>
           <a:graphicData uri="http://schemas.openxmlformats.org/drawingml/2006/diagram">
-            <dgm:relIds xmlns:dgm="http://schemas.openxmlformats.org/drawingml/2006/diagram" xmlns:r="http://schemas.openxmlformats.org/officeDocument/2006/relationships" r:dm="rId2" r:lo="rId3" r:qs="rId4" r:cs="rId5"/>
+            <dgm:relIds xmlns:dgm="http://schemas.openxmlformats.org/drawingml/2006/diagram" xmlns:r="http://schemas.openxmlformats.org/officeDocument/2006/relationships" r:dm="rId3" r:lo="rId4" r:qs="rId5" r:cs="rId6"/>
           </a:graphicData>
         </a:graphic>
       </p:graphicFrame>
@@ -32700,7 +33271,7 @@
         </p:xfrm>
         <a:graphic>
           <a:graphicData uri="http://schemas.openxmlformats.org/drawingml/2006/diagram">
-            <dgm:relIds xmlns:dgm="http://schemas.openxmlformats.org/drawingml/2006/diagram" xmlns:r="http://schemas.openxmlformats.org/officeDocument/2006/relationships" r:dm="rId2" r:lo="rId3" r:qs="rId4" r:cs="rId5"/>
+            <dgm:relIds xmlns:dgm="http://schemas.openxmlformats.org/drawingml/2006/diagram" xmlns:r="http://schemas.openxmlformats.org/officeDocument/2006/relationships" r:dm="rId3" r:lo="rId4" r:qs="rId5" r:cs="rId6"/>
           </a:graphicData>
         </a:graphic>
       </p:graphicFrame>
@@ -32893,7 +33464,7 @@
           <p:nvPr/>
         </p:nvPicPr>
         <p:blipFill rotWithShape="1">
-          <a:blip r:embed="rId2"/>
+          <a:blip r:embed="rId3"/>
           <a:srcRect r="5249" b="1"/>
           <a:stretch/>
         </p:blipFill>
@@ -33110,7 +33681,7 @@
           <p:nvPr/>
         </p:nvPicPr>
         <p:blipFill rotWithShape="1">
-          <a:blip r:embed="rId3"/>
+          <a:blip r:embed="rId4"/>
           <a:srcRect l="3538" r="14461" b="-2"/>
           <a:stretch/>
         </p:blipFill>
@@ -33356,7 +33927,7 @@
           <p:nvPr/>
         </p:nvPicPr>
         <p:blipFill rotWithShape="1">
-          <a:blip r:embed="rId4"/>
+          <a:blip r:embed="rId5"/>
           <a:srcRect t="10720" b="19071"/>
           <a:stretch/>
         </p:blipFill>
@@ -33982,7 +34553,7 @@
           <p:nvPr/>
         </p:nvPicPr>
         <p:blipFill>
-          <a:blip r:embed="rId2"/>
+          <a:blip r:embed="rId3"/>
           <a:stretch>
             <a:fillRect/>
           </a:stretch>
@@ -34024,7 +34595,7 @@
         </p:xfrm>
         <a:graphic>
           <a:graphicData uri="http://schemas.openxmlformats.org/drawingml/2006/diagram">
-            <dgm:relIds xmlns:dgm="http://schemas.openxmlformats.org/drawingml/2006/diagram" xmlns:r="http://schemas.openxmlformats.org/officeDocument/2006/relationships" r:dm="rId3" r:lo="rId4" r:qs="rId5" r:cs="rId6"/>
+            <dgm:relIds xmlns:dgm="http://schemas.openxmlformats.org/drawingml/2006/diagram" xmlns:r="http://schemas.openxmlformats.org/officeDocument/2006/relationships" r:dm="rId4" r:lo="rId5" r:qs="rId6" r:cs="rId7"/>
           </a:graphicData>
         </a:graphic>
       </p:graphicFrame>
@@ -34141,7 +34712,7 @@
           <p:nvPr/>
         </p:nvPicPr>
         <p:blipFill rotWithShape="1">
-          <a:blip r:embed="rId2"/>
+          <a:blip r:embed="rId3"/>
           <a:srcRect r="1" b="105"/>
           <a:stretch/>
         </p:blipFill>
@@ -34774,7 +35345,7 @@
             </a:pPr>
             <a:r>
               <a:rPr lang="en-US" dirty="0"/>
-              <a:t>The searching method should be as secure as possible. For instance, the app can offer to find the closest spot in one tap.</a:t>
+              <a:t>The searching method should be as secure as possible. For instance, the app can offer to find the closest spot in one tap by asking if the user allow as to access their location.</a:t>
             </a:r>
           </a:p>
           <a:p>

--- a/Project 1 for Group2 Parking Site.pptx
+++ b/Project 1 for Group2 Parking Site.pptx
@@ -9809,13 +9809,7 @@
             <a:rPr lang="en-US" b="0" i="0" dirty="0">
               <a:hlinkClick xmlns:r="http://schemas.openxmlformats.org/officeDocument/2006/relationships" r:id="rId4"/>
             </a:rPr>
-            <a:t>https://yousiadel.github.io</a:t>
-          </a:r>
-          <a:r>
-            <a:rPr lang="en-US" b="0" i="0">
-              <a:hlinkClick xmlns:r="http://schemas.openxmlformats.org/officeDocument/2006/relationships" r:id="rId4"/>
-            </a:rPr>
-            <a:t>/Park-Me-Site/</a:t>
+            <a:t>https://yousiadel.github.io/Park-Me-Site/</a:t>
           </a:r>
           <a:endParaRPr lang="en-US" dirty="0"/>
         </a:p>
@@ -14636,13 +14630,7 @@
             <a:rPr lang="en-US" sz="1600" b="0" i="0" kern="1200" dirty="0">
               <a:hlinkClick xmlns:r="http://schemas.openxmlformats.org/officeDocument/2006/relationships" r:id="rId1"/>
             </a:rPr>
-            <a:t>https://yousiadel.github.io</a:t>
-          </a:r>
-          <a:r>
-            <a:rPr lang="en-US" sz="1600" b="0" i="0" kern="1200">
-              <a:hlinkClick xmlns:r="http://schemas.openxmlformats.org/officeDocument/2006/relationships" r:id="rId1"/>
-            </a:rPr>
-            <a:t>/Park-Me-Site/</a:t>
+            <a:t>https://yousiadel.github.io/Park-Me-Site/</a:t>
           </a:r>
           <a:endParaRPr lang="en-US" sz="1600" kern="1200" dirty="0"/>
         </a:p>
@@ -35297,19 +35285,19 @@
         </p:spPr>
         <p:txBody>
           <a:bodyPr anchor="t">
-            <a:normAutofit fontScale="62500" lnSpcReduction="20000"/>
+            <a:noAutofit/>
           </a:bodyPr>
           <a:lstStyle/>
           <a:p>
             <a:r>
-              <a:rPr lang="en-US" b="1" dirty="0">
+              <a:rPr lang="en-US" sz="2000" b="1" dirty="0">
                 <a:solidFill>
                   <a:srgbClr val="E87C42"/>
                 </a:solidFill>
               </a:rPr>
               <a:t>GPS tracking</a:t>
             </a:r>
-            <a:endParaRPr lang="en-US" dirty="0">
+            <a:endParaRPr lang="en-US" sz="2000" dirty="0">
               <a:solidFill>
                 <a:srgbClr val="E87C42"/>
               </a:solidFill>
@@ -35320,20 +35308,20 @@
               <a:buNone/>
             </a:pPr>
             <a:r>
-              <a:rPr lang="en-US" dirty="0"/>
+              <a:rPr lang="en-US" sz="2000" dirty="0"/>
               <a:t>To make the site more accessible to the users, it’s necessary to enable GPS tracking. This technology allows us to find the location of the car and determine the distance to the nearest parking lot.</a:t>
             </a:r>
           </a:p>
           <a:p>
             <a:r>
-              <a:rPr lang="en-US" b="1" dirty="0">
+              <a:rPr lang="en-US" sz="2000" b="1" dirty="0">
                 <a:solidFill>
                   <a:srgbClr val="E87C42"/>
                 </a:solidFill>
               </a:rPr>
               <a:t>Searching</a:t>
             </a:r>
-            <a:endParaRPr lang="en-US" dirty="0">
+            <a:endParaRPr lang="en-US" sz="2000" dirty="0">
               <a:solidFill>
                 <a:srgbClr val="E87C42"/>
               </a:solidFill>
@@ -35344,36 +35332,9 @@
               <a:buNone/>
             </a:pPr>
             <a:r>
-              <a:rPr lang="en-US" dirty="0"/>
+              <a:rPr lang="en-US" sz="2000" dirty="0"/>
               <a:t>The searching method should be as secure as possible. For instance, the app can offer to find the closest spot in one tap by asking if the user allow as to access their location.</a:t>
             </a:r>
-          </a:p>
-          <a:p>
-            <a:r>
-              <a:rPr lang="en-US" b="1" dirty="0">
-                <a:solidFill>
-                  <a:srgbClr val="E87C42"/>
-                </a:solidFill>
-              </a:rPr>
-              <a:t>Heat map</a:t>
-            </a:r>
-            <a:endParaRPr lang="en-US" dirty="0">
-              <a:solidFill>
-                <a:srgbClr val="E87C42"/>
-              </a:solidFill>
-            </a:endParaRPr>
-          </a:p>
-          <a:p>
-            <a:pPr marL="0" indent="0">
-              <a:buNone/>
-            </a:pPr>
-            <a:r>
-              <a:rPr lang="en-US" dirty="0"/>
-              <a:t>The application can determine the most energetic routes in the real-time mode. Based on this information, users can plan for their bookings.</a:t>
-            </a:r>
-          </a:p>
-          <a:p>
-            <a:endParaRPr lang="en-US" sz="1300" dirty="0"/>
           </a:p>
         </p:txBody>
       </p:sp>

--- a/Project 1 for Group2 Parking Site.pptx
+++ b/Project 1 for Group2 Parking Site.pptx
@@ -17,7 +17,7 @@
     <p:sldId id="259" r:id="rId8"/>
     <p:sldId id="269" r:id="rId9"/>
     <p:sldId id="270" r:id="rId10"/>
-    <p:sldId id="272" r:id="rId11"/>
+    <p:sldId id="271" r:id="rId11"/>
     <p:sldId id="260" r:id="rId12"/>
     <p:sldId id="261" r:id="rId13"/>
     <p:sldId id="268" r:id="rId14"/>
@@ -5235,15 +5235,15 @@
 </file>
 
 <file path=ppt/diagrams/colors7.xml><?xml version="1.0" encoding="utf-8"?>
-<dgm:colorsDef xmlns:dgm="http://schemas.openxmlformats.org/drawingml/2006/diagram" xmlns:a="http://schemas.openxmlformats.org/drawingml/2006/main" uniqueId="urn:microsoft.com/office/officeart/2018/5/colors/Iconchunking_neutralicon_accent4_2">
+<dgm:colorsDef xmlns:dgm="http://schemas.openxmlformats.org/drawingml/2006/diagram" xmlns:a="http://schemas.openxmlformats.org/drawingml/2006/main" uniqueId="urn:microsoft.com/office/officeart/2018/5/colors/Iconchunking_neutralicontext_colorful1">
   <dgm:title val=""/>
   <dgm:desc val=""/>
   <dgm:catLst>
-    <dgm:cat type="accent4" pri="14200"/>
+    <dgm:cat type="colorful" pri="10100"/>
   </dgm:catLst>
   <dgm:styleLbl name="node0">
     <dgm:fillClrLst meth="repeat">
-      <a:schemeClr val="accent4"/>
+      <a:schemeClr val="accent1"/>
     </dgm:fillClrLst>
     <dgm:linClrLst meth="repeat">
       <a:schemeClr val="lt1"/>
@@ -5271,10 +5271,18 @@
   </dgm:styleLbl>
   <dgm:styleLbl name="alignNode1">
     <dgm:fillClrLst meth="repeat">
+      <a:schemeClr val="accent2"/>
+      <a:schemeClr val="accent3"/>
       <a:schemeClr val="accent4"/>
+      <a:schemeClr val="accent5"/>
+      <a:schemeClr val="accent6"/>
     </dgm:fillClrLst>
     <dgm:linClrLst meth="repeat">
+      <a:schemeClr val="accent2"/>
+      <a:schemeClr val="accent3"/>
       <a:schemeClr val="accent4"/>
+      <a:schemeClr val="accent5"/>
+      <a:schemeClr val="accent6"/>
     </dgm:linClrLst>
     <dgm:effectClrLst/>
     <dgm:txLinClrLst/>
@@ -5283,7 +5291,11 @@
   </dgm:styleLbl>
   <dgm:styleLbl name="lnNode1">
     <dgm:fillClrLst meth="repeat">
+      <a:schemeClr val="accent2"/>
+      <a:schemeClr val="accent3"/>
       <a:schemeClr val="accent4"/>
+      <a:schemeClr val="accent5"/>
+      <a:schemeClr val="accent6"/>
     </dgm:fillClrLst>
     <dgm:linClrLst meth="repeat">
       <a:schemeClr val="lt1"/>
@@ -5295,9 +5307,21 @@
   </dgm:styleLbl>
   <dgm:styleLbl name="vennNode1">
     <dgm:fillClrLst meth="repeat">
+      <a:schemeClr val="accent2">
+        <a:alpha val="50000"/>
+      </a:schemeClr>
+      <a:schemeClr val="accent3">
+        <a:alpha val="50000"/>
+      </a:schemeClr>
       <a:schemeClr val="accent4">
         <a:alpha val="50000"/>
       </a:schemeClr>
+      <a:schemeClr val="accent5">
+        <a:alpha val="50000"/>
+      </a:schemeClr>
+      <a:schemeClr val="accent6">
+        <a:alpha val="50000"/>
+      </a:schemeClr>
     </dgm:fillClrLst>
     <dgm:linClrLst meth="repeat">
       <a:schemeClr val="lt1"/>
@@ -5308,8 +5332,8 @@
     <dgm:txEffectClrLst/>
   </dgm:styleLbl>
   <dgm:styleLbl name="node2">
-    <dgm:fillClrLst meth="repeat">
-      <a:schemeClr val="accent4"/>
+    <dgm:fillClrLst>
+      <a:schemeClr val="accent2"/>
     </dgm:fillClrLst>
     <dgm:linClrLst meth="repeat">
       <a:schemeClr val="lt1"/>
@@ -5320,8 +5344,8 @@
     <dgm:txEffectClrLst/>
   </dgm:styleLbl>
   <dgm:styleLbl name="node3">
-    <dgm:fillClrLst meth="repeat">
-      <a:schemeClr val="accent4"/>
+    <dgm:fillClrLst>
+      <a:schemeClr val="accent3"/>
     </dgm:fillClrLst>
     <dgm:linClrLst meth="repeat">
       <a:schemeClr val="lt1"/>
@@ -5332,7 +5356,7 @@
     <dgm:txEffectClrLst/>
   </dgm:styleLbl>
   <dgm:styleLbl name="node4">
-    <dgm:fillClrLst meth="repeat">
+    <dgm:fillClrLst>
       <a:schemeClr val="accent4"/>
     </dgm:fillClrLst>
     <dgm:linClrLst meth="repeat">
@@ -5345,7 +5369,19 @@
   </dgm:styleLbl>
   <dgm:styleLbl name="fgImgPlace1">
     <dgm:fillClrLst meth="repeat">
+      <a:schemeClr val="accent2">
+        <a:tint val="50000"/>
+      </a:schemeClr>
+      <a:schemeClr val="accent3">
+        <a:tint val="50000"/>
+      </a:schemeClr>
       <a:schemeClr val="accent4">
+        <a:tint val="50000"/>
+      </a:schemeClr>
+      <a:schemeClr val="accent5">
+        <a:tint val="50000"/>
+      </a:schemeClr>
+      <a:schemeClr val="accent6">
         <a:tint val="50000"/>
       </a:schemeClr>
     </dgm:fillClrLst>
@@ -5360,9 +5396,12 @@
     <dgm:txEffectClrLst/>
   </dgm:styleLbl>
   <dgm:styleLbl name="alignImgPlace1">
-    <dgm:fillClrLst meth="repeat">
-      <a:schemeClr val="accent4">
+    <dgm:fillClrLst>
+      <a:schemeClr val="accent1">
         <a:tint val="50000"/>
+      </a:schemeClr>
+      <a:schemeClr val="accent2">
+        <a:tint val="20000"/>
       </a:schemeClr>
     </dgm:fillClrLst>
     <dgm:linClrLst meth="repeat">
@@ -5376,9 +5415,12 @@
     <dgm:txEffectClrLst/>
   </dgm:styleLbl>
   <dgm:styleLbl name="bgImgPlace1">
-    <dgm:fillClrLst meth="repeat">
-      <a:schemeClr val="accent4">
+    <dgm:fillClrLst>
+      <a:schemeClr val="accent1">
         <a:tint val="50000"/>
+      </a:schemeClr>
+      <a:schemeClr val="accent2">
+        <a:tint val="20000"/>
       </a:schemeClr>
     </dgm:fillClrLst>
     <dgm:linClrLst meth="repeat">
@@ -5393,14 +5435,14 @@
   </dgm:styleLbl>
   <dgm:styleLbl name="sibTrans2D1">
     <dgm:fillClrLst meth="repeat">
-      <a:schemeClr val="accent4">
-        <a:tint val="60000"/>
-      </a:schemeClr>
-    </dgm:fillClrLst>
-    <dgm:linClrLst meth="repeat">
-      <a:schemeClr val="accent4">
-        <a:tint val="60000"/>
-      </a:schemeClr>
+      <a:schemeClr val="accent2"/>
+      <a:schemeClr val="accent3"/>
+      <a:schemeClr val="accent4"/>
+      <a:schemeClr val="accent5"/>
+      <a:schemeClr val="accent6"/>
+    </dgm:fillClrLst>
+    <dgm:linClrLst meth="cycle">
+      <a:schemeClr val="lt1"/>
     </dgm:linClrLst>
     <dgm:effectClrLst/>
     <dgm:txLinClrLst/>
@@ -5409,42 +5451,54 @@
   </dgm:styleLbl>
   <dgm:styleLbl name="fgSibTrans2D1">
     <dgm:fillClrLst meth="repeat">
-      <a:schemeClr val="accent4">
-        <a:tint val="60000"/>
-      </a:schemeClr>
-    </dgm:fillClrLst>
-    <dgm:linClrLst meth="repeat">
-      <a:schemeClr val="accent4">
-        <a:tint val="60000"/>
-      </a:schemeClr>
-    </dgm:linClrLst>
-    <dgm:effectClrLst/>
-    <dgm:txLinClrLst/>
-    <dgm:txFillClrLst/>
+      <a:schemeClr val="accent2"/>
+      <a:schemeClr val="accent3"/>
+      <a:schemeClr val="accent4"/>
+      <a:schemeClr val="accent5"/>
+      <a:schemeClr val="accent6"/>
+    </dgm:fillClrLst>
+    <dgm:linClrLst meth="cycle">
+      <a:schemeClr val="lt1"/>
+    </dgm:linClrLst>
+    <dgm:effectClrLst/>
+    <dgm:txLinClrLst/>
+    <dgm:txFillClrLst meth="repeat">
+      <a:schemeClr val="lt1"/>
+    </dgm:txFillClrLst>
     <dgm:txEffectClrLst/>
   </dgm:styleLbl>
   <dgm:styleLbl name="bgSibTrans2D1">
     <dgm:fillClrLst meth="repeat">
-      <a:schemeClr val="accent4">
-        <a:tint val="60000"/>
-      </a:schemeClr>
-    </dgm:fillClrLst>
-    <dgm:linClrLst meth="repeat">
-      <a:schemeClr val="accent4">
-        <a:tint val="60000"/>
-      </a:schemeClr>
-    </dgm:linClrLst>
-    <dgm:effectClrLst/>
-    <dgm:txLinClrLst/>
-    <dgm:txFillClrLst/>
+      <a:schemeClr val="accent2"/>
+      <a:schemeClr val="accent3"/>
+      <a:schemeClr val="accent4"/>
+      <a:schemeClr val="accent5"/>
+      <a:schemeClr val="accent6"/>
+    </dgm:fillClrLst>
+    <dgm:linClrLst meth="cycle">
+      <a:schemeClr val="lt1"/>
+    </dgm:linClrLst>
+    <dgm:effectClrLst/>
+    <dgm:txLinClrLst/>
+    <dgm:txFillClrLst meth="repeat">
+      <a:schemeClr val="lt1"/>
+    </dgm:txFillClrLst>
     <dgm:txEffectClrLst/>
   </dgm:styleLbl>
   <dgm:styleLbl name="sibTrans1D1">
     <dgm:fillClrLst meth="repeat">
+      <a:schemeClr val="accent2"/>
+      <a:schemeClr val="accent3"/>
       <a:schemeClr val="accent4"/>
+      <a:schemeClr val="accent5"/>
+      <a:schemeClr val="accent6"/>
     </dgm:fillClrLst>
     <dgm:linClrLst meth="repeat">
+      <a:schemeClr val="accent2"/>
+      <a:schemeClr val="accent3"/>
       <a:schemeClr val="accent4"/>
+      <a:schemeClr val="accent5"/>
+      <a:schemeClr val="accent6"/>
     </dgm:linClrLst>
     <dgm:effectClrLst/>
     <dgm:txLinClrLst/>
@@ -5455,10 +5509,10 @@
   </dgm:styleLbl>
   <dgm:styleLbl name="callout">
     <dgm:fillClrLst meth="repeat">
-      <a:schemeClr val="accent4"/>
+      <a:schemeClr val="accent2"/>
     </dgm:fillClrLst>
     <dgm:linClrLst meth="repeat">
-      <a:schemeClr val="accent4">
+      <a:schemeClr val="accent2">
         <a:tint val="50000"/>
       </a:schemeClr>
     </dgm:linClrLst>
@@ -5471,7 +5525,7 @@
   </dgm:styleLbl>
   <dgm:styleLbl name="asst0">
     <dgm:fillClrLst meth="repeat">
-      <a:schemeClr val="accent4"/>
+      <a:schemeClr val="accent1"/>
     </dgm:fillClrLst>
     <dgm:linClrLst meth="repeat">
       <a:schemeClr val="lt1"/>
@@ -5483,7 +5537,7 @@
   </dgm:styleLbl>
   <dgm:styleLbl name="asst1">
     <dgm:fillClrLst meth="repeat">
-      <a:schemeClr val="accent4"/>
+      <a:schemeClr val="accent2"/>
     </dgm:fillClrLst>
     <dgm:linClrLst meth="repeat">
       <a:schemeClr val="lt1"/>
@@ -5494,8 +5548,8 @@
     <dgm:txEffectClrLst/>
   </dgm:styleLbl>
   <dgm:styleLbl name="asst2">
-    <dgm:fillClrLst meth="repeat">
-      <a:schemeClr val="accent4"/>
+    <dgm:fillClrLst>
+      <a:schemeClr val="accent3"/>
     </dgm:fillClrLst>
     <dgm:linClrLst meth="repeat">
       <a:schemeClr val="lt1"/>
@@ -5506,7 +5560,7 @@
     <dgm:txEffectClrLst/>
   </dgm:styleLbl>
   <dgm:styleLbl name="asst3">
-    <dgm:fillClrLst meth="repeat">
+    <dgm:fillClrLst>
       <a:schemeClr val="accent4"/>
     </dgm:fillClrLst>
     <dgm:linClrLst meth="repeat">
@@ -5518,8 +5572,8 @@
     <dgm:txEffectClrLst/>
   </dgm:styleLbl>
   <dgm:styleLbl name="asst4">
-    <dgm:fillClrLst meth="repeat">
-      <a:schemeClr val="accent4"/>
+    <dgm:fillClrLst>
+      <a:schemeClr val="accent5"/>
     </dgm:fillClrLst>
     <dgm:linClrLst meth="repeat">
       <a:schemeClr val="lt1"/>
@@ -5531,14 +5585,10 @@
   </dgm:styleLbl>
   <dgm:styleLbl name="parChTrans2D1">
     <dgm:fillClrLst meth="repeat">
-      <a:schemeClr val="accent4">
-        <a:tint val="60000"/>
-      </a:schemeClr>
+      <a:schemeClr val="accent2"/>
     </dgm:fillClrLst>
     <dgm:linClrLst meth="repeat">
-      <a:schemeClr val="accent4">
-        <a:tint val="60000"/>
-      </a:schemeClr>
+      <a:schemeClr val="lt1"/>
     </dgm:linClrLst>
     <dgm:effectClrLst/>
     <dgm:txLinClrLst/>
@@ -5549,10 +5599,34 @@
   </dgm:styleLbl>
   <dgm:styleLbl name="parChTrans2D2">
     <dgm:fillClrLst meth="repeat">
+      <a:schemeClr val="accent3"/>
+    </dgm:fillClrLst>
+    <dgm:linClrLst meth="repeat">
+      <a:schemeClr val="lt1"/>
+    </dgm:linClrLst>
+    <dgm:effectClrLst/>
+    <dgm:txLinClrLst/>
+    <dgm:txFillClrLst/>
+    <dgm:txEffectClrLst/>
+  </dgm:styleLbl>
+  <dgm:styleLbl name="parChTrans2D3">
+    <dgm:fillClrLst meth="repeat">
       <a:schemeClr val="accent4"/>
     </dgm:fillClrLst>
     <dgm:linClrLst meth="repeat">
-      <a:schemeClr val="accent4"/>
+      <a:schemeClr val="lt1"/>
+    </dgm:linClrLst>
+    <dgm:effectClrLst/>
+    <dgm:txLinClrLst/>
+    <dgm:txFillClrLst/>
+    <dgm:txEffectClrLst/>
+  </dgm:styleLbl>
+  <dgm:styleLbl name="parChTrans2D4">
+    <dgm:fillClrLst meth="repeat">
+      <a:schemeClr val="accent5"/>
+    </dgm:fillClrLst>
+    <dgm:linClrLst meth="repeat">
+      <a:schemeClr val="lt1"/>
     </dgm:linClrLst>
     <dgm:effectClrLst/>
     <dgm:txLinClrLst/>
@@ -5561,42 +5635,12 @@
     </dgm:txFillClrLst>
     <dgm:txEffectClrLst/>
   </dgm:styleLbl>
-  <dgm:styleLbl name="parChTrans2D3">
-    <dgm:fillClrLst meth="repeat">
-      <a:schemeClr val="accent4"/>
-    </dgm:fillClrLst>
-    <dgm:linClrLst meth="repeat">
-      <a:schemeClr val="accent4"/>
-    </dgm:linClrLst>
-    <dgm:effectClrLst/>
-    <dgm:txLinClrLst/>
-    <dgm:txFillClrLst meth="repeat">
-      <a:schemeClr val="lt1"/>
-    </dgm:txFillClrLst>
-    <dgm:txEffectClrLst/>
-  </dgm:styleLbl>
-  <dgm:styleLbl name="parChTrans2D4">
-    <dgm:fillClrLst meth="repeat">
-      <a:schemeClr val="accent4"/>
-    </dgm:fillClrLst>
-    <dgm:linClrLst meth="repeat">
-      <a:schemeClr val="accent4"/>
-    </dgm:linClrLst>
-    <dgm:effectClrLst/>
-    <dgm:txLinClrLst/>
-    <dgm:txFillClrLst meth="repeat">
-      <a:schemeClr val="lt1"/>
-    </dgm:txFillClrLst>
-    <dgm:txEffectClrLst/>
-  </dgm:styleLbl>
   <dgm:styleLbl name="parChTrans1D1">
     <dgm:fillClrLst meth="repeat">
-      <a:schemeClr val="accent4"/>
+      <a:schemeClr val="accent2"/>
     </dgm:fillClrLst>
     <dgm:linClrLst meth="repeat">
-      <a:schemeClr val="accent4">
-        <a:shade val="60000"/>
-      </a:schemeClr>
+      <a:schemeClr val="accent1"/>
     </dgm:linClrLst>
     <dgm:effectClrLst/>
     <dgm:txLinClrLst/>
@@ -5607,12 +5651,12 @@
   </dgm:styleLbl>
   <dgm:styleLbl name="parChTrans1D2">
     <dgm:fillClrLst meth="repeat">
-      <a:schemeClr val="accent4"/>
+      <a:schemeClr val="accent3">
+        <a:tint val="90000"/>
+      </a:schemeClr>
     </dgm:fillClrLst>
     <dgm:linClrLst meth="repeat">
-      <a:schemeClr val="accent4">
-        <a:shade val="60000"/>
-      </a:schemeClr>
+      <a:schemeClr val="accent2"/>
     </dgm:linClrLst>
     <dgm:effectClrLst/>
     <dgm:txLinClrLst/>
@@ -5623,12 +5667,12 @@
   </dgm:styleLbl>
   <dgm:styleLbl name="parChTrans1D3">
     <dgm:fillClrLst meth="repeat">
-      <a:schemeClr val="accent4"/>
+      <a:schemeClr val="accent4">
+        <a:tint val="70000"/>
+      </a:schemeClr>
     </dgm:fillClrLst>
     <dgm:linClrLst meth="repeat">
-      <a:schemeClr val="accent4">
-        <a:shade val="80000"/>
-      </a:schemeClr>
+      <a:schemeClr val="accent3"/>
     </dgm:linClrLst>
     <dgm:effectClrLst/>
     <dgm:txLinClrLst/>
@@ -5639,12 +5683,12 @@
   </dgm:styleLbl>
   <dgm:styleLbl name="parChTrans1D4">
     <dgm:fillClrLst meth="repeat">
+      <a:schemeClr val="accent5">
+        <a:tint val="50000"/>
+      </a:schemeClr>
+    </dgm:fillClrLst>
+    <dgm:linClrLst meth="repeat">
       <a:schemeClr val="accent4"/>
-    </dgm:fillClrLst>
-    <dgm:linClrLst meth="repeat">
-      <a:schemeClr val="accent4">
-        <a:shade val="80000"/>
-      </a:schemeClr>
     </dgm:linClrLst>
     <dgm:effectClrLst/>
     <dgm:txLinClrLst/>
@@ -5660,7 +5704,11 @@
       </a:schemeClr>
     </dgm:fillClrLst>
     <dgm:linClrLst meth="repeat">
+      <a:schemeClr val="accent2"/>
+      <a:schemeClr val="accent3"/>
       <a:schemeClr val="accent4"/>
+      <a:schemeClr val="accent5"/>
+      <a:schemeClr val="accent6"/>
     </dgm:linClrLst>
     <dgm:effectClrLst/>
     <dgm:txLinClrLst/>
@@ -5676,7 +5724,11 @@
       </a:schemeClr>
     </dgm:fillClrLst>
     <dgm:linClrLst meth="repeat">
+      <a:schemeClr val="accent2"/>
+      <a:schemeClr val="accent3"/>
       <a:schemeClr val="accent4"/>
+      <a:schemeClr val="accent5"/>
+      <a:schemeClr val="accent6"/>
     </dgm:linClrLst>
     <dgm:effectClrLst/>
     <dgm:txLinClrLst/>
@@ -5692,7 +5744,11 @@
       </a:schemeClr>
     </dgm:fillClrLst>
     <dgm:linClrLst meth="repeat">
+      <a:schemeClr val="accent2"/>
+      <a:schemeClr val="accent3"/>
       <a:schemeClr val="accent4"/>
+      <a:schemeClr val="accent5"/>
+      <a:schemeClr val="accent6"/>
     </dgm:linClrLst>
     <dgm:effectClrLst/>
     <dgm:txLinClrLst/>
@@ -5708,7 +5764,7 @@
       </a:schemeClr>
     </dgm:fillClrLst>
     <dgm:linClrLst meth="repeat">
-      <a:schemeClr val="accent4"/>
+      <a:schemeClr val="accent1"/>
     </dgm:linClrLst>
     <dgm:effectClrLst/>
     <dgm:txLinClrLst/>
@@ -5724,7 +5780,11 @@
       </a:schemeClr>
     </dgm:fillClrLst>
     <dgm:linClrLst meth="repeat">
+      <a:schemeClr val="accent2"/>
+      <a:schemeClr val="accent3"/>
       <a:schemeClr val="accent4"/>
+      <a:schemeClr val="accent5"/>
+      <a:schemeClr val="accent6"/>
     </dgm:linClrLst>
     <dgm:effectClrLst/>
     <dgm:txLinClrLst/>
@@ -5738,7 +5798,11 @@
       <a:schemeClr val="lt1"/>
     </dgm:fillClrLst>
     <dgm:linClrLst meth="repeat">
+      <a:schemeClr val="accent2"/>
+      <a:schemeClr val="accent3"/>
       <a:schemeClr val="accent4"/>
+      <a:schemeClr val="accent5"/>
+      <a:schemeClr val="accent6"/>
     </dgm:linClrLst>
     <dgm:effectClrLst/>
     <dgm:txLinClrLst/>
@@ -5752,7 +5816,11 @@
       <a:schemeClr val="lt1"/>
     </dgm:fillClrLst>
     <dgm:linClrLst meth="repeat">
+      <a:schemeClr val="accent2"/>
+      <a:schemeClr val="accent3"/>
       <a:schemeClr val="accent4"/>
+      <a:schemeClr val="accent5"/>
+      <a:schemeClr val="accent6"/>
     </dgm:linClrLst>
     <dgm:effectClrLst/>
     <dgm:txLinClrLst/>
@@ -5766,7 +5834,11 @@
       <a:schemeClr val="lt1"/>
     </dgm:fillClrLst>
     <dgm:linClrLst meth="repeat">
+      <a:schemeClr val="accent2"/>
+      <a:schemeClr val="accent3"/>
       <a:schemeClr val="accent4"/>
+      <a:schemeClr val="accent5"/>
+      <a:schemeClr val="accent6"/>
     </dgm:linClrLst>
     <dgm:effectClrLst/>
     <dgm:txLinClrLst/>
@@ -5777,15 +5849,47 @@
   </dgm:styleLbl>
   <dgm:styleLbl name="fgAccFollowNode1">
     <dgm:fillClrLst meth="repeat">
+      <a:schemeClr val="accent2">
+        <a:tint val="40000"/>
+        <a:alpha val="90000"/>
+      </a:schemeClr>
+      <a:schemeClr val="accent3">
+        <a:tint val="40000"/>
+        <a:alpha val="90000"/>
+      </a:schemeClr>
       <a:schemeClr val="accent4">
+        <a:tint val="40000"/>
         <a:alpha val="90000"/>
+      </a:schemeClr>
+      <a:schemeClr val="accent5">
         <a:tint val="40000"/>
+        <a:alpha val="90000"/>
+      </a:schemeClr>
+      <a:schemeClr val="accent6">
+        <a:tint val="40000"/>
+        <a:alpha val="90000"/>
       </a:schemeClr>
     </dgm:fillClrLst>
     <dgm:linClrLst meth="repeat">
+      <a:schemeClr val="accent2">
+        <a:tint val="40000"/>
+        <a:alpha val="90000"/>
+      </a:schemeClr>
+      <a:schemeClr val="accent3">
+        <a:tint val="40000"/>
+        <a:alpha val="90000"/>
+      </a:schemeClr>
       <a:schemeClr val="accent4">
+        <a:tint val="40000"/>
         <a:alpha val="90000"/>
+      </a:schemeClr>
+      <a:schemeClr val="accent5">
         <a:tint val="40000"/>
+        <a:alpha val="90000"/>
+      </a:schemeClr>
+      <a:schemeClr val="accent6">
+        <a:tint val="40000"/>
+        <a:alpha val="90000"/>
       </a:schemeClr>
     </dgm:linClrLst>
     <dgm:effectClrLst/>
@@ -5797,15 +5901,47 @@
   </dgm:styleLbl>
   <dgm:styleLbl name="alignAccFollowNode1">
     <dgm:fillClrLst meth="repeat">
+      <a:schemeClr val="accent2">
+        <a:tint val="40000"/>
+        <a:alpha val="90000"/>
+      </a:schemeClr>
+      <a:schemeClr val="accent3">
+        <a:tint val="40000"/>
+        <a:alpha val="90000"/>
+      </a:schemeClr>
       <a:schemeClr val="accent4">
+        <a:tint val="40000"/>
         <a:alpha val="90000"/>
+      </a:schemeClr>
+      <a:schemeClr val="accent5">
         <a:tint val="40000"/>
+        <a:alpha val="90000"/>
+      </a:schemeClr>
+      <a:schemeClr val="accent6">
+        <a:tint val="40000"/>
+        <a:alpha val="90000"/>
       </a:schemeClr>
     </dgm:fillClrLst>
     <dgm:linClrLst meth="repeat">
+      <a:schemeClr val="accent2">
+        <a:tint val="40000"/>
+        <a:alpha val="90000"/>
+      </a:schemeClr>
+      <a:schemeClr val="accent3">
+        <a:tint val="40000"/>
+        <a:alpha val="90000"/>
+      </a:schemeClr>
       <a:schemeClr val="accent4">
+        <a:tint val="40000"/>
         <a:alpha val="90000"/>
+      </a:schemeClr>
+      <a:schemeClr val="accent5">
         <a:tint val="40000"/>
+        <a:alpha val="90000"/>
+      </a:schemeClr>
+      <a:schemeClr val="accent6">
+        <a:tint val="40000"/>
+        <a:alpha val="90000"/>
       </a:schemeClr>
     </dgm:linClrLst>
     <dgm:effectClrLst/>
@@ -5817,15 +5953,47 @@
   </dgm:styleLbl>
   <dgm:styleLbl name="bgAccFollowNode1">
     <dgm:fillClrLst meth="repeat">
+      <a:schemeClr val="accent2">
+        <a:tint val="40000"/>
+        <a:alpha val="90000"/>
+      </a:schemeClr>
+      <a:schemeClr val="accent3">
+        <a:tint val="40000"/>
+        <a:alpha val="90000"/>
+      </a:schemeClr>
       <a:schemeClr val="accent4">
+        <a:tint val="40000"/>
         <a:alpha val="90000"/>
+      </a:schemeClr>
+      <a:schemeClr val="accent5">
         <a:tint val="40000"/>
+        <a:alpha val="90000"/>
+      </a:schemeClr>
+      <a:schemeClr val="accent6">
+        <a:tint val="40000"/>
+        <a:alpha val="90000"/>
       </a:schemeClr>
     </dgm:fillClrLst>
     <dgm:linClrLst meth="repeat">
+      <a:schemeClr val="accent2">
+        <a:tint val="40000"/>
+        <a:alpha val="90000"/>
+      </a:schemeClr>
+      <a:schemeClr val="accent3">
+        <a:tint val="40000"/>
+        <a:alpha val="90000"/>
+      </a:schemeClr>
       <a:schemeClr val="accent4">
+        <a:tint val="40000"/>
         <a:alpha val="90000"/>
+      </a:schemeClr>
+      <a:schemeClr val="accent5">
         <a:tint val="40000"/>
+        <a:alpha val="90000"/>
+      </a:schemeClr>
+      <a:schemeClr val="accent6">
+        <a:tint val="40000"/>
+        <a:alpha val="90000"/>
       </a:schemeClr>
     </dgm:linClrLst>
     <dgm:effectClrLst/>
@@ -5841,8 +6009,8 @@
         <a:alpha val="90000"/>
       </a:schemeClr>
     </dgm:fillClrLst>
-    <dgm:linClrLst meth="repeat">
-      <a:schemeClr val="accent4"/>
+    <dgm:linClrLst>
+      <a:schemeClr val="accent1"/>
     </dgm:linClrLst>
     <dgm:effectClrLst/>
     <dgm:txLinClrLst/>
@@ -5857,8 +6025,8 @@
         <a:alpha val="90000"/>
       </a:schemeClr>
     </dgm:fillClrLst>
-    <dgm:linClrLst meth="repeat">
-      <a:schemeClr val="accent4"/>
+    <dgm:linClrLst>
+      <a:schemeClr val="accent2"/>
     </dgm:linClrLst>
     <dgm:effectClrLst/>
     <dgm:txLinClrLst/>
@@ -5873,8 +6041,8 @@
         <a:alpha val="90000"/>
       </a:schemeClr>
     </dgm:fillClrLst>
-    <dgm:linClrLst meth="repeat">
-      <a:schemeClr val="accent4"/>
+    <dgm:linClrLst>
+      <a:schemeClr val="accent3"/>
     </dgm:linClrLst>
     <dgm:effectClrLst/>
     <dgm:txLinClrLst/>
@@ -5889,7 +6057,7 @@
         <a:alpha val="90000"/>
       </a:schemeClr>
     </dgm:fillClrLst>
-    <dgm:linClrLst meth="repeat">
+    <dgm:linClrLst>
       <a:schemeClr val="accent4"/>
     </dgm:linClrLst>
     <dgm:effectClrLst/>
@@ -5901,7 +6069,11 @@
   </dgm:styleLbl>
   <dgm:styleLbl name="bgShp">
     <dgm:fillClrLst meth="repeat">
+      <a:schemeClr val="accent2"/>
+      <a:schemeClr val="accent3"/>
       <a:schemeClr val="accent4"/>
+      <a:schemeClr val="accent5"/>
+      <a:schemeClr val="accent6"/>
     </dgm:fillClrLst>
     <dgm:linClrLst meth="repeat">
       <a:schemeClr val="lt1">
@@ -5915,12 +6087,12 @@
   </dgm:styleLbl>
   <dgm:styleLbl name="dkBgShp">
     <dgm:fillClrLst meth="repeat">
-      <a:schemeClr val="accent4">
-        <a:shade val="80000"/>
+      <a:schemeClr val="accent2">
+        <a:shade val="90000"/>
       </a:schemeClr>
     </dgm:fillClrLst>
     <dgm:linClrLst meth="repeat">
-      <a:schemeClr val="accent4"/>
+      <a:schemeClr val="dk1"/>
     </dgm:linClrLst>
     <dgm:effectClrLst/>
     <dgm:txLinClrLst/>
@@ -5931,13 +6103,13 @@
   </dgm:styleLbl>
   <dgm:styleLbl name="trBgShp">
     <dgm:fillClrLst meth="repeat">
-      <a:schemeClr val="accent4">
+      <a:schemeClr val="accent1">
         <a:tint val="50000"/>
         <a:alpha val="40000"/>
       </a:schemeClr>
     </dgm:fillClrLst>
     <dgm:linClrLst meth="repeat">
-      <a:schemeClr val="accent4"/>
+      <a:schemeClr val="accent2"/>
     </dgm:linClrLst>
     <dgm:effectClrLst/>
     <dgm:txLinClrLst/>
@@ -5948,8 +6120,8 @@
   </dgm:styleLbl>
   <dgm:styleLbl name="fgShp">
     <dgm:fillClrLst meth="repeat">
-      <a:schemeClr val="accent4">
-        <a:tint val="60000"/>
+      <a:schemeClr val="accent2">
+        <a:tint val="40000"/>
       </a:schemeClr>
     </dgm:fillClrLst>
     <dgm:linClrLst meth="repeat">
@@ -5976,7 +6148,7 @@
     <dgm:effectClrLst/>
     <dgm:txLinClrLst/>
     <dgm:txFillClrLst meth="repeat">
-      <a:schemeClr val="tx1"/>
+      <a:schemeClr val="bg1"/>
     </dgm:txFillClrLst>
     <dgm:txEffectClrLst/>
   </dgm:styleLbl>
@@ -6930,7 +7102,7 @@
             <a:rPr lang="en-US" b="0" i="0" dirty="0">
               <a:latin typeface="+mn-lt"/>
             </a:rPr>
-            <a:t>Park Me is an all-in-one Site to take the stress out of finding a place to park in 3 easy steps. Sign up for a completely free account, find a spot closest to where you need to go, and check in to your chosen garage.</a:t>
+            <a:t>Park Me is an all-in-one app to take the stress out of finding a place to park in 3 easy steps. Sign up for a completely free account, find a spot closest to where you need to go, and check in to your chosen garage.</a:t>
           </a:r>
           <a:endParaRPr lang="en-US" dirty="0">
             <a:latin typeface="+mn-lt"/>
@@ -7101,7 +7273,7 @@
   <dgm:whole/>
   <dgm:extLst>
     <a:ext uri="http://schemas.microsoft.com/office/drawing/2008/diagram">
-      <dsp:dataModelExt xmlns:dsp="http://schemas.microsoft.com/office/drawing/2008/diagram" relId="rId9" minVer="http://schemas.openxmlformats.org/drawingml/2006/diagram"/>
+      <dsp:dataModelExt xmlns:dsp="http://schemas.microsoft.com/office/drawing/2008/diagram" relId="rId8" minVer="http://schemas.openxmlformats.org/drawingml/2006/diagram"/>
     </a:ext>
   </dgm:extLst>
 </dgm:dataModel>
@@ -7130,7 +7302,7 @@
         <a:p>
           <a:r>
             <a:rPr lang="en-US" dirty="0"/>
-            <a:t>The car owner enters their location on the website. When he reaches the parking lot, a sensor will read the license plate and feed it in the database to save his place on the site “Future”. The site will then guide the owner to the dedicated spot. </a:t>
+            <a:t>The car owner enters their location on the website and books a spot. When he reaches the parking lot, a sensor will read the license plate and feed it in the database to save his place on the site. The site will then guide the owner to the dedicated spot. </a:t>
           </a:r>
         </a:p>
       </dgm:t>
@@ -7170,7 +7342,7 @@
           </a:r>
           <a:r>
             <a:rPr lang="en-US" dirty="0"/>
-            <a:t> fee is free, as we just started. For Future, we will be able to add various of payment methods.</a:t>
+            <a:t> fee is free, as we just started.</a:t>
           </a:r>
         </a:p>
       </dgm:t>
@@ -7206,7 +7378,7 @@
         <a:p>
           <a:r>
             <a:rPr lang="en-US" dirty="0"/>
-            <a:t>With the Park Me site, you will find available parking spots that are ideally located. The Park Me site gives you a perfect overview of parking spots close to your destination. Parking Me not only saves you time but allows you to plan every trip with ease and confidence.</a:t>
+            <a:t>With the Park Me site, you will find available parking spots that are ideally located. The Park Me site gives you a perfect overview of parking spots close to your destination. Parking Finder not only saves you time but allows you to plan every trip with ease and confidence.</a:t>
           </a:r>
         </a:p>
       </dgm:t>
@@ -7525,7 +7697,7 @@
   <dgm:whole/>
   <dgm:extLst>
     <a:ext uri="http://schemas.microsoft.com/office/drawing/2008/diagram">
-      <dsp:dataModelExt xmlns:dsp="http://schemas.microsoft.com/office/drawing/2008/diagram" relId="rId7" minVer="http://schemas.openxmlformats.org/drawingml/2006/diagram"/>
+      <dsp:dataModelExt xmlns:dsp="http://schemas.microsoft.com/office/drawing/2008/diagram" relId="rId6" minVer="http://schemas.openxmlformats.org/drawingml/2006/diagram"/>
     </a:ext>
   </dgm:extLst>
 </dgm:dataModel>
@@ -7535,7 +7707,7 @@
 <dgm:dataModel xmlns:dgm="http://schemas.openxmlformats.org/drawingml/2006/diagram" xmlns:a="http://schemas.openxmlformats.org/drawingml/2006/main">
   <dgm:ptLst>
     <dgm:pt modelId="{48794357-102F-41FD-819E-EB7D203661BE}" type="doc">
-      <dgm:prSet loTypeId="urn:microsoft.com/office/officeart/2005/8/layout/process1" loCatId="process" qsTypeId="urn:microsoft.com/office/officeart/2005/8/quickstyle/simple1" qsCatId="simple" csTypeId="urn:microsoft.com/office/officeart/2005/8/colors/colorful1" csCatId="colorful" phldr="1"/>
+      <dgm:prSet loTypeId="urn:microsoft.com/office/officeart/2005/8/layout/process1" loCatId="process" qsTypeId="urn:microsoft.com/office/officeart/2005/8/quickstyle/simple1" qsCatId="simple" csTypeId="urn:microsoft.com/office/officeart/2005/8/colors/colorful1" csCatId="colorful"/>
       <dgm:spPr/>
       <dgm:t>
         <a:bodyPr/>
@@ -7590,7 +7762,7 @@
         <a:p>
           <a:r>
             <a:rPr lang="en-US" dirty="0"/>
-            <a:t>Luckily, the modern IT industry can implement a solution. Parking apps and sites like our Park Me site bring relief to residents since they save time and nerves. The fundamental function of such applications is obtaining and booking free places nearby. </a:t>
+            <a:t>Luckily, the modern IT industry can implement a solution. Parking apps and sites like our Parking Finder site bring relief to residents since they save time and nerves. The fundamental function of such applications is obtaining and booking free places nearby. </a:t>
           </a:r>
         </a:p>
       </dgm:t>
@@ -7727,7 +7899,7 @@
   <dgm:whole/>
   <dgm:extLst>
     <a:ext uri="http://schemas.microsoft.com/office/drawing/2008/diagram">
-      <dsp:dataModelExt xmlns:dsp="http://schemas.microsoft.com/office/drawing/2008/diagram" relId="rId7" minVer="http://schemas.openxmlformats.org/drawingml/2006/diagram"/>
+      <dsp:dataModelExt xmlns:dsp="http://schemas.microsoft.com/office/drawing/2008/diagram" relId="rId6" minVer="http://schemas.openxmlformats.org/drawingml/2006/diagram"/>
     </a:ext>
   </dgm:extLst>
 </dgm:dataModel>
@@ -7756,7 +7928,7 @@
         <a:p>
           <a:r>
             <a:rPr lang="en-US" dirty="0"/>
-            <a:t>We tested the Sign Up as a user to insert the user information. We wanted to make it work with their information. It worked as we wanted thru the Local Storage information thru the site.</a:t>
+            <a:t>We tested the Search Bar as a user to insert your location. We wanted to make it work with an information bar to show up. Also, we want to search for a resource; when we search for support, we wanted to be able to click on the resource that drops down be brought to that page.</a:t>
           </a:r>
         </a:p>
       </dgm:t>
@@ -7828,7 +8000,7 @@
         <a:p>
           <a:r>
             <a:rPr lang="en-US" dirty="0"/>
-            <a:t>on click, the user should be able to see the Register page.</a:t>
+            <a:t>on click, the user should be able to search by anything in the title.</a:t>
           </a:r>
         </a:p>
       </dgm:t>
@@ -7864,7 +8036,7 @@
         <a:p>
           <a:r>
             <a:rPr lang="en-US" dirty="0"/>
-            <a:t>on Register page , they will see the information needed from they like username, email and Car information. </a:t>
+            <a:t>on input of search, options will drop down below search bar.</a:t>
           </a:r>
         </a:p>
       </dgm:t>
@@ -7881,6 +8053,42 @@
       </dgm:t>
     </dgm:pt>
     <dgm:pt modelId="{89A85E16-DAF9-41F3-90BC-4EED9EF1AD39}" type="sibTrans" cxnId="{213337C6-1737-4FD1-996A-B08BE22E6DA9}">
+      <dgm:prSet/>
+      <dgm:spPr/>
+      <dgm:t>
+        <a:bodyPr/>
+        <a:lstStyle/>
+        <a:p>
+          <a:endParaRPr lang="en-US"/>
+        </a:p>
+      </dgm:t>
+    </dgm:pt>
+    <dgm:pt modelId="{5CB204D4-42F2-4AE2-A10A-F3D54D40AAB5}">
+      <dgm:prSet/>
+      <dgm:spPr/>
+      <dgm:t>
+        <a:bodyPr/>
+        <a:lstStyle/>
+        <a:p>
+          <a:r>
+            <a:rPr lang="en-US" dirty="0"/>
+            <a:t>users search criteria will show options having that have similar (tag) or title elements.</a:t>
+          </a:r>
+        </a:p>
+      </dgm:t>
+    </dgm:pt>
+    <dgm:pt modelId="{E1CBA985-64B5-4D46-99EE-4D1C0F50DDE1}" type="parTrans" cxnId="{6220E347-FAF9-4139-B7C5-A9147D4108E4}">
+      <dgm:prSet/>
+      <dgm:spPr/>
+      <dgm:t>
+        <a:bodyPr/>
+        <a:lstStyle/>
+        <a:p>
+          <a:endParaRPr lang="en-US"/>
+        </a:p>
+      </dgm:t>
+    </dgm:pt>
+    <dgm:pt modelId="{259CD7A6-0F10-4602-BE98-74E88414B64B}" type="sibTrans" cxnId="{6220E347-FAF9-4139-B7C5-A9147D4108E4}">
       <dgm:prSet/>
       <dgm:spPr/>
       <dgm:t>
@@ -7936,7 +8144,7 @@
         <a:p>
           <a:r>
             <a:rPr lang="en-US" dirty="0"/>
-            <a:t>when the user enter their information, it will bring them to the first option in the website which is the main page or the last page they visited, which means their info have been taken.</a:t>
+            <a:t>when enter is pressed, it will bring them to the first option in the dropdown list.</a:t>
           </a:r>
         </a:p>
       </dgm:t>
@@ -7963,25 +8171,41 @@
         </a:p>
       </dgm:t>
     </dgm:pt>
-    <dgm:pt modelId="{CD6B52C5-F4EF-4944-9BC5-B13CB6BEFA01}">
+    <dgm:pt modelId="{1658525D-723E-4BD6-93B2-82C9F4B2986F}">
       <dgm:prSet/>
       <dgm:spPr/>
       <dgm:t>
         <a:bodyPr/>
         <a:lstStyle/>
         <a:p>
-          <a:pPr rtl="0"/>
-          <a:endParaRPr lang="en-US" dirty="0"/>
+          <a:r>
+            <a:rPr lang="en-US" dirty="0"/>
+            <a:t>On click of search options, you will be redirected to a new page containing your search.</a:t>
+          </a:r>
         </a:p>
       </dgm:t>
     </dgm:pt>
-    <dgm:pt modelId="{8EC5BB51-C8FD-9049-A5F4-3D2CD7A71121}" type="parTrans" cxnId="{7724337F-C3AD-6940-9401-0EF3A35153E0}">
+    <dgm:pt modelId="{40B8A44A-3A5E-454C-BB47-696C45E1EA48}" type="parTrans" cxnId="{4E11EFE7-5EFE-4468-9D05-0F51A68E1DEB}">
       <dgm:prSet/>
       <dgm:spPr/>
+      <dgm:t>
+        <a:bodyPr/>
+        <a:lstStyle/>
+        <a:p>
+          <a:endParaRPr lang="en-US"/>
+        </a:p>
+      </dgm:t>
     </dgm:pt>
-    <dgm:pt modelId="{8138AB1F-191D-554E-8CEE-D801A2C1AC85}" type="sibTrans" cxnId="{7724337F-C3AD-6940-9401-0EF3A35153E0}">
+    <dgm:pt modelId="{30A712F6-99A2-435D-97C5-144AA1CA70A6}" type="sibTrans" cxnId="{4E11EFE7-5EFE-4468-9D05-0F51A68E1DEB}">
       <dgm:prSet/>
       <dgm:spPr/>
+      <dgm:t>
+        <a:bodyPr/>
+        <a:lstStyle/>
+        <a:p>
+          <a:endParaRPr lang="en-US"/>
+        </a:p>
+      </dgm:t>
     </dgm:pt>
     <dgm:pt modelId="{BB784B5A-8889-3942-B69A-B9979C6AEB2D}" type="pres">
       <dgm:prSet presAssocID="{9256873C-569D-4476-8EF5-5B396A3BD52B}" presName="linear" presStyleCnt="0">
@@ -8006,7 +8230,7 @@
       <dgm:spPr/>
     </dgm:pt>
     <dgm:pt modelId="{882B0C4A-F1A4-094B-B1E0-CB4EA41E184D}" type="pres">
-      <dgm:prSet presAssocID="{3D4EFA91-4BC0-4534-8138-6C59FC8AD664}" presName="parentText" presStyleLbl="node1" presStyleIdx="1" presStyleCnt="3" custScaleY="56145">
+      <dgm:prSet presAssocID="{3D4EFA91-4BC0-4534-8138-6C59FC8AD664}" presName="parentText" presStyleLbl="node1" presStyleIdx="1" presStyleCnt="3">
         <dgm:presLayoutVars>
           <dgm:chMax val="0"/>
           <dgm:bulletEnabled val="1"/>
@@ -8023,7 +8247,7 @@
       <dgm:spPr/>
     </dgm:pt>
     <dgm:pt modelId="{B1D12D49-C0A2-A540-8DEA-64213FC9C517}" type="pres">
-      <dgm:prSet presAssocID="{3C4D56A5-B042-4A94-AE3F-8EF8246A8FD1}" presName="parentText" presStyleLbl="node1" presStyleIdx="2" presStyleCnt="3" custScaleY="57263">
+      <dgm:prSet presAssocID="{3C4D56A5-B042-4A94-AE3F-8EF8246A8FD1}" presName="parentText" presStyleLbl="node1" presStyleIdx="2" presStyleCnt="3">
         <dgm:presLayoutVars>
           <dgm:chMax val="0"/>
           <dgm:bulletEnabled val="1"/>
@@ -8041,19 +8265,21 @@
     </dgm:pt>
   </dgm:ptLst>
   <dgm:cxnLst>
-    <dgm:cxn modelId="{021FCD29-CEE8-C448-B3CE-DDFD6F7502C6}" type="presOf" srcId="{CD6B52C5-F4EF-4944-9BC5-B13CB6BEFA01}" destId="{33A1E495-FE54-8E4D-91D0-6E7E7759EA61}" srcOrd="0" destOrd="1" presId="urn:microsoft.com/office/officeart/2005/8/layout/vList2"/>
     <dgm:cxn modelId="{5D9BC32D-5ABD-6E43-ABEE-AAB3EC9933A0}" type="presOf" srcId="{3C4D56A5-B042-4A94-AE3F-8EF8246A8FD1}" destId="{B1D12D49-C0A2-A540-8DEA-64213FC9C517}" srcOrd="0" destOrd="0" presId="urn:microsoft.com/office/officeart/2005/8/layout/vList2"/>
+    <dgm:cxn modelId="{1BA34234-73FE-1646-88D8-2378BDD8F4F4}" type="presOf" srcId="{5CB204D4-42F2-4AE2-A10A-F3D54D40AAB5}" destId="{A3FB1F71-C11D-2741-8750-883CA1466F73}" srcOrd="0" destOrd="2" presId="urn:microsoft.com/office/officeart/2005/8/layout/vList2"/>
     <dgm:cxn modelId="{76629B3A-78E5-4F92-8A65-97C96297FA44}" srcId="{3D4EFA91-4BC0-4534-8138-6C59FC8AD664}" destId="{FDF86148-FD33-42D2-9486-39613670B153}" srcOrd="0" destOrd="0" parTransId="{C7DA06DA-3E3C-4FA0-A749-E9CB4431D3B9}" sibTransId="{75E3D11F-9363-4AFA-9FBE-5040FF9F4E7F}"/>
+    <dgm:cxn modelId="{6220E347-FAF9-4139-B7C5-A9147D4108E4}" srcId="{3D4EFA91-4BC0-4534-8138-6C59FC8AD664}" destId="{5CB204D4-42F2-4AE2-A10A-F3D54D40AAB5}" srcOrd="2" destOrd="0" parTransId="{E1CBA985-64B5-4D46-99EE-4D1C0F50DDE1}" sibTransId="{259CD7A6-0F10-4602-BE98-74E88414B64B}"/>
     <dgm:cxn modelId="{76880B48-6D16-F441-8998-9AADADF57587}" type="presOf" srcId="{A760A211-6461-417C-8D97-6D0BC9B6AA34}" destId="{A3FB1F71-C11D-2741-8750-883CA1466F73}" srcOrd="0" destOrd="1" presId="urn:microsoft.com/office/officeart/2005/8/layout/vList2"/>
     <dgm:cxn modelId="{8EB40B4A-268B-46F7-94AF-33139563AC2A}" srcId="{9256873C-569D-4476-8EF5-5B396A3BD52B}" destId="{3D4EFA91-4BC0-4534-8138-6C59FC8AD664}" srcOrd="1" destOrd="0" parTransId="{96099F48-22A4-452A-ADCC-76CACACFE84E}" sibTransId="{FE4C70E5-0856-4DC5-9A12-06E8382A9834}"/>
     <dgm:cxn modelId="{A40C1A5C-2381-9443-B5F7-3AAD6C8ADE40}" type="presOf" srcId="{3D4EFA91-4BC0-4534-8138-6C59FC8AD664}" destId="{882B0C4A-F1A4-094B-B1E0-CB4EA41E184D}" srcOrd="0" destOrd="0" presId="urn:microsoft.com/office/officeart/2005/8/layout/vList2"/>
     <dgm:cxn modelId="{350E2F60-A963-724C-AFEA-708F537E81BA}" type="presOf" srcId="{9256873C-569D-4476-8EF5-5B396A3BD52B}" destId="{BB784B5A-8889-3942-B69A-B9979C6AEB2D}" srcOrd="0" destOrd="0" presId="urn:microsoft.com/office/officeart/2005/8/layout/vList2"/>
     <dgm:cxn modelId="{9DDD326E-500B-464A-8CF2-8767B039407B}" type="presOf" srcId="{E841C8F1-BEA9-497F-AA58-493FE1E2B5CD}" destId="{6D687261-6895-DF4C-8628-C1FB21F103CB}" srcOrd="0" destOrd="0" presId="urn:microsoft.com/office/officeart/2005/8/layout/vList2"/>
-    <dgm:cxn modelId="{7724337F-C3AD-6940-9401-0EF3A35153E0}" srcId="{3C4D56A5-B042-4A94-AE3F-8EF8246A8FD1}" destId="{CD6B52C5-F4EF-4944-9BC5-B13CB6BEFA01}" srcOrd="1" destOrd="0" parTransId="{8EC5BB51-C8FD-9049-A5F4-3D2CD7A71121}" sibTransId="{8138AB1F-191D-554E-8CEE-D801A2C1AC85}"/>
+    <dgm:cxn modelId="{D00EF17E-501D-8646-A038-EFE21EF4404C}" type="presOf" srcId="{1658525D-723E-4BD6-93B2-82C9F4B2986F}" destId="{33A1E495-FE54-8E4D-91D0-6E7E7759EA61}" srcOrd="0" destOrd="1" presId="urn:microsoft.com/office/officeart/2005/8/layout/vList2"/>
     <dgm:cxn modelId="{3EED9D83-F7EF-D44C-90A2-172BB713A6FB}" type="presOf" srcId="{9F60FACF-13BC-4DA5-8788-4781C67D7C3A}" destId="{33A1E495-FE54-8E4D-91D0-6E7E7759EA61}" srcOrd="0" destOrd="0" presId="urn:microsoft.com/office/officeart/2005/8/layout/vList2"/>
     <dgm:cxn modelId="{088C9A93-543F-4611-A1E3-5BD536761548}" srcId="{3C4D56A5-B042-4A94-AE3F-8EF8246A8FD1}" destId="{9F60FACF-13BC-4DA5-8788-4781C67D7C3A}" srcOrd="0" destOrd="0" parTransId="{3F969047-0286-499F-A43B-F551B7B044F0}" sibTransId="{2854D816-5411-4294-847A-1073646C4FED}"/>
     <dgm:cxn modelId="{B0A894B3-43F2-C047-AE54-2671565D1A8E}" type="presOf" srcId="{FDF86148-FD33-42D2-9486-39613670B153}" destId="{A3FB1F71-C11D-2741-8750-883CA1466F73}" srcOrd="0" destOrd="0" presId="urn:microsoft.com/office/officeart/2005/8/layout/vList2"/>
     <dgm:cxn modelId="{213337C6-1737-4FD1-996A-B08BE22E6DA9}" srcId="{3D4EFA91-4BC0-4534-8138-6C59FC8AD664}" destId="{A760A211-6461-417C-8D97-6D0BC9B6AA34}" srcOrd="1" destOrd="0" parTransId="{D7C8F57A-A330-4EE3-8F51-46A91CB0F9FD}" sibTransId="{89A85E16-DAF9-41F3-90BC-4EED9EF1AD39}"/>
+    <dgm:cxn modelId="{4E11EFE7-5EFE-4468-9D05-0F51A68E1DEB}" srcId="{3C4D56A5-B042-4A94-AE3F-8EF8246A8FD1}" destId="{1658525D-723E-4BD6-93B2-82C9F4B2986F}" srcOrd="1" destOrd="0" parTransId="{40B8A44A-3A5E-454C-BB47-696C45E1EA48}" sibTransId="{30A712F6-99A2-435D-97C5-144AA1CA70A6}"/>
     <dgm:cxn modelId="{5DEB50ED-1996-4AEE-9C64-67004A27A948}" srcId="{9256873C-569D-4476-8EF5-5B396A3BD52B}" destId="{E841C8F1-BEA9-497F-AA58-493FE1E2B5CD}" srcOrd="0" destOrd="0" parTransId="{76BEC058-8BEE-4755-AEED-12B893BB30CF}" sibTransId="{53DD29B7-F8A1-4B17-9886-54364541714A}"/>
     <dgm:cxn modelId="{28F04CFF-A0EA-472E-88A9-BC03F3D50C1B}" srcId="{9256873C-569D-4476-8EF5-5B396A3BD52B}" destId="{3C4D56A5-B042-4A94-AE3F-8EF8246A8FD1}" srcOrd="2" destOrd="0" parTransId="{2EBA5D6A-2748-41B5-A9A9-58F854481DC1}" sibTransId="{766CC270-6222-4752-9B66-C21827726247}"/>
     <dgm:cxn modelId="{BC5B4D22-AA25-8948-9E16-1B31D4DFD653}" type="presParOf" srcId="{BB784B5A-8889-3942-B69A-B9979C6AEB2D}" destId="{6D687261-6895-DF4C-8628-C1FB21F103CB}" srcOrd="0" destOrd="0" presId="urn:microsoft.com/office/officeart/2005/8/layout/vList2"/>
@@ -8067,7 +8293,7 @@
   <dgm:whole/>
   <dgm:extLst>
     <a:ext uri="http://schemas.microsoft.com/office/drawing/2008/diagram">
-      <dsp:dataModelExt xmlns:dsp="http://schemas.microsoft.com/office/drawing/2008/diagram" relId="rId7" minVer="http://schemas.openxmlformats.org/drawingml/2006/diagram"/>
+      <dsp:dataModelExt xmlns:dsp="http://schemas.microsoft.com/office/drawing/2008/diagram" relId="rId6" minVer="http://schemas.openxmlformats.org/drawingml/2006/diagram"/>
     </a:ext>
   </dgm:extLst>
 </dgm:dataModel>
@@ -8395,7 +8621,7 @@
   <dgm:whole/>
   <dgm:extLst>
     <a:ext uri="http://schemas.microsoft.com/office/drawing/2008/diagram">
-      <dsp:dataModelExt xmlns:dsp="http://schemas.microsoft.com/office/drawing/2008/diagram" relId="rId7" minVer="http://schemas.openxmlformats.org/drawingml/2006/diagram"/>
+      <dsp:dataModelExt xmlns:dsp="http://schemas.microsoft.com/office/drawing/2008/diagram" relId="rId6" minVer="http://schemas.openxmlformats.org/drawingml/2006/diagram"/>
     </a:ext>
   </dgm:extLst>
 </dgm:dataModel>
@@ -8892,7 +9118,7 @@
   <dgm:whole/>
   <dgm:extLst>
     <a:ext uri="http://schemas.microsoft.com/office/drawing/2008/diagram">
-      <dsp:dataModelExt xmlns:dsp="http://schemas.microsoft.com/office/drawing/2008/diagram" relId="rId8" minVer="http://schemas.openxmlformats.org/drawingml/2006/diagram"/>
+      <dsp:dataModelExt xmlns:dsp="http://schemas.microsoft.com/office/drawing/2008/diagram" relId="rId7" minVer="http://schemas.openxmlformats.org/drawingml/2006/diagram"/>
     </a:ext>
   </dgm:extLst>
 </dgm:dataModel>
@@ -8901,8 +9127,8 @@
 <file path=ppt/diagrams/data7.xml><?xml version="1.0" encoding="utf-8"?>
 <dgm:dataModel xmlns:dgm="http://schemas.openxmlformats.org/drawingml/2006/diagram" xmlns:a="http://schemas.openxmlformats.org/drawingml/2006/main">
   <dgm:ptLst>
-    <dgm:pt modelId="{84E32B9B-FD57-408C-B439-AF016CD55C9C}" type="doc">
-      <dgm:prSet loTypeId="urn:microsoft.com/office/officeart/2018/2/layout/IconCircleList" loCatId="icon" qsTypeId="urn:microsoft.com/office/officeart/2005/8/quickstyle/simple1" qsCatId="simple" csTypeId="urn:microsoft.com/office/officeart/2018/5/colors/Iconchunking_neutralicon_accent4_2" csCatId="accent4" phldr="1"/>
+    <dgm:pt modelId="{DEBC08DE-D4B9-49B3-AE23-447C90AEB136}" type="doc">
+      <dgm:prSet loTypeId="urn:microsoft.com/office/officeart/2018/2/layout/IconVerticalSolidList" loCatId="icon" qsTypeId="urn:microsoft.com/office/officeart/2005/8/quickstyle/simple1" qsCatId="simple" csTypeId="urn:microsoft.com/office/officeart/2018/5/colors/Iconchunking_neutralicontext_colorful1" csCatId="colorful" phldr="1"/>
       <dgm:spPr/>
       <dgm:t>
         <a:bodyPr/>
@@ -8912,18 +9138,13 @@
         </a:p>
       </dgm:t>
     </dgm:pt>
-    <dgm:pt modelId="{4DE91A29-169F-4400-99DE-3C3D4A70A7DD}">
+    <dgm:pt modelId="{64D6A350-7893-4CD0-B7A0-6333AD389926}">
       <dgm:prSet/>
       <dgm:spPr/>
       <dgm:t>
         <a:bodyPr/>
         <a:lstStyle/>
         <a:p>
-          <a:pPr>
-            <a:lnSpc>
-              <a:spcPct val="100000"/>
-            </a:lnSpc>
-          </a:pPr>
           <a:r>
             <a:rPr lang="en-US"/>
             <a:t>Google Maps</a:t>
@@ -8931,7 +9152,7 @@
         </a:p>
       </dgm:t>
     </dgm:pt>
-    <dgm:pt modelId="{75524E49-107C-4FA5-854F-31D401FA403B}" type="parTrans" cxnId="{6B0B3615-AF23-4FCA-B0C9-A8E81D82DEB0}">
+    <dgm:pt modelId="{7977A0FD-1B50-4E71-988A-D766D751ED7E}" type="parTrans" cxnId="{C130741F-9A34-4E98-986E-4354731C87A6}">
       <dgm:prSet/>
       <dgm:spPr/>
       <dgm:t>
@@ -8942,42 +9163,7 @@
         </a:p>
       </dgm:t>
     </dgm:pt>
-    <dgm:pt modelId="{538BC557-F29F-44C7-8374-B785741A09A0}" type="sibTrans" cxnId="{6B0B3615-AF23-4FCA-B0C9-A8E81D82DEB0}">
-      <dgm:prSet/>
-      <dgm:spPr/>
-      <dgm:t>
-        <a:bodyPr/>
-        <a:lstStyle/>
-        <a:p>
-          <a:pPr>
-            <a:lnSpc>
-              <a:spcPct val="100000"/>
-            </a:lnSpc>
-          </a:pPr>
-          <a:endParaRPr lang="en-US"/>
-        </a:p>
-      </dgm:t>
-    </dgm:pt>
-    <dgm:pt modelId="{7C5BBA54-2789-402C-9F27-8BF029D0B840}">
-      <dgm:prSet/>
-      <dgm:spPr/>
-      <dgm:t>
-        <a:bodyPr/>
-        <a:lstStyle/>
-        <a:p>
-          <a:pPr>
-            <a:lnSpc>
-              <a:spcPct val="100000"/>
-            </a:lnSpc>
-          </a:pPr>
-          <a:r>
-            <a:rPr lang="en-US"/>
-            <a:t>GPS is an essential option since it is the main thing about our site users with one primary function of our site, which is obtaining a parking spot near the parking location. Such an application can't book the free parking spot. </a:t>
-          </a:r>
-        </a:p>
-      </dgm:t>
-    </dgm:pt>
-    <dgm:pt modelId="{84515A20-A696-4FD5-A2A0-8854102BBD3C}" type="parTrans" cxnId="{03B6E730-C3DB-42B3-AE3F-F3B7E803DC37}">
+    <dgm:pt modelId="{DF770BFD-D1BA-4AE4-A93F-A3E04F00BBEA}" type="sibTrans" cxnId="{C130741F-9A34-4E98-986E-4354731C87A6}">
       <dgm:prSet/>
       <dgm:spPr/>
       <dgm:t>
@@ -8988,42 +9174,21 @@
         </a:p>
       </dgm:t>
     </dgm:pt>
-    <dgm:pt modelId="{1698248E-E44E-4250-A255-20C712D05655}" type="sibTrans" cxnId="{03B6E730-C3DB-42B3-AE3F-F3B7E803DC37}">
+    <dgm:pt modelId="{BCD202AC-49A4-4BFA-9708-EA3B20B94E95}">
       <dgm:prSet/>
       <dgm:spPr/>
       <dgm:t>
         <a:bodyPr/>
         <a:lstStyle/>
         <a:p>
-          <a:pPr>
-            <a:lnSpc>
-              <a:spcPct val="100000"/>
-            </a:lnSpc>
-          </a:pPr>
-          <a:endParaRPr lang="en-US"/>
-        </a:p>
-      </dgm:t>
-    </dgm:pt>
-    <dgm:pt modelId="{4D259DA8-11AE-422A-9089-F2D55E930D16}">
-      <dgm:prSet/>
-      <dgm:spPr/>
-      <dgm:t>
-        <a:bodyPr/>
-        <a:lstStyle/>
-        <a:p>
-          <a:pPr>
-            <a:lnSpc>
-              <a:spcPct val="100000"/>
-            </a:lnSpc>
-          </a:pPr>
           <a:r>
             <a:rPr lang="en-US"/>
-            <a:t>The map that we used is different from another because it allows users to find the chosen parking spot they need. Additionally, the site can navigate the driver to the booked place.</a:t>
+            <a:t>GPS is an essential option since it is the main thing about our site users with one primary function of our site, which is obtaining a parking spot near the parking location. Such an application can't book the free parking spot. </a:t>
           </a:r>
         </a:p>
       </dgm:t>
     </dgm:pt>
-    <dgm:pt modelId="{3A57AC02-0858-4A9B-A9DF-05E6EBDE0CED}" type="parTrans" cxnId="{16E15E2B-AB99-41EB-813A-23531E355079}">
+    <dgm:pt modelId="{9AC4E4A9-A0E1-4F9F-BDB9-8CD734982DE0}" type="parTrans" cxnId="{7EE3F480-1C04-4AFF-AB34-5828CC7D7B22}">
       <dgm:prSet/>
       <dgm:spPr/>
       <dgm:t>
@@ -9034,42 +9199,7 @@
         </a:p>
       </dgm:t>
     </dgm:pt>
-    <dgm:pt modelId="{CFFAD25F-BD51-4EBD-A7A2-4FBA3DE7CCB2}" type="sibTrans" cxnId="{16E15E2B-AB99-41EB-813A-23531E355079}">
-      <dgm:prSet/>
-      <dgm:spPr/>
-      <dgm:t>
-        <a:bodyPr/>
-        <a:lstStyle/>
-        <a:p>
-          <a:pPr>
-            <a:lnSpc>
-              <a:spcPct val="100000"/>
-            </a:lnSpc>
-          </a:pPr>
-          <a:endParaRPr lang="en-US"/>
-        </a:p>
-      </dgm:t>
-    </dgm:pt>
-    <dgm:pt modelId="{6BE3577A-2EEF-434D-A67D-1937786DE045}">
-      <dgm:prSet/>
-      <dgm:spPr/>
-      <dgm:t>
-        <a:bodyPr/>
-        <a:lstStyle/>
-        <a:p>
-          <a:pPr>
-            <a:lnSpc>
-              <a:spcPct val="100000"/>
-            </a:lnSpc>
-          </a:pPr>
-          <a:r>
-            <a:rPr lang="en-US"/>
-            <a:t>Register &amp; Login</a:t>
-          </a:r>
-        </a:p>
-      </dgm:t>
-    </dgm:pt>
-    <dgm:pt modelId="{EACA85A9-33F7-4F5C-8066-3572F3BD9321}" type="parTrans" cxnId="{84237A34-831A-4D06-9218-DF7E47F571F0}">
+    <dgm:pt modelId="{D540D133-CAB1-4A7B-8D12-B1E0DA8FE4D0}" type="sibTrans" cxnId="{7EE3F480-1C04-4AFF-AB34-5828CC7D7B22}">
       <dgm:prSet/>
       <dgm:spPr/>
       <dgm:t>
@@ -9080,42 +9210,21 @@
         </a:p>
       </dgm:t>
     </dgm:pt>
-    <dgm:pt modelId="{CB493FE5-B295-44AC-8954-9D3891861046}" type="sibTrans" cxnId="{84237A34-831A-4D06-9218-DF7E47F571F0}">
+    <dgm:pt modelId="{B8314AC0-9E0F-49E3-AD43-B2D018BA7FA9}">
       <dgm:prSet/>
       <dgm:spPr/>
       <dgm:t>
         <a:bodyPr/>
         <a:lstStyle/>
         <a:p>
-          <a:pPr>
-            <a:lnSpc>
-              <a:spcPct val="100000"/>
-            </a:lnSpc>
-          </a:pPr>
-          <a:endParaRPr lang="en-US"/>
-        </a:p>
-      </dgm:t>
-    </dgm:pt>
-    <dgm:pt modelId="{F703D793-A918-439D-B186-1D60B1819940}">
-      <dgm:prSet/>
-      <dgm:spPr/>
-      <dgm:t>
-        <a:bodyPr/>
-        <a:lstStyle/>
-        <a:p>
-          <a:pPr>
-            <a:lnSpc>
-              <a:spcPct val="100000"/>
-            </a:lnSpc>
-          </a:pPr>
           <a:r>
-            <a:rPr lang="en-US"/>
-            <a:t>For the register &amp; log in, we used Local Storage is a type of web storage that allows JavaScript sites and apps to collect and access data right in the browser with no termination date. This indicates the data stored in the browser will continue even after the browser window has been shut.</a:t>
+            <a:rPr lang="en-US" dirty="0"/>
+            <a:t>The map that we used is different from another because it allows users to find the chosen parking spot they need. Additionally, the site can navigate the driver to the booked place.</a:t>
           </a:r>
         </a:p>
       </dgm:t>
     </dgm:pt>
-    <dgm:pt modelId="{9A2E3F2C-35CE-474E-9873-E950D603A12E}" type="parTrans" cxnId="{A21E006B-4EC5-463A-9251-D39212BC8668}">
+    <dgm:pt modelId="{80577D52-D2AF-477E-87AC-9DA4CAB4EC70}" type="parTrans" cxnId="{457983C0-7826-4D92-8EE5-0B325ED8A778}">
       <dgm:prSet/>
       <dgm:spPr/>
       <dgm:t>
@@ -9126,42 +9235,7 @@
         </a:p>
       </dgm:t>
     </dgm:pt>
-    <dgm:pt modelId="{33AAA227-0A68-43FE-8DFF-ECD1CD9B32AD}" type="sibTrans" cxnId="{A21E006B-4EC5-463A-9251-D39212BC8668}">
-      <dgm:prSet/>
-      <dgm:spPr/>
-      <dgm:t>
-        <a:bodyPr/>
-        <a:lstStyle/>
-        <a:p>
-          <a:pPr>
-            <a:lnSpc>
-              <a:spcPct val="100000"/>
-            </a:lnSpc>
-          </a:pPr>
-          <a:endParaRPr lang="en-US"/>
-        </a:p>
-      </dgm:t>
-    </dgm:pt>
-    <dgm:pt modelId="{4FF699F8-B6E9-8F4B-80E0-2386E2F81AE2}">
-      <dgm:prSet/>
-      <dgm:spPr/>
-      <dgm:t>
-        <a:bodyPr/>
-        <a:lstStyle/>
-        <a:p>
-          <a:pPr>
-            <a:lnSpc>
-              <a:spcPct val="100000"/>
-            </a:lnSpc>
-          </a:pPr>
-          <a:r>
-            <a:rPr lang="en-US"/>
-            <a:t>We created JavaScript functions that check whether a value submitted by the user passes the validation. All those functions are called from another service. It arranges the focus to the data field until the user provides a valid value. When the user visits so, they may continue and can provide value to the next available area. The following JavaScript function created is called on the on submit event of the form.</a:t>
-          </a:r>
-        </a:p>
-      </dgm:t>
-    </dgm:pt>
-    <dgm:pt modelId="{2D4D9A71-31BE-7440-B4C9-DFEB734E8066}" type="parTrans" cxnId="{B7223C54-A0BA-8746-BCB8-B7DD45BC9988}">
+    <dgm:pt modelId="{97ED5E92-4D21-4917-A6AD-9EDE90BC6BD2}" type="sibTrans" cxnId="{457983C0-7826-4D92-8EE5-0B325ED8A778}">
       <dgm:prSet/>
       <dgm:spPr/>
       <dgm:t>
@@ -9172,7 +9246,21 @@
         </a:p>
       </dgm:t>
     </dgm:pt>
-    <dgm:pt modelId="{392E2554-0551-6D45-B711-F554C95D9F27}" type="sibTrans" cxnId="{B7223C54-A0BA-8746-BCB8-B7DD45BC9988}">
+    <dgm:pt modelId="{0B216707-E07B-40F7-9F3F-A86B2B5D0437}">
+      <dgm:prSet/>
+      <dgm:spPr/>
+      <dgm:t>
+        <a:bodyPr/>
+        <a:lstStyle/>
+        <a:p>
+          <a:r>
+            <a:rPr lang="en-US"/>
+            <a:t>Search Bar</a:t>
+          </a:r>
+        </a:p>
+      </dgm:t>
+    </dgm:pt>
+    <dgm:pt modelId="{47ED65DF-49FD-4846-AF42-98C1DBAC5D57}" type="parTrans" cxnId="{20885712-91F2-416E-B185-E37B45A8B4B0}">
       <dgm:prSet/>
       <dgm:spPr/>
       <dgm:t>
@@ -9183,8 +9271,91 @@
         </a:p>
       </dgm:t>
     </dgm:pt>
-    <dgm:pt modelId="{0E4B039F-C965-4C55-AB0C-2CBC3C012ED7}" type="pres">
-      <dgm:prSet presAssocID="{84E32B9B-FD57-408C-B439-AF016CD55C9C}" presName="root" presStyleCnt="0">
+    <dgm:pt modelId="{709567F7-9414-4F8D-B073-8556E3A21900}" type="sibTrans" cxnId="{20885712-91F2-416E-B185-E37B45A8B4B0}">
+      <dgm:prSet/>
+      <dgm:spPr/>
+      <dgm:t>
+        <a:bodyPr/>
+        <a:lstStyle/>
+        <a:p>
+          <a:endParaRPr lang="en-US"/>
+        </a:p>
+      </dgm:t>
+    </dgm:pt>
+    <dgm:pt modelId="{D698D894-EE4E-4E9D-ACB3-2858CDCBC62C}">
+      <dgm:prSet/>
+      <dgm:spPr/>
+      <dgm:t>
+        <a:bodyPr/>
+        <a:lstStyle/>
+        <a:p>
+          <a:r>
+            <a:rPr lang="en-US" dirty="0"/>
+            <a:t>A search bar allows users to use keywords to locate content inside a site, on the device, or online, which is the nearest parking space. Our website can specify what types of addresses are shown in the search results. Search can also be used to filter large lists, such as parking lots.</a:t>
+          </a:r>
+        </a:p>
+      </dgm:t>
+    </dgm:pt>
+    <dgm:pt modelId="{CDD876A3-7798-4B05-A26B-2FEDB02E0A85}" type="parTrans" cxnId="{6066C267-6415-4C0E-8D28-9818D916FA2C}">
+      <dgm:prSet/>
+      <dgm:spPr/>
+      <dgm:t>
+        <a:bodyPr/>
+        <a:lstStyle/>
+        <a:p>
+          <a:endParaRPr lang="en-US"/>
+        </a:p>
+      </dgm:t>
+    </dgm:pt>
+    <dgm:pt modelId="{22153FF3-63C5-4604-9A8C-444E3201D36E}" type="sibTrans" cxnId="{6066C267-6415-4C0E-8D28-9818D916FA2C}">
+      <dgm:prSet/>
+      <dgm:spPr/>
+      <dgm:t>
+        <a:bodyPr/>
+        <a:lstStyle/>
+        <a:p>
+          <a:endParaRPr lang="en-US"/>
+        </a:p>
+      </dgm:t>
+    </dgm:pt>
+    <dgm:pt modelId="{F9711525-17E8-45BF-9C84-1CCB30551CD9}">
+      <dgm:prSet/>
+      <dgm:spPr/>
+      <dgm:t>
+        <a:bodyPr/>
+        <a:lstStyle/>
+        <a:p>
+          <a:r>
+            <a:rPr lang="en-US" dirty="0"/>
+            <a:t>When they use the search data box, the practical keyboard is stimulated. When our users use the search bar to filter lists of items, it's typically displayed at the top of the list only for the nearest parking spots and should scroll with the listed locations.</a:t>
+          </a:r>
+        </a:p>
+      </dgm:t>
+    </dgm:pt>
+    <dgm:pt modelId="{08B46AB8-CD23-470E-9739-E98C33CFDA17}" type="parTrans" cxnId="{305569D4-B055-470F-9AE3-B9677964BE9B}">
+      <dgm:prSet/>
+      <dgm:spPr/>
+      <dgm:t>
+        <a:bodyPr/>
+        <a:lstStyle/>
+        <a:p>
+          <a:endParaRPr lang="en-US"/>
+        </a:p>
+      </dgm:t>
+    </dgm:pt>
+    <dgm:pt modelId="{E2212BC0-7FA0-48A4-8703-E853104B162B}" type="sibTrans" cxnId="{305569D4-B055-470F-9AE3-B9677964BE9B}">
+      <dgm:prSet/>
+      <dgm:spPr/>
+      <dgm:t>
+        <a:bodyPr/>
+        <a:lstStyle/>
+        <a:p>
+          <a:endParaRPr lang="en-US"/>
+        </a:p>
+      </dgm:t>
+    </dgm:pt>
+    <dgm:pt modelId="{ACAA066F-030D-470F-B191-6CB8944C25CB}" type="pres">
+      <dgm:prSet presAssocID="{DEBC08DE-D4B9-49B3-AE23-447C90AEB136}" presName="root" presStyleCnt="0">
         <dgm:presLayoutVars>
           <dgm:dir/>
           <dgm:resizeHandles val="exact"/>
@@ -9192,25 +9363,16 @@
       </dgm:prSet>
       <dgm:spPr/>
     </dgm:pt>
-    <dgm:pt modelId="{836D56FE-59C0-46C2-B165-D016CADABC34}" type="pres">
-      <dgm:prSet presAssocID="{84E32B9B-FD57-408C-B439-AF016CD55C9C}" presName="container" presStyleCnt="0">
-        <dgm:presLayoutVars>
-          <dgm:dir/>
-          <dgm:resizeHandles val="exact"/>
-        </dgm:presLayoutVars>
-      </dgm:prSet>
+    <dgm:pt modelId="{E3C82494-3546-4E90-AF48-700E129093B7}" type="pres">
+      <dgm:prSet presAssocID="{64D6A350-7893-4CD0-B7A0-6333AD389926}" presName="compNode" presStyleCnt="0"/>
       <dgm:spPr/>
     </dgm:pt>
-    <dgm:pt modelId="{9BA7B4C2-7445-49CC-806B-5D0B1E8FA168}" type="pres">
-      <dgm:prSet presAssocID="{4DE91A29-169F-4400-99DE-3C3D4A70A7DD}" presName="compNode" presStyleCnt="0"/>
+    <dgm:pt modelId="{2452070E-9DA7-4311-A35D-E0B4E5D3F521}" type="pres">
+      <dgm:prSet presAssocID="{64D6A350-7893-4CD0-B7A0-6333AD389926}" presName="bgRect" presStyleLbl="bgShp" presStyleIdx="0" presStyleCnt="6"/>
       <dgm:spPr/>
     </dgm:pt>
-    <dgm:pt modelId="{44B7392A-01B0-4E1B-8681-8A385A97C153}" type="pres">
-      <dgm:prSet presAssocID="{4DE91A29-169F-4400-99DE-3C3D4A70A7DD}" presName="iconBgRect" presStyleLbl="bgShp" presStyleIdx="0" presStyleCnt="6"/>
-      <dgm:spPr/>
-    </dgm:pt>
-    <dgm:pt modelId="{A3DEB29C-9795-444B-929C-FD38E7805D64}" type="pres">
-      <dgm:prSet presAssocID="{4DE91A29-169F-4400-99DE-3C3D4A70A7DD}" presName="iconRect" presStyleLbl="node1" presStyleIdx="0" presStyleCnt="6"/>
+    <dgm:pt modelId="{316C5958-29A1-44A6-A93B-E99D35DD2820}" type="pres">
+      <dgm:prSet presAssocID="{64D6A350-7893-4CD0-B7A0-6333AD389926}" presName="iconRect" presStyleLbl="node1" presStyleIdx="0" presStyleCnt="6"/>
       <dgm:spPr>
         <a:blipFill>
           <a:blip xmlns:r="http://schemas.openxmlformats.org/officeDocument/2006/relationships" r:embed="rId1">
@@ -9237,33 +9399,33 @@
         </a:ext>
       </dgm:extLst>
     </dgm:pt>
-    <dgm:pt modelId="{F5AAE589-9277-462E-AA3D-F42A7BC3CB05}" type="pres">
-      <dgm:prSet presAssocID="{4DE91A29-169F-4400-99DE-3C3D4A70A7DD}" presName="spaceRect" presStyleCnt="0"/>
+    <dgm:pt modelId="{5E9679BC-DC1E-4E5C-AD35-9113B6D57289}" type="pres">
+      <dgm:prSet presAssocID="{64D6A350-7893-4CD0-B7A0-6333AD389926}" presName="spaceRect" presStyleCnt="0"/>
       <dgm:spPr/>
     </dgm:pt>
-    <dgm:pt modelId="{C7DF7460-D979-479A-8A3C-4F58E66F09A7}" type="pres">
-      <dgm:prSet presAssocID="{4DE91A29-169F-4400-99DE-3C3D4A70A7DD}" presName="textRect" presStyleLbl="revTx" presStyleIdx="0" presStyleCnt="6">
+    <dgm:pt modelId="{9A10355F-DD5B-44C6-A636-D4222ED6F98F}" type="pres">
+      <dgm:prSet presAssocID="{64D6A350-7893-4CD0-B7A0-6333AD389926}" presName="parTx" presStyleLbl="revTx" presStyleIdx="0" presStyleCnt="6">
         <dgm:presLayoutVars>
-          <dgm:chMax val="1"/>
-          <dgm:chPref val="1"/>
+          <dgm:chMax val="0"/>
+          <dgm:chPref val="0"/>
         </dgm:presLayoutVars>
       </dgm:prSet>
       <dgm:spPr/>
     </dgm:pt>
-    <dgm:pt modelId="{2BA42451-8FF1-4E5B-A5C9-B2E843D6FB41}" type="pres">
-      <dgm:prSet presAssocID="{538BC557-F29F-44C7-8374-B785741A09A0}" presName="sibTrans" presStyleLbl="sibTrans2D1" presStyleIdx="0" presStyleCnt="0"/>
+    <dgm:pt modelId="{1DDCE5A5-7B58-452C-8AC9-85C2711733F4}" type="pres">
+      <dgm:prSet presAssocID="{DF770BFD-D1BA-4AE4-A93F-A3E04F00BBEA}" presName="sibTrans" presStyleCnt="0"/>
       <dgm:spPr/>
     </dgm:pt>
-    <dgm:pt modelId="{2135144F-8B4A-4654-902A-123DC7BCB8F1}" type="pres">
-      <dgm:prSet presAssocID="{7C5BBA54-2789-402C-9F27-8BF029D0B840}" presName="compNode" presStyleCnt="0"/>
+    <dgm:pt modelId="{74C75158-E23D-439E-B640-F69AA6155002}" type="pres">
+      <dgm:prSet presAssocID="{BCD202AC-49A4-4BFA-9708-EA3B20B94E95}" presName="compNode" presStyleCnt="0"/>
       <dgm:spPr/>
     </dgm:pt>
-    <dgm:pt modelId="{27B93283-6836-4E7F-8B58-9039756570B7}" type="pres">
-      <dgm:prSet presAssocID="{7C5BBA54-2789-402C-9F27-8BF029D0B840}" presName="iconBgRect" presStyleLbl="bgShp" presStyleIdx="1" presStyleCnt="6"/>
+    <dgm:pt modelId="{3D3D07AB-D684-4D3D-BF3B-8545A73B4889}" type="pres">
+      <dgm:prSet presAssocID="{BCD202AC-49A4-4BFA-9708-EA3B20B94E95}" presName="bgRect" presStyleLbl="bgShp" presStyleIdx="1" presStyleCnt="6" custScaleY="134014"/>
       <dgm:spPr/>
     </dgm:pt>
-    <dgm:pt modelId="{A02CF345-FC23-45D5-BBC1-74DA1DA9873E}" type="pres">
-      <dgm:prSet presAssocID="{7C5BBA54-2789-402C-9F27-8BF029D0B840}" presName="iconRect" presStyleLbl="node1" presStyleIdx="1" presStyleCnt="6"/>
+    <dgm:pt modelId="{C475E4B1-FFED-470B-ABA8-0BDC965A6010}" type="pres">
+      <dgm:prSet presAssocID="{BCD202AC-49A4-4BFA-9708-EA3B20B94E95}" presName="iconRect" presStyleLbl="node1" presStyleIdx="1" presStyleCnt="6"/>
       <dgm:spPr>
         <a:blipFill>
           <a:blip xmlns:r="http://schemas.openxmlformats.org/officeDocument/2006/relationships" r:embed="rId3">
@@ -9290,33 +9452,33 @@
         </a:ext>
       </dgm:extLst>
     </dgm:pt>
-    <dgm:pt modelId="{726C449F-13DC-4548-AC9F-52DF2D69C1AB}" type="pres">
-      <dgm:prSet presAssocID="{7C5BBA54-2789-402C-9F27-8BF029D0B840}" presName="spaceRect" presStyleCnt="0"/>
+    <dgm:pt modelId="{54BC4875-6DA0-493D-A512-219FC6DE4384}" type="pres">
+      <dgm:prSet presAssocID="{BCD202AC-49A4-4BFA-9708-EA3B20B94E95}" presName="spaceRect" presStyleCnt="0"/>
       <dgm:spPr/>
     </dgm:pt>
-    <dgm:pt modelId="{8F4B3A42-BDE2-405F-B6EF-FDFF12BD23DE}" type="pres">
-      <dgm:prSet presAssocID="{7C5BBA54-2789-402C-9F27-8BF029D0B840}" presName="textRect" presStyleLbl="revTx" presStyleIdx="1" presStyleCnt="6">
+    <dgm:pt modelId="{44F1F30F-4C66-432C-A2C3-41AFE8CA9E27}" type="pres">
+      <dgm:prSet presAssocID="{BCD202AC-49A4-4BFA-9708-EA3B20B94E95}" presName="parTx" presStyleLbl="revTx" presStyleIdx="1" presStyleCnt="6">
         <dgm:presLayoutVars>
-          <dgm:chMax val="1"/>
-          <dgm:chPref val="1"/>
+          <dgm:chMax val="0"/>
+          <dgm:chPref val="0"/>
         </dgm:presLayoutVars>
       </dgm:prSet>
       <dgm:spPr/>
     </dgm:pt>
-    <dgm:pt modelId="{5B4890B1-5B48-47DE-B76B-41076FD75505}" type="pres">
-      <dgm:prSet presAssocID="{1698248E-E44E-4250-A255-20C712D05655}" presName="sibTrans" presStyleLbl="sibTrans2D1" presStyleIdx="0" presStyleCnt="0"/>
+    <dgm:pt modelId="{296F883F-D6ED-4348-8069-81751738E337}" type="pres">
+      <dgm:prSet presAssocID="{D540D133-CAB1-4A7B-8D12-B1E0DA8FE4D0}" presName="sibTrans" presStyleCnt="0"/>
       <dgm:spPr/>
     </dgm:pt>
-    <dgm:pt modelId="{5B2288E3-F2CF-4F09-ADE7-1CD5AD37AADA}" type="pres">
-      <dgm:prSet presAssocID="{4D259DA8-11AE-422A-9089-F2D55E930D16}" presName="compNode" presStyleCnt="0"/>
+    <dgm:pt modelId="{0C1F8437-8443-4A83-9FEF-B8A204EA210E}" type="pres">
+      <dgm:prSet presAssocID="{B8314AC0-9E0F-49E3-AD43-B2D018BA7FA9}" presName="compNode" presStyleCnt="0"/>
       <dgm:spPr/>
     </dgm:pt>
-    <dgm:pt modelId="{C90A706F-D6EF-4FCF-A61F-4A57BB47BE88}" type="pres">
-      <dgm:prSet presAssocID="{4D259DA8-11AE-422A-9089-F2D55E930D16}" presName="iconBgRect" presStyleLbl="bgShp" presStyleIdx="2" presStyleCnt="6"/>
+    <dgm:pt modelId="{6BE4C7BC-4DB4-49D3-ABE1-A3732821DAAC}" type="pres">
+      <dgm:prSet presAssocID="{B8314AC0-9E0F-49E3-AD43-B2D018BA7FA9}" presName="bgRect" presStyleLbl="bgShp" presStyleIdx="2" presStyleCnt="6" custScaleY="123042"/>
       <dgm:spPr/>
     </dgm:pt>
-    <dgm:pt modelId="{1C234E49-C8E9-4E24-9750-E2C14B377662}" type="pres">
-      <dgm:prSet presAssocID="{4D259DA8-11AE-422A-9089-F2D55E930D16}" presName="iconRect" presStyleLbl="node1" presStyleIdx="2" presStyleCnt="6"/>
+    <dgm:pt modelId="{F65B7405-E0E8-44F4-A9ED-A3BACA68D860}" type="pres">
+      <dgm:prSet presAssocID="{B8314AC0-9E0F-49E3-AD43-B2D018BA7FA9}" presName="iconRect" presStyleLbl="node1" presStyleIdx="2" presStyleCnt="6"/>
       <dgm:spPr>
         <a:blipFill>
           <a:blip xmlns:r="http://schemas.openxmlformats.org/officeDocument/2006/relationships" r:embed="rId5">
@@ -9343,33 +9505,33 @@
         </a:ext>
       </dgm:extLst>
     </dgm:pt>
-    <dgm:pt modelId="{FAF4AAF0-E80E-48CE-BBC6-1EF519E03531}" type="pres">
-      <dgm:prSet presAssocID="{4D259DA8-11AE-422A-9089-F2D55E930D16}" presName="spaceRect" presStyleCnt="0"/>
+    <dgm:pt modelId="{A7F401DD-142B-400D-B517-A79E3F6F132F}" type="pres">
+      <dgm:prSet presAssocID="{B8314AC0-9E0F-49E3-AD43-B2D018BA7FA9}" presName="spaceRect" presStyleCnt="0"/>
       <dgm:spPr/>
     </dgm:pt>
-    <dgm:pt modelId="{AE765BD2-ECE5-4E45-8260-29BA28667ACB}" type="pres">
-      <dgm:prSet presAssocID="{4D259DA8-11AE-422A-9089-F2D55E930D16}" presName="textRect" presStyleLbl="revTx" presStyleIdx="2" presStyleCnt="6">
+    <dgm:pt modelId="{80D9DA1F-6F07-4895-8684-8E9B6BBCC5F4}" type="pres">
+      <dgm:prSet presAssocID="{B8314AC0-9E0F-49E3-AD43-B2D018BA7FA9}" presName="parTx" presStyleLbl="revTx" presStyleIdx="2" presStyleCnt="6" custLinFactNeighborX="1579" custLinFactNeighborY="-6268">
         <dgm:presLayoutVars>
-          <dgm:chMax val="1"/>
-          <dgm:chPref val="1"/>
+          <dgm:chMax val="0"/>
+          <dgm:chPref val="0"/>
         </dgm:presLayoutVars>
       </dgm:prSet>
       <dgm:spPr/>
     </dgm:pt>
-    <dgm:pt modelId="{6F164456-CDBD-420F-AAE1-746A9B7F678F}" type="pres">
-      <dgm:prSet presAssocID="{CFFAD25F-BD51-4EBD-A7A2-4FBA3DE7CCB2}" presName="sibTrans" presStyleLbl="sibTrans2D1" presStyleIdx="0" presStyleCnt="0"/>
+    <dgm:pt modelId="{D053C6E7-E87B-4363-BD9B-4F7D63A5984D}" type="pres">
+      <dgm:prSet presAssocID="{97ED5E92-4D21-4917-A6AD-9EDE90BC6BD2}" presName="sibTrans" presStyleCnt="0"/>
       <dgm:spPr/>
     </dgm:pt>
-    <dgm:pt modelId="{9AC0A8B0-E37A-4112-A958-AAB20D826EF2}" type="pres">
-      <dgm:prSet presAssocID="{6BE3577A-2EEF-434D-A67D-1937786DE045}" presName="compNode" presStyleCnt="0"/>
+    <dgm:pt modelId="{37F641B0-BCF4-483B-BC6A-70EDBC06A0AB}" type="pres">
+      <dgm:prSet presAssocID="{0B216707-E07B-40F7-9F3F-A86B2B5D0437}" presName="compNode" presStyleCnt="0"/>
       <dgm:spPr/>
     </dgm:pt>
-    <dgm:pt modelId="{0BCBDC8E-22DF-46AB-A23B-2EE43F335AFD}" type="pres">
-      <dgm:prSet presAssocID="{6BE3577A-2EEF-434D-A67D-1937786DE045}" presName="iconBgRect" presStyleLbl="bgShp" presStyleIdx="3" presStyleCnt="6"/>
+    <dgm:pt modelId="{5067BFCA-2398-42E2-97FB-447DE92A9F6D}" type="pres">
+      <dgm:prSet presAssocID="{0B216707-E07B-40F7-9F3F-A86B2B5D0437}" presName="bgRect" presStyleLbl="bgShp" presStyleIdx="3" presStyleCnt="6"/>
       <dgm:spPr/>
     </dgm:pt>
-    <dgm:pt modelId="{066F885E-F14F-4891-9048-5055024C29B6}" type="pres">
-      <dgm:prSet presAssocID="{6BE3577A-2EEF-434D-A67D-1937786DE045}" presName="iconRect" presStyleLbl="node1" presStyleIdx="3" presStyleCnt="6"/>
+    <dgm:pt modelId="{090E4B54-5BF0-45E3-9AA4-5D87C8ADF837}" type="pres">
+      <dgm:prSet presAssocID="{0B216707-E07B-40F7-9F3F-A86B2B5D0437}" presName="iconRect" presStyleLbl="node1" presStyleIdx="3" presStyleCnt="6"/>
       <dgm:spPr>
         <a:blipFill>
           <a:blip xmlns:r="http://schemas.openxmlformats.org/officeDocument/2006/relationships" r:embed="rId7">
@@ -9392,37 +9554,37 @@
       </dgm:spPr>
       <dgm:extLst>
         <a:ext uri="{E40237B7-FDA0-4F09-8148-C483321AD2D9}">
-          <dgm14:cNvPr xmlns:dgm14="http://schemas.microsoft.com/office/drawing/2010/diagram" id="0" name="" descr="Right Pointing Backhand Index"/>
+          <dgm14:cNvPr xmlns:dgm14="http://schemas.microsoft.com/office/drawing/2010/diagram" id="0" name="" descr="Magnifying glass"/>
         </a:ext>
       </dgm:extLst>
     </dgm:pt>
-    <dgm:pt modelId="{94BE55DB-A44A-4E54-AFAF-968D019D206F}" type="pres">
-      <dgm:prSet presAssocID="{6BE3577A-2EEF-434D-A67D-1937786DE045}" presName="spaceRect" presStyleCnt="0"/>
+    <dgm:pt modelId="{2D20C1DB-72D9-4904-B783-BC5EF0C5F53E}" type="pres">
+      <dgm:prSet presAssocID="{0B216707-E07B-40F7-9F3F-A86B2B5D0437}" presName="spaceRect" presStyleCnt="0"/>
       <dgm:spPr/>
     </dgm:pt>
-    <dgm:pt modelId="{D1B88C79-E19D-4F06-9B37-1913F75808D6}" type="pres">
-      <dgm:prSet presAssocID="{6BE3577A-2EEF-434D-A67D-1937786DE045}" presName="textRect" presStyleLbl="revTx" presStyleIdx="3" presStyleCnt="6">
+    <dgm:pt modelId="{6E6F68F5-E99B-4041-865C-15A43317DF69}" type="pres">
+      <dgm:prSet presAssocID="{0B216707-E07B-40F7-9F3F-A86B2B5D0437}" presName="parTx" presStyleLbl="revTx" presStyleIdx="3" presStyleCnt="6">
         <dgm:presLayoutVars>
-          <dgm:chMax val="1"/>
-          <dgm:chPref val="1"/>
+          <dgm:chMax val="0"/>
+          <dgm:chPref val="0"/>
         </dgm:presLayoutVars>
       </dgm:prSet>
       <dgm:spPr/>
     </dgm:pt>
-    <dgm:pt modelId="{7C3F35A6-25C0-43B1-89D7-0CF8EBB82896}" type="pres">
-      <dgm:prSet presAssocID="{CB493FE5-B295-44AC-8954-9D3891861046}" presName="sibTrans" presStyleLbl="sibTrans2D1" presStyleIdx="0" presStyleCnt="0"/>
+    <dgm:pt modelId="{13F0E7F1-8D98-44D0-A11A-2F0A694A94BE}" type="pres">
+      <dgm:prSet presAssocID="{709567F7-9414-4F8D-B073-8556E3A21900}" presName="sibTrans" presStyleCnt="0"/>
       <dgm:spPr/>
     </dgm:pt>
-    <dgm:pt modelId="{57D1F32A-BDED-4F38-86E7-B1096CF71F9A}" type="pres">
-      <dgm:prSet presAssocID="{F703D793-A918-439D-B186-1D60B1819940}" presName="compNode" presStyleCnt="0"/>
+    <dgm:pt modelId="{32D0AC20-844D-4D6E-A85C-CEAB56CD8D4A}" type="pres">
+      <dgm:prSet presAssocID="{D698D894-EE4E-4E9D-ACB3-2858CDCBC62C}" presName="compNode" presStyleCnt="0"/>
       <dgm:spPr/>
     </dgm:pt>
-    <dgm:pt modelId="{AC1093DC-7BA6-4E00-ADA0-006B5DD42660}" type="pres">
-      <dgm:prSet presAssocID="{F703D793-A918-439D-B186-1D60B1819940}" presName="iconBgRect" presStyleLbl="bgShp" presStyleIdx="4" presStyleCnt="6"/>
+    <dgm:pt modelId="{051A46D7-10E2-4658-AA72-22E54D4E0408}" type="pres">
+      <dgm:prSet presAssocID="{D698D894-EE4E-4E9D-ACB3-2858CDCBC62C}" presName="bgRect" presStyleLbl="bgShp" presStyleIdx="4" presStyleCnt="6" custScaleY="168991"/>
       <dgm:spPr/>
     </dgm:pt>
-    <dgm:pt modelId="{423A8A95-20E4-4E43-8AF8-4F1AED368C4A}" type="pres">
-      <dgm:prSet presAssocID="{F703D793-A918-439D-B186-1D60B1819940}" presName="iconRect" presStyleLbl="node1" presStyleIdx="4" presStyleCnt="6"/>
+    <dgm:pt modelId="{07724D73-64F9-46AD-9852-326556672361}" type="pres">
+      <dgm:prSet presAssocID="{D698D894-EE4E-4E9D-ACB3-2858CDCBC62C}" presName="iconRect" presStyleLbl="node1" presStyleIdx="4" presStyleCnt="6"/>
       <dgm:spPr>
         <a:blipFill>
           <a:blip xmlns:r="http://schemas.openxmlformats.org/officeDocument/2006/relationships" r:embed="rId9">
@@ -9445,37 +9607,37 @@
       </dgm:spPr>
       <dgm:extLst>
         <a:ext uri="{E40237B7-FDA0-4F09-8148-C483321AD2D9}">
-          <dgm14:cNvPr xmlns:dgm14="http://schemas.microsoft.com/office/drawing/2010/diagram" id="0" name="" descr="Database"/>
+          <dgm14:cNvPr xmlns:dgm14="http://schemas.microsoft.com/office/drawing/2010/diagram" id="0" name="" descr="Zoom Out"/>
         </a:ext>
       </dgm:extLst>
     </dgm:pt>
-    <dgm:pt modelId="{4E2EC470-2E89-4C1F-A754-A3CE28CBA425}" type="pres">
-      <dgm:prSet presAssocID="{F703D793-A918-439D-B186-1D60B1819940}" presName="spaceRect" presStyleCnt="0"/>
+    <dgm:pt modelId="{3BB27C72-DB1E-4533-AD61-901DB5E46170}" type="pres">
+      <dgm:prSet presAssocID="{D698D894-EE4E-4E9D-ACB3-2858CDCBC62C}" presName="spaceRect" presStyleCnt="0"/>
       <dgm:spPr/>
     </dgm:pt>
-    <dgm:pt modelId="{E842CF6B-F1D6-40A4-9D98-383390B9B87F}" type="pres">
-      <dgm:prSet presAssocID="{F703D793-A918-439D-B186-1D60B1819940}" presName="textRect" presStyleLbl="revTx" presStyleIdx="4" presStyleCnt="6">
+    <dgm:pt modelId="{01E8B845-16F4-4DFD-8DE2-28FDBB752BEF}" type="pres">
+      <dgm:prSet presAssocID="{D698D894-EE4E-4E9D-ACB3-2858CDCBC62C}" presName="parTx" presStyleLbl="revTx" presStyleIdx="4" presStyleCnt="6" custScaleY="104815" custLinFactNeighborX="-440" custLinFactNeighborY="-13733">
         <dgm:presLayoutVars>
-          <dgm:chMax val="1"/>
-          <dgm:chPref val="1"/>
+          <dgm:chMax val="0"/>
+          <dgm:chPref val="0"/>
         </dgm:presLayoutVars>
       </dgm:prSet>
       <dgm:spPr/>
     </dgm:pt>
-    <dgm:pt modelId="{54D530DE-532F-4B3D-88F7-FE9D9060966E}" type="pres">
-      <dgm:prSet presAssocID="{33AAA227-0A68-43FE-8DFF-ECD1CD9B32AD}" presName="sibTrans" presStyleLbl="sibTrans2D1" presStyleIdx="0" presStyleCnt="0"/>
+    <dgm:pt modelId="{D784813F-1B7C-466A-A64D-D710548D02BE}" type="pres">
+      <dgm:prSet presAssocID="{22153FF3-63C5-4604-9A8C-444E3201D36E}" presName="sibTrans" presStyleCnt="0"/>
       <dgm:spPr/>
     </dgm:pt>
-    <dgm:pt modelId="{CFED6AC3-428A-4452-9138-B1D63A27D8A0}" type="pres">
-      <dgm:prSet presAssocID="{4FF699F8-B6E9-8F4B-80E0-2386E2F81AE2}" presName="compNode" presStyleCnt="0"/>
+    <dgm:pt modelId="{1D459A4C-D49D-40AA-8436-A84A96D1A703}" type="pres">
+      <dgm:prSet presAssocID="{F9711525-17E8-45BF-9C84-1CCB30551CD9}" presName="compNode" presStyleCnt="0"/>
       <dgm:spPr/>
     </dgm:pt>
-    <dgm:pt modelId="{8DD7E083-D61B-434C-AA35-345276811284}" type="pres">
-      <dgm:prSet presAssocID="{4FF699F8-B6E9-8F4B-80E0-2386E2F81AE2}" presName="iconBgRect" presStyleLbl="bgShp" presStyleIdx="5" presStyleCnt="6"/>
+    <dgm:pt modelId="{19920550-A418-4ADB-88C8-7D34118A0534}" type="pres">
+      <dgm:prSet presAssocID="{F9711525-17E8-45BF-9C84-1CCB30551CD9}" presName="bgRect" presStyleLbl="bgShp" presStyleIdx="5" presStyleCnt="6" custScaleY="154247"/>
       <dgm:spPr/>
     </dgm:pt>
-    <dgm:pt modelId="{8C8D8D11-A8BC-495A-95CD-8179B52CF9A1}" type="pres">
-      <dgm:prSet presAssocID="{4FF699F8-B6E9-8F4B-80E0-2386E2F81AE2}" presName="iconRect" presStyleLbl="node1" presStyleIdx="5" presStyleCnt="6"/>
+    <dgm:pt modelId="{E84A854F-31C6-4E9E-9328-C9A238E08C69}" type="pres">
+      <dgm:prSet presAssocID="{F9711525-17E8-45BF-9C84-1CCB30551CD9}" presName="iconRect" presStyleLbl="node1" presStyleIdx="5" presStyleCnt="6"/>
       <dgm:spPr>
         <a:blipFill>
           <a:blip xmlns:r="http://schemas.openxmlformats.org/officeDocument/2006/relationships" r:embed="rId11">
@@ -9498,93 +9660,79 @@
       </dgm:spPr>
       <dgm:extLst>
         <a:ext uri="{E40237B7-FDA0-4F09-8148-C483321AD2D9}">
-          <dgm14:cNvPr xmlns:dgm14="http://schemas.microsoft.com/office/drawing/2010/diagram" id="0" name="" descr="Target Audience"/>
+          <dgm14:cNvPr xmlns:dgm14="http://schemas.microsoft.com/office/drawing/2010/diagram" id="0" name="" descr="Filter"/>
         </a:ext>
       </dgm:extLst>
     </dgm:pt>
-    <dgm:pt modelId="{1A74EFDB-5134-40AA-B875-415CD92EA309}" type="pres">
-      <dgm:prSet presAssocID="{4FF699F8-B6E9-8F4B-80E0-2386E2F81AE2}" presName="spaceRect" presStyleCnt="0"/>
+    <dgm:pt modelId="{BA5C665A-2D26-4820-9569-66E24AD60E14}" type="pres">
+      <dgm:prSet presAssocID="{F9711525-17E8-45BF-9C84-1CCB30551CD9}" presName="spaceRect" presStyleCnt="0"/>
       <dgm:spPr/>
     </dgm:pt>
-    <dgm:pt modelId="{253BDD44-D96E-4587-8A98-B2C2E455E5CF}" type="pres">
-      <dgm:prSet presAssocID="{4FF699F8-B6E9-8F4B-80E0-2386E2F81AE2}" presName="textRect" presStyleLbl="revTx" presStyleIdx="5" presStyleCnt="6">
+    <dgm:pt modelId="{073C2F1D-C732-4B97-91BE-B7B120C8CF58}" type="pres">
+      <dgm:prSet presAssocID="{F9711525-17E8-45BF-9C84-1CCB30551CD9}" presName="parTx" presStyleLbl="revTx" presStyleIdx="5" presStyleCnt="6">
         <dgm:presLayoutVars>
-          <dgm:chMax val="1"/>
-          <dgm:chPref val="1"/>
+          <dgm:chMax val="0"/>
+          <dgm:chPref val="0"/>
         </dgm:presLayoutVars>
       </dgm:prSet>
       <dgm:spPr/>
     </dgm:pt>
   </dgm:ptLst>
   <dgm:cxnLst>
-    <dgm:cxn modelId="{6B0B3615-AF23-4FCA-B0C9-A8E81D82DEB0}" srcId="{84E32B9B-FD57-408C-B439-AF016CD55C9C}" destId="{4DE91A29-169F-4400-99DE-3C3D4A70A7DD}" srcOrd="0" destOrd="0" parTransId="{75524E49-107C-4FA5-854F-31D401FA403B}" sibTransId="{538BC557-F29F-44C7-8374-B785741A09A0}"/>
-    <dgm:cxn modelId="{89A8EC1D-E5BA-FE43-A38D-C5BF44D13CEC}" type="presOf" srcId="{6BE3577A-2EEF-434D-A67D-1937786DE045}" destId="{D1B88C79-E19D-4F06-9B37-1913F75808D6}" srcOrd="0" destOrd="0" presId="urn:microsoft.com/office/officeart/2018/2/layout/IconCircleList"/>
-    <dgm:cxn modelId="{8DAA0524-71A0-CA49-9B62-95188D34A90E}" type="presOf" srcId="{4DE91A29-169F-4400-99DE-3C3D4A70A7DD}" destId="{C7DF7460-D979-479A-8A3C-4F58E66F09A7}" srcOrd="0" destOrd="0" presId="urn:microsoft.com/office/officeart/2018/2/layout/IconCircleList"/>
-    <dgm:cxn modelId="{16E15E2B-AB99-41EB-813A-23531E355079}" srcId="{84E32B9B-FD57-408C-B439-AF016CD55C9C}" destId="{4D259DA8-11AE-422A-9089-F2D55E930D16}" srcOrd="2" destOrd="0" parTransId="{3A57AC02-0858-4A9B-A9DF-05E6EBDE0CED}" sibTransId="{CFFAD25F-BD51-4EBD-A7A2-4FBA3DE7CCB2}"/>
-    <dgm:cxn modelId="{03B6E730-C3DB-42B3-AE3F-F3B7E803DC37}" srcId="{84E32B9B-FD57-408C-B439-AF016CD55C9C}" destId="{7C5BBA54-2789-402C-9F27-8BF029D0B840}" srcOrd="1" destOrd="0" parTransId="{84515A20-A696-4FD5-A2A0-8854102BBD3C}" sibTransId="{1698248E-E44E-4250-A255-20C712D05655}"/>
-    <dgm:cxn modelId="{191F6233-55B8-814B-BDC0-F20199AA9BA9}" type="presOf" srcId="{CFFAD25F-BD51-4EBD-A7A2-4FBA3DE7CCB2}" destId="{6F164456-CDBD-420F-AAE1-746A9B7F678F}" srcOrd="0" destOrd="0" presId="urn:microsoft.com/office/officeart/2018/2/layout/IconCircleList"/>
-    <dgm:cxn modelId="{84237A34-831A-4D06-9218-DF7E47F571F0}" srcId="{84E32B9B-FD57-408C-B439-AF016CD55C9C}" destId="{6BE3577A-2EEF-434D-A67D-1937786DE045}" srcOrd="3" destOrd="0" parTransId="{EACA85A9-33F7-4F5C-8066-3572F3BD9321}" sibTransId="{CB493FE5-B295-44AC-8954-9D3891861046}"/>
-    <dgm:cxn modelId="{5E13BA51-E419-DD48-8F66-D24D0F2A176D}" type="presOf" srcId="{84E32B9B-FD57-408C-B439-AF016CD55C9C}" destId="{0E4B039F-C965-4C55-AB0C-2CBC3C012ED7}" srcOrd="0" destOrd="0" presId="urn:microsoft.com/office/officeart/2018/2/layout/IconCircleList"/>
-    <dgm:cxn modelId="{B7223C54-A0BA-8746-BCB8-B7DD45BC9988}" srcId="{84E32B9B-FD57-408C-B439-AF016CD55C9C}" destId="{4FF699F8-B6E9-8F4B-80E0-2386E2F81AE2}" srcOrd="5" destOrd="0" parTransId="{2D4D9A71-31BE-7440-B4C9-DFEB734E8066}" sibTransId="{392E2554-0551-6D45-B711-F554C95D9F27}"/>
-    <dgm:cxn modelId="{B333C365-543E-B147-9BE5-D18A67B63195}" type="presOf" srcId="{4D259DA8-11AE-422A-9089-F2D55E930D16}" destId="{AE765BD2-ECE5-4E45-8260-29BA28667ACB}" srcOrd="0" destOrd="0" presId="urn:microsoft.com/office/officeart/2018/2/layout/IconCircleList"/>
-    <dgm:cxn modelId="{A21E006B-4EC5-463A-9251-D39212BC8668}" srcId="{84E32B9B-FD57-408C-B439-AF016CD55C9C}" destId="{F703D793-A918-439D-B186-1D60B1819940}" srcOrd="4" destOrd="0" parTransId="{9A2E3F2C-35CE-474E-9873-E950D603A12E}" sibTransId="{33AAA227-0A68-43FE-8DFF-ECD1CD9B32AD}"/>
-    <dgm:cxn modelId="{71EB648B-D2A6-B241-A5BB-7B1DE0C0E64F}" type="presOf" srcId="{CB493FE5-B295-44AC-8954-9D3891861046}" destId="{7C3F35A6-25C0-43B1-89D7-0CF8EBB82896}" srcOrd="0" destOrd="0" presId="urn:microsoft.com/office/officeart/2018/2/layout/IconCircleList"/>
-    <dgm:cxn modelId="{5E27B98D-8796-A247-8FD5-50AF38EDF18E}" type="presOf" srcId="{33AAA227-0A68-43FE-8DFF-ECD1CD9B32AD}" destId="{54D530DE-532F-4B3D-88F7-FE9D9060966E}" srcOrd="0" destOrd="0" presId="urn:microsoft.com/office/officeart/2018/2/layout/IconCircleList"/>
-    <dgm:cxn modelId="{98D08694-707D-A348-8497-442DAD8A12D7}" type="presOf" srcId="{4FF699F8-B6E9-8F4B-80E0-2386E2F81AE2}" destId="{253BDD44-D96E-4587-8A98-B2C2E455E5CF}" srcOrd="0" destOrd="0" presId="urn:microsoft.com/office/officeart/2018/2/layout/IconCircleList"/>
-    <dgm:cxn modelId="{6F2ED7B1-F660-CF40-9A23-198E95BACD7D}" type="presOf" srcId="{1698248E-E44E-4250-A255-20C712D05655}" destId="{5B4890B1-5B48-47DE-B76B-41076FD75505}" srcOrd="0" destOrd="0" presId="urn:microsoft.com/office/officeart/2018/2/layout/IconCircleList"/>
-    <dgm:cxn modelId="{C76F3DCE-8799-414F-9AF9-9BCA7AE0C029}" type="presOf" srcId="{7C5BBA54-2789-402C-9F27-8BF029D0B840}" destId="{8F4B3A42-BDE2-405F-B6EF-FDFF12BD23DE}" srcOrd="0" destOrd="0" presId="urn:microsoft.com/office/officeart/2018/2/layout/IconCircleList"/>
-    <dgm:cxn modelId="{BCFF27E5-BA11-F646-9BC7-63653302318B}" type="presOf" srcId="{F703D793-A918-439D-B186-1D60B1819940}" destId="{E842CF6B-F1D6-40A4-9D98-383390B9B87F}" srcOrd="0" destOrd="0" presId="urn:microsoft.com/office/officeart/2018/2/layout/IconCircleList"/>
-    <dgm:cxn modelId="{F9B407F4-055A-6F45-921D-B83377F2E05B}" type="presOf" srcId="{538BC557-F29F-44C7-8374-B785741A09A0}" destId="{2BA42451-8FF1-4E5B-A5C9-B2E843D6FB41}" srcOrd="0" destOrd="0" presId="urn:microsoft.com/office/officeart/2018/2/layout/IconCircleList"/>
-    <dgm:cxn modelId="{AE92DD55-1BA5-CC40-827F-A117227C5C79}" type="presParOf" srcId="{0E4B039F-C965-4C55-AB0C-2CBC3C012ED7}" destId="{836D56FE-59C0-46C2-B165-D016CADABC34}" srcOrd="0" destOrd="0" presId="urn:microsoft.com/office/officeart/2018/2/layout/IconCircleList"/>
-    <dgm:cxn modelId="{97D7B44A-2FAE-9C45-9E59-A6B701F9D9C3}" type="presParOf" srcId="{836D56FE-59C0-46C2-B165-D016CADABC34}" destId="{9BA7B4C2-7445-49CC-806B-5D0B1E8FA168}" srcOrd="0" destOrd="0" presId="urn:microsoft.com/office/officeart/2018/2/layout/IconCircleList"/>
-    <dgm:cxn modelId="{58B3865F-C296-2144-82B8-AA98F63E0287}" type="presParOf" srcId="{9BA7B4C2-7445-49CC-806B-5D0B1E8FA168}" destId="{44B7392A-01B0-4E1B-8681-8A385A97C153}" srcOrd="0" destOrd="0" presId="urn:microsoft.com/office/officeart/2018/2/layout/IconCircleList"/>
-    <dgm:cxn modelId="{3BBDF3A5-5BCD-DC41-BE8E-A5B2623ACC17}" type="presParOf" srcId="{9BA7B4C2-7445-49CC-806B-5D0B1E8FA168}" destId="{A3DEB29C-9795-444B-929C-FD38E7805D64}" srcOrd="1" destOrd="0" presId="urn:microsoft.com/office/officeart/2018/2/layout/IconCircleList"/>
-    <dgm:cxn modelId="{FB907FBD-61ED-024E-A521-8358726A74C2}" type="presParOf" srcId="{9BA7B4C2-7445-49CC-806B-5D0B1E8FA168}" destId="{F5AAE589-9277-462E-AA3D-F42A7BC3CB05}" srcOrd="2" destOrd="0" presId="urn:microsoft.com/office/officeart/2018/2/layout/IconCircleList"/>
-    <dgm:cxn modelId="{2CC564A3-11D7-D244-950C-718449EA5D66}" type="presParOf" srcId="{9BA7B4C2-7445-49CC-806B-5D0B1E8FA168}" destId="{C7DF7460-D979-479A-8A3C-4F58E66F09A7}" srcOrd="3" destOrd="0" presId="urn:microsoft.com/office/officeart/2018/2/layout/IconCircleList"/>
-    <dgm:cxn modelId="{3A97199A-DB7F-C245-B898-4852842187CC}" type="presParOf" srcId="{836D56FE-59C0-46C2-B165-D016CADABC34}" destId="{2BA42451-8FF1-4E5B-A5C9-B2E843D6FB41}" srcOrd="1" destOrd="0" presId="urn:microsoft.com/office/officeart/2018/2/layout/IconCircleList"/>
-    <dgm:cxn modelId="{20BDA61E-3F1A-6043-9578-046BE0E5D59B}" type="presParOf" srcId="{836D56FE-59C0-46C2-B165-D016CADABC34}" destId="{2135144F-8B4A-4654-902A-123DC7BCB8F1}" srcOrd="2" destOrd="0" presId="urn:microsoft.com/office/officeart/2018/2/layout/IconCircleList"/>
-    <dgm:cxn modelId="{51C63EAE-1077-8B44-ADE2-E41E0A7D849C}" type="presParOf" srcId="{2135144F-8B4A-4654-902A-123DC7BCB8F1}" destId="{27B93283-6836-4E7F-8B58-9039756570B7}" srcOrd="0" destOrd="0" presId="urn:microsoft.com/office/officeart/2018/2/layout/IconCircleList"/>
-    <dgm:cxn modelId="{AF224385-9397-5948-AEDE-294CA3DDBD7E}" type="presParOf" srcId="{2135144F-8B4A-4654-902A-123DC7BCB8F1}" destId="{A02CF345-FC23-45D5-BBC1-74DA1DA9873E}" srcOrd="1" destOrd="0" presId="urn:microsoft.com/office/officeart/2018/2/layout/IconCircleList"/>
-    <dgm:cxn modelId="{3AE61839-0381-EB4E-8E06-AF039695761F}" type="presParOf" srcId="{2135144F-8B4A-4654-902A-123DC7BCB8F1}" destId="{726C449F-13DC-4548-AC9F-52DF2D69C1AB}" srcOrd="2" destOrd="0" presId="urn:microsoft.com/office/officeart/2018/2/layout/IconCircleList"/>
-    <dgm:cxn modelId="{189AB4F8-F7A2-704E-85A7-93A771D064F0}" type="presParOf" srcId="{2135144F-8B4A-4654-902A-123DC7BCB8F1}" destId="{8F4B3A42-BDE2-405F-B6EF-FDFF12BD23DE}" srcOrd="3" destOrd="0" presId="urn:microsoft.com/office/officeart/2018/2/layout/IconCircleList"/>
-    <dgm:cxn modelId="{E1D3D6F0-1A83-F849-807F-F39AFFD8424D}" type="presParOf" srcId="{836D56FE-59C0-46C2-B165-D016CADABC34}" destId="{5B4890B1-5B48-47DE-B76B-41076FD75505}" srcOrd="3" destOrd="0" presId="urn:microsoft.com/office/officeart/2018/2/layout/IconCircleList"/>
-    <dgm:cxn modelId="{995075C4-77AA-0D42-80B2-159942E949E9}" type="presParOf" srcId="{836D56FE-59C0-46C2-B165-D016CADABC34}" destId="{5B2288E3-F2CF-4F09-ADE7-1CD5AD37AADA}" srcOrd="4" destOrd="0" presId="urn:microsoft.com/office/officeart/2018/2/layout/IconCircleList"/>
-    <dgm:cxn modelId="{9D2B6B66-A2EB-4E44-AD6B-00A9325B02D6}" type="presParOf" srcId="{5B2288E3-F2CF-4F09-ADE7-1CD5AD37AADA}" destId="{C90A706F-D6EF-4FCF-A61F-4A57BB47BE88}" srcOrd="0" destOrd="0" presId="urn:microsoft.com/office/officeart/2018/2/layout/IconCircleList"/>
-    <dgm:cxn modelId="{A180B998-E447-9349-8475-233BC8C72A7C}" type="presParOf" srcId="{5B2288E3-F2CF-4F09-ADE7-1CD5AD37AADA}" destId="{1C234E49-C8E9-4E24-9750-E2C14B377662}" srcOrd="1" destOrd="0" presId="urn:microsoft.com/office/officeart/2018/2/layout/IconCircleList"/>
-    <dgm:cxn modelId="{A4C0E523-187F-2443-AAEC-B98E1198CEB4}" type="presParOf" srcId="{5B2288E3-F2CF-4F09-ADE7-1CD5AD37AADA}" destId="{FAF4AAF0-E80E-48CE-BBC6-1EF519E03531}" srcOrd="2" destOrd="0" presId="urn:microsoft.com/office/officeart/2018/2/layout/IconCircleList"/>
-    <dgm:cxn modelId="{413D3E1D-0F82-5944-AA23-7622D712E618}" type="presParOf" srcId="{5B2288E3-F2CF-4F09-ADE7-1CD5AD37AADA}" destId="{AE765BD2-ECE5-4E45-8260-29BA28667ACB}" srcOrd="3" destOrd="0" presId="urn:microsoft.com/office/officeart/2018/2/layout/IconCircleList"/>
-    <dgm:cxn modelId="{83C3185F-5677-474C-AD4C-5B8B27260CDE}" type="presParOf" srcId="{836D56FE-59C0-46C2-B165-D016CADABC34}" destId="{6F164456-CDBD-420F-AAE1-746A9B7F678F}" srcOrd="5" destOrd="0" presId="urn:microsoft.com/office/officeart/2018/2/layout/IconCircleList"/>
-    <dgm:cxn modelId="{A8DB326E-B398-9548-A3BC-9397A4769BA7}" type="presParOf" srcId="{836D56FE-59C0-46C2-B165-D016CADABC34}" destId="{9AC0A8B0-E37A-4112-A958-AAB20D826EF2}" srcOrd="6" destOrd="0" presId="urn:microsoft.com/office/officeart/2018/2/layout/IconCircleList"/>
-    <dgm:cxn modelId="{27BB9AF4-2E26-2D4A-8A96-8F922BB29A53}" type="presParOf" srcId="{9AC0A8B0-E37A-4112-A958-AAB20D826EF2}" destId="{0BCBDC8E-22DF-46AB-A23B-2EE43F335AFD}" srcOrd="0" destOrd="0" presId="urn:microsoft.com/office/officeart/2018/2/layout/IconCircleList"/>
-    <dgm:cxn modelId="{75A0F5F2-E7A1-8043-8480-D14A83B59256}" type="presParOf" srcId="{9AC0A8B0-E37A-4112-A958-AAB20D826EF2}" destId="{066F885E-F14F-4891-9048-5055024C29B6}" srcOrd="1" destOrd="0" presId="urn:microsoft.com/office/officeart/2018/2/layout/IconCircleList"/>
-    <dgm:cxn modelId="{8C0EC52A-680E-EE40-814E-14856C0CFFF9}" type="presParOf" srcId="{9AC0A8B0-E37A-4112-A958-AAB20D826EF2}" destId="{94BE55DB-A44A-4E54-AFAF-968D019D206F}" srcOrd="2" destOrd="0" presId="urn:microsoft.com/office/officeart/2018/2/layout/IconCircleList"/>
-    <dgm:cxn modelId="{2171841F-39F0-1F47-AE5A-27B132EB0444}" type="presParOf" srcId="{9AC0A8B0-E37A-4112-A958-AAB20D826EF2}" destId="{D1B88C79-E19D-4F06-9B37-1913F75808D6}" srcOrd="3" destOrd="0" presId="urn:microsoft.com/office/officeart/2018/2/layout/IconCircleList"/>
-    <dgm:cxn modelId="{935F4D4D-7FE5-EA49-B1F8-C7C9ED24482E}" type="presParOf" srcId="{836D56FE-59C0-46C2-B165-D016CADABC34}" destId="{7C3F35A6-25C0-43B1-89D7-0CF8EBB82896}" srcOrd="7" destOrd="0" presId="urn:microsoft.com/office/officeart/2018/2/layout/IconCircleList"/>
-    <dgm:cxn modelId="{69DD05A5-467F-EF46-A30A-5FDD831359D2}" type="presParOf" srcId="{836D56FE-59C0-46C2-B165-D016CADABC34}" destId="{57D1F32A-BDED-4F38-86E7-B1096CF71F9A}" srcOrd="8" destOrd="0" presId="urn:microsoft.com/office/officeart/2018/2/layout/IconCircleList"/>
-    <dgm:cxn modelId="{20E7B797-9C95-A64A-B60C-2F6048FD15BA}" type="presParOf" srcId="{57D1F32A-BDED-4F38-86E7-B1096CF71F9A}" destId="{AC1093DC-7BA6-4E00-ADA0-006B5DD42660}" srcOrd="0" destOrd="0" presId="urn:microsoft.com/office/officeart/2018/2/layout/IconCircleList"/>
-    <dgm:cxn modelId="{031D8289-4082-0240-91AC-5D37AF9737C2}" type="presParOf" srcId="{57D1F32A-BDED-4F38-86E7-B1096CF71F9A}" destId="{423A8A95-20E4-4E43-8AF8-4F1AED368C4A}" srcOrd="1" destOrd="0" presId="urn:microsoft.com/office/officeart/2018/2/layout/IconCircleList"/>
-    <dgm:cxn modelId="{8EB65AD1-833B-3043-856E-D696954F130A}" type="presParOf" srcId="{57D1F32A-BDED-4F38-86E7-B1096CF71F9A}" destId="{4E2EC470-2E89-4C1F-A754-A3CE28CBA425}" srcOrd="2" destOrd="0" presId="urn:microsoft.com/office/officeart/2018/2/layout/IconCircleList"/>
-    <dgm:cxn modelId="{86D88BA0-6612-0346-85C7-22C022D86A11}" type="presParOf" srcId="{57D1F32A-BDED-4F38-86E7-B1096CF71F9A}" destId="{E842CF6B-F1D6-40A4-9D98-383390B9B87F}" srcOrd="3" destOrd="0" presId="urn:microsoft.com/office/officeart/2018/2/layout/IconCircleList"/>
-    <dgm:cxn modelId="{23F1A8A9-B70E-FB44-B6DD-1ACD703AD02F}" type="presParOf" srcId="{836D56FE-59C0-46C2-B165-D016CADABC34}" destId="{54D530DE-532F-4B3D-88F7-FE9D9060966E}" srcOrd="9" destOrd="0" presId="urn:microsoft.com/office/officeart/2018/2/layout/IconCircleList"/>
-    <dgm:cxn modelId="{4970917B-6D2C-6E41-AD35-CA214DF6E6A9}" type="presParOf" srcId="{836D56FE-59C0-46C2-B165-D016CADABC34}" destId="{CFED6AC3-428A-4452-9138-B1D63A27D8A0}" srcOrd="10" destOrd="0" presId="urn:microsoft.com/office/officeart/2018/2/layout/IconCircleList"/>
-    <dgm:cxn modelId="{6AF017CD-6C29-4941-A878-8D84791D8A55}" type="presParOf" srcId="{CFED6AC3-428A-4452-9138-B1D63A27D8A0}" destId="{8DD7E083-D61B-434C-AA35-345276811284}" srcOrd="0" destOrd="0" presId="urn:microsoft.com/office/officeart/2018/2/layout/IconCircleList"/>
-    <dgm:cxn modelId="{B564C093-92D5-F745-A924-297646FC1BAF}" type="presParOf" srcId="{CFED6AC3-428A-4452-9138-B1D63A27D8A0}" destId="{8C8D8D11-A8BC-495A-95CD-8179B52CF9A1}" srcOrd="1" destOrd="0" presId="urn:microsoft.com/office/officeart/2018/2/layout/IconCircleList"/>
-    <dgm:cxn modelId="{E5F254BE-D762-904E-A134-DAB0A5A10F59}" type="presParOf" srcId="{CFED6AC3-428A-4452-9138-B1D63A27D8A0}" destId="{1A74EFDB-5134-40AA-B875-415CD92EA309}" srcOrd="2" destOrd="0" presId="urn:microsoft.com/office/officeart/2018/2/layout/IconCircleList"/>
-    <dgm:cxn modelId="{D85F06F2-1F2E-E94B-BD85-21674393D71E}" type="presParOf" srcId="{CFED6AC3-428A-4452-9138-B1D63A27D8A0}" destId="{253BDD44-D96E-4587-8A98-B2C2E455E5CF}" srcOrd="3" destOrd="0" presId="urn:microsoft.com/office/officeart/2018/2/layout/IconCircleList"/>
+    <dgm:cxn modelId="{20885712-91F2-416E-B185-E37B45A8B4B0}" srcId="{DEBC08DE-D4B9-49B3-AE23-447C90AEB136}" destId="{0B216707-E07B-40F7-9F3F-A86B2B5D0437}" srcOrd="3" destOrd="0" parTransId="{47ED65DF-49FD-4846-AF42-98C1DBAC5D57}" sibTransId="{709567F7-9414-4F8D-B073-8556E3A21900}"/>
+    <dgm:cxn modelId="{C130741F-9A34-4E98-986E-4354731C87A6}" srcId="{DEBC08DE-D4B9-49B3-AE23-447C90AEB136}" destId="{64D6A350-7893-4CD0-B7A0-6333AD389926}" srcOrd="0" destOrd="0" parTransId="{7977A0FD-1B50-4E71-988A-D766D751ED7E}" sibTransId="{DF770BFD-D1BA-4AE4-A93F-A3E04F00BBEA}"/>
+    <dgm:cxn modelId="{AAAAFE51-F021-46AD-8750-383AA1EE30BA}" type="presOf" srcId="{B8314AC0-9E0F-49E3-AD43-B2D018BA7FA9}" destId="{80D9DA1F-6F07-4895-8684-8E9B6BBCC5F4}" srcOrd="0" destOrd="0" presId="urn:microsoft.com/office/officeart/2018/2/layout/IconVerticalSolidList"/>
+    <dgm:cxn modelId="{6066C267-6415-4C0E-8D28-9818D916FA2C}" srcId="{DEBC08DE-D4B9-49B3-AE23-447C90AEB136}" destId="{D698D894-EE4E-4E9D-ACB3-2858CDCBC62C}" srcOrd="4" destOrd="0" parTransId="{CDD876A3-7798-4B05-A26B-2FEDB02E0A85}" sibTransId="{22153FF3-63C5-4604-9A8C-444E3201D36E}"/>
+    <dgm:cxn modelId="{12CB6D78-7082-4989-840C-B767108CDF37}" type="presOf" srcId="{D698D894-EE4E-4E9D-ACB3-2858CDCBC62C}" destId="{01E8B845-16F4-4DFD-8DE2-28FDBB752BEF}" srcOrd="0" destOrd="0" presId="urn:microsoft.com/office/officeart/2018/2/layout/IconVerticalSolidList"/>
+    <dgm:cxn modelId="{7EE3F480-1C04-4AFF-AB34-5828CC7D7B22}" srcId="{DEBC08DE-D4B9-49B3-AE23-447C90AEB136}" destId="{BCD202AC-49A4-4BFA-9708-EA3B20B94E95}" srcOrd="1" destOrd="0" parTransId="{9AC4E4A9-A0E1-4F9F-BDB9-8CD734982DE0}" sibTransId="{D540D133-CAB1-4A7B-8D12-B1E0DA8FE4D0}"/>
+    <dgm:cxn modelId="{BB7FB183-E4A8-4C60-B0C7-F6C9DEDC1664}" type="presOf" srcId="{64D6A350-7893-4CD0-B7A0-6333AD389926}" destId="{9A10355F-DD5B-44C6-A636-D4222ED6F98F}" srcOrd="0" destOrd="0" presId="urn:microsoft.com/office/officeart/2018/2/layout/IconVerticalSolidList"/>
+    <dgm:cxn modelId="{49EF258E-BDE3-4913-B0B6-66A7BAAC512C}" type="presOf" srcId="{DEBC08DE-D4B9-49B3-AE23-447C90AEB136}" destId="{ACAA066F-030D-470F-B191-6CB8944C25CB}" srcOrd="0" destOrd="0" presId="urn:microsoft.com/office/officeart/2018/2/layout/IconVerticalSolidList"/>
+    <dgm:cxn modelId="{457983C0-7826-4D92-8EE5-0B325ED8A778}" srcId="{DEBC08DE-D4B9-49B3-AE23-447C90AEB136}" destId="{B8314AC0-9E0F-49E3-AD43-B2D018BA7FA9}" srcOrd="2" destOrd="0" parTransId="{80577D52-D2AF-477E-87AC-9DA4CAB4EC70}" sibTransId="{97ED5E92-4D21-4917-A6AD-9EDE90BC6BD2}"/>
+    <dgm:cxn modelId="{0164FDCE-CDA9-4793-A001-BD93E85936CE}" type="presOf" srcId="{0B216707-E07B-40F7-9F3F-A86B2B5D0437}" destId="{6E6F68F5-E99B-4041-865C-15A43317DF69}" srcOrd="0" destOrd="0" presId="urn:microsoft.com/office/officeart/2018/2/layout/IconVerticalSolidList"/>
+    <dgm:cxn modelId="{305569D4-B055-470F-9AE3-B9677964BE9B}" srcId="{DEBC08DE-D4B9-49B3-AE23-447C90AEB136}" destId="{F9711525-17E8-45BF-9C84-1CCB30551CD9}" srcOrd="5" destOrd="0" parTransId="{08B46AB8-CD23-470E-9739-E98C33CFDA17}" sibTransId="{E2212BC0-7FA0-48A4-8703-E853104B162B}"/>
+    <dgm:cxn modelId="{2DE2B2E6-B92F-478C-B0C7-CD1581A7E22A}" type="presOf" srcId="{BCD202AC-49A4-4BFA-9708-EA3B20B94E95}" destId="{44F1F30F-4C66-432C-A2C3-41AFE8CA9E27}" srcOrd="0" destOrd="0" presId="urn:microsoft.com/office/officeart/2018/2/layout/IconVerticalSolidList"/>
+    <dgm:cxn modelId="{590DFFEE-BDD9-4E40-8D28-0CBFB690553D}" type="presOf" srcId="{F9711525-17E8-45BF-9C84-1CCB30551CD9}" destId="{073C2F1D-C732-4B97-91BE-B7B120C8CF58}" srcOrd="0" destOrd="0" presId="urn:microsoft.com/office/officeart/2018/2/layout/IconVerticalSolidList"/>
+    <dgm:cxn modelId="{3EA73BA8-A573-4790-AFEF-5D7CA7EF4080}" type="presParOf" srcId="{ACAA066F-030D-470F-B191-6CB8944C25CB}" destId="{E3C82494-3546-4E90-AF48-700E129093B7}" srcOrd="0" destOrd="0" presId="urn:microsoft.com/office/officeart/2018/2/layout/IconVerticalSolidList"/>
+    <dgm:cxn modelId="{BFDBEF1D-CEEE-4415-8D61-4CCDBC523330}" type="presParOf" srcId="{E3C82494-3546-4E90-AF48-700E129093B7}" destId="{2452070E-9DA7-4311-A35D-E0B4E5D3F521}" srcOrd="0" destOrd="0" presId="urn:microsoft.com/office/officeart/2018/2/layout/IconVerticalSolidList"/>
+    <dgm:cxn modelId="{BB95C9AF-DC6F-4232-99E4-DC4C7FA23DD5}" type="presParOf" srcId="{E3C82494-3546-4E90-AF48-700E129093B7}" destId="{316C5958-29A1-44A6-A93B-E99D35DD2820}" srcOrd="1" destOrd="0" presId="urn:microsoft.com/office/officeart/2018/2/layout/IconVerticalSolidList"/>
+    <dgm:cxn modelId="{7F306EBF-97E3-4083-AACD-316C5207EF48}" type="presParOf" srcId="{E3C82494-3546-4E90-AF48-700E129093B7}" destId="{5E9679BC-DC1E-4E5C-AD35-9113B6D57289}" srcOrd="2" destOrd="0" presId="urn:microsoft.com/office/officeart/2018/2/layout/IconVerticalSolidList"/>
+    <dgm:cxn modelId="{B3C9BE9F-19E2-47E4-9311-6CFAFDCBCE49}" type="presParOf" srcId="{E3C82494-3546-4E90-AF48-700E129093B7}" destId="{9A10355F-DD5B-44C6-A636-D4222ED6F98F}" srcOrd="3" destOrd="0" presId="urn:microsoft.com/office/officeart/2018/2/layout/IconVerticalSolidList"/>
+    <dgm:cxn modelId="{BDB7249D-9DDC-42F6-BE27-184C0267F191}" type="presParOf" srcId="{ACAA066F-030D-470F-B191-6CB8944C25CB}" destId="{1DDCE5A5-7B58-452C-8AC9-85C2711733F4}" srcOrd="1" destOrd="0" presId="urn:microsoft.com/office/officeart/2018/2/layout/IconVerticalSolidList"/>
+    <dgm:cxn modelId="{02918D9C-8F60-4034-89FC-D92BD1F9CA7C}" type="presParOf" srcId="{ACAA066F-030D-470F-B191-6CB8944C25CB}" destId="{74C75158-E23D-439E-B640-F69AA6155002}" srcOrd="2" destOrd="0" presId="urn:microsoft.com/office/officeart/2018/2/layout/IconVerticalSolidList"/>
+    <dgm:cxn modelId="{47F039E5-9AF1-4C5A-B587-2F2CE5F11A99}" type="presParOf" srcId="{74C75158-E23D-439E-B640-F69AA6155002}" destId="{3D3D07AB-D684-4D3D-BF3B-8545A73B4889}" srcOrd="0" destOrd="0" presId="urn:microsoft.com/office/officeart/2018/2/layout/IconVerticalSolidList"/>
+    <dgm:cxn modelId="{C164B387-C55C-406E-BEAE-E96A0D2348E8}" type="presParOf" srcId="{74C75158-E23D-439E-B640-F69AA6155002}" destId="{C475E4B1-FFED-470B-ABA8-0BDC965A6010}" srcOrd="1" destOrd="0" presId="urn:microsoft.com/office/officeart/2018/2/layout/IconVerticalSolidList"/>
+    <dgm:cxn modelId="{358F8405-B0C0-40B8-9F72-C07B00A4C8ED}" type="presParOf" srcId="{74C75158-E23D-439E-B640-F69AA6155002}" destId="{54BC4875-6DA0-493D-A512-219FC6DE4384}" srcOrd="2" destOrd="0" presId="urn:microsoft.com/office/officeart/2018/2/layout/IconVerticalSolidList"/>
+    <dgm:cxn modelId="{32E82786-580F-44AE-A8FB-ED7B65AEC59F}" type="presParOf" srcId="{74C75158-E23D-439E-B640-F69AA6155002}" destId="{44F1F30F-4C66-432C-A2C3-41AFE8CA9E27}" srcOrd="3" destOrd="0" presId="urn:microsoft.com/office/officeart/2018/2/layout/IconVerticalSolidList"/>
+    <dgm:cxn modelId="{F99704BB-AA1F-43DA-AF93-BF39F59CF448}" type="presParOf" srcId="{ACAA066F-030D-470F-B191-6CB8944C25CB}" destId="{296F883F-D6ED-4348-8069-81751738E337}" srcOrd="3" destOrd="0" presId="urn:microsoft.com/office/officeart/2018/2/layout/IconVerticalSolidList"/>
+    <dgm:cxn modelId="{530F5C82-EC6F-408B-AE8B-479B358E67F0}" type="presParOf" srcId="{ACAA066F-030D-470F-B191-6CB8944C25CB}" destId="{0C1F8437-8443-4A83-9FEF-B8A204EA210E}" srcOrd="4" destOrd="0" presId="urn:microsoft.com/office/officeart/2018/2/layout/IconVerticalSolidList"/>
+    <dgm:cxn modelId="{B684E5D1-37FC-4368-B4E4-42004569E704}" type="presParOf" srcId="{0C1F8437-8443-4A83-9FEF-B8A204EA210E}" destId="{6BE4C7BC-4DB4-49D3-ABE1-A3732821DAAC}" srcOrd="0" destOrd="0" presId="urn:microsoft.com/office/officeart/2018/2/layout/IconVerticalSolidList"/>
+    <dgm:cxn modelId="{8136EA67-C7D6-4004-8891-8D722CDBDBFF}" type="presParOf" srcId="{0C1F8437-8443-4A83-9FEF-B8A204EA210E}" destId="{F65B7405-E0E8-44F4-A9ED-A3BACA68D860}" srcOrd="1" destOrd="0" presId="urn:microsoft.com/office/officeart/2018/2/layout/IconVerticalSolidList"/>
+    <dgm:cxn modelId="{15154E25-7BA7-49B0-B130-C33E84C25B4B}" type="presParOf" srcId="{0C1F8437-8443-4A83-9FEF-B8A204EA210E}" destId="{A7F401DD-142B-400D-B517-A79E3F6F132F}" srcOrd="2" destOrd="0" presId="urn:microsoft.com/office/officeart/2018/2/layout/IconVerticalSolidList"/>
+    <dgm:cxn modelId="{BA08DB63-ED0F-4AFE-8209-3A552DA1770E}" type="presParOf" srcId="{0C1F8437-8443-4A83-9FEF-B8A204EA210E}" destId="{80D9DA1F-6F07-4895-8684-8E9B6BBCC5F4}" srcOrd="3" destOrd="0" presId="urn:microsoft.com/office/officeart/2018/2/layout/IconVerticalSolidList"/>
+    <dgm:cxn modelId="{42A385A2-08D2-4CE7-88B2-6765FD59AA96}" type="presParOf" srcId="{ACAA066F-030D-470F-B191-6CB8944C25CB}" destId="{D053C6E7-E87B-4363-BD9B-4F7D63A5984D}" srcOrd="5" destOrd="0" presId="urn:microsoft.com/office/officeart/2018/2/layout/IconVerticalSolidList"/>
+    <dgm:cxn modelId="{A54CA83A-9B12-4B1D-8B73-C9E20AC869A6}" type="presParOf" srcId="{ACAA066F-030D-470F-B191-6CB8944C25CB}" destId="{37F641B0-BCF4-483B-BC6A-70EDBC06A0AB}" srcOrd="6" destOrd="0" presId="urn:microsoft.com/office/officeart/2018/2/layout/IconVerticalSolidList"/>
+    <dgm:cxn modelId="{993524D2-4AC5-4F17-BD27-A3525B8F768F}" type="presParOf" srcId="{37F641B0-BCF4-483B-BC6A-70EDBC06A0AB}" destId="{5067BFCA-2398-42E2-97FB-447DE92A9F6D}" srcOrd="0" destOrd="0" presId="urn:microsoft.com/office/officeart/2018/2/layout/IconVerticalSolidList"/>
+    <dgm:cxn modelId="{2295F30D-5A11-44A4-B264-06A230448906}" type="presParOf" srcId="{37F641B0-BCF4-483B-BC6A-70EDBC06A0AB}" destId="{090E4B54-5BF0-45E3-9AA4-5D87C8ADF837}" srcOrd="1" destOrd="0" presId="urn:microsoft.com/office/officeart/2018/2/layout/IconVerticalSolidList"/>
+    <dgm:cxn modelId="{F7F2F513-5325-4206-ACA8-50ED538676A8}" type="presParOf" srcId="{37F641B0-BCF4-483B-BC6A-70EDBC06A0AB}" destId="{2D20C1DB-72D9-4904-B783-BC5EF0C5F53E}" srcOrd="2" destOrd="0" presId="urn:microsoft.com/office/officeart/2018/2/layout/IconVerticalSolidList"/>
+    <dgm:cxn modelId="{7D6A9B8A-AED5-40A4-BA53-D372F8282BF2}" type="presParOf" srcId="{37F641B0-BCF4-483B-BC6A-70EDBC06A0AB}" destId="{6E6F68F5-E99B-4041-865C-15A43317DF69}" srcOrd="3" destOrd="0" presId="urn:microsoft.com/office/officeart/2018/2/layout/IconVerticalSolidList"/>
+    <dgm:cxn modelId="{CF5A7AD7-925E-4AAE-A6B2-96172413030B}" type="presParOf" srcId="{ACAA066F-030D-470F-B191-6CB8944C25CB}" destId="{13F0E7F1-8D98-44D0-A11A-2F0A694A94BE}" srcOrd="7" destOrd="0" presId="urn:microsoft.com/office/officeart/2018/2/layout/IconVerticalSolidList"/>
+    <dgm:cxn modelId="{1160A0E2-0ADD-4706-A51D-4CDEB9362C63}" type="presParOf" srcId="{ACAA066F-030D-470F-B191-6CB8944C25CB}" destId="{32D0AC20-844D-4D6E-A85C-CEAB56CD8D4A}" srcOrd="8" destOrd="0" presId="urn:microsoft.com/office/officeart/2018/2/layout/IconVerticalSolidList"/>
+    <dgm:cxn modelId="{81FCFE04-EDFF-4771-9B48-F2E2F5035A4A}" type="presParOf" srcId="{32D0AC20-844D-4D6E-A85C-CEAB56CD8D4A}" destId="{051A46D7-10E2-4658-AA72-22E54D4E0408}" srcOrd="0" destOrd="0" presId="urn:microsoft.com/office/officeart/2018/2/layout/IconVerticalSolidList"/>
+    <dgm:cxn modelId="{8F73A6B8-F87D-4336-BCBC-4E605C31438A}" type="presParOf" srcId="{32D0AC20-844D-4D6E-A85C-CEAB56CD8D4A}" destId="{07724D73-64F9-46AD-9852-326556672361}" srcOrd="1" destOrd="0" presId="urn:microsoft.com/office/officeart/2018/2/layout/IconVerticalSolidList"/>
+    <dgm:cxn modelId="{3BD94586-ADF5-45A7-89CC-72C1CFE017A4}" type="presParOf" srcId="{32D0AC20-844D-4D6E-A85C-CEAB56CD8D4A}" destId="{3BB27C72-DB1E-4533-AD61-901DB5E46170}" srcOrd="2" destOrd="0" presId="urn:microsoft.com/office/officeart/2018/2/layout/IconVerticalSolidList"/>
+    <dgm:cxn modelId="{712B4F00-8EC6-48F5-8A6A-E72085524937}" type="presParOf" srcId="{32D0AC20-844D-4D6E-A85C-CEAB56CD8D4A}" destId="{01E8B845-16F4-4DFD-8DE2-28FDBB752BEF}" srcOrd="3" destOrd="0" presId="urn:microsoft.com/office/officeart/2018/2/layout/IconVerticalSolidList"/>
+    <dgm:cxn modelId="{3A7EC5E6-29DE-48DA-8837-10CB13E88F25}" type="presParOf" srcId="{ACAA066F-030D-470F-B191-6CB8944C25CB}" destId="{D784813F-1B7C-466A-A64D-D710548D02BE}" srcOrd="9" destOrd="0" presId="urn:microsoft.com/office/officeart/2018/2/layout/IconVerticalSolidList"/>
+    <dgm:cxn modelId="{ABB6B404-0765-46A4-9D6C-26363E9BCDC7}" type="presParOf" srcId="{ACAA066F-030D-470F-B191-6CB8944C25CB}" destId="{1D459A4C-D49D-40AA-8436-A84A96D1A703}" srcOrd="10" destOrd="0" presId="urn:microsoft.com/office/officeart/2018/2/layout/IconVerticalSolidList"/>
+    <dgm:cxn modelId="{ADF7E762-F533-4BEE-975E-C263EDBCB441}" type="presParOf" srcId="{1D459A4C-D49D-40AA-8436-A84A96D1A703}" destId="{19920550-A418-4ADB-88C8-7D34118A0534}" srcOrd="0" destOrd="0" presId="urn:microsoft.com/office/officeart/2018/2/layout/IconVerticalSolidList"/>
+    <dgm:cxn modelId="{31D93BAD-D680-4DDB-88A4-0E84EE855F75}" type="presParOf" srcId="{1D459A4C-D49D-40AA-8436-A84A96D1A703}" destId="{E84A854F-31C6-4E9E-9328-C9A238E08C69}" srcOrd="1" destOrd="0" presId="urn:microsoft.com/office/officeart/2018/2/layout/IconVerticalSolidList"/>
+    <dgm:cxn modelId="{47A7E78E-9D0D-4777-B774-50FB90581DC9}" type="presParOf" srcId="{1D459A4C-D49D-40AA-8436-A84A96D1A703}" destId="{BA5C665A-2D26-4820-9569-66E24AD60E14}" srcOrd="2" destOrd="0" presId="urn:microsoft.com/office/officeart/2018/2/layout/IconVerticalSolidList"/>
+    <dgm:cxn modelId="{AD28713E-3020-4BDC-B623-57035BBEA63A}" type="presParOf" srcId="{1D459A4C-D49D-40AA-8436-A84A96D1A703}" destId="{073C2F1D-C732-4B97-91BE-B7B120C8CF58}" srcOrd="3" destOrd="0" presId="urn:microsoft.com/office/officeart/2018/2/layout/IconVerticalSolidList"/>
   </dgm:cxnLst>
-  <dgm:bg>
-    <a:noFill/>
-  </dgm:bg>
-  <dgm:whole>
-    <a:ln>
-      <a:solidFill>
-        <a:srgbClr val="00585A"/>
-      </a:solidFill>
-    </a:ln>
-  </dgm:whole>
+  <dgm:bg/>
+  <dgm:whole/>
   <dgm:extLst>
     <a:ext uri="http://schemas.microsoft.com/office/drawing/2008/diagram">
-      <dsp:dataModelExt xmlns:dsp="http://schemas.microsoft.com/office/drawing/2008/diagram" relId="rId7" minVer="http://schemas.openxmlformats.org/drawingml/2006/diagram"/>
+      <dsp:dataModelExt xmlns:dsp="http://schemas.microsoft.com/office/drawing/2008/diagram" relId="rId6" minVer="http://schemas.openxmlformats.org/drawingml/2006/diagram"/>
     </a:ext>
   </dgm:extLst>
 </dgm:dataModel>
@@ -9770,7 +9918,7 @@
             <a:rPr lang="en-US" dirty="0">
               <a:hlinkClick xmlns:r="http://schemas.openxmlformats.org/officeDocument/2006/relationships" r:id="rId3"/>
             </a:rPr>
-            <a:t>https://github.com/Yousiadel/Park-Me-Site</a:t>
+            <a:t>https://yousiadel.github.io/Parking-Finder-App/</a:t>
           </a:r>
           <a:endParaRPr lang="en-US" dirty="0"/>
         </a:p>
@@ -9806,12 +9954,12 @@
         <a:lstStyle/>
         <a:p>
           <a:r>
-            <a:rPr lang="en-US" b="0" i="0" dirty="0">
+            <a:rPr lang="en-US">
               <a:hlinkClick xmlns:r="http://schemas.openxmlformats.org/officeDocument/2006/relationships" r:id="rId4"/>
             </a:rPr>
-            <a:t>https://yousiadel.github.io/Park-Me-Site/</a:t>
+            <a:t>https://github.com/Yousiadel/Parking-Finder-App</a:t>
           </a:r>
-          <a:endParaRPr lang="en-US" dirty="0"/>
+          <a:endParaRPr lang="en-US"/>
         </a:p>
       </dgm:t>
     </dgm:pt>
@@ -9952,7 +10100,7 @@
   <dgm:whole/>
   <dgm:extLst>
     <a:ext uri="http://schemas.microsoft.com/office/drawing/2008/diagram">
-      <dsp:dataModelExt xmlns:dsp="http://schemas.microsoft.com/office/drawing/2008/diagram" relId="rId7" minVer="http://schemas.openxmlformats.org/drawingml/2006/diagram"/>
+      <dsp:dataModelExt xmlns:dsp="http://schemas.microsoft.com/office/drawing/2008/diagram" relId="rId6" minVer="http://schemas.openxmlformats.org/drawingml/2006/diagram"/>
     </a:ext>
   </dgm:extLst>
 </dgm:dataModel>
@@ -10059,7 +10207,7 @@
             <a:rPr lang="en-US" sz="1400" b="0" i="0" kern="1200" dirty="0">
               <a:latin typeface="+mn-lt"/>
             </a:rPr>
-            <a:t>Park Me is an all-in-one Site to take the stress out of finding a place to park in 3 easy steps. Sign up for a completely free account, find a spot closest to where you need to go, and check in to your chosen garage.</a:t>
+            <a:t>Park Me is an all-in-one app to take the stress out of finding a place to park in 3 easy steps. Sign up for a completely free account, find a spot closest to where you need to go, and check in to your chosen garage.</a:t>
           </a:r>
           <a:endParaRPr lang="en-US" sz="1400" kern="1200" dirty="0">
             <a:latin typeface="+mn-lt"/>
@@ -10425,7 +10573,7 @@
           </a:pPr>
           <a:r>
             <a:rPr lang="en-US" sz="1400" kern="1200" dirty="0"/>
-            <a:t>The car owner enters their location on the website. When he reaches the parking lot, a sensor will read the license plate and feed it in the database to save his place on the site “Future”. The site will then guide the owner to the dedicated spot. </a:t>
+            <a:t>The car owner enters their location on the website and books a spot. When he reaches the parking lot, a sensor will read the license plate and feed it in the database to save his place on the site. The site will then guide the owner to the dedicated spot. </a:t>
           </a:r>
         </a:p>
       </dsp:txBody>
@@ -10580,7 +10728,7 @@
           </a:r>
           <a:r>
             <a:rPr lang="en-US" sz="1400" kern="1200" dirty="0"/>
-            <a:t> fee is free, as we just started. For Future, we will be able to add various of payment methods.</a:t>
+            <a:t> fee is free, as we just started.</a:t>
           </a:r>
         </a:p>
       </dsp:txBody>
@@ -10731,7 +10879,7 @@
           </a:pPr>
           <a:r>
             <a:rPr lang="en-US" sz="1400" kern="1200" dirty="0"/>
-            <a:t>With the Park Me site, you will find available parking spots that are ideally located. The Park Me site gives you a perfect overview of parking spots close to your destination. Parking Me not only saves you time but allows you to plan every trip with ease and confidence.</a:t>
+            <a:t>With the Park Me site, you will find available parking spots that are ideally located. The Park Me site gives you a perfect overview of parking spots close to your destination. Parking Finder not only saves you time but allows you to plan every trip with ease and confidence.</a:t>
           </a:r>
         </a:p>
       </dsp:txBody>
@@ -11123,7 +11271,7 @@
           </a:pPr>
           <a:r>
             <a:rPr lang="en-US" sz="1300" kern="1200" dirty="0"/>
-            <a:t>Luckily, the modern IT industry can implement a solution. Parking apps and sites like our Park Me site bring relief to residents since they save time and nerves. The fundamental function of such applications is obtaining and booking free places nearby. </a:t>
+            <a:t>Luckily, the modern IT industry can implement a solution. Parking apps and sites like our Parking Finder site bring relief to residents since they save time and nerves. The fundamental function of such applications is obtaining and booking free places nearby. </a:t>
           </a:r>
         </a:p>
       </dsp:txBody>
@@ -11300,8 +11448,8 @@
       </dsp:nvSpPr>
       <dsp:spPr>
         <a:xfrm>
-          <a:off x="0" y="163884"/>
-          <a:ext cx="6588691" cy="1641509"/>
+          <a:off x="0" y="545315"/>
+          <a:ext cx="6588691" cy="1213289"/>
         </a:xfrm>
         <a:prstGeom prst="roundRect">
           <a:avLst/>
@@ -11343,12 +11491,12 @@
         </a:fontRef>
       </dsp:style>
       <dsp:txBody>
-        <a:bodyPr spcFirstLastPara="0" vert="horz" wrap="square" lIns="87630" tIns="87630" rIns="87630" bIns="87630" numCol="1" spcCol="1270" anchor="ctr" anchorCtr="0">
+        <a:bodyPr spcFirstLastPara="0" vert="horz" wrap="square" lIns="64770" tIns="64770" rIns="64770" bIns="64770" numCol="1" spcCol="1270" anchor="ctr" anchorCtr="0">
           <a:noAutofit/>
         </a:bodyPr>
         <a:lstStyle/>
         <a:p>
-          <a:pPr marL="0" lvl="0" indent="0" algn="l" defTabSz="1022350">
+          <a:pPr marL="0" lvl="0" indent="0" algn="l" defTabSz="755650">
             <a:lnSpc>
               <a:spcPct val="90000"/>
             </a:lnSpc>
@@ -11361,14 +11509,14 @@
             <a:buNone/>
           </a:pPr>
           <a:r>
-            <a:rPr lang="en-US" sz="2300" kern="1200" dirty="0"/>
-            <a:t>We tested the Sign Up as a user to insert the user information. We wanted to make it work with their information. It worked as we wanted thru the Local Storage information thru the site.</a:t>
+            <a:rPr lang="en-US" sz="1700" kern="1200" dirty="0"/>
+            <a:t>We tested the Search Bar as a user to insert your location. We wanted to make it work with an information bar to show up. Also, we want to search for a resource; when we search for support, we wanted to be able to click on the resource that drops down be brought to that page.</a:t>
           </a:r>
         </a:p>
       </dsp:txBody>
       <dsp:txXfrm>
-        <a:off x="80132" y="244016"/>
-        <a:ext cx="6428427" cy="1481245"/>
+        <a:off x="59228" y="604543"/>
+        <a:ext cx="6470235" cy="1094833"/>
       </dsp:txXfrm>
     </dsp:sp>
     <dsp:sp modelId="{882B0C4A-F1A4-094B-B1E0-CB4EA41E184D}">
@@ -11378,8 +11526,8 @@
       </dsp:nvSpPr>
       <dsp:spPr>
         <a:xfrm>
-          <a:off x="0" y="1871634"/>
-          <a:ext cx="6588691" cy="921625"/>
+          <a:off x="0" y="1807565"/>
+          <a:ext cx="6588691" cy="1213289"/>
         </a:xfrm>
         <a:prstGeom prst="roundRect">
           <a:avLst/>
@@ -11421,12 +11569,12 @@
         </a:fontRef>
       </dsp:style>
       <dsp:txBody>
-        <a:bodyPr spcFirstLastPara="0" vert="horz" wrap="square" lIns="87630" tIns="87630" rIns="87630" bIns="87630" numCol="1" spcCol="1270" anchor="ctr" anchorCtr="0">
+        <a:bodyPr spcFirstLastPara="0" vert="horz" wrap="square" lIns="64770" tIns="64770" rIns="64770" bIns="64770" numCol="1" spcCol="1270" anchor="ctr" anchorCtr="0">
           <a:noAutofit/>
         </a:bodyPr>
         <a:lstStyle/>
         <a:p>
-          <a:pPr marL="0" lvl="0" indent="0" algn="l" defTabSz="1022350">
+          <a:pPr marL="0" lvl="0" indent="0" algn="l" defTabSz="755650">
             <a:lnSpc>
               <a:spcPct val="90000"/>
             </a:lnSpc>
@@ -11439,14 +11587,14 @@
             <a:buNone/>
           </a:pPr>
           <a:r>
-            <a:rPr lang="en-US" sz="2300" kern="1200" dirty="0"/>
+            <a:rPr lang="en-US" sz="1700" kern="1200" dirty="0"/>
             <a:t>Acceptance:</a:t>
           </a:r>
         </a:p>
       </dsp:txBody>
       <dsp:txXfrm>
-        <a:off x="44990" y="1916624"/>
-        <a:ext cx="6498711" cy="831645"/>
+        <a:off x="59228" y="1866793"/>
+        <a:ext cx="6470235" cy="1094833"/>
       </dsp:txXfrm>
     </dsp:sp>
     <dsp:sp modelId="{A3FB1F71-C11D-2741-8750-883CA1466F73}">
@@ -11456,8 +11604,8 @@
       </dsp:nvSpPr>
       <dsp:spPr>
         <a:xfrm>
-          <a:off x="0" y="2793260"/>
-          <a:ext cx="6588691" cy="880785"/>
+          <a:off x="0" y="3020855"/>
+          <a:ext cx="6588691" cy="668609"/>
         </a:xfrm>
         <a:prstGeom prst="rect">
           <a:avLst/>
@@ -11481,12 +11629,12 @@
         <a:fontRef idx="minor"/>
       </dsp:style>
       <dsp:txBody>
-        <a:bodyPr spcFirstLastPara="0" vert="horz" wrap="square" lIns="209191" tIns="29210" rIns="163576" bIns="29210" numCol="1" spcCol="1270" anchor="t" anchorCtr="0">
+        <a:bodyPr spcFirstLastPara="0" vert="horz" wrap="square" lIns="209191" tIns="21590" rIns="120904" bIns="21590" numCol="1" spcCol="1270" anchor="t" anchorCtr="0">
           <a:noAutofit/>
         </a:bodyPr>
         <a:lstStyle/>
         <a:p>
-          <a:pPr marL="171450" lvl="1" indent="-171450" algn="l" defTabSz="800100">
+          <a:pPr marL="114300" lvl="1" indent="-114300" algn="l" defTabSz="577850">
             <a:lnSpc>
               <a:spcPct val="90000"/>
             </a:lnSpc>
@@ -11499,12 +11647,12 @@
             <a:buChar char="•"/>
           </a:pPr>
           <a:r>
-            <a:rPr lang="en-US" sz="1800" kern="1200" dirty="0"/>
-            <a:t>on click, the user should be able to see the Register page.</a:t>
+            <a:rPr lang="en-US" sz="1300" kern="1200" dirty="0"/>
+            <a:t>on click, the user should be able to search by anything in the title.</a:t>
           </a:r>
         </a:p>
         <a:p>
-          <a:pPr marL="171450" lvl="1" indent="-171450" algn="l" defTabSz="800100">
+          <a:pPr marL="114300" lvl="1" indent="-114300" algn="l" defTabSz="577850">
             <a:lnSpc>
               <a:spcPct val="90000"/>
             </a:lnSpc>
@@ -11517,14 +11665,32 @@
             <a:buChar char="•"/>
           </a:pPr>
           <a:r>
-            <a:rPr lang="en-US" sz="1800" kern="1200" dirty="0"/>
-            <a:t>on Register page , they will see the information needed from they like username, email and Car information. </a:t>
+            <a:rPr lang="en-US" sz="1300" kern="1200" dirty="0"/>
+            <a:t>on input of search, options will drop down below search bar.</a:t>
+          </a:r>
+        </a:p>
+        <a:p>
+          <a:pPr marL="114300" lvl="1" indent="-114300" algn="l" defTabSz="577850">
+            <a:lnSpc>
+              <a:spcPct val="90000"/>
+            </a:lnSpc>
+            <a:spcBef>
+              <a:spcPct val="0"/>
+            </a:spcBef>
+            <a:spcAft>
+              <a:spcPct val="20000"/>
+            </a:spcAft>
+            <a:buChar char="•"/>
+          </a:pPr>
+          <a:r>
+            <a:rPr lang="en-US" sz="1300" kern="1200" dirty="0"/>
+            <a:t>users search criteria will show options having that have similar (tag) or title elements.</a:t>
           </a:r>
         </a:p>
       </dsp:txBody>
       <dsp:txXfrm>
-        <a:off x="0" y="2793260"/>
-        <a:ext cx="6588691" cy="880785"/>
+        <a:off x="0" y="3020855"/>
+        <a:ext cx="6588691" cy="668609"/>
       </dsp:txXfrm>
     </dsp:sp>
     <dsp:sp modelId="{B1D12D49-C0A2-A540-8DEA-64213FC9C517}">
@@ -11534,8 +11700,8 @@
       </dsp:nvSpPr>
       <dsp:spPr>
         <a:xfrm>
-          <a:off x="0" y="3674045"/>
-          <a:ext cx="6588691" cy="939977"/>
+          <a:off x="0" y="3689465"/>
+          <a:ext cx="6588691" cy="1213289"/>
         </a:xfrm>
         <a:prstGeom prst="roundRect">
           <a:avLst/>
@@ -11577,12 +11743,12 @@
         </a:fontRef>
       </dsp:style>
       <dsp:txBody>
-        <a:bodyPr spcFirstLastPara="0" vert="horz" wrap="square" lIns="87630" tIns="87630" rIns="87630" bIns="87630" numCol="1" spcCol="1270" anchor="ctr" anchorCtr="0">
+        <a:bodyPr spcFirstLastPara="0" vert="horz" wrap="square" lIns="64770" tIns="64770" rIns="64770" bIns="64770" numCol="1" spcCol="1270" anchor="ctr" anchorCtr="0">
           <a:noAutofit/>
         </a:bodyPr>
         <a:lstStyle/>
         <a:p>
-          <a:pPr marL="0" lvl="0" indent="0" algn="l" defTabSz="1022350">
+          <a:pPr marL="0" lvl="0" indent="0" algn="l" defTabSz="755650">
             <a:lnSpc>
               <a:spcPct val="90000"/>
             </a:lnSpc>
@@ -11595,14 +11761,14 @@
             <a:buNone/>
           </a:pPr>
           <a:r>
-            <a:rPr lang="en-US" sz="2300" kern="1200" dirty="0"/>
+            <a:rPr lang="en-US" sz="1700" kern="1200" dirty="0"/>
             <a:t>Definition of done:</a:t>
           </a:r>
         </a:p>
       </dsp:txBody>
       <dsp:txXfrm>
-        <a:off x="45886" y="3719931"/>
-        <a:ext cx="6496919" cy="848205"/>
+        <a:off x="59228" y="3748693"/>
+        <a:ext cx="6470235" cy="1094833"/>
       </dsp:txXfrm>
     </dsp:sp>
     <dsp:sp modelId="{33A1E495-FE54-8E4D-91D0-6E7E7759EA61}">
@@ -11612,8 +11778,8 @@
       </dsp:nvSpPr>
       <dsp:spPr>
         <a:xfrm>
-          <a:off x="0" y="4614023"/>
-          <a:ext cx="6588691" cy="1118835"/>
+          <a:off x="0" y="4902755"/>
+          <a:ext cx="6588691" cy="448672"/>
         </a:xfrm>
         <a:prstGeom prst="rect">
           <a:avLst/>
@@ -11637,12 +11803,12 @@
         <a:fontRef idx="minor"/>
       </dsp:style>
       <dsp:txBody>
-        <a:bodyPr spcFirstLastPara="0" vert="horz" wrap="square" lIns="209191" tIns="29210" rIns="163576" bIns="29210" numCol="1" spcCol="1270" anchor="t" anchorCtr="0">
+        <a:bodyPr spcFirstLastPara="0" vert="horz" wrap="square" lIns="209191" tIns="21590" rIns="120904" bIns="21590" numCol="1" spcCol="1270" anchor="t" anchorCtr="0">
           <a:noAutofit/>
         </a:bodyPr>
         <a:lstStyle/>
         <a:p>
-          <a:pPr marL="171450" lvl="1" indent="-171450" algn="l" defTabSz="800100">
+          <a:pPr marL="114300" lvl="1" indent="-114300" algn="l" defTabSz="577850">
             <a:lnSpc>
               <a:spcPct val="90000"/>
             </a:lnSpc>
@@ -11655,12 +11821,12 @@
             <a:buChar char="•"/>
           </a:pPr>
           <a:r>
-            <a:rPr lang="en-US" sz="1800" kern="1200" dirty="0"/>
-            <a:t>when the user enter their information, it will bring them to the first option in the website which is the main page or the last page they visited, which means their info have been taken.</a:t>
+            <a:rPr lang="en-US" sz="1300" kern="1200" dirty="0"/>
+            <a:t>when enter is pressed, it will bring them to the first option in the dropdown list.</a:t>
           </a:r>
         </a:p>
         <a:p>
-          <a:pPr marL="171450" lvl="1" indent="-171450" algn="l" defTabSz="800100" rtl="0">
+          <a:pPr marL="114300" lvl="1" indent="-114300" algn="l" defTabSz="577850">
             <a:lnSpc>
               <a:spcPct val="90000"/>
             </a:lnSpc>
@@ -11672,12 +11838,15 @@
             </a:spcAft>
             <a:buChar char="•"/>
           </a:pPr>
-          <a:endParaRPr lang="en-US" sz="1800" kern="1200" dirty="0"/>
+          <a:r>
+            <a:rPr lang="en-US" sz="1300" kern="1200" dirty="0"/>
+            <a:t>On click of search options, you will be redirected to a new page containing your search.</a:t>
+          </a:r>
         </a:p>
       </dsp:txBody>
       <dsp:txXfrm>
-        <a:off x="0" y="4614023"/>
-        <a:ext cx="6588691" cy="1118835"/>
+        <a:off x="0" y="4902755"/>
+        <a:ext cx="6588691" cy="448672"/>
       </dsp:txXfrm>
     </dsp:sp>
   </dsp:spTree>
@@ -13653,21 +13822,23 @@
       <dsp:cNvGrpSpPr/>
     </dsp:nvGrpSpPr>
     <dsp:grpSpPr/>
-    <dsp:sp modelId="{44B7392A-01B0-4E1B-8681-8A385A97C153}">
+    <dsp:sp modelId="{2452070E-9DA7-4311-A35D-E0B4E5D3F521}">
       <dsp:nvSpPr>
         <dsp:cNvPr id="0" name=""/>
         <dsp:cNvSpPr/>
       </dsp:nvSpPr>
       <dsp:spPr>
         <a:xfrm>
-          <a:off x="334680" y="923891"/>
-          <a:ext cx="926838" cy="926838"/>
+          <a:off x="0" y="246297"/>
+          <a:ext cx="6513603" cy="561648"/>
         </a:xfrm>
-        <a:prstGeom prst="ellipse">
-          <a:avLst/>
+        <a:prstGeom prst="roundRect">
+          <a:avLst>
+            <a:gd name="adj" fmla="val 10000"/>
+          </a:avLst>
         </a:prstGeom>
         <a:solidFill>
-          <a:schemeClr val="accent4">
+          <a:schemeClr val="accent2">
             <a:hueOff val="0"/>
             <a:satOff val="0"/>
             <a:lumOff val="0"/>
@@ -13692,15 +13863,15 @@
         <a:fontRef idx="minor"/>
       </dsp:style>
     </dsp:sp>
-    <dsp:sp modelId="{A3DEB29C-9795-444B-929C-FD38E7805D64}">
+    <dsp:sp modelId="{316C5958-29A1-44A6-A93B-E99D35DD2820}">
       <dsp:nvSpPr>
         <dsp:cNvPr id="0" name=""/>
         <dsp:cNvSpPr/>
       </dsp:nvSpPr>
       <dsp:spPr>
         <a:xfrm>
-          <a:off x="529316" y="1118527"/>
-          <a:ext cx="537566" cy="537566"/>
+          <a:off x="169898" y="372668"/>
+          <a:ext cx="309208" cy="308906"/>
         </a:xfrm>
         <a:prstGeom prst="rect">
           <a:avLst/>
@@ -13742,15 +13913,15 @@
         </a:fontRef>
       </dsp:style>
     </dsp:sp>
-    <dsp:sp modelId="{C7DF7460-D979-479A-8A3C-4F58E66F09A7}">
+    <dsp:sp modelId="{9A10355F-DD5B-44C6-A636-D4222ED6F98F}">
       <dsp:nvSpPr>
         <dsp:cNvPr id="0" name=""/>
         <dsp:cNvSpPr/>
       </dsp:nvSpPr>
       <dsp:spPr>
         <a:xfrm>
-          <a:off x="1460127" y="923891"/>
-          <a:ext cx="2184691" cy="926838"/>
+          <a:off x="649005" y="246297"/>
+          <a:ext cx="5815952" cy="649405"/>
         </a:xfrm>
         <a:prstGeom prst="rect">
           <a:avLst/>
@@ -13774,14 +13945,14 @@
         <a:fontRef idx="minor"/>
       </dsp:style>
       <dsp:txBody>
-        <a:bodyPr spcFirstLastPara="0" vert="horz" wrap="square" lIns="0" tIns="0" rIns="0" bIns="0" numCol="1" spcCol="1270" anchor="ctr" anchorCtr="0">
+        <a:bodyPr spcFirstLastPara="0" vert="horz" wrap="square" lIns="68729" tIns="68729" rIns="68729" bIns="68729" numCol="1" spcCol="1270" anchor="ctr" anchorCtr="0">
           <a:noAutofit/>
         </a:bodyPr>
         <a:lstStyle/>
         <a:p>
-          <a:pPr marL="0" lvl="0" indent="0" algn="l" defTabSz="488950">
+          <a:pPr marL="0" lvl="0" indent="0" algn="l" defTabSz="622300">
             <a:lnSpc>
-              <a:spcPct val="100000"/>
+              <a:spcPct val="90000"/>
             </a:lnSpc>
             <a:spcBef>
               <a:spcPct val="0"/>
@@ -13792,31 +13963,33 @@
             <a:buNone/>
           </a:pPr>
           <a:r>
-            <a:rPr lang="en-US" sz="1100" kern="1200"/>
+            <a:rPr lang="en-US" sz="1400" kern="1200"/>
             <a:t>Google Maps</a:t>
           </a:r>
         </a:p>
       </dsp:txBody>
       <dsp:txXfrm>
-        <a:off x="1460127" y="923891"/>
-        <a:ext cx="2184691" cy="926838"/>
+        <a:off x="649005" y="246297"/>
+        <a:ext cx="5815952" cy="649405"/>
       </dsp:txXfrm>
     </dsp:sp>
-    <dsp:sp modelId="{27B93283-6836-4E7F-8B58-9039756570B7}">
+    <dsp:sp modelId="{3D3D07AB-D684-4D3D-BF3B-8545A73B4889}">
       <dsp:nvSpPr>
         <dsp:cNvPr id="0" name=""/>
         <dsp:cNvSpPr/>
       </dsp:nvSpPr>
       <dsp:spPr>
         <a:xfrm>
-          <a:off x="4025484" y="923891"/>
-          <a:ext cx="926838" cy="926838"/>
+          <a:off x="0" y="1058054"/>
+          <a:ext cx="6513603" cy="752687"/>
         </a:xfrm>
-        <a:prstGeom prst="ellipse">
-          <a:avLst/>
+        <a:prstGeom prst="roundRect">
+          <a:avLst>
+            <a:gd name="adj" fmla="val 10000"/>
+          </a:avLst>
         </a:prstGeom>
         <a:solidFill>
-          <a:schemeClr val="accent4">
+          <a:schemeClr val="accent3">
             <a:hueOff val="0"/>
             <a:satOff val="0"/>
             <a:lumOff val="0"/>
@@ -13841,15 +14014,15 @@
         <a:fontRef idx="minor"/>
       </dsp:style>
     </dsp:sp>
-    <dsp:sp modelId="{A02CF345-FC23-45D5-BBC1-74DA1DA9873E}">
+    <dsp:sp modelId="{C475E4B1-FFED-470B-ABA8-0BDC965A6010}">
       <dsp:nvSpPr>
         <dsp:cNvPr id="0" name=""/>
         <dsp:cNvSpPr/>
       </dsp:nvSpPr>
       <dsp:spPr>
         <a:xfrm>
-          <a:off x="4220120" y="1118527"/>
-          <a:ext cx="537566" cy="537566"/>
+          <a:off x="169898" y="1279945"/>
+          <a:ext cx="309208" cy="308906"/>
         </a:xfrm>
         <a:prstGeom prst="rect">
           <a:avLst/>
@@ -13891,15 +14064,15 @@
         </a:fontRef>
       </dsp:style>
     </dsp:sp>
-    <dsp:sp modelId="{8F4B3A42-BDE2-405F-B6EF-FDFF12BD23DE}">
+    <dsp:sp modelId="{44F1F30F-4C66-432C-A2C3-41AFE8CA9E27}">
       <dsp:nvSpPr>
         <dsp:cNvPr id="0" name=""/>
         <dsp:cNvSpPr/>
       </dsp:nvSpPr>
       <dsp:spPr>
         <a:xfrm>
-          <a:off x="5150931" y="923891"/>
-          <a:ext cx="2184691" cy="926838"/>
+          <a:off x="649005" y="1153574"/>
+          <a:ext cx="5815952" cy="649405"/>
         </a:xfrm>
         <a:prstGeom prst="rect">
           <a:avLst/>
@@ -13923,14 +14096,14 @@
         <a:fontRef idx="minor"/>
       </dsp:style>
       <dsp:txBody>
-        <a:bodyPr spcFirstLastPara="0" vert="horz" wrap="square" lIns="0" tIns="0" rIns="0" bIns="0" numCol="1" spcCol="1270" anchor="ctr" anchorCtr="0">
+        <a:bodyPr spcFirstLastPara="0" vert="horz" wrap="square" lIns="68729" tIns="68729" rIns="68729" bIns="68729" numCol="1" spcCol="1270" anchor="ctr" anchorCtr="0">
           <a:noAutofit/>
         </a:bodyPr>
         <a:lstStyle/>
         <a:p>
-          <a:pPr marL="0" lvl="0" indent="0" algn="l" defTabSz="488950">
+          <a:pPr marL="0" lvl="0" indent="0" algn="l" defTabSz="622300">
             <a:lnSpc>
-              <a:spcPct val="100000"/>
+              <a:spcPct val="90000"/>
             </a:lnSpc>
             <a:spcBef>
               <a:spcPct val="0"/>
@@ -13941,28 +14114,30 @@
             <a:buNone/>
           </a:pPr>
           <a:r>
-            <a:rPr lang="en-US" sz="1100" kern="1200"/>
+            <a:rPr lang="en-US" sz="1400" kern="1200"/>
             <a:t>GPS is an essential option since it is the main thing about our site users with one primary function of our site, which is obtaining a parking spot near the parking location. Such an application can't book the free parking spot. </a:t>
           </a:r>
         </a:p>
       </dsp:txBody>
       <dsp:txXfrm>
-        <a:off x="5150931" y="923891"/>
-        <a:ext cx="2184691" cy="926838"/>
+        <a:off x="649005" y="1153574"/>
+        <a:ext cx="5815952" cy="649405"/>
       </dsp:txXfrm>
     </dsp:sp>
-    <dsp:sp modelId="{C90A706F-D6EF-4FCF-A61F-4A57BB47BE88}">
+    <dsp:sp modelId="{6BE4C7BC-4DB4-49D3-ABE1-A3732821DAAC}">
       <dsp:nvSpPr>
         <dsp:cNvPr id="0" name=""/>
         <dsp:cNvSpPr/>
       </dsp:nvSpPr>
       <dsp:spPr>
         <a:xfrm>
-          <a:off x="7716288" y="923891"/>
-          <a:ext cx="926838" cy="926838"/>
+          <a:off x="0" y="1973093"/>
+          <a:ext cx="6513603" cy="691063"/>
         </a:xfrm>
-        <a:prstGeom prst="ellipse">
-          <a:avLst/>
+        <a:prstGeom prst="roundRect">
+          <a:avLst>
+            <a:gd name="adj" fmla="val 10000"/>
+          </a:avLst>
         </a:prstGeom>
         <a:solidFill>
           <a:schemeClr val="accent4">
@@ -13990,15 +14165,15 @@
         <a:fontRef idx="minor"/>
       </dsp:style>
     </dsp:sp>
-    <dsp:sp modelId="{1C234E49-C8E9-4E24-9750-E2C14B377662}">
+    <dsp:sp modelId="{F65B7405-E0E8-44F4-A9ED-A3BACA68D860}">
       <dsp:nvSpPr>
         <dsp:cNvPr id="0" name=""/>
         <dsp:cNvSpPr/>
       </dsp:nvSpPr>
       <dsp:spPr>
         <a:xfrm>
-          <a:off x="7910924" y="1118527"/>
-          <a:ext cx="537566" cy="537566"/>
+          <a:off x="169898" y="2164172"/>
+          <a:ext cx="309208" cy="308906"/>
         </a:xfrm>
         <a:prstGeom prst="rect">
           <a:avLst/>
@@ -14040,15 +14215,15 @@
         </a:fontRef>
       </dsp:style>
     </dsp:sp>
-    <dsp:sp modelId="{AE765BD2-ECE5-4E45-8260-29BA28667ACB}">
+    <dsp:sp modelId="{80D9DA1F-6F07-4895-8684-8E9B6BBCC5F4}">
       <dsp:nvSpPr>
         <dsp:cNvPr id="0" name=""/>
         <dsp:cNvSpPr/>
       </dsp:nvSpPr>
       <dsp:spPr>
         <a:xfrm>
-          <a:off x="8841735" y="923891"/>
-          <a:ext cx="2184691" cy="926838"/>
+          <a:off x="697651" y="1997096"/>
+          <a:ext cx="5815952" cy="649405"/>
         </a:xfrm>
         <a:prstGeom prst="rect">
           <a:avLst/>
@@ -14072,14 +14247,14 @@
         <a:fontRef idx="minor"/>
       </dsp:style>
       <dsp:txBody>
-        <a:bodyPr spcFirstLastPara="0" vert="horz" wrap="square" lIns="0" tIns="0" rIns="0" bIns="0" numCol="1" spcCol="1270" anchor="ctr" anchorCtr="0">
+        <a:bodyPr spcFirstLastPara="0" vert="horz" wrap="square" lIns="68729" tIns="68729" rIns="68729" bIns="68729" numCol="1" spcCol="1270" anchor="ctr" anchorCtr="0">
           <a:noAutofit/>
         </a:bodyPr>
         <a:lstStyle/>
         <a:p>
-          <a:pPr marL="0" lvl="0" indent="0" algn="l" defTabSz="488950">
+          <a:pPr marL="0" lvl="0" indent="0" algn="l" defTabSz="622300">
             <a:lnSpc>
-              <a:spcPct val="100000"/>
+              <a:spcPct val="90000"/>
             </a:lnSpc>
             <a:spcBef>
               <a:spcPct val="0"/>
@@ -14090,31 +14265,33 @@
             <a:buNone/>
           </a:pPr>
           <a:r>
-            <a:rPr lang="en-US" sz="1100" kern="1200"/>
+            <a:rPr lang="en-US" sz="1400" kern="1200" dirty="0"/>
             <a:t>The map that we used is different from another because it allows users to find the chosen parking spot they need. Additionally, the site can navigate the driver to the booked place.</a:t>
           </a:r>
         </a:p>
       </dsp:txBody>
       <dsp:txXfrm>
-        <a:off x="8841735" y="923891"/>
-        <a:ext cx="2184691" cy="926838"/>
+        <a:off x="697651" y="1997096"/>
+        <a:ext cx="5815952" cy="649405"/>
       </dsp:txXfrm>
     </dsp:sp>
-    <dsp:sp modelId="{0BCBDC8E-22DF-46AB-A23B-2EE43F335AFD}">
+    <dsp:sp modelId="{5067BFCA-2398-42E2-97FB-447DE92A9F6D}">
       <dsp:nvSpPr>
         <dsp:cNvPr id="0" name=""/>
         <dsp:cNvSpPr/>
       </dsp:nvSpPr>
       <dsp:spPr>
         <a:xfrm>
-          <a:off x="334680" y="2608860"/>
-          <a:ext cx="926838" cy="926838"/>
+          <a:off x="0" y="2849558"/>
+          <a:ext cx="6513603" cy="561648"/>
         </a:xfrm>
-        <a:prstGeom prst="ellipse">
-          <a:avLst/>
+        <a:prstGeom prst="roundRect">
+          <a:avLst>
+            <a:gd name="adj" fmla="val 10000"/>
+          </a:avLst>
         </a:prstGeom>
         <a:solidFill>
-          <a:schemeClr val="accent4">
+          <a:schemeClr val="accent5">
             <a:hueOff val="0"/>
             <a:satOff val="0"/>
             <a:lumOff val="0"/>
@@ -14139,15 +14316,15 @@
         <a:fontRef idx="minor"/>
       </dsp:style>
     </dsp:sp>
-    <dsp:sp modelId="{066F885E-F14F-4891-9048-5055024C29B6}">
+    <dsp:sp modelId="{090E4B54-5BF0-45E3-9AA4-5D87C8ADF837}">
       <dsp:nvSpPr>
         <dsp:cNvPr id="0" name=""/>
         <dsp:cNvSpPr/>
       </dsp:nvSpPr>
       <dsp:spPr>
         <a:xfrm>
-          <a:off x="529316" y="2803496"/>
-          <a:ext cx="537566" cy="537566"/>
+          <a:off x="169898" y="2975929"/>
+          <a:ext cx="309208" cy="308906"/>
         </a:xfrm>
         <a:prstGeom prst="rect">
           <a:avLst/>
@@ -14189,15 +14366,15 @@
         </a:fontRef>
       </dsp:style>
     </dsp:sp>
-    <dsp:sp modelId="{D1B88C79-E19D-4F06-9B37-1913F75808D6}">
+    <dsp:sp modelId="{6E6F68F5-E99B-4041-865C-15A43317DF69}">
       <dsp:nvSpPr>
         <dsp:cNvPr id="0" name=""/>
         <dsp:cNvSpPr/>
       </dsp:nvSpPr>
       <dsp:spPr>
         <a:xfrm>
-          <a:off x="1460127" y="2608860"/>
-          <a:ext cx="2184691" cy="926838"/>
+          <a:off x="649005" y="2849558"/>
+          <a:ext cx="5815952" cy="649405"/>
         </a:xfrm>
         <a:prstGeom prst="rect">
           <a:avLst/>
@@ -14221,14 +14398,14 @@
         <a:fontRef idx="minor"/>
       </dsp:style>
       <dsp:txBody>
-        <a:bodyPr spcFirstLastPara="0" vert="horz" wrap="square" lIns="0" tIns="0" rIns="0" bIns="0" numCol="1" spcCol="1270" anchor="ctr" anchorCtr="0">
+        <a:bodyPr spcFirstLastPara="0" vert="horz" wrap="square" lIns="68729" tIns="68729" rIns="68729" bIns="68729" numCol="1" spcCol="1270" anchor="ctr" anchorCtr="0">
           <a:noAutofit/>
         </a:bodyPr>
         <a:lstStyle/>
         <a:p>
-          <a:pPr marL="0" lvl="0" indent="0" algn="l" defTabSz="488950">
+          <a:pPr marL="0" lvl="0" indent="0" algn="l" defTabSz="622300">
             <a:lnSpc>
-              <a:spcPct val="100000"/>
+              <a:spcPct val="90000"/>
             </a:lnSpc>
             <a:spcBef>
               <a:spcPct val="0"/>
@@ -14239,31 +14416,33 @@
             <a:buNone/>
           </a:pPr>
           <a:r>
-            <a:rPr lang="en-US" sz="1100" kern="1200"/>
-            <a:t>Register &amp; Login</a:t>
+            <a:rPr lang="en-US" sz="1400" kern="1200"/>
+            <a:t>Search Bar</a:t>
           </a:r>
         </a:p>
       </dsp:txBody>
       <dsp:txXfrm>
-        <a:off x="1460127" y="2608860"/>
-        <a:ext cx="2184691" cy="926838"/>
+        <a:off x="649005" y="2849558"/>
+        <a:ext cx="5815952" cy="649405"/>
       </dsp:txXfrm>
     </dsp:sp>
-    <dsp:sp modelId="{AC1093DC-7BA6-4E00-ADA0-006B5DD42660}">
+    <dsp:sp modelId="{051A46D7-10E2-4658-AA72-22E54D4E0408}">
       <dsp:nvSpPr>
         <dsp:cNvPr id="0" name=""/>
         <dsp:cNvSpPr/>
       </dsp:nvSpPr>
       <dsp:spPr>
         <a:xfrm>
-          <a:off x="4025484" y="2608860"/>
-          <a:ext cx="926838" cy="926838"/>
+          <a:off x="0" y="3661316"/>
+          <a:ext cx="6513603" cy="949135"/>
         </a:xfrm>
-        <a:prstGeom prst="ellipse">
-          <a:avLst/>
+        <a:prstGeom prst="roundRect">
+          <a:avLst>
+            <a:gd name="adj" fmla="val 10000"/>
+          </a:avLst>
         </a:prstGeom>
         <a:solidFill>
-          <a:schemeClr val="accent4">
+          <a:schemeClr val="accent6">
             <a:hueOff val="0"/>
             <a:satOff val="0"/>
             <a:lumOff val="0"/>
@@ -14288,15 +14467,15 @@
         <a:fontRef idx="minor"/>
       </dsp:style>
     </dsp:sp>
-    <dsp:sp modelId="{423A8A95-20E4-4E43-8AF8-4F1AED368C4A}">
+    <dsp:sp modelId="{07724D73-64F9-46AD-9852-326556672361}">
       <dsp:nvSpPr>
         <dsp:cNvPr id="0" name=""/>
         <dsp:cNvSpPr/>
       </dsp:nvSpPr>
       <dsp:spPr>
         <a:xfrm>
-          <a:off x="4220120" y="2803496"/>
-          <a:ext cx="537566" cy="537566"/>
+          <a:off x="169898" y="3981430"/>
+          <a:ext cx="309208" cy="308906"/>
         </a:xfrm>
         <a:prstGeom prst="rect">
           <a:avLst/>
@@ -14338,15 +14517,15 @@
         </a:fontRef>
       </dsp:style>
     </dsp:sp>
-    <dsp:sp modelId="{E842CF6B-F1D6-40A4-9D98-383390B9B87F}">
+    <dsp:sp modelId="{01E8B845-16F4-4DFD-8DE2-28FDBB752BEF}">
       <dsp:nvSpPr>
         <dsp:cNvPr id="0" name=""/>
         <dsp:cNvSpPr/>
       </dsp:nvSpPr>
       <dsp:spPr>
         <a:xfrm>
-          <a:off x="5150931" y="2608860"/>
-          <a:ext cx="2184691" cy="926838"/>
+          <a:off x="623415" y="3750242"/>
+          <a:ext cx="5815952" cy="680674"/>
         </a:xfrm>
         <a:prstGeom prst="rect">
           <a:avLst/>
@@ -14370,14 +14549,14 @@
         <a:fontRef idx="minor"/>
       </dsp:style>
       <dsp:txBody>
-        <a:bodyPr spcFirstLastPara="0" vert="horz" wrap="square" lIns="0" tIns="0" rIns="0" bIns="0" numCol="1" spcCol="1270" anchor="ctr" anchorCtr="0">
+        <a:bodyPr spcFirstLastPara="0" vert="horz" wrap="square" lIns="68729" tIns="68729" rIns="68729" bIns="68729" numCol="1" spcCol="1270" anchor="ctr" anchorCtr="0">
           <a:noAutofit/>
         </a:bodyPr>
         <a:lstStyle/>
         <a:p>
-          <a:pPr marL="0" lvl="0" indent="0" algn="l" defTabSz="488950">
+          <a:pPr marL="0" lvl="0" indent="0" algn="l" defTabSz="622300">
             <a:lnSpc>
-              <a:spcPct val="100000"/>
+              <a:spcPct val="90000"/>
             </a:lnSpc>
             <a:spcBef>
               <a:spcPct val="0"/>
@@ -14388,31 +14567,33 @@
             <a:buNone/>
           </a:pPr>
           <a:r>
-            <a:rPr lang="en-US" sz="1100" kern="1200"/>
-            <a:t>For the register &amp; log in, we used Local Storage is a type of web storage that allows JavaScript sites and apps to collect and access data right in the browser with no termination date. This indicates the data stored in the browser will continue even after the browser window has been shut.</a:t>
+            <a:rPr lang="en-US" sz="1400" kern="1200" dirty="0"/>
+            <a:t>A search bar allows users to use keywords to locate content inside a site, on the device, or online, which is the nearest parking space. Our website can specify what types of addresses are shown in the search results. Search can also be used to filter large lists, such as parking lots.</a:t>
           </a:r>
         </a:p>
       </dsp:txBody>
       <dsp:txXfrm>
-        <a:off x="5150931" y="2608860"/>
-        <a:ext cx="2184691" cy="926838"/>
+        <a:off x="623415" y="3750242"/>
+        <a:ext cx="5815952" cy="680674"/>
       </dsp:txXfrm>
     </dsp:sp>
-    <dsp:sp modelId="{8DD7E083-D61B-434C-AA35-345276811284}">
+    <dsp:sp modelId="{19920550-A418-4ADB-88C8-7D34118A0534}">
       <dsp:nvSpPr>
         <dsp:cNvPr id="0" name=""/>
         <dsp:cNvSpPr/>
       </dsp:nvSpPr>
       <dsp:spPr>
         <a:xfrm>
-          <a:off x="7716288" y="2608860"/>
-          <a:ext cx="926838" cy="926838"/>
+          <a:off x="0" y="4772802"/>
+          <a:ext cx="6513603" cy="866325"/>
         </a:xfrm>
-        <a:prstGeom prst="ellipse">
-          <a:avLst/>
+        <a:prstGeom prst="roundRect">
+          <a:avLst>
+            <a:gd name="adj" fmla="val 10000"/>
+          </a:avLst>
         </a:prstGeom>
         <a:solidFill>
-          <a:schemeClr val="accent4">
+          <a:schemeClr val="accent2">
             <a:hueOff val="0"/>
             <a:satOff val="0"/>
             <a:lumOff val="0"/>
@@ -14437,15 +14618,15 @@
         <a:fontRef idx="minor"/>
       </dsp:style>
     </dsp:sp>
-    <dsp:sp modelId="{8C8D8D11-A8BC-495A-95CD-8179B52CF9A1}">
+    <dsp:sp modelId="{E84A854F-31C6-4E9E-9328-C9A238E08C69}">
       <dsp:nvSpPr>
         <dsp:cNvPr id="0" name=""/>
         <dsp:cNvSpPr/>
       </dsp:nvSpPr>
       <dsp:spPr>
         <a:xfrm>
-          <a:off x="7910924" y="2803496"/>
-          <a:ext cx="537566" cy="537566"/>
+          <a:off x="169898" y="5051512"/>
+          <a:ext cx="309208" cy="308906"/>
         </a:xfrm>
         <a:prstGeom prst="rect">
           <a:avLst/>
@@ -14487,15 +14668,15 @@
         </a:fontRef>
       </dsp:style>
     </dsp:sp>
-    <dsp:sp modelId="{253BDD44-D96E-4587-8A98-B2C2E455E5CF}">
+    <dsp:sp modelId="{073C2F1D-C732-4B97-91BE-B7B120C8CF58}">
       <dsp:nvSpPr>
         <dsp:cNvPr id="0" name=""/>
         <dsp:cNvSpPr/>
       </dsp:nvSpPr>
       <dsp:spPr>
         <a:xfrm>
-          <a:off x="8841735" y="2608860"/>
-          <a:ext cx="2184691" cy="926838"/>
+          <a:off x="649005" y="4925141"/>
+          <a:ext cx="5815952" cy="649405"/>
         </a:xfrm>
         <a:prstGeom prst="rect">
           <a:avLst/>
@@ -14519,14 +14700,14 @@
         <a:fontRef idx="minor"/>
       </dsp:style>
       <dsp:txBody>
-        <a:bodyPr spcFirstLastPara="0" vert="horz" wrap="square" lIns="0" tIns="0" rIns="0" bIns="0" numCol="1" spcCol="1270" anchor="ctr" anchorCtr="0">
+        <a:bodyPr spcFirstLastPara="0" vert="horz" wrap="square" lIns="68729" tIns="68729" rIns="68729" bIns="68729" numCol="1" spcCol="1270" anchor="ctr" anchorCtr="0">
           <a:noAutofit/>
         </a:bodyPr>
         <a:lstStyle/>
         <a:p>
-          <a:pPr marL="0" lvl="0" indent="0" algn="l" defTabSz="488950">
+          <a:pPr marL="0" lvl="0" indent="0" algn="l" defTabSz="622300">
             <a:lnSpc>
-              <a:spcPct val="100000"/>
+              <a:spcPct val="90000"/>
             </a:lnSpc>
             <a:spcBef>
               <a:spcPct val="0"/>
@@ -14537,14 +14718,14 @@
             <a:buNone/>
           </a:pPr>
           <a:r>
-            <a:rPr lang="en-US" sz="1100" kern="1200"/>
-            <a:t>We created JavaScript functions that check whether a value submitted by the user passes the validation. All those functions are called from another service. It arranges the focus to the data field until the user provides a valid value. When the user visits so, they may continue and can provide value to the next available area. The following JavaScript function created is called on the on submit event of the form.</a:t>
+            <a:rPr lang="en-US" sz="1400" kern="1200" dirty="0"/>
+            <a:t>When they use the search data box, the practical keyboard is stimulated. When our users use the search bar to filter lists of items, it's typically displayed at the top of the list only for the nearest parking spots and should scroll with the listed locations.</a:t>
           </a:r>
         </a:p>
       </dsp:txBody>
       <dsp:txXfrm>
-        <a:off x="8841735" y="2608860"/>
-        <a:ext cx="2184691" cy="926838"/>
+        <a:off x="649005" y="4925141"/>
+        <a:ext cx="5815952" cy="649405"/>
       </dsp:txXfrm>
     </dsp:sp>
   </dsp:spTree>
@@ -14627,12 +14808,12 @@
             <a:buNone/>
           </a:pPr>
           <a:r>
-            <a:rPr lang="en-US" sz="1600" b="0" i="0" kern="1200" dirty="0">
+            <a:rPr lang="en-US" sz="1600" kern="1200">
               <a:hlinkClick xmlns:r="http://schemas.openxmlformats.org/officeDocument/2006/relationships" r:id="rId1"/>
             </a:rPr>
-            <a:t>https://yousiadel.github.io/Park-Me-Site/</a:t>
+            <a:t>https://github.com/Yousiadel/Parking-Finder-App</a:t>
           </a:r>
-          <a:endParaRPr lang="en-US" sz="1600" kern="1200" dirty="0"/>
+          <a:endParaRPr lang="en-US" sz="1600" kern="1200"/>
         </a:p>
       </dsp:txBody>
       <dsp:txXfrm>
@@ -14711,7 +14892,7 @@
             <a:rPr lang="en-US" sz="1600" kern="1200" dirty="0">
               <a:hlinkClick xmlns:r="http://schemas.openxmlformats.org/officeDocument/2006/relationships" r:id="rId2"/>
             </a:rPr>
-            <a:t>https://github.com/Yousiadel/Park-Me-Site</a:t>
+            <a:t>https://yousiadel.github.io/Parking-Finder-App/</a:t>
           </a:r>
           <a:endParaRPr lang="en-US" sz="1600" kern="1200" dirty="0"/>
         </a:p>
@@ -16207,9 +16388,9 @@
 </file>
 
 <file path=ppt/diagrams/layout7.xml><?xml version="1.0" encoding="utf-8"?>
-<dgm:layoutDef xmlns:dgm="http://schemas.openxmlformats.org/drawingml/2006/diagram" xmlns:a="http://schemas.openxmlformats.org/drawingml/2006/main" uniqueId="urn:microsoft.com/office/officeart/2018/2/layout/IconCircleList">
-  <dgm:title val="Icon Circle List"/>
-  <dgm:desc val="Use to show non-sequential or grouped chunks of information accompanied by related visuals. Circular shapes can hold an icon or small picture and corresponding text box shows Level 1 text. Works best for icons or small pictures with medium-length descriptions."/>
+<dgm:layoutDef xmlns:dgm="http://schemas.openxmlformats.org/drawingml/2006/diagram" xmlns:a="http://schemas.openxmlformats.org/drawingml/2006/main" uniqueId="urn:microsoft.com/office/officeart/2018/2/layout/IconVerticalSolidList">
+  <dgm:title val="Icon Vertical Solid List"/>
+  <dgm:desc val="Use to show a series of visuals from top to bottom with Level 1 or Level 1 and Level 2 text grouped in a shape. Works best with icons or small pictures with lengthier descriptions."/>
   <dgm:catLst>
     <dgm:cat type="icon" pri="500"/>
   </dgm:catLst>
@@ -16239,170 +16420,247 @@
       <dgm:dir/>
       <dgm:resizeHandles val="exact"/>
     </dgm:varLst>
-    <dgm:alg type="sp"/>
+    <dgm:choose name="Name0">
+      <dgm:if name="Name1" axis="self" func="var" arg="dir" op="equ" val="norm">
+        <dgm:alg type="lin">
+          <dgm:param type="linDir" val="fromT"/>
+          <dgm:param type="nodeHorzAlign" val="l"/>
+        </dgm:alg>
+      </dgm:if>
+      <dgm:else name="Name2">
+        <dgm:alg type="lin">
+          <dgm:param type="linDir" val="fromT"/>
+          <dgm:param type="nodeHorzAlign" val="r"/>
+        </dgm:alg>
+      </dgm:else>
+    </dgm:choose>
     <dgm:shape xmlns:r="http://schemas.openxmlformats.org/officeDocument/2006/relationships" r:blip="">
       <dgm:adjLst/>
     </dgm:shape>
     <dgm:presOf/>
-    <dgm:choose name="Name0">
-      <dgm:if name="Name1" axis="ch" ptType="node" func="cnt" op="lte" val="3">
+    <dgm:choose name="Name3">
+      <dgm:if name="Name4" axis="ch" ptType="node" func="cnt" op="lte" val="3">
         <dgm:constrLst>
-          <dgm:constr type="w" for="ch" forName="container" refType="w"/>
-          <dgm:constr type="h" for="ch" forName="container" refType="h" fact="0.4"/>
+          <dgm:constr type="h" for="ch" forName="compNode" refType="h" fact="0.3"/>
+          <dgm:constr type="w" for="ch" forName="compNode" refType="w"/>
+          <dgm:constr type="h" for="ch" forName="sibTrans" refType="h" refFor="ch" refForName="compNode" fact="0.25"/>
+          <dgm:constr type="primFontSz" for="des" forName="parTx" val="25"/>
+          <dgm:constr type="primFontSz" for="des" forName="desTx" refType="primFontSz" refFor="des" refForName="parTx" op="lte" fact="0.75"/>
+          <dgm:constr type="h" for="des" forName="compNode" op="equ"/>
+          <dgm:constr type="h" for="des" forName="bgRect" op="equ"/>
+          <dgm:constr type="h" for="des" forName="iconRect" op="equ"/>
+          <dgm:constr type="w" for="des" forName="iconRect" op="equ"/>
+          <dgm:constr type="h" for="des" forName="spaceRect" op="equ"/>
+          <dgm:constr type="h" for="des" forName="parTx" op="equ"/>
+          <dgm:constr type="h" for="des" forName="desTx" op="equ"/>
         </dgm:constrLst>
       </dgm:if>
-      <dgm:else name="Name2">
+      <dgm:if name="Name5" axis="ch" ptType="node" func="cnt" op="lte" val="4">
         <dgm:constrLst>
-          <dgm:constr type="w" for="ch" forName="container" refType="w"/>
-          <dgm:constr type="h" for="ch" forName="container" refType="h"/>
+          <dgm:constr type="h" for="ch" forName="compNode" refType="h" fact="0.3"/>
+          <dgm:constr type="w" for="ch" forName="compNode" refType="w"/>
+          <dgm:constr type="h" for="ch" forName="sibTrans" refType="h" refFor="ch" refForName="compNode" fact="0.25"/>
+          <dgm:constr type="primFontSz" for="des" forName="parTx" val="22"/>
+          <dgm:constr type="primFontSz" for="des" forName="desTx" refType="primFontSz" refFor="des" refForName="parTx" op="lte" fact="0.75"/>
+          <dgm:constr type="h" for="des" forName="compNode" op="equ"/>
+          <dgm:constr type="h" for="des" forName="bgRect" op="equ"/>
+          <dgm:constr type="h" for="des" forName="iconRect" op="equ"/>
+          <dgm:constr type="w" for="des" forName="iconRect" op="equ"/>
+          <dgm:constr type="h" for="des" forName="spaceRect" op="equ"/>
+          <dgm:constr type="h" for="des" forName="parTx" op="equ"/>
+          <dgm:constr type="h" for="des" forName="desTx" op="equ"/>
+        </dgm:constrLst>
+      </dgm:if>
+      <dgm:if name="Name6" axis="ch" ptType="node" func="cnt" op="lte" val="6">
+        <dgm:constrLst>
+          <dgm:constr type="h" for="ch" forName="compNode" refType="h" fact="0.3"/>
+          <dgm:constr type="w" for="ch" forName="compNode" refType="w"/>
+          <dgm:constr type="h" for="ch" forName="sibTrans" refType="h" refFor="ch" refForName="compNode" fact="0.25"/>
+          <dgm:constr type="primFontSz" for="des" forName="parTx" val="19"/>
+          <dgm:constr type="primFontSz" for="des" forName="desTx" refType="primFontSz" refFor="des" refForName="parTx" op="lte" fact="0.75"/>
+          <dgm:constr type="h" for="des" forName="compNode" op="equ"/>
+          <dgm:constr type="h" for="des" forName="bgRect" op="equ"/>
+          <dgm:constr type="h" for="des" forName="iconRect" op="equ"/>
+          <dgm:constr type="w" for="des" forName="iconRect" op="equ"/>
+          <dgm:constr type="h" for="des" forName="spaceRect" op="equ"/>
+          <dgm:constr type="h" for="des" forName="parTx" op="equ"/>
+          <dgm:constr type="h" for="des" forName="desTx" op="equ"/>
+        </dgm:constrLst>
+      </dgm:if>
+      <dgm:else name="Name7">
+        <dgm:constrLst>
+          <dgm:constr type="h" for="ch" forName="compNode" refType="h" fact="0.3"/>
+          <dgm:constr type="w" for="ch" forName="compNode" refType="w"/>
+          <dgm:constr type="h" for="ch" forName="sibTrans" refType="h" refFor="ch" refForName="compNode" fact="0.25"/>
+          <dgm:constr type="primFontSz" for="des" forName="parTx" val="16"/>
+          <dgm:constr type="primFontSz" for="des" forName="desTx" refType="primFontSz" refFor="des" refForName="parTx" op="lte" fact="0.75"/>
+          <dgm:constr type="h" for="des" forName="compNode" op="equ"/>
+          <dgm:constr type="h" for="des" forName="bgRect" op="equ"/>
+          <dgm:constr type="h" for="des" forName="iconRect" op="equ"/>
+          <dgm:constr type="w" for="des" forName="iconRect" op="equ"/>
+          <dgm:constr type="h" for="des" forName="spaceRect" op="equ"/>
+          <dgm:constr type="h" for="des" forName="parTx" op="equ"/>
+          <dgm:constr type="h" for="des" forName="desTx" op="equ"/>
         </dgm:constrLst>
       </dgm:else>
     </dgm:choose>
     <dgm:ruleLst>
-      <dgm:rule type="h" for="ch" forName="container" val="INF" fact="NaN" max="NaN"/>
+      <dgm:rule type="h" for="ch" forName="compNode" val="0" fact="NaN" max="NaN"/>
     </dgm:ruleLst>
-    <dgm:layoutNode name="container">
-      <dgm:varLst>
-        <dgm:dir/>
-        <dgm:resizeHandles val="exact"/>
-      </dgm:varLst>
-      <dgm:choose name="Name3">
-        <dgm:if name="Name4" axis="self" func="var" arg="dir" op="equ" val="norm">
-          <dgm:alg type="snake">
-            <dgm:param type="grDir" val="tL"/>
-            <dgm:param type="flowDir" val="row"/>
-            <dgm:param type="contDir" val="sameDir"/>
+    <dgm:forEach name="Name8" axis="ch" ptType="node">
+      <dgm:layoutNode name="compNode">
+        <dgm:alg type="composite"/>
+        <dgm:shape xmlns:r="http://schemas.openxmlformats.org/officeDocument/2006/relationships" r:blip="">
+          <dgm:adjLst/>
+        </dgm:shape>
+        <dgm:presOf axis="self"/>
+        <dgm:choose name="Name9">
+          <dgm:if name="Name10" axis="ch" ptType="node" func="cnt" op="gte" val="1">
+            <dgm:constrLst>
+              <dgm:constr type="w" for="ch" forName="bgRect" refType="w"/>
+              <dgm:constr type="h" for="ch" forName="bgRect" refType="h"/>
+              <dgm:constr type="l" for="ch" forName="bgRect"/>
+              <dgm:constr type="t" for="ch" forName="bgRect"/>
+              <dgm:constr type="h" for="ch" forName="iconRect" refType="h" fact="0.55"/>
+              <dgm:constr type="w" for="ch" forName="iconRect" refType="h" refFor="ch" refForName="iconRect"/>
+              <dgm:constr type="l" for="ch" forName="iconRect" refType="h" refFor="ch" refForName="iconRect" fact="0.55"/>
+              <dgm:constr type="ctrY" for="ch" forName="iconRect" refType="ctrY" refFor="ch" refForName="bgRect"/>
+              <dgm:constr type="w" for="ch" forName="spaceRect" refType="l" refFor="ch" refForName="iconRect"/>
+              <dgm:constr type="h" for="ch" forName="spaceRect" refType="h"/>
+              <dgm:constr type="l" for="ch" forName="spaceRect" refType="r" refFor="ch" refForName="iconRect"/>
+              <dgm:constr type="t" for="ch" forName="spaceRect"/>
+              <dgm:constr type="w" for="ch" forName="parTx" refType="w" fact="0.45"/>
+              <dgm:constr type="h" for="ch" forName="parTx" refType="h"/>
+              <dgm:constr type="l" for="ch" forName="parTx" refType="r" refFor="ch" refForName="spaceRect"/>
+              <dgm:constr type="t" for="ch" forName="parTx"/>
+              <dgm:constr type="h" for="ch" forName="desTx" refType="h"/>
+              <dgm:constr type="l" for="ch" forName="desTx" refType="r" refFor="ch" refForName="parTx"/>
+              <dgm:constr type="t" for="ch" forName="desTx"/>
+            </dgm:constrLst>
+          </dgm:if>
+          <dgm:else name="Name11">
+            <dgm:constrLst>
+              <dgm:constr type="w" for="ch" forName="bgRect" refType="w"/>
+              <dgm:constr type="h" for="ch" forName="bgRect" refType="h"/>
+              <dgm:constr type="l" for="ch" forName="bgRect"/>
+              <dgm:constr type="t" for="ch" forName="bgRect"/>
+              <dgm:constr type="h" for="ch" forName="iconRect" refType="h" fact="0.55"/>
+              <dgm:constr type="w" for="ch" forName="iconRect" refType="h" refFor="ch" refForName="iconRect"/>
+              <dgm:constr type="l" for="ch" forName="iconRect" refType="h" refFor="ch" refForName="iconRect" fact="0.55"/>
+              <dgm:constr type="ctrY" for="ch" forName="iconRect" refType="ctrY" refFor="ch" refForName="bgRect"/>
+              <dgm:constr type="w" for="ch" forName="spaceRect" refType="l" refFor="ch" refForName="iconRect"/>
+              <dgm:constr type="h" for="ch" forName="spaceRect" refType="h"/>
+              <dgm:constr type="l" for="ch" forName="spaceRect" refType="r" refFor="ch" refForName="iconRect"/>
+              <dgm:constr type="t" for="ch" forName="spaceRect"/>
+              <dgm:constr type="h" for="ch" forName="parTx" refType="h"/>
+              <dgm:constr type="l" for="ch" forName="parTx" refType="r" refFor="ch" refForName="spaceRect"/>
+              <dgm:constr type="t" for="ch" forName="parTx"/>
+            </dgm:constrLst>
+          </dgm:else>
+        </dgm:choose>
+        <dgm:ruleLst>
+          <dgm:rule type="h" val="INF" fact="NaN" max="NaN"/>
+        </dgm:ruleLst>
+        <dgm:layoutNode name="bgRect" styleLbl="bgShp">
+          <dgm:alg type="sp"/>
+          <dgm:shape xmlns:r="http://schemas.openxmlformats.org/officeDocument/2006/relationships" type="roundRect" r:blip="">
+            <dgm:adjLst>
+              <dgm:adj idx="1" val="0.1"/>
+            </dgm:adjLst>
+          </dgm:shape>
+          <dgm:presOf/>
+          <dgm:constrLst/>
+          <dgm:ruleLst/>
+        </dgm:layoutNode>
+        <dgm:layoutNode name="iconRect" styleLbl="node1">
+          <dgm:alg type="sp"/>
+          <dgm:shape xmlns:r="http://schemas.openxmlformats.org/officeDocument/2006/relationships" type="rect" r:blip="" blipPhldr="1">
+            <dgm:adjLst/>
+          </dgm:shape>
+          <dgm:presOf/>
+          <dgm:constrLst/>
+          <dgm:ruleLst/>
+        </dgm:layoutNode>
+        <dgm:layoutNode name="spaceRect">
+          <dgm:alg type="sp"/>
+          <dgm:shape xmlns:r="http://schemas.openxmlformats.org/officeDocument/2006/relationships" r:blip="">
+            <dgm:adjLst/>
+          </dgm:shape>
+          <dgm:presOf/>
+          <dgm:constrLst/>
+          <dgm:ruleLst/>
+        </dgm:layoutNode>
+        <dgm:layoutNode name="parTx" styleLbl="revTx">
+          <dgm:varLst>
+            <dgm:chMax val="0"/>
+            <dgm:chPref val="0"/>
+          </dgm:varLst>
+          <dgm:alg type="tx">
+            <dgm:param type="txAnchorVert" val="mid"/>
+            <dgm:param type="parTxLTRAlign" val="l"/>
+            <dgm:param type="shpTxLTRAlignCh" val="l"/>
+            <dgm:param type="parTxRTLAlign" val="r"/>
+            <dgm:param type="shpTxRTLAlignCh" val="r"/>
           </dgm:alg>
-        </dgm:if>
-        <dgm:else name="Name5">
-          <dgm:alg type="snake">
-            <dgm:param type="grDir" val="tR"/>
-            <dgm:param type="flowDir" val="row"/>
-            <dgm:param type="contDir" val="sameDir"/>
-          </dgm:alg>
-        </dgm:else>
-      </dgm:choose>
-      <dgm:shape xmlns:r="http://schemas.openxmlformats.org/officeDocument/2006/relationships" r:blip="">
-        <dgm:adjLst/>
-      </dgm:shape>
-      <dgm:presOf/>
-      <dgm:constrLst>
-        <dgm:constr type="w" for="ch" forName="compNode" refType="w"/>
-        <dgm:constr type="h" for="ch" forName="compNode" refType="w" fact="0.28"/>
-        <dgm:constr type="w" for="ch" forName="sibTrans" refType="w" refFor="ch" refForName="compNode" fact="0.115"/>
-        <dgm:constr type="sp" refType="h" op="equ" fact="0.17"/>
-        <dgm:constr type="primFontSz" for="des" ptType="node" op="equ" val="24"/>
-        <dgm:constr type="h" for="des" forName="compNode" op="equ"/>
-        <dgm:constr type="h" for="des" forName="iconBgRect" op="equ"/>
-      </dgm:constrLst>
-      <dgm:ruleLst>
-        <dgm:rule type="w" for="ch" forName="compNode" val="60" fact="NaN" max="NaN"/>
-      </dgm:ruleLst>
-      <dgm:forEach name="Name6" axis="ch" ptType="node">
-        <dgm:layoutNode name="compNode">
-          <dgm:alg type="composite"/>
+          <dgm:shape xmlns:r="http://schemas.openxmlformats.org/officeDocument/2006/relationships" type="rect" r:blip="">
+            <dgm:adjLst/>
+          </dgm:shape>
+          <dgm:presOf axis="self" ptType="node"/>
+          <dgm:constrLst>
+            <dgm:constr type="lMarg" refType="h" fact="0.3"/>
+            <dgm:constr type="rMarg" refType="h" fact="0.3"/>
+            <dgm:constr type="tMarg" refType="h" fact="0.3"/>
+            <dgm:constr type="bMarg" refType="h" fact="0.3"/>
+          </dgm:constrLst>
+          <dgm:ruleLst>
+            <dgm:rule type="primFontSz" val="14" fact="NaN" max="NaN"/>
+            <dgm:rule type="h" val="INF" fact="NaN" max="NaN"/>
+          </dgm:ruleLst>
+        </dgm:layoutNode>
+        <dgm:choose name="Name12">
+          <dgm:if name="Name13" axis="ch" ptType="node" func="cnt" op="gte" val="1">
+            <dgm:layoutNode name="desTx" styleLbl="revTx">
+              <dgm:varLst/>
+              <dgm:alg type="tx">
+                <dgm:param type="txAnchorVertCh" val="mid"/>
+                <dgm:param type="parTxLTRAlign" val="l"/>
+                <dgm:param type="shpTxLTRAlignCh" val="l"/>
+                <dgm:param type="parTxRTLAlign" val="r"/>
+                <dgm:param type="shpTxRTLAlignCh" val="r"/>
+                <dgm:param type="stBulletLvl" val="0"/>
+              </dgm:alg>
+              <dgm:shape xmlns:r="http://schemas.openxmlformats.org/officeDocument/2006/relationships" type="rect" r:blip="">
+                <dgm:adjLst/>
+              </dgm:shape>
+              <dgm:presOf axis="des" ptType="node"/>
+              <dgm:constrLst>
+                <dgm:constr type="primFontSz" val="18"/>
+                <dgm:constr type="secFontSz" refType="primFontSz"/>
+                <dgm:constr type="lMarg" refType="h" fact="0.3"/>
+                <dgm:constr type="rMarg" refType="h" fact="0.3"/>
+                <dgm:constr type="tMarg" refType="h" fact="0.3"/>
+                <dgm:constr type="bMarg" refType="h" fact="0.3"/>
+              </dgm:constrLst>
+              <dgm:ruleLst>
+                <dgm:rule type="primFontSz" val="11" fact="NaN" max="NaN"/>
+              </dgm:ruleLst>
+            </dgm:layoutNode>
+          </dgm:if>
+          <dgm:else name="Name14"/>
+        </dgm:choose>
+      </dgm:layoutNode>
+      <dgm:forEach name="Name15" axis="followSib" ptType="sibTrans" cnt="1">
+        <dgm:layoutNode name="sibTrans">
+          <dgm:alg type="sp"/>
           <dgm:shape xmlns:r="http://schemas.openxmlformats.org/officeDocument/2006/relationships" r:blip="">
             <dgm:adjLst/>
           </dgm:shape>
           <dgm:presOf axis="self"/>
-          <dgm:constrLst>
-            <dgm:constr type="w" for="ch" forName="iconBgRect" refType="w" fact="0.28"/>
-            <dgm:constr type="h" for="ch" forName="iconBgRect" refType="w" refFor="ch" refForName="iconBgRect"/>
-            <dgm:constr type="t" for="ch" forName="iconBgRect"/>
-            <dgm:constr type="l" for="ch" forName="iconBgRect"/>
-            <dgm:constr type="w" for="ch" forName="iconRect" refType="w" refFor="ch" refForName="iconBgRect" fact="0.58"/>
-            <dgm:constr type="h" for="ch" forName="iconRect" refType="w" refFor="ch" refForName="iconRect"/>
-            <dgm:constr type="ctrX" for="ch" forName="iconRect" refType="ctrX" refFor="ch" refForName="iconBgRect"/>
-            <dgm:constr type="ctrY" for="ch" forName="iconRect" refType="ctrY" refFor="ch" refForName="iconBgRect"/>
-            <dgm:constr type="w" for="ch" forName="spaceRect" refType="w" fact="0.06"/>
-            <dgm:constr type="h" for="ch" forName="spaceRect" refType="h" refFor="ch" refForName="iconBgRect"/>
-            <dgm:constr type="t" for="ch" forName="spaceRect" refType="t" refFor="ch" refForName="iconBgRect"/>
-            <dgm:constr type="l" for="ch" forName="spaceRect" refType="r" refFor="ch" refForName="iconBgRect"/>
-            <dgm:constr type="h" for="ch" forName="textRect" refType="h" refFor="ch" refForName="iconBgRect"/>
-            <dgm:constr type="t" for="ch" forName="textRect" refType="t" refFor="ch" refForName="iconBgRect"/>
-            <dgm:constr type="l" for="ch" forName="textRect" refType="r" refFor="ch" refForName="spaceRect"/>
-          </dgm:constrLst>
+          <dgm:constrLst/>
           <dgm:ruleLst/>
-          <dgm:layoutNode name="iconBgRect" styleLbl="bgShp">
-            <dgm:alg type="sp"/>
-            <dgm:shape xmlns:r="http://schemas.openxmlformats.org/officeDocument/2006/relationships" type="ellipse" r:blip="">
-              <dgm:adjLst/>
-            </dgm:shape>
-            <dgm:presOf/>
-            <dgm:constrLst/>
-            <dgm:ruleLst/>
-          </dgm:layoutNode>
-          <dgm:layoutNode name="iconRect" styleLbl="node1">
-            <dgm:alg type="sp"/>
-            <dgm:shape xmlns:r="http://schemas.openxmlformats.org/officeDocument/2006/relationships" type="rect" r:blip="" blipPhldr="1">
-              <dgm:adjLst/>
-            </dgm:shape>
-            <dgm:presOf/>
-            <dgm:constrLst/>
-            <dgm:ruleLst/>
-          </dgm:layoutNode>
-          <dgm:layoutNode name="spaceRect">
-            <dgm:alg type="sp"/>
-            <dgm:shape xmlns:r="http://schemas.openxmlformats.org/officeDocument/2006/relationships" r:blip="">
-              <dgm:adjLst/>
-            </dgm:shape>
-            <dgm:presOf/>
-            <dgm:constrLst/>
-            <dgm:ruleLst/>
-          </dgm:layoutNode>
-          <dgm:layoutNode name="textRect" styleLbl="revTx">
-            <dgm:varLst>
-              <dgm:chMax val="1"/>
-              <dgm:chPref val="1"/>
-            </dgm:varLst>
-            <dgm:choose name="Name7">
-              <dgm:if name="Name8" func="var" arg="dir" op="equ" val="norm">
-                <dgm:alg type="tx">
-                  <dgm:param type="txAnchorVert" val="mid"/>
-                  <dgm:param type="parTxLTRAlign" val="l"/>
-                  <dgm:param type="shpTxLTRAlignCh" val="l"/>
-                  <dgm:param type="parTxRTLAlign" val="l"/>
-                  <dgm:param type="shpTxRTLAlignCh" val="l"/>
-                </dgm:alg>
-              </dgm:if>
-              <dgm:else name="Name9">
-                <dgm:alg type="tx">
-                  <dgm:param type="txAnchorVert" val="mid"/>
-                  <dgm:param type="parTxLTRAlign" val="r"/>
-                  <dgm:param type="shpTxLTRAlignCh" val="r"/>
-                  <dgm:param type="parTxRTLAlign" val="r"/>
-                  <dgm:param type="shpTxRTLAlignCh" val="r"/>
-                </dgm:alg>
-              </dgm:else>
-            </dgm:choose>
-            <dgm:shape xmlns:r="http://schemas.openxmlformats.org/officeDocument/2006/relationships" type="rect" r:blip="">
-              <dgm:adjLst/>
-            </dgm:shape>
-            <dgm:presOf axis="self" ptType="node"/>
-            <dgm:constrLst>
-              <dgm:constr type="lMarg"/>
-              <dgm:constr type="rMarg"/>
-              <dgm:constr type="tMarg"/>
-              <dgm:constr type="bMarg"/>
-            </dgm:constrLst>
-            <dgm:ruleLst>
-              <dgm:rule type="primFontSz" val="11" fact="NaN" max="NaN"/>
-            </dgm:ruleLst>
-          </dgm:layoutNode>
         </dgm:layoutNode>
-        <dgm:forEach name="Name10" axis="followSib" ptType="sibTrans" cnt="1">
-          <dgm:layoutNode name="sibTrans">
-            <dgm:alg type="sp"/>
-            <dgm:shape xmlns:r="http://schemas.openxmlformats.org/officeDocument/2006/relationships" type="rect" r:blip="" hideGeom="1">
-              <dgm:adjLst/>
-            </dgm:shape>
-            <dgm:presOf axis="self"/>
-            <dgm:constrLst/>
-            <dgm:ruleLst/>
-          </dgm:layoutNode>
-        </dgm:forEach>
       </dgm:forEach>
-    </dgm:layoutNode>
+    </dgm:forEach>
   </dgm:layoutNode>
   <dgm:extLst>
     <a:ext uri="{68A01E43-0DF5-4B5B-8FA6-DAF915123BFB}">
@@ -16412,6 +16670,11 @@
             <a:spcPct val="100000"/>
           </a:lnSpc>
         </a:lvl1pPr>
+        <a:lvl2pPr>
+          <a:lnSpc>
+            <a:spcPct val="100000"/>
+          </a:lnSpc>
+        </a:lvl2pPr>
       </dgm1612:lstStyle>
     </a:ext>
   </dgm:extLst>
@@ -25125,7 +25388,7 @@
           <a:p>
             <a:fld id="{86056FF6-3910-F246-B52E-9078528631F2}" type="datetimeFigureOut">
               <a:rPr lang="en-US" smtClean="0"/>
-              <a:t>4/18/20</a:t>
+              <a:t>4/16/20</a:t>
             </a:fld>
             <a:endParaRPr lang="en-US"/>
           </a:p>
@@ -25392,1311 +25655,6 @@
 </p:notesMaster>
 </file>
 
-<file path=ppt/notesSlides/notesSlide1.xml><?xml version="1.0" encoding="utf-8"?>
-<p:notes xmlns:a="http://schemas.openxmlformats.org/drawingml/2006/main" xmlns:r="http://schemas.openxmlformats.org/officeDocument/2006/relationships" xmlns:p="http://schemas.openxmlformats.org/presentationml/2006/main">
-  <p:cSld>
-    <p:spTree>
-      <p:nvGrpSpPr>
-        <p:cNvPr id="1" name=""/>
-        <p:cNvGrpSpPr/>
-        <p:nvPr/>
-      </p:nvGrpSpPr>
-      <p:grpSpPr>
-        <a:xfrm>
-          <a:off x="0" y="0"/>
-          <a:ext cx="0" cy="0"/>
-          <a:chOff x="0" y="0"/>
-          <a:chExt cx="0" cy="0"/>
-        </a:xfrm>
-      </p:grpSpPr>
-      <p:sp>
-        <p:nvSpPr>
-          <p:cNvPr id="2" name="Slide Image Placeholder 1"/>
-          <p:cNvSpPr>
-            <a:spLocks noGrp="1" noRot="1" noChangeAspect="1"/>
-          </p:cNvSpPr>
-          <p:nvPr>
-            <p:ph type="sldImg"/>
-          </p:nvPr>
-        </p:nvSpPr>
-        <p:spPr/>
-      </p:sp>
-      <p:sp>
-        <p:nvSpPr>
-          <p:cNvPr id="3" name="Notes Placeholder 2"/>
-          <p:cNvSpPr>
-            <a:spLocks noGrp="1"/>
-          </p:cNvSpPr>
-          <p:nvPr>
-            <p:ph type="body" idx="1"/>
-          </p:nvPr>
-        </p:nvSpPr>
-        <p:spPr/>
-        <p:txBody>
-          <a:bodyPr/>
-          <a:lstStyle/>
-          <a:p>
-            <a:r>
-              <a:rPr lang="en-US" dirty="0"/>
-              <a:t>Derek</a:t>
-            </a:r>
-          </a:p>
-        </p:txBody>
-      </p:sp>
-      <p:sp>
-        <p:nvSpPr>
-          <p:cNvPr id="4" name="Slide Number Placeholder 3"/>
-          <p:cNvSpPr>
-            <a:spLocks noGrp="1"/>
-          </p:cNvSpPr>
-          <p:nvPr>
-            <p:ph type="sldNum" sz="quarter" idx="5"/>
-          </p:nvPr>
-        </p:nvSpPr>
-        <p:spPr/>
-        <p:txBody>
-          <a:bodyPr/>
-          <a:lstStyle/>
-          <a:p>
-            <a:fld id="{DCE921D0-8091-1B47-9857-716BD5BE96A8}" type="slidenum">
-              <a:rPr lang="en-US" smtClean="0"/>
-              <a:t>1</a:t>
-            </a:fld>
-            <a:endParaRPr lang="en-US"/>
-          </a:p>
-        </p:txBody>
-      </p:sp>
-    </p:spTree>
-    <p:extLst>
-      <p:ext uri="{BB962C8B-B14F-4D97-AF65-F5344CB8AC3E}">
-        <p14:creationId xmlns:p14="http://schemas.microsoft.com/office/powerpoint/2010/main" val="712301461"/>
-      </p:ext>
-    </p:extLst>
-  </p:cSld>
-  <p:clrMapOvr>
-    <a:masterClrMapping/>
-  </p:clrMapOvr>
-</p:notes>
-</file>
-
-<file path=ppt/notesSlides/notesSlide10.xml><?xml version="1.0" encoding="utf-8"?>
-<p:notes xmlns:a="http://schemas.openxmlformats.org/drawingml/2006/main" xmlns:r="http://schemas.openxmlformats.org/officeDocument/2006/relationships" xmlns:p="http://schemas.openxmlformats.org/presentationml/2006/main">
-  <p:cSld>
-    <p:spTree>
-      <p:nvGrpSpPr>
-        <p:cNvPr id="1" name=""/>
-        <p:cNvGrpSpPr/>
-        <p:nvPr/>
-      </p:nvGrpSpPr>
-      <p:grpSpPr>
-        <a:xfrm>
-          <a:off x="0" y="0"/>
-          <a:ext cx="0" cy="0"/>
-          <a:chOff x="0" y="0"/>
-          <a:chExt cx="0" cy="0"/>
-        </a:xfrm>
-      </p:grpSpPr>
-      <p:sp>
-        <p:nvSpPr>
-          <p:cNvPr id="2" name="Slide Image Placeholder 1"/>
-          <p:cNvSpPr>
-            <a:spLocks noGrp="1" noRot="1" noChangeAspect="1"/>
-          </p:cNvSpPr>
-          <p:nvPr>
-            <p:ph type="sldImg"/>
-          </p:nvPr>
-        </p:nvSpPr>
-        <p:spPr/>
-      </p:sp>
-      <p:sp>
-        <p:nvSpPr>
-          <p:cNvPr id="3" name="Notes Placeholder 2"/>
-          <p:cNvSpPr>
-            <a:spLocks noGrp="1"/>
-          </p:cNvSpPr>
-          <p:nvPr>
-            <p:ph type="body" idx="1"/>
-          </p:nvPr>
-        </p:nvSpPr>
-        <p:spPr/>
-        <p:txBody>
-          <a:bodyPr/>
-          <a:lstStyle/>
-          <a:p>
-            <a:r>
-              <a:rPr lang="en-US" dirty="0"/>
-              <a:t>Youstina</a:t>
-            </a:r>
-          </a:p>
-        </p:txBody>
-      </p:sp>
-      <p:sp>
-        <p:nvSpPr>
-          <p:cNvPr id="4" name="Slide Number Placeholder 3"/>
-          <p:cNvSpPr>
-            <a:spLocks noGrp="1"/>
-          </p:cNvSpPr>
-          <p:nvPr>
-            <p:ph type="sldNum" sz="quarter" idx="5"/>
-          </p:nvPr>
-        </p:nvSpPr>
-        <p:spPr/>
-        <p:txBody>
-          <a:bodyPr/>
-          <a:lstStyle/>
-          <a:p>
-            <a:fld id="{DCE921D0-8091-1B47-9857-716BD5BE96A8}" type="slidenum">
-              <a:rPr lang="en-US" smtClean="0"/>
-              <a:t>10</a:t>
-            </a:fld>
-            <a:endParaRPr lang="en-US"/>
-          </a:p>
-        </p:txBody>
-      </p:sp>
-    </p:spTree>
-    <p:extLst>
-      <p:ext uri="{BB962C8B-B14F-4D97-AF65-F5344CB8AC3E}">
-        <p14:creationId xmlns:p14="http://schemas.microsoft.com/office/powerpoint/2010/main" val="3773876475"/>
-      </p:ext>
-    </p:extLst>
-  </p:cSld>
-  <p:clrMapOvr>
-    <a:masterClrMapping/>
-  </p:clrMapOvr>
-</p:notes>
-</file>
-
-<file path=ppt/notesSlides/notesSlide11.xml><?xml version="1.0" encoding="utf-8"?>
-<p:notes xmlns:a="http://schemas.openxmlformats.org/drawingml/2006/main" xmlns:r="http://schemas.openxmlformats.org/officeDocument/2006/relationships" xmlns:p="http://schemas.openxmlformats.org/presentationml/2006/main">
-  <p:cSld>
-    <p:spTree>
-      <p:nvGrpSpPr>
-        <p:cNvPr id="1" name=""/>
-        <p:cNvGrpSpPr/>
-        <p:nvPr/>
-      </p:nvGrpSpPr>
-      <p:grpSpPr>
-        <a:xfrm>
-          <a:off x="0" y="0"/>
-          <a:ext cx="0" cy="0"/>
-          <a:chOff x="0" y="0"/>
-          <a:chExt cx="0" cy="0"/>
-        </a:xfrm>
-      </p:grpSpPr>
-      <p:sp>
-        <p:nvSpPr>
-          <p:cNvPr id="2" name="Slide Image Placeholder 1"/>
-          <p:cNvSpPr>
-            <a:spLocks noGrp="1" noRot="1" noChangeAspect="1"/>
-          </p:cNvSpPr>
-          <p:nvPr>
-            <p:ph type="sldImg"/>
-          </p:nvPr>
-        </p:nvSpPr>
-        <p:spPr/>
-      </p:sp>
-      <p:sp>
-        <p:nvSpPr>
-          <p:cNvPr id="3" name="Notes Placeholder 2"/>
-          <p:cNvSpPr>
-            <a:spLocks noGrp="1"/>
-          </p:cNvSpPr>
-          <p:nvPr>
-            <p:ph type="body" idx="1"/>
-          </p:nvPr>
-        </p:nvSpPr>
-        <p:spPr/>
-        <p:txBody>
-          <a:bodyPr/>
-          <a:lstStyle/>
-          <a:p>
-            <a:r>
-              <a:rPr lang="en-US" dirty="0"/>
-              <a:t>Paul</a:t>
-            </a:r>
-          </a:p>
-        </p:txBody>
-      </p:sp>
-      <p:sp>
-        <p:nvSpPr>
-          <p:cNvPr id="4" name="Slide Number Placeholder 3"/>
-          <p:cNvSpPr>
-            <a:spLocks noGrp="1"/>
-          </p:cNvSpPr>
-          <p:nvPr>
-            <p:ph type="sldNum" sz="quarter" idx="5"/>
-          </p:nvPr>
-        </p:nvSpPr>
-        <p:spPr/>
-        <p:txBody>
-          <a:bodyPr/>
-          <a:lstStyle/>
-          <a:p>
-            <a:fld id="{DCE921D0-8091-1B47-9857-716BD5BE96A8}" type="slidenum">
-              <a:rPr lang="en-US" smtClean="0"/>
-              <a:t>11</a:t>
-            </a:fld>
-            <a:endParaRPr lang="en-US"/>
-          </a:p>
-        </p:txBody>
-      </p:sp>
-    </p:spTree>
-    <p:extLst>
-      <p:ext uri="{BB962C8B-B14F-4D97-AF65-F5344CB8AC3E}">
-        <p14:creationId xmlns:p14="http://schemas.microsoft.com/office/powerpoint/2010/main" val="4195247423"/>
-      </p:ext>
-    </p:extLst>
-  </p:cSld>
-  <p:clrMapOvr>
-    <a:masterClrMapping/>
-  </p:clrMapOvr>
-</p:notes>
-</file>
-
-<file path=ppt/notesSlides/notesSlide12.xml><?xml version="1.0" encoding="utf-8"?>
-<p:notes xmlns:a="http://schemas.openxmlformats.org/drawingml/2006/main" xmlns:r="http://schemas.openxmlformats.org/officeDocument/2006/relationships" xmlns:p="http://schemas.openxmlformats.org/presentationml/2006/main">
-  <p:cSld>
-    <p:spTree>
-      <p:nvGrpSpPr>
-        <p:cNvPr id="1" name=""/>
-        <p:cNvGrpSpPr/>
-        <p:nvPr/>
-      </p:nvGrpSpPr>
-      <p:grpSpPr>
-        <a:xfrm>
-          <a:off x="0" y="0"/>
-          <a:ext cx="0" cy="0"/>
-          <a:chOff x="0" y="0"/>
-          <a:chExt cx="0" cy="0"/>
-        </a:xfrm>
-      </p:grpSpPr>
-      <p:sp>
-        <p:nvSpPr>
-          <p:cNvPr id="2" name="Slide Image Placeholder 1"/>
-          <p:cNvSpPr>
-            <a:spLocks noGrp="1" noRot="1" noChangeAspect="1"/>
-          </p:cNvSpPr>
-          <p:nvPr>
-            <p:ph type="sldImg"/>
-          </p:nvPr>
-        </p:nvSpPr>
-        <p:spPr/>
-      </p:sp>
-      <p:sp>
-        <p:nvSpPr>
-          <p:cNvPr id="3" name="Notes Placeholder 2"/>
-          <p:cNvSpPr>
-            <a:spLocks noGrp="1"/>
-          </p:cNvSpPr>
-          <p:nvPr>
-            <p:ph type="body" idx="1"/>
-          </p:nvPr>
-        </p:nvSpPr>
-        <p:spPr/>
-        <p:txBody>
-          <a:bodyPr/>
-          <a:lstStyle/>
-          <a:p>
-            <a:r>
-              <a:rPr lang="en-US" dirty="0"/>
-              <a:t>Paul</a:t>
-            </a:r>
-          </a:p>
-        </p:txBody>
-      </p:sp>
-      <p:sp>
-        <p:nvSpPr>
-          <p:cNvPr id="4" name="Slide Number Placeholder 3"/>
-          <p:cNvSpPr>
-            <a:spLocks noGrp="1"/>
-          </p:cNvSpPr>
-          <p:nvPr>
-            <p:ph type="sldNum" sz="quarter" idx="5"/>
-          </p:nvPr>
-        </p:nvSpPr>
-        <p:spPr/>
-        <p:txBody>
-          <a:bodyPr/>
-          <a:lstStyle/>
-          <a:p>
-            <a:fld id="{DCE921D0-8091-1B47-9857-716BD5BE96A8}" type="slidenum">
-              <a:rPr lang="en-US" smtClean="0"/>
-              <a:t>12</a:t>
-            </a:fld>
-            <a:endParaRPr lang="en-US"/>
-          </a:p>
-        </p:txBody>
-      </p:sp>
-    </p:spTree>
-    <p:extLst>
-      <p:ext uri="{BB962C8B-B14F-4D97-AF65-F5344CB8AC3E}">
-        <p14:creationId xmlns:p14="http://schemas.microsoft.com/office/powerpoint/2010/main" val="1372094170"/>
-      </p:ext>
-    </p:extLst>
-  </p:cSld>
-  <p:clrMapOvr>
-    <a:masterClrMapping/>
-  </p:clrMapOvr>
-</p:notes>
-</file>
-
-<file path=ppt/notesSlides/notesSlide13.xml><?xml version="1.0" encoding="utf-8"?>
-<p:notes xmlns:a="http://schemas.openxmlformats.org/drawingml/2006/main" xmlns:r="http://schemas.openxmlformats.org/officeDocument/2006/relationships" xmlns:p="http://schemas.openxmlformats.org/presentationml/2006/main">
-  <p:cSld>
-    <p:spTree>
-      <p:nvGrpSpPr>
-        <p:cNvPr id="1" name=""/>
-        <p:cNvGrpSpPr/>
-        <p:nvPr/>
-      </p:nvGrpSpPr>
-      <p:grpSpPr>
-        <a:xfrm>
-          <a:off x="0" y="0"/>
-          <a:ext cx="0" cy="0"/>
-          <a:chOff x="0" y="0"/>
-          <a:chExt cx="0" cy="0"/>
-        </a:xfrm>
-      </p:grpSpPr>
-      <p:sp>
-        <p:nvSpPr>
-          <p:cNvPr id="2" name="Slide Image Placeholder 1"/>
-          <p:cNvSpPr>
-            <a:spLocks noGrp="1" noRot="1" noChangeAspect="1"/>
-          </p:cNvSpPr>
-          <p:nvPr>
-            <p:ph type="sldImg"/>
-          </p:nvPr>
-        </p:nvSpPr>
-        <p:spPr/>
-      </p:sp>
-      <p:sp>
-        <p:nvSpPr>
-          <p:cNvPr id="3" name="Notes Placeholder 2"/>
-          <p:cNvSpPr>
-            <a:spLocks noGrp="1"/>
-          </p:cNvSpPr>
-          <p:nvPr>
-            <p:ph type="body" idx="1"/>
-          </p:nvPr>
-        </p:nvSpPr>
-        <p:spPr/>
-        <p:txBody>
-          <a:bodyPr/>
-          <a:lstStyle/>
-          <a:p>
-            <a:r>
-              <a:rPr lang="en-US" dirty="0"/>
-              <a:t>Youstina</a:t>
-            </a:r>
-          </a:p>
-        </p:txBody>
-      </p:sp>
-      <p:sp>
-        <p:nvSpPr>
-          <p:cNvPr id="4" name="Slide Number Placeholder 3"/>
-          <p:cNvSpPr>
-            <a:spLocks noGrp="1"/>
-          </p:cNvSpPr>
-          <p:nvPr>
-            <p:ph type="sldNum" sz="quarter" idx="5"/>
-          </p:nvPr>
-        </p:nvSpPr>
-        <p:spPr/>
-        <p:txBody>
-          <a:bodyPr/>
-          <a:lstStyle/>
-          <a:p>
-            <a:fld id="{DCE921D0-8091-1B47-9857-716BD5BE96A8}" type="slidenum">
-              <a:rPr lang="en-US" smtClean="0"/>
-              <a:t>13</a:t>
-            </a:fld>
-            <a:endParaRPr lang="en-US"/>
-          </a:p>
-        </p:txBody>
-      </p:sp>
-    </p:spTree>
-    <p:extLst>
-      <p:ext uri="{BB962C8B-B14F-4D97-AF65-F5344CB8AC3E}">
-        <p14:creationId xmlns:p14="http://schemas.microsoft.com/office/powerpoint/2010/main" val="1561248102"/>
-      </p:ext>
-    </p:extLst>
-  </p:cSld>
-  <p:clrMapOvr>
-    <a:masterClrMapping/>
-  </p:clrMapOvr>
-</p:notes>
-</file>
-
-<file path=ppt/notesSlides/notesSlide14.xml><?xml version="1.0" encoding="utf-8"?>
-<p:notes xmlns:a="http://schemas.openxmlformats.org/drawingml/2006/main" xmlns:r="http://schemas.openxmlformats.org/officeDocument/2006/relationships" xmlns:p="http://schemas.openxmlformats.org/presentationml/2006/main">
-  <p:cSld>
-    <p:spTree>
-      <p:nvGrpSpPr>
-        <p:cNvPr id="1" name=""/>
-        <p:cNvGrpSpPr/>
-        <p:nvPr/>
-      </p:nvGrpSpPr>
-      <p:grpSpPr>
-        <a:xfrm>
-          <a:off x="0" y="0"/>
-          <a:ext cx="0" cy="0"/>
-          <a:chOff x="0" y="0"/>
-          <a:chExt cx="0" cy="0"/>
-        </a:xfrm>
-      </p:grpSpPr>
-      <p:sp>
-        <p:nvSpPr>
-          <p:cNvPr id="2" name="Slide Image Placeholder 1"/>
-          <p:cNvSpPr>
-            <a:spLocks noGrp="1" noRot="1" noChangeAspect="1"/>
-          </p:cNvSpPr>
-          <p:nvPr>
-            <p:ph type="sldImg"/>
-          </p:nvPr>
-        </p:nvSpPr>
-        <p:spPr/>
-      </p:sp>
-      <p:sp>
-        <p:nvSpPr>
-          <p:cNvPr id="3" name="Notes Placeholder 2"/>
-          <p:cNvSpPr>
-            <a:spLocks noGrp="1"/>
-          </p:cNvSpPr>
-          <p:nvPr>
-            <p:ph type="body" idx="1"/>
-          </p:nvPr>
-        </p:nvSpPr>
-        <p:spPr/>
-        <p:txBody>
-          <a:bodyPr/>
-          <a:lstStyle/>
-          <a:p>
-            <a:r>
-              <a:rPr lang="en-US" dirty="0"/>
-              <a:t>Youstina</a:t>
-            </a:r>
-          </a:p>
-        </p:txBody>
-      </p:sp>
-      <p:sp>
-        <p:nvSpPr>
-          <p:cNvPr id="4" name="Slide Number Placeholder 3"/>
-          <p:cNvSpPr>
-            <a:spLocks noGrp="1"/>
-          </p:cNvSpPr>
-          <p:nvPr>
-            <p:ph type="sldNum" sz="quarter" idx="5"/>
-          </p:nvPr>
-        </p:nvSpPr>
-        <p:spPr/>
-        <p:txBody>
-          <a:bodyPr/>
-          <a:lstStyle/>
-          <a:p>
-            <a:fld id="{DCE921D0-8091-1B47-9857-716BD5BE96A8}" type="slidenum">
-              <a:rPr lang="en-US" smtClean="0"/>
-              <a:t>14</a:t>
-            </a:fld>
-            <a:endParaRPr lang="en-US"/>
-          </a:p>
-        </p:txBody>
-      </p:sp>
-    </p:spTree>
-    <p:extLst>
-      <p:ext uri="{BB962C8B-B14F-4D97-AF65-F5344CB8AC3E}">
-        <p14:creationId xmlns:p14="http://schemas.microsoft.com/office/powerpoint/2010/main" val="202030720"/>
-      </p:ext>
-    </p:extLst>
-  </p:cSld>
-  <p:clrMapOvr>
-    <a:masterClrMapping/>
-  </p:clrMapOvr>
-</p:notes>
-</file>
-
-<file path=ppt/notesSlides/notesSlide15.xml><?xml version="1.0" encoding="utf-8"?>
-<p:notes xmlns:a="http://schemas.openxmlformats.org/drawingml/2006/main" xmlns:r="http://schemas.openxmlformats.org/officeDocument/2006/relationships" xmlns:p="http://schemas.openxmlformats.org/presentationml/2006/main">
-  <p:cSld>
-    <p:spTree>
-      <p:nvGrpSpPr>
-        <p:cNvPr id="1" name=""/>
-        <p:cNvGrpSpPr/>
-        <p:nvPr/>
-      </p:nvGrpSpPr>
-      <p:grpSpPr>
-        <a:xfrm>
-          <a:off x="0" y="0"/>
-          <a:ext cx="0" cy="0"/>
-          <a:chOff x="0" y="0"/>
-          <a:chExt cx="0" cy="0"/>
-        </a:xfrm>
-      </p:grpSpPr>
-      <p:sp>
-        <p:nvSpPr>
-          <p:cNvPr id="2" name="Slide Image Placeholder 1"/>
-          <p:cNvSpPr>
-            <a:spLocks noGrp="1" noRot="1" noChangeAspect="1"/>
-          </p:cNvSpPr>
-          <p:nvPr>
-            <p:ph type="sldImg"/>
-          </p:nvPr>
-        </p:nvSpPr>
-        <p:spPr/>
-      </p:sp>
-      <p:sp>
-        <p:nvSpPr>
-          <p:cNvPr id="3" name="Notes Placeholder 2"/>
-          <p:cNvSpPr>
-            <a:spLocks noGrp="1"/>
-          </p:cNvSpPr>
-          <p:nvPr>
-            <p:ph type="body" idx="1"/>
-          </p:nvPr>
-        </p:nvSpPr>
-        <p:spPr/>
-        <p:txBody>
-          <a:bodyPr/>
-          <a:lstStyle/>
-          <a:p>
-            <a:r>
-              <a:rPr lang="en-US" dirty="0"/>
-              <a:t>Youstina</a:t>
-            </a:r>
-          </a:p>
-        </p:txBody>
-      </p:sp>
-      <p:sp>
-        <p:nvSpPr>
-          <p:cNvPr id="4" name="Slide Number Placeholder 3"/>
-          <p:cNvSpPr>
-            <a:spLocks noGrp="1"/>
-          </p:cNvSpPr>
-          <p:nvPr>
-            <p:ph type="sldNum" sz="quarter" idx="5"/>
-          </p:nvPr>
-        </p:nvSpPr>
-        <p:spPr/>
-        <p:txBody>
-          <a:bodyPr/>
-          <a:lstStyle/>
-          <a:p>
-            <a:fld id="{DCE921D0-8091-1B47-9857-716BD5BE96A8}" type="slidenum">
-              <a:rPr lang="en-US" smtClean="0"/>
-              <a:t>15</a:t>
-            </a:fld>
-            <a:endParaRPr lang="en-US"/>
-          </a:p>
-        </p:txBody>
-      </p:sp>
-    </p:spTree>
-    <p:extLst>
-      <p:ext uri="{BB962C8B-B14F-4D97-AF65-F5344CB8AC3E}">
-        <p14:creationId xmlns:p14="http://schemas.microsoft.com/office/powerpoint/2010/main" val="2103620309"/>
-      </p:ext>
-    </p:extLst>
-  </p:cSld>
-  <p:clrMapOvr>
-    <a:masterClrMapping/>
-  </p:clrMapOvr>
-</p:notes>
-</file>
-
-<file path=ppt/notesSlides/notesSlide2.xml><?xml version="1.0" encoding="utf-8"?>
-<p:notes xmlns:a="http://schemas.openxmlformats.org/drawingml/2006/main" xmlns:r="http://schemas.openxmlformats.org/officeDocument/2006/relationships" xmlns:p="http://schemas.openxmlformats.org/presentationml/2006/main">
-  <p:cSld>
-    <p:spTree>
-      <p:nvGrpSpPr>
-        <p:cNvPr id="1" name=""/>
-        <p:cNvGrpSpPr/>
-        <p:nvPr/>
-      </p:nvGrpSpPr>
-      <p:grpSpPr>
-        <a:xfrm>
-          <a:off x="0" y="0"/>
-          <a:ext cx="0" cy="0"/>
-          <a:chOff x="0" y="0"/>
-          <a:chExt cx="0" cy="0"/>
-        </a:xfrm>
-      </p:grpSpPr>
-      <p:sp>
-        <p:nvSpPr>
-          <p:cNvPr id="2" name="Slide Image Placeholder 1"/>
-          <p:cNvSpPr>
-            <a:spLocks noGrp="1" noRot="1" noChangeAspect="1"/>
-          </p:cNvSpPr>
-          <p:nvPr>
-            <p:ph type="sldImg"/>
-          </p:nvPr>
-        </p:nvSpPr>
-        <p:spPr/>
-      </p:sp>
-      <p:sp>
-        <p:nvSpPr>
-          <p:cNvPr id="3" name="Notes Placeholder 2"/>
-          <p:cNvSpPr>
-            <a:spLocks noGrp="1"/>
-          </p:cNvSpPr>
-          <p:nvPr>
-            <p:ph type="body" idx="1"/>
-          </p:nvPr>
-        </p:nvSpPr>
-        <p:spPr/>
-        <p:txBody>
-          <a:bodyPr/>
-          <a:lstStyle/>
-          <a:p>
-            <a:r>
-              <a:rPr lang="en-US" dirty="0"/>
-              <a:t>Derek</a:t>
-            </a:r>
-          </a:p>
-        </p:txBody>
-      </p:sp>
-      <p:sp>
-        <p:nvSpPr>
-          <p:cNvPr id="4" name="Slide Number Placeholder 3"/>
-          <p:cNvSpPr>
-            <a:spLocks noGrp="1"/>
-          </p:cNvSpPr>
-          <p:nvPr>
-            <p:ph type="sldNum" sz="quarter" idx="5"/>
-          </p:nvPr>
-        </p:nvSpPr>
-        <p:spPr/>
-        <p:txBody>
-          <a:bodyPr/>
-          <a:lstStyle/>
-          <a:p>
-            <a:fld id="{DCE921D0-8091-1B47-9857-716BD5BE96A8}" type="slidenum">
-              <a:rPr lang="en-US" smtClean="0"/>
-              <a:t>2</a:t>
-            </a:fld>
-            <a:endParaRPr lang="en-US"/>
-          </a:p>
-        </p:txBody>
-      </p:sp>
-    </p:spTree>
-    <p:extLst>
-      <p:ext uri="{BB962C8B-B14F-4D97-AF65-F5344CB8AC3E}">
-        <p14:creationId xmlns:p14="http://schemas.microsoft.com/office/powerpoint/2010/main" val="634017422"/>
-      </p:ext>
-    </p:extLst>
-  </p:cSld>
-  <p:clrMapOvr>
-    <a:masterClrMapping/>
-  </p:clrMapOvr>
-</p:notes>
-</file>
-
-<file path=ppt/notesSlides/notesSlide3.xml><?xml version="1.0" encoding="utf-8"?>
-<p:notes xmlns:a="http://schemas.openxmlformats.org/drawingml/2006/main" xmlns:r="http://schemas.openxmlformats.org/officeDocument/2006/relationships" xmlns:p="http://schemas.openxmlformats.org/presentationml/2006/main">
-  <p:cSld>
-    <p:spTree>
-      <p:nvGrpSpPr>
-        <p:cNvPr id="1" name=""/>
-        <p:cNvGrpSpPr/>
-        <p:nvPr/>
-      </p:nvGrpSpPr>
-      <p:grpSpPr>
-        <a:xfrm>
-          <a:off x="0" y="0"/>
-          <a:ext cx="0" cy="0"/>
-          <a:chOff x="0" y="0"/>
-          <a:chExt cx="0" cy="0"/>
-        </a:xfrm>
-      </p:grpSpPr>
-      <p:sp>
-        <p:nvSpPr>
-          <p:cNvPr id="2" name="Slide Image Placeholder 1"/>
-          <p:cNvSpPr>
-            <a:spLocks noGrp="1" noRot="1" noChangeAspect="1"/>
-          </p:cNvSpPr>
-          <p:nvPr>
-            <p:ph type="sldImg"/>
-          </p:nvPr>
-        </p:nvSpPr>
-        <p:spPr/>
-      </p:sp>
-      <p:sp>
-        <p:nvSpPr>
-          <p:cNvPr id="3" name="Notes Placeholder 2"/>
-          <p:cNvSpPr>
-            <a:spLocks noGrp="1"/>
-          </p:cNvSpPr>
-          <p:nvPr>
-            <p:ph type="body" idx="1"/>
-          </p:nvPr>
-        </p:nvSpPr>
-        <p:spPr/>
-        <p:txBody>
-          <a:bodyPr/>
-          <a:lstStyle/>
-          <a:p>
-            <a:r>
-              <a:rPr lang="en-US" dirty="0"/>
-              <a:t>Derek</a:t>
-            </a:r>
-          </a:p>
-        </p:txBody>
-      </p:sp>
-      <p:sp>
-        <p:nvSpPr>
-          <p:cNvPr id="4" name="Slide Number Placeholder 3"/>
-          <p:cNvSpPr>
-            <a:spLocks noGrp="1"/>
-          </p:cNvSpPr>
-          <p:nvPr>
-            <p:ph type="sldNum" sz="quarter" idx="5"/>
-          </p:nvPr>
-        </p:nvSpPr>
-        <p:spPr/>
-        <p:txBody>
-          <a:bodyPr/>
-          <a:lstStyle/>
-          <a:p>
-            <a:fld id="{DCE921D0-8091-1B47-9857-716BD5BE96A8}" type="slidenum">
-              <a:rPr lang="en-US" smtClean="0"/>
-              <a:t>3</a:t>
-            </a:fld>
-            <a:endParaRPr lang="en-US"/>
-          </a:p>
-        </p:txBody>
-      </p:sp>
-    </p:spTree>
-    <p:extLst>
-      <p:ext uri="{BB962C8B-B14F-4D97-AF65-F5344CB8AC3E}">
-        <p14:creationId xmlns:p14="http://schemas.microsoft.com/office/powerpoint/2010/main" val="3317495040"/>
-      </p:ext>
-    </p:extLst>
-  </p:cSld>
-  <p:clrMapOvr>
-    <a:masterClrMapping/>
-  </p:clrMapOvr>
-</p:notes>
-</file>
-
-<file path=ppt/notesSlides/notesSlide4.xml><?xml version="1.0" encoding="utf-8"?>
-<p:notes xmlns:a="http://schemas.openxmlformats.org/drawingml/2006/main" xmlns:r="http://schemas.openxmlformats.org/officeDocument/2006/relationships" xmlns:p="http://schemas.openxmlformats.org/presentationml/2006/main">
-  <p:cSld>
-    <p:spTree>
-      <p:nvGrpSpPr>
-        <p:cNvPr id="1" name=""/>
-        <p:cNvGrpSpPr/>
-        <p:nvPr/>
-      </p:nvGrpSpPr>
-      <p:grpSpPr>
-        <a:xfrm>
-          <a:off x="0" y="0"/>
-          <a:ext cx="0" cy="0"/>
-          <a:chOff x="0" y="0"/>
-          <a:chExt cx="0" cy="0"/>
-        </a:xfrm>
-      </p:grpSpPr>
-      <p:sp>
-        <p:nvSpPr>
-          <p:cNvPr id="2" name="Slide Image Placeholder 1"/>
-          <p:cNvSpPr>
-            <a:spLocks noGrp="1" noRot="1" noChangeAspect="1"/>
-          </p:cNvSpPr>
-          <p:nvPr>
-            <p:ph type="sldImg"/>
-          </p:nvPr>
-        </p:nvSpPr>
-        <p:spPr/>
-      </p:sp>
-      <p:sp>
-        <p:nvSpPr>
-          <p:cNvPr id="3" name="Notes Placeholder 2"/>
-          <p:cNvSpPr>
-            <a:spLocks noGrp="1"/>
-          </p:cNvSpPr>
-          <p:nvPr>
-            <p:ph type="body" idx="1"/>
-          </p:nvPr>
-        </p:nvSpPr>
-        <p:spPr/>
-        <p:txBody>
-          <a:bodyPr/>
-          <a:lstStyle/>
-          <a:p>
-            <a:r>
-              <a:rPr lang="en-US" dirty="0"/>
-              <a:t>Derek</a:t>
-            </a:r>
-          </a:p>
-        </p:txBody>
-      </p:sp>
-      <p:sp>
-        <p:nvSpPr>
-          <p:cNvPr id="4" name="Slide Number Placeholder 3"/>
-          <p:cNvSpPr>
-            <a:spLocks noGrp="1"/>
-          </p:cNvSpPr>
-          <p:nvPr>
-            <p:ph type="sldNum" sz="quarter" idx="5"/>
-          </p:nvPr>
-        </p:nvSpPr>
-        <p:spPr/>
-        <p:txBody>
-          <a:bodyPr/>
-          <a:lstStyle/>
-          <a:p>
-            <a:fld id="{DCE921D0-8091-1B47-9857-716BD5BE96A8}" type="slidenum">
-              <a:rPr lang="en-US" smtClean="0"/>
-              <a:t>4</a:t>
-            </a:fld>
-            <a:endParaRPr lang="en-US"/>
-          </a:p>
-        </p:txBody>
-      </p:sp>
-    </p:spTree>
-    <p:extLst>
-      <p:ext uri="{BB962C8B-B14F-4D97-AF65-F5344CB8AC3E}">
-        <p14:creationId xmlns:p14="http://schemas.microsoft.com/office/powerpoint/2010/main" val="468420351"/>
-      </p:ext>
-    </p:extLst>
-  </p:cSld>
-  <p:clrMapOvr>
-    <a:masterClrMapping/>
-  </p:clrMapOvr>
-</p:notes>
-</file>
-
-<file path=ppt/notesSlides/notesSlide5.xml><?xml version="1.0" encoding="utf-8"?>
-<p:notes xmlns:a="http://schemas.openxmlformats.org/drawingml/2006/main" xmlns:r="http://schemas.openxmlformats.org/officeDocument/2006/relationships" xmlns:p="http://schemas.openxmlformats.org/presentationml/2006/main">
-  <p:cSld>
-    <p:spTree>
-      <p:nvGrpSpPr>
-        <p:cNvPr id="1" name=""/>
-        <p:cNvGrpSpPr/>
-        <p:nvPr/>
-      </p:nvGrpSpPr>
-      <p:grpSpPr>
-        <a:xfrm>
-          <a:off x="0" y="0"/>
-          <a:ext cx="0" cy="0"/>
-          <a:chOff x="0" y="0"/>
-          <a:chExt cx="0" cy="0"/>
-        </a:xfrm>
-      </p:grpSpPr>
-      <p:sp>
-        <p:nvSpPr>
-          <p:cNvPr id="2" name="Slide Image Placeholder 1"/>
-          <p:cNvSpPr>
-            <a:spLocks noGrp="1" noRot="1" noChangeAspect="1"/>
-          </p:cNvSpPr>
-          <p:nvPr>
-            <p:ph type="sldImg"/>
-          </p:nvPr>
-        </p:nvSpPr>
-        <p:spPr/>
-      </p:sp>
-      <p:sp>
-        <p:nvSpPr>
-          <p:cNvPr id="3" name="Notes Placeholder 2"/>
-          <p:cNvSpPr>
-            <a:spLocks noGrp="1"/>
-          </p:cNvSpPr>
-          <p:nvPr>
-            <p:ph type="body" idx="1"/>
-          </p:nvPr>
-        </p:nvSpPr>
-        <p:spPr/>
-        <p:txBody>
-          <a:bodyPr/>
-          <a:lstStyle/>
-          <a:p>
-            <a:r>
-              <a:rPr lang="en-US" dirty="0"/>
-              <a:t>Andrew</a:t>
-            </a:r>
-          </a:p>
-        </p:txBody>
-      </p:sp>
-      <p:sp>
-        <p:nvSpPr>
-          <p:cNvPr id="4" name="Slide Number Placeholder 3"/>
-          <p:cNvSpPr>
-            <a:spLocks noGrp="1"/>
-          </p:cNvSpPr>
-          <p:nvPr>
-            <p:ph type="sldNum" sz="quarter" idx="5"/>
-          </p:nvPr>
-        </p:nvSpPr>
-        <p:spPr/>
-        <p:txBody>
-          <a:bodyPr/>
-          <a:lstStyle/>
-          <a:p>
-            <a:fld id="{DCE921D0-8091-1B47-9857-716BD5BE96A8}" type="slidenum">
-              <a:rPr lang="en-US" smtClean="0"/>
-              <a:t>5</a:t>
-            </a:fld>
-            <a:endParaRPr lang="en-US"/>
-          </a:p>
-        </p:txBody>
-      </p:sp>
-    </p:spTree>
-    <p:extLst>
-      <p:ext uri="{BB962C8B-B14F-4D97-AF65-F5344CB8AC3E}">
-        <p14:creationId xmlns:p14="http://schemas.microsoft.com/office/powerpoint/2010/main" val="1194075261"/>
-      </p:ext>
-    </p:extLst>
-  </p:cSld>
-  <p:clrMapOvr>
-    <a:masterClrMapping/>
-  </p:clrMapOvr>
-</p:notes>
-</file>
-
-<file path=ppt/notesSlides/notesSlide6.xml><?xml version="1.0" encoding="utf-8"?>
-<p:notes xmlns:a="http://schemas.openxmlformats.org/drawingml/2006/main" xmlns:r="http://schemas.openxmlformats.org/officeDocument/2006/relationships" xmlns:p="http://schemas.openxmlformats.org/presentationml/2006/main">
-  <p:cSld>
-    <p:spTree>
-      <p:nvGrpSpPr>
-        <p:cNvPr id="1" name=""/>
-        <p:cNvGrpSpPr/>
-        <p:nvPr/>
-      </p:nvGrpSpPr>
-      <p:grpSpPr>
-        <a:xfrm>
-          <a:off x="0" y="0"/>
-          <a:ext cx="0" cy="0"/>
-          <a:chOff x="0" y="0"/>
-          <a:chExt cx="0" cy="0"/>
-        </a:xfrm>
-      </p:grpSpPr>
-      <p:sp>
-        <p:nvSpPr>
-          <p:cNvPr id="2" name="Slide Image Placeholder 1"/>
-          <p:cNvSpPr>
-            <a:spLocks noGrp="1" noRot="1" noChangeAspect="1"/>
-          </p:cNvSpPr>
-          <p:nvPr>
-            <p:ph type="sldImg"/>
-          </p:nvPr>
-        </p:nvSpPr>
-        <p:spPr/>
-      </p:sp>
-      <p:sp>
-        <p:nvSpPr>
-          <p:cNvPr id="3" name="Notes Placeholder 2"/>
-          <p:cNvSpPr>
-            <a:spLocks noGrp="1"/>
-          </p:cNvSpPr>
-          <p:nvPr>
-            <p:ph type="body" idx="1"/>
-          </p:nvPr>
-        </p:nvSpPr>
-        <p:spPr/>
-        <p:txBody>
-          <a:bodyPr/>
-          <a:lstStyle/>
-          <a:p>
-            <a:r>
-              <a:rPr lang="en-US" dirty="0"/>
-              <a:t>Andrew</a:t>
-            </a:r>
-          </a:p>
-        </p:txBody>
-      </p:sp>
-      <p:sp>
-        <p:nvSpPr>
-          <p:cNvPr id="4" name="Slide Number Placeholder 3"/>
-          <p:cNvSpPr>
-            <a:spLocks noGrp="1"/>
-          </p:cNvSpPr>
-          <p:nvPr>
-            <p:ph type="sldNum" sz="quarter" idx="5"/>
-          </p:nvPr>
-        </p:nvSpPr>
-        <p:spPr/>
-        <p:txBody>
-          <a:bodyPr/>
-          <a:lstStyle/>
-          <a:p>
-            <a:fld id="{DCE921D0-8091-1B47-9857-716BD5BE96A8}" type="slidenum">
-              <a:rPr lang="en-US" smtClean="0"/>
-              <a:t>6</a:t>
-            </a:fld>
-            <a:endParaRPr lang="en-US"/>
-          </a:p>
-        </p:txBody>
-      </p:sp>
-    </p:spTree>
-    <p:extLst>
-      <p:ext uri="{BB962C8B-B14F-4D97-AF65-F5344CB8AC3E}">
-        <p14:creationId xmlns:p14="http://schemas.microsoft.com/office/powerpoint/2010/main" val="1237907965"/>
-      </p:ext>
-    </p:extLst>
-  </p:cSld>
-  <p:clrMapOvr>
-    <a:masterClrMapping/>
-  </p:clrMapOvr>
-</p:notes>
-</file>
-
-<file path=ppt/notesSlides/notesSlide7.xml><?xml version="1.0" encoding="utf-8"?>
-<p:notes xmlns:a="http://schemas.openxmlformats.org/drawingml/2006/main" xmlns:r="http://schemas.openxmlformats.org/officeDocument/2006/relationships" xmlns:p="http://schemas.openxmlformats.org/presentationml/2006/main">
-  <p:cSld>
-    <p:spTree>
-      <p:nvGrpSpPr>
-        <p:cNvPr id="1" name=""/>
-        <p:cNvGrpSpPr/>
-        <p:nvPr/>
-      </p:nvGrpSpPr>
-      <p:grpSpPr>
-        <a:xfrm>
-          <a:off x="0" y="0"/>
-          <a:ext cx="0" cy="0"/>
-          <a:chOff x="0" y="0"/>
-          <a:chExt cx="0" cy="0"/>
-        </a:xfrm>
-      </p:grpSpPr>
-      <p:sp>
-        <p:nvSpPr>
-          <p:cNvPr id="2" name="Slide Image Placeholder 1"/>
-          <p:cNvSpPr>
-            <a:spLocks noGrp="1" noRot="1" noChangeAspect="1"/>
-          </p:cNvSpPr>
-          <p:nvPr>
-            <p:ph type="sldImg"/>
-          </p:nvPr>
-        </p:nvSpPr>
-        <p:spPr/>
-      </p:sp>
-      <p:sp>
-        <p:nvSpPr>
-          <p:cNvPr id="3" name="Notes Placeholder 2"/>
-          <p:cNvSpPr>
-            <a:spLocks noGrp="1"/>
-          </p:cNvSpPr>
-          <p:nvPr>
-            <p:ph type="body" idx="1"/>
-          </p:nvPr>
-        </p:nvSpPr>
-        <p:spPr/>
-        <p:txBody>
-          <a:bodyPr/>
-          <a:lstStyle/>
-          <a:p>
-            <a:r>
-              <a:rPr lang="en-US" dirty="0"/>
-              <a:t>Andrew</a:t>
-            </a:r>
-          </a:p>
-        </p:txBody>
-      </p:sp>
-      <p:sp>
-        <p:nvSpPr>
-          <p:cNvPr id="4" name="Slide Number Placeholder 3"/>
-          <p:cNvSpPr>
-            <a:spLocks noGrp="1"/>
-          </p:cNvSpPr>
-          <p:nvPr>
-            <p:ph type="sldNum" sz="quarter" idx="5"/>
-          </p:nvPr>
-        </p:nvSpPr>
-        <p:spPr/>
-        <p:txBody>
-          <a:bodyPr/>
-          <a:lstStyle/>
-          <a:p>
-            <a:fld id="{DCE921D0-8091-1B47-9857-716BD5BE96A8}" type="slidenum">
-              <a:rPr lang="en-US" smtClean="0"/>
-              <a:t>7</a:t>
-            </a:fld>
-            <a:endParaRPr lang="en-US"/>
-          </a:p>
-        </p:txBody>
-      </p:sp>
-    </p:spTree>
-    <p:extLst>
-      <p:ext uri="{BB962C8B-B14F-4D97-AF65-F5344CB8AC3E}">
-        <p14:creationId xmlns:p14="http://schemas.microsoft.com/office/powerpoint/2010/main" val="995543424"/>
-      </p:ext>
-    </p:extLst>
-  </p:cSld>
-  <p:clrMapOvr>
-    <a:masterClrMapping/>
-  </p:clrMapOvr>
-</p:notes>
-</file>
-
-<file path=ppt/notesSlides/notesSlide8.xml><?xml version="1.0" encoding="utf-8"?>
-<p:notes xmlns:a="http://schemas.openxmlformats.org/drawingml/2006/main" xmlns:r="http://schemas.openxmlformats.org/officeDocument/2006/relationships" xmlns:p="http://schemas.openxmlformats.org/presentationml/2006/main">
-  <p:cSld>
-    <p:spTree>
-      <p:nvGrpSpPr>
-        <p:cNvPr id="1" name=""/>
-        <p:cNvGrpSpPr/>
-        <p:nvPr/>
-      </p:nvGrpSpPr>
-      <p:grpSpPr>
-        <a:xfrm>
-          <a:off x="0" y="0"/>
-          <a:ext cx="0" cy="0"/>
-          <a:chOff x="0" y="0"/>
-          <a:chExt cx="0" cy="0"/>
-        </a:xfrm>
-      </p:grpSpPr>
-      <p:sp>
-        <p:nvSpPr>
-          <p:cNvPr id="2" name="Slide Image Placeholder 1"/>
-          <p:cNvSpPr>
-            <a:spLocks noGrp="1" noRot="1" noChangeAspect="1"/>
-          </p:cNvSpPr>
-          <p:nvPr>
-            <p:ph type="sldImg"/>
-          </p:nvPr>
-        </p:nvSpPr>
-        <p:spPr/>
-      </p:sp>
-      <p:sp>
-        <p:nvSpPr>
-          <p:cNvPr id="3" name="Notes Placeholder 2"/>
-          <p:cNvSpPr>
-            <a:spLocks noGrp="1"/>
-          </p:cNvSpPr>
-          <p:nvPr>
-            <p:ph type="body" idx="1"/>
-          </p:nvPr>
-        </p:nvSpPr>
-        <p:spPr/>
-        <p:txBody>
-          <a:bodyPr/>
-          <a:lstStyle/>
-          <a:p>
-            <a:r>
-              <a:rPr lang="en-US" dirty="0"/>
-              <a:t>Andrew</a:t>
-            </a:r>
-          </a:p>
-        </p:txBody>
-      </p:sp>
-      <p:sp>
-        <p:nvSpPr>
-          <p:cNvPr id="4" name="Slide Number Placeholder 3"/>
-          <p:cNvSpPr>
-            <a:spLocks noGrp="1"/>
-          </p:cNvSpPr>
-          <p:nvPr>
-            <p:ph type="sldNum" sz="quarter" idx="5"/>
-          </p:nvPr>
-        </p:nvSpPr>
-        <p:spPr/>
-        <p:txBody>
-          <a:bodyPr/>
-          <a:lstStyle/>
-          <a:p>
-            <a:fld id="{DCE921D0-8091-1B47-9857-716BD5BE96A8}" type="slidenum">
-              <a:rPr lang="en-US" smtClean="0"/>
-              <a:t>8</a:t>
-            </a:fld>
-            <a:endParaRPr lang="en-US"/>
-          </a:p>
-        </p:txBody>
-      </p:sp>
-    </p:spTree>
-    <p:extLst>
-      <p:ext uri="{BB962C8B-B14F-4D97-AF65-F5344CB8AC3E}">
-        <p14:creationId xmlns:p14="http://schemas.microsoft.com/office/powerpoint/2010/main" val="157056269"/>
-      </p:ext>
-    </p:extLst>
-  </p:cSld>
-  <p:clrMapOvr>
-    <a:masterClrMapping/>
-  </p:clrMapOvr>
-</p:notes>
-</file>
-
-<file path=ppt/notesSlides/notesSlide9.xml><?xml version="1.0" encoding="utf-8"?>
-<p:notes xmlns:a="http://schemas.openxmlformats.org/drawingml/2006/main" xmlns:r="http://schemas.openxmlformats.org/officeDocument/2006/relationships" xmlns:p="http://schemas.openxmlformats.org/presentationml/2006/main">
-  <p:cSld>
-    <p:spTree>
-      <p:nvGrpSpPr>
-        <p:cNvPr id="1" name=""/>
-        <p:cNvGrpSpPr/>
-        <p:nvPr/>
-      </p:nvGrpSpPr>
-      <p:grpSpPr>
-        <a:xfrm>
-          <a:off x="0" y="0"/>
-          <a:ext cx="0" cy="0"/>
-          <a:chOff x="0" y="0"/>
-          <a:chExt cx="0" cy="0"/>
-        </a:xfrm>
-      </p:grpSpPr>
-      <p:sp>
-        <p:nvSpPr>
-          <p:cNvPr id="2" name="Slide Image Placeholder 1"/>
-          <p:cNvSpPr>
-            <a:spLocks noGrp="1" noRot="1" noChangeAspect="1"/>
-          </p:cNvSpPr>
-          <p:nvPr>
-            <p:ph type="sldImg"/>
-          </p:nvPr>
-        </p:nvSpPr>
-        <p:spPr/>
-      </p:sp>
-      <p:sp>
-        <p:nvSpPr>
-          <p:cNvPr id="3" name="Notes Placeholder 2"/>
-          <p:cNvSpPr>
-            <a:spLocks noGrp="1"/>
-          </p:cNvSpPr>
-          <p:nvPr>
-            <p:ph type="body" idx="1"/>
-          </p:nvPr>
-        </p:nvSpPr>
-        <p:spPr/>
-        <p:txBody>
-          <a:bodyPr/>
-          <a:lstStyle/>
-          <a:p>
-            <a:r>
-              <a:rPr lang="en-US" dirty="0"/>
-              <a:t>Youstina</a:t>
-            </a:r>
-          </a:p>
-        </p:txBody>
-      </p:sp>
-      <p:sp>
-        <p:nvSpPr>
-          <p:cNvPr id="4" name="Slide Number Placeholder 3"/>
-          <p:cNvSpPr>
-            <a:spLocks noGrp="1"/>
-          </p:cNvSpPr>
-          <p:nvPr>
-            <p:ph type="sldNum" sz="quarter" idx="5"/>
-          </p:nvPr>
-        </p:nvSpPr>
-        <p:spPr/>
-        <p:txBody>
-          <a:bodyPr/>
-          <a:lstStyle/>
-          <a:p>
-            <a:fld id="{DCE921D0-8091-1B47-9857-716BD5BE96A8}" type="slidenum">
-              <a:rPr lang="en-US" smtClean="0"/>
-              <a:t>9</a:t>
-            </a:fld>
-            <a:endParaRPr lang="en-US"/>
-          </a:p>
-        </p:txBody>
-      </p:sp>
-    </p:spTree>
-    <p:extLst>
-      <p:ext uri="{BB962C8B-B14F-4D97-AF65-F5344CB8AC3E}">
-        <p14:creationId xmlns:p14="http://schemas.microsoft.com/office/powerpoint/2010/main" val="1572613341"/>
-      </p:ext>
-    </p:extLst>
-  </p:cSld>
-  <p:clrMapOvr>
-    <a:masterClrMapping/>
-  </p:clrMapOvr>
-</p:notes>
-</file>
-
 <file path=ppt/slideLayouts/slideLayout1.xml><?xml version="1.0" encoding="utf-8"?>
 <p:sldLayout xmlns:a="http://schemas.openxmlformats.org/drawingml/2006/main" xmlns:r="http://schemas.openxmlformats.org/officeDocument/2006/relationships" xmlns:p="http://schemas.openxmlformats.org/presentationml/2006/main" type="title" preserve="1">
   <p:cSld name="Title Slide">
@@ -26844,7 +25802,7 @@
           <a:p>
             <a:fld id="{2A21A15A-B208-964B-BAD9-3F4EB340CFDD}" type="datetimeFigureOut">
               <a:rPr lang="en-US" smtClean="0"/>
-              <a:t>4/18/20</a:t>
+              <a:t>4/16/20</a:t>
             </a:fld>
             <a:endParaRPr lang="en-US"/>
           </a:p>
@@ -27042,7 +26000,7 @@
           <a:p>
             <a:fld id="{2A21A15A-B208-964B-BAD9-3F4EB340CFDD}" type="datetimeFigureOut">
               <a:rPr lang="en-US" smtClean="0"/>
-              <a:t>4/18/20</a:t>
+              <a:t>4/16/20</a:t>
             </a:fld>
             <a:endParaRPr lang="en-US"/>
           </a:p>
@@ -27250,7 +26208,7 @@
           <a:p>
             <a:fld id="{2A21A15A-B208-964B-BAD9-3F4EB340CFDD}" type="datetimeFigureOut">
               <a:rPr lang="en-US" smtClean="0"/>
-              <a:t>4/18/20</a:t>
+              <a:t>4/16/20</a:t>
             </a:fld>
             <a:endParaRPr lang="en-US"/>
           </a:p>
@@ -27448,7 +26406,7 @@
           <a:p>
             <a:fld id="{2A21A15A-B208-964B-BAD9-3F4EB340CFDD}" type="datetimeFigureOut">
               <a:rPr lang="en-US" smtClean="0"/>
-              <a:t>4/18/20</a:t>
+              <a:t>4/16/20</a:t>
             </a:fld>
             <a:endParaRPr lang="en-US"/>
           </a:p>
@@ -27723,7 +26681,7 @@
           <a:p>
             <a:fld id="{2A21A15A-B208-964B-BAD9-3F4EB340CFDD}" type="datetimeFigureOut">
               <a:rPr lang="en-US" smtClean="0"/>
-              <a:t>4/18/20</a:t>
+              <a:t>4/16/20</a:t>
             </a:fld>
             <a:endParaRPr lang="en-US"/>
           </a:p>
@@ -27988,7 +26946,7 @@
           <a:p>
             <a:fld id="{2A21A15A-B208-964B-BAD9-3F4EB340CFDD}" type="datetimeFigureOut">
               <a:rPr lang="en-US" smtClean="0"/>
-              <a:t>4/18/20</a:t>
+              <a:t>4/16/20</a:t>
             </a:fld>
             <a:endParaRPr lang="en-US"/>
           </a:p>
@@ -28400,7 +27358,7 @@
           <a:p>
             <a:fld id="{2A21A15A-B208-964B-BAD9-3F4EB340CFDD}" type="datetimeFigureOut">
               <a:rPr lang="en-US" smtClean="0"/>
-              <a:t>4/18/20</a:t>
+              <a:t>4/16/20</a:t>
             </a:fld>
             <a:endParaRPr lang="en-US"/>
           </a:p>
@@ -28541,7 +27499,7 @@
           <a:p>
             <a:fld id="{2A21A15A-B208-964B-BAD9-3F4EB340CFDD}" type="datetimeFigureOut">
               <a:rPr lang="en-US" smtClean="0"/>
-              <a:t>4/18/20</a:t>
+              <a:t>4/16/20</a:t>
             </a:fld>
             <a:endParaRPr lang="en-US"/>
           </a:p>
@@ -28654,7 +27612,7 @@
           <a:p>
             <a:fld id="{2A21A15A-B208-964B-BAD9-3F4EB340CFDD}" type="datetimeFigureOut">
               <a:rPr lang="en-US" smtClean="0"/>
-              <a:t>4/18/20</a:t>
+              <a:t>4/16/20</a:t>
             </a:fld>
             <a:endParaRPr lang="en-US"/>
           </a:p>
@@ -28965,7 +27923,7 @@
           <a:p>
             <a:fld id="{2A21A15A-B208-964B-BAD9-3F4EB340CFDD}" type="datetimeFigureOut">
               <a:rPr lang="en-US" smtClean="0"/>
-              <a:t>4/18/20</a:t>
+              <a:t>4/16/20</a:t>
             </a:fld>
             <a:endParaRPr lang="en-US"/>
           </a:p>
@@ -29253,7 +28211,7 @@
           <a:p>
             <a:fld id="{2A21A15A-B208-964B-BAD9-3F4EB340CFDD}" type="datetimeFigureOut">
               <a:rPr lang="en-US" smtClean="0"/>
-              <a:t>4/18/20</a:t>
+              <a:t>4/16/20</a:t>
             </a:fld>
             <a:endParaRPr lang="en-US"/>
           </a:p>
@@ -29494,7 +28452,7 @@
           <a:p>
             <a:fld id="{2A21A15A-B208-964B-BAD9-3F4EB340CFDD}" type="datetimeFigureOut">
               <a:rPr lang="en-US" smtClean="0"/>
-              <a:t>4/18/20</a:t>
+              <a:t>4/16/20</a:t>
             </a:fld>
             <a:endParaRPr lang="en-US"/>
           </a:p>
@@ -29997,7 +28955,7 @@
           <p:nvPr/>
         </p:nvPicPr>
         <p:blipFill rotWithShape="1">
-          <a:blip r:embed="rId3">
+          <a:blip r:embed="rId2">
             <a:alphaModFix amt="50000"/>
           </a:blip>
           <a:srcRect t="4255"/>
@@ -30237,10 +29195,491 @@
       </p:grpSpPr>
       <p:sp>
         <p:nvSpPr>
+          <p:cNvPr id="20" name="Freeform: Shape 19">
+            <a:extLst>
+              <a:ext uri="{FF2B5EF4-FFF2-40B4-BE49-F238E27FC236}">
+                <a16:creationId xmlns:a16="http://schemas.microsoft.com/office/drawing/2014/main" id="{46C2E80F-49A6-4372-B103-219D417A55ED}"/>
+              </a:ext>
+              <a:ext uri="{C183D7F6-B498-43B3-948B-1728B52AA6E4}">
+                <adec:decorative xmlns:adec="http://schemas.microsoft.com/office/drawing/2017/decorative" val="1"/>
+              </a:ext>
+            </a:extLst>
+          </p:cNvPr>
+          <p:cNvSpPr>
+            <a:spLocks noGrp="1" noRot="1" noChangeAspect="1" noMove="1" noResize="1" noEditPoints="1" noAdjustHandles="1" noChangeArrowheads="1" noChangeShapeType="1" noTextEdit="1"/>
+          </p:cNvSpPr>
+          <p:nvPr>
+            <p:extLst>
+              <p:ext uri="{386F3935-93C4-4BCD-93E2-E3B085C9AB24}">
+                <p16:designElem xmlns:p16="http://schemas.microsoft.com/office/powerpoint/2015/main" val="1"/>
+              </p:ext>
+            </p:extLst>
+          </p:nvPr>
+        </p:nvSpPr>
+        <p:spPr>
+          <a:xfrm>
+            <a:off x="484096" y="470925"/>
+            <a:ext cx="4381009" cy="5892104"/>
+          </a:xfrm>
+          <a:custGeom>
+            <a:avLst/>
+            <a:gdLst>
+              <a:gd name="connsiteX0" fmla="*/ 0 w 4381009"/>
+              <a:gd name="connsiteY0" fmla="*/ 0 h 5892104"/>
+              <a:gd name="connsiteX1" fmla="*/ 4157628 w 4381009"/>
+              <a:gd name="connsiteY1" fmla="*/ 0 h 5892104"/>
+              <a:gd name="connsiteX2" fmla="*/ 4169302 w 4381009"/>
+              <a:gd name="connsiteY2" fmla="*/ 68659 h 5892104"/>
+              <a:gd name="connsiteX3" fmla="*/ 4191571 w 4381009"/>
+              <a:gd name="connsiteY3" fmla="*/ 205472 h 5892104"/>
+              <a:gd name="connsiteX4" fmla="*/ 4213368 w 4381009"/>
+              <a:gd name="connsiteY4" fmla="*/ 342890 h 5892104"/>
+              <a:gd name="connsiteX5" fmla="*/ 4232030 w 4381009"/>
+              <a:gd name="connsiteY5" fmla="*/ 480913 h 5892104"/>
+              <a:gd name="connsiteX6" fmla="*/ 4250848 w 4381009"/>
+              <a:gd name="connsiteY6" fmla="*/ 618332 h 5892104"/>
+              <a:gd name="connsiteX7" fmla="*/ 4268412 w 4381009"/>
+              <a:gd name="connsiteY7" fmla="*/ 756355 h 5892104"/>
+              <a:gd name="connsiteX8" fmla="*/ 4283467 w 4381009"/>
+              <a:gd name="connsiteY8" fmla="*/ 892563 h 5892104"/>
+              <a:gd name="connsiteX9" fmla="*/ 4297737 w 4381009"/>
+              <a:gd name="connsiteY9" fmla="*/ 1030587 h 5892104"/>
+              <a:gd name="connsiteX10" fmla="*/ 4310754 w 4381009"/>
+              <a:gd name="connsiteY10" fmla="*/ 1168005 h 5892104"/>
+              <a:gd name="connsiteX11" fmla="*/ 4322045 w 4381009"/>
+              <a:gd name="connsiteY11" fmla="*/ 1303002 h 5892104"/>
+              <a:gd name="connsiteX12" fmla="*/ 4333336 w 4381009"/>
+              <a:gd name="connsiteY12" fmla="*/ 1439815 h 5892104"/>
+              <a:gd name="connsiteX13" fmla="*/ 4342745 w 4381009"/>
+              <a:gd name="connsiteY13" fmla="*/ 1574812 h 5892104"/>
+              <a:gd name="connsiteX14" fmla="*/ 4350115 w 4381009"/>
+              <a:gd name="connsiteY14" fmla="*/ 1709808 h 5892104"/>
+              <a:gd name="connsiteX15" fmla="*/ 4357799 w 4381009"/>
+              <a:gd name="connsiteY15" fmla="*/ 1844200 h 5892104"/>
+              <a:gd name="connsiteX16" fmla="*/ 4364229 w 4381009"/>
+              <a:gd name="connsiteY16" fmla="*/ 1977381 h 5892104"/>
+              <a:gd name="connsiteX17" fmla="*/ 4368777 w 4381009"/>
+              <a:gd name="connsiteY17" fmla="*/ 2109351 h 5892104"/>
+              <a:gd name="connsiteX18" fmla="*/ 4372697 w 4381009"/>
+              <a:gd name="connsiteY18" fmla="*/ 2241321 h 5892104"/>
+              <a:gd name="connsiteX19" fmla="*/ 4376461 w 4381009"/>
+              <a:gd name="connsiteY19" fmla="*/ 2372080 h 5892104"/>
+              <a:gd name="connsiteX20" fmla="*/ 4378186 w 4381009"/>
+              <a:gd name="connsiteY20" fmla="*/ 2501023 h 5892104"/>
+              <a:gd name="connsiteX21" fmla="*/ 4380068 w 4381009"/>
+              <a:gd name="connsiteY21" fmla="*/ 2629966 h 5892104"/>
+              <a:gd name="connsiteX22" fmla="*/ 4381009 w 4381009"/>
+              <a:gd name="connsiteY22" fmla="*/ 2757093 h 5892104"/>
+              <a:gd name="connsiteX23" fmla="*/ 4380068 w 4381009"/>
+              <a:gd name="connsiteY23" fmla="*/ 2883010 h 5892104"/>
+              <a:gd name="connsiteX24" fmla="*/ 4380068 w 4381009"/>
+              <a:gd name="connsiteY24" fmla="*/ 3007715 h 5892104"/>
+              <a:gd name="connsiteX25" fmla="*/ 4378186 w 4381009"/>
+              <a:gd name="connsiteY25" fmla="*/ 3131210 h 5892104"/>
+              <a:gd name="connsiteX26" fmla="*/ 4375363 w 4381009"/>
+              <a:gd name="connsiteY26" fmla="*/ 3252283 h 5892104"/>
+              <a:gd name="connsiteX27" fmla="*/ 4372697 w 4381009"/>
+              <a:gd name="connsiteY27" fmla="*/ 3372146 h 5892104"/>
+              <a:gd name="connsiteX28" fmla="*/ 4369718 w 4381009"/>
+              <a:gd name="connsiteY28" fmla="*/ 3489587 h 5892104"/>
+              <a:gd name="connsiteX29" fmla="*/ 4365170 w 4381009"/>
+              <a:gd name="connsiteY29" fmla="*/ 3606423 h 5892104"/>
+              <a:gd name="connsiteX30" fmla="*/ 4360309 w 4381009"/>
+              <a:gd name="connsiteY30" fmla="*/ 3721443 h 5892104"/>
+              <a:gd name="connsiteX31" fmla="*/ 4355918 w 4381009"/>
+              <a:gd name="connsiteY31" fmla="*/ 3834041 h 5892104"/>
+              <a:gd name="connsiteX32" fmla="*/ 4343529 w 4381009"/>
+              <a:gd name="connsiteY32" fmla="*/ 4053789 h 5892104"/>
+              <a:gd name="connsiteX33" fmla="*/ 4330356 w 4381009"/>
+              <a:gd name="connsiteY33" fmla="*/ 4264457 h 5892104"/>
+              <a:gd name="connsiteX34" fmla="*/ 4316556 w 4381009"/>
+              <a:gd name="connsiteY34" fmla="*/ 4466650 h 5892104"/>
+              <a:gd name="connsiteX35" fmla="*/ 4301344 w 4381009"/>
+              <a:gd name="connsiteY35" fmla="*/ 4657946 h 5892104"/>
+              <a:gd name="connsiteX36" fmla="*/ 4285506 w 4381009"/>
+              <a:gd name="connsiteY36" fmla="*/ 4840767 h 5892104"/>
+              <a:gd name="connsiteX37" fmla="*/ 4268412 w 4381009"/>
+              <a:gd name="connsiteY37" fmla="*/ 5010269 h 5892104"/>
+              <a:gd name="connsiteX38" fmla="*/ 4251633 w 4381009"/>
+              <a:gd name="connsiteY38" fmla="*/ 5169481 h 5892104"/>
+              <a:gd name="connsiteX39" fmla="*/ 4234853 w 4381009"/>
+              <a:gd name="connsiteY39" fmla="*/ 5315980 h 5892104"/>
+              <a:gd name="connsiteX40" fmla="*/ 4219014 w 4381009"/>
+              <a:gd name="connsiteY40" fmla="*/ 5450371 h 5892104"/>
+              <a:gd name="connsiteX41" fmla="*/ 4203959 w 4381009"/>
+              <a:gd name="connsiteY41" fmla="*/ 5569628 h 5892104"/>
+              <a:gd name="connsiteX42" fmla="*/ 4189689 w 4381009"/>
+              <a:gd name="connsiteY42" fmla="*/ 5677384 h 5892104"/>
+              <a:gd name="connsiteX43" fmla="*/ 4177770 w 4381009"/>
+              <a:gd name="connsiteY43" fmla="*/ 5768189 h 5892104"/>
+              <a:gd name="connsiteX44" fmla="*/ 4166479 w 4381009"/>
+              <a:gd name="connsiteY44" fmla="*/ 5844465 h 5892104"/>
+              <a:gd name="connsiteX45" fmla="*/ 4159132 w 4381009"/>
+              <a:gd name="connsiteY45" fmla="*/ 5892104 h 5892104"/>
+              <a:gd name="connsiteX46" fmla="*/ 0 w 4381009"/>
+              <a:gd name="connsiteY46" fmla="*/ 5892104 h 5892104"/>
+            </a:gdLst>
+            <a:ahLst/>
+            <a:cxnLst>
+              <a:cxn ang="0">
+                <a:pos x="connsiteX0" y="connsiteY0"/>
+              </a:cxn>
+              <a:cxn ang="0">
+                <a:pos x="connsiteX1" y="connsiteY1"/>
+              </a:cxn>
+              <a:cxn ang="0">
+                <a:pos x="connsiteX2" y="connsiteY2"/>
+              </a:cxn>
+              <a:cxn ang="0">
+                <a:pos x="connsiteX3" y="connsiteY3"/>
+              </a:cxn>
+              <a:cxn ang="0">
+                <a:pos x="connsiteX4" y="connsiteY4"/>
+              </a:cxn>
+              <a:cxn ang="0">
+                <a:pos x="connsiteX5" y="connsiteY5"/>
+              </a:cxn>
+              <a:cxn ang="0">
+                <a:pos x="connsiteX6" y="connsiteY6"/>
+              </a:cxn>
+              <a:cxn ang="0">
+                <a:pos x="connsiteX7" y="connsiteY7"/>
+              </a:cxn>
+              <a:cxn ang="0">
+                <a:pos x="connsiteX8" y="connsiteY8"/>
+              </a:cxn>
+              <a:cxn ang="0">
+                <a:pos x="connsiteX9" y="connsiteY9"/>
+              </a:cxn>
+              <a:cxn ang="0">
+                <a:pos x="connsiteX10" y="connsiteY10"/>
+              </a:cxn>
+              <a:cxn ang="0">
+                <a:pos x="connsiteX11" y="connsiteY11"/>
+              </a:cxn>
+              <a:cxn ang="0">
+                <a:pos x="connsiteX12" y="connsiteY12"/>
+              </a:cxn>
+              <a:cxn ang="0">
+                <a:pos x="connsiteX13" y="connsiteY13"/>
+              </a:cxn>
+              <a:cxn ang="0">
+                <a:pos x="connsiteX14" y="connsiteY14"/>
+              </a:cxn>
+              <a:cxn ang="0">
+                <a:pos x="connsiteX15" y="connsiteY15"/>
+              </a:cxn>
+              <a:cxn ang="0">
+                <a:pos x="connsiteX16" y="connsiteY16"/>
+              </a:cxn>
+              <a:cxn ang="0">
+                <a:pos x="connsiteX17" y="connsiteY17"/>
+              </a:cxn>
+              <a:cxn ang="0">
+                <a:pos x="connsiteX18" y="connsiteY18"/>
+              </a:cxn>
+              <a:cxn ang="0">
+                <a:pos x="connsiteX19" y="connsiteY19"/>
+              </a:cxn>
+              <a:cxn ang="0">
+                <a:pos x="connsiteX20" y="connsiteY20"/>
+              </a:cxn>
+              <a:cxn ang="0">
+                <a:pos x="connsiteX21" y="connsiteY21"/>
+              </a:cxn>
+              <a:cxn ang="0">
+                <a:pos x="connsiteX22" y="connsiteY22"/>
+              </a:cxn>
+              <a:cxn ang="0">
+                <a:pos x="connsiteX23" y="connsiteY23"/>
+              </a:cxn>
+              <a:cxn ang="0">
+                <a:pos x="connsiteX24" y="connsiteY24"/>
+              </a:cxn>
+              <a:cxn ang="0">
+                <a:pos x="connsiteX25" y="connsiteY25"/>
+              </a:cxn>
+              <a:cxn ang="0">
+                <a:pos x="connsiteX26" y="connsiteY26"/>
+              </a:cxn>
+              <a:cxn ang="0">
+                <a:pos x="connsiteX27" y="connsiteY27"/>
+              </a:cxn>
+              <a:cxn ang="0">
+                <a:pos x="connsiteX28" y="connsiteY28"/>
+              </a:cxn>
+              <a:cxn ang="0">
+                <a:pos x="connsiteX29" y="connsiteY29"/>
+              </a:cxn>
+              <a:cxn ang="0">
+                <a:pos x="connsiteX30" y="connsiteY30"/>
+              </a:cxn>
+              <a:cxn ang="0">
+                <a:pos x="connsiteX31" y="connsiteY31"/>
+              </a:cxn>
+              <a:cxn ang="0">
+                <a:pos x="connsiteX32" y="connsiteY32"/>
+              </a:cxn>
+              <a:cxn ang="0">
+                <a:pos x="connsiteX33" y="connsiteY33"/>
+              </a:cxn>
+              <a:cxn ang="0">
+                <a:pos x="connsiteX34" y="connsiteY34"/>
+              </a:cxn>
+              <a:cxn ang="0">
+                <a:pos x="connsiteX35" y="connsiteY35"/>
+              </a:cxn>
+              <a:cxn ang="0">
+                <a:pos x="connsiteX36" y="connsiteY36"/>
+              </a:cxn>
+              <a:cxn ang="0">
+                <a:pos x="connsiteX37" y="connsiteY37"/>
+              </a:cxn>
+              <a:cxn ang="0">
+                <a:pos x="connsiteX38" y="connsiteY38"/>
+              </a:cxn>
+              <a:cxn ang="0">
+                <a:pos x="connsiteX39" y="connsiteY39"/>
+              </a:cxn>
+              <a:cxn ang="0">
+                <a:pos x="connsiteX40" y="connsiteY40"/>
+              </a:cxn>
+              <a:cxn ang="0">
+                <a:pos x="connsiteX41" y="connsiteY41"/>
+              </a:cxn>
+              <a:cxn ang="0">
+                <a:pos x="connsiteX42" y="connsiteY42"/>
+              </a:cxn>
+              <a:cxn ang="0">
+                <a:pos x="connsiteX43" y="connsiteY43"/>
+              </a:cxn>
+              <a:cxn ang="0">
+                <a:pos x="connsiteX44" y="connsiteY44"/>
+              </a:cxn>
+              <a:cxn ang="0">
+                <a:pos x="connsiteX45" y="connsiteY45"/>
+              </a:cxn>
+              <a:cxn ang="0">
+                <a:pos x="connsiteX46" y="connsiteY46"/>
+              </a:cxn>
+            </a:cxnLst>
+            <a:rect l="l" t="t" r="r" b="b"/>
+            <a:pathLst>
+              <a:path w="4381009" h="5892104">
+                <a:moveTo>
+                  <a:pt x="0" y="0"/>
+                </a:moveTo>
+                <a:lnTo>
+                  <a:pt x="4157628" y="0"/>
+                </a:lnTo>
+                <a:lnTo>
+                  <a:pt x="4169302" y="68659"/>
+                </a:lnTo>
+                <a:lnTo>
+                  <a:pt x="4191571" y="205472"/>
+                </a:lnTo>
+                <a:lnTo>
+                  <a:pt x="4213368" y="342890"/>
+                </a:lnTo>
+                <a:lnTo>
+                  <a:pt x="4232030" y="480913"/>
+                </a:lnTo>
+                <a:lnTo>
+                  <a:pt x="4250848" y="618332"/>
+                </a:lnTo>
+                <a:lnTo>
+                  <a:pt x="4268412" y="756355"/>
+                </a:lnTo>
+                <a:lnTo>
+                  <a:pt x="4283467" y="892563"/>
+                </a:lnTo>
+                <a:lnTo>
+                  <a:pt x="4297737" y="1030587"/>
+                </a:lnTo>
+                <a:lnTo>
+                  <a:pt x="4310754" y="1168005"/>
+                </a:lnTo>
+                <a:lnTo>
+                  <a:pt x="4322045" y="1303002"/>
+                </a:lnTo>
+                <a:lnTo>
+                  <a:pt x="4333336" y="1439815"/>
+                </a:lnTo>
+                <a:lnTo>
+                  <a:pt x="4342745" y="1574812"/>
+                </a:lnTo>
+                <a:lnTo>
+                  <a:pt x="4350115" y="1709808"/>
+                </a:lnTo>
+                <a:lnTo>
+                  <a:pt x="4357799" y="1844200"/>
+                </a:lnTo>
+                <a:lnTo>
+                  <a:pt x="4364229" y="1977381"/>
+                </a:lnTo>
+                <a:lnTo>
+                  <a:pt x="4368777" y="2109351"/>
+                </a:lnTo>
+                <a:lnTo>
+                  <a:pt x="4372697" y="2241321"/>
+                </a:lnTo>
+                <a:lnTo>
+                  <a:pt x="4376461" y="2372080"/>
+                </a:lnTo>
+                <a:lnTo>
+                  <a:pt x="4378186" y="2501023"/>
+                </a:lnTo>
+                <a:lnTo>
+                  <a:pt x="4380068" y="2629966"/>
+                </a:lnTo>
+                <a:lnTo>
+                  <a:pt x="4381009" y="2757093"/>
+                </a:lnTo>
+                <a:lnTo>
+                  <a:pt x="4380068" y="2883010"/>
+                </a:lnTo>
+                <a:lnTo>
+                  <a:pt x="4380068" y="3007715"/>
+                </a:lnTo>
+                <a:lnTo>
+                  <a:pt x="4378186" y="3131210"/>
+                </a:lnTo>
+                <a:lnTo>
+                  <a:pt x="4375363" y="3252283"/>
+                </a:lnTo>
+                <a:lnTo>
+                  <a:pt x="4372697" y="3372146"/>
+                </a:lnTo>
+                <a:lnTo>
+                  <a:pt x="4369718" y="3489587"/>
+                </a:lnTo>
+                <a:lnTo>
+                  <a:pt x="4365170" y="3606423"/>
+                </a:lnTo>
+                <a:lnTo>
+                  <a:pt x="4360309" y="3721443"/>
+                </a:lnTo>
+                <a:lnTo>
+                  <a:pt x="4355918" y="3834041"/>
+                </a:lnTo>
+                <a:lnTo>
+                  <a:pt x="4343529" y="4053789"/>
+                </a:lnTo>
+                <a:lnTo>
+                  <a:pt x="4330356" y="4264457"/>
+                </a:lnTo>
+                <a:lnTo>
+                  <a:pt x="4316556" y="4466650"/>
+                </a:lnTo>
+                <a:lnTo>
+                  <a:pt x="4301344" y="4657946"/>
+                </a:lnTo>
+                <a:lnTo>
+                  <a:pt x="4285506" y="4840767"/>
+                </a:lnTo>
+                <a:lnTo>
+                  <a:pt x="4268412" y="5010269"/>
+                </a:lnTo>
+                <a:lnTo>
+                  <a:pt x="4251633" y="5169481"/>
+                </a:lnTo>
+                <a:lnTo>
+                  <a:pt x="4234853" y="5315980"/>
+                </a:lnTo>
+                <a:lnTo>
+                  <a:pt x="4219014" y="5450371"/>
+                </a:lnTo>
+                <a:lnTo>
+                  <a:pt x="4203959" y="5569628"/>
+                </a:lnTo>
+                <a:lnTo>
+                  <a:pt x="4189689" y="5677384"/>
+                </a:lnTo>
+                <a:lnTo>
+                  <a:pt x="4177770" y="5768189"/>
+                </a:lnTo>
+                <a:lnTo>
+                  <a:pt x="4166479" y="5844465"/>
+                </a:lnTo>
+                <a:lnTo>
+                  <a:pt x="4159132" y="5892104"/>
+                </a:lnTo>
+                <a:lnTo>
+                  <a:pt x="0" y="5892104"/>
+                </a:lnTo>
+                <a:close/>
+              </a:path>
+            </a:pathLst>
+          </a:custGeom>
+          <a:solidFill>
+            <a:srgbClr val="404040"/>
+          </a:solidFill>
+          <a:ln>
+            <a:noFill/>
+          </a:ln>
+        </p:spPr>
+        <p:style>
+          <a:lnRef idx="2">
+            <a:schemeClr val="accent1">
+              <a:shade val="50000"/>
+            </a:schemeClr>
+          </a:lnRef>
+          <a:fillRef idx="1">
+            <a:schemeClr val="accent1"/>
+          </a:fillRef>
+          <a:effectRef idx="0">
+            <a:schemeClr val="accent1"/>
+          </a:effectRef>
+          <a:fontRef idx="minor">
+            <a:schemeClr val="lt1"/>
+          </a:fontRef>
+        </p:style>
+        <p:txBody>
+          <a:bodyPr wrap="square" rtlCol="0" anchor="ctr">
+            <a:noAutofit/>
+          </a:bodyPr>
+          <a:lstStyle/>
+          <a:p>
+            <a:pPr marL="0" marR="0" lvl="0" indent="0" algn="ctr" defTabSz="457200" rtl="0" eaLnBrk="1" fontAlgn="auto" latinLnBrk="0" hangingPunct="1">
+              <a:lnSpc>
+                <a:spcPct val="100000"/>
+              </a:lnSpc>
+              <a:spcBef>
+                <a:spcPts val="0"/>
+              </a:spcBef>
+              <a:spcAft>
+                <a:spcPts val="0"/>
+              </a:spcAft>
+              <a:buClrTx/>
+              <a:buSzTx/>
+              <a:buFontTx/>
+              <a:buNone/>
+              <a:tabLst/>
+              <a:defRPr/>
+            </a:pPr>
+            <a:endParaRPr kumimoji="0" lang="en-US" sz="1800" b="0" i="0" u="none" strike="noStrike" kern="1200" cap="none" spc="0" normalizeH="0" baseline="0" noProof="0">
+              <a:ln>
+                <a:noFill/>
+              </a:ln>
+              <a:solidFill>
+                <a:prstClr val="white"/>
+              </a:solidFill>
+              <a:effectLst/>
+              <a:uLnTx/>
+              <a:uFillTx/>
+              <a:latin typeface="Calibri" panose="020F0502020204030204"/>
+              <a:ea typeface="+mn-ea"/>
+              <a:cs typeface="+mn-cs"/>
+            </a:endParaRPr>
+          </a:p>
+        </p:txBody>
+      </p:sp>
+      <p:sp>
+        <p:nvSpPr>
           <p:cNvPr id="2" name="Title 1">
             <a:extLst>
               <a:ext uri="{FF2B5EF4-FFF2-40B4-BE49-F238E27FC236}">
-                <a16:creationId xmlns:a16="http://schemas.microsoft.com/office/drawing/2014/main" id="{61450426-FE2A-274F-97D4-0BFE7FDFF67C}"/>
+                <a16:creationId xmlns:a16="http://schemas.microsoft.com/office/drawing/2014/main" id="{2F8A7BDA-6EC3-5642-BF77-F8618978186E}"/>
               </a:ext>
             </a:extLst>
           </p:cNvPr>
@@ -30253,8 +29692,8 @@
         </p:nvSpPr>
         <p:spPr>
           <a:xfrm>
-            <a:off x="838200" y="365125"/>
-            <a:ext cx="10515600" cy="1325563"/>
+            <a:off x="484096" y="1012004"/>
+            <a:ext cx="4381009" cy="4795408"/>
           </a:xfrm>
         </p:spPr>
         <p:txBody>
@@ -30265,32 +29704,23 @@
           <a:p>
             <a:pPr algn="ctr"/>
             <a:r>
-              <a:rPr lang="en-US" sz="5400" b="1" dirty="0">
+              <a:rPr lang="en-US" sz="6600" b="1" dirty="0">
                 <a:solidFill>
-                  <a:schemeClr val="accent6">
-                    <a:lumMod val="50000"/>
-                  </a:schemeClr>
+                  <a:srgbClr val="00B050"/>
                 </a:solidFill>
                 <a:latin typeface="Baskerville Old Face" panose="02020602080505020303" pitchFamily="18" charset="77"/>
               </a:rPr>
               <a:t>Process “Successes”:</a:t>
             </a:r>
-            <a:endParaRPr lang="en-US" sz="5400" dirty="0">
-              <a:solidFill>
-                <a:schemeClr val="accent6">
-                  <a:lumMod val="50000"/>
-                </a:schemeClr>
-              </a:solidFill>
-            </a:endParaRPr>
           </a:p>
         </p:txBody>
       </p:sp>
       <p:graphicFrame>
         <p:nvGraphicFramePr>
-          <p:cNvPr id="13" name="Content Placeholder 2">
+          <p:cNvPr id="15" name="Content Placeholder 2">
             <a:extLst>
               <a:ext uri="{FF2B5EF4-FFF2-40B4-BE49-F238E27FC236}">
-                <a16:creationId xmlns:a16="http://schemas.microsoft.com/office/drawing/2014/main" id="{DC249909-263A-4538-8E25-855054B78B3A}"/>
+                <a16:creationId xmlns:a16="http://schemas.microsoft.com/office/drawing/2014/main" id="{6B808EDA-29EC-4D02-B583-993B9CA2227B}"/>
               </a:ext>
             </a:extLst>
           </p:cNvPr>
@@ -30301,25 +29731,25 @@
             <p:ph idx="1"/>
             <p:extLst>
               <p:ext uri="{D42A27DB-BD31-4B8C-83A1-F6EECF244321}">
-                <p14:modId xmlns:p14="http://schemas.microsoft.com/office/powerpoint/2010/main" val="437787187"/>
+                <p14:modId xmlns:p14="http://schemas.microsoft.com/office/powerpoint/2010/main" val="3189997849"/>
               </p:ext>
             </p:extLst>
           </p:nvPr>
         </p:nvGraphicFramePr>
         <p:xfrm>
-          <a:off x="463463" y="1690688"/>
-          <a:ext cx="11361107" cy="4459591"/>
+          <a:off x="5194300" y="470924"/>
+          <a:ext cx="6513604" cy="5885426"/>
         </p:xfrm>
         <a:graphic>
           <a:graphicData uri="http://schemas.openxmlformats.org/drawingml/2006/diagram">
-            <dgm:relIds xmlns:dgm="http://schemas.openxmlformats.org/drawingml/2006/diagram" xmlns:r="http://schemas.openxmlformats.org/officeDocument/2006/relationships" r:dm="rId3" r:lo="rId4" r:qs="rId5" r:cs="rId6"/>
+            <dgm:relIds xmlns:dgm="http://schemas.openxmlformats.org/drawingml/2006/diagram" xmlns:r="http://schemas.openxmlformats.org/officeDocument/2006/relationships" r:dm="rId2" r:lo="rId3" r:qs="rId4" r:cs="rId5"/>
           </a:graphicData>
         </a:graphic>
       </p:graphicFrame>
     </p:spTree>
     <p:extLst>
       <p:ext uri="{BB962C8B-B14F-4D97-AF65-F5344CB8AC3E}">
-        <p14:creationId xmlns:p14="http://schemas.microsoft.com/office/powerpoint/2010/main" val="4200986644"/>
+        <p14:creationId xmlns:p14="http://schemas.microsoft.com/office/powerpoint/2010/main" val="3912475194"/>
       </p:ext>
     </p:extLst>
   </p:cSld>
@@ -30371,7 +29801,7 @@
           </p:nvPr>
         </p:nvPicPr>
         <p:blipFill rotWithShape="1">
-          <a:blip r:embed="rId3"/>
+          <a:blip r:embed="rId2"/>
           <a:srcRect b="6250"/>
           <a:stretch/>
         </p:blipFill>
@@ -30652,7 +30082,7 @@
           <p:nvPr/>
         </p:nvPicPr>
         <p:blipFill rotWithShape="1">
-          <a:blip r:embed="rId3"/>
+          <a:blip r:embed="rId2"/>
           <a:srcRect t="9493" r="9091"/>
           <a:stretch/>
         </p:blipFill>
@@ -30792,8 +30222,8 @@
         </p:nvSpPr>
         <p:spPr>
           <a:xfrm>
-            <a:off x="115613" y="2121762"/>
-            <a:ext cx="4645573" cy="3963727"/>
+            <a:off x="115613" y="2121763"/>
+            <a:ext cx="4645573" cy="3773010"/>
           </a:xfrm>
         </p:spPr>
         <p:txBody>
@@ -30806,7 +30236,7 @@
               <a:buNone/>
             </a:pPr>
             <a:r>
-              <a:rPr lang="en-US" sz="1850" b="1" dirty="0">
+              <a:rPr lang="en-US" sz="2000" b="1" dirty="0">
                 <a:solidFill>
                   <a:srgbClr val="015053"/>
                 </a:solidFill>
@@ -30817,18 +30247,29 @@
           </a:p>
           <a:p>
             <a:r>
-              <a:rPr lang="en-US" sz="1850" dirty="0">
+              <a:rPr lang="en-US" sz="1600" dirty="0">
                 <a:solidFill>
                   <a:srgbClr val="015053"/>
                 </a:solidFill>
                 <a:latin typeface="Baskerville Old Face" panose="02020602080505020303" pitchFamily="18" charset="77"/>
               </a:rPr>
-              <a:t>This Park Me site serves to accommodate a flexible payment method in the future. So, the users usually can pay by credit card. There are also before-mentioned features as adding extra parking time or navigating back to the parked car. </a:t>
+              <a:t>This parking finder site serves to accommodate a flexible payment method in the future. So, the users usually can pay by credit card or in cash. There are also before-mentioned features as adding extra parking time or navigating back to the parked car. </a:t>
             </a:r>
           </a:p>
           <a:p>
             <a:r>
-              <a:rPr lang="en-US" sz="1850" dirty="0">
+              <a:rPr lang="en-US" sz="1600" dirty="0">
+                <a:solidFill>
+                  <a:srgbClr val="015053"/>
+                </a:solidFill>
+                <a:latin typeface="Baskerville Old Face" panose="02020602080505020303" pitchFamily="18" charset="77"/>
+              </a:rPr>
+              <a:t>This innovation allows reserving a parking spot. The user can obtain a place that fits the funds and pre-pay it on a daily, weekly, and monthly base. It provides for avoiding everyday reservations.</a:t>
+            </a:r>
+          </a:p>
+          <a:p>
+            <a:r>
+              <a:rPr lang="en-US" sz="1600" dirty="0">
                 <a:solidFill>
                   <a:srgbClr val="015053"/>
                 </a:solidFill>
@@ -30839,7 +30280,7 @@
           </a:p>
           <a:p>
             <a:r>
-              <a:rPr lang="en-US" sz="1850" dirty="0">
+              <a:rPr lang="en-US" sz="1600" dirty="0">
                 <a:solidFill>
                   <a:srgbClr val="015053"/>
                 </a:solidFill>
@@ -30966,7 +30407,7 @@
           <p:nvPr/>
         </p:nvPicPr>
         <p:blipFill rotWithShape="1">
-          <a:blip r:embed="rId3">
+          <a:blip r:embed="rId2">
             <a:alphaModFix amt="35000"/>
           </a:blip>
           <a:srcRect l="760" r="1463" b="1"/>
@@ -31319,7 +30760,7 @@
             <p:ph idx="1"/>
             <p:extLst>
               <p:ext uri="{D42A27DB-BD31-4B8C-83A1-F6EECF244321}">
-                <p14:modId xmlns:p14="http://schemas.microsoft.com/office/powerpoint/2010/main" val="3704692273"/>
+                <p14:modId xmlns:p14="http://schemas.microsoft.com/office/powerpoint/2010/main" val="4108412131"/>
               </p:ext>
             </p:extLst>
           </p:nvPr>
@@ -31330,7 +30771,7 @@
         </p:xfrm>
         <a:graphic>
           <a:graphicData uri="http://schemas.openxmlformats.org/drawingml/2006/diagram">
-            <dgm:relIds xmlns:dgm="http://schemas.openxmlformats.org/drawingml/2006/diagram" xmlns:r="http://schemas.openxmlformats.org/officeDocument/2006/relationships" r:dm="rId3" r:lo="rId4" r:qs="rId5" r:cs="rId6"/>
+            <dgm:relIds xmlns:dgm="http://schemas.openxmlformats.org/drawingml/2006/diagram" xmlns:r="http://schemas.openxmlformats.org/officeDocument/2006/relationships" r:dm="rId2" r:lo="rId3" r:qs="rId4" r:cs="rId5"/>
           </a:graphicData>
         </a:graphic>
       </p:graphicFrame>
@@ -31387,7 +30828,7 @@
           <p:nvPr/>
         </p:nvPicPr>
         <p:blipFill rotWithShape="1">
-          <a:blip r:embed="rId3"/>
+          <a:blip r:embed="rId2"/>
           <a:srcRect/>
           <a:stretch/>
         </p:blipFill>
@@ -31600,7 +31041,7 @@
           </p:nvPr>
         </p:nvPicPr>
         <p:blipFill>
-          <a:blip r:embed="rId3">
+          <a:blip r:embed="rId2">
             <a:extLst>
               <a:ext uri="{28A0092B-C50C-407E-A947-70E740481C1C}">
                 <a14:useLocalDpi xmlns:a14="http://schemas.microsoft.com/office/drawing/2010/main" val="0"/>
@@ -31824,7 +31265,7 @@
           <p:nvPr/>
         </p:nvPicPr>
         <p:blipFill rotWithShape="1">
-          <a:blip r:embed="rId4">
+          <a:blip r:embed="rId3">
             <a:alphaModFix/>
           </a:blip>
           <a:srcRect l="21041" r="25455" b="-1"/>
@@ -31984,7 +31425,7 @@
             <p:ph idx="1"/>
             <p:extLst>
               <p:ext uri="{D42A27DB-BD31-4B8C-83A1-F6EECF244321}">
-                <p14:modId xmlns:p14="http://schemas.microsoft.com/office/powerpoint/2010/main" val="1455317428"/>
+                <p14:modId xmlns:p14="http://schemas.microsoft.com/office/powerpoint/2010/main" val="2513002409"/>
               </p:ext>
             </p:extLst>
           </p:nvPr>
@@ -31995,7 +31436,7 @@
         </p:xfrm>
         <a:graphic>
           <a:graphicData uri="http://schemas.openxmlformats.org/drawingml/2006/diagram">
-            <dgm:relIds xmlns:dgm="http://schemas.openxmlformats.org/drawingml/2006/diagram" xmlns:r="http://schemas.openxmlformats.org/officeDocument/2006/relationships" r:dm="rId5" r:lo="rId6" r:qs="rId7" r:cs="rId8"/>
+            <dgm:relIds xmlns:dgm="http://schemas.openxmlformats.org/drawingml/2006/diagram" xmlns:r="http://schemas.openxmlformats.org/officeDocument/2006/relationships" r:dm="rId4" r:lo="rId5" r:qs="rId6" r:cs="rId7"/>
           </a:graphicData>
         </a:graphic>
       </p:graphicFrame>
@@ -32247,7 +31688,7 @@
             <p:ph idx="1"/>
             <p:extLst>
               <p:ext uri="{D42A27DB-BD31-4B8C-83A1-F6EECF244321}">
-                <p14:modId xmlns:p14="http://schemas.microsoft.com/office/powerpoint/2010/main" val="1315050337"/>
+                <p14:modId xmlns:p14="http://schemas.microsoft.com/office/powerpoint/2010/main" val="3159183864"/>
               </p:ext>
             </p:extLst>
           </p:nvPr>
@@ -32258,7 +31699,7 @@
         </p:xfrm>
         <a:graphic>
           <a:graphicData uri="http://schemas.openxmlformats.org/drawingml/2006/diagram">
-            <dgm:relIds xmlns:dgm="http://schemas.openxmlformats.org/drawingml/2006/diagram" xmlns:r="http://schemas.openxmlformats.org/officeDocument/2006/relationships" r:dm="rId3" r:lo="rId4" r:qs="rId5" r:cs="rId6"/>
+            <dgm:relIds xmlns:dgm="http://schemas.openxmlformats.org/drawingml/2006/diagram" xmlns:r="http://schemas.openxmlformats.org/officeDocument/2006/relationships" r:dm="rId2" r:lo="rId3" r:qs="rId4" r:cs="rId5"/>
           </a:graphicData>
         </a:graphic>
       </p:graphicFrame>
@@ -32452,7 +31893,7 @@
             <p:ph idx="1"/>
             <p:extLst>
               <p:ext uri="{D42A27DB-BD31-4B8C-83A1-F6EECF244321}">
-                <p14:modId xmlns:p14="http://schemas.microsoft.com/office/powerpoint/2010/main" val="1480613766"/>
+                <p14:modId xmlns:p14="http://schemas.microsoft.com/office/powerpoint/2010/main" val="2627061551"/>
               </p:ext>
             </p:extLst>
           </p:nvPr>
@@ -32463,7 +31904,7 @@
         </p:xfrm>
         <a:graphic>
           <a:graphicData uri="http://schemas.openxmlformats.org/drawingml/2006/diagram">
-            <dgm:relIds xmlns:dgm="http://schemas.openxmlformats.org/drawingml/2006/diagram" xmlns:r="http://schemas.openxmlformats.org/officeDocument/2006/relationships" r:dm="rId3" r:lo="rId4" r:qs="rId5" r:cs="rId6"/>
+            <dgm:relIds xmlns:dgm="http://schemas.openxmlformats.org/drawingml/2006/diagram" xmlns:r="http://schemas.openxmlformats.org/officeDocument/2006/relationships" r:dm="rId2" r:lo="rId3" r:qs="rId4" r:cs="rId5"/>
           </a:graphicData>
         </a:graphic>
       </p:graphicFrame>
@@ -32627,7 +32068,7 @@
                 </a:solidFill>
                 <a:latin typeface="Baskerville Old Face" panose="02020602080505020303" pitchFamily="18" charset="77"/>
               </a:rPr>
-              <a:t>“User story about Sign Up”:</a:t>
+              <a:t>“User story about Search Bar”:</a:t>
             </a:r>
           </a:p>
         </p:txBody>
@@ -32648,7 +32089,7 @@
             <p:ph idx="1"/>
             <p:extLst>
               <p:ext uri="{D42A27DB-BD31-4B8C-83A1-F6EECF244321}">
-                <p14:modId xmlns:p14="http://schemas.microsoft.com/office/powerpoint/2010/main" val="3597956341"/>
+                <p14:modId xmlns:p14="http://schemas.microsoft.com/office/powerpoint/2010/main" val="2125287703"/>
               </p:ext>
             </p:extLst>
           </p:nvPr>
@@ -32659,7 +32100,7 @@
         </p:xfrm>
         <a:graphic>
           <a:graphicData uri="http://schemas.openxmlformats.org/drawingml/2006/diagram">
-            <dgm:relIds xmlns:dgm="http://schemas.openxmlformats.org/drawingml/2006/diagram" xmlns:r="http://schemas.openxmlformats.org/officeDocument/2006/relationships" r:dm="rId3" r:lo="rId4" r:qs="rId5" r:cs="rId6"/>
+            <dgm:relIds xmlns:dgm="http://schemas.openxmlformats.org/drawingml/2006/diagram" xmlns:r="http://schemas.openxmlformats.org/officeDocument/2006/relationships" r:dm="rId2" r:lo="rId3" r:qs="rId4" r:cs="rId5"/>
           </a:graphicData>
         </a:graphic>
       </p:graphicFrame>
@@ -33259,7 +32700,7 @@
         </p:xfrm>
         <a:graphic>
           <a:graphicData uri="http://schemas.openxmlformats.org/drawingml/2006/diagram">
-            <dgm:relIds xmlns:dgm="http://schemas.openxmlformats.org/drawingml/2006/diagram" xmlns:r="http://schemas.openxmlformats.org/officeDocument/2006/relationships" r:dm="rId3" r:lo="rId4" r:qs="rId5" r:cs="rId6"/>
+            <dgm:relIds xmlns:dgm="http://schemas.openxmlformats.org/drawingml/2006/diagram" xmlns:r="http://schemas.openxmlformats.org/officeDocument/2006/relationships" r:dm="rId2" r:lo="rId3" r:qs="rId4" r:cs="rId5"/>
           </a:graphicData>
         </a:graphic>
       </p:graphicFrame>
@@ -33452,7 +32893,7 @@
           <p:nvPr/>
         </p:nvPicPr>
         <p:blipFill rotWithShape="1">
-          <a:blip r:embed="rId3"/>
+          <a:blip r:embed="rId2"/>
           <a:srcRect r="5249" b="1"/>
           <a:stretch/>
         </p:blipFill>
@@ -33669,7 +33110,7 @@
           <p:nvPr/>
         </p:nvPicPr>
         <p:blipFill rotWithShape="1">
-          <a:blip r:embed="rId4"/>
+          <a:blip r:embed="rId3"/>
           <a:srcRect l="3538" r="14461" b="-2"/>
           <a:stretch/>
         </p:blipFill>
@@ -33915,7 +33356,7 @@
           <p:nvPr/>
         </p:nvPicPr>
         <p:blipFill rotWithShape="1">
-          <a:blip r:embed="rId5"/>
+          <a:blip r:embed="rId4"/>
           <a:srcRect t="10720" b="19071"/>
           <a:stretch/>
         </p:blipFill>
@@ -34541,7 +33982,7 @@
           <p:nvPr/>
         </p:nvPicPr>
         <p:blipFill>
-          <a:blip r:embed="rId3"/>
+          <a:blip r:embed="rId2"/>
           <a:stretch>
             <a:fillRect/>
           </a:stretch>
@@ -34583,7 +34024,7 @@
         </p:xfrm>
         <a:graphic>
           <a:graphicData uri="http://schemas.openxmlformats.org/drawingml/2006/diagram">
-            <dgm:relIds xmlns:dgm="http://schemas.openxmlformats.org/drawingml/2006/diagram" xmlns:r="http://schemas.openxmlformats.org/officeDocument/2006/relationships" r:dm="rId4" r:lo="rId5" r:qs="rId6" r:cs="rId7"/>
+            <dgm:relIds xmlns:dgm="http://schemas.openxmlformats.org/drawingml/2006/diagram" xmlns:r="http://schemas.openxmlformats.org/officeDocument/2006/relationships" r:dm="rId3" r:lo="rId4" r:qs="rId5" r:cs="rId6"/>
           </a:graphicData>
         </a:graphic>
       </p:graphicFrame>
@@ -34700,7 +34141,7 @@
           <p:nvPr/>
         </p:nvPicPr>
         <p:blipFill rotWithShape="1">
-          <a:blip r:embed="rId3"/>
+          <a:blip r:embed="rId2"/>
           <a:srcRect r="1" b="105"/>
           <a:stretch/>
         </p:blipFill>
@@ -35285,19 +34726,19 @@
         </p:spPr>
         <p:txBody>
           <a:bodyPr anchor="t">
-            <a:noAutofit/>
+            <a:normAutofit fontScale="62500" lnSpcReduction="20000"/>
           </a:bodyPr>
           <a:lstStyle/>
           <a:p>
             <a:r>
-              <a:rPr lang="en-US" sz="2000" b="1" dirty="0">
+              <a:rPr lang="en-US" b="1" dirty="0">
                 <a:solidFill>
                   <a:srgbClr val="E87C42"/>
                 </a:solidFill>
               </a:rPr>
               <a:t>GPS tracking</a:t>
             </a:r>
-            <a:endParaRPr lang="en-US" sz="2000" dirty="0">
+            <a:endParaRPr lang="en-US" dirty="0">
               <a:solidFill>
                 <a:srgbClr val="E87C42"/>
               </a:solidFill>
@@ -35308,20 +34749,20 @@
               <a:buNone/>
             </a:pPr>
             <a:r>
-              <a:rPr lang="en-US" sz="2000" dirty="0"/>
+              <a:rPr lang="en-US" dirty="0"/>
               <a:t>To make the site more accessible to the users, it’s necessary to enable GPS tracking. This technology allows us to find the location of the car and determine the distance to the nearest parking lot.</a:t>
             </a:r>
           </a:p>
           <a:p>
             <a:r>
-              <a:rPr lang="en-US" sz="2000" b="1" dirty="0">
+              <a:rPr lang="en-US" b="1" dirty="0">
                 <a:solidFill>
                   <a:srgbClr val="E87C42"/>
                 </a:solidFill>
               </a:rPr>
               <a:t>Searching</a:t>
             </a:r>
-            <a:endParaRPr lang="en-US" sz="2000" dirty="0">
+            <a:endParaRPr lang="en-US" dirty="0">
               <a:solidFill>
                 <a:srgbClr val="E87C42"/>
               </a:solidFill>
@@ -35332,9 +34773,36 @@
               <a:buNone/>
             </a:pPr>
             <a:r>
-              <a:rPr lang="en-US" sz="2000" dirty="0"/>
-              <a:t>The searching method should be as secure as possible. For instance, the app can offer to find the closest spot in one tap by asking if the user allow as to access their location.</a:t>
+              <a:rPr lang="en-US" dirty="0"/>
+              <a:t>The searching method should be as secure as possible. For instance, the app can offer to find the closest spot in one tap.</a:t>
             </a:r>
+          </a:p>
+          <a:p>
+            <a:r>
+              <a:rPr lang="en-US" b="1" dirty="0">
+                <a:solidFill>
+                  <a:srgbClr val="E87C42"/>
+                </a:solidFill>
+              </a:rPr>
+              <a:t>Heat map</a:t>
+            </a:r>
+            <a:endParaRPr lang="en-US" dirty="0">
+              <a:solidFill>
+                <a:srgbClr val="E87C42"/>
+              </a:solidFill>
+            </a:endParaRPr>
+          </a:p>
+          <a:p>
+            <a:pPr marL="0" indent="0">
+              <a:buNone/>
+            </a:pPr>
+            <a:r>
+              <a:rPr lang="en-US" dirty="0"/>
+              <a:t>The application can determine the most energetic routes in the real-time mode. Based on this information, users can plan for their bookings.</a:t>
+            </a:r>
+          </a:p>
+          <a:p>
+            <a:endParaRPr lang="en-US" sz="1300" dirty="0"/>
           </a:p>
         </p:txBody>
       </p:sp>

--- a/Project 1 for Group2 Parking Site.pptx
+++ b/Project 1 for Group2 Parking Site.pptx
@@ -17,7 +17,7 @@
     <p:sldId id="259" r:id="rId8"/>
     <p:sldId id="269" r:id="rId9"/>
     <p:sldId id="270" r:id="rId10"/>
-    <p:sldId id="271" r:id="rId11"/>
+    <p:sldId id="272" r:id="rId11"/>
     <p:sldId id="260" r:id="rId12"/>
     <p:sldId id="261" r:id="rId13"/>
     <p:sldId id="268" r:id="rId14"/>
@@ -5235,15 +5235,15 @@
 </file>
 
 <file path=ppt/diagrams/colors7.xml><?xml version="1.0" encoding="utf-8"?>
-<dgm:colorsDef xmlns:dgm="http://schemas.openxmlformats.org/drawingml/2006/diagram" xmlns:a="http://schemas.openxmlformats.org/drawingml/2006/main" uniqueId="urn:microsoft.com/office/officeart/2018/5/colors/Iconchunking_neutralicontext_colorful1">
+<dgm:colorsDef xmlns:dgm="http://schemas.openxmlformats.org/drawingml/2006/diagram" xmlns:a="http://schemas.openxmlformats.org/drawingml/2006/main" uniqueId="urn:microsoft.com/office/officeart/2018/5/colors/Iconchunking_neutralicon_accent4_2">
   <dgm:title val=""/>
   <dgm:desc val=""/>
   <dgm:catLst>
-    <dgm:cat type="colorful" pri="10100"/>
+    <dgm:cat type="accent4" pri="14200"/>
   </dgm:catLst>
   <dgm:styleLbl name="node0">
     <dgm:fillClrLst meth="repeat">
-      <a:schemeClr val="accent1"/>
+      <a:schemeClr val="accent4"/>
     </dgm:fillClrLst>
     <dgm:linClrLst meth="repeat">
       <a:schemeClr val="lt1"/>
@@ -5271,18 +5271,10 @@
   </dgm:styleLbl>
   <dgm:styleLbl name="alignNode1">
     <dgm:fillClrLst meth="repeat">
-      <a:schemeClr val="accent2"/>
-      <a:schemeClr val="accent3"/>
       <a:schemeClr val="accent4"/>
-      <a:schemeClr val="accent5"/>
-      <a:schemeClr val="accent6"/>
     </dgm:fillClrLst>
     <dgm:linClrLst meth="repeat">
-      <a:schemeClr val="accent2"/>
-      <a:schemeClr val="accent3"/>
       <a:schemeClr val="accent4"/>
-      <a:schemeClr val="accent5"/>
-      <a:schemeClr val="accent6"/>
     </dgm:linClrLst>
     <dgm:effectClrLst/>
     <dgm:txLinClrLst/>
@@ -5291,11 +5283,7 @@
   </dgm:styleLbl>
   <dgm:styleLbl name="lnNode1">
     <dgm:fillClrLst meth="repeat">
-      <a:schemeClr val="accent2"/>
-      <a:schemeClr val="accent3"/>
       <a:schemeClr val="accent4"/>
-      <a:schemeClr val="accent5"/>
-      <a:schemeClr val="accent6"/>
     </dgm:fillClrLst>
     <dgm:linClrLst meth="repeat">
       <a:schemeClr val="lt1"/>
@@ -5307,21 +5295,9 @@
   </dgm:styleLbl>
   <dgm:styleLbl name="vennNode1">
     <dgm:fillClrLst meth="repeat">
-      <a:schemeClr val="accent2">
-        <a:alpha val="50000"/>
-      </a:schemeClr>
-      <a:schemeClr val="accent3">
-        <a:alpha val="50000"/>
-      </a:schemeClr>
       <a:schemeClr val="accent4">
         <a:alpha val="50000"/>
       </a:schemeClr>
-      <a:schemeClr val="accent5">
-        <a:alpha val="50000"/>
-      </a:schemeClr>
-      <a:schemeClr val="accent6">
-        <a:alpha val="50000"/>
-      </a:schemeClr>
     </dgm:fillClrLst>
     <dgm:linClrLst meth="repeat">
       <a:schemeClr val="lt1"/>
@@ -5332,8 +5308,8 @@
     <dgm:txEffectClrLst/>
   </dgm:styleLbl>
   <dgm:styleLbl name="node2">
-    <dgm:fillClrLst>
-      <a:schemeClr val="accent2"/>
+    <dgm:fillClrLst meth="repeat">
+      <a:schemeClr val="accent4"/>
     </dgm:fillClrLst>
     <dgm:linClrLst meth="repeat">
       <a:schemeClr val="lt1"/>
@@ -5344,8 +5320,8 @@
     <dgm:txEffectClrLst/>
   </dgm:styleLbl>
   <dgm:styleLbl name="node3">
-    <dgm:fillClrLst>
-      <a:schemeClr val="accent3"/>
+    <dgm:fillClrLst meth="repeat">
+      <a:schemeClr val="accent4"/>
     </dgm:fillClrLst>
     <dgm:linClrLst meth="repeat">
       <a:schemeClr val="lt1"/>
@@ -5356,7 +5332,7 @@
     <dgm:txEffectClrLst/>
   </dgm:styleLbl>
   <dgm:styleLbl name="node4">
-    <dgm:fillClrLst>
+    <dgm:fillClrLst meth="repeat">
       <a:schemeClr val="accent4"/>
     </dgm:fillClrLst>
     <dgm:linClrLst meth="repeat">
@@ -5369,19 +5345,7 @@
   </dgm:styleLbl>
   <dgm:styleLbl name="fgImgPlace1">
     <dgm:fillClrLst meth="repeat">
-      <a:schemeClr val="accent2">
-        <a:tint val="50000"/>
-      </a:schemeClr>
-      <a:schemeClr val="accent3">
-        <a:tint val="50000"/>
-      </a:schemeClr>
       <a:schemeClr val="accent4">
-        <a:tint val="50000"/>
-      </a:schemeClr>
-      <a:schemeClr val="accent5">
-        <a:tint val="50000"/>
-      </a:schemeClr>
-      <a:schemeClr val="accent6">
         <a:tint val="50000"/>
       </a:schemeClr>
     </dgm:fillClrLst>
@@ -5396,12 +5360,9 @@
     <dgm:txEffectClrLst/>
   </dgm:styleLbl>
   <dgm:styleLbl name="alignImgPlace1">
-    <dgm:fillClrLst>
-      <a:schemeClr val="accent1">
+    <dgm:fillClrLst meth="repeat">
+      <a:schemeClr val="accent4">
         <a:tint val="50000"/>
-      </a:schemeClr>
-      <a:schemeClr val="accent2">
-        <a:tint val="20000"/>
       </a:schemeClr>
     </dgm:fillClrLst>
     <dgm:linClrLst meth="repeat">
@@ -5415,12 +5376,9 @@
     <dgm:txEffectClrLst/>
   </dgm:styleLbl>
   <dgm:styleLbl name="bgImgPlace1">
-    <dgm:fillClrLst>
-      <a:schemeClr val="accent1">
+    <dgm:fillClrLst meth="repeat">
+      <a:schemeClr val="accent4">
         <a:tint val="50000"/>
-      </a:schemeClr>
-      <a:schemeClr val="accent2">
-        <a:tint val="20000"/>
       </a:schemeClr>
     </dgm:fillClrLst>
     <dgm:linClrLst meth="repeat">
@@ -5435,14 +5393,14 @@
   </dgm:styleLbl>
   <dgm:styleLbl name="sibTrans2D1">
     <dgm:fillClrLst meth="repeat">
-      <a:schemeClr val="accent2"/>
-      <a:schemeClr val="accent3"/>
-      <a:schemeClr val="accent4"/>
-      <a:schemeClr val="accent5"/>
-      <a:schemeClr val="accent6"/>
-    </dgm:fillClrLst>
-    <dgm:linClrLst meth="cycle">
-      <a:schemeClr val="lt1"/>
+      <a:schemeClr val="accent4">
+        <a:tint val="60000"/>
+      </a:schemeClr>
+    </dgm:fillClrLst>
+    <dgm:linClrLst meth="repeat">
+      <a:schemeClr val="accent4">
+        <a:tint val="60000"/>
+      </a:schemeClr>
     </dgm:linClrLst>
     <dgm:effectClrLst/>
     <dgm:txLinClrLst/>
@@ -5451,14 +5409,136 @@
   </dgm:styleLbl>
   <dgm:styleLbl name="fgSibTrans2D1">
     <dgm:fillClrLst meth="repeat">
-      <a:schemeClr val="accent2"/>
-      <a:schemeClr val="accent3"/>
+      <a:schemeClr val="accent4">
+        <a:tint val="60000"/>
+      </a:schemeClr>
+    </dgm:fillClrLst>
+    <dgm:linClrLst meth="repeat">
+      <a:schemeClr val="accent4">
+        <a:tint val="60000"/>
+      </a:schemeClr>
+    </dgm:linClrLst>
+    <dgm:effectClrLst/>
+    <dgm:txLinClrLst/>
+    <dgm:txFillClrLst/>
+    <dgm:txEffectClrLst/>
+  </dgm:styleLbl>
+  <dgm:styleLbl name="bgSibTrans2D1">
+    <dgm:fillClrLst meth="repeat">
+      <a:schemeClr val="accent4">
+        <a:tint val="60000"/>
+      </a:schemeClr>
+    </dgm:fillClrLst>
+    <dgm:linClrLst meth="repeat">
+      <a:schemeClr val="accent4">
+        <a:tint val="60000"/>
+      </a:schemeClr>
+    </dgm:linClrLst>
+    <dgm:effectClrLst/>
+    <dgm:txLinClrLst/>
+    <dgm:txFillClrLst/>
+    <dgm:txEffectClrLst/>
+  </dgm:styleLbl>
+  <dgm:styleLbl name="sibTrans1D1">
+    <dgm:fillClrLst meth="repeat">
       <a:schemeClr val="accent4"/>
-      <a:schemeClr val="accent5"/>
-      <a:schemeClr val="accent6"/>
-    </dgm:fillClrLst>
-    <dgm:linClrLst meth="cycle">
+    </dgm:fillClrLst>
+    <dgm:linClrLst meth="repeat">
+      <a:schemeClr val="accent4"/>
+    </dgm:linClrLst>
+    <dgm:effectClrLst/>
+    <dgm:txLinClrLst/>
+    <dgm:txFillClrLst meth="repeat">
+      <a:schemeClr val="tx1"/>
+    </dgm:txFillClrLst>
+    <dgm:txEffectClrLst/>
+  </dgm:styleLbl>
+  <dgm:styleLbl name="callout">
+    <dgm:fillClrLst meth="repeat">
+      <a:schemeClr val="accent4"/>
+    </dgm:fillClrLst>
+    <dgm:linClrLst meth="repeat">
+      <a:schemeClr val="accent4">
+        <a:tint val="50000"/>
+      </a:schemeClr>
+    </dgm:linClrLst>
+    <dgm:effectClrLst/>
+    <dgm:txLinClrLst/>
+    <dgm:txFillClrLst meth="repeat">
+      <a:schemeClr val="tx1"/>
+    </dgm:txFillClrLst>
+    <dgm:txEffectClrLst/>
+  </dgm:styleLbl>
+  <dgm:styleLbl name="asst0">
+    <dgm:fillClrLst meth="repeat">
+      <a:schemeClr val="accent4"/>
+    </dgm:fillClrLst>
+    <dgm:linClrLst meth="repeat">
       <a:schemeClr val="lt1"/>
+    </dgm:linClrLst>
+    <dgm:effectClrLst/>
+    <dgm:txLinClrLst/>
+    <dgm:txFillClrLst/>
+    <dgm:txEffectClrLst/>
+  </dgm:styleLbl>
+  <dgm:styleLbl name="asst1">
+    <dgm:fillClrLst meth="repeat">
+      <a:schemeClr val="accent4"/>
+    </dgm:fillClrLst>
+    <dgm:linClrLst meth="repeat">
+      <a:schemeClr val="lt1"/>
+    </dgm:linClrLst>
+    <dgm:effectClrLst/>
+    <dgm:txLinClrLst/>
+    <dgm:txFillClrLst/>
+    <dgm:txEffectClrLst/>
+  </dgm:styleLbl>
+  <dgm:styleLbl name="asst2">
+    <dgm:fillClrLst meth="repeat">
+      <a:schemeClr val="accent4"/>
+    </dgm:fillClrLst>
+    <dgm:linClrLst meth="repeat">
+      <a:schemeClr val="lt1"/>
+    </dgm:linClrLst>
+    <dgm:effectClrLst/>
+    <dgm:txLinClrLst/>
+    <dgm:txFillClrLst/>
+    <dgm:txEffectClrLst/>
+  </dgm:styleLbl>
+  <dgm:styleLbl name="asst3">
+    <dgm:fillClrLst meth="repeat">
+      <a:schemeClr val="accent4"/>
+    </dgm:fillClrLst>
+    <dgm:linClrLst meth="repeat">
+      <a:schemeClr val="lt1"/>
+    </dgm:linClrLst>
+    <dgm:effectClrLst/>
+    <dgm:txLinClrLst/>
+    <dgm:txFillClrLst/>
+    <dgm:txEffectClrLst/>
+  </dgm:styleLbl>
+  <dgm:styleLbl name="asst4">
+    <dgm:fillClrLst meth="repeat">
+      <a:schemeClr val="accent4"/>
+    </dgm:fillClrLst>
+    <dgm:linClrLst meth="repeat">
+      <a:schemeClr val="lt1"/>
+    </dgm:linClrLst>
+    <dgm:effectClrLst/>
+    <dgm:txLinClrLst/>
+    <dgm:txFillClrLst/>
+    <dgm:txEffectClrLst/>
+  </dgm:styleLbl>
+  <dgm:styleLbl name="parChTrans2D1">
+    <dgm:fillClrLst meth="repeat">
+      <a:schemeClr val="accent4">
+        <a:tint val="60000"/>
+      </a:schemeClr>
+    </dgm:fillClrLst>
+    <dgm:linClrLst meth="repeat">
+      <a:schemeClr val="accent4">
+        <a:tint val="60000"/>
+      </a:schemeClr>
     </dgm:linClrLst>
     <dgm:effectClrLst/>
     <dgm:txLinClrLst/>
@@ -5467,16 +5547,12 @@
     </dgm:txFillClrLst>
     <dgm:txEffectClrLst/>
   </dgm:styleLbl>
-  <dgm:styleLbl name="bgSibTrans2D1">
+  <dgm:styleLbl name="parChTrans2D2">
     <dgm:fillClrLst meth="repeat">
-      <a:schemeClr val="accent2"/>
-      <a:schemeClr val="accent3"/>
       <a:schemeClr val="accent4"/>
-      <a:schemeClr val="accent5"/>
-      <a:schemeClr val="accent6"/>
-    </dgm:fillClrLst>
-    <dgm:linClrLst meth="cycle">
-      <a:schemeClr val="lt1"/>
+    </dgm:fillClrLst>
+    <dgm:linClrLst meth="repeat">
+      <a:schemeClr val="accent4"/>
     </dgm:linClrLst>
     <dgm:effectClrLst/>
     <dgm:txLinClrLst/>
@@ -5485,20 +5561,42 @@
     </dgm:txFillClrLst>
     <dgm:txEffectClrLst/>
   </dgm:styleLbl>
-  <dgm:styleLbl name="sibTrans1D1">
+  <dgm:styleLbl name="parChTrans2D3">
     <dgm:fillClrLst meth="repeat">
-      <a:schemeClr val="accent2"/>
-      <a:schemeClr val="accent3"/>
       <a:schemeClr val="accent4"/>
-      <a:schemeClr val="accent5"/>
-      <a:schemeClr val="accent6"/>
     </dgm:fillClrLst>
     <dgm:linClrLst meth="repeat">
-      <a:schemeClr val="accent2"/>
-      <a:schemeClr val="accent3"/>
       <a:schemeClr val="accent4"/>
-      <a:schemeClr val="accent5"/>
-      <a:schemeClr val="accent6"/>
+    </dgm:linClrLst>
+    <dgm:effectClrLst/>
+    <dgm:txLinClrLst/>
+    <dgm:txFillClrLst meth="repeat">
+      <a:schemeClr val="lt1"/>
+    </dgm:txFillClrLst>
+    <dgm:txEffectClrLst/>
+  </dgm:styleLbl>
+  <dgm:styleLbl name="parChTrans2D4">
+    <dgm:fillClrLst meth="repeat">
+      <a:schemeClr val="accent4"/>
+    </dgm:fillClrLst>
+    <dgm:linClrLst meth="repeat">
+      <a:schemeClr val="accent4"/>
+    </dgm:linClrLst>
+    <dgm:effectClrLst/>
+    <dgm:txLinClrLst/>
+    <dgm:txFillClrLst meth="repeat">
+      <a:schemeClr val="lt1"/>
+    </dgm:txFillClrLst>
+    <dgm:txEffectClrLst/>
+  </dgm:styleLbl>
+  <dgm:styleLbl name="parChTrans1D1">
+    <dgm:fillClrLst meth="repeat">
+      <a:schemeClr val="accent4"/>
+    </dgm:fillClrLst>
+    <dgm:linClrLst meth="repeat">
+      <a:schemeClr val="accent4">
+        <a:shade val="60000"/>
+      </a:schemeClr>
     </dgm:linClrLst>
     <dgm:effectClrLst/>
     <dgm:txLinClrLst/>
@@ -5507,13 +5605,13 @@
     </dgm:txFillClrLst>
     <dgm:txEffectClrLst/>
   </dgm:styleLbl>
-  <dgm:styleLbl name="callout">
+  <dgm:styleLbl name="parChTrans1D2">
     <dgm:fillClrLst meth="repeat">
-      <a:schemeClr val="accent2"/>
+      <a:schemeClr val="accent4"/>
     </dgm:fillClrLst>
     <dgm:linClrLst meth="repeat">
-      <a:schemeClr val="accent2">
-        <a:tint val="50000"/>
+      <a:schemeClr val="accent4">
+        <a:shade val="60000"/>
       </a:schemeClr>
     </dgm:linClrLst>
     <dgm:effectClrLst/>
@@ -5523,124 +5621,14 @@
     </dgm:txFillClrLst>
     <dgm:txEffectClrLst/>
   </dgm:styleLbl>
-  <dgm:styleLbl name="asst0">
-    <dgm:fillClrLst meth="repeat">
-      <a:schemeClr val="accent1"/>
-    </dgm:fillClrLst>
-    <dgm:linClrLst meth="repeat">
-      <a:schemeClr val="lt1"/>
-    </dgm:linClrLst>
-    <dgm:effectClrLst/>
-    <dgm:txLinClrLst/>
-    <dgm:txFillClrLst/>
-    <dgm:txEffectClrLst/>
-  </dgm:styleLbl>
-  <dgm:styleLbl name="asst1">
-    <dgm:fillClrLst meth="repeat">
-      <a:schemeClr val="accent2"/>
-    </dgm:fillClrLst>
-    <dgm:linClrLst meth="repeat">
-      <a:schemeClr val="lt1"/>
-    </dgm:linClrLst>
-    <dgm:effectClrLst/>
-    <dgm:txLinClrLst/>
-    <dgm:txFillClrLst/>
-    <dgm:txEffectClrLst/>
-  </dgm:styleLbl>
-  <dgm:styleLbl name="asst2">
-    <dgm:fillClrLst>
-      <a:schemeClr val="accent3"/>
-    </dgm:fillClrLst>
-    <dgm:linClrLst meth="repeat">
-      <a:schemeClr val="lt1"/>
-    </dgm:linClrLst>
-    <dgm:effectClrLst/>
-    <dgm:txLinClrLst/>
-    <dgm:txFillClrLst/>
-    <dgm:txEffectClrLst/>
-  </dgm:styleLbl>
-  <dgm:styleLbl name="asst3">
-    <dgm:fillClrLst>
-      <a:schemeClr val="accent4"/>
-    </dgm:fillClrLst>
-    <dgm:linClrLst meth="repeat">
-      <a:schemeClr val="lt1"/>
-    </dgm:linClrLst>
-    <dgm:effectClrLst/>
-    <dgm:txLinClrLst/>
-    <dgm:txFillClrLst/>
-    <dgm:txEffectClrLst/>
-  </dgm:styleLbl>
-  <dgm:styleLbl name="asst4">
-    <dgm:fillClrLst>
-      <a:schemeClr val="accent5"/>
-    </dgm:fillClrLst>
-    <dgm:linClrLst meth="repeat">
-      <a:schemeClr val="lt1"/>
-    </dgm:linClrLst>
-    <dgm:effectClrLst/>
-    <dgm:txLinClrLst/>
-    <dgm:txFillClrLst/>
-    <dgm:txEffectClrLst/>
-  </dgm:styleLbl>
-  <dgm:styleLbl name="parChTrans2D1">
-    <dgm:fillClrLst meth="repeat">
-      <a:schemeClr val="accent2"/>
-    </dgm:fillClrLst>
-    <dgm:linClrLst meth="repeat">
-      <a:schemeClr val="lt1"/>
-    </dgm:linClrLst>
-    <dgm:effectClrLst/>
-    <dgm:txLinClrLst/>
-    <dgm:txFillClrLst meth="repeat">
-      <a:schemeClr val="lt1"/>
-    </dgm:txFillClrLst>
-    <dgm:txEffectClrLst/>
-  </dgm:styleLbl>
-  <dgm:styleLbl name="parChTrans2D2">
-    <dgm:fillClrLst meth="repeat">
-      <a:schemeClr val="accent3"/>
-    </dgm:fillClrLst>
-    <dgm:linClrLst meth="repeat">
-      <a:schemeClr val="lt1"/>
-    </dgm:linClrLst>
-    <dgm:effectClrLst/>
-    <dgm:txLinClrLst/>
-    <dgm:txFillClrLst/>
-    <dgm:txEffectClrLst/>
-  </dgm:styleLbl>
-  <dgm:styleLbl name="parChTrans2D3">
+  <dgm:styleLbl name="parChTrans1D3">
     <dgm:fillClrLst meth="repeat">
       <a:schemeClr val="accent4"/>
     </dgm:fillClrLst>
     <dgm:linClrLst meth="repeat">
-      <a:schemeClr val="lt1"/>
-    </dgm:linClrLst>
-    <dgm:effectClrLst/>
-    <dgm:txLinClrLst/>
-    <dgm:txFillClrLst/>
-    <dgm:txEffectClrLst/>
-  </dgm:styleLbl>
-  <dgm:styleLbl name="parChTrans2D4">
-    <dgm:fillClrLst meth="repeat">
-      <a:schemeClr val="accent5"/>
-    </dgm:fillClrLst>
-    <dgm:linClrLst meth="repeat">
-      <a:schemeClr val="lt1"/>
-    </dgm:linClrLst>
-    <dgm:effectClrLst/>
-    <dgm:txLinClrLst/>
-    <dgm:txFillClrLst meth="repeat">
-      <a:schemeClr val="lt1"/>
-    </dgm:txFillClrLst>
-    <dgm:txEffectClrLst/>
-  </dgm:styleLbl>
-  <dgm:styleLbl name="parChTrans1D1">
-    <dgm:fillClrLst meth="repeat">
-      <a:schemeClr val="accent2"/>
-    </dgm:fillClrLst>
-    <dgm:linClrLst meth="repeat">
-      <a:schemeClr val="accent1"/>
+      <a:schemeClr val="accent4">
+        <a:shade val="80000"/>
+      </a:schemeClr>
     </dgm:linClrLst>
     <dgm:effectClrLst/>
     <dgm:txLinClrLst/>
@@ -5649,46 +5637,14 @@
     </dgm:txFillClrLst>
     <dgm:txEffectClrLst/>
   </dgm:styleLbl>
-  <dgm:styleLbl name="parChTrans1D2">
-    <dgm:fillClrLst meth="repeat">
-      <a:schemeClr val="accent3">
-        <a:tint val="90000"/>
-      </a:schemeClr>
-    </dgm:fillClrLst>
-    <dgm:linClrLst meth="repeat">
-      <a:schemeClr val="accent2"/>
-    </dgm:linClrLst>
-    <dgm:effectClrLst/>
-    <dgm:txLinClrLst/>
-    <dgm:txFillClrLst meth="repeat">
-      <a:schemeClr val="tx1"/>
-    </dgm:txFillClrLst>
-    <dgm:txEffectClrLst/>
-  </dgm:styleLbl>
-  <dgm:styleLbl name="parChTrans1D3">
-    <dgm:fillClrLst meth="repeat">
-      <a:schemeClr val="accent4">
-        <a:tint val="70000"/>
-      </a:schemeClr>
-    </dgm:fillClrLst>
-    <dgm:linClrLst meth="repeat">
-      <a:schemeClr val="accent3"/>
-    </dgm:linClrLst>
-    <dgm:effectClrLst/>
-    <dgm:txLinClrLst/>
-    <dgm:txFillClrLst meth="repeat">
-      <a:schemeClr val="tx1"/>
-    </dgm:txFillClrLst>
-    <dgm:txEffectClrLst/>
-  </dgm:styleLbl>
   <dgm:styleLbl name="parChTrans1D4">
     <dgm:fillClrLst meth="repeat">
-      <a:schemeClr val="accent5">
-        <a:tint val="50000"/>
-      </a:schemeClr>
+      <a:schemeClr val="accent4"/>
     </dgm:fillClrLst>
     <dgm:linClrLst meth="repeat">
-      <a:schemeClr val="accent4"/>
+      <a:schemeClr val="accent4">
+        <a:shade val="80000"/>
+      </a:schemeClr>
     </dgm:linClrLst>
     <dgm:effectClrLst/>
     <dgm:txLinClrLst/>
@@ -5704,11 +5660,7 @@
       </a:schemeClr>
     </dgm:fillClrLst>
     <dgm:linClrLst meth="repeat">
-      <a:schemeClr val="accent2"/>
-      <a:schemeClr val="accent3"/>
       <a:schemeClr val="accent4"/>
-      <a:schemeClr val="accent5"/>
-      <a:schemeClr val="accent6"/>
     </dgm:linClrLst>
     <dgm:effectClrLst/>
     <dgm:txLinClrLst/>
@@ -5724,11 +5676,7 @@
       </a:schemeClr>
     </dgm:fillClrLst>
     <dgm:linClrLst meth="repeat">
-      <a:schemeClr val="accent2"/>
-      <a:schemeClr val="accent3"/>
       <a:schemeClr val="accent4"/>
-      <a:schemeClr val="accent5"/>
-      <a:schemeClr val="accent6"/>
     </dgm:linClrLst>
     <dgm:effectClrLst/>
     <dgm:txLinClrLst/>
@@ -5744,11 +5692,7 @@
       </a:schemeClr>
     </dgm:fillClrLst>
     <dgm:linClrLst meth="repeat">
-      <a:schemeClr val="accent2"/>
-      <a:schemeClr val="accent3"/>
       <a:schemeClr val="accent4"/>
-      <a:schemeClr val="accent5"/>
-      <a:schemeClr val="accent6"/>
     </dgm:linClrLst>
     <dgm:effectClrLst/>
     <dgm:txLinClrLst/>
@@ -5764,7 +5708,7 @@
       </a:schemeClr>
     </dgm:fillClrLst>
     <dgm:linClrLst meth="repeat">
-      <a:schemeClr val="accent1"/>
+      <a:schemeClr val="accent4"/>
     </dgm:linClrLst>
     <dgm:effectClrLst/>
     <dgm:txLinClrLst/>
@@ -5780,11 +5724,7 @@
       </a:schemeClr>
     </dgm:fillClrLst>
     <dgm:linClrLst meth="repeat">
-      <a:schemeClr val="accent2"/>
-      <a:schemeClr val="accent3"/>
       <a:schemeClr val="accent4"/>
-      <a:schemeClr val="accent5"/>
-      <a:schemeClr val="accent6"/>
     </dgm:linClrLst>
     <dgm:effectClrLst/>
     <dgm:txLinClrLst/>
@@ -5798,11 +5738,7 @@
       <a:schemeClr val="lt1"/>
     </dgm:fillClrLst>
     <dgm:linClrLst meth="repeat">
-      <a:schemeClr val="accent2"/>
-      <a:schemeClr val="accent3"/>
       <a:schemeClr val="accent4"/>
-      <a:schemeClr val="accent5"/>
-      <a:schemeClr val="accent6"/>
     </dgm:linClrLst>
     <dgm:effectClrLst/>
     <dgm:txLinClrLst/>
@@ -5816,11 +5752,7 @@
       <a:schemeClr val="lt1"/>
     </dgm:fillClrLst>
     <dgm:linClrLst meth="repeat">
-      <a:schemeClr val="accent2"/>
-      <a:schemeClr val="accent3"/>
       <a:schemeClr val="accent4"/>
-      <a:schemeClr val="accent5"/>
-      <a:schemeClr val="accent6"/>
     </dgm:linClrLst>
     <dgm:effectClrLst/>
     <dgm:txLinClrLst/>
@@ -5834,11 +5766,7 @@
       <a:schemeClr val="lt1"/>
     </dgm:fillClrLst>
     <dgm:linClrLst meth="repeat">
-      <a:schemeClr val="accent2"/>
-      <a:schemeClr val="accent3"/>
       <a:schemeClr val="accent4"/>
-      <a:schemeClr val="accent5"/>
-      <a:schemeClr val="accent6"/>
     </dgm:linClrLst>
     <dgm:effectClrLst/>
     <dgm:txLinClrLst/>
@@ -5849,47 +5777,15 @@
   </dgm:styleLbl>
   <dgm:styleLbl name="fgAccFollowNode1">
     <dgm:fillClrLst meth="repeat">
-      <a:schemeClr val="accent2">
+      <a:schemeClr val="accent4">
+        <a:alpha val="90000"/>
         <a:tint val="40000"/>
+      </a:schemeClr>
+    </dgm:fillClrLst>
+    <dgm:linClrLst meth="repeat">
+      <a:schemeClr val="accent4">
         <a:alpha val="90000"/>
-      </a:schemeClr>
-      <a:schemeClr val="accent3">
         <a:tint val="40000"/>
-        <a:alpha val="90000"/>
-      </a:schemeClr>
-      <a:schemeClr val="accent4">
-        <a:tint val="40000"/>
-        <a:alpha val="90000"/>
-      </a:schemeClr>
-      <a:schemeClr val="accent5">
-        <a:tint val="40000"/>
-        <a:alpha val="90000"/>
-      </a:schemeClr>
-      <a:schemeClr val="accent6">
-        <a:tint val="40000"/>
-        <a:alpha val="90000"/>
-      </a:schemeClr>
-    </dgm:fillClrLst>
-    <dgm:linClrLst meth="repeat">
-      <a:schemeClr val="accent2">
-        <a:tint val="40000"/>
-        <a:alpha val="90000"/>
-      </a:schemeClr>
-      <a:schemeClr val="accent3">
-        <a:tint val="40000"/>
-        <a:alpha val="90000"/>
-      </a:schemeClr>
-      <a:schemeClr val="accent4">
-        <a:tint val="40000"/>
-        <a:alpha val="90000"/>
-      </a:schemeClr>
-      <a:schemeClr val="accent5">
-        <a:tint val="40000"/>
-        <a:alpha val="90000"/>
-      </a:schemeClr>
-      <a:schemeClr val="accent6">
-        <a:tint val="40000"/>
-        <a:alpha val="90000"/>
       </a:schemeClr>
     </dgm:linClrLst>
     <dgm:effectClrLst/>
@@ -5901,47 +5797,15 @@
   </dgm:styleLbl>
   <dgm:styleLbl name="alignAccFollowNode1">
     <dgm:fillClrLst meth="repeat">
-      <a:schemeClr val="accent2">
+      <a:schemeClr val="accent4">
+        <a:alpha val="90000"/>
         <a:tint val="40000"/>
+      </a:schemeClr>
+    </dgm:fillClrLst>
+    <dgm:linClrLst meth="repeat">
+      <a:schemeClr val="accent4">
         <a:alpha val="90000"/>
-      </a:schemeClr>
-      <a:schemeClr val="accent3">
         <a:tint val="40000"/>
-        <a:alpha val="90000"/>
-      </a:schemeClr>
-      <a:schemeClr val="accent4">
-        <a:tint val="40000"/>
-        <a:alpha val="90000"/>
-      </a:schemeClr>
-      <a:schemeClr val="accent5">
-        <a:tint val="40000"/>
-        <a:alpha val="90000"/>
-      </a:schemeClr>
-      <a:schemeClr val="accent6">
-        <a:tint val="40000"/>
-        <a:alpha val="90000"/>
-      </a:schemeClr>
-    </dgm:fillClrLst>
-    <dgm:linClrLst meth="repeat">
-      <a:schemeClr val="accent2">
-        <a:tint val="40000"/>
-        <a:alpha val="90000"/>
-      </a:schemeClr>
-      <a:schemeClr val="accent3">
-        <a:tint val="40000"/>
-        <a:alpha val="90000"/>
-      </a:schemeClr>
-      <a:schemeClr val="accent4">
-        <a:tint val="40000"/>
-        <a:alpha val="90000"/>
-      </a:schemeClr>
-      <a:schemeClr val="accent5">
-        <a:tint val="40000"/>
-        <a:alpha val="90000"/>
-      </a:schemeClr>
-      <a:schemeClr val="accent6">
-        <a:tint val="40000"/>
-        <a:alpha val="90000"/>
       </a:schemeClr>
     </dgm:linClrLst>
     <dgm:effectClrLst/>
@@ -5953,47 +5817,15 @@
   </dgm:styleLbl>
   <dgm:styleLbl name="bgAccFollowNode1">
     <dgm:fillClrLst meth="repeat">
-      <a:schemeClr val="accent2">
+      <a:schemeClr val="accent4">
+        <a:alpha val="90000"/>
         <a:tint val="40000"/>
+      </a:schemeClr>
+    </dgm:fillClrLst>
+    <dgm:linClrLst meth="repeat">
+      <a:schemeClr val="accent4">
         <a:alpha val="90000"/>
-      </a:schemeClr>
-      <a:schemeClr val="accent3">
         <a:tint val="40000"/>
-        <a:alpha val="90000"/>
-      </a:schemeClr>
-      <a:schemeClr val="accent4">
-        <a:tint val="40000"/>
-        <a:alpha val="90000"/>
-      </a:schemeClr>
-      <a:schemeClr val="accent5">
-        <a:tint val="40000"/>
-        <a:alpha val="90000"/>
-      </a:schemeClr>
-      <a:schemeClr val="accent6">
-        <a:tint val="40000"/>
-        <a:alpha val="90000"/>
-      </a:schemeClr>
-    </dgm:fillClrLst>
-    <dgm:linClrLst meth="repeat">
-      <a:schemeClr val="accent2">
-        <a:tint val="40000"/>
-        <a:alpha val="90000"/>
-      </a:schemeClr>
-      <a:schemeClr val="accent3">
-        <a:tint val="40000"/>
-        <a:alpha val="90000"/>
-      </a:schemeClr>
-      <a:schemeClr val="accent4">
-        <a:tint val="40000"/>
-        <a:alpha val="90000"/>
-      </a:schemeClr>
-      <a:schemeClr val="accent5">
-        <a:tint val="40000"/>
-        <a:alpha val="90000"/>
-      </a:schemeClr>
-      <a:schemeClr val="accent6">
-        <a:tint val="40000"/>
-        <a:alpha val="90000"/>
       </a:schemeClr>
     </dgm:linClrLst>
     <dgm:effectClrLst/>
@@ -6009,8 +5841,8 @@
         <a:alpha val="90000"/>
       </a:schemeClr>
     </dgm:fillClrLst>
-    <dgm:linClrLst>
-      <a:schemeClr val="accent1"/>
+    <dgm:linClrLst meth="repeat">
+      <a:schemeClr val="accent4"/>
     </dgm:linClrLst>
     <dgm:effectClrLst/>
     <dgm:txLinClrLst/>
@@ -6025,8 +5857,8 @@
         <a:alpha val="90000"/>
       </a:schemeClr>
     </dgm:fillClrLst>
-    <dgm:linClrLst>
-      <a:schemeClr val="accent2"/>
+    <dgm:linClrLst meth="repeat">
+      <a:schemeClr val="accent4"/>
     </dgm:linClrLst>
     <dgm:effectClrLst/>
     <dgm:txLinClrLst/>
@@ -6041,8 +5873,8 @@
         <a:alpha val="90000"/>
       </a:schemeClr>
     </dgm:fillClrLst>
-    <dgm:linClrLst>
-      <a:schemeClr val="accent3"/>
+    <dgm:linClrLst meth="repeat">
+      <a:schemeClr val="accent4"/>
     </dgm:linClrLst>
     <dgm:effectClrLst/>
     <dgm:txLinClrLst/>
@@ -6057,7 +5889,7 @@
         <a:alpha val="90000"/>
       </a:schemeClr>
     </dgm:fillClrLst>
-    <dgm:linClrLst>
+    <dgm:linClrLst meth="repeat">
       <a:schemeClr val="accent4"/>
     </dgm:linClrLst>
     <dgm:effectClrLst/>
@@ -6069,11 +5901,7 @@
   </dgm:styleLbl>
   <dgm:styleLbl name="bgShp">
     <dgm:fillClrLst meth="repeat">
-      <a:schemeClr val="accent2"/>
-      <a:schemeClr val="accent3"/>
       <a:schemeClr val="accent4"/>
-      <a:schemeClr val="accent5"/>
-      <a:schemeClr val="accent6"/>
     </dgm:fillClrLst>
     <dgm:linClrLst meth="repeat">
       <a:schemeClr val="lt1">
@@ -6087,12 +5915,12 @@
   </dgm:styleLbl>
   <dgm:styleLbl name="dkBgShp">
     <dgm:fillClrLst meth="repeat">
-      <a:schemeClr val="accent2">
-        <a:shade val="90000"/>
+      <a:schemeClr val="accent4">
+        <a:shade val="80000"/>
       </a:schemeClr>
     </dgm:fillClrLst>
     <dgm:linClrLst meth="repeat">
-      <a:schemeClr val="dk1"/>
+      <a:schemeClr val="accent4"/>
     </dgm:linClrLst>
     <dgm:effectClrLst/>
     <dgm:txLinClrLst/>
@@ -6103,13 +5931,13 @@
   </dgm:styleLbl>
   <dgm:styleLbl name="trBgShp">
     <dgm:fillClrLst meth="repeat">
-      <a:schemeClr val="accent1">
+      <a:schemeClr val="accent4">
         <a:tint val="50000"/>
         <a:alpha val="40000"/>
       </a:schemeClr>
     </dgm:fillClrLst>
     <dgm:linClrLst meth="repeat">
-      <a:schemeClr val="accent2"/>
+      <a:schemeClr val="accent4"/>
     </dgm:linClrLst>
     <dgm:effectClrLst/>
     <dgm:txLinClrLst/>
@@ -6120,8 +5948,8 @@
   </dgm:styleLbl>
   <dgm:styleLbl name="fgShp">
     <dgm:fillClrLst meth="repeat">
-      <a:schemeClr val="accent2">
-        <a:tint val="40000"/>
+      <a:schemeClr val="accent4">
+        <a:tint val="60000"/>
       </a:schemeClr>
     </dgm:fillClrLst>
     <dgm:linClrLst meth="repeat">
@@ -6148,7 +5976,7 @@
     <dgm:effectClrLst/>
     <dgm:txLinClrLst/>
     <dgm:txFillClrLst meth="repeat">
-      <a:schemeClr val="bg1"/>
+      <a:schemeClr val="tx1"/>
     </dgm:txFillClrLst>
     <dgm:txEffectClrLst/>
   </dgm:styleLbl>
@@ -7102,7 +6930,7 @@
             <a:rPr lang="en-US" b="0" i="0" dirty="0">
               <a:latin typeface="+mn-lt"/>
             </a:rPr>
-            <a:t>Park Me is an all-in-one app to take the stress out of finding a place to park in 3 easy steps. Sign up for a completely free account, find a spot closest to where you need to go, and check in to your chosen garage.</a:t>
+            <a:t>Park Me is an all-in-one Site to take the stress out of finding a place to park in 3 easy steps. Sign up for a completely free account, find a spot closest to where you need to go, and check in to your chosen garage.</a:t>
           </a:r>
           <a:endParaRPr lang="en-US" dirty="0">
             <a:latin typeface="+mn-lt"/>
@@ -7273,7 +7101,7 @@
   <dgm:whole/>
   <dgm:extLst>
     <a:ext uri="http://schemas.microsoft.com/office/drawing/2008/diagram">
-      <dsp:dataModelExt xmlns:dsp="http://schemas.microsoft.com/office/drawing/2008/diagram" relId="rId8" minVer="http://schemas.openxmlformats.org/drawingml/2006/diagram"/>
+      <dsp:dataModelExt xmlns:dsp="http://schemas.microsoft.com/office/drawing/2008/diagram" relId="rId9" minVer="http://schemas.openxmlformats.org/drawingml/2006/diagram"/>
     </a:ext>
   </dgm:extLst>
 </dgm:dataModel>
@@ -7302,7 +7130,7 @@
         <a:p>
           <a:r>
             <a:rPr lang="en-US" dirty="0"/>
-            <a:t>The car owner enters their location on the website and books a spot. When he reaches the parking lot, a sensor will read the license plate and feed it in the database to save his place on the site. The site will then guide the owner to the dedicated spot. </a:t>
+            <a:t>The car owner enters their location on the website. When he reaches the parking lot, a sensor will read the license plate and feed it in the database to save his place on the site “Future”. The site will then guide the owner to the dedicated spot. </a:t>
           </a:r>
         </a:p>
       </dgm:t>
@@ -7342,7 +7170,7 @@
           </a:r>
           <a:r>
             <a:rPr lang="en-US" dirty="0"/>
-            <a:t> fee is free, as we just started.</a:t>
+            <a:t> fee is free, as we just started. For Future, we will be able to add various of payment methods.</a:t>
           </a:r>
         </a:p>
       </dgm:t>
@@ -7378,7 +7206,7 @@
         <a:p>
           <a:r>
             <a:rPr lang="en-US" dirty="0"/>
-            <a:t>With the Park Me site, you will find available parking spots that are ideally located. The Park Me site gives you a perfect overview of parking spots close to your destination. Parking Finder not only saves you time but allows you to plan every trip with ease and confidence.</a:t>
+            <a:t>With the Park Me site, you will find available parking spots that are ideally located. The Park Me site gives you a perfect overview of parking spots close to your destination. Parking Me not only saves you time but allows you to plan every trip with ease and confidence.</a:t>
           </a:r>
         </a:p>
       </dgm:t>
@@ -7697,7 +7525,7 @@
   <dgm:whole/>
   <dgm:extLst>
     <a:ext uri="http://schemas.microsoft.com/office/drawing/2008/diagram">
-      <dsp:dataModelExt xmlns:dsp="http://schemas.microsoft.com/office/drawing/2008/diagram" relId="rId6" minVer="http://schemas.openxmlformats.org/drawingml/2006/diagram"/>
+      <dsp:dataModelExt xmlns:dsp="http://schemas.microsoft.com/office/drawing/2008/diagram" relId="rId7" minVer="http://schemas.openxmlformats.org/drawingml/2006/diagram"/>
     </a:ext>
   </dgm:extLst>
 </dgm:dataModel>
@@ -7707,7 +7535,7 @@
 <dgm:dataModel xmlns:dgm="http://schemas.openxmlformats.org/drawingml/2006/diagram" xmlns:a="http://schemas.openxmlformats.org/drawingml/2006/main">
   <dgm:ptLst>
     <dgm:pt modelId="{48794357-102F-41FD-819E-EB7D203661BE}" type="doc">
-      <dgm:prSet loTypeId="urn:microsoft.com/office/officeart/2005/8/layout/process1" loCatId="process" qsTypeId="urn:microsoft.com/office/officeart/2005/8/quickstyle/simple1" qsCatId="simple" csTypeId="urn:microsoft.com/office/officeart/2005/8/colors/colorful1" csCatId="colorful"/>
+      <dgm:prSet loTypeId="urn:microsoft.com/office/officeart/2005/8/layout/process1" loCatId="process" qsTypeId="urn:microsoft.com/office/officeart/2005/8/quickstyle/simple1" qsCatId="simple" csTypeId="urn:microsoft.com/office/officeart/2005/8/colors/colorful1" csCatId="colorful" phldr="1"/>
       <dgm:spPr/>
       <dgm:t>
         <a:bodyPr/>
@@ -7762,7 +7590,7 @@
         <a:p>
           <a:r>
             <a:rPr lang="en-US" dirty="0"/>
-            <a:t>Luckily, the modern IT industry can implement a solution. Parking apps and sites like our Parking Finder site bring relief to residents since they save time and nerves. The fundamental function of such applications is obtaining and booking free places nearby. </a:t>
+            <a:t>Luckily, the modern IT industry can implement a solution. Parking apps and sites like our Park Me site bring relief to residents since they save time and nerves. The fundamental function of such applications is obtaining and booking free places nearby. </a:t>
           </a:r>
         </a:p>
       </dgm:t>
@@ -7899,7 +7727,7 @@
   <dgm:whole/>
   <dgm:extLst>
     <a:ext uri="http://schemas.microsoft.com/office/drawing/2008/diagram">
-      <dsp:dataModelExt xmlns:dsp="http://schemas.microsoft.com/office/drawing/2008/diagram" relId="rId6" minVer="http://schemas.openxmlformats.org/drawingml/2006/diagram"/>
+      <dsp:dataModelExt xmlns:dsp="http://schemas.microsoft.com/office/drawing/2008/diagram" relId="rId7" minVer="http://schemas.openxmlformats.org/drawingml/2006/diagram"/>
     </a:ext>
   </dgm:extLst>
 </dgm:dataModel>
@@ -7928,7 +7756,7 @@
         <a:p>
           <a:r>
             <a:rPr lang="en-US" dirty="0"/>
-            <a:t>We tested the Search Bar as a user to insert your location. We wanted to make it work with an information bar to show up. Also, we want to search for a resource; when we search for support, we wanted to be able to click on the resource that drops down be brought to that page.</a:t>
+            <a:t>We tested the Sign Up as a user to insert the user information. We wanted to make it work with their information. It worked as we wanted thru the Local Storage information thru the site.</a:t>
           </a:r>
         </a:p>
       </dgm:t>
@@ -8000,7 +7828,7 @@
         <a:p>
           <a:r>
             <a:rPr lang="en-US" dirty="0"/>
-            <a:t>on click, the user should be able to search by anything in the title.</a:t>
+            <a:t>on click, the user should be able to see the Register page.</a:t>
           </a:r>
         </a:p>
       </dgm:t>
@@ -8036,7 +7864,7 @@
         <a:p>
           <a:r>
             <a:rPr lang="en-US" dirty="0"/>
-            <a:t>on input of search, options will drop down below search bar.</a:t>
+            <a:t>on Register page , they will see the information needed from they like username, email and Car information. </a:t>
           </a:r>
         </a:p>
       </dgm:t>
@@ -8053,42 +7881,6 @@
       </dgm:t>
     </dgm:pt>
     <dgm:pt modelId="{89A85E16-DAF9-41F3-90BC-4EED9EF1AD39}" type="sibTrans" cxnId="{213337C6-1737-4FD1-996A-B08BE22E6DA9}">
-      <dgm:prSet/>
-      <dgm:spPr/>
-      <dgm:t>
-        <a:bodyPr/>
-        <a:lstStyle/>
-        <a:p>
-          <a:endParaRPr lang="en-US"/>
-        </a:p>
-      </dgm:t>
-    </dgm:pt>
-    <dgm:pt modelId="{5CB204D4-42F2-4AE2-A10A-F3D54D40AAB5}">
-      <dgm:prSet/>
-      <dgm:spPr/>
-      <dgm:t>
-        <a:bodyPr/>
-        <a:lstStyle/>
-        <a:p>
-          <a:r>
-            <a:rPr lang="en-US" dirty="0"/>
-            <a:t>users search criteria will show options having that have similar (tag) or title elements.</a:t>
-          </a:r>
-        </a:p>
-      </dgm:t>
-    </dgm:pt>
-    <dgm:pt modelId="{E1CBA985-64B5-4D46-99EE-4D1C0F50DDE1}" type="parTrans" cxnId="{6220E347-FAF9-4139-B7C5-A9147D4108E4}">
-      <dgm:prSet/>
-      <dgm:spPr/>
-      <dgm:t>
-        <a:bodyPr/>
-        <a:lstStyle/>
-        <a:p>
-          <a:endParaRPr lang="en-US"/>
-        </a:p>
-      </dgm:t>
-    </dgm:pt>
-    <dgm:pt modelId="{259CD7A6-0F10-4602-BE98-74E88414B64B}" type="sibTrans" cxnId="{6220E347-FAF9-4139-B7C5-A9147D4108E4}">
       <dgm:prSet/>
       <dgm:spPr/>
       <dgm:t>
@@ -8144,7 +7936,7 @@
         <a:p>
           <a:r>
             <a:rPr lang="en-US" dirty="0"/>
-            <a:t>when enter is pressed, it will bring them to the first option in the dropdown list.</a:t>
+            <a:t>when the user enter their information, it will bring them to the first option in the website which is the main page or the last page they visited, which means their info have been taken.</a:t>
           </a:r>
         </a:p>
       </dgm:t>
@@ -8171,41 +7963,25 @@
         </a:p>
       </dgm:t>
     </dgm:pt>
-    <dgm:pt modelId="{1658525D-723E-4BD6-93B2-82C9F4B2986F}">
+    <dgm:pt modelId="{CD6B52C5-F4EF-4944-9BC5-B13CB6BEFA01}">
       <dgm:prSet/>
       <dgm:spPr/>
       <dgm:t>
         <a:bodyPr/>
         <a:lstStyle/>
         <a:p>
-          <a:r>
-            <a:rPr lang="en-US" dirty="0"/>
-            <a:t>On click of search options, you will be redirected to a new page containing your search.</a:t>
-          </a:r>
+          <a:pPr rtl="0"/>
+          <a:endParaRPr lang="en-US" dirty="0"/>
         </a:p>
       </dgm:t>
     </dgm:pt>
-    <dgm:pt modelId="{40B8A44A-3A5E-454C-BB47-696C45E1EA48}" type="parTrans" cxnId="{4E11EFE7-5EFE-4468-9D05-0F51A68E1DEB}">
+    <dgm:pt modelId="{8EC5BB51-C8FD-9049-A5F4-3D2CD7A71121}" type="parTrans" cxnId="{7724337F-C3AD-6940-9401-0EF3A35153E0}">
       <dgm:prSet/>
       <dgm:spPr/>
-      <dgm:t>
-        <a:bodyPr/>
-        <a:lstStyle/>
-        <a:p>
-          <a:endParaRPr lang="en-US"/>
-        </a:p>
-      </dgm:t>
     </dgm:pt>
-    <dgm:pt modelId="{30A712F6-99A2-435D-97C5-144AA1CA70A6}" type="sibTrans" cxnId="{4E11EFE7-5EFE-4468-9D05-0F51A68E1DEB}">
+    <dgm:pt modelId="{8138AB1F-191D-554E-8CEE-D801A2C1AC85}" type="sibTrans" cxnId="{7724337F-C3AD-6940-9401-0EF3A35153E0}">
       <dgm:prSet/>
       <dgm:spPr/>
-      <dgm:t>
-        <a:bodyPr/>
-        <a:lstStyle/>
-        <a:p>
-          <a:endParaRPr lang="en-US"/>
-        </a:p>
-      </dgm:t>
     </dgm:pt>
     <dgm:pt modelId="{BB784B5A-8889-3942-B69A-B9979C6AEB2D}" type="pres">
       <dgm:prSet presAssocID="{9256873C-569D-4476-8EF5-5B396A3BD52B}" presName="linear" presStyleCnt="0">
@@ -8230,7 +8006,7 @@
       <dgm:spPr/>
     </dgm:pt>
     <dgm:pt modelId="{882B0C4A-F1A4-094B-B1E0-CB4EA41E184D}" type="pres">
-      <dgm:prSet presAssocID="{3D4EFA91-4BC0-4534-8138-6C59FC8AD664}" presName="parentText" presStyleLbl="node1" presStyleIdx="1" presStyleCnt="3">
+      <dgm:prSet presAssocID="{3D4EFA91-4BC0-4534-8138-6C59FC8AD664}" presName="parentText" presStyleLbl="node1" presStyleIdx="1" presStyleCnt="3" custScaleY="56145">
         <dgm:presLayoutVars>
           <dgm:chMax val="0"/>
           <dgm:bulletEnabled val="1"/>
@@ -8247,7 +8023,7 @@
       <dgm:spPr/>
     </dgm:pt>
     <dgm:pt modelId="{B1D12D49-C0A2-A540-8DEA-64213FC9C517}" type="pres">
-      <dgm:prSet presAssocID="{3C4D56A5-B042-4A94-AE3F-8EF8246A8FD1}" presName="parentText" presStyleLbl="node1" presStyleIdx="2" presStyleCnt="3">
+      <dgm:prSet presAssocID="{3C4D56A5-B042-4A94-AE3F-8EF8246A8FD1}" presName="parentText" presStyleLbl="node1" presStyleIdx="2" presStyleCnt="3" custScaleY="57263">
         <dgm:presLayoutVars>
           <dgm:chMax val="0"/>
           <dgm:bulletEnabled val="1"/>
@@ -8265,21 +8041,19 @@
     </dgm:pt>
   </dgm:ptLst>
   <dgm:cxnLst>
+    <dgm:cxn modelId="{021FCD29-CEE8-C448-B3CE-DDFD6F7502C6}" type="presOf" srcId="{CD6B52C5-F4EF-4944-9BC5-B13CB6BEFA01}" destId="{33A1E495-FE54-8E4D-91D0-6E7E7759EA61}" srcOrd="0" destOrd="1" presId="urn:microsoft.com/office/officeart/2005/8/layout/vList2"/>
     <dgm:cxn modelId="{5D9BC32D-5ABD-6E43-ABEE-AAB3EC9933A0}" type="presOf" srcId="{3C4D56A5-B042-4A94-AE3F-8EF8246A8FD1}" destId="{B1D12D49-C0A2-A540-8DEA-64213FC9C517}" srcOrd="0" destOrd="0" presId="urn:microsoft.com/office/officeart/2005/8/layout/vList2"/>
-    <dgm:cxn modelId="{1BA34234-73FE-1646-88D8-2378BDD8F4F4}" type="presOf" srcId="{5CB204D4-42F2-4AE2-A10A-F3D54D40AAB5}" destId="{A3FB1F71-C11D-2741-8750-883CA1466F73}" srcOrd="0" destOrd="2" presId="urn:microsoft.com/office/officeart/2005/8/layout/vList2"/>
     <dgm:cxn modelId="{76629B3A-78E5-4F92-8A65-97C96297FA44}" srcId="{3D4EFA91-4BC0-4534-8138-6C59FC8AD664}" destId="{FDF86148-FD33-42D2-9486-39613670B153}" srcOrd="0" destOrd="0" parTransId="{C7DA06DA-3E3C-4FA0-A749-E9CB4431D3B9}" sibTransId="{75E3D11F-9363-4AFA-9FBE-5040FF9F4E7F}"/>
-    <dgm:cxn modelId="{6220E347-FAF9-4139-B7C5-A9147D4108E4}" srcId="{3D4EFA91-4BC0-4534-8138-6C59FC8AD664}" destId="{5CB204D4-42F2-4AE2-A10A-F3D54D40AAB5}" srcOrd="2" destOrd="0" parTransId="{E1CBA985-64B5-4D46-99EE-4D1C0F50DDE1}" sibTransId="{259CD7A6-0F10-4602-BE98-74E88414B64B}"/>
     <dgm:cxn modelId="{76880B48-6D16-F441-8998-9AADADF57587}" type="presOf" srcId="{A760A211-6461-417C-8D97-6D0BC9B6AA34}" destId="{A3FB1F71-C11D-2741-8750-883CA1466F73}" srcOrd="0" destOrd="1" presId="urn:microsoft.com/office/officeart/2005/8/layout/vList2"/>
     <dgm:cxn modelId="{8EB40B4A-268B-46F7-94AF-33139563AC2A}" srcId="{9256873C-569D-4476-8EF5-5B396A3BD52B}" destId="{3D4EFA91-4BC0-4534-8138-6C59FC8AD664}" srcOrd="1" destOrd="0" parTransId="{96099F48-22A4-452A-ADCC-76CACACFE84E}" sibTransId="{FE4C70E5-0856-4DC5-9A12-06E8382A9834}"/>
     <dgm:cxn modelId="{A40C1A5C-2381-9443-B5F7-3AAD6C8ADE40}" type="presOf" srcId="{3D4EFA91-4BC0-4534-8138-6C59FC8AD664}" destId="{882B0C4A-F1A4-094B-B1E0-CB4EA41E184D}" srcOrd="0" destOrd="0" presId="urn:microsoft.com/office/officeart/2005/8/layout/vList2"/>
     <dgm:cxn modelId="{350E2F60-A963-724C-AFEA-708F537E81BA}" type="presOf" srcId="{9256873C-569D-4476-8EF5-5B396A3BD52B}" destId="{BB784B5A-8889-3942-B69A-B9979C6AEB2D}" srcOrd="0" destOrd="0" presId="urn:microsoft.com/office/officeart/2005/8/layout/vList2"/>
     <dgm:cxn modelId="{9DDD326E-500B-464A-8CF2-8767B039407B}" type="presOf" srcId="{E841C8F1-BEA9-497F-AA58-493FE1E2B5CD}" destId="{6D687261-6895-DF4C-8628-C1FB21F103CB}" srcOrd="0" destOrd="0" presId="urn:microsoft.com/office/officeart/2005/8/layout/vList2"/>
-    <dgm:cxn modelId="{D00EF17E-501D-8646-A038-EFE21EF4404C}" type="presOf" srcId="{1658525D-723E-4BD6-93B2-82C9F4B2986F}" destId="{33A1E495-FE54-8E4D-91D0-6E7E7759EA61}" srcOrd="0" destOrd="1" presId="urn:microsoft.com/office/officeart/2005/8/layout/vList2"/>
+    <dgm:cxn modelId="{7724337F-C3AD-6940-9401-0EF3A35153E0}" srcId="{3C4D56A5-B042-4A94-AE3F-8EF8246A8FD1}" destId="{CD6B52C5-F4EF-4944-9BC5-B13CB6BEFA01}" srcOrd="1" destOrd="0" parTransId="{8EC5BB51-C8FD-9049-A5F4-3D2CD7A71121}" sibTransId="{8138AB1F-191D-554E-8CEE-D801A2C1AC85}"/>
     <dgm:cxn modelId="{3EED9D83-F7EF-D44C-90A2-172BB713A6FB}" type="presOf" srcId="{9F60FACF-13BC-4DA5-8788-4781C67D7C3A}" destId="{33A1E495-FE54-8E4D-91D0-6E7E7759EA61}" srcOrd="0" destOrd="0" presId="urn:microsoft.com/office/officeart/2005/8/layout/vList2"/>
     <dgm:cxn modelId="{088C9A93-543F-4611-A1E3-5BD536761548}" srcId="{3C4D56A5-B042-4A94-AE3F-8EF8246A8FD1}" destId="{9F60FACF-13BC-4DA5-8788-4781C67D7C3A}" srcOrd="0" destOrd="0" parTransId="{3F969047-0286-499F-A43B-F551B7B044F0}" sibTransId="{2854D816-5411-4294-847A-1073646C4FED}"/>
     <dgm:cxn modelId="{B0A894B3-43F2-C047-AE54-2671565D1A8E}" type="presOf" srcId="{FDF86148-FD33-42D2-9486-39613670B153}" destId="{A3FB1F71-C11D-2741-8750-883CA1466F73}" srcOrd="0" destOrd="0" presId="urn:microsoft.com/office/officeart/2005/8/layout/vList2"/>
     <dgm:cxn modelId="{213337C6-1737-4FD1-996A-B08BE22E6DA9}" srcId="{3D4EFA91-4BC0-4534-8138-6C59FC8AD664}" destId="{A760A211-6461-417C-8D97-6D0BC9B6AA34}" srcOrd="1" destOrd="0" parTransId="{D7C8F57A-A330-4EE3-8F51-46A91CB0F9FD}" sibTransId="{89A85E16-DAF9-41F3-90BC-4EED9EF1AD39}"/>
-    <dgm:cxn modelId="{4E11EFE7-5EFE-4468-9D05-0F51A68E1DEB}" srcId="{3C4D56A5-B042-4A94-AE3F-8EF8246A8FD1}" destId="{1658525D-723E-4BD6-93B2-82C9F4B2986F}" srcOrd="1" destOrd="0" parTransId="{40B8A44A-3A5E-454C-BB47-696C45E1EA48}" sibTransId="{30A712F6-99A2-435D-97C5-144AA1CA70A6}"/>
     <dgm:cxn modelId="{5DEB50ED-1996-4AEE-9C64-67004A27A948}" srcId="{9256873C-569D-4476-8EF5-5B396A3BD52B}" destId="{E841C8F1-BEA9-497F-AA58-493FE1E2B5CD}" srcOrd="0" destOrd="0" parTransId="{76BEC058-8BEE-4755-AEED-12B893BB30CF}" sibTransId="{53DD29B7-F8A1-4B17-9886-54364541714A}"/>
     <dgm:cxn modelId="{28F04CFF-A0EA-472E-88A9-BC03F3D50C1B}" srcId="{9256873C-569D-4476-8EF5-5B396A3BD52B}" destId="{3C4D56A5-B042-4A94-AE3F-8EF8246A8FD1}" srcOrd="2" destOrd="0" parTransId="{2EBA5D6A-2748-41B5-A9A9-58F854481DC1}" sibTransId="{766CC270-6222-4752-9B66-C21827726247}"/>
     <dgm:cxn modelId="{BC5B4D22-AA25-8948-9E16-1B31D4DFD653}" type="presParOf" srcId="{BB784B5A-8889-3942-B69A-B9979C6AEB2D}" destId="{6D687261-6895-DF4C-8628-C1FB21F103CB}" srcOrd="0" destOrd="0" presId="urn:microsoft.com/office/officeart/2005/8/layout/vList2"/>
@@ -8293,7 +8067,7 @@
   <dgm:whole/>
   <dgm:extLst>
     <a:ext uri="http://schemas.microsoft.com/office/drawing/2008/diagram">
-      <dsp:dataModelExt xmlns:dsp="http://schemas.microsoft.com/office/drawing/2008/diagram" relId="rId6" minVer="http://schemas.openxmlformats.org/drawingml/2006/diagram"/>
+      <dsp:dataModelExt xmlns:dsp="http://schemas.microsoft.com/office/drawing/2008/diagram" relId="rId7" minVer="http://schemas.openxmlformats.org/drawingml/2006/diagram"/>
     </a:ext>
   </dgm:extLst>
 </dgm:dataModel>
@@ -8621,7 +8395,7 @@
   <dgm:whole/>
   <dgm:extLst>
     <a:ext uri="http://schemas.microsoft.com/office/drawing/2008/diagram">
-      <dsp:dataModelExt xmlns:dsp="http://schemas.microsoft.com/office/drawing/2008/diagram" relId="rId6" minVer="http://schemas.openxmlformats.org/drawingml/2006/diagram"/>
+      <dsp:dataModelExt xmlns:dsp="http://schemas.microsoft.com/office/drawing/2008/diagram" relId="rId7" minVer="http://schemas.openxmlformats.org/drawingml/2006/diagram"/>
     </a:ext>
   </dgm:extLst>
 </dgm:dataModel>
@@ -9118,7 +8892,7 @@
   <dgm:whole/>
   <dgm:extLst>
     <a:ext uri="http://schemas.microsoft.com/office/drawing/2008/diagram">
-      <dsp:dataModelExt xmlns:dsp="http://schemas.microsoft.com/office/drawing/2008/diagram" relId="rId7" minVer="http://schemas.openxmlformats.org/drawingml/2006/diagram"/>
+      <dsp:dataModelExt xmlns:dsp="http://schemas.microsoft.com/office/drawing/2008/diagram" relId="rId8" minVer="http://schemas.openxmlformats.org/drawingml/2006/diagram"/>
     </a:ext>
   </dgm:extLst>
 </dgm:dataModel>
@@ -9127,8 +8901,8 @@
 <file path=ppt/diagrams/data7.xml><?xml version="1.0" encoding="utf-8"?>
 <dgm:dataModel xmlns:dgm="http://schemas.openxmlformats.org/drawingml/2006/diagram" xmlns:a="http://schemas.openxmlformats.org/drawingml/2006/main">
   <dgm:ptLst>
-    <dgm:pt modelId="{DEBC08DE-D4B9-49B3-AE23-447C90AEB136}" type="doc">
-      <dgm:prSet loTypeId="urn:microsoft.com/office/officeart/2018/2/layout/IconVerticalSolidList" loCatId="icon" qsTypeId="urn:microsoft.com/office/officeart/2005/8/quickstyle/simple1" qsCatId="simple" csTypeId="urn:microsoft.com/office/officeart/2018/5/colors/Iconchunking_neutralicontext_colorful1" csCatId="colorful" phldr="1"/>
+    <dgm:pt modelId="{84E32B9B-FD57-408C-B439-AF016CD55C9C}" type="doc">
+      <dgm:prSet loTypeId="urn:microsoft.com/office/officeart/2018/2/layout/IconCircleList" loCatId="icon" qsTypeId="urn:microsoft.com/office/officeart/2005/8/quickstyle/simple1" qsCatId="simple" csTypeId="urn:microsoft.com/office/officeart/2018/5/colors/Iconchunking_neutralicon_accent4_2" csCatId="accent4" phldr="1"/>
       <dgm:spPr/>
       <dgm:t>
         <a:bodyPr/>
@@ -9138,13 +8912,18 @@
         </a:p>
       </dgm:t>
     </dgm:pt>
-    <dgm:pt modelId="{64D6A350-7893-4CD0-B7A0-6333AD389926}">
+    <dgm:pt modelId="{4DE91A29-169F-4400-99DE-3C3D4A70A7DD}">
       <dgm:prSet/>
       <dgm:spPr/>
       <dgm:t>
         <a:bodyPr/>
         <a:lstStyle/>
         <a:p>
+          <a:pPr>
+            <a:lnSpc>
+              <a:spcPct val="100000"/>
+            </a:lnSpc>
+          </a:pPr>
           <a:r>
             <a:rPr lang="en-US"/>
             <a:t>Google Maps</a:t>
@@ -9152,7 +8931,7 @@
         </a:p>
       </dgm:t>
     </dgm:pt>
-    <dgm:pt modelId="{7977A0FD-1B50-4E71-988A-D766D751ED7E}" type="parTrans" cxnId="{C130741F-9A34-4E98-986E-4354731C87A6}">
+    <dgm:pt modelId="{75524E49-107C-4FA5-854F-31D401FA403B}" type="parTrans" cxnId="{6B0B3615-AF23-4FCA-B0C9-A8E81D82DEB0}">
       <dgm:prSet/>
       <dgm:spPr/>
       <dgm:t>
@@ -9163,7 +8942,42 @@
         </a:p>
       </dgm:t>
     </dgm:pt>
-    <dgm:pt modelId="{DF770BFD-D1BA-4AE4-A93F-A3E04F00BBEA}" type="sibTrans" cxnId="{C130741F-9A34-4E98-986E-4354731C87A6}">
+    <dgm:pt modelId="{538BC557-F29F-44C7-8374-B785741A09A0}" type="sibTrans" cxnId="{6B0B3615-AF23-4FCA-B0C9-A8E81D82DEB0}">
+      <dgm:prSet/>
+      <dgm:spPr/>
+      <dgm:t>
+        <a:bodyPr/>
+        <a:lstStyle/>
+        <a:p>
+          <a:pPr>
+            <a:lnSpc>
+              <a:spcPct val="100000"/>
+            </a:lnSpc>
+          </a:pPr>
+          <a:endParaRPr lang="en-US"/>
+        </a:p>
+      </dgm:t>
+    </dgm:pt>
+    <dgm:pt modelId="{7C5BBA54-2789-402C-9F27-8BF029D0B840}">
+      <dgm:prSet/>
+      <dgm:spPr/>
+      <dgm:t>
+        <a:bodyPr/>
+        <a:lstStyle/>
+        <a:p>
+          <a:pPr>
+            <a:lnSpc>
+              <a:spcPct val="100000"/>
+            </a:lnSpc>
+          </a:pPr>
+          <a:r>
+            <a:rPr lang="en-US"/>
+            <a:t>GPS is an essential option since it is the main thing about our site users with one primary function of our site, which is obtaining a parking spot near the parking location. Such an application can't book the free parking spot. </a:t>
+          </a:r>
+        </a:p>
+      </dgm:t>
+    </dgm:pt>
+    <dgm:pt modelId="{84515A20-A696-4FD5-A2A0-8854102BBD3C}" type="parTrans" cxnId="{03B6E730-C3DB-42B3-AE3F-F3B7E803DC37}">
       <dgm:prSet/>
       <dgm:spPr/>
       <dgm:t>
@@ -9174,21 +8988,42 @@
         </a:p>
       </dgm:t>
     </dgm:pt>
-    <dgm:pt modelId="{BCD202AC-49A4-4BFA-9708-EA3B20B94E95}">
+    <dgm:pt modelId="{1698248E-E44E-4250-A255-20C712D05655}" type="sibTrans" cxnId="{03B6E730-C3DB-42B3-AE3F-F3B7E803DC37}">
       <dgm:prSet/>
       <dgm:spPr/>
       <dgm:t>
         <a:bodyPr/>
         <a:lstStyle/>
         <a:p>
+          <a:pPr>
+            <a:lnSpc>
+              <a:spcPct val="100000"/>
+            </a:lnSpc>
+          </a:pPr>
+          <a:endParaRPr lang="en-US"/>
+        </a:p>
+      </dgm:t>
+    </dgm:pt>
+    <dgm:pt modelId="{4D259DA8-11AE-422A-9089-F2D55E930D16}">
+      <dgm:prSet/>
+      <dgm:spPr/>
+      <dgm:t>
+        <a:bodyPr/>
+        <a:lstStyle/>
+        <a:p>
+          <a:pPr>
+            <a:lnSpc>
+              <a:spcPct val="100000"/>
+            </a:lnSpc>
+          </a:pPr>
           <a:r>
             <a:rPr lang="en-US"/>
-            <a:t>GPS is an essential option since it is the main thing about our site users with one primary function of our site, which is obtaining a parking spot near the parking location. Such an application can't book the free parking spot. </a:t>
+            <a:t>The map that we used is different from another because it allows users to find the chosen parking spot they need. Additionally, the site can navigate the driver to the booked place.</a:t>
           </a:r>
         </a:p>
       </dgm:t>
     </dgm:pt>
-    <dgm:pt modelId="{9AC4E4A9-A0E1-4F9F-BDB9-8CD734982DE0}" type="parTrans" cxnId="{7EE3F480-1C04-4AFF-AB34-5828CC7D7B22}">
+    <dgm:pt modelId="{3A57AC02-0858-4A9B-A9DF-05E6EBDE0CED}" type="parTrans" cxnId="{16E15E2B-AB99-41EB-813A-23531E355079}">
       <dgm:prSet/>
       <dgm:spPr/>
       <dgm:t>
@@ -9199,7 +9034,42 @@
         </a:p>
       </dgm:t>
     </dgm:pt>
-    <dgm:pt modelId="{D540D133-CAB1-4A7B-8D12-B1E0DA8FE4D0}" type="sibTrans" cxnId="{7EE3F480-1C04-4AFF-AB34-5828CC7D7B22}">
+    <dgm:pt modelId="{CFFAD25F-BD51-4EBD-A7A2-4FBA3DE7CCB2}" type="sibTrans" cxnId="{16E15E2B-AB99-41EB-813A-23531E355079}">
+      <dgm:prSet/>
+      <dgm:spPr/>
+      <dgm:t>
+        <a:bodyPr/>
+        <a:lstStyle/>
+        <a:p>
+          <a:pPr>
+            <a:lnSpc>
+              <a:spcPct val="100000"/>
+            </a:lnSpc>
+          </a:pPr>
+          <a:endParaRPr lang="en-US"/>
+        </a:p>
+      </dgm:t>
+    </dgm:pt>
+    <dgm:pt modelId="{6BE3577A-2EEF-434D-A67D-1937786DE045}">
+      <dgm:prSet/>
+      <dgm:spPr/>
+      <dgm:t>
+        <a:bodyPr/>
+        <a:lstStyle/>
+        <a:p>
+          <a:pPr>
+            <a:lnSpc>
+              <a:spcPct val="100000"/>
+            </a:lnSpc>
+          </a:pPr>
+          <a:r>
+            <a:rPr lang="en-US"/>
+            <a:t>Register &amp; Login</a:t>
+          </a:r>
+        </a:p>
+      </dgm:t>
+    </dgm:pt>
+    <dgm:pt modelId="{EACA85A9-33F7-4F5C-8066-3572F3BD9321}" type="parTrans" cxnId="{84237A34-831A-4D06-9218-DF7E47F571F0}">
       <dgm:prSet/>
       <dgm:spPr/>
       <dgm:t>
@@ -9210,21 +9080,42 @@
         </a:p>
       </dgm:t>
     </dgm:pt>
-    <dgm:pt modelId="{B8314AC0-9E0F-49E3-AD43-B2D018BA7FA9}">
+    <dgm:pt modelId="{CB493FE5-B295-44AC-8954-9D3891861046}" type="sibTrans" cxnId="{84237A34-831A-4D06-9218-DF7E47F571F0}">
       <dgm:prSet/>
       <dgm:spPr/>
       <dgm:t>
         <a:bodyPr/>
         <a:lstStyle/>
         <a:p>
+          <a:pPr>
+            <a:lnSpc>
+              <a:spcPct val="100000"/>
+            </a:lnSpc>
+          </a:pPr>
+          <a:endParaRPr lang="en-US"/>
+        </a:p>
+      </dgm:t>
+    </dgm:pt>
+    <dgm:pt modelId="{F703D793-A918-439D-B186-1D60B1819940}">
+      <dgm:prSet/>
+      <dgm:spPr/>
+      <dgm:t>
+        <a:bodyPr/>
+        <a:lstStyle/>
+        <a:p>
+          <a:pPr>
+            <a:lnSpc>
+              <a:spcPct val="100000"/>
+            </a:lnSpc>
+          </a:pPr>
           <a:r>
-            <a:rPr lang="en-US" dirty="0"/>
-            <a:t>The map that we used is different from another because it allows users to find the chosen parking spot they need. Additionally, the site can navigate the driver to the booked place.</a:t>
+            <a:rPr lang="en-US"/>
+            <a:t>For the register &amp; log in, we used Local Storage is a type of web storage that allows JavaScript sites and apps to collect and access data right in the browser with no termination date. This indicates the data stored in the browser will continue even after the browser window has been shut.</a:t>
           </a:r>
         </a:p>
       </dgm:t>
     </dgm:pt>
-    <dgm:pt modelId="{80577D52-D2AF-477E-87AC-9DA4CAB4EC70}" type="parTrans" cxnId="{457983C0-7826-4D92-8EE5-0B325ED8A778}">
+    <dgm:pt modelId="{9A2E3F2C-35CE-474E-9873-E950D603A12E}" type="parTrans" cxnId="{A21E006B-4EC5-463A-9251-D39212BC8668}">
       <dgm:prSet/>
       <dgm:spPr/>
       <dgm:t>
@@ -9235,7 +9126,42 @@
         </a:p>
       </dgm:t>
     </dgm:pt>
-    <dgm:pt modelId="{97ED5E92-4D21-4917-A6AD-9EDE90BC6BD2}" type="sibTrans" cxnId="{457983C0-7826-4D92-8EE5-0B325ED8A778}">
+    <dgm:pt modelId="{33AAA227-0A68-43FE-8DFF-ECD1CD9B32AD}" type="sibTrans" cxnId="{A21E006B-4EC5-463A-9251-D39212BC8668}">
+      <dgm:prSet/>
+      <dgm:spPr/>
+      <dgm:t>
+        <a:bodyPr/>
+        <a:lstStyle/>
+        <a:p>
+          <a:pPr>
+            <a:lnSpc>
+              <a:spcPct val="100000"/>
+            </a:lnSpc>
+          </a:pPr>
+          <a:endParaRPr lang="en-US"/>
+        </a:p>
+      </dgm:t>
+    </dgm:pt>
+    <dgm:pt modelId="{4FF699F8-B6E9-8F4B-80E0-2386E2F81AE2}">
+      <dgm:prSet/>
+      <dgm:spPr/>
+      <dgm:t>
+        <a:bodyPr/>
+        <a:lstStyle/>
+        <a:p>
+          <a:pPr>
+            <a:lnSpc>
+              <a:spcPct val="100000"/>
+            </a:lnSpc>
+          </a:pPr>
+          <a:r>
+            <a:rPr lang="en-US"/>
+            <a:t>We created JavaScript functions that check whether a value submitted by the user passes the validation. All those functions are called from another service. It arranges the focus to the data field until the user provides a valid value. When the user visits so, they may continue and can provide value to the next available area. The following JavaScript function created is called on the on submit event of the form.</a:t>
+          </a:r>
+        </a:p>
+      </dgm:t>
+    </dgm:pt>
+    <dgm:pt modelId="{2D4D9A71-31BE-7440-B4C9-DFEB734E8066}" type="parTrans" cxnId="{B7223C54-A0BA-8746-BCB8-B7DD45BC9988}">
       <dgm:prSet/>
       <dgm:spPr/>
       <dgm:t>
@@ -9246,21 +9172,7 @@
         </a:p>
       </dgm:t>
     </dgm:pt>
-    <dgm:pt modelId="{0B216707-E07B-40F7-9F3F-A86B2B5D0437}">
-      <dgm:prSet/>
-      <dgm:spPr/>
-      <dgm:t>
-        <a:bodyPr/>
-        <a:lstStyle/>
-        <a:p>
-          <a:r>
-            <a:rPr lang="en-US"/>
-            <a:t>Search Bar</a:t>
-          </a:r>
-        </a:p>
-      </dgm:t>
-    </dgm:pt>
-    <dgm:pt modelId="{47ED65DF-49FD-4846-AF42-98C1DBAC5D57}" type="parTrans" cxnId="{20885712-91F2-416E-B185-E37B45A8B4B0}">
+    <dgm:pt modelId="{392E2554-0551-6D45-B711-F554C95D9F27}" type="sibTrans" cxnId="{B7223C54-A0BA-8746-BCB8-B7DD45BC9988}">
       <dgm:prSet/>
       <dgm:spPr/>
       <dgm:t>
@@ -9271,91 +9183,8 @@
         </a:p>
       </dgm:t>
     </dgm:pt>
-    <dgm:pt modelId="{709567F7-9414-4F8D-B073-8556E3A21900}" type="sibTrans" cxnId="{20885712-91F2-416E-B185-E37B45A8B4B0}">
-      <dgm:prSet/>
-      <dgm:spPr/>
-      <dgm:t>
-        <a:bodyPr/>
-        <a:lstStyle/>
-        <a:p>
-          <a:endParaRPr lang="en-US"/>
-        </a:p>
-      </dgm:t>
-    </dgm:pt>
-    <dgm:pt modelId="{D698D894-EE4E-4E9D-ACB3-2858CDCBC62C}">
-      <dgm:prSet/>
-      <dgm:spPr/>
-      <dgm:t>
-        <a:bodyPr/>
-        <a:lstStyle/>
-        <a:p>
-          <a:r>
-            <a:rPr lang="en-US" dirty="0"/>
-            <a:t>A search bar allows users to use keywords to locate content inside a site, on the device, or online, which is the nearest parking space. Our website can specify what types of addresses are shown in the search results. Search can also be used to filter large lists, such as parking lots.</a:t>
-          </a:r>
-        </a:p>
-      </dgm:t>
-    </dgm:pt>
-    <dgm:pt modelId="{CDD876A3-7798-4B05-A26B-2FEDB02E0A85}" type="parTrans" cxnId="{6066C267-6415-4C0E-8D28-9818D916FA2C}">
-      <dgm:prSet/>
-      <dgm:spPr/>
-      <dgm:t>
-        <a:bodyPr/>
-        <a:lstStyle/>
-        <a:p>
-          <a:endParaRPr lang="en-US"/>
-        </a:p>
-      </dgm:t>
-    </dgm:pt>
-    <dgm:pt modelId="{22153FF3-63C5-4604-9A8C-444E3201D36E}" type="sibTrans" cxnId="{6066C267-6415-4C0E-8D28-9818D916FA2C}">
-      <dgm:prSet/>
-      <dgm:spPr/>
-      <dgm:t>
-        <a:bodyPr/>
-        <a:lstStyle/>
-        <a:p>
-          <a:endParaRPr lang="en-US"/>
-        </a:p>
-      </dgm:t>
-    </dgm:pt>
-    <dgm:pt modelId="{F9711525-17E8-45BF-9C84-1CCB30551CD9}">
-      <dgm:prSet/>
-      <dgm:spPr/>
-      <dgm:t>
-        <a:bodyPr/>
-        <a:lstStyle/>
-        <a:p>
-          <a:r>
-            <a:rPr lang="en-US" dirty="0"/>
-            <a:t>When they use the search data box, the practical keyboard is stimulated. When our users use the search bar to filter lists of items, it's typically displayed at the top of the list only for the nearest parking spots and should scroll with the listed locations.</a:t>
-          </a:r>
-        </a:p>
-      </dgm:t>
-    </dgm:pt>
-    <dgm:pt modelId="{08B46AB8-CD23-470E-9739-E98C33CFDA17}" type="parTrans" cxnId="{305569D4-B055-470F-9AE3-B9677964BE9B}">
-      <dgm:prSet/>
-      <dgm:spPr/>
-      <dgm:t>
-        <a:bodyPr/>
-        <a:lstStyle/>
-        <a:p>
-          <a:endParaRPr lang="en-US"/>
-        </a:p>
-      </dgm:t>
-    </dgm:pt>
-    <dgm:pt modelId="{E2212BC0-7FA0-48A4-8703-E853104B162B}" type="sibTrans" cxnId="{305569D4-B055-470F-9AE3-B9677964BE9B}">
-      <dgm:prSet/>
-      <dgm:spPr/>
-      <dgm:t>
-        <a:bodyPr/>
-        <a:lstStyle/>
-        <a:p>
-          <a:endParaRPr lang="en-US"/>
-        </a:p>
-      </dgm:t>
-    </dgm:pt>
-    <dgm:pt modelId="{ACAA066F-030D-470F-B191-6CB8944C25CB}" type="pres">
-      <dgm:prSet presAssocID="{DEBC08DE-D4B9-49B3-AE23-447C90AEB136}" presName="root" presStyleCnt="0">
+    <dgm:pt modelId="{0E4B039F-C965-4C55-AB0C-2CBC3C012ED7}" type="pres">
+      <dgm:prSet presAssocID="{84E32B9B-FD57-408C-B439-AF016CD55C9C}" presName="root" presStyleCnt="0">
         <dgm:presLayoutVars>
           <dgm:dir/>
           <dgm:resizeHandles val="exact"/>
@@ -9363,16 +9192,25 @@
       </dgm:prSet>
       <dgm:spPr/>
     </dgm:pt>
-    <dgm:pt modelId="{E3C82494-3546-4E90-AF48-700E129093B7}" type="pres">
-      <dgm:prSet presAssocID="{64D6A350-7893-4CD0-B7A0-6333AD389926}" presName="compNode" presStyleCnt="0"/>
+    <dgm:pt modelId="{836D56FE-59C0-46C2-B165-D016CADABC34}" type="pres">
+      <dgm:prSet presAssocID="{84E32B9B-FD57-408C-B439-AF016CD55C9C}" presName="container" presStyleCnt="0">
+        <dgm:presLayoutVars>
+          <dgm:dir/>
+          <dgm:resizeHandles val="exact"/>
+        </dgm:presLayoutVars>
+      </dgm:prSet>
       <dgm:spPr/>
     </dgm:pt>
-    <dgm:pt modelId="{2452070E-9DA7-4311-A35D-E0B4E5D3F521}" type="pres">
-      <dgm:prSet presAssocID="{64D6A350-7893-4CD0-B7A0-6333AD389926}" presName="bgRect" presStyleLbl="bgShp" presStyleIdx="0" presStyleCnt="6"/>
+    <dgm:pt modelId="{9BA7B4C2-7445-49CC-806B-5D0B1E8FA168}" type="pres">
+      <dgm:prSet presAssocID="{4DE91A29-169F-4400-99DE-3C3D4A70A7DD}" presName="compNode" presStyleCnt="0"/>
       <dgm:spPr/>
     </dgm:pt>
-    <dgm:pt modelId="{316C5958-29A1-44A6-A93B-E99D35DD2820}" type="pres">
-      <dgm:prSet presAssocID="{64D6A350-7893-4CD0-B7A0-6333AD389926}" presName="iconRect" presStyleLbl="node1" presStyleIdx="0" presStyleCnt="6"/>
+    <dgm:pt modelId="{44B7392A-01B0-4E1B-8681-8A385A97C153}" type="pres">
+      <dgm:prSet presAssocID="{4DE91A29-169F-4400-99DE-3C3D4A70A7DD}" presName="iconBgRect" presStyleLbl="bgShp" presStyleIdx="0" presStyleCnt="6"/>
+      <dgm:spPr/>
+    </dgm:pt>
+    <dgm:pt modelId="{A3DEB29C-9795-444B-929C-FD38E7805D64}" type="pres">
+      <dgm:prSet presAssocID="{4DE91A29-169F-4400-99DE-3C3D4A70A7DD}" presName="iconRect" presStyleLbl="node1" presStyleIdx="0" presStyleCnt="6"/>
       <dgm:spPr>
         <a:blipFill>
           <a:blip xmlns:r="http://schemas.openxmlformats.org/officeDocument/2006/relationships" r:embed="rId1">
@@ -9399,33 +9237,33 @@
         </a:ext>
       </dgm:extLst>
     </dgm:pt>
-    <dgm:pt modelId="{5E9679BC-DC1E-4E5C-AD35-9113B6D57289}" type="pres">
-      <dgm:prSet presAssocID="{64D6A350-7893-4CD0-B7A0-6333AD389926}" presName="spaceRect" presStyleCnt="0"/>
+    <dgm:pt modelId="{F5AAE589-9277-462E-AA3D-F42A7BC3CB05}" type="pres">
+      <dgm:prSet presAssocID="{4DE91A29-169F-4400-99DE-3C3D4A70A7DD}" presName="spaceRect" presStyleCnt="0"/>
       <dgm:spPr/>
     </dgm:pt>
-    <dgm:pt modelId="{9A10355F-DD5B-44C6-A636-D4222ED6F98F}" type="pres">
-      <dgm:prSet presAssocID="{64D6A350-7893-4CD0-B7A0-6333AD389926}" presName="parTx" presStyleLbl="revTx" presStyleIdx="0" presStyleCnt="6">
+    <dgm:pt modelId="{C7DF7460-D979-479A-8A3C-4F58E66F09A7}" type="pres">
+      <dgm:prSet presAssocID="{4DE91A29-169F-4400-99DE-3C3D4A70A7DD}" presName="textRect" presStyleLbl="revTx" presStyleIdx="0" presStyleCnt="6">
         <dgm:presLayoutVars>
-          <dgm:chMax val="0"/>
-          <dgm:chPref val="0"/>
+          <dgm:chMax val="1"/>
+          <dgm:chPref val="1"/>
         </dgm:presLayoutVars>
       </dgm:prSet>
       <dgm:spPr/>
     </dgm:pt>
-    <dgm:pt modelId="{1DDCE5A5-7B58-452C-8AC9-85C2711733F4}" type="pres">
-      <dgm:prSet presAssocID="{DF770BFD-D1BA-4AE4-A93F-A3E04F00BBEA}" presName="sibTrans" presStyleCnt="0"/>
+    <dgm:pt modelId="{2BA42451-8FF1-4E5B-A5C9-B2E843D6FB41}" type="pres">
+      <dgm:prSet presAssocID="{538BC557-F29F-44C7-8374-B785741A09A0}" presName="sibTrans" presStyleLbl="sibTrans2D1" presStyleIdx="0" presStyleCnt="0"/>
       <dgm:spPr/>
     </dgm:pt>
-    <dgm:pt modelId="{74C75158-E23D-439E-B640-F69AA6155002}" type="pres">
-      <dgm:prSet presAssocID="{BCD202AC-49A4-4BFA-9708-EA3B20B94E95}" presName="compNode" presStyleCnt="0"/>
+    <dgm:pt modelId="{2135144F-8B4A-4654-902A-123DC7BCB8F1}" type="pres">
+      <dgm:prSet presAssocID="{7C5BBA54-2789-402C-9F27-8BF029D0B840}" presName="compNode" presStyleCnt="0"/>
       <dgm:spPr/>
     </dgm:pt>
-    <dgm:pt modelId="{3D3D07AB-D684-4D3D-BF3B-8545A73B4889}" type="pres">
-      <dgm:prSet presAssocID="{BCD202AC-49A4-4BFA-9708-EA3B20B94E95}" presName="bgRect" presStyleLbl="bgShp" presStyleIdx="1" presStyleCnt="6" custScaleY="134014"/>
+    <dgm:pt modelId="{27B93283-6836-4E7F-8B58-9039756570B7}" type="pres">
+      <dgm:prSet presAssocID="{7C5BBA54-2789-402C-9F27-8BF029D0B840}" presName="iconBgRect" presStyleLbl="bgShp" presStyleIdx="1" presStyleCnt="6"/>
       <dgm:spPr/>
     </dgm:pt>
-    <dgm:pt modelId="{C475E4B1-FFED-470B-ABA8-0BDC965A6010}" type="pres">
-      <dgm:prSet presAssocID="{BCD202AC-49A4-4BFA-9708-EA3B20B94E95}" presName="iconRect" presStyleLbl="node1" presStyleIdx="1" presStyleCnt="6"/>
+    <dgm:pt modelId="{A02CF345-FC23-45D5-BBC1-74DA1DA9873E}" type="pres">
+      <dgm:prSet presAssocID="{7C5BBA54-2789-402C-9F27-8BF029D0B840}" presName="iconRect" presStyleLbl="node1" presStyleIdx="1" presStyleCnt="6"/>
       <dgm:spPr>
         <a:blipFill>
           <a:blip xmlns:r="http://schemas.openxmlformats.org/officeDocument/2006/relationships" r:embed="rId3">
@@ -9452,33 +9290,33 @@
         </a:ext>
       </dgm:extLst>
     </dgm:pt>
-    <dgm:pt modelId="{54BC4875-6DA0-493D-A512-219FC6DE4384}" type="pres">
-      <dgm:prSet presAssocID="{BCD202AC-49A4-4BFA-9708-EA3B20B94E95}" presName="spaceRect" presStyleCnt="0"/>
+    <dgm:pt modelId="{726C449F-13DC-4548-AC9F-52DF2D69C1AB}" type="pres">
+      <dgm:prSet presAssocID="{7C5BBA54-2789-402C-9F27-8BF029D0B840}" presName="spaceRect" presStyleCnt="0"/>
       <dgm:spPr/>
     </dgm:pt>
-    <dgm:pt modelId="{44F1F30F-4C66-432C-A2C3-41AFE8CA9E27}" type="pres">
-      <dgm:prSet presAssocID="{BCD202AC-49A4-4BFA-9708-EA3B20B94E95}" presName="parTx" presStyleLbl="revTx" presStyleIdx="1" presStyleCnt="6">
+    <dgm:pt modelId="{8F4B3A42-BDE2-405F-B6EF-FDFF12BD23DE}" type="pres">
+      <dgm:prSet presAssocID="{7C5BBA54-2789-402C-9F27-8BF029D0B840}" presName="textRect" presStyleLbl="revTx" presStyleIdx="1" presStyleCnt="6">
         <dgm:presLayoutVars>
-          <dgm:chMax val="0"/>
-          <dgm:chPref val="0"/>
+          <dgm:chMax val="1"/>
+          <dgm:chPref val="1"/>
         </dgm:presLayoutVars>
       </dgm:prSet>
       <dgm:spPr/>
     </dgm:pt>
-    <dgm:pt modelId="{296F883F-D6ED-4348-8069-81751738E337}" type="pres">
-      <dgm:prSet presAssocID="{D540D133-CAB1-4A7B-8D12-B1E0DA8FE4D0}" presName="sibTrans" presStyleCnt="0"/>
+    <dgm:pt modelId="{5B4890B1-5B48-47DE-B76B-41076FD75505}" type="pres">
+      <dgm:prSet presAssocID="{1698248E-E44E-4250-A255-20C712D05655}" presName="sibTrans" presStyleLbl="sibTrans2D1" presStyleIdx="0" presStyleCnt="0"/>
       <dgm:spPr/>
     </dgm:pt>
-    <dgm:pt modelId="{0C1F8437-8443-4A83-9FEF-B8A204EA210E}" type="pres">
-      <dgm:prSet presAssocID="{B8314AC0-9E0F-49E3-AD43-B2D018BA7FA9}" presName="compNode" presStyleCnt="0"/>
+    <dgm:pt modelId="{5B2288E3-F2CF-4F09-ADE7-1CD5AD37AADA}" type="pres">
+      <dgm:prSet presAssocID="{4D259DA8-11AE-422A-9089-F2D55E930D16}" presName="compNode" presStyleCnt="0"/>
       <dgm:spPr/>
     </dgm:pt>
-    <dgm:pt modelId="{6BE4C7BC-4DB4-49D3-ABE1-A3732821DAAC}" type="pres">
-      <dgm:prSet presAssocID="{B8314AC0-9E0F-49E3-AD43-B2D018BA7FA9}" presName="bgRect" presStyleLbl="bgShp" presStyleIdx="2" presStyleCnt="6" custScaleY="123042"/>
+    <dgm:pt modelId="{C90A706F-D6EF-4FCF-A61F-4A57BB47BE88}" type="pres">
+      <dgm:prSet presAssocID="{4D259DA8-11AE-422A-9089-F2D55E930D16}" presName="iconBgRect" presStyleLbl="bgShp" presStyleIdx="2" presStyleCnt="6"/>
       <dgm:spPr/>
     </dgm:pt>
-    <dgm:pt modelId="{F65B7405-E0E8-44F4-A9ED-A3BACA68D860}" type="pres">
-      <dgm:prSet presAssocID="{B8314AC0-9E0F-49E3-AD43-B2D018BA7FA9}" presName="iconRect" presStyleLbl="node1" presStyleIdx="2" presStyleCnt="6"/>
+    <dgm:pt modelId="{1C234E49-C8E9-4E24-9750-E2C14B377662}" type="pres">
+      <dgm:prSet presAssocID="{4D259DA8-11AE-422A-9089-F2D55E930D16}" presName="iconRect" presStyleLbl="node1" presStyleIdx="2" presStyleCnt="6"/>
       <dgm:spPr>
         <a:blipFill>
           <a:blip xmlns:r="http://schemas.openxmlformats.org/officeDocument/2006/relationships" r:embed="rId5">
@@ -9505,33 +9343,33 @@
         </a:ext>
       </dgm:extLst>
     </dgm:pt>
-    <dgm:pt modelId="{A7F401DD-142B-400D-B517-A79E3F6F132F}" type="pres">
-      <dgm:prSet presAssocID="{B8314AC0-9E0F-49E3-AD43-B2D018BA7FA9}" presName="spaceRect" presStyleCnt="0"/>
+    <dgm:pt modelId="{FAF4AAF0-E80E-48CE-BBC6-1EF519E03531}" type="pres">
+      <dgm:prSet presAssocID="{4D259DA8-11AE-422A-9089-F2D55E930D16}" presName="spaceRect" presStyleCnt="0"/>
       <dgm:spPr/>
     </dgm:pt>
-    <dgm:pt modelId="{80D9DA1F-6F07-4895-8684-8E9B6BBCC5F4}" type="pres">
-      <dgm:prSet presAssocID="{B8314AC0-9E0F-49E3-AD43-B2D018BA7FA9}" presName="parTx" presStyleLbl="revTx" presStyleIdx="2" presStyleCnt="6" custLinFactNeighborX="1579" custLinFactNeighborY="-6268">
+    <dgm:pt modelId="{AE765BD2-ECE5-4E45-8260-29BA28667ACB}" type="pres">
+      <dgm:prSet presAssocID="{4D259DA8-11AE-422A-9089-F2D55E930D16}" presName="textRect" presStyleLbl="revTx" presStyleIdx="2" presStyleCnt="6">
         <dgm:presLayoutVars>
-          <dgm:chMax val="0"/>
-          <dgm:chPref val="0"/>
+          <dgm:chMax val="1"/>
+          <dgm:chPref val="1"/>
         </dgm:presLayoutVars>
       </dgm:prSet>
       <dgm:spPr/>
     </dgm:pt>
-    <dgm:pt modelId="{D053C6E7-E87B-4363-BD9B-4F7D63A5984D}" type="pres">
-      <dgm:prSet presAssocID="{97ED5E92-4D21-4917-A6AD-9EDE90BC6BD2}" presName="sibTrans" presStyleCnt="0"/>
+    <dgm:pt modelId="{6F164456-CDBD-420F-AAE1-746A9B7F678F}" type="pres">
+      <dgm:prSet presAssocID="{CFFAD25F-BD51-4EBD-A7A2-4FBA3DE7CCB2}" presName="sibTrans" presStyleLbl="sibTrans2D1" presStyleIdx="0" presStyleCnt="0"/>
       <dgm:spPr/>
     </dgm:pt>
-    <dgm:pt modelId="{37F641B0-BCF4-483B-BC6A-70EDBC06A0AB}" type="pres">
-      <dgm:prSet presAssocID="{0B216707-E07B-40F7-9F3F-A86B2B5D0437}" presName="compNode" presStyleCnt="0"/>
+    <dgm:pt modelId="{9AC0A8B0-E37A-4112-A958-AAB20D826EF2}" type="pres">
+      <dgm:prSet presAssocID="{6BE3577A-2EEF-434D-A67D-1937786DE045}" presName="compNode" presStyleCnt="0"/>
       <dgm:spPr/>
     </dgm:pt>
-    <dgm:pt modelId="{5067BFCA-2398-42E2-97FB-447DE92A9F6D}" type="pres">
-      <dgm:prSet presAssocID="{0B216707-E07B-40F7-9F3F-A86B2B5D0437}" presName="bgRect" presStyleLbl="bgShp" presStyleIdx="3" presStyleCnt="6"/>
+    <dgm:pt modelId="{0BCBDC8E-22DF-46AB-A23B-2EE43F335AFD}" type="pres">
+      <dgm:prSet presAssocID="{6BE3577A-2EEF-434D-A67D-1937786DE045}" presName="iconBgRect" presStyleLbl="bgShp" presStyleIdx="3" presStyleCnt="6"/>
       <dgm:spPr/>
     </dgm:pt>
-    <dgm:pt modelId="{090E4B54-5BF0-45E3-9AA4-5D87C8ADF837}" type="pres">
-      <dgm:prSet presAssocID="{0B216707-E07B-40F7-9F3F-A86B2B5D0437}" presName="iconRect" presStyleLbl="node1" presStyleIdx="3" presStyleCnt="6"/>
+    <dgm:pt modelId="{066F885E-F14F-4891-9048-5055024C29B6}" type="pres">
+      <dgm:prSet presAssocID="{6BE3577A-2EEF-434D-A67D-1937786DE045}" presName="iconRect" presStyleLbl="node1" presStyleIdx="3" presStyleCnt="6"/>
       <dgm:spPr>
         <a:blipFill>
           <a:blip xmlns:r="http://schemas.openxmlformats.org/officeDocument/2006/relationships" r:embed="rId7">
@@ -9554,37 +9392,37 @@
       </dgm:spPr>
       <dgm:extLst>
         <a:ext uri="{E40237B7-FDA0-4F09-8148-C483321AD2D9}">
-          <dgm14:cNvPr xmlns:dgm14="http://schemas.microsoft.com/office/drawing/2010/diagram" id="0" name="" descr="Magnifying glass"/>
+          <dgm14:cNvPr xmlns:dgm14="http://schemas.microsoft.com/office/drawing/2010/diagram" id="0" name="" descr="Right Pointing Backhand Index"/>
         </a:ext>
       </dgm:extLst>
     </dgm:pt>
-    <dgm:pt modelId="{2D20C1DB-72D9-4904-B783-BC5EF0C5F53E}" type="pres">
-      <dgm:prSet presAssocID="{0B216707-E07B-40F7-9F3F-A86B2B5D0437}" presName="spaceRect" presStyleCnt="0"/>
+    <dgm:pt modelId="{94BE55DB-A44A-4E54-AFAF-968D019D206F}" type="pres">
+      <dgm:prSet presAssocID="{6BE3577A-2EEF-434D-A67D-1937786DE045}" presName="spaceRect" presStyleCnt="0"/>
       <dgm:spPr/>
     </dgm:pt>
-    <dgm:pt modelId="{6E6F68F5-E99B-4041-865C-15A43317DF69}" type="pres">
-      <dgm:prSet presAssocID="{0B216707-E07B-40F7-9F3F-A86B2B5D0437}" presName="parTx" presStyleLbl="revTx" presStyleIdx="3" presStyleCnt="6">
+    <dgm:pt modelId="{D1B88C79-E19D-4F06-9B37-1913F75808D6}" type="pres">
+      <dgm:prSet presAssocID="{6BE3577A-2EEF-434D-A67D-1937786DE045}" presName="textRect" presStyleLbl="revTx" presStyleIdx="3" presStyleCnt="6">
         <dgm:presLayoutVars>
-          <dgm:chMax val="0"/>
-          <dgm:chPref val="0"/>
+          <dgm:chMax val="1"/>
+          <dgm:chPref val="1"/>
         </dgm:presLayoutVars>
       </dgm:prSet>
       <dgm:spPr/>
     </dgm:pt>
-    <dgm:pt modelId="{13F0E7F1-8D98-44D0-A11A-2F0A694A94BE}" type="pres">
-      <dgm:prSet presAssocID="{709567F7-9414-4F8D-B073-8556E3A21900}" presName="sibTrans" presStyleCnt="0"/>
+    <dgm:pt modelId="{7C3F35A6-25C0-43B1-89D7-0CF8EBB82896}" type="pres">
+      <dgm:prSet presAssocID="{CB493FE5-B295-44AC-8954-9D3891861046}" presName="sibTrans" presStyleLbl="sibTrans2D1" presStyleIdx="0" presStyleCnt="0"/>
       <dgm:spPr/>
     </dgm:pt>
-    <dgm:pt modelId="{32D0AC20-844D-4D6E-A85C-CEAB56CD8D4A}" type="pres">
-      <dgm:prSet presAssocID="{D698D894-EE4E-4E9D-ACB3-2858CDCBC62C}" presName="compNode" presStyleCnt="0"/>
+    <dgm:pt modelId="{57D1F32A-BDED-4F38-86E7-B1096CF71F9A}" type="pres">
+      <dgm:prSet presAssocID="{F703D793-A918-439D-B186-1D60B1819940}" presName="compNode" presStyleCnt="0"/>
       <dgm:spPr/>
     </dgm:pt>
-    <dgm:pt modelId="{051A46D7-10E2-4658-AA72-22E54D4E0408}" type="pres">
-      <dgm:prSet presAssocID="{D698D894-EE4E-4E9D-ACB3-2858CDCBC62C}" presName="bgRect" presStyleLbl="bgShp" presStyleIdx="4" presStyleCnt="6" custScaleY="168991"/>
+    <dgm:pt modelId="{AC1093DC-7BA6-4E00-ADA0-006B5DD42660}" type="pres">
+      <dgm:prSet presAssocID="{F703D793-A918-439D-B186-1D60B1819940}" presName="iconBgRect" presStyleLbl="bgShp" presStyleIdx="4" presStyleCnt="6"/>
       <dgm:spPr/>
     </dgm:pt>
-    <dgm:pt modelId="{07724D73-64F9-46AD-9852-326556672361}" type="pres">
-      <dgm:prSet presAssocID="{D698D894-EE4E-4E9D-ACB3-2858CDCBC62C}" presName="iconRect" presStyleLbl="node1" presStyleIdx="4" presStyleCnt="6"/>
+    <dgm:pt modelId="{423A8A95-20E4-4E43-8AF8-4F1AED368C4A}" type="pres">
+      <dgm:prSet presAssocID="{F703D793-A918-439D-B186-1D60B1819940}" presName="iconRect" presStyleLbl="node1" presStyleIdx="4" presStyleCnt="6"/>
       <dgm:spPr>
         <a:blipFill>
           <a:blip xmlns:r="http://schemas.openxmlformats.org/officeDocument/2006/relationships" r:embed="rId9">
@@ -9607,37 +9445,37 @@
       </dgm:spPr>
       <dgm:extLst>
         <a:ext uri="{E40237B7-FDA0-4F09-8148-C483321AD2D9}">
-          <dgm14:cNvPr xmlns:dgm14="http://schemas.microsoft.com/office/drawing/2010/diagram" id="0" name="" descr="Zoom Out"/>
+          <dgm14:cNvPr xmlns:dgm14="http://schemas.microsoft.com/office/drawing/2010/diagram" id="0" name="" descr="Database"/>
         </a:ext>
       </dgm:extLst>
     </dgm:pt>
-    <dgm:pt modelId="{3BB27C72-DB1E-4533-AD61-901DB5E46170}" type="pres">
-      <dgm:prSet presAssocID="{D698D894-EE4E-4E9D-ACB3-2858CDCBC62C}" presName="spaceRect" presStyleCnt="0"/>
+    <dgm:pt modelId="{4E2EC470-2E89-4C1F-A754-A3CE28CBA425}" type="pres">
+      <dgm:prSet presAssocID="{F703D793-A918-439D-B186-1D60B1819940}" presName="spaceRect" presStyleCnt="0"/>
       <dgm:spPr/>
     </dgm:pt>
-    <dgm:pt modelId="{01E8B845-16F4-4DFD-8DE2-28FDBB752BEF}" type="pres">
-      <dgm:prSet presAssocID="{D698D894-EE4E-4E9D-ACB3-2858CDCBC62C}" presName="parTx" presStyleLbl="revTx" presStyleIdx="4" presStyleCnt="6" custScaleY="104815" custLinFactNeighborX="-440" custLinFactNeighborY="-13733">
+    <dgm:pt modelId="{E842CF6B-F1D6-40A4-9D98-383390B9B87F}" type="pres">
+      <dgm:prSet presAssocID="{F703D793-A918-439D-B186-1D60B1819940}" presName="textRect" presStyleLbl="revTx" presStyleIdx="4" presStyleCnt="6">
         <dgm:presLayoutVars>
-          <dgm:chMax val="0"/>
-          <dgm:chPref val="0"/>
+          <dgm:chMax val="1"/>
+          <dgm:chPref val="1"/>
         </dgm:presLayoutVars>
       </dgm:prSet>
       <dgm:spPr/>
     </dgm:pt>
-    <dgm:pt modelId="{D784813F-1B7C-466A-A64D-D710548D02BE}" type="pres">
-      <dgm:prSet presAssocID="{22153FF3-63C5-4604-9A8C-444E3201D36E}" presName="sibTrans" presStyleCnt="0"/>
+    <dgm:pt modelId="{54D530DE-532F-4B3D-88F7-FE9D9060966E}" type="pres">
+      <dgm:prSet presAssocID="{33AAA227-0A68-43FE-8DFF-ECD1CD9B32AD}" presName="sibTrans" presStyleLbl="sibTrans2D1" presStyleIdx="0" presStyleCnt="0"/>
       <dgm:spPr/>
     </dgm:pt>
-    <dgm:pt modelId="{1D459A4C-D49D-40AA-8436-A84A96D1A703}" type="pres">
-      <dgm:prSet presAssocID="{F9711525-17E8-45BF-9C84-1CCB30551CD9}" presName="compNode" presStyleCnt="0"/>
+    <dgm:pt modelId="{CFED6AC3-428A-4452-9138-B1D63A27D8A0}" type="pres">
+      <dgm:prSet presAssocID="{4FF699F8-B6E9-8F4B-80E0-2386E2F81AE2}" presName="compNode" presStyleCnt="0"/>
       <dgm:spPr/>
     </dgm:pt>
-    <dgm:pt modelId="{19920550-A418-4ADB-88C8-7D34118A0534}" type="pres">
-      <dgm:prSet presAssocID="{F9711525-17E8-45BF-9C84-1CCB30551CD9}" presName="bgRect" presStyleLbl="bgShp" presStyleIdx="5" presStyleCnt="6" custScaleY="154247"/>
+    <dgm:pt modelId="{8DD7E083-D61B-434C-AA35-345276811284}" type="pres">
+      <dgm:prSet presAssocID="{4FF699F8-B6E9-8F4B-80E0-2386E2F81AE2}" presName="iconBgRect" presStyleLbl="bgShp" presStyleIdx="5" presStyleCnt="6"/>
       <dgm:spPr/>
     </dgm:pt>
-    <dgm:pt modelId="{E84A854F-31C6-4E9E-9328-C9A238E08C69}" type="pres">
-      <dgm:prSet presAssocID="{F9711525-17E8-45BF-9C84-1CCB30551CD9}" presName="iconRect" presStyleLbl="node1" presStyleIdx="5" presStyleCnt="6"/>
+    <dgm:pt modelId="{8C8D8D11-A8BC-495A-95CD-8179B52CF9A1}" type="pres">
+      <dgm:prSet presAssocID="{4FF699F8-B6E9-8F4B-80E0-2386E2F81AE2}" presName="iconRect" presStyleLbl="node1" presStyleIdx="5" presStyleCnt="6"/>
       <dgm:spPr>
         <a:blipFill>
           <a:blip xmlns:r="http://schemas.openxmlformats.org/officeDocument/2006/relationships" r:embed="rId11">
@@ -9660,79 +9498,93 @@
       </dgm:spPr>
       <dgm:extLst>
         <a:ext uri="{E40237B7-FDA0-4F09-8148-C483321AD2D9}">
-          <dgm14:cNvPr xmlns:dgm14="http://schemas.microsoft.com/office/drawing/2010/diagram" id="0" name="" descr="Filter"/>
+          <dgm14:cNvPr xmlns:dgm14="http://schemas.microsoft.com/office/drawing/2010/diagram" id="0" name="" descr="Target Audience"/>
         </a:ext>
       </dgm:extLst>
     </dgm:pt>
-    <dgm:pt modelId="{BA5C665A-2D26-4820-9569-66E24AD60E14}" type="pres">
-      <dgm:prSet presAssocID="{F9711525-17E8-45BF-9C84-1CCB30551CD9}" presName="spaceRect" presStyleCnt="0"/>
+    <dgm:pt modelId="{1A74EFDB-5134-40AA-B875-415CD92EA309}" type="pres">
+      <dgm:prSet presAssocID="{4FF699F8-B6E9-8F4B-80E0-2386E2F81AE2}" presName="spaceRect" presStyleCnt="0"/>
       <dgm:spPr/>
     </dgm:pt>
-    <dgm:pt modelId="{073C2F1D-C732-4B97-91BE-B7B120C8CF58}" type="pres">
-      <dgm:prSet presAssocID="{F9711525-17E8-45BF-9C84-1CCB30551CD9}" presName="parTx" presStyleLbl="revTx" presStyleIdx="5" presStyleCnt="6">
+    <dgm:pt modelId="{253BDD44-D96E-4587-8A98-B2C2E455E5CF}" type="pres">
+      <dgm:prSet presAssocID="{4FF699F8-B6E9-8F4B-80E0-2386E2F81AE2}" presName="textRect" presStyleLbl="revTx" presStyleIdx="5" presStyleCnt="6">
         <dgm:presLayoutVars>
-          <dgm:chMax val="0"/>
-          <dgm:chPref val="0"/>
+          <dgm:chMax val="1"/>
+          <dgm:chPref val="1"/>
         </dgm:presLayoutVars>
       </dgm:prSet>
       <dgm:spPr/>
     </dgm:pt>
   </dgm:ptLst>
   <dgm:cxnLst>
-    <dgm:cxn modelId="{20885712-91F2-416E-B185-E37B45A8B4B0}" srcId="{DEBC08DE-D4B9-49B3-AE23-447C90AEB136}" destId="{0B216707-E07B-40F7-9F3F-A86B2B5D0437}" srcOrd="3" destOrd="0" parTransId="{47ED65DF-49FD-4846-AF42-98C1DBAC5D57}" sibTransId="{709567F7-9414-4F8D-B073-8556E3A21900}"/>
-    <dgm:cxn modelId="{C130741F-9A34-4E98-986E-4354731C87A6}" srcId="{DEBC08DE-D4B9-49B3-AE23-447C90AEB136}" destId="{64D6A350-7893-4CD0-B7A0-6333AD389926}" srcOrd="0" destOrd="0" parTransId="{7977A0FD-1B50-4E71-988A-D766D751ED7E}" sibTransId="{DF770BFD-D1BA-4AE4-A93F-A3E04F00BBEA}"/>
-    <dgm:cxn modelId="{AAAAFE51-F021-46AD-8750-383AA1EE30BA}" type="presOf" srcId="{B8314AC0-9E0F-49E3-AD43-B2D018BA7FA9}" destId="{80D9DA1F-6F07-4895-8684-8E9B6BBCC5F4}" srcOrd="0" destOrd="0" presId="urn:microsoft.com/office/officeart/2018/2/layout/IconVerticalSolidList"/>
-    <dgm:cxn modelId="{6066C267-6415-4C0E-8D28-9818D916FA2C}" srcId="{DEBC08DE-D4B9-49B3-AE23-447C90AEB136}" destId="{D698D894-EE4E-4E9D-ACB3-2858CDCBC62C}" srcOrd="4" destOrd="0" parTransId="{CDD876A3-7798-4B05-A26B-2FEDB02E0A85}" sibTransId="{22153FF3-63C5-4604-9A8C-444E3201D36E}"/>
-    <dgm:cxn modelId="{12CB6D78-7082-4989-840C-B767108CDF37}" type="presOf" srcId="{D698D894-EE4E-4E9D-ACB3-2858CDCBC62C}" destId="{01E8B845-16F4-4DFD-8DE2-28FDBB752BEF}" srcOrd="0" destOrd="0" presId="urn:microsoft.com/office/officeart/2018/2/layout/IconVerticalSolidList"/>
-    <dgm:cxn modelId="{7EE3F480-1C04-4AFF-AB34-5828CC7D7B22}" srcId="{DEBC08DE-D4B9-49B3-AE23-447C90AEB136}" destId="{BCD202AC-49A4-4BFA-9708-EA3B20B94E95}" srcOrd="1" destOrd="0" parTransId="{9AC4E4A9-A0E1-4F9F-BDB9-8CD734982DE0}" sibTransId="{D540D133-CAB1-4A7B-8D12-B1E0DA8FE4D0}"/>
-    <dgm:cxn modelId="{BB7FB183-E4A8-4C60-B0C7-F6C9DEDC1664}" type="presOf" srcId="{64D6A350-7893-4CD0-B7A0-6333AD389926}" destId="{9A10355F-DD5B-44C6-A636-D4222ED6F98F}" srcOrd="0" destOrd="0" presId="urn:microsoft.com/office/officeart/2018/2/layout/IconVerticalSolidList"/>
-    <dgm:cxn modelId="{49EF258E-BDE3-4913-B0B6-66A7BAAC512C}" type="presOf" srcId="{DEBC08DE-D4B9-49B3-AE23-447C90AEB136}" destId="{ACAA066F-030D-470F-B191-6CB8944C25CB}" srcOrd="0" destOrd="0" presId="urn:microsoft.com/office/officeart/2018/2/layout/IconVerticalSolidList"/>
-    <dgm:cxn modelId="{457983C0-7826-4D92-8EE5-0B325ED8A778}" srcId="{DEBC08DE-D4B9-49B3-AE23-447C90AEB136}" destId="{B8314AC0-9E0F-49E3-AD43-B2D018BA7FA9}" srcOrd="2" destOrd="0" parTransId="{80577D52-D2AF-477E-87AC-9DA4CAB4EC70}" sibTransId="{97ED5E92-4D21-4917-A6AD-9EDE90BC6BD2}"/>
-    <dgm:cxn modelId="{0164FDCE-CDA9-4793-A001-BD93E85936CE}" type="presOf" srcId="{0B216707-E07B-40F7-9F3F-A86B2B5D0437}" destId="{6E6F68F5-E99B-4041-865C-15A43317DF69}" srcOrd="0" destOrd="0" presId="urn:microsoft.com/office/officeart/2018/2/layout/IconVerticalSolidList"/>
-    <dgm:cxn modelId="{305569D4-B055-470F-9AE3-B9677964BE9B}" srcId="{DEBC08DE-D4B9-49B3-AE23-447C90AEB136}" destId="{F9711525-17E8-45BF-9C84-1CCB30551CD9}" srcOrd="5" destOrd="0" parTransId="{08B46AB8-CD23-470E-9739-E98C33CFDA17}" sibTransId="{E2212BC0-7FA0-48A4-8703-E853104B162B}"/>
-    <dgm:cxn modelId="{2DE2B2E6-B92F-478C-B0C7-CD1581A7E22A}" type="presOf" srcId="{BCD202AC-49A4-4BFA-9708-EA3B20B94E95}" destId="{44F1F30F-4C66-432C-A2C3-41AFE8CA9E27}" srcOrd="0" destOrd="0" presId="urn:microsoft.com/office/officeart/2018/2/layout/IconVerticalSolidList"/>
-    <dgm:cxn modelId="{590DFFEE-BDD9-4E40-8D28-0CBFB690553D}" type="presOf" srcId="{F9711525-17E8-45BF-9C84-1CCB30551CD9}" destId="{073C2F1D-C732-4B97-91BE-B7B120C8CF58}" srcOrd="0" destOrd="0" presId="urn:microsoft.com/office/officeart/2018/2/layout/IconVerticalSolidList"/>
-    <dgm:cxn modelId="{3EA73BA8-A573-4790-AFEF-5D7CA7EF4080}" type="presParOf" srcId="{ACAA066F-030D-470F-B191-6CB8944C25CB}" destId="{E3C82494-3546-4E90-AF48-700E129093B7}" srcOrd="0" destOrd="0" presId="urn:microsoft.com/office/officeart/2018/2/layout/IconVerticalSolidList"/>
-    <dgm:cxn modelId="{BFDBEF1D-CEEE-4415-8D61-4CCDBC523330}" type="presParOf" srcId="{E3C82494-3546-4E90-AF48-700E129093B7}" destId="{2452070E-9DA7-4311-A35D-E0B4E5D3F521}" srcOrd="0" destOrd="0" presId="urn:microsoft.com/office/officeart/2018/2/layout/IconVerticalSolidList"/>
-    <dgm:cxn modelId="{BB95C9AF-DC6F-4232-99E4-DC4C7FA23DD5}" type="presParOf" srcId="{E3C82494-3546-4E90-AF48-700E129093B7}" destId="{316C5958-29A1-44A6-A93B-E99D35DD2820}" srcOrd="1" destOrd="0" presId="urn:microsoft.com/office/officeart/2018/2/layout/IconVerticalSolidList"/>
-    <dgm:cxn modelId="{7F306EBF-97E3-4083-AACD-316C5207EF48}" type="presParOf" srcId="{E3C82494-3546-4E90-AF48-700E129093B7}" destId="{5E9679BC-DC1E-4E5C-AD35-9113B6D57289}" srcOrd="2" destOrd="0" presId="urn:microsoft.com/office/officeart/2018/2/layout/IconVerticalSolidList"/>
-    <dgm:cxn modelId="{B3C9BE9F-19E2-47E4-9311-6CFAFDCBCE49}" type="presParOf" srcId="{E3C82494-3546-4E90-AF48-700E129093B7}" destId="{9A10355F-DD5B-44C6-A636-D4222ED6F98F}" srcOrd="3" destOrd="0" presId="urn:microsoft.com/office/officeart/2018/2/layout/IconVerticalSolidList"/>
-    <dgm:cxn modelId="{BDB7249D-9DDC-42F6-BE27-184C0267F191}" type="presParOf" srcId="{ACAA066F-030D-470F-B191-6CB8944C25CB}" destId="{1DDCE5A5-7B58-452C-8AC9-85C2711733F4}" srcOrd="1" destOrd="0" presId="urn:microsoft.com/office/officeart/2018/2/layout/IconVerticalSolidList"/>
-    <dgm:cxn modelId="{02918D9C-8F60-4034-89FC-D92BD1F9CA7C}" type="presParOf" srcId="{ACAA066F-030D-470F-B191-6CB8944C25CB}" destId="{74C75158-E23D-439E-B640-F69AA6155002}" srcOrd="2" destOrd="0" presId="urn:microsoft.com/office/officeart/2018/2/layout/IconVerticalSolidList"/>
-    <dgm:cxn modelId="{47F039E5-9AF1-4C5A-B587-2F2CE5F11A99}" type="presParOf" srcId="{74C75158-E23D-439E-B640-F69AA6155002}" destId="{3D3D07AB-D684-4D3D-BF3B-8545A73B4889}" srcOrd="0" destOrd="0" presId="urn:microsoft.com/office/officeart/2018/2/layout/IconVerticalSolidList"/>
-    <dgm:cxn modelId="{C164B387-C55C-406E-BEAE-E96A0D2348E8}" type="presParOf" srcId="{74C75158-E23D-439E-B640-F69AA6155002}" destId="{C475E4B1-FFED-470B-ABA8-0BDC965A6010}" srcOrd="1" destOrd="0" presId="urn:microsoft.com/office/officeart/2018/2/layout/IconVerticalSolidList"/>
-    <dgm:cxn modelId="{358F8405-B0C0-40B8-9F72-C07B00A4C8ED}" type="presParOf" srcId="{74C75158-E23D-439E-B640-F69AA6155002}" destId="{54BC4875-6DA0-493D-A512-219FC6DE4384}" srcOrd="2" destOrd="0" presId="urn:microsoft.com/office/officeart/2018/2/layout/IconVerticalSolidList"/>
-    <dgm:cxn modelId="{32E82786-580F-44AE-A8FB-ED7B65AEC59F}" type="presParOf" srcId="{74C75158-E23D-439E-B640-F69AA6155002}" destId="{44F1F30F-4C66-432C-A2C3-41AFE8CA9E27}" srcOrd="3" destOrd="0" presId="urn:microsoft.com/office/officeart/2018/2/layout/IconVerticalSolidList"/>
-    <dgm:cxn modelId="{F99704BB-AA1F-43DA-AF93-BF39F59CF448}" type="presParOf" srcId="{ACAA066F-030D-470F-B191-6CB8944C25CB}" destId="{296F883F-D6ED-4348-8069-81751738E337}" srcOrd="3" destOrd="0" presId="urn:microsoft.com/office/officeart/2018/2/layout/IconVerticalSolidList"/>
-    <dgm:cxn modelId="{530F5C82-EC6F-408B-AE8B-479B358E67F0}" type="presParOf" srcId="{ACAA066F-030D-470F-B191-6CB8944C25CB}" destId="{0C1F8437-8443-4A83-9FEF-B8A204EA210E}" srcOrd="4" destOrd="0" presId="urn:microsoft.com/office/officeart/2018/2/layout/IconVerticalSolidList"/>
-    <dgm:cxn modelId="{B684E5D1-37FC-4368-B4E4-42004569E704}" type="presParOf" srcId="{0C1F8437-8443-4A83-9FEF-B8A204EA210E}" destId="{6BE4C7BC-4DB4-49D3-ABE1-A3732821DAAC}" srcOrd="0" destOrd="0" presId="urn:microsoft.com/office/officeart/2018/2/layout/IconVerticalSolidList"/>
-    <dgm:cxn modelId="{8136EA67-C7D6-4004-8891-8D722CDBDBFF}" type="presParOf" srcId="{0C1F8437-8443-4A83-9FEF-B8A204EA210E}" destId="{F65B7405-E0E8-44F4-A9ED-A3BACA68D860}" srcOrd="1" destOrd="0" presId="urn:microsoft.com/office/officeart/2018/2/layout/IconVerticalSolidList"/>
-    <dgm:cxn modelId="{15154E25-7BA7-49B0-B130-C33E84C25B4B}" type="presParOf" srcId="{0C1F8437-8443-4A83-9FEF-B8A204EA210E}" destId="{A7F401DD-142B-400D-B517-A79E3F6F132F}" srcOrd="2" destOrd="0" presId="urn:microsoft.com/office/officeart/2018/2/layout/IconVerticalSolidList"/>
-    <dgm:cxn modelId="{BA08DB63-ED0F-4AFE-8209-3A552DA1770E}" type="presParOf" srcId="{0C1F8437-8443-4A83-9FEF-B8A204EA210E}" destId="{80D9DA1F-6F07-4895-8684-8E9B6BBCC5F4}" srcOrd="3" destOrd="0" presId="urn:microsoft.com/office/officeart/2018/2/layout/IconVerticalSolidList"/>
-    <dgm:cxn modelId="{42A385A2-08D2-4CE7-88B2-6765FD59AA96}" type="presParOf" srcId="{ACAA066F-030D-470F-B191-6CB8944C25CB}" destId="{D053C6E7-E87B-4363-BD9B-4F7D63A5984D}" srcOrd="5" destOrd="0" presId="urn:microsoft.com/office/officeart/2018/2/layout/IconVerticalSolidList"/>
-    <dgm:cxn modelId="{A54CA83A-9B12-4B1D-8B73-C9E20AC869A6}" type="presParOf" srcId="{ACAA066F-030D-470F-B191-6CB8944C25CB}" destId="{37F641B0-BCF4-483B-BC6A-70EDBC06A0AB}" srcOrd="6" destOrd="0" presId="urn:microsoft.com/office/officeart/2018/2/layout/IconVerticalSolidList"/>
-    <dgm:cxn modelId="{993524D2-4AC5-4F17-BD27-A3525B8F768F}" type="presParOf" srcId="{37F641B0-BCF4-483B-BC6A-70EDBC06A0AB}" destId="{5067BFCA-2398-42E2-97FB-447DE92A9F6D}" srcOrd="0" destOrd="0" presId="urn:microsoft.com/office/officeart/2018/2/layout/IconVerticalSolidList"/>
-    <dgm:cxn modelId="{2295F30D-5A11-44A4-B264-06A230448906}" type="presParOf" srcId="{37F641B0-BCF4-483B-BC6A-70EDBC06A0AB}" destId="{090E4B54-5BF0-45E3-9AA4-5D87C8ADF837}" srcOrd="1" destOrd="0" presId="urn:microsoft.com/office/officeart/2018/2/layout/IconVerticalSolidList"/>
-    <dgm:cxn modelId="{F7F2F513-5325-4206-ACA8-50ED538676A8}" type="presParOf" srcId="{37F641B0-BCF4-483B-BC6A-70EDBC06A0AB}" destId="{2D20C1DB-72D9-4904-B783-BC5EF0C5F53E}" srcOrd="2" destOrd="0" presId="urn:microsoft.com/office/officeart/2018/2/layout/IconVerticalSolidList"/>
-    <dgm:cxn modelId="{7D6A9B8A-AED5-40A4-BA53-D372F8282BF2}" type="presParOf" srcId="{37F641B0-BCF4-483B-BC6A-70EDBC06A0AB}" destId="{6E6F68F5-E99B-4041-865C-15A43317DF69}" srcOrd="3" destOrd="0" presId="urn:microsoft.com/office/officeart/2018/2/layout/IconVerticalSolidList"/>
-    <dgm:cxn modelId="{CF5A7AD7-925E-4AAE-A6B2-96172413030B}" type="presParOf" srcId="{ACAA066F-030D-470F-B191-6CB8944C25CB}" destId="{13F0E7F1-8D98-44D0-A11A-2F0A694A94BE}" srcOrd="7" destOrd="0" presId="urn:microsoft.com/office/officeart/2018/2/layout/IconVerticalSolidList"/>
-    <dgm:cxn modelId="{1160A0E2-0ADD-4706-A51D-4CDEB9362C63}" type="presParOf" srcId="{ACAA066F-030D-470F-B191-6CB8944C25CB}" destId="{32D0AC20-844D-4D6E-A85C-CEAB56CD8D4A}" srcOrd="8" destOrd="0" presId="urn:microsoft.com/office/officeart/2018/2/layout/IconVerticalSolidList"/>
-    <dgm:cxn modelId="{81FCFE04-EDFF-4771-9B48-F2E2F5035A4A}" type="presParOf" srcId="{32D0AC20-844D-4D6E-A85C-CEAB56CD8D4A}" destId="{051A46D7-10E2-4658-AA72-22E54D4E0408}" srcOrd="0" destOrd="0" presId="urn:microsoft.com/office/officeart/2018/2/layout/IconVerticalSolidList"/>
-    <dgm:cxn modelId="{8F73A6B8-F87D-4336-BCBC-4E605C31438A}" type="presParOf" srcId="{32D0AC20-844D-4D6E-A85C-CEAB56CD8D4A}" destId="{07724D73-64F9-46AD-9852-326556672361}" srcOrd="1" destOrd="0" presId="urn:microsoft.com/office/officeart/2018/2/layout/IconVerticalSolidList"/>
-    <dgm:cxn modelId="{3BD94586-ADF5-45A7-89CC-72C1CFE017A4}" type="presParOf" srcId="{32D0AC20-844D-4D6E-A85C-CEAB56CD8D4A}" destId="{3BB27C72-DB1E-4533-AD61-901DB5E46170}" srcOrd="2" destOrd="0" presId="urn:microsoft.com/office/officeart/2018/2/layout/IconVerticalSolidList"/>
-    <dgm:cxn modelId="{712B4F00-8EC6-48F5-8A6A-E72085524937}" type="presParOf" srcId="{32D0AC20-844D-4D6E-A85C-CEAB56CD8D4A}" destId="{01E8B845-16F4-4DFD-8DE2-28FDBB752BEF}" srcOrd="3" destOrd="0" presId="urn:microsoft.com/office/officeart/2018/2/layout/IconVerticalSolidList"/>
-    <dgm:cxn modelId="{3A7EC5E6-29DE-48DA-8837-10CB13E88F25}" type="presParOf" srcId="{ACAA066F-030D-470F-B191-6CB8944C25CB}" destId="{D784813F-1B7C-466A-A64D-D710548D02BE}" srcOrd="9" destOrd="0" presId="urn:microsoft.com/office/officeart/2018/2/layout/IconVerticalSolidList"/>
-    <dgm:cxn modelId="{ABB6B404-0765-46A4-9D6C-26363E9BCDC7}" type="presParOf" srcId="{ACAA066F-030D-470F-B191-6CB8944C25CB}" destId="{1D459A4C-D49D-40AA-8436-A84A96D1A703}" srcOrd="10" destOrd="0" presId="urn:microsoft.com/office/officeart/2018/2/layout/IconVerticalSolidList"/>
-    <dgm:cxn modelId="{ADF7E762-F533-4BEE-975E-C263EDBCB441}" type="presParOf" srcId="{1D459A4C-D49D-40AA-8436-A84A96D1A703}" destId="{19920550-A418-4ADB-88C8-7D34118A0534}" srcOrd="0" destOrd="0" presId="urn:microsoft.com/office/officeart/2018/2/layout/IconVerticalSolidList"/>
-    <dgm:cxn modelId="{31D93BAD-D680-4DDB-88A4-0E84EE855F75}" type="presParOf" srcId="{1D459A4C-D49D-40AA-8436-A84A96D1A703}" destId="{E84A854F-31C6-4E9E-9328-C9A238E08C69}" srcOrd="1" destOrd="0" presId="urn:microsoft.com/office/officeart/2018/2/layout/IconVerticalSolidList"/>
-    <dgm:cxn modelId="{47A7E78E-9D0D-4777-B774-50FB90581DC9}" type="presParOf" srcId="{1D459A4C-D49D-40AA-8436-A84A96D1A703}" destId="{BA5C665A-2D26-4820-9569-66E24AD60E14}" srcOrd="2" destOrd="0" presId="urn:microsoft.com/office/officeart/2018/2/layout/IconVerticalSolidList"/>
-    <dgm:cxn modelId="{AD28713E-3020-4BDC-B623-57035BBEA63A}" type="presParOf" srcId="{1D459A4C-D49D-40AA-8436-A84A96D1A703}" destId="{073C2F1D-C732-4B97-91BE-B7B120C8CF58}" srcOrd="3" destOrd="0" presId="urn:microsoft.com/office/officeart/2018/2/layout/IconVerticalSolidList"/>
+    <dgm:cxn modelId="{6B0B3615-AF23-4FCA-B0C9-A8E81D82DEB0}" srcId="{84E32B9B-FD57-408C-B439-AF016CD55C9C}" destId="{4DE91A29-169F-4400-99DE-3C3D4A70A7DD}" srcOrd="0" destOrd="0" parTransId="{75524E49-107C-4FA5-854F-31D401FA403B}" sibTransId="{538BC557-F29F-44C7-8374-B785741A09A0}"/>
+    <dgm:cxn modelId="{89A8EC1D-E5BA-FE43-A38D-C5BF44D13CEC}" type="presOf" srcId="{6BE3577A-2EEF-434D-A67D-1937786DE045}" destId="{D1B88C79-E19D-4F06-9B37-1913F75808D6}" srcOrd="0" destOrd="0" presId="urn:microsoft.com/office/officeart/2018/2/layout/IconCircleList"/>
+    <dgm:cxn modelId="{8DAA0524-71A0-CA49-9B62-95188D34A90E}" type="presOf" srcId="{4DE91A29-169F-4400-99DE-3C3D4A70A7DD}" destId="{C7DF7460-D979-479A-8A3C-4F58E66F09A7}" srcOrd="0" destOrd="0" presId="urn:microsoft.com/office/officeart/2018/2/layout/IconCircleList"/>
+    <dgm:cxn modelId="{16E15E2B-AB99-41EB-813A-23531E355079}" srcId="{84E32B9B-FD57-408C-B439-AF016CD55C9C}" destId="{4D259DA8-11AE-422A-9089-F2D55E930D16}" srcOrd="2" destOrd="0" parTransId="{3A57AC02-0858-4A9B-A9DF-05E6EBDE0CED}" sibTransId="{CFFAD25F-BD51-4EBD-A7A2-4FBA3DE7CCB2}"/>
+    <dgm:cxn modelId="{03B6E730-C3DB-42B3-AE3F-F3B7E803DC37}" srcId="{84E32B9B-FD57-408C-B439-AF016CD55C9C}" destId="{7C5BBA54-2789-402C-9F27-8BF029D0B840}" srcOrd="1" destOrd="0" parTransId="{84515A20-A696-4FD5-A2A0-8854102BBD3C}" sibTransId="{1698248E-E44E-4250-A255-20C712D05655}"/>
+    <dgm:cxn modelId="{191F6233-55B8-814B-BDC0-F20199AA9BA9}" type="presOf" srcId="{CFFAD25F-BD51-4EBD-A7A2-4FBA3DE7CCB2}" destId="{6F164456-CDBD-420F-AAE1-746A9B7F678F}" srcOrd="0" destOrd="0" presId="urn:microsoft.com/office/officeart/2018/2/layout/IconCircleList"/>
+    <dgm:cxn modelId="{84237A34-831A-4D06-9218-DF7E47F571F0}" srcId="{84E32B9B-FD57-408C-B439-AF016CD55C9C}" destId="{6BE3577A-2EEF-434D-A67D-1937786DE045}" srcOrd="3" destOrd="0" parTransId="{EACA85A9-33F7-4F5C-8066-3572F3BD9321}" sibTransId="{CB493FE5-B295-44AC-8954-9D3891861046}"/>
+    <dgm:cxn modelId="{5E13BA51-E419-DD48-8F66-D24D0F2A176D}" type="presOf" srcId="{84E32B9B-FD57-408C-B439-AF016CD55C9C}" destId="{0E4B039F-C965-4C55-AB0C-2CBC3C012ED7}" srcOrd="0" destOrd="0" presId="urn:microsoft.com/office/officeart/2018/2/layout/IconCircleList"/>
+    <dgm:cxn modelId="{B7223C54-A0BA-8746-BCB8-B7DD45BC9988}" srcId="{84E32B9B-FD57-408C-B439-AF016CD55C9C}" destId="{4FF699F8-B6E9-8F4B-80E0-2386E2F81AE2}" srcOrd="5" destOrd="0" parTransId="{2D4D9A71-31BE-7440-B4C9-DFEB734E8066}" sibTransId="{392E2554-0551-6D45-B711-F554C95D9F27}"/>
+    <dgm:cxn modelId="{B333C365-543E-B147-9BE5-D18A67B63195}" type="presOf" srcId="{4D259DA8-11AE-422A-9089-F2D55E930D16}" destId="{AE765BD2-ECE5-4E45-8260-29BA28667ACB}" srcOrd="0" destOrd="0" presId="urn:microsoft.com/office/officeart/2018/2/layout/IconCircleList"/>
+    <dgm:cxn modelId="{A21E006B-4EC5-463A-9251-D39212BC8668}" srcId="{84E32B9B-FD57-408C-B439-AF016CD55C9C}" destId="{F703D793-A918-439D-B186-1D60B1819940}" srcOrd="4" destOrd="0" parTransId="{9A2E3F2C-35CE-474E-9873-E950D603A12E}" sibTransId="{33AAA227-0A68-43FE-8DFF-ECD1CD9B32AD}"/>
+    <dgm:cxn modelId="{71EB648B-D2A6-B241-A5BB-7B1DE0C0E64F}" type="presOf" srcId="{CB493FE5-B295-44AC-8954-9D3891861046}" destId="{7C3F35A6-25C0-43B1-89D7-0CF8EBB82896}" srcOrd="0" destOrd="0" presId="urn:microsoft.com/office/officeart/2018/2/layout/IconCircleList"/>
+    <dgm:cxn modelId="{5E27B98D-8796-A247-8FD5-50AF38EDF18E}" type="presOf" srcId="{33AAA227-0A68-43FE-8DFF-ECD1CD9B32AD}" destId="{54D530DE-532F-4B3D-88F7-FE9D9060966E}" srcOrd="0" destOrd="0" presId="urn:microsoft.com/office/officeart/2018/2/layout/IconCircleList"/>
+    <dgm:cxn modelId="{98D08694-707D-A348-8497-442DAD8A12D7}" type="presOf" srcId="{4FF699F8-B6E9-8F4B-80E0-2386E2F81AE2}" destId="{253BDD44-D96E-4587-8A98-B2C2E455E5CF}" srcOrd="0" destOrd="0" presId="urn:microsoft.com/office/officeart/2018/2/layout/IconCircleList"/>
+    <dgm:cxn modelId="{6F2ED7B1-F660-CF40-9A23-198E95BACD7D}" type="presOf" srcId="{1698248E-E44E-4250-A255-20C712D05655}" destId="{5B4890B1-5B48-47DE-B76B-41076FD75505}" srcOrd="0" destOrd="0" presId="urn:microsoft.com/office/officeart/2018/2/layout/IconCircleList"/>
+    <dgm:cxn modelId="{C76F3DCE-8799-414F-9AF9-9BCA7AE0C029}" type="presOf" srcId="{7C5BBA54-2789-402C-9F27-8BF029D0B840}" destId="{8F4B3A42-BDE2-405F-B6EF-FDFF12BD23DE}" srcOrd="0" destOrd="0" presId="urn:microsoft.com/office/officeart/2018/2/layout/IconCircleList"/>
+    <dgm:cxn modelId="{BCFF27E5-BA11-F646-9BC7-63653302318B}" type="presOf" srcId="{F703D793-A918-439D-B186-1D60B1819940}" destId="{E842CF6B-F1D6-40A4-9D98-383390B9B87F}" srcOrd="0" destOrd="0" presId="urn:microsoft.com/office/officeart/2018/2/layout/IconCircleList"/>
+    <dgm:cxn modelId="{F9B407F4-055A-6F45-921D-B83377F2E05B}" type="presOf" srcId="{538BC557-F29F-44C7-8374-B785741A09A0}" destId="{2BA42451-8FF1-4E5B-A5C9-B2E843D6FB41}" srcOrd="0" destOrd="0" presId="urn:microsoft.com/office/officeart/2018/2/layout/IconCircleList"/>
+    <dgm:cxn modelId="{AE92DD55-1BA5-CC40-827F-A117227C5C79}" type="presParOf" srcId="{0E4B039F-C965-4C55-AB0C-2CBC3C012ED7}" destId="{836D56FE-59C0-46C2-B165-D016CADABC34}" srcOrd="0" destOrd="0" presId="urn:microsoft.com/office/officeart/2018/2/layout/IconCircleList"/>
+    <dgm:cxn modelId="{97D7B44A-2FAE-9C45-9E59-A6B701F9D9C3}" type="presParOf" srcId="{836D56FE-59C0-46C2-B165-D016CADABC34}" destId="{9BA7B4C2-7445-49CC-806B-5D0B1E8FA168}" srcOrd="0" destOrd="0" presId="urn:microsoft.com/office/officeart/2018/2/layout/IconCircleList"/>
+    <dgm:cxn modelId="{58B3865F-C296-2144-82B8-AA98F63E0287}" type="presParOf" srcId="{9BA7B4C2-7445-49CC-806B-5D0B1E8FA168}" destId="{44B7392A-01B0-4E1B-8681-8A385A97C153}" srcOrd="0" destOrd="0" presId="urn:microsoft.com/office/officeart/2018/2/layout/IconCircleList"/>
+    <dgm:cxn modelId="{3BBDF3A5-5BCD-DC41-BE8E-A5B2623ACC17}" type="presParOf" srcId="{9BA7B4C2-7445-49CC-806B-5D0B1E8FA168}" destId="{A3DEB29C-9795-444B-929C-FD38E7805D64}" srcOrd="1" destOrd="0" presId="urn:microsoft.com/office/officeart/2018/2/layout/IconCircleList"/>
+    <dgm:cxn modelId="{FB907FBD-61ED-024E-A521-8358726A74C2}" type="presParOf" srcId="{9BA7B4C2-7445-49CC-806B-5D0B1E8FA168}" destId="{F5AAE589-9277-462E-AA3D-F42A7BC3CB05}" srcOrd="2" destOrd="0" presId="urn:microsoft.com/office/officeart/2018/2/layout/IconCircleList"/>
+    <dgm:cxn modelId="{2CC564A3-11D7-D244-950C-718449EA5D66}" type="presParOf" srcId="{9BA7B4C2-7445-49CC-806B-5D0B1E8FA168}" destId="{C7DF7460-D979-479A-8A3C-4F58E66F09A7}" srcOrd="3" destOrd="0" presId="urn:microsoft.com/office/officeart/2018/2/layout/IconCircleList"/>
+    <dgm:cxn modelId="{3A97199A-DB7F-C245-B898-4852842187CC}" type="presParOf" srcId="{836D56FE-59C0-46C2-B165-D016CADABC34}" destId="{2BA42451-8FF1-4E5B-A5C9-B2E843D6FB41}" srcOrd="1" destOrd="0" presId="urn:microsoft.com/office/officeart/2018/2/layout/IconCircleList"/>
+    <dgm:cxn modelId="{20BDA61E-3F1A-6043-9578-046BE0E5D59B}" type="presParOf" srcId="{836D56FE-59C0-46C2-B165-D016CADABC34}" destId="{2135144F-8B4A-4654-902A-123DC7BCB8F1}" srcOrd="2" destOrd="0" presId="urn:microsoft.com/office/officeart/2018/2/layout/IconCircleList"/>
+    <dgm:cxn modelId="{51C63EAE-1077-8B44-ADE2-E41E0A7D849C}" type="presParOf" srcId="{2135144F-8B4A-4654-902A-123DC7BCB8F1}" destId="{27B93283-6836-4E7F-8B58-9039756570B7}" srcOrd="0" destOrd="0" presId="urn:microsoft.com/office/officeart/2018/2/layout/IconCircleList"/>
+    <dgm:cxn modelId="{AF224385-9397-5948-AEDE-294CA3DDBD7E}" type="presParOf" srcId="{2135144F-8B4A-4654-902A-123DC7BCB8F1}" destId="{A02CF345-FC23-45D5-BBC1-74DA1DA9873E}" srcOrd="1" destOrd="0" presId="urn:microsoft.com/office/officeart/2018/2/layout/IconCircleList"/>
+    <dgm:cxn modelId="{3AE61839-0381-EB4E-8E06-AF039695761F}" type="presParOf" srcId="{2135144F-8B4A-4654-902A-123DC7BCB8F1}" destId="{726C449F-13DC-4548-AC9F-52DF2D69C1AB}" srcOrd="2" destOrd="0" presId="urn:microsoft.com/office/officeart/2018/2/layout/IconCircleList"/>
+    <dgm:cxn modelId="{189AB4F8-F7A2-704E-85A7-93A771D064F0}" type="presParOf" srcId="{2135144F-8B4A-4654-902A-123DC7BCB8F1}" destId="{8F4B3A42-BDE2-405F-B6EF-FDFF12BD23DE}" srcOrd="3" destOrd="0" presId="urn:microsoft.com/office/officeart/2018/2/layout/IconCircleList"/>
+    <dgm:cxn modelId="{E1D3D6F0-1A83-F849-807F-F39AFFD8424D}" type="presParOf" srcId="{836D56FE-59C0-46C2-B165-D016CADABC34}" destId="{5B4890B1-5B48-47DE-B76B-41076FD75505}" srcOrd="3" destOrd="0" presId="urn:microsoft.com/office/officeart/2018/2/layout/IconCircleList"/>
+    <dgm:cxn modelId="{995075C4-77AA-0D42-80B2-159942E949E9}" type="presParOf" srcId="{836D56FE-59C0-46C2-B165-D016CADABC34}" destId="{5B2288E3-F2CF-4F09-ADE7-1CD5AD37AADA}" srcOrd="4" destOrd="0" presId="urn:microsoft.com/office/officeart/2018/2/layout/IconCircleList"/>
+    <dgm:cxn modelId="{9D2B6B66-A2EB-4E44-AD6B-00A9325B02D6}" type="presParOf" srcId="{5B2288E3-F2CF-4F09-ADE7-1CD5AD37AADA}" destId="{C90A706F-D6EF-4FCF-A61F-4A57BB47BE88}" srcOrd="0" destOrd="0" presId="urn:microsoft.com/office/officeart/2018/2/layout/IconCircleList"/>
+    <dgm:cxn modelId="{A180B998-E447-9349-8475-233BC8C72A7C}" type="presParOf" srcId="{5B2288E3-F2CF-4F09-ADE7-1CD5AD37AADA}" destId="{1C234E49-C8E9-4E24-9750-E2C14B377662}" srcOrd="1" destOrd="0" presId="urn:microsoft.com/office/officeart/2018/2/layout/IconCircleList"/>
+    <dgm:cxn modelId="{A4C0E523-187F-2443-AAEC-B98E1198CEB4}" type="presParOf" srcId="{5B2288E3-F2CF-4F09-ADE7-1CD5AD37AADA}" destId="{FAF4AAF0-E80E-48CE-BBC6-1EF519E03531}" srcOrd="2" destOrd="0" presId="urn:microsoft.com/office/officeart/2018/2/layout/IconCircleList"/>
+    <dgm:cxn modelId="{413D3E1D-0F82-5944-AA23-7622D712E618}" type="presParOf" srcId="{5B2288E3-F2CF-4F09-ADE7-1CD5AD37AADA}" destId="{AE765BD2-ECE5-4E45-8260-29BA28667ACB}" srcOrd="3" destOrd="0" presId="urn:microsoft.com/office/officeart/2018/2/layout/IconCircleList"/>
+    <dgm:cxn modelId="{83C3185F-5677-474C-AD4C-5B8B27260CDE}" type="presParOf" srcId="{836D56FE-59C0-46C2-B165-D016CADABC34}" destId="{6F164456-CDBD-420F-AAE1-746A9B7F678F}" srcOrd="5" destOrd="0" presId="urn:microsoft.com/office/officeart/2018/2/layout/IconCircleList"/>
+    <dgm:cxn modelId="{A8DB326E-B398-9548-A3BC-9397A4769BA7}" type="presParOf" srcId="{836D56FE-59C0-46C2-B165-D016CADABC34}" destId="{9AC0A8B0-E37A-4112-A958-AAB20D826EF2}" srcOrd="6" destOrd="0" presId="urn:microsoft.com/office/officeart/2018/2/layout/IconCircleList"/>
+    <dgm:cxn modelId="{27BB9AF4-2E26-2D4A-8A96-8F922BB29A53}" type="presParOf" srcId="{9AC0A8B0-E37A-4112-A958-AAB20D826EF2}" destId="{0BCBDC8E-22DF-46AB-A23B-2EE43F335AFD}" srcOrd="0" destOrd="0" presId="urn:microsoft.com/office/officeart/2018/2/layout/IconCircleList"/>
+    <dgm:cxn modelId="{75A0F5F2-E7A1-8043-8480-D14A83B59256}" type="presParOf" srcId="{9AC0A8B0-E37A-4112-A958-AAB20D826EF2}" destId="{066F885E-F14F-4891-9048-5055024C29B6}" srcOrd="1" destOrd="0" presId="urn:microsoft.com/office/officeart/2018/2/layout/IconCircleList"/>
+    <dgm:cxn modelId="{8C0EC52A-680E-EE40-814E-14856C0CFFF9}" type="presParOf" srcId="{9AC0A8B0-E37A-4112-A958-AAB20D826EF2}" destId="{94BE55DB-A44A-4E54-AFAF-968D019D206F}" srcOrd="2" destOrd="0" presId="urn:microsoft.com/office/officeart/2018/2/layout/IconCircleList"/>
+    <dgm:cxn modelId="{2171841F-39F0-1F47-AE5A-27B132EB0444}" type="presParOf" srcId="{9AC0A8B0-E37A-4112-A958-AAB20D826EF2}" destId="{D1B88C79-E19D-4F06-9B37-1913F75808D6}" srcOrd="3" destOrd="0" presId="urn:microsoft.com/office/officeart/2018/2/layout/IconCircleList"/>
+    <dgm:cxn modelId="{935F4D4D-7FE5-EA49-B1F8-C7C9ED24482E}" type="presParOf" srcId="{836D56FE-59C0-46C2-B165-D016CADABC34}" destId="{7C3F35A6-25C0-43B1-89D7-0CF8EBB82896}" srcOrd="7" destOrd="0" presId="urn:microsoft.com/office/officeart/2018/2/layout/IconCircleList"/>
+    <dgm:cxn modelId="{69DD05A5-467F-EF46-A30A-5FDD831359D2}" type="presParOf" srcId="{836D56FE-59C0-46C2-B165-D016CADABC34}" destId="{57D1F32A-BDED-4F38-86E7-B1096CF71F9A}" srcOrd="8" destOrd="0" presId="urn:microsoft.com/office/officeart/2018/2/layout/IconCircleList"/>
+    <dgm:cxn modelId="{20E7B797-9C95-A64A-B60C-2F6048FD15BA}" type="presParOf" srcId="{57D1F32A-BDED-4F38-86E7-B1096CF71F9A}" destId="{AC1093DC-7BA6-4E00-ADA0-006B5DD42660}" srcOrd="0" destOrd="0" presId="urn:microsoft.com/office/officeart/2018/2/layout/IconCircleList"/>
+    <dgm:cxn modelId="{031D8289-4082-0240-91AC-5D37AF9737C2}" type="presParOf" srcId="{57D1F32A-BDED-4F38-86E7-B1096CF71F9A}" destId="{423A8A95-20E4-4E43-8AF8-4F1AED368C4A}" srcOrd="1" destOrd="0" presId="urn:microsoft.com/office/officeart/2018/2/layout/IconCircleList"/>
+    <dgm:cxn modelId="{8EB65AD1-833B-3043-856E-D696954F130A}" type="presParOf" srcId="{57D1F32A-BDED-4F38-86E7-B1096CF71F9A}" destId="{4E2EC470-2E89-4C1F-A754-A3CE28CBA425}" srcOrd="2" destOrd="0" presId="urn:microsoft.com/office/officeart/2018/2/layout/IconCircleList"/>
+    <dgm:cxn modelId="{86D88BA0-6612-0346-85C7-22C022D86A11}" type="presParOf" srcId="{57D1F32A-BDED-4F38-86E7-B1096CF71F9A}" destId="{E842CF6B-F1D6-40A4-9D98-383390B9B87F}" srcOrd="3" destOrd="0" presId="urn:microsoft.com/office/officeart/2018/2/layout/IconCircleList"/>
+    <dgm:cxn modelId="{23F1A8A9-B70E-FB44-B6DD-1ACD703AD02F}" type="presParOf" srcId="{836D56FE-59C0-46C2-B165-D016CADABC34}" destId="{54D530DE-532F-4B3D-88F7-FE9D9060966E}" srcOrd="9" destOrd="0" presId="urn:microsoft.com/office/officeart/2018/2/layout/IconCircleList"/>
+    <dgm:cxn modelId="{4970917B-6D2C-6E41-AD35-CA214DF6E6A9}" type="presParOf" srcId="{836D56FE-59C0-46C2-B165-D016CADABC34}" destId="{CFED6AC3-428A-4452-9138-B1D63A27D8A0}" srcOrd="10" destOrd="0" presId="urn:microsoft.com/office/officeart/2018/2/layout/IconCircleList"/>
+    <dgm:cxn modelId="{6AF017CD-6C29-4941-A878-8D84791D8A55}" type="presParOf" srcId="{CFED6AC3-428A-4452-9138-B1D63A27D8A0}" destId="{8DD7E083-D61B-434C-AA35-345276811284}" srcOrd="0" destOrd="0" presId="urn:microsoft.com/office/officeart/2018/2/layout/IconCircleList"/>
+    <dgm:cxn modelId="{B564C093-92D5-F745-A924-297646FC1BAF}" type="presParOf" srcId="{CFED6AC3-428A-4452-9138-B1D63A27D8A0}" destId="{8C8D8D11-A8BC-495A-95CD-8179B52CF9A1}" srcOrd="1" destOrd="0" presId="urn:microsoft.com/office/officeart/2018/2/layout/IconCircleList"/>
+    <dgm:cxn modelId="{E5F254BE-D762-904E-A134-DAB0A5A10F59}" type="presParOf" srcId="{CFED6AC3-428A-4452-9138-B1D63A27D8A0}" destId="{1A74EFDB-5134-40AA-B875-415CD92EA309}" srcOrd="2" destOrd="0" presId="urn:microsoft.com/office/officeart/2018/2/layout/IconCircleList"/>
+    <dgm:cxn modelId="{D85F06F2-1F2E-E94B-BD85-21674393D71E}" type="presParOf" srcId="{CFED6AC3-428A-4452-9138-B1D63A27D8A0}" destId="{253BDD44-D96E-4587-8A98-B2C2E455E5CF}" srcOrd="3" destOrd="0" presId="urn:microsoft.com/office/officeart/2018/2/layout/IconCircleList"/>
   </dgm:cxnLst>
-  <dgm:bg/>
-  <dgm:whole/>
+  <dgm:bg>
+    <a:noFill/>
+  </dgm:bg>
+  <dgm:whole>
+    <a:ln>
+      <a:solidFill>
+        <a:srgbClr val="00585A"/>
+      </a:solidFill>
+    </a:ln>
+  </dgm:whole>
   <dgm:extLst>
     <a:ext uri="http://schemas.microsoft.com/office/drawing/2008/diagram">
-      <dsp:dataModelExt xmlns:dsp="http://schemas.microsoft.com/office/drawing/2008/diagram" relId="rId6" minVer="http://schemas.openxmlformats.org/drawingml/2006/diagram"/>
+      <dsp:dataModelExt xmlns:dsp="http://schemas.microsoft.com/office/drawing/2008/diagram" relId="rId7" minVer="http://schemas.openxmlformats.org/drawingml/2006/diagram"/>
     </a:ext>
   </dgm:extLst>
 </dgm:dataModel>
@@ -9918,7 +9770,7 @@
             <a:rPr lang="en-US" dirty="0">
               <a:hlinkClick xmlns:r="http://schemas.openxmlformats.org/officeDocument/2006/relationships" r:id="rId3"/>
             </a:rPr>
-            <a:t>https://yousiadel.github.io/Parking-Finder-App/</a:t>
+            <a:t>https://github.com/Yousiadel/Park-Me-Site</a:t>
           </a:r>
           <a:endParaRPr lang="en-US" dirty="0"/>
         </a:p>
@@ -9954,12 +9806,12 @@
         <a:lstStyle/>
         <a:p>
           <a:r>
-            <a:rPr lang="en-US">
+            <a:rPr lang="en-US" b="0" i="0" dirty="0">
               <a:hlinkClick xmlns:r="http://schemas.openxmlformats.org/officeDocument/2006/relationships" r:id="rId4"/>
             </a:rPr>
-            <a:t>https://github.com/Yousiadel/Parking-Finder-App</a:t>
+            <a:t>https://yousiadel.github.io/Park-Me-Site/</a:t>
           </a:r>
-          <a:endParaRPr lang="en-US"/>
+          <a:endParaRPr lang="en-US" dirty="0"/>
         </a:p>
       </dgm:t>
     </dgm:pt>
@@ -10100,7 +9952,7 @@
   <dgm:whole/>
   <dgm:extLst>
     <a:ext uri="http://schemas.microsoft.com/office/drawing/2008/diagram">
-      <dsp:dataModelExt xmlns:dsp="http://schemas.microsoft.com/office/drawing/2008/diagram" relId="rId6" minVer="http://schemas.openxmlformats.org/drawingml/2006/diagram"/>
+      <dsp:dataModelExt xmlns:dsp="http://schemas.microsoft.com/office/drawing/2008/diagram" relId="rId7" minVer="http://schemas.openxmlformats.org/drawingml/2006/diagram"/>
     </a:ext>
   </dgm:extLst>
 </dgm:dataModel>
@@ -10207,7 +10059,7 @@
             <a:rPr lang="en-US" sz="1400" b="0" i="0" kern="1200" dirty="0">
               <a:latin typeface="+mn-lt"/>
             </a:rPr>
-            <a:t>Park Me is an all-in-one app to take the stress out of finding a place to park in 3 easy steps. Sign up for a completely free account, find a spot closest to where you need to go, and check in to your chosen garage.</a:t>
+            <a:t>Park Me is an all-in-one Site to take the stress out of finding a place to park in 3 easy steps. Sign up for a completely free account, find a spot closest to where you need to go, and check in to your chosen garage.</a:t>
           </a:r>
           <a:endParaRPr lang="en-US" sz="1400" kern="1200" dirty="0">
             <a:latin typeface="+mn-lt"/>
@@ -10573,7 +10425,7 @@
           </a:pPr>
           <a:r>
             <a:rPr lang="en-US" sz="1400" kern="1200" dirty="0"/>
-            <a:t>The car owner enters their location on the website and books a spot. When he reaches the parking lot, a sensor will read the license plate and feed it in the database to save his place on the site. The site will then guide the owner to the dedicated spot. </a:t>
+            <a:t>The car owner enters their location on the website. When he reaches the parking lot, a sensor will read the license plate and feed it in the database to save his place on the site “Future”. The site will then guide the owner to the dedicated spot. </a:t>
           </a:r>
         </a:p>
       </dsp:txBody>
@@ -10728,7 +10580,7 @@
           </a:r>
           <a:r>
             <a:rPr lang="en-US" sz="1400" kern="1200" dirty="0"/>
-            <a:t> fee is free, as we just started.</a:t>
+            <a:t> fee is free, as we just started. For Future, we will be able to add various of payment methods.</a:t>
           </a:r>
         </a:p>
       </dsp:txBody>
@@ -10879,7 +10731,7 @@
           </a:pPr>
           <a:r>
             <a:rPr lang="en-US" sz="1400" kern="1200" dirty="0"/>
-            <a:t>With the Park Me site, you will find available parking spots that are ideally located. The Park Me site gives you a perfect overview of parking spots close to your destination. Parking Finder not only saves you time but allows you to plan every trip with ease and confidence.</a:t>
+            <a:t>With the Park Me site, you will find available parking spots that are ideally located. The Park Me site gives you a perfect overview of parking spots close to your destination. Parking Me not only saves you time but allows you to plan every trip with ease and confidence.</a:t>
           </a:r>
         </a:p>
       </dsp:txBody>
@@ -11271,7 +11123,7 @@
           </a:pPr>
           <a:r>
             <a:rPr lang="en-US" sz="1300" kern="1200" dirty="0"/>
-            <a:t>Luckily, the modern IT industry can implement a solution. Parking apps and sites like our Parking Finder site bring relief to residents since they save time and nerves. The fundamental function of such applications is obtaining and booking free places nearby. </a:t>
+            <a:t>Luckily, the modern IT industry can implement a solution. Parking apps and sites like our Park Me site bring relief to residents since they save time and nerves. The fundamental function of such applications is obtaining and booking free places nearby. </a:t>
           </a:r>
         </a:p>
       </dsp:txBody>
@@ -11448,8 +11300,8 @@
       </dsp:nvSpPr>
       <dsp:spPr>
         <a:xfrm>
-          <a:off x="0" y="545315"/>
-          <a:ext cx="6588691" cy="1213289"/>
+          <a:off x="0" y="163884"/>
+          <a:ext cx="6588691" cy="1641509"/>
         </a:xfrm>
         <a:prstGeom prst="roundRect">
           <a:avLst/>
@@ -11491,12 +11343,12 @@
         </a:fontRef>
       </dsp:style>
       <dsp:txBody>
-        <a:bodyPr spcFirstLastPara="0" vert="horz" wrap="square" lIns="64770" tIns="64770" rIns="64770" bIns="64770" numCol="1" spcCol="1270" anchor="ctr" anchorCtr="0">
+        <a:bodyPr spcFirstLastPara="0" vert="horz" wrap="square" lIns="87630" tIns="87630" rIns="87630" bIns="87630" numCol="1" spcCol="1270" anchor="ctr" anchorCtr="0">
           <a:noAutofit/>
         </a:bodyPr>
         <a:lstStyle/>
         <a:p>
-          <a:pPr marL="0" lvl="0" indent="0" algn="l" defTabSz="755650">
+          <a:pPr marL="0" lvl="0" indent="0" algn="l" defTabSz="1022350">
             <a:lnSpc>
               <a:spcPct val="90000"/>
             </a:lnSpc>
@@ -11509,14 +11361,14 @@
             <a:buNone/>
           </a:pPr>
           <a:r>
-            <a:rPr lang="en-US" sz="1700" kern="1200" dirty="0"/>
-            <a:t>We tested the Search Bar as a user to insert your location. We wanted to make it work with an information bar to show up. Also, we want to search for a resource; when we search for support, we wanted to be able to click on the resource that drops down be brought to that page.</a:t>
+            <a:rPr lang="en-US" sz="2300" kern="1200" dirty="0"/>
+            <a:t>We tested the Sign Up as a user to insert the user information. We wanted to make it work with their information. It worked as we wanted thru the Local Storage information thru the site.</a:t>
           </a:r>
         </a:p>
       </dsp:txBody>
       <dsp:txXfrm>
-        <a:off x="59228" y="604543"/>
-        <a:ext cx="6470235" cy="1094833"/>
+        <a:off x="80132" y="244016"/>
+        <a:ext cx="6428427" cy="1481245"/>
       </dsp:txXfrm>
     </dsp:sp>
     <dsp:sp modelId="{882B0C4A-F1A4-094B-B1E0-CB4EA41E184D}">
@@ -11526,8 +11378,8 @@
       </dsp:nvSpPr>
       <dsp:spPr>
         <a:xfrm>
-          <a:off x="0" y="1807565"/>
-          <a:ext cx="6588691" cy="1213289"/>
+          <a:off x="0" y="1871634"/>
+          <a:ext cx="6588691" cy="921625"/>
         </a:xfrm>
         <a:prstGeom prst="roundRect">
           <a:avLst/>
@@ -11569,12 +11421,12 @@
         </a:fontRef>
       </dsp:style>
       <dsp:txBody>
-        <a:bodyPr spcFirstLastPara="0" vert="horz" wrap="square" lIns="64770" tIns="64770" rIns="64770" bIns="64770" numCol="1" spcCol="1270" anchor="ctr" anchorCtr="0">
+        <a:bodyPr spcFirstLastPara="0" vert="horz" wrap="square" lIns="87630" tIns="87630" rIns="87630" bIns="87630" numCol="1" spcCol="1270" anchor="ctr" anchorCtr="0">
           <a:noAutofit/>
         </a:bodyPr>
         <a:lstStyle/>
         <a:p>
-          <a:pPr marL="0" lvl="0" indent="0" algn="l" defTabSz="755650">
+          <a:pPr marL="0" lvl="0" indent="0" algn="l" defTabSz="1022350">
             <a:lnSpc>
               <a:spcPct val="90000"/>
             </a:lnSpc>
@@ -11587,14 +11439,14 @@
             <a:buNone/>
           </a:pPr>
           <a:r>
-            <a:rPr lang="en-US" sz="1700" kern="1200" dirty="0"/>
+            <a:rPr lang="en-US" sz="2300" kern="1200" dirty="0"/>
             <a:t>Acceptance:</a:t>
           </a:r>
         </a:p>
       </dsp:txBody>
       <dsp:txXfrm>
-        <a:off x="59228" y="1866793"/>
-        <a:ext cx="6470235" cy="1094833"/>
+        <a:off x="44990" y="1916624"/>
+        <a:ext cx="6498711" cy="831645"/>
       </dsp:txXfrm>
     </dsp:sp>
     <dsp:sp modelId="{A3FB1F71-C11D-2741-8750-883CA1466F73}">
@@ -11604,8 +11456,8 @@
       </dsp:nvSpPr>
       <dsp:spPr>
         <a:xfrm>
-          <a:off x="0" y="3020855"/>
-          <a:ext cx="6588691" cy="668609"/>
+          <a:off x="0" y="2793260"/>
+          <a:ext cx="6588691" cy="880785"/>
         </a:xfrm>
         <a:prstGeom prst="rect">
           <a:avLst/>
@@ -11629,12 +11481,12 @@
         <a:fontRef idx="minor"/>
       </dsp:style>
       <dsp:txBody>
-        <a:bodyPr spcFirstLastPara="0" vert="horz" wrap="square" lIns="209191" tIns="21590" rIns="120904" bIns="21590" numCol="1" spcCol="1270" anchor="t" anchorCtr="0">
+        <a:bodyPr spcFirstLastPara="0" vert="horz" wrap="square" lIns="209191" tIns="29210" rIns="163576" bIns="29210" numCol="1" spcCol="1270" anchor="t" anchorCtr="0">
           <a:noAutofit/>
         </a:bodyPr>
         <a:lstStyle/>
         <a:p>
-          <a:pPr marL="114300" lvl="1" indent="-114300" algn="l" defTabSz="577850">
+          <a:pPr marL="171450" lvl="1" indent="-171450" algn="l" defTabSz="800100">
             <a:lnSpc>
               <a:spcPct val="90000"/>
             </a:lnSpc>
@@ -11647,12 +11499,12 @@
             <a:buChar char="•"/>
           </a:pPr>
           <a:r>
-            <a:rPr lang="en-US" sz="1300" kern="1200" dirty="0"/>
-            <a:t>on click, the user should be able to search by anything in the title.</a:t>
+            <a:rPr lang="en-US" sz="1800" kern="1200" dirty="0"/>
+            <a:t>on click, the user should be able to see the Register page.</a:t>
           </a:r>
         </a:p>
         <a:p>
-          <a:pPr marL="114300" lvl="1" indent="-114300" algn="l" defTabSz="577850">
+          <a:pPr marL="171450" lvl="1" indent="-171450" algn="l" defTabSz="800100">
             <a:lnSpc>
               <a:spcPct val="90000"/>
             </a:lnSpc>
@@ -11665,32 +11517,14 @@
             <a:buChar char="•"/>
           </a:pPr>
           <a:r>
-            <a:rPr lang="en-US" sz="1300" kern="1200" dirty="0"/>
-            <a:t>on input of search, options will drop down below search bar.</a:t>
-          </a:r>
-        </a:p>
-        <a:p>
-          <a:pPr marL="114300" lvl="1" indent="-114300" algn="l" defTabSz="577850">
-            <a:lnSpc>
-              <a:spcPct val="90000"/>
-            </a:lnSpc>
-            <a:spcBef>
-              <a:spcPct val="0"/>
-            </a:spcBef>
-            <a:spcAft>
-              <a:spcPct val="20000"/>
-            </a:spcAft>
-            <a:buChar char="•"/>
-          </a:pPr>
-          <a:r>
-            <a:rPr lang="en-US" sz="1300" kern="1200" dirty="0"/>
-            <a:t>users search criteria will show options having that have similar (tag) or title elements.</a:t>
+            <a:rPr lang="en-US" sz="1800" kern="1200" dirty="0"/>
+            <a:t>on Register page , they will see the information needed from they like username, email and Car information. </a:t>
           </a:r>
         </a:p>
       </dsp:txBody>
       <dsp:txXfrm>
-        <a:off x="0" y="3020855"/>
-        <a:ext cx="6588691" cy="668609"/>
+        <a:off x="0" y="2793260"/>
+        <a:ext cx="6588691" cy="880785"/>
       </dsp:txXfrm>
     </dsp:sp>
     <dsp:sp modelId="{B1D12D49-C0A2-A540-8DEA-64213FC9C517}">
@@ -11700,8 +11534,8 @@
       </dsp:nvSpPr>
       <dsp:spPr>
         <a:xfrm>
-          <a:off x="0" y="3689465"/>
-          <a:ext cx="6588691" cy="1213289"/>
+          <a:off x="0" y="3674045"/>
+          <a:ext cx="6588691" cy="939977"/>
         </a:xfrm>
         <a:prstGeom prst="roundRect">
           <a:avLst/>
@@ -11743,12 +11577,12 @@
         </a:fontRef>
       </dsp:style>
       <dsp:txBody>
-        <a:bodyPr spcFirstLastPara="0" vert="horz" wrap="square" lIns="64770" tIns="64770" rIns="64770" bIns="64770" numCol="1" spcCol="1270" anchor="ctr" anchorCtr="0">
+        <a:bodyPr spcFirstLastPara="0" vert="horz" wrap="square" lIns="87630" tIns="87630" rIns="87630" bIns="87630" numCol="1" spcCol="1270" anchor="ctr" anchorCtr="0">
           <a:noAutofit/>
         </a:bodyPr>
         <a:lstStyle/>
         <a:p>
-          <a:pPr marL="0" lvl="0" indent="0" algn="l" defTabSz="755650">
+          <a:pPr marL="0" lvl="0" indent="0" algn="l" defTabSz="1022350">
             <a:lnSpc>
               <a:spcPct val="90000"/>
             </a:lnSpc>
@@ -11761,14 +11595,14 @@
             <a:buNone/>
           </a:pPr>
           <a:r>
-            <a:rPr lang="en-US" sz="1700" kern="1200" dirty="0"/>
+            <a:rPr lang="en-US" sz="2300" kern="1200" dirty="0"/>
             <a:t>Definition of done:</a:t>
           </a:r>
         </a:p>
       </dsp:txBody>
       <dsp:txXfrm>
-        <a:off x="59228" y="3748693"/>
-        <a:ext cx="6470235" cy="1094833"/>
+        <a:off x="45886" y="3719931"/>
+        <a:ext cx="6496919" cy="848205"/>
       </dsp:txXfrm>
     </dsp:sp>
     <dsp:sp modelId="{33A1E495-FE54-8E4D-91D0-6E7E7759EA61}">
@@ -11778,8 +11612,8 @@
       </dsp:nvSpPr>
       <dsp:spPr>
         <a:xfrm>
-          <a:off x="0" y="4902755"/>
-          <a:ext cx="6588691" cy="448672"/>
+          <a:off x="0" y="4614023"/>
+          <a:ext cx="6588691" cy="1118835"/>
         </a:xfrm>
         <a:prstGeom prst="rect">
           <a:avLst/>
@@ -11803,12 +11637,12 @@
         <a:fontRef idx="minor"/>
       </dsp:style>
       <dsp:txBody>
-        <a:bodyPr spcFirstLastPara="0" vert="horz" wrap="square" lIns="209191" tIns="21590" rIns="120904" bIns="21590" numCol="1" spcCol="1270" anchor="t" anchorCtr="0">
+        <a:bodyPr spcFirstLastPara="0" vert="horz" wrap="square" lIns="209191" tIns="29210" rIns="163576" bIns="29210" numCol="1" spcCol="1270" anchor="t" anchorCtr="0">
           <a:noAutofit/>
         </a:bodyPr>
         <a:lstStyle/>
         <a:p>
-          <a:pPr marL="114300" lvl="1" indent="-114300" algn="l" defTabSz="577850">
+          <a:pPr marL="171450" lvl="1" indent="-171450" algn="l" defTabSz="800100">
             <a:lnSpc>
               <a:spcPct val="90000"/>
             </a:lnSpc>
@@ -11821,12 +11655,12 @@
             <a:buChar char="•"/>
           </a:pPr>
           <a:r>
-            <a:rPr lang="en-US" sz="1300" kern="1200" dirty="0"/>
-            <a:t>when enter is pressed, it will bring them to the first option in the dropdown list.</a:t>
+            <a:rPr lang="en-US" sz="1800" kern="1200" dirty="0"/>
+            <a:t>when the user enter their information, it will bring them to the first option in the website which is the main page or the last page they visited, which means their info have been taken.</a:t>
           </a:r>
         </a:p>
         <a:p>
-          <a:pPr marL="114300" lvl="1" indent="-114300" algn="l" defTabSz="577850">
+          <a:pPr marL="171450" lvl="1" indent="-171450" algn="l" defTabSz="800100" rtl="0">
             <a:lnSpc>
               <a:spcPct val="90000"/>
             </a:lnSpc>
@@ -11838,15 +11672,12 @@
             </a:spcAft>
             <a:buChar char="•"/>
           </a:pPr>
-          <a:r>
-            <a:rPr lang="en-US" sz="1300" kern="1200" dirty="0"/>
-            <a:t>On click of search options, you will be redirected to a new page containing your search.</a:t>
-          </a:r>
+          <a:endParaRPr lang="en-US" sz="1800" kern="1200" dirty="0"/>
         </a:p>
       </dsp:txBody>
       <dsp:txXfrm>
-        <a:off x="0" y="4902755"/>
-        <a:ext cx="6588691" cy="448672"/>
+        <a:off x="0" y="4614023"/>
+        <a:ext cx="6588691" cy="1118835"/>
       </dsp:txXfrm>
     </dsp:sp>
   </dsp:spTree>
@@ -13822,23 +13653,21 @@
       <dsp:cNvGrpSpPr/>
     </dsp:nvGrpSpPr>
     <dsp:grpSpPr/>
-    <dsp:sp modelId="{2452070E-9DA7-4311-A35D-E0B4E5D3F521}">
+    <dsp:sp modelId="{44B7392A-01B0-4E1B-8681-8A385A97C153}">
       <dsp:nvSpPr>
         <dsp:cNvPr id="0" name=""/>
         <dsp:cNvSpPr/>
       </dsp:nvSpPr>
       <dsp:spPr>
         <a:xfrm>
-          <a:off x="0" y="246297"/>
-          <a:ext cx="6513603" cy="561648"/>
+          <a:off x="334680" y="923891"/>
+          <a:ext cx="926838" cy="926838"/>
         </a:xfrm>
-        <a:prstGeom prst="roundRect">
-          <a:avLst>
-            <a:gd name="adj" fmla="val 10000"/>
-          </a:avLst>
+        <a:prstGeom prst="ellipse">
+          <a:avLst/>
         </a:prstGeom>
         <a:solidFill>
-          <a:schemeClr val="accent2">
+          <a:schemeClr val="accent4">
             <a:hueOff val="0"/>
             <a:satOff val="0"/>
             <a:lumOff val="0"/>
@@ -13863,15 +13692,15 @@
         <a:fontRef idx="minor"/>
       </dsp:style>
     </dsp:sp>
-    <dsp:sp modelId="{316C5958-29A1-44A6-A93B-E99D35DD2820}">
+    <dsp:sp modelId="{A3DEB29C-9795-444B-929C-FD38E7805D64}">
       <dsp:nvSpPr>
         <dsp:cNvPr id="0" name=""/>
         <dsp:cNvSpPr/>
       </dsp:nvSpPr>
       <dsp:spPr>
         <a:xfrm>
-          <a:off x="169898" y="372668"/>
-          <a:ext cx="309208" cy="308906"/>
+          <a:off x="529316" y="1118527"/>
+          <a:ext cx="537566" cy="537566"/>
         </a:xfrm>
         <a:prstGeom prst="rect">
           <a:avLst/>
@@ -13913,15 +13742,15 @@
         </a:fontRef>
       </dsp:style>
     </dsp:sp>
-    <dsp:sp modelId="{9A10355F-DD5B-44C6-A636-D4222ED6F98F}">
+    <dsp:sp modelId="{C7DF7460-D979-479A-8A3C-4F58E66F09A7}">
       <dsp:nvSpPr>
         <dsp:cNvPr id="0" name=""/>
         <dsp:cNvSpPr/>
       </dsp:nvSpPr>
       <dsp:spPr>
         <a:xfrm>
-          <a:off x="649005" y="246297"/>
-          <a:ext cx="5815952" cy="649405"/>
+          <a:off x="1460127" y="923891"/>
+          <a:ext cx="2184691" cy="926838"/>
         </a:xfrm>
         <a:prstGeom prst="rect">
           <a:avLst/>
@@ -13945,14 +13774,14 @@
         <a:fontRef idx="minor"/>
       </dsp:style>
       <dsp:txBody>
-        <a:bodyPr spcFirstLastPara="0" vert="horz" wrap="square" lIns="68729" tIns="68729" rIns="68729" bIns="68729" numCol="1" spcCol="1270" anchor="ctr" anchorCtr="0">
+        <a:bodyPr spcFirstLastPara="0" vert="horz" wrap="square" lIns="0" tIns="0" rIns="0" bIns="0" numCol="1" spcCol="1270" anchor="ctr" anchorCtr="0">
           <a:noAutofit/>
         </a:bodyPr>
         <a:lstStyle/>
         <a:p>
-          <a:pPr marL="0" lvl="0" indent="0" algn="l" defTabSz="622300">
+          <a:pPr marL="0" lvl="0" indent="0" algn="l" defTabSz="488950">
             <a:lnSpc>
-              <a:spcPct val="90000"/>
+              <a:spcPct val="100000"/>
             </a:lnSpc>
             <a:spcBef>
               <a:spcPct val="0"/>
@@ -13963,33 +13792,31 @@
             <a:buNone/>
           </a:pPr>
           <a:r>
-            <a:rPr lang="en-US" sz="1400" kern="1200"/>
+            <a:rPr lang="en-US" sz="1100" kern="1200"/>
             <a:t>Google Maps</a:t>
           </a:r>
         </a:p>
       </dsp:txBody>
       <dsp:txXfrm>
-        <a:off x="649005" y="246297"/>
-        <a:ext cx="5815952" cy="649405"/>
+        <a:off x="1460127" y="923891"/>
+        <a:ext cx="2184691" cy="926838"/>
       </dsp:txXfrm>
     </dsp:sp>
-    <dsp:sp modelId="{3D3D07AB-D684-4D3D-BF3B-8545A73B4889}">
+    <dsp:sp modelId="{27B93283-6836-4E7F-8B58-9039756570B7}">
       <dsp:nvSpPr>
         <dsp:cNvPr id="0" name=""/>
         <dsp:cNvSpPr/>
       </dsp:nvSpPr>
       <dsp:spPr>
         <a:xfrm>
-          <a:off x="0" y="1058054"/>
-          <a:ext cx="6513603" cy="752687"/>
+          <a:off x="4025484" y="923891"/>
+          <a:ext cx="926838" cy="926838"/>
         </a:xfrm>
-        <a:prstGeom prst="roundRect">
-          <a:avLst>
-            <a:gd name="adj" fmla="val 10000"/>
-          </a:avLst>
+        <a:prstGeom prst="ellipse">
+          <a:avLst/>
         </a:prstGeom>
         <a:solidFill>
-          <a:schemeClr val="accent3">
+          <a:schemeClr val="accent4">
             <a:hueOff val="0"/>
             <a:satOff val="0"/>
             <a:lumOff val="0"/>
@@ -14014,15 +13841,15 @@
         <a:fontRef idx="minor"/>
       </dsp:style>
     </dsp:sp>
-    <dsp:sp modelId="{C475E4B1-FFED-470B-ABA8-0BDC965A6010}">
+    <dsp:sp modelId="{A02CF345-FC23-45D5-BBC1-74DA1DA9873E}">
       <dsp:nvSpPr>
         <dsp:cNvPr id="0" name=""/>
         <dsp:cNvSpPr/>
       </dsp:nvSpPr>
       <dsp:spPr>
         <a:xfrm>
-          <a:off x="169898" y="1279945"/>
-          <a:ext cx="309208" cy="308906"/>
+          <a:off x="4220120" y="1118527"/>
+          <a:ext cx="537566" cy="537566"/>
         </a:xfrm>
         <a:prstGeom prst="rect">
           <a:avLst/>
@@ -14064,15 +13891,15 @@
         </a:fontRef>
       </dsp:style>
     </dsp:sp>
-    <dsp:sp modelId="{44F1F30F-4C66-432C-A2C3-41AFE8CA9E27}">
+    <dsp:sp modelId="{8F4B3A42-BDE2-405F-B6EF-FDFF12BD23DE}">
       <dsp:nvSpPr>
         <dsp:cNvPr id="0" name=""/>
         <dsp:cNvSpPr/>
       </dsp:nvSpPr>
       <dsp:spPr>
         <a:xfrm>
-          <a:off x="649005" y="1153574"/>
-          <a:ext cx="5815952" cy="649405"/>
+          <a:off x="5150931" y="923891"/>
+          <a:ext cx="2184691" cy="926838"/>
         </a:xfrm>
         <a:prstGeom prst="rect">
           <a:avLst/>
@@ -14096,14 +13923,14 @@
         <a:fontRef idx="minor"/>
       </dsp:style>
       <dsp:txBody>
-        <a:bodyPr spcFirstLastPara="0" vert="horz" wrap="square" lIns="68729" tIns="68729" rIns="68729" bIns="68729" numCol="1" spcCol="1270" anchor="ctr" anchorCtr="0">
+        <a:bodyPr spcFirstLastPara="0" vert="horz" wrap="square" lIns="0" tIns="0" rIns="0" bIns="0" numCol="1" spcCol="1270" anchor="ctr" anchorCtr="0">
           <a:noAutofit/>
         </a:bodyPr>
         <a:lstStyle/>
         <a:p>
-          <a:pPr marL="0" lvl="0" indent="0" algn="l" defTabSz="622300">
+          <a:pPr marL="0" lvl="0" indent="0" algn="l" defTabSz="488950">
             <a:lnSpc>
-              <a:spcPct val="90000"/>
+              <a:spcPct val="100000"/>
             </a:lnSpc>
             <a:spcBef>
               <a:spcPct val="0"/>
@@ -14114,30 +13941,28 @@
             <a:buNone/>
           </a:pPr>
           <a:r>
-            <a:rPr lang="en-US" sz="1400" kern="1200"/>
+            <a:rPr lang="en-US" sz="1100" kern="1200"/>
             <a:t>GPS is an essential option since it is the main thing about our site users with one primary function of our site, which is obtaining a parking spot near the parking location. Such an application can't book the free parking spot. </a:t>
           </a:r>
         </a:p>
       </dsp:txBody>
       <dsp:txXfrm>
-        <a:off x="649005" y="1153574"/>
-        <a:ext cx="5815952" cy="649405"/>
+        <a:off x="5150931" y="923891"/>
+        <a:ext cx="2184691" cy="926838"/>
       </dsp:txXfrm>
     </dsp:sp>
-    <dsp:sp modelId="{6BE4C7BC-4DB4-49D3-ABE1-A3732821DAAC}">
+    <dsp:sp modelId="{C90A706F-D6EF-4FCF-A61F-4A57BB47BE88}">
       <dsp:nvSpPr>
         <dsp:cNvPr id="0" name=""/>
         <dsp:cNvSpPr/>
       </dsp:nvSpPr>
       <dsp:spPr>
         <a:xfrm>
-          <a:off x="0" y="1973093"/>
-          <a:ext cx="6513603" cy="691063"/>
+          <a:off x="7716288" y="923891"/>
+          <a:ext cx="926838" cy="926838"/>
         </a:xfrm>
-        <a:prstGeom prst="roundRect">
-          <a:avLst>
-            <a:gd name="adj" fmla="val 10000"/>
-          </a:avLst>
+        <a:prstGeom prst="ellipse">
+          <a:avLst/>
         </a:prstGeom>
         <a:solidFill>
           <a:schemeClr val="accent4">
@@ -14165,15 +13990,15 @@
         <a:fontRef idx="minor"/>
       </dsp:style>
     </dsp:sp>
-    <dsp:sp modelId="{F65B7405-E0E8-44F4-A9ED-A3BACA68D860}">
+    <dsp:sp modelId="{1C234E49-C8E9-4E24-9750-E2C14B377662}">
       <dsp:nvSpPr>
         <dsp:cNvPr id="0" name=""/>
         <dsp:cNvSpPr/>
       </dsp:nvSpPr>
       <dsp:spPr>
         <a:xfrm>
-          <a:off x="169898" y="2164172"/>
-          <a:ext cx="309208" cy="308906"/>
+          <a:off x="7910924" y="1118527"/>
+          <a:ext cx="537566" cy="537566"/>
         </a:xfrm>
         <a:prstGeom prst="rect">
           <a:avLst/>
@@ -14215,15 +14040,15 @@
         </a:fontRef>
       </dsp:style>
     </dsp:sp>
-    <dsp:sp modelId="{80D9DA1F-6F07-4895-8684-8E9B6BBCC5F4}">
+    <dsp:sp modelId="{AE765BD2-ECE5-4E45-8260-29BA28667ACB}">
       <dsp:nvSpPr>
         <dsp:cNvPr id="0" name=""/>
         <dsp:cNvSpPr/>
       </dsp:nvSpPr>
       <dsp:spPr>
         <a:xfrm>
-          <a:off x="697651" y="1997096"/>
-          <a:ext cx="5815952" cy="649405"/>
+          <a:off x="8841735" y="923891"/>
+          <a:ext cx="2184691" cy="926838"/>
         </a:xfrm>
         <a:prstGeom prst="rect">
           <a:avLst/>
@@ -14247,14 +14072,14 @@
         <a:fontRef idx="minor"/>
       </dsp:style>
       <dsp:txBody>
-        <a:bodyPr spcFirstLastPara="0" vert="horz" wrap="square" lIns="68729" tIns="68729" rIns="68729" bIns="68729" numCol="1" spcCol="1270" anchor="ctr" anchorCtr="0">
+        <a:bodyPr spcFirstLastPara="0" vert="horz" wrap="square" lIns="0" tIns="0" rIns="0" bIns="0" numCol="1" spcCol="1270" anchor="ctr" anchorCtr="0">
           <a:noAutofit/>
         </a:bodyPr>
         <a:lstStyle/>
         <a:p>
-          <a:pPr marL="0" lvl="0" indent="0" algn="l" defTabSz="622300">
+          <a:pPr marL="0" lvl="0" indent="0" algn="l" defTabSz="488950">
             <a:lnSpc>
-              <a:spcPct val="90000"/>
+              <a:spcPct val="100000"/>
             </a:lnSpc>
             <a:spcBef>
               <a:spcPct val="0"/>
@@ -14265,33 +14090,31 @@
             <a:buNone/>
           </a:pPr>
           <a:r>
-            <a:rPr lang="en-US" sz="1400" kern="1200" dirty="0"/>
+            <a:rPr lang="en-US" sz="1100" kern="1200"/>
             <a:t>The map that we used is different from another because it allows users to find the chosen parking spot they need. Additionally, the site can navigate the driver to the booked place.</a:t>
           </a:r>
         </a:p>
       </dsp:txBody>
       <dsp:txXfrm>
-        <a:off x="697651" y="1997096"/>
-        <a:ext cx="5815952" cy="649405"/>
+        <a:off x="8841735" y="923891"/>
+        <a:ext cx="2184691" cy="926838"/>
       </dsp:txXfrm>
     </dsp:sp>
-    <dsp:sp modelId="{5067BFCA-2398-42E2-97FB-447DE92A9F6D}">
+    <dsp:sp modelId="{0BCBDC8E-22DF-46AB-A23B-2EE43F335AFD}">
       <dsp:nvSpPr>
         <dsp:cNvPr id="0" name=""/>
         <dsp:cNvSpPr/>
       </dsp:nvSpPr>
       <dsp:spPr>
         <a:xfrm>
-          <a:off x="0" y="2849558"/>
-          <a:ext cx="6513603" cy="561648"/>
+          <a:off x="334680" y="2608860"/>
+          <a:ext cx="926838" cy="926838"/>
         </a:xfrm>
-        <a:prstGeom prst="roundRect">
-          <a:avLst>
-            <a:gd name="adj" fmla="val 10000"/>
-          </a:avLst>
+        <a:prstGeom prst="ellipse">
+          <a:avLst/>
         </a:prstGeom>
         <a:solidFill>
-          <a:schemeClr val="accent5">
+          <a:schemeClr val="accent4">
             <a:hueOff val="0"/>
             <a:satOff val="0"/>
             <a:lumOff val="0"/>
@@ -14316,15 +14139,15 @@
         <a:fontRef idx="minor"/>
       </dsp:style>
     </dsp:sp>
-    <dsp:sp modelId="{090E4B54-5BF0-45E3-9AA4-5D87C8ADF837}">
+    <dsp:sp modelId="{066F885E-F14F-4891-9048-5055024C29B6}">
       <dsp:nvSpPr>
         <dsp:cNvPr id="0" name=""/>
         <dsp:cNvSpPr/>
       </dsp:nvSpPr>
       <dsp:spPr>
         <a:xfrm>
-          <a:off x="169898" y="2975929"/>
-          <a:ext cx="309208" cy="308906"/>
+          <a:off x="529316" y="2803496"/>
+          <a:ext cx="537566" cy="537566"/>
         </a:xfrm>
         <a:prstGeom prst="rect">
           <a:avLst/>
@@ -14366,15 +14189,15 @@
         </a:fontRef>
       </dsp:style>
     </dsp:sp>
-    <dsp:sp modelId="{6E6F68F5-E99B-4041-865C-15A43317DF69}">
+    <dsp:sp modelId="{D1B88C79-E19D-4F06-9B37-1913F75808D6}">
       <dsp:nvSpPr>
         <dsp:cNvPr id="0" name=""/>
         <dsp:cNvSpPr/>
       </dsp:nvSpPr>
       <dsp:spPr>
         <a:xfrm>
-          <a:off x="649005" y="2849558"/>
-          <a:ext cx="5815952" cy="649405"/>
+          <a:off x="1460127" y="2608860"/>
+          <a:ext cx="2184691" cy="926838"/>
         </a:xfrm>
         <a:prstGeom prst="rect">
           <a:avLst/>
@@ -14398,14 +14221,14 @@
         <a:fontRef idx="minor"/>
       </dsp:style>
       <dsp:txBody>
-        <a:bodyPr spcFirstLastPara="0" vert="horz" wrap="square" lIns="68729" tIns="68729" rIns="68729" bIns="68729" numCol="1" spcCol="1270" anchor="ctr" anchorCtr="0">
+        <a:bodyPr spcFirstLastPara="0" vert="horz" wrap="square" lIns="0" tIns="0" rIns="0" bIns="0" numCol="1" spcCol="1270" anchor="ctr" anchorCtr="0">
           <a:noAutofit/>
         </a:bodyPr>
         <a:lstStyle/>
         <a:p>
-          <a:pPr marL="0" lvl="0" indent="0" algn="l" defTabSz="622300">
+          <a:pPr marL="0" lvl="0" indent="0" algn="l" defTabSz="488950">
             <a:lnSpc>
-              <a:spcPct val="90000"/>
+              <a:spcPct val="100000"/>
             </a:lnSpc>
             <a:spcBef>
               <a:spcPct val="0"/>
@@ -14416,33 +14239,31 @@
             <a:buNone/>
           </a:pPr>
           <a:r>
-            <a:rPr lang="en-US" sz="1400" kern="1200"/>
-            <a:t>Search Bar</a:t>
+            <a:rPr lang="en-US" sz="1100" kern="1200"/>
+            <a:t>Register &amp; Login</a:t>
           </a:r>
         </a:p>
       </dsp:txBody>
       <dsp:txXfrm>
-        <a:off x="649005" y="2849558"/>
-        <a:ext cx="5815952" cy="649405"/>
+        <a:off x="1460127" y="2608860"/>
+        <a:ext cx="2184691" cy="926838"/>
       </dsp:txXfrm>
     </dsp:sp>
-    <dsp:sp modelId="{051A46D7-10E2-4658-AA72-22E54D4E0408}">
+    <dsp:sp modelId="{AC1093DC-7BA6-4E00-ADA0-006B5DD42660}">
       <dsp:nvSpPr>
         <dsp:cNvPr id="0" name=""/>
         <dsp:cNvSpPr/>
       </dsp:nvSpPr>
       <dsp:spPr>
         <a:xfrm>
-          <a:off x="0" y="3661316"/>
-          <a:ext cx="6513603" cy="949135"/>
+          <a:off x="4025484" y="2608860"/>
+          <a:ext cx="926838" cy="926838"/>
         </a:xfrm>
-        <a:prstGeom prst="roundRect">
-          <a:avLst>
-            <a:gd name="adj" fmla="val 10000"/>
-          </a:avLst>
+        <a:prstGeom prst="ellipse">
+          <a:avLst/>
         </a:prstGeom>
         <a:solidFill>
-          <a:schemeClr val="accent6">
+          <a:schemeClr val="accent4">
             <a:hueOff val="0"/>
             <a:satOff val="0"/>
             <a:lumOff val="0"/>
@@ -14467,15 +14288,15 @@
         <a:fontRef idx="minor"/>
       </dsp:style>
     </dsp:sp>
-    <dsp:sp modelId="{07724D73-64F9-46AD-9852-326556672361}">
+    <dsp:sp modelId="{423A8A95-20E4-4E43-8AF8-4F1AED368C4A}">
       <dsp:nvSpPr>
         <dsp:cNvPr id="0" name=""/>
         <dsp:cNvSpPr/>
       </dsp:nvSpPr>
       <dsp:spPr>
         <a:xfrm>
-          <a:off x="169898" y="3981430"/>
-          <a:ext cx="309208" cy="308906"/>
+          <a:off x="4220120" y="2803496"/>
+          <a:ext cx="537566" cy="537566"/>
         </a:xfrm>
         <a:prstGeom prst="rect">
           <a:avLst/>
@@ -14517,15 +14338,15 @@
         </a:fontRef>
       </dsp:style>
     </dsp:sp>
-    <dsp:sp modelId="{01E8B845-16F4-4DFD-8DE2-28FDBB752BEF}">
+    <dsp:sp modelId="{E842CF6B-F1D6-40A4-9D98-383390B9B87F}">
       <dsp:nvSpPr>
         <dsp:cNvPr id="0" name=""/>
         <dsp:cNvSpPr/>
       </dsp:nvSpPr>
       <dsp:spPr>
         <a:xfrm>
-          <a:off x="623415" y="3750242"/>
-          <a:ext cx="5815952" cy="680674"/>
+          <a:off x="5150931" y="2608860"/>
+          <a:ext cx="2184691" cy="926838"/>
         </a:xfrm>
         <a:prstGeom prst="rect">
           <a:avLst/>
@@ -14549,14 +14370,14 @@
         <a:fontRef idx="minor"/>
       </dsp:style>
       <dsp:txBody>
-        <a:bodyPr spcFirstLastPara="0" vert="horz" wrap="square" lIns="68729" tIns="68729" rIns="68729" bIns="68729" numCol="1" spcCol="1270" anchor="ctr" anchorCtr="0">
+        <a:bodyPr spcFirstLastPara="0" vert="horz" wrap="square" lIns="0" tIns="0" rIns="0" bIns="0" numCol="1" spcCol="1270" anchor="ctr" anchorCtr="0">
           <a:noAutofit/>
         </a:bodyPr>
         <a:lstStyle/>
         <a:p>
-          <a:pPr marL="0" lvl="0" indent="0" algn="l" defTabSz="622300">
+          <a:pPr marL="0" lvl="0" indent="0" algn="l" defTabSz="488950">
             <a:lnSpc>
-              <a:spcPct val="90000"/>
+              <a:spcPct val="100000"/>
             </a:lnSpc>
             <a:spcBef>
               <a:spcPct val="0"/>
@@ -14567,33 +14388,31 @@
             <a:buNone/>
           </a:pPr>
           <a:r>
-            <a:rPr lang="en-US" sz="1400" kern="1200" dirty="0"/>
-            <a:t>A search bar allows users to use keywords to locate content inside a site, on the device, or online, which is the nearest parking space. Our website can specify what types of addresses are shown in the search results. Search can also be used to filter large lists, such as parking lots.</a:t>
+            <a:rPr lang="en-US" sz="1100" kern="1200"/>
+            <a:t>For the register &amp; log in, we used Local Storage is a type of web storage that allows JavaScript sites and apps to collect and access data right in the browser with no termination date. This indicates the data stored in the browser will continue even after the browser window has been shut.</a:t>
           </a:r>
         </a:p>
       </dsp:txBody>
       <dsp:txXfrm>
-        <a:off x="623415" y="3750242"/>
-        <a:ext cx="5815952" cy="680674"/>
+        <a:off x="5150931" y="2608860"/>
+        <a:ext cx="2184691" cy="926838"/>
       </dsp:txXfrm>
     </dsp:sp>
-    <dsp:sp modelId="{19920550-A418-4ADB-88C8-7D34118A0534}">
+    <dsp:sp modelId="{8DD7E083-D61B-434C-AA35-345276811284}">
       <dsp:nvSpPr>
         <dsp:cNvPr id="0" name=""/>
         <dsp:cNvSpPr/>
       </dsp:nvSpPr>
       <dsp:spPr>
         <a:xfrm>
-          <a:off x="0" y="4772802"/>
-          <a:ext cx="6513603" cy="866325"/>
+          <a:off x="7716288" y="2608860"/>
+          <a:ext cx="926838" cy="926838"/>
         </a:xfrm>
-        <a:prstGeom prst="roundRect">
-          <a:avLst>
-            <a:gd name="adj" fmla="val 10000"/>
-          </a:avLst>
+        <a:prstGeom prst="ellipse">
+          <a:avLst/>
         </a:prstGeom>
         <a:solidFill>
-          <a:schemeClr val="accent2">
+          <a:schemeClr val="accent4">
             <a:hueOff val="0"/>
             <a:satOff val="0"/>
             <a:lumOff val="0"/>
@@ -14618,15 +14437,15 @@
         <a:fontRef idx="minor"/>
       </dsp:style>
     </dsp:sp>
-    <dsp:sp modelId="{E84A854F-31C6-4E9E-9328-C9A238E08C69}">
+    <dsp:sp modelId="{8C8D8D11-A8BC-495A-95CD-8179B52CF9A1}">
       <dsp:nvSpPr>
         <dsp:cNvPr id="0" name=""/>
         <dsp:cNvSpPr/>
       </dsp:nvSpPr>
       <dsp:spPr>
         <a:xfrm>
-          <a:off x="169898" y="5051512"/>
-          <a:ext cx="309208" cy="308906"/>
+          <a:off x="7910924" y="2803496"/>
+          <a:ext cx="537566" cy="537566"/>
         </a:xfrm>
         <a:prstGeom prst="rect">
           <a:avLst/>
@@ -14668,15 +14487,15 @@
         </a:fontRef>
       </dsp:style>
     </dsp:sp>
-    <dsp:sp modelId="{073C2F1D-C732-4B97-91BE-B7B120C8CF58}">
+    <dsp:sp modelId="{253BDD44-D96E-4587-8A98-B2C2E455E5CF}">
       <dsp:nvSpPr>
         <dsp:cNvPr id="0" name=""/>
         <dsp:cNvSpPr/>
       </dsp:nvSpPr>
       <dsp:spPr>
         <a:xfrm>
-          <a:off x="649005" y="4925141"/>
-          <a:ext cx="5815952" cy="649405"/>
+          <a:off x="8841735" y="2608860"/>
+          <a:ext cx="2184691" cy="926838"/>
         </a:xfrm>
         <a:prstGeom prst="rect">
           <a:avLst/>
@@ -14700,14 +14519,14 @@
         <a:fontRef idx="minor"/>
       </dsp:style>
       <dsp:txBody>
-        <a:bodyPr spcFirstLastPara="0" vert="horz" wrap="square" lIns="68729" tIns="68729" rIns="68729" bIns="68729" numCol="1" spcCol="1270" anchor="ctr" anchorCtr="0">
+        <a:bodyPr spcFirstLastPara="0" vert="horz" wrap="square" lIns="0" tIns="0" rIns="0" bIns="0" numCol="1" spcCol="1270" anchor="ctr" anchorCtr="0">
           <a:noAutofit/>
         </a:bodyPr>
         <a:lstStyle/>
         <a:p>
-          <a:pPr marL="0" lvl="0" indent="0" algn="l" defTabSz="622300">
+          <a:pPr marL="0" lvl="0" indent="0" algn="l" defTabSz="488950">
             <a:lnSpc>
-              <a:spcPct val="90000"/>
+              <a:spcPct val="100000"/>
             </a:lnSpc>
             <a:spcBef>
               <a:spcPct val="0"/>
@@ -14718,14 +14537,14 @@
             <a:buNone/>
           </a:pPr>
           <a:r>
-            <a:rPr lang="en-US" sz="1400" kern="1200" dirty="0"/>
-            <a:t>When they use the search data box, the practical keyboard is stimulated. When our users use the search bar to filter lists of items, it's typically displayed at the top of the list only for the nearest parking spots and should scroll with the listed locations.</a:t>
+            <a:rPr lang="en-US" sz="1100" kern="1200"/>
+            <a:t>We created JavaScript functions that check whether a value submitted by the user passes the validation. All those functions are called from another service. It arranges the focus to the data field until the user provides a valid value. When the user visits so, they may continue and can provide value to the next available area. The following JavaScript function created is called on the on submit event of the form.</a:t>
           </a:r>
         </a:p>
       </dsp:txBody>
       <dsp:txXfrm>
-        <a:off x="649005" y="4925141"/>
-        <a:ext cx="5815952" cy="649405"/>
+        <a:off x="8841735" y="2608860"/>
+        <a:ext cx="2184691" cy="926838"/>
       </dsp:txXfrm>
     </dsp:sp>
   </dsp:spTree>
@@ -14808,12 +14627,12 @@
             <a:buNone/>
           </a:pPr>
           <a:r>
-            <a:rPr lang="en-US" sz="1600" kern="1200">
+            <a:rPr lang="en-US" sz="1600" b="0" i="0" kern="1200" dirty="0">
               <a:hlinkClick xmlns:r="http://schemas.openxmlformats.org/officeDocument/2006/relationships" r:id="rId1"/>
             </a:rPr>
-            <a:t>https://github.com/Yousiadel/Parking-Finder-App</a:t>
+            <a:t>https://yousiadel.github.io/Park-Me-Site/</a:t>
           </a:r>
-          <a:endParaRPr lang="en-US" sz="1600" kern="1200"/>
+          <a:endParaRPr lang="en-US" sz="1600" kern="1200" dirty="0"/>
         </a:p>
       </dsp:txBody>
       <dsp:txXfrm>
@@ -14892,7 +14711,7 @@
             <a:rPr lang="en-US" sz="1600" kern="1200" dirty="0">
               <a:hlinkClick xmlns:r="http://schemas.openxmlformats.org/officeDocument/2006/relationships" r:id="rId2"/>
             </a:rPr>
-            <a:t>https://yousiadel.github.io/Parking-Finder-App/</a:t>
+            <a:t>https://github.com/Yousiadel/Park-Me-Site</a:t>
           </a:r>
           <a:endParaRPr lang="en-US" sz="1600" kern="1200" dirty="0"/>
         </a:p>
@@ -16388,9 +16207,9 @@
 </file>
 
 <file path=ppt/diagrams/layout7.xml><?xml version="1.0" encoding="utf-8"?>
-<dgm:layoutDef xmlns:dgm="http://schemas.openxmlformats.org/drawingml/2006/diagram" xmlns:a="http://schemas.openxmlformats.org/drawingml/2006/main" uniqueId="urn:microsoft.com/office/officeart/2018/2/layout/IconVerticalSolidList">
-  <dgm:title val="Icon Vertical Solid List"/>
-  <dgm:desc val="Use to show a series of visuals from top to bottom with Level 1 or Level 1 and Level 2 text grouped in a shape. Works best with icons or small pictures with lengthier descriptions."/>
+<dgm:layoutDef xmlns:dgm="http://schemas.openxmlformats.org/drawingml/2006/diagram" xmlns:a="http://schemas.openxmlformats.org/drawingml/2006/main" uniqueId="urn:microsoft.com/office/officeart/2018/2/layout/IconCircleList">
+  <dgm:title val="Icon Circle List"/>
+  <dgm:desc val="Use to show non-sequential or grouped chunks of information accompanied by related visuals. Circular shapes can hold an icon or small picture and corresponding text box shows Level 1 text. Works best for icons or small pictures with medium-length descriptions."/>
   <dgm:catLst>
     <dgm:cat type="icon" pri="500"/>
   </dgm:catLst>
@@ -16420,247 +16239,170 @@
       <dgm:dir/>
       <dgm:resizeHandles val="exact"/>
     </dgm:varLst>
-    <dgm:choose name="Name0">
-      <dgm:if name="Name1" axis="self" func="var" arg="dir" op="equ" val="norm">
-        <dgm:alg type="lin">
-          <dgm:param type="linDir" val="fromT"/>
-          <dgm:param type="nodeHorzAlign" val="l"/>
-        </dgm:alg>
-      </dgm:if>
-      <dgm:else name="Name2">
-        <dgm:alg type="lin">
-          <dgm:param type="linDir" val="fromT"/>
-          <dgm:param type="nodeHorzAlign" val="r"/>
-        </dgm:alg>
-      </dgm:else>
-    </dgm:choose>
+    <dgm:alg type="sp"/>
     <dgm:shape xmlns:r="http://schemas.openxmlformats.org/officeDocument/2006/relationships" r:blip="">
       <dgm:adjLst/>
     </dgm:shape>
     <dgm:presOf/>
-    <dgm:choose name="Name3">
-      <dgm:if name="Name4" axis="ch" ptType="node" func="cnt" op="lte" val="3">
+    <dgm:choose name="Name0">
+      <dgm:if name="Name1" axis="ch" ptType="node" func="cnt" op="lte" val="3">
         <dgm:constrLst>
-          <dgm:constr type="h" for="ch" forName="compNode" refType="h" fact="0.3"/>
-          <dgm:constr type="w" for="ch" forName="compNode" refType="w"/>
-          <dgm:constr type="h" for="ch" forName="sibTrans" refType="h" refFor="ch" refForName="compNode" fact="0.25"/>
-          <dgm:constr type="primFontSz" for="des" forName="parTx" val="25"/>
-          <dgm:constr type="primFontSz" for="des" forName="desTx" refType="primFontSz" refFor="des" refForName="parTx" op="lte" fact="0.75"/>
-          <dgm:constr type="h" for="des" forName="compNode" op="equ"/>
-          <dgm:constr type="h" for="des" forName="bgRect" op="equ"/>
-          <dgm:constr type="h" for="des" forName="iconRect" op="equ"/>
-          <dgm:constr type="w" for="des" forName="iconRect" op="equ"/>
-          <dgm:constr type="h" for="des" forName="spaceRect" op="equ"/>
-          <dgm:constr type="h" for="des" forName="parTx" op="equ"/>
-          <dgm:constr type="h" for="des" forName="desTx" op="equ"/>
+          <dgm:constr type="w" for="ch" forName="container" refType="w"/>
+          <dgm:constr type="h" for="ch" forName="container" refType="h" fact="0.4"/>
         </dgm:constrLst>
       </dgm:if>
-      <dgm:if name="Name5" axis="ch" ptType="node" func="cnt" op="lte" val="4">
+      <dgm:else name="Name2">
         <dgm:constrLst>
-          <dgm:constr type="h" for="ch" forName="compNode" refType="h" fact="0.3"/>
-          <dgm:constr type="w" for="ch" forName="compNode" refType="w"/>
-          <dgm:constr type="h" for="ch" forName="sibTrans" refType="h" refFor="ch" refForName="compNode" fact="0.25"/>
-          <dgm:constr type="primFontSz" for="des" forName="parTx" val="22"/>
-          <dgm:constr type="primFontSz" for="des" forName="desTx" refType="primFontSz" refFor="des" refForName="parTx" op="lte" fact="0.75"/>
-          <dgm:constr type="h" for="des" forName="compNode" op="equ"/>
-          <dgm:constr type="h" for="des" forName="bgRect" op="equ"/>
-          <dgm:constr type="h" for="des" forName="iconRect" op="equ"/>
-          <dgm:constr type="w" for="des" forName="iconRect" op="equ"/>
-          <dgm:constr type="h" for="des" forName="spaceRect" op="equ"/>
-          <dgm:constr type="h" for="des" forName="parTx" op="equ"/>
-          <dgm:constr type="h" for="des" forName="desTx" op="equ"/>
-        </dgm:constrLst>
-      </dgm:if>
-      <dgm:if name="Name6" axis="ch" ptType="node" func="cnt" op="lte" val="6">
-        <dgm:constrLst>
-          <dgm:constr type="h" for="ch" forName="compNode" refType="h" fact="0.3"/>
-          <dgm:constr type="w" for="ch" forName="compNode" refType="w"/>
-          <dgm:constr type="h" for="ch" forName="sibTrans" refType="h" refFor="ch" refForName="compNode" fact="0.25"/>
-          <dgm:constr type="primFontSz" for="des" forName="parTx" val="19"/>
-          <dgm:constr type="primFontSz" for="des" forName="desTx" refType="primFontSz" refFor="des" refForName="parTx" op="lte" fact="0.75"/>
-          <dgm:constr type="h" for="des" forName="compNode" op="equ"/>
-          <dgm:constr type="h" for="des" forName="bgRect" op="equ"/>
-          <dgm:constr type="h" for="des" forName="iconRect" op="equ"/>
-          <dgm:constr type="w" for="des" forName="iconRect" op="equ"/>
-          <dgm:constr type="h" for="des" forName="spaceRect" op="equ"/>
-          <dgm:constr type="h" for="des" forName="parTx" op="equ"/>
-          <dgm:constr type="h" for="des" forName="desTx" op="equ"/>
-        </dgm:constrLst>
-      </dgm:if>
-      <dgm:else name="Name7">
-        <dgm:constrLst>
-          <dgm:constr type="h" for="ch" forName="compNode" refType="h" fact="0.3"/>
-          <dgm:constr type="w" for="ch" forName="compNode" refType="w"/>
-          <dgm:constr type="h" for="ch" forName="sibTrans" refType="h" refFor="ch" refForName="compNode" fact="0.25"/>
-          <dgm:constr type="primFontSz" for="des" forName="parTx" val="16"/>
-          <dgm:constr type="primFontSz" for="des" forName="desTx" refType="primFontSz" refFor="des" refForName="parTx" op="lte" fact="0.75"/>
-          <dgm:constr type="h" for="des" forName="compNode" op="equ"/>
-          <dgm:constr type="h" for="des" forName="bgRect" op="equ"/>
-          <dgm:constr type="h" for="des" forName="iconRect" op="equ"/>
-          <dgm:constr type="w" for="des" forName="iconRect" op="equ"/>
-          <dgm:constr type="h" for="des" forName="spaceRect" op="equ"/>
-          <dgm:constr type="h" for="des" forName="parTx" op="equ"/>
-          <dgm:constr type="h" for="des" forName="desTx" op="equ"/>
+          <dgm:constr type="w" for="ch" forName="container" refType="w"/>
+          <dgm:constr type="h" for="ch" forName="container" refType="h"/>
         </dgm:constrLst>
       </dgm:else>
     </dgm:choose>
     <dgm:ruleLst>
-      <dgm:rule type="h" for="ch" forName="compNode" val="0" fact="NaN" max="NaN"/>
+      <dgm:rule type="h" for="ch" forName="container" val="INF" fact="NaN" max="NaN"/>
     </dgm:ruleLst>
-    <dgm:forEach name="Name8" axis="ch" ptType="node">
-      <dgm:layoutNode name="compNode">
-        <dgm:alg type="composite"/>
-        <dgm:shape xmlns:r="http://schemas.openxmlformats.org/officeDocument/2006/relationships" r:blip="">
-          <dgm:adjLst/>
-        </dgm:shape>
-        <dgm:presOf axis="self"/>
-        <dgm:choose name="Name9">
-          <dgm:if name="Name10" axis="ch" ptType="node" func="cnt" op="gte" val="1">
-            <dgm:constrLst>
-              <dgm:constr type="w" for="ch" forName="bgRect" refType="w"/>
-              <dgm:constr type="h" for="ch" forName="bgRect" refType="h"/>
-              <dgm:constr type="l" for="ch" forName="bgRect"/>
-              <dgm:constr type="t" for="ch" forName="bgRect"/>
-              <dgm:constr type="h" for="ch" forName="iconRect" refType="h" fact="0.55"/>
-              <dgm:constr type="w" for="ch" forName="iconRect" refType="h" refFor="ch" refForName="iconRect"/>
-              <dgm:constr type="l" for="ch" forName="iconRect" refType="h" refFor="ch" refForName="iconRect" fact="0.55"/>
-              <dgm:constr type="ctrY" for="ch" forName="iconRect" refType="ctrY" refFor="ch" refForName="bgRect"/>
-              <dgm:constr type="w" for="ch" forName="spaceRect" refType="l" refFor="ch" refForName="iconRect"/>
-              <dgm:constr type="h" for="ch" forName="spaceRect" refType="h"/>
-              <dgm:constr type="l" for="ch" forName="spaceRect" refType="r" refFor="ch" refForName="iconRect"/>
-              <dgm:constr type="t" for="ch" forName="spaceRect"/>
-              <dgm:constr type="w" for="ch" forName="parTx" refType="w" fact="0.45"/>
-              <dgm:constr type="h" for="ch" forName="parTx" refType="h"/>
-              <dgm:constr type="l" for="ch" forName="parTx" refType="r" refFor="ch" refForName="spaceRect"/>
-              <dgm:constr type="t" for="ch" forName="parTx"/>
-              <dgm:constr type="h" for="ch" forName="desTx" refType="h"/>
-              <dgm:constr type="l" for="ch" forName="desTx" refType="r" refFor="ch" refForName="parTx"/>
-              <dgm:constr type="t" for="ch" forName="desTx"/>
-            </dgm:constrLst>
-          </dgm:if>
-          <dgm:else name="Name11">
-            <dgm:constrLst>
-              <dgm:constr type="w" for="ch" forName="bgRect" refType="w"/>
-              <dgm:constr type="h" for="ch" forName="bgRect" refType="h"/>
-              <dgm:constr type="l" for="ch" forName="bgRect"/>
-              <dgm:constr type="t" for="ch" forName="bgRect"/>
-              <dgm:constr type="h" for="ch" forName="iconRect" refType="h" fact="0.55"/>
-              <dgm:constr type="w" for="ch" forName="iconRect" refType="h" refFor="ch" refForName="iconRect"/>
-              <dgm:constr type="l" for="ch" forName="iconRect" refType="h" refFor="ch" refForName="iconRect" fact="0.55"/>
-              <dgm:constr type="ctrY" for="ch" forName="iconRect" refType="ctrY" refFor="ch" refForName="bgRect"/>
-              <dgm:constr type="w" for="ch" forName="spaceRect" refType="l" refFor="ch" refForName="iconRect"/>
-              <dgm:constr type="h" for="ch" forName="spaceRect" refType="h"/>
-              <dgm:constr type="l" for="ch" forName="spaceRect" refType="r" refFor="ch" refForName="iconRect"/>
-              <dgm:constr type="t" for="ch" forName="spaceRect"/>
-              <dgm:constr type="h" for="ch" forName="parTx" refType="h"/>
-              <dgm:constr type="l" for="ch" forName="parTx" refType="r" refFor="ch" refForName="spaceRect"/>
-              <dgm:constr type="t" for="ch" forName="parTx"/>
-            </dgm:constrLst>
-          </dgm:else>
-        </dgm:choose>
-        <dgm:ruleLst>
-          <dgm:rule type="h" val="INF" fact="NaN" max="NaN"/>
-        </dgm:ruleLst>
-        <dgm:layoutNode name="bgRect" styleLbl="bgShp">
-          <dgm:alg type="sp"/>
-          <dgm:shape xmlns:r="http://schemas.openxmlformats.org/officeDocument/2006/relationships" type="roundRect" r:blip="">
-            <dgm:adjLst>
-              <dgm:adj idx="1" val="0.1"/>
-            </dgm:adjLst>
-          </dgm:shape>
-          <dgm:presOf/>
-          <dgm:constrLst/>
-          <dgm:ruleLst/>
-        </dgm:layoutNode>
-        <dgm:layoutNode name="iconRect" styleLbl="node1">
-          <dgm:alg type="sp"/>
-          <dgm:shape xmlns:r="http://schemas.openxmlformats.org/officeDocument/2006/relationships" type="rect" r:blip="" blipPhldr="1">
-            <dgm:adjLst/>
-          </dgm:shape>
-          <dgm:presOf/>
-          <dgm:constrLst/>
-          <dgm:ruleLst/>
-        </dgm:layoutNode>
-        <dgm:layoutNode name="spaceRect">
-          <dgm:alg type="sp"/>
-          <dgm:shape xmlns:r="http://schemas.openxmlformats.org/officeDocument/2006/relationships" r:blip="">
-            <dgm:adjLst/>
-          </dgm:shape>
-          <dgm:presOf/>
-          <dgm:constrLst/>
-          <dgm:ruleLst/>
-        </dgm:layoutNode>
-        <dgm:layoutNode name="parTx" styleLbl="revTx">
-          <dgm:varLst>
-            <dgm:chMax val="0"/>
-            <dgm:chPref val="0"/>
-          </dgm:varLst>
-          <dgm:alg type="tx">
-            <dgm:param type="txAnchorVert" val="mid"/>
-            <dgm:param type="parTxLTRAlign" val="l"/>
-            <dgm:param type="shpTxLTRAlignCh" val="l"/>
-            <dgm:param type="parTxRTLAlign" val="r"/>
-            <dgm:param type="shpTxRTLAlignCh" val="r"/>
+    <dgm:layoutNode name="container">
+      <dgm:varLst>
+        <dgm:dir/>
+        <dgm:resizeHandles val="exact"/>
+      </dgm:varLst>
+      <dgm:choose name="Name3">
+        <dgm:if name="Name4" axis="self" func="var" arg="dir" op="equ" val="norm">
+          <dgm:alg type="snake">
+            <dgm:param type="grDir" val="tL"/>
+            <dgm:param type="flowDir" val="row"/>
+            <dgm:param type="contDir" val="sameDir"/>
           </dgm:alg>
-          <dgm:shape xmlns:r="http://schemas.openxmlformats.org/officeDocument/2006/relationships" type="rect" r:blip="">
-            <dgm:adjLst/>
-          </dgm:shape>
-          <dgm:presOf axis="self" ptType="node"/>
-          <dgm:constrLst>
-            <dgm:constr type="lMarg" refType="h" fact="0.3"/>
-            <dgm:constr type="rMarg" refType="h" fact="0.3"/>
-            <dgm:constr type="tMarg" refType="h" fact="0.3"/>
-            <dgm:constr type="bMarg" refType="h" fact="0.3"/>
-          </dgm:constrLst>
-          <dgm:ruleLst>
-            <dgm:rule type="primFontSz" val="14" fact="NaN" max="NaN"/>
-            <dgm:rule type="h" val="INF" fact="NaN" max="NaN"/>
-          </dgm:ruleLst>
-        </dgm:layoutNode>
-        <dgm:choose name="Name12">
-          <dgm:if name="Name13" axis="ch" ptType="node" func="cnt" op="gte" val="1">
-            <dgm:layoutNode name="desTx" styleLbl="revTx">
-              <dgm:varLst/>
-              <dgm:alg type="tx">
-                <dgm:param type="txAnchorVertCh" val="mid"/>
-                <dgm:param type="parTxLTRAlign" val="l"/>
-                <dgm:param type="shpTxLTRAlignCh" val="l"/>
-                <dgm:param type="parTxRTLAlign" val="r"/>
-                <dgm:param type="shpTxRTLAlignCh" val="r"/>
-                <dgm:param type="stBulletLvl" val="0"/>
-              </dgm:alg>
-              <dgm:shape xmlns:r="http://schemas.openxmlformats.org/officeDocument/2006/relationships" type="rect" r:blip="">
-                <dgm:adjLst/>
-              </dgm:shape>
-              <dgm:presOf axis="des" ptType="node"/>
-              <dgm:constrLst>
-                <dgm:constr type="primFontSz" val="18"/>
-                <dgm:constr type="secFontSz" refType="primFontSz"/>
-                <dgm:constr type="lMarg" refType="h" fact="0.3"/>
-                <dgm:constr type="rMarg" refType="h" fact="0.3"/>
-                <dgm:constr type="tMarg" refType="h" fact="0.3"/>
-                <dgm:constr type="bMarg" refType="h" fact="0.3"/>
-              </dgm:constrLst>
-              <dgm:ruleLst>
-                <dgm:rule type="primFontSz" val="11" fact="NaN" max="NaN"/>
-              </dgm:ruleLst>
-            </dgm:layoutNode>
-          </dgm:if>
-          <dgm:else name="Name14"/>
-        </dgm:choose>
-      </dgm:layoutNode>
-      <dgm:forEach name="Name15" axis="followSib" ptType="sibTrans" cnt="1">
-        <dgm:layoutNode name="sibTrans">
-          <dgm:alg type="sp"/>
+        </dgm:if>
+        <dgm:else name="Name5">
+          <dgm:alg type="snake">
+            <dgm:param type="grDir" val="tR"/>
+            <dgm:param type="flowDir" val="row"/>
+            <dgm:param type="contDir" val="sameDir"/>
+          </dgm:alg>
+        </dgm:else>
+      </dgm:choose>
+      <dgm:shape xmlns:r="http://schemas.openxmlformats.org/officeDocument/2006/relationships" r:blip="">
+        <dgm:adjLst/>
+      </dgm:shape>
+      <dgm:presOf/>
+      <dgm:constrLst>
+        <dgm:constr type="w" for="ch" forName="compNode" refType="w"/>
+        <dgm:constr type="h" for="ch" forName="compNode" refType="w" fact="0.28"/>
+        <dgm:constr type="w" for="ch" forName="sibTrans" refType="w" refFor="ch" refForName="compNode" fact="0.115"/>
+        <dgm:constr type="sp" refType="h" op="equ" fact="0.17"/>
+        <dgm:constr type="primFontSz" for="des" ptType="node" op="equ" val="24"/>
+        <dgm:constr type="h" for="des" forName="compNode" op="equ"/>
+        <dgm:constr type="h" for="des" forName="iconBgRect" op="equ"/>
+      </dgm:constrLst>
+      <dgm:ruleLst>
+        <dgm:rule type="w" for="ch" forName="compNode" val="60" fact="NaN" max="NaN"/>
+      </dgm:ruleLst>
+      <dgm:forEach name="Name6" axis="ch" ptType="node">
+        <dgm:layoutNode name="compNode">
+          <dgm:alg type="composite"/>
           <dgm:shape xmlns:r="http://schemas.openxmlformats.org/officeDocument/2006/relationships" r:blip="">
             <dgm:adjLst/>
           </dgm:shape>
           <dgm:presOf axis="self"/>
-          <dgm:constrLst/>
+          <dgm:constrLst>
+            <dgm:constr type="w" for="ch" forName="iconBgRect" refType="w" fact="0.28"/>
+            <dgm:constr type="h" for="ch" forName="iconBgRect" refType="w" refFor="ch" refForName="iconBgRect"/>
+            <dgm:constr type="t" for="ch" forName="iconBgRect"/>
+            <dgm:constr type="l" for="ch" forName="iconBgRect"/>
+            <dgm:constr type="w" for="ch" forName="iconRect" refType="w" refFor="ch" refForName="iconBgRect" fact="0.58"/>
+            <dgm:constr type="h" for="ch" forName="iconRect" refType="w" refFor="ch" refForName="iconRect"/>
+            <dgm:constr type="ctrX" for="ch" forName="iconRect" refType="ctrX" refFor="ch" refForName="iconBgRect"/>
+            <dgm:constr type="ctrY" for="ch" forName="iconRect" refType="ctrY" refFor="ch" refForName="iconBgRect"/>
+            <dgm:constr type="w" for="ch" forName="spaceRect" refType="w" fact="0.06"/>
+            <dgm:constr type="h" for="ch" forName="spaceRect" refType="h" refFor="ch" refForName="iconBgRect"/>
+            <dgm:constr type="t" for="ch" forName="spaceRect" refType="t" refFor="ch" refForName="iconBgRect"/>
+            <dgm:constr type="l" for="ch" forName="spaceRect" refType="r" refFor="ch" refForName="iconBgRect"/>
+            <dgm:constr type="h" for="ch" forName="textRect" refType="h" refFor="ch" refForName="iconBgRect"/>
+            <dgm:constr type="t" for="ch" forName="textRect" refType="t" refFor="ch" refForName="iconBgRect"/>
+            <dgm:constr type="l" for="ch" forName="textRect" refType="r" refFor="ch" refForName="spaceRect"/>
+          </dgm:constrLst>
           <dgm:ruleLst/>
+          <dgm:layoutNode name="iconBgRect" styleLbl="bgShp">
+            <dgm:alg type="sp"/>
+            <dgm:shape xmlns:r="http://schemas.openxmlformats.org/officeDocument/2006/relationships" type="ellipse" r:blip="">
+              <dgm:adjLst/>
+            </dgm:shape>
+            <dgm:presOf/>
+            <dgm:constrLst/>
+            <dgm:ruleLst/>
+          </dgm:layoutNode>
+          <dgm:layoutNode name="iconRect" styleLbl="node1">
+            <dgm:alg type="sp"/>
+            <dgm:shape xmlns:r="http://schemas.openxmlformats.org/officeDocument/2006/relationships" type="rect" r:blip="" blipPhldr="1">
+              <dgm:adjLst/>
+            </dgm:shape>
+            <dgm:presOf/>
+            <dgm:constrLst/>
+            <dgm:ruleLst/>
+          </dgm:layoutNode>
+          <dgm:layoutNode name="spaceRect">
+            <dgm:alg type="sp"/>
+            <dgm:shape xmlns:r="http://schemas.openxmlformats.org/officeDocument/2006/relationships" r:blip="">
+              <dgm:adjLst/>
+            </dgm:shape>
+            <dgm:presOf/>
+            <dgm:constrLst/>
+            <dgm:ruleLst/>
+          </dgm:layoutNode>
+          <dgm:layoutNode name="textRect" styleLbl="revTx">
+            <dgm:varLst>
+              <dgm:chMax val="1"/>
+              <dgm:chPref val="1"/>
+            </dgm:varLst>
+            <dgm:choose name="Name7">
+              <dgm:if name="Name8" func="var" arg="dir" op="equ" val="norm">
+                <dgm:alg type="tx">
+                  <dgm:param type="txAnchorVert" val="mid"/>
+                  <dgm:param type="parTxLTRAlign" val="l"/>
+                  <dgm:param type="shpTxLTRAlignCh" val="l"/>
+                  <dgm:param type="parTxRTLAlign" val="l"/>
+                  <dgm:param type="shpTxRTLAlignCh" val="l"/>
+                </dgm:alg>
+              </dgm:if>
+              <dgm:else name="Name9">
+                <dgm:alg type="tx">
+                  <dgm:param type="txAnchorVert" val="mid"/>
+                  <dgm:param type="parTxLTRAlign" val="r"/>
+                  <dgm:param type="shpTxLTRAlignCh" val="r"/>
+                  <dgm:param type="parTxRTLAlign" val="r"/>
+                  <dgm:param type="shpTxRTLAlignCh" val="r"/>
+                </dgm:alg>
+              </dgm:else>
+            </dgm:choose>
+            <dgm:shape xmlns:r="http://schemas.openxmlformats.org/officeDocument/2006/relationships" type="rect" r:blip="">
+              <dgm:adjLst/>
+            </dgm:shape>
+            <dgm:presOf axis="self" ptType="node"/>
+            <dgm:constrLst>
+              <dgm:constr type="lMarg"/>
+              <dgm:constr type="rMarg"/>
+              <dgm:constr type="tMarg"/>
+              <dgm:constr type="bMarg"/>
+            </dgm:constrLst>
+            <dgm:ruleLst>
+              <dgm:rule type="primFontSz" val="11" fact="NaN" max="NaN"/>
+            </dgm:ruleLst>
+          </dgm:layoutNode>
         </dgm:layoutNode>
+        <dgm:forEach name="Name10" axis="followSib" ptType="sibTrans" cnt="1">
+          <dgm:layoutNode name="sibTrans">
+            <dgm:alg type="sp"/>
+            <dgm:shape xmlns:r="http://schemas.openxmlformats.org/officeDocument/2006/relationships" type="rect" r:blip="" hideGeom="1">
+              <dgm:adjLst/>
+            </dgm:shape>
+            <dgm:presOf axis="self"/>
+            <dgm:constrLst/>
+            <dgm:ruleLst/>
+          </dgm:layoutNode>
+        </dgm:forEach>
       </dgm:forEach>
-    </dgm:forEach>
+    </dgm:layoutNode>
   </dgm:layoutNode>
   <dgm:extLst>
     <a:ext uri="{68A01E43-0DF5-4B5B-8FA6-DAF915123BFB}">
@@ -16670,11 +16412,6 @@
             <a:spcPct val="100000"/>
           </a:lnSpc>
         </a:lvl1pPr>
-        <a:lvl2pPr>
-          <a:lnSpc>
-            <a:spcPct val="100000"/>
-          </a:lnSpc>
-        </a:lvl2pPr>
       </dgm1612:lstStyle>
     </a:ext>
   </dgm:extLst>
@@ -25388,7 +25125,7 @@
           <a:p>
             <a:fld id="{86056FF6-3910-F246-B52E-9078528631F2}" type="datetimeFigureOut">
               <a:rPr lang="en-US" smtClean="0"/>
-              <a:t>4/16/20</a:t>
+              <a:t>4/18/20</a:t>
             </a:fld>
             <a:endParaRPr lang="en-US"/>
           </a:p>
@@ -25655,6 +25392,1311 @@
 </p:notesMaster>
 </file>
 
+<file path=ppt/notesSlides/notesSlide1.xml><?xml version="1.0" encoding="utf-8"?>
+<p:notes xmlns:a="http://schemas.openxmlformats.org/drawingml/2006/main" xmlns:r="http://schemas.openxmlformats.org/officeDocument/2006/relationships" xmlns:p="http://schemas.openxmlformats.org/presentationml/2006/main">
+  <p:cSld>
+    <p:spTree>
+      <p:nvGrpSpPr>
+        <p:cNvPr id="1" name=""/>
+        <p:cNvGrpSpPr/>
+        <p:nvPr/>
+      </p:nvGrpSpPr>
+      <p:grpSpPr>
+        <a:xfrm>
+          <a:off x="0" y="0"/>
+          <a:ext cx="0" cy="0"/>
+          <a:chOff x="0" y="0"/>
+          <a:chExt cx="0" cy="0"/>
+        </a:xfrm>
+      </p:grpSpPr>
+      <p:sp>
+        <p:nvSpPr>
+          <p:cNvPr id="2" name="Slide Image Placeholder 1"/>
+          <p:cNvSpPr>
+            <a:spLocks noGrp="1" noRot="1" noChangeAspect="1"/>
+          </p:cNvSpPr>
+          <p:nvPr>
+            <p:ph type="sldImg"/>
+          </p:nvPr>
+        </p:nvSpPr>
+        <p:spPr/>
+      </p:sp>
+      <p:sp>
+        <p:nvSpPr>
+          <p:cNvPr id="3" name="Notes Placeholder 2"/>
+          <p:cNvSpPr>
+            <a:spLocks noGrp="1"/>
+          </p:cNvSpPr>
+          <p:nvPr>
+            <p:ph type="body" idx="1"/>
+          </p:nvPr>
+        </p:nvSpPr>
+        <p:spPr/>
+        <p:txBody>
+          <a:bodyPr/>
+          <a:lstStyle/>
+          <a:p>
+            <a:r>
+              <a:rPr lang="en-US" dirty="0"/>
+              <a:t>Derek</a:t>
+            </a:r>
+          </a:p>
+        </p:txBody>
+      </p:sp>
+      <p:sp>
+        <p:nvSpPr>
+          <p:cNvPr id="4" name="Slide Number Placeholder 3"/>
+          <p:cNvSpPr>
+            <a:spLocks noGrp="1"/>
+          </p:cNvSpPr>
+          <p:nvPr>
+            <p:ph type="sldNum" sz="quarter" idx="5"/>
+          </p:nvPr>
+        </p:nvSpPr>
+        <p:spPr/>
+        <p:txBody>
+          <a:bodyPr/>
+          <a:lstStyle/>
+          <a:p>
+            <a:fld id="{DCE921D0-8091-1B47-9857-716BD5BE96A8}" type="slidenum">
+              <a:rPr lang="en-US" smtClean="0"/>
+              <a:t>1</a:t>
+            </a:fld>
+            <a:endParaRPr lang="en-US"/>
+          </a:p>
+        </p:txBody>
+      </p:sp>
+    </p:spTree>
+    <p:extLst>
+      <p:ext uri="{BB962C8B-B14F-4D97-AF65-F5344CB8AC3E}">
+        <p14:creationId xmlns:p14="http://schemas.microsoft.com/office/powerpoint/2010/main" val="712301461"/>
+      </p:ext>
+    </p:extLst>
+  </p:cSld>
+  <p:clrMapOvr>
+    <a:masterClrMapping/>
+  </p:clrMapOvr>
+</p:notes>
+</file>
+
+<file path=ppt/notesSlides/notesSlide10.xml><?xml version="1.0" encoding="utf-8"?>
+<p:notes xmlns:a="http://schemas.openxmlformats.org/drawingml/2006/main" xmlns:r="http://schemas.openxmlformats.org/officeDocument/2006/relationships" xmlns:p="http://schemas.openxmlformats.org/presentationml/2006/main">
+  <p:cSld>
+    <p:spTree>
+      <p:nvGrpSpPr>
+        <p:cNvPr id="1" name=""/>
+        <p:cNvGrpSpPr/>
+        <p:nvPr/>
+      </p:nvGrpSpPr>
+      <p:grpSpPr>
+        <a:xfrm>
+          <a:off x="0" y="0"/>
+          <a:ext cx="0" cy="0"/>
+          <a:chOff x="0" y="0"/>
+          <a:chExt cx="0" cy="0"/>
+        </a:xfrm>
+      </p:grpSpPr>
+      <p:sp>
+        <p:nvSpPr>
+          <p:cNvPr id="2" name="Slide Image Placeholder 1"/>
+          <p:cNvSpPr>
+            <a:spLocks noGrp="1" noRot="1" noChangeAspect="1"/>
+          </p:cNvSpPr>
+          <p:nvPr>
+            <p:ph type="sldImg"/>
+          </p:nvPr>
+        </p:nvSpPr>
+        <p:spPr/>
+      </p:sp>
+      <p:sp>
+        <p:nvSpPr>
+          <p:cNvPr id="3" name="Notes Placeholder 2"/>
+          <p:cNvSpPr>
+            <a:spLocks noGrp="1"/>
+          </p:cNvSpPr>
+          <p:nvPr>
+            <p:ph type="body" idx="1"/>
+          </p:nvPr>
+        </p:nvSpPr>
+        <p:spPr/>
+        <p:txBody>
+          <a:bodyPr/>
+          <a:lstStyle/>
+          <a:p>
+            <a:r>
+              <a:rPr lang="en-US" dirty="0"/>
+              <a:t>Youstina</a:t>
+            </a:r>
+          </a:p>
+        </p:txBody>
+      </p:sp>
+      <p:sp>
+        <p:nvSpPr>
+          <p:cNvPr id="4" name="Slide Number Placeholder 3"/>
+          <p:cNvSpPr>
+            <a:spLocks noGrp="1"/>
+          </p:cNvSpPr>
+          <p:nvPr>
+            <p:ph type="sldNum" sz="quarter" idx="5"/>
+          </p:nvPr>
+        </p:nvSpPr>
+        <p:spPr/>
+        <p:txBody>
+          <a:bodyPr/>
+          <a:lstStyle/>
+          <a:p>
+            <a:fld id="{DCE921D0-8091-1B47-9857-716BD5BE96A8}" type="slidenum">
+              <a:rPr lang="en-US" smtClean="0"/>
+              <a:t>10</a:t>
+            </a:fld>
+            <a:endParaRPr lang="en-US"/>
+          </a:p>
+        </p:txBody>
+      </p:sp>
+    </p:spTree>
+    <p:extLst>
+      <p:ext uri="{BB962C8B-B14F-4D97-AF65-F5344CB8AC3E}">
+        <p14:creationId xmlns:p14="http://schemas.microsoft.com/office/powerpoint/2010/main" val="3773876475"/>
+      </p:ext>
+    </p:extLst>
+  </p:cSld>
+  <p:clrMapOvr>
+    <a:masterClrMapping/>
+  </p:clrMapOvr>
+</p:notes>
+</file>
+
+<file path=ppt/notesSlides/notesSlide11.xml><?xml version="1.0" encoding="utf-8"?>
+<p:notes xmlns:a="http://schemas.openxmlformats.org/drawingml/2006/main" xmlns:r="http://schemas.openxmlformats.org/officeDocument/2006/relationships" xmlns:p="http://schemas.openxmlformats.org/presentationml/2006/main">
+  <p:cSld>
+    <p:spTree>
+      <p:nvGrpSpPr>
+        <p:cNvPr id="1" name=""/>
+        <p:cNvGrpSpPr/>
+        <p:nvPr/>
+      </p:nvGrpSpPr>
+      <p:grpSpPr>
+        <a:xfrm>
+          <a:off x="0" y="0"/>
+          <a:ext cx="0" cy="0"/>
+          <a:chOff x="0" y="0"/>
+          <a:chExt cx="0" cy="0"/>
+        </a:xfrm>
+      </p:grpSpPr>
+      <p:sp>
+        <p:nvSpPr>
+          <p:cNvPr id="2" name="Slide Image Placeholder 1"/>
+          <p:cNvSpPr>
+            <a:spLocks noGrp="1" noRot="1" noChangeAspect="1"/>
+          </p:cNvSpPr>
+          <p:nvPr>
+            <p:ph type="sldImg"/>
+          </p:nvPr>
+        </p:nvSpPr>
+        <p:spPr/>
+      </p:sp>
+      <p:sp>
+        <p:nvSpPr>
+          <p:cNvPr id="3" name="Notes Placeholder 2"/>
+          <p:cNvSpPr>
+            <a:spLocks noGrp="1"/>
+          </p:cNvSpPr>
+          <p:nvPr>
+            <p:ph type="body" idx="1"/>
+          </p:nvPr>
+        </p:nvSpPr>
+        <p:spPr/>
+        <p:txBody>
+          <a:bodyPr/>
+          <a:lstStyle/>
+          <a:p>
+            <a:r>
+              <a:rPr lang="en-US" dirty="0"/>
+              <a:t>Paul</a:t>
+            </a:r>
+          </a:p>
+        </p:txBody>
+      </p:sp>
+      <p:sp>
+        <p:nvSpPr>
+          <p:cNvPr id="4" name="Slide Number Placeholder 3"/>
+          <p:cNvSpPr>
+            <a:spLocks noGrp="1"/>
+          </p:cNvSpPr>
+          <p:nvPr>
+            <p:ph type="sldNum" sz="quarter" idx="5"/>
+          </p:nvPr>
+        </p:nvSpPr>
+        <p:spPr/>
+        <p:txBody>
+          <a:bodyPr/>
+          <a:lstStyle/>
+          <a:p>
+            <a:fld id="{DCE921D0-8091-1B47-9857-716BD5BE96A8}" type="slidenum">
+              <a:rPr lang="en-US" smtClean="0"/>
+              <a:t>11</a:t>
+            </a:fld>
+            <a:endParaRPr lang="en-US"/>
+          </a:p>
+        </p:txBody>
+      </p:sp>
+    </p:spTree>
+    <p:extLst>
+      <p:ext uri="{BB962C8B-B14F-4D97-AF65-F5344CB8AC3E}">
+        <p14:creationId xmlns:p14="http://schemas.microsoft.com/office/powerpoint/2010/main" val="4195247423"/>
+      </p:ext>
+    </p:extLst>
+  </p:cSld>
+  <p:clrMapOvr>
+    <a:masterClrMapping/>
+  </p:clrMapOvr>
+</p:notes>
+</file>
+
+<file path=ppt/notesSlides/notesSlide12.xml><?xml version="1.0" encoding="utf-8"?>
+<p:notes xmlns:a="http://schemas.openxmlformats.org/drawingml/2006/main" xmlns:r="http://schemas.openxmlformats.org/officeDocument/2006/relationships" xmlns:p="http://schemas.openxmlformats.org/presentationml/2006/main">
+  <p:cSld>
+    <p:spTree>
+      <p:nvGrpSpPr>
+        <p:cNvPr id="1" name=""/>
+        <p:cNvGrpSpPr/>
+        <p:nvPr/>
+      </p:nvGrpSpPr>
+      <p:grpSpPr>
+        <a:xfrm>
+          <a:off x="0" y="0"/>
+          <a:ext cx="0" cy="0"/>
+          <a:chOff x="0" y="0"/>
+          <a:chExt cx="0" cy="0"/>
+        </a:xfrm>
+      </p:grpSpPr>
+      <p:sp>
+        <p:nvSpPr>
+          <p:cNvPr id="2" name="Slide Image Placeholder 1"/>
+          <p:cNvSpPr>
+            <a:spLocks noGrp="1" noRot="1" noChangeAspect="1"/>
+          </p:cNvSpPr>
+          <p:nvPr>
+            <p:ph type="sldImg"/>
+          </p:nvPr>
+        </p:nvSpPr>
+        <p:spPr/>
+      </p:sp>
+      <p:sp>
+        <p:nvSpPr>
+          <p:cNvPr id="3" name="Notes Placeholder 2"/>
+          <p:cNvSpPr>
+            <a:spLocks noGrp="1"/>
+          </p:cNvSpPr>
+          <p:nvPr>
+            <p:ph type="body" idx="1"/>
+          </p:nvPr>
+        </p:nvSpPr>
+        <p:spPr/>
+        <p:txBody>
+          <a:bodyPr/>
+          <a:lstStyle/>
+          <a:p>
+            <a:r>
+              <a:rPr lang="en-US" dirty="0"/>
+              <a:t>Paul</a:t>
+            </a:r>
+          </a:p>
+        </p:txBody>
+      </p:sp>
+      <p:sp>
+        <p:nvSpPr>
+          <p:cNvPr id="4" name="Slide Number Placeholder 3"/>
+          <p:cNvSpPr>
+            <a:spLocks noGrp="1"/>
+          </p:cNvSpPr>
+          <p:nvPr>
+            <p:ph type="sldNum" sz="quarter" idx="5"/>
+          </p:nvPr>
+        </p:nvSpPr>
+        <p:spPr/>
+        <p:txBody>
+          <a:bodyPr/>
+          <a:lstStyle/>
+          <a:p>
+            <a:fld id="{DCE921D0-8091-1B47-9857-716BD5BE96A8}" type="slidenum">
+              <a:rPr lang="en-US" smtClean="0"/>
+              <a:t>12</a:t>
+            </a:fld>
+            <a:endParaRPr lang="en-US"/>
+          </a:p>
+        </p:txBody>
+      </p:sp>
+    </p:spTree>
+    <p:extLst>
+      <p:ext uri="{BB962C8B-B14F-4D97-AF65-F5344CB8AC3E}">
+        <p14:creationId xmlns:p14="http://schemas.microsoft.com/office/powerpoint/2010/main" val="1372094170"/>
+      </p:ext>
+    </p:extLst>
+  </p:cSld>
+  <p:clrMapOvr>
+    <a:masterClrMapping/>
+  </p:clrMapOvr>
+</p:notes>
+</file>
+
+<file path=ppt/notesSlides/notesSlide13.xml><?xml version="1.0" encoding="utf-8"?>
+<p:notes xmlns:a="http://schemas.openxmlformats.org/drawingml/2006/main" xmlns:r="http://schemas.openxmlformats.org/officeDocument/2006/relationships" xmlns:p="http://schemas.openxmlformats.org/presentationml/2006/main">
+  <p:cSld>
+    <p:spTree>
+      <p:nvGrpSpPr>
+        <p:cNvPr id="1" name=""/>
+        <p:cNvGrpSpPr/>
+        <p:nvPr/>
+      </p:nvGrpSpPr>
+      <p:grpSpPr>
+        <a:xfrm>
+          <a:off x="0" y="0"/>
+          <a:ext cx="0" cy="0"/>
+          <a:chOff x="0" y="0"/>
+          <a:chExt cx="0" cy="0"/>
+        </a:xfrm>
+      </p:grpSpPr>
+      <p:sp>
+        <p:nvSpPr>
+          <p:cNvPr id="2" name="Slide Image Placeholder 1"/>
+          <p:cNvSpPr>
+            <a:spLocks noGrp="1" noRot="1" noChangeAspect="1"/>
+          </p:cNvSpPr>
+          <p:nvPr>
+            <p:ph type="sldImg"/>
+          </p:nvPr>
+        </p:nvSpPr>
+        <p:spPr/>
+      </p:sp>
+      <p:sp>
+        <p:nvSpPr>
+          <p:cNvPr id="3" name="Notes Placeholder 2"/>
+          <p:cNvSpPr>
+            <a:spLocks noGrp="1"/>
+          </p:cNvSpPr>
+          <p:nvPr>
+            <p:ph type="body" idx="1"/>
+          </p:nvPr>
+        </p:nvSpPr>
+        <p:spPr/>
+        <p:txBody>
+          <a:bodyPr/>
+          <a:lstStyle/>
+          <a:p>
+            <a:r>
+              <a:rPr lang="en-US" dirty="0"/>
+              <a:t>Youstina</a:t>
+            </a:r>
+          </a:p>
+        </p:txBody>
+      </p:sp>
+      <p:sp>
+        <p:nvSpPr>
+          <p:cNvPr id="4" name="Slide Number Placeholder 3"/>
+          <p:cNvSpPr>
+            <a:spLocks noGrp="1"/>
+          </p:cNvSpPr>
+          <p:nvPr>
+            <p:ph type="sldNum" sz="quarter" idx="5"/>
+          </p:nvPr>
+        </p:nvSpPr>
+        <p:spPr/>
+        <p:txBody>
+          <a:bodyPr/>
+          <a:lstStyle/>
+          <a:p>
+            <a:fld id="{DCE921D0-8091-1B47-9857-716BD5BE96A8}" type="slidenum">
+              <a:rPr lang="en-US" smtClean="0"/>
+              <a:t>13</a:t>
+            </a:fld>
+            <a:endParaRPr lang="en-US"/>
+          </a:p>
+        </p:txBody>
+      </p:sp>
+    </p:spTree>
+    <p:extLst>
+      <p:ext uri="{BB962C8B-B14F-4D97-AF65-F5344CB8AC3E}">
+        <p14:creationId xmlns:p14="http://schemas.microsoft.com/office/powerpoint/2010/main" val="1561248102"/>
+      </p:ext>
+    </p:extLst>
+  </p:cSld>
+  <p:clrMapOvr>
+    <a:masterClrMapping/>
+  </p:clrMapOvr>
+</p:notes>
+</file>
+
+<file path=ppt/notesSlides/notesSlide14.xml><?xml version="1.0" encoding="utf-8"?>
+<p:notes xmlns:a="http://schemas.openxmlformats.org/drawingml/2006/main" xmlns:r="http://schemas.openxmlformats.org/officeDocument/2006/relationships" xmlns:p="http://schemas.openxmlformats.org/presentationml/2006/main">
+  <p:cSld>
+    <p:spTree>
+      <p:nvGrpSpPr>
+        <p:cNvPr id="1" name=""/>
+        <p:cNvGrpSpPr/>
+        <p:nvPr/>
+      </p:nvGrpSpPr>
+      <p:grpSpPr>
+        <a:xfrm>
+          <a:off x="0" y="0"/>
+          <a:ext cx="0" cy="0"/>
+          <a:chOff x="0" y="0"/>
+          <a:chExt cx="0" cy="0"/>
+        </a:xfrm>
+      </p:grpSpPr>
+      <p:sp>
+        <p:nvSpPr>
+          <p:cNvPr id="2" name="Slide Image Placeholder 1"/>
+          <p:cNvSpPr>
+            <a:spLocks noGrp="1" noRot="1" noChangeAspect="1"/>
+          </p:cNvSpPr>
+          <p:nvPr>
+            <p:ph type="sldImg"/>
+          </p:nvPr>
+        </p:nvSpPr>
+        <p:spPr/>
+      </p:sp>
+      <p:sp>
+        <p:nvSpPr>
+          <p:cNvPr id="3" name="Notes Placeholder 2"/>
+          <p:cNvSpPr>
+            <a:spLocks noGrp="1"/>
+          </p:cNvSpPr>
+          <p:nvPr>
+            <p:ph type="body" idx="1"/>
+          </p:nvPr>
+        </p:nvSpPr>
+        <p:spPr/>
+        <p:txBody>
+          <a:bodyPr/>
+          <a:lstStyle/>
+          <a:p>
+            <a:r>
+              <a:rPr lang="en-US" dirty="0"/>
+              <a:t>Youstina</a:t>
+            </a:r>
+          </a:p>
+        </p:txBody>
+      </p:sp>
+      <p:sp>
+        <p:nvSpPr>
+          <p:cNvPr id="4" name="Slide Number Placeholder 3"/>
+          <p:cNvSpPr>
+            <a:spLocks noGrp="1"/>
+          </p:cNvSpPr>
+          <p:nvPr>
+            <p:ph type="sldNum" sz="quarter" idx="5"/>
+          </p:nvPr>
+        </p:nvSpPr>
+        <p:spPr/>
+        <p:txBody>
+          <a:bodyPr/>
+          <a:lstStyle/>
+          <a:p>
+            <a:fld id="{DCE921D0-8091-1B47-9857-716BD5BE96A8}" type="slidenum">
+              <a:rPr lang="en-US" smtClean="0"/>
+              <a:t>14</a:t>
+            </a:fld>
+            <a:endParaRPr lang="en-US"/>
+          </a:p>
+        </p:txBody>
+      </p:sp>
+    </p:spTree>
+    <p:extLst>
+      <p:ext uri="{BB962C8B-B14F-4D97-AF65-F5344CB8AC3E}">
+        <p14:creationId xmlns:p14="http://schemas.microsoft.com/office/powerpoint/2010/main" val="202030720"/>
+      </p:ext>
+    </p:extLst>
+  </p:cSld>
+  <p:clrMapOvr>
+    <a:masterClrMapping/>
+  </p:clrMapOvr>
+</p:notes>
+</file>
+
+<file path=ppt/notesSlides/notesSlide15.xml><?xml version="1.0" encoding="utf-8"?>
+<p:notes xmlns:a="http://schemas.openxmlformats.org/drawingml/2006/main" xmlns:r="http://schemas.openxmlformats.org/officeDocument/2006/relationships" xmlns:p="http://schemas.openxmlformats.org/presentationml/2006/main">
+  <p:cSld>
+    <p:spTree>
+      <p:nvGrpSpPr>
+        <p:cNvPr id="1" name=""/>
+        <p:cNvGrpSpPr/>
+        <p:nvPr/>
+      </p:nvGrpSpPr>
+      <p:grpSpPr>
+        <a:xfrm>
+          <a:off x="0" y="0"/>
+          <a:ext cx="0" cy="0"/>
+          <a:chOff x="0" y="0"/>
+          <a:chExt cx="0" cy="0"/>
+        </a:xfrm>
+      </p:grpSpPr>
+      <p:sp>
+        <p:nvSpPr>
+          <p:cNvPr id="2" name="Slide Image Placeholder 1"/>
+          <p:cNvSpPr>
+            <a:spLocks noGrp="1" noRot="1" noChangeAspect="1"/>
+          </p:cNvSpPr>
+          <p:nvPr>
+            <p:ph type="sldImg"/>
+          </p:nvPr>
+        </p:nvSpPr>
+        <p:spPr/>
+      </p:sp>
+      <p:sp>
+        <p:nvSpPr>
+          <p:cNvPr id="3" name="Notes Placeholder 2"/>
+          <p:cNvSpPr>
+            <a:spLocks noGrp="1"/>
+          </p:cNvSpPr>
+          <p:nvPr>
+            <p:ph type="body" idx="1"/>
+          </p:nvPr>
+        </p:nvSpPr>
+        <p:spPr/>
+        <p:txBody>
+          <a:bodyPr/>
+          <a:lstStyle/>
+          <a:p>
+            <a:r>
+              <a:rPr lang="en-US" dirty="0"/>
+              <a:t>Youstina</a:t>
+            </a:r>
+          </a:p>
+        </p:txBody>
+      </p:sp>
+      <p:sp>
+        <p:nvSpPr>
+          <p:cNvPr id="4" name="Slide Number Placeholder 3"/>
+          <p:cNvSpPr>
+            <a:spLocks noGrp="1"/>
+          </p:cNvSpPr>
+          <p:nvPr>
+            <p:ph type="sldNum" sz="quarter" idx="5"/>
+          </p:nvPr>
+        </p:nvSpPr>
+        <p:spPr/>
+        <p:txBody>
+          <a:bodyPr/>
+          <a:lstStyle/>
+          <a:p>
+            <a:fld id="{DCE921D0-8091-1B47-9857-716BD5BE96A8}" type="slidenum">
+              <a:rPr lang="en-US" smtClean="0"/>
+              <a:t>15</a:t>
+            </a:fld>
+            <a:endParaRPr lang="en-US"/>
+          </a:p>
+        </p:txBody>
+      </p:sp>
+    </p:spTree>
+    <p:extLst>
+      <p:ext uri="{BB962C8B-B14F-4D97-AF65-F5344CB8AC3E}">
+        <p14:creationId xmlns:p14="http://schemas.microsoft.com/office/powerpoint/2010/main" val="2103620309"/>
+      </p:ext>
+    </p:extLst>
+  </p:cSld>
+  <p:clrMapOvr>
+    <a:masterClrMapping/>
+  </p:clrMapOvr>
+</p:notes>
+</file>
+
+<file path=ppt/notesSlides/notesSlide2.xml><?xml version="1.0" encoding="utf-8"?>
+<p:notes xmlns:a="http://schemas.openxmlformats.org/drawingml/2006/main" xmlns:r="http://schemas.openxmlformats.org/officeDocument/2006/relationships" xmlns:p="http://schemas.openxmlformats.org/presentationml/2006/main">
+  <p:cSld>
+    <p:spTree>
+      <p:nvGrpSpPr>
+        <p:cNvPr id="1" name=""/>
+        <p:cNvGrpSpPr/>
+        <p:nvPr/>
+      </p:nvGrpSpPr>
+      <p:grpSpPr>
+        <a:xfrm>
+          <a:off x="0" y="0"/>
+          <a:ext cx="0" cy="0"/>
+          <a:chOff x="0" y="0"/>
+          <a:chExt cx="0" cy="0"/>
+        </a:xfrm>
+      </p:grpSpPr>
+      <p:sp>
+        <p:nvSpPr>
+          <p:cNvPr id="2" name="Slide Image Placeholder 1"/>
+          <p:cNvSpPr>
+            <a:spLocks noGrp="1" noRot="1" noChangeAspect="1"/>
+          </p:cNvSpPr>
+          <p:nvPr>
+            <p:ph type="sldImg"/>
+          </p:nvPr>
+        </p:nvSpPr>
+        <p:spPr/>
+      </p:sp>
+      <p:sp>
+        <p:nvSpPr>
+          <p:cNvPr id="3" name="Notes Placeholder 2"/>
+          <p:cNvSpPr>
+            <a:spLocks noGrp="1"/>
+          </p:cNvSpPr>
+          <p:nvPr>
+            <p:ph type="body" idx="1"/>
+          </p:nvPr>
+        </p:nvSpPr>
+        <p:spPr/>
+        <p:txBody>
+          <a:bodyPr/>
+          <a:lstStyle/>
+          <a:p>
+            <a:r>
+              <a:rPr lang="en-US" dirty="0"/>
+              <a:t>Derek</a:t>
+            </a:r>
+          </a:p>
+        </p:txBody>
+      </p:sp>
+      <p:sp>
+        <p:nvSpPr>
+          <p:cNvPr id="4" name="Slide Number Placeholder 3"/>
+          <p:cNvSpPr>
+            <a:spLocks noGrp="1"/>
+          </p:cNvSpPr>
+          <p:nvPr>
+            <p:ph type="sldNum" sz="quarter" idx="5"/>
+          </p:nvPr>
+        </p:nvSpPr>
+        <p:spPr/>
+        <p:txBody>
+          <a:bodyPr/>
+          <a:lstStyle/>
+          <a:p>
+            <a:fld id="{DCE921D0-8091-1B47-9857-716BD5BE96A8}" type="slidenum">
+              <a:rPr lang="en-US" smtClean="0"/>
+              <a:t>2</a:t>
+            </a:fld>
+            <a:endParaRPr lang="en-US"/>
+          </a:p>
+        </p:txBody>
+      </p:sp>
+    </p:spTree>
+    <p:extLst>
+      <p:ext uri="{BB962C8B-B14F-4D97-AF65-F5344CB8AC3E}">
+        <p14:creationId xmlns:p14="http://schemas.microsoft.com/office/powerpoint/2010/main" val="634017422"/>
+      </p:ext>
+    </p:extLst>
+  </p:cSld>
+  <p:clrMapOvr>
+    <a:masterClrMapping/>
+  </p:clrMapOvr>
+</p:notes>
+</file>
+
+<file path=ppt/notesSlides/notesSlide3.xml><?xml version="1.0" encoding="utf-8"?>
+<p:notes xmlns:a="http://schemas.openxmlformats.org/drawingml/2006/main" xmlns:r="http://schemas.openxmlformats.org/officeDocument/2006/relationships" xmlns:p="http://schemas.openxmlformats.org/presentationml/2006/main">
+  <p:cSld>
+    <p:spTree>
+      <p:nvGrpSpPr>
+        <p:cNvPr id="1" name=""/>
+        <p:cNvGrpSpPr/>
+        <p:nvPr/>
+      </p:nvGrpSpPr>
+      <p:grpSpPr>
+        <a:xfrm>
+          <a:off x="0" y="0"/>
+          <a:ext cx="0" cy="0"/>
+          <a:chOff x="0" y="0"/>
+          <a:chExt cx="0" cy="0"/>
+        </a:xfrm>
+      </p:grpSpPr>
+      <p:sp>
+        <p:nvSpPr>
+          <p:cNvPr id="2" name="Slide Image Placeholder 1"/>
+          <p:cNvSpPr>
+            <a:spLocks noGrp="1" noRot="1" noChangeAspect="1"/>
+          </p:cNvSpPr>
+          <p:nvPr>
+            <p:ph type="sldImg"/>
+          </p:nvPr>
+        </p:nvSpPr>
+        <p:spPr/>
+      </p:sp>
+      <p:sp>
+        <p:nvSpPr>
+          <p:cNvPr id="3" name="Notes Placeholder 2"/>
+          <p:cNvSpPr>
+            <a:spLocks noGrp="1"/>
+          </p:cNvSpPr>
+          <p:nvPr>
+            <p:ph type="body" idx="1"/>
+          </p:nvPr>
+        </p:nvSpPr>
+        <p:spPr/>
+        <p:txBody>
+          <a:bodyPr/>
+          <a:lstStyle/>
+          <a:p>
+            <a:r>
+              <a:rPr lang="en-US" dirty="0"/>
+              <a:t>Derek</a:t>
+            </a:r>
+          </a:p>
+        </p:txBody>
+      </p:sp>
+      <p:sp>
+        <p:nvSpPr>
+          <p:cNvPr id="4" name="Slide Number Placeholder 3"/>
+          <p:cNvSpPr>
+            <a:spLocks noGrp="1"/>
+          </p:cNvSpPr>
+          <p:nvPr>
+            <p:ph type="sldNum" sz="quarter" idx="5"/>
+          </p:nvPr>
+        </p:nvSpPr>
+        <p:spPr/>
+        <p:txBody>
+          <a:bodyPr/>
+          <a:lstStyle/>
+          <a:p>
+            <a:fld id="{DCE921D0-8091-1B47-9857-716BD5BE96A8}" type="slidenum">
+              <a:rPr lang="en-US" smtClean="0"/>
+              <a:t>3</a:t>
+            </a:fld>
+            <a:endParaRPr lang="en-US"/>
+          </a:p>
+        </p:txBody>
+      </p:sp>
+    </p:spTree>
+    <p:extLst>
+      <p:ext uri="{BB962C8B-B14F-4D97-AF65-F5344CB8AC3E}">
+        <p14:creationId xmlns:p14="http://schemas.microsoft.com/office/powerpoint/2010/main" val="3317495040"/>
+      </p:ext>
+    </p:extLst>
+  </p:cSld>
+  <p:clrMapOvr>
+    <a:masterClrMapping/>
+  </p:clrMapOvr>
+</p:notes>
+</file>
+
+<file path=ppt/notesSlides/notesSlide4.xml><?xml version="1.0" encoding="utf-8"?>
+<p:notes xmlns:a="http://schemas.openxmlformats.org/drawingml/2006/main" xmlns:r="http://schemas.openxmlformats.org/officeDocument/2006/relationships" xmlns:p="http://schemas.openxmlformats.org/presentationml/2006/main">
+  <p:cSld>
+    <p:spTree>
+      <p:nvGrpSpPr>
+        <p:cNvPr id="1" name=""/>
+        <p:cNvGrpSpPr/>
+        <p:nvPr/>
+      </p:nvGrpSpPr>
+      <p:grpSpPr>
+        <a:xfrm>
+          <a:off x="0" y="0"/>
+          <a:ext cx="0" cy="0"/>
+          <a:chOff x="0" y="0"/>
+          <a:chExt cx="0" cy="0"/>
+        </a:xfrm>
+      </p:grpSpPr>
+      <p:sp>
+        <p:nvSpPr>
+          <p:cNvPr id="2" name="Slide Image Placeholder 1"/>
+          <p:cNvSpPr>
+            <a:spLocks noGrp="1" noRot="1" noChangeAspect="1"/>
+          </p:cNvSpPr>
+          <p:nvPr>
+            <p:ph type="sldImg"/>
+          </p:nvPr>
+        </p:nvSpPr>
+        <p:spPr/>
+      </p:sp>
+      <p:sp>
+        <p:nvSpPr>
+          <p:cNvPr id="3" name="Notes Placeholder 2"/>
+          <p:cNvSpPr>
+            <a:spLocks noGrp="1"/>
+          </p:cNvSpPr>
+          <p:nvPr>
+            <p:ph type="body" idx="1"/>
+          </p:nvPr>
+        </p:nvSpPr>
+        <p:spPr/>
+        <p:txBody>
+          <a:bodyPr/>
+          <a:lstStyle/>
+          <a:p>
+            <a:r>
+              <a:rPr lang="en-US" dirty="0"/>
+              <a:t>Derek</a:t>
+            </a:r>
+          </a:p>
+        </p:txBody>
+      </p:sp>
+      <p:sp>
+        <p:nvSpPr>
+          <p:cNvPr id="4" name="Slide Number Placeholder 3"/>
+          <p:cNvSpPr>
+            <a:spLocks noGrp="1"/>
+          </p:cNvSpPr>
+          <p:nvPr>
+            <p:ph type="sldNum" sz="quarter" idx="5"/>
+          </p:nvPr>
+        </p:nvSpPr>
+        <p:spPr/>
+        <p:txBody>
+          <a:bodyPr/>
+          <a:lstStyle/>
+          <a:p>
+            <a:fld id="{DCE921D0-8091-1B47-9857-716BD5BE96A8}" type="slidenum">
+              <a:rPr lang="en-US" smtClean="0"/>
+              <a:t>4</a:t>
+            </a:fld>
+            <a:endParaRPr lang="en-US"/>
+          </a:p>
+        </p:txBody>
+      </p:sp>
+    </p:spTree>
+    <p:extLst>
+      <p:ext uri="{BB962C8B-B14F-4D97-AF65-F5344CB8AC3E}">
+        <p14:creationId xmlns:p14="http://schemas.microsoft.com/office/powerpoint/2010/main" val="468420351"/>
+      </p:ext>
+    </p:extLst>
+  </p:cSld>
+  <p:clrMapOvr>
+    <a:masterClrMapping/>
+  </p:clrMapOvr>
+</p:notes>
+</file>
+
+<file path=ppt/notesSlides/notesSlide5.xml><?xml version="1.0" encoding="utf-8"?>
+<p:notes xmlns:a="http://schemas.openxmlformats.org/drawingml/2006/main" xmlns:r="http://schemas.openxmlformats.org/officeDocument/2006/relationships" xmlns:p="http://schemas.openxmlformats.org/presentationml/2006/main">
+  <p:cSld>
+    <p:spTree>
+      <p:nvGrpSpPr>
+        <p:cNvPr id="1" name=""/>
+        <p:cNvGrpSpPr/>
+        <p:nvPr/>
+      </p:nvGrpSpPr>
+      <p:grpSpPr>
+        <a:xfrm>
+          <a:off x="0" y="0"/>
+          <a:ext cx="0" cy="0"/>
+          <a:chOff x="0" y="0"/>
+          <a:chExt cx="0" cy="0"/>
+        </a:xfrm>
+      </p:grpSpPr>
+      <p:sp>
+        <p:nvSpPr>
+          <p:cNvPr id="2" name="Slide Image Placeholder 1"/>
+          <p:cNvSpPr>
+            <a:spLocks noGrp="1" noRot="1" noChangeAspect="1"/>
+          </p:cNvSpPr>
+          <p:nvPr>
+            <p:ph type="sldImg"/>
+          </p:nvPr>
+        </p:nvSpPr>
+        <p:spPr/>
+      </p:sp>
+      <p:sp>
+        <p:nvSpPr>
+          <p:cNvPr id="3" name="Notes Placeholder 2"/>
+          <p:cNvSpPr>
+            <a:spLocks noGrp="1"/>
+          </p:cNvSpPr>
+          <p:nvPr>
+            <p:ph type="body" idx="1"/>
+          </p:nvPr>
+        </p:nvSpPr>
+        <p:spPr/>
+        <p:txBody>
+          <a:bodyPr/>
+          <a:lstStyle/>
+          <a:p>
+            <a:r>
+              <a:rPr lang="en-US" dirty="0"/>
+              <a:t>Andrew</a:t>
+            </a:r>
+          </a:p>
+        </p:txBody>
+      </p:sp>
+      <p:sp>
+        <p:nvSpPr>
+          <p:cNvPr id="4" name="Slide Number Placeholder 3"/>
+          <p:cNvSpPr>
+            <a:spLocks noGrp="1"/>
+          </p:cNvSpPr>
+          <p:nvPr>
+            <p:ph type="sldNum" sz="quarter" idx="5"/>
+          </p:nvPr>
+        </p:nvSpPr>
+        <p:spPr/>
+        <p:txBody>
+          <a:bodyPr/>
+          <a:lstStyle/>
+          <a:p>
+            <a:fld id="{DCE921D0-8091-1B47-9857-716BD5BE96A8}" type="slidenum">
+              <a:rPr lang="en-US" smtClean="0"/>
+              <a:t>5</a:t>
+            </a:fld>
+            <a:endParaRPr lang="en-US"/>
+          </a:p>
+        </p:txBody>
+      </p:sp>
+    </p:spTree>
+    <p:extLst>
+      <p:ext uri="{BB962C8B-B14F-4D97-AF65-F5344CB8AC3E}">
+        <p14:creationId xmlns:p14="http://schemas.microsoft.com/office/powerpoint/2010/main" val="1194075261"/>
+      </p:ext>
+    </p:extLst>
+  </p:cSld>
+  <p:clrMapOvr>
+    <a:masterClrMapping/>
+  </p:clrMapOvr>
+</p:notes>
+</file>
+
+<file path=ppt/notesSlides/notesSlide6.xml><?xml version="1.0" encoding="utf-8"?>
+<p:notes xmlns:a="http://schemas.openxmlformats.org/drawingml/2006/main" xmlns:r="http://schemas.openxmlformats.org/officeDocument/2006/relationships" xmlns:p="http://schemas.openxmlformats.org/presentationml/2006/main">
+  <p:cSld>
+    <p:spTree>
+      <p:nvGrpSpPr>
+        <p:cNvPr id="1" name=""/>
+        <p:cNvGrpSpPr/>
+        <p:nvPr/>
+      </p:nvGrpSpPr>
+      <p:grpSpPr>
+        <a:xfrm>
+          <a:off x="0" y="0"/>
+          <a:ext cx="0" cy="0"/>
+          <a:chOff x="0" y="0"/>
+          <a:chExt cx="0" cy="0"/>
+        </a:xfrm>
+      </p:grpSpPr>
+      <p:sp>
+        <p:nvSpPr>
+          <p:cNvPr id="2" name="Slide Image Placeholder 1"/>
+          <p:cNvSpPr>
+            <a:spLocks noGrp="1" noRot="1" noChangeAspect="1"/>
+          </p:cNvSpPr>
+          <p:nvPr>
+            <p:ph type="sldImg"/>
+          </p:nvPr>
+        </p:nvSpPr>
+        <p:spPr/>
+      </p:sp>
+      <p:sp>
+        <p:nvSpPr>
+          <p:cNvPr id="3" name="Notes Placeholder 2"/>
+          <p:cNvSpPr>
+            <a:spLocks noGrp="1"/>
+          </p:cNvSpPr>
+          <p:nvPr>
+            <p:ph type="body" idx="1"/>
+          </p:nvPr>
+        </p:nvSpPr>
+        <p:spPr/>
+        <p:txBody>
+          <a:bodyPr/>
+          <a:lstStyle/>
+          <a:p>
+            <a:r>
+              <a:rPr lang="en-US" dirty="0"/>
+              <a:t>Andrew</a:t>
+            </a:r>
+          </a:p>
+        </p:txBody>
+      </p:sp>
+      <p:sp>
+        <p:nvSpPr>
+          <p:cNvPr id="4" name="Slide Number Placeholder 3"/>
+          <p:cNvSpPr>
+            <a:spLocks noGrp="1"/>
+          </p:cNvSpPr>
+          <p:nvPr>
+            <p:ph type="sldNum" sz="quarter" idx="5"/>
+          </p:nvPr>
+        </p:nvSpPr>
+        <p:spPr/>
+        <p:txBody>
+          <a:bodyPr/>
+          <a:lstStyle/>
+          <a:p>
+            <a:fld id="{DCE921D0-8091-1B47-9857-716BD5BE96A8}" type="slidenum">
+              <a:rPr lang="en-US" smtClean="0"/>
+              <a:t>6</a:t>
+            </a:fld>
+            <a:endParaRPr lang="en-US"/>
+          </a:p>
+        </p:txBody>
+      </p:sp>
+    </p:spTree>
+    <p:extLst>
+      <p:ext uri="{BB962C8B-B14F-4D97-AF65-F5344CB8AC3E}">
+        <p14:creationId xmlns:p14="http://schemas.microsoft.com/office/powerpoint/2010/main" val="1237907965"/>
+      </p:ext>
+    </p:extLst>
+  </p:cSld>
+  <p:clrMapOvr>
+    <a:masterClrMapping/>
+  </p:clrMapOvr>
+</p:notes>
+</file>
+
+<file path=ppt/notesSlides/notesSlide7.xml><?xml version="1.0" encoding="utf-8"?>
+<p:notes xmlns:a="http://schemas.openxmlformats.org/drawingml/2006/main" xmlns:r="http://schemas.openxmlformats.org/officeDocument/2006/relationships" xmlns:p="http://schemas.openxmlformats.org/presentationml/2006/main">
+  <p:cSld>
+    <p:spTree>
+      <p:nvGrpSpPr>
+        <p:cNvPr id="1" name=""/>
+        <p:cNvGrpSpPr/>
+        <p:nvPr/>
+      </p:nvGrpSpPr>
+      <p:grpSpPr>
+        <a:xfrm>
+          <a:off x="0" y="0"/>
+          <a:ext cx="0" cy="0"/>
+          <a:chOff x="0" y="0"/>
+          <a:chExt cx="0" cy="0"/>
+        </a:xfrm>
+      </p:grpSpPr>
+      <p:sp>
+        <p:nvSpPr>
+          <p:cNvPr id="2" name="Slide Image Placeholder 1"/>
+          <p:cNvSpPr>
+            <a:spLocks noGrp="1" noRot="1" noChangeAspect="1"/>
+          </p:cNvSpPr>
+          <p:nvPr>
+            <p:ph type="sldImg"/>
+          </p:nvPr>
+        </p:nvSpPr>
+        <p:spPr/>
+      </p:sp>
+      <p:sp>
+        <p:nvSpPr>
+          <p:cNvPr id="3" name="Notes Placeholder 2"/>
+          <p:cNvSpPr>
+            <a:spLocks noGrp="1"/>
+          </p:cNvSpPr>
+          <p:nvPr>
+            <p:ph type="body" idx="1"/>
+          </p:nvPr>
+        </p:nvSpPr>
+        <p:spPr/>
+        <p:txBody>
+          <a:bodyPr/>
+          <a:lstStyle/>
+          <a:p>
+            <a:r>
+              <a:rPr lang="en-US" dirty="0"/>
+              <a:t>Andrew</a:t>
+            </a:r>
+          </a:p>
+        </p:txBody>
+      </p:sp>
+      <p:sp>
+        <p:nvSpPr>
+          <p:cNvPr id="4" name="Slide Number Placeholder 3"/>
+          <p:cNvSpPr>
+            <a:spLocks noGrp="1"/>
+          </p:cNvSpPr>
+          <p:nvPr>
+            <p:ph type="sldNum" sz="quarter" idx="5"/>
+          </p:nvPr>
+        </p:nvSpPr>
+        <p:spPr/>
+        <p:txBody>
+          <a:bodyPr/>
+          <a:lstStyle/>
+          <a:p>
+            <a:fld id="{DCE921D0-8091-1B47-9857-716BD5BE96A8}" type="slidenum">
+              <a:rPr lang="en-US" smtClean="0"/>
+              <a:t>7</a:t>
+            </a:fld>
+            <a:endParaRPr lang="en-US"/>
+          </a:p>
+        </p:txBody>
+      </p:sp>
+    </p:spTree>
+    <p:extLst>
+      <p:ext uri="{BB962C8B-B14F-4D97-AF65-F5344CB8AC3E}">
+        <p14:creationId xmlns:p14="http://schemas.microsoft.com/office/powerpoint/2010/main" val="995543424"/>
+      </p:ext>
+    </p:extLst>
+  </p:cSld>
+  <p:clrMapOvr>
+    <a:masterClrMapping/>
+  </p:clrMapOvr>
+</p:notes>
+</file>
+
+<file path=ppt/notesSlides/notesSlide8.xml><?xml version="1.0" encoding="utf-8"?>
+<p:notes xmlns:a="http://schemas.openxmlformats.org/drawingml/2006/main" xmlns:r="http://schemas.openxmlformats.org/officeDocument/2006/relationships" xmlns:p="http://schemas.openxmlformats.org/presentationml/2006/main">
+  <p:cSld>
+    <p:spTree>
+      <p:nvGrpSpPr>
+        <p:cNvPr id="1" name=""/>
+        <p:cNvGrpSpPr/>
+        <p:nvPr/>
+      </p:nvGrpSpPr>
+      <p:grpSpPr>
+        <a:xfrm>
+          <a:off x="0" y="0"/>
+          <a:ext cx="0" cy="0"/>
+          <a:chOff x="0" y="0"/>
+          <a:chExt cx="0" cy="0"/>
+        </a:xfrm>
+      </p:grpSpPr>
+      <p:sp>
+        <p:nvSpPr>
+          <p:cNvPr id="2" name="Slide Image Placeholder 1"/>
+          <p:cNvSpPr>
+            <a:spLocks noGrp="1" noRot="1" noChangeAspect="1"/>
+          </p:cNvSpPr>
+          <p:nvPr>
+            <p:ph type="sldImg"/>
+          </p:nvPr>
+        </p:nvSpPr>
+        <p:spPr/>
+      </p:sp>
+      <p:sp>
+        <p:nvSpPr>
+          <p:cNvPr id="3" name="Notes Placeholder 2"/>
+          <p:cNvSpPr>
+            <a:spLocks noGrp="1"/>
+          </p:cNvSpPr>
+          <p:nvPr>
+            <p:ph type="body" idx="1"/>
+          </p:nvPr>
+        </p:nvSpPr>
+        <p:spPr/>
+        <p:txBody>
+          <a:bodyPr/>
+          <a:lstStyle/>
+          <a:p>
+            <a:r>
+              <a:rPr lang="en-US" dirty="0"/>
+              <a:t>Andrew</a:t>
+            </a:r>
+          </a:p>
+        </p:txBody>
+      </p:sp>
+      <p:sp>
+        <p:nvSpPr>
+          <p:cNvPr id="4" name="Slide Number Placeholder 3"/>
+          <p:cNvSpPr>
+            <a:spLocks noGrp="1"/>
+          </p:cNvSpPr>
+          <p:nvPr>
+            <p:ph type="sldNum" sz="quarter" idx="5"/>
+          </p:nvPr>
+        </p:nvSpPr>
+        <p:spPr/>
+        <p:txBody>
+          <a:bodyPr/>
+          <a:lstStyle/>
+          <a:p>
+            <a:fld id="{DCE921D0-8091-1B47-9857-716BD5BE96A8}" type="slidenum">
+              <a:rPr lang="en-US" smtClean="0"/>
+              <a:t>8</a:t>
+            </a:fld>
+            <a:endParaRPr lang="en-US"/>
+          </a:p>
+        </p:txBody>
+      </p:sp>
+    </p:spTree>
+    <p:extLst>
+      <p:ext uri="{BB962C8B-B14F-4D97-AF65-F5344CB8AC3E}">
+        <p14:creationId xmlns:p14="http://schemas.microsoft.com/office/powerpoint/2010/main" val="157056269"/>
+      </p:ext>
+    </p:extLst>
+  </p:cSld>
+  <p:clrMapOvr>
+    <a:masterClrMapping/>
+  </p:clrMapOvr>
+</p:notes>
+</file>
+
+<file path=ppt/notesSlides/notesSlide9.xml><?xml version="1.0" encoding="utf-8"?>
+<p:notes xmlns:a="http://schemas.openxmlformats.org/drawingml/2006/main" xmlns:r="http://schemas.openxmlformats.org/officeDocument/2006/relationships" xmlns:p="http://schemas.openxmlformats.org/presentationml/2006/main">
+  <p:cSld>
+    <p:spTree>
+      <p:nvGrpSpPr>
+        <p:cNvPr id="1" name=""/>
+        <p:cNvGrpSpPr/>
+        <p:nvPr/>
+      </p:nvGrpSpPr>
+      <p:grpSpPr>
+        <a:xfrm>
+          <a:off x="0" y="0"/>
+          <a:ext cx="0" cy="0"/>
+          <a:chOff x="0" y="0"/>
+          <a:chExt cx="0" cy="0"/>
+        </a:xfrm>
+      </p:grpSpPr>
+      <p:sp>
+        <p:nvSpPr>
+          <p:cNvPr id="2" name="Slide Image Placeholder 1"/>
+          <p:cNvSpPr>
+            <a:spLocks noGrp="1" noRot="1" noChangeAspect="1"/>
+          </p:cNvSpPr>
+          <p:nvPr>
+            <p:ph type="sldImg"/>
+          </p:nvPr>
+        </p:nvSpPr>
+        <p:spPr/>
+      </p:sp>
+      <p:sp>
+        <p:nvSpPr>
+          <p:cNvPr id="3" name="Notes Placeholder 2"/>
+          <p:cNvSpPr>
+            <a:spLocks noGrp="1"/>
+          </p:cNvSpPr>
+          <p:nvPr>
+            <p:ph type="body" idx="1"/>
+          </p:nvPr>
+        </p:nvSpPr>
+        <p:spPr/>
+        <p:txBody>
+          <a:bodyPr/>
+          <a:lstStyle/>
+          <a:p>
+            <a:r>
+              <a:rPr lang="en-US" dirty="0"/>
+              <a:t>Youstina</a:t>
+            </a:r>
+          </a:p>
+        </p:txBody>
+      </p:sp>
+      <p:sp>
+        <p:nvSpPr>
+          <p:cNvPr id="4" name="Slide Number Placeholder 3"/>
+          <p:cNvSpPr>
+            <a:spLocks noGrp="1"/>
+          </p:cNvSpPr>
+          <p:nvPr>
+            <p:ph type="sldNum" sz="quarter" idx="5"/>
+          </p:nvPr>
+        </p:nvSpPr>
+        <p:spPr/>
+        <p:txBody>
+          <a:bodyPr/>
+          <a:lstStyle/>
+          <a:p>
+            <a:fld id="{DCE921D0-8091-1B47-9857-716BD5BE96A8}" type="slidenum">
+              <a:rPr lang="en-US" smtClean="0"/>
+              <a:t>9</a:t>
+            </a:fld>
+            <a:endParaRPr lang="en-US"/>
+          </a:p>
+        </p:txBody>
+      </p:sp>
+    </p:spTree>
+    <p:extLst>
+      <p:ext uri="{BB962C8B-B14F-4D97-AF65-F5344CB8AC3E}">
+        <p14:creationId xmlns:p14="http://schemas.microsoft.com/office/powerpoint/2010/main" val="1572613341"/>
+      </p:ext>
+    </p:extLst>
+  </p:cSld>
+  <p:clrMapOvr>
+    <a:masterClrMapping/>
+  </p:clrMapOvr>
+</p:notes>
+</file>
+
 <file path=ppt/slideLayouts/slideLayout1.xml><?xml version="1.0" encoding="utf-8"?>
 <p:sldLayout xmlns:a="http://schemas.openxmlformats.org/drawingml/2006/main" xmlns:r="http://schemas.openxmlformats.org/officeDocument/2006/relationships" xmlns:p="http://schemas.openxmlformats.org/presentationml/2006/main" type="title" preserve="1">
   <p:cSld name="Title Slide">
@@ -25802,7 +26844,7 @@
           <a:p>
             <a:fld id="{2A21A15A-B208-964B-BAD9-3F4EB340CFDD}" type="datetimeFigureOut">
               <a:rPr lang="en-US" smtClean="0"/>
-              <a:t>4/16/20</a:t>
+              <a:t>4/18/20</a:t>
             </a:fld>
             <a:endParaRPr lang="en-US"/>
           </a:p>
@@ -26000,7 +27042,7 @@
           <a:p>
             <a:fld id="{2A21A15A-B208-964B-BAD9-3F4EB340CFDD}" type="datetimeFigureOut">
               <a:rPr lang="en-US" smtClean="0"/>
-              <a:t>4/16/20</a:t>
+              <a:t>4/18/20</a:t>
             </a:fld>
             <a:endParaRPr lang="en-US"/>
           </a:p>
@@ -26208,7 +27250,7 @@
           <a:p>
             <a:fld id="{2A21A15A-B208-964B-BAD9-3F4EB340CFDD}" type="datetimeFigureOut">
               <a:rPr lang="en-US" smtClean="0"/>
-              <a:t>4/16/20</a:t>
+              <a:t>4/18/20</a:t>
             </a:fld>
             <a:endParaRPr lang="en-US"/>
           </a:p>
@@ -26406,7 +27448,7 @@
           <a:p>
             <a:fld id="{2A21A15A-B208-964B-BAD9-3F4EB340CFDD}" type="datetimeFigureOut">
               <a:rPr lang="en-US" smtClean="0"/>
-              <a:t>4/16/20</a:t>
+              <a:t>4/18/20</a:t>
             </a:fld>
             <a:endParaRPr lang="en-US"/>
           </a:p>
@@ -26681,7 +27723,7 @@
           <a:p>
             <a:fld id="{2A21A15A-B208-964B-BAD9-3F4EB340CFDD}" type="datetimeFigureOut">
               <a:rPr lang="en-US" smtClean="0"/>
-              <a:t>4/16/20</a:t>
+              <a:t>4/18/20</a:t>
             </a:fld>
             <a:endParaRPr lang="en-US"/>
           </a:p>
@@ -26946,7 +27988,7 @@
           <a:p>
             <a:fld id="{2A21A15A-B208-964B-BAD9-3F4EB340CFDD}" type="datetimeFigureOut">
               <a:rPr lang="en-US" smtClean="0"/>
-              <a:t>4/16/20</a:t>
+              <a:t>4/18/20</a:t>
             </a:fld>
             <a:endParaRPr lang="en-US"/>
           </a:p>
@@ -27358,7 +28400,7 @@
           <a:p>
             <a:fld id="{2A21A15A-B208-964B-BAD9-3F4EB340CFDD}" type="datetimeFigureOut">
               <a:rPr lang="en-US" smtClean="0"/>
-              <a:t>4/16/20</a:t>
+              <a:t>4/18/20</a:t>
             </a:fld>
             <a:endParaRPr lang="en-US"/>
           </a:p>
@@ -27499,7 +28541,7 @@
           <a:p>
             <a:fld id="{2A21A15A-B208-964B-BAD9-3F4EB340CFDD}" type="datetimeFigureOut">
               <a:rPr lang="en-US" smtClean="0"/>
-              <a:t>4/16/20</a:t>
+              <a:t>4/18/20</a:t>
             </a:fld>
             <a:endParaRPr lang="en-US"/>
           </a:p>
@@ -27612,7 +28654,7 @@
           <a:p>
             <a:fld id="{2A21A15A-B208-964B-BAD9-3F4EB340CFDD}" type="datetimeFigureOut">
               <a:rPr lang="en-US" smtClean="0"/>
-              <a:t>4/16/20</a:t>
+              <a:t>4/18/20</a:t>
             </a:fld>
             <a:endParaRPr lang="en-US"/>
           </a:p>
@@ -27923,7 +28965,7 @@
           <a:p>
             <a:fld id="{2A21A15A-B208-964B-BAD9-3F4EB340CFDD}" type="datetimeFigureOut">
               <a:rPr lang="en-US" smtClean="0"/>
-              <a:t>4/16/20</a:t>
+              <a:t>4/18/20</a:t>
             </a:fld>
             <a:endParaRPr lang="en-US"/>
           </a:p>
@@ -28211,7 +29253,7 @@
           <a:p>
             <a:fld id="{2A21A15A-B208-964B-BAD9-3F4EB340CFDD}" type="datetimeFigureOut">
               <a:rPr lang="en-US" smtClean="0"/>
-              <a:t>4/16/20</a:t>
+              <a:t>4/18/20</a:t>
             </a:fld>
             <a:endParaRPr lang="en-US"/>
           </a:p>
@@ -28452,7 +29494,7 @@
           <a:p>
             <a:fld id="{2A21A15A-B208-964B-BAD9-3F4EB340CFDD}" type="datetimeFigureOut">
               <a:rPr lang="en-US" smtClean="0"/>
-              <a:t>4/16/20</a:t>
+              <a:t>4/18/20</a:t>
             </a:fld>
             <a:endParaRPr lang="en-US"/>
           </a:p>
@@ -28955,7 +29997,7 @@
           <p:nvPr/>
         </p:nvPicPr>
         <p:blipFill rotWithShape="1">
-          <a:blip r:embed="rId2">
+          <a:blip r:embed="rId3">
             <a:alphaModFix amt="50000"/>
           </a:blip>
           <a:srcRect t="4255"/>
@@ -29195,491 +30237,10 @@
       </p:grpSpPr>
       <p:sp>
         <p:nvSpPr>
-          <p:cNvPr id="20" name="Freeform: Shape 19">
-            <a:extLst>
-              <a:ext uri="{FF2B5EF4-FFF2-40B4-BE49-F238E27FC236}">
-                <a16:creationId xmlns:a16="http://schemas.microsoft.com/office/drawing/2014/main" id="{46C2E80F-49A6-4372-B103-219D417A55ED}"/>
-              </a:ext>
-              <a:ext uri="{C183D7F6-B498-43B3-948B-1728B52AA6E4}">
-                <adec:decorative xmlns:adec="http://schemas.microsoft.com/office/drawing/2017/decorative" val="1"/>
-              </a:ext>
-            </a:extLst>
-          </p:cNvPr>
-          <p:cNvSpPr>
-            <a:spLocks noGrp="1" noRot="1" noChangeAspect="1" noMove="1" noResize="1" noEditPoints="1" noAdjustHandles="1" noChangeArrowheads="1" noChangeShapeType="1" noTextEdit="1"/>
-          </p:cNvSpPr>
-          <p:nvPr>
-            <p:extLst>
-              <p:ext uri="{386F3935-93C4-4BCD-93E2-E3B085C9AB24}">
-                <p16:designElem xmlns:p16="http://schemas.microsoft.com/office/powerpoint/2015/main" val="1"/>
-              </p:ext>
-            </p:extLst>
-          </p:nvPr>
-        </p:nvSpPr>
-        <p:spPr>
-          <a:xfrm>
-            <a:off x="484096" y="470925"/>
-            <a:ext cx="4381009" cy="5892104"/>
-          </a:xfrm>
-          <a:custGeom>
-            <a:avLst/>
-            <a:gdLst>
-              <a:gd name="connsiteX0" fmla="*/ 0 w 4381009"/>
-              <a:gd name="connsiteY0" fmla="*/ 0 h 5892104"/>
-              <a:gd name="connsiteX1" fmla="*/ 4157628 w 4381009"/>
-              <a:gd name="connsiteY1" fmla="*/ 0 h 5892104"/>
-              <a:gd name="connsiteX2" fmla="*/ 4169302 w 4381009"/>
-              <a:gd name="connsiteY2" fmla="*/ 68659 h 5892104"/>
-              <a:gd name="connsiteX3" fmla="*/ 4191571 w 4381009"/>
-              <a:gd name="connsiteY3" fmla="*/ 205472 h 5892104"/>
-              <a:gd name="connsiteX4" fmla="*/ 4213368 w 4381009"/>
-              <a:gd name="connsiteY4" fmla="*/ 342890 h 5892104"/>
-              <a:gd name="connsiteX5" fmla="*/ 4232030 w 4381009"/>
-              <a:gd name="connsiteY5" fmla="*/ 480913 h 5892104"/>
-              <a:gd name="connsiteX6" fmla="*/ 4250848 w 4381009"/>
-              <a:gd name="connsiteY6" fmla="*/ 618332 h 5892104"/>
-              <a:gd name="connsiteX7" fmla="*/ 4268412 w 4381009"/>
-              <a:gd name="connsiteY7" fmla="*/ 756355 h 5892104"/>
-              <a:gd name="connsiteX8" fmla="*/ 4283467 w 4381009"/>
-              <a:gd name="connsiteY8" fmla="*/ 892563 h 5892104"/>
-              <a:gd name="connsiteX9" fmla="*/ 4297737 w 4381009"/>
-              <a:gd name="connsiteY9" fmla="*/ 1030587 h 5892104"/>
-              <a:gd name="connsiteX10" fmla="*/ 4310754 w 4381009"/>
-              <a:gd name="connsiteY10" fmla="*/ 1168005 h 5892104"/>
-              <a:gd name="connsiteX11" fmla="*/ 4322045 w 4381009"/>
-              <a:gd name="connsiteY11" fmla="*/ 1303002 h 5892104"/>
-              <a:gd name="connsiteX12" fmla="*/ 4333336 w 4381009"/>
-              <a:gd name="connsiteY12" fmla="*/ 1439815 h 5892104"/>
-              <a:gd name="connsiteX13" fmla="*/ 4342745 w 4381009"/>
-              <a:gd name="connsiteY13" fmla="*/ 1574812 h 5892104"/>
-              <a:gd name="connsiteX14" fmla="*/ 4350115 w 4381009"/>
-              <a:gd name="connsiteY14" fmla="*/ 1709808 h 5892104"/>
-              <a:gd name="connsiteX15" fmla="*/ 4357799 w 4381009"/>
-              <a:gd name="connsiteY15" fmla="*/ 1844200 h 5892104"/>
-              <a:gd name="connsiteX16" fmla="*/ 4364229 w 4381009"/>
-              <a:gd name="connsiteY16" fmla="*/ 1977381 h 5892104"/>
-              <a:gd name="connsiteX17" fmla="*/ 4368777 w 4381009"/>
-              <a:gd name="connsiteY17" fmla="*/ 2109351 h 5892104"/>
-              <a:gd name="connsiteX18" fmla="*/ 4372697 w 4381009"/>
-              <a:gd name="connsiteY18" fmla="*/ 2241321 h 5892104"/>
-              <a:gd name="connsiteX19" fmla="*/ 4376461 w 4381009"/>
-              <a:gd name="connsiteY19" fmla="*/ 2372080 h 5892104"/>
-              <a:gd name="connsiteX20" fmla="*/ 4378186 w 4381009"/>
-              <a:gd name="connsiteY20" fmla="*/ 2501023 h 5892104"/>
-              <a:gd name="connsiteX21" fmla="*/ 4380068 w 4381009"/>
-              <a:gd name="connsiteY21" fmla="*/ 2629966 h 5892104"/>
-              <a:gd name="connsiteX22" fmla="*/ 4381009 w 4381009"/>
-              <a:gd name="connsiteY22" fmla="*/ 2757093 h 5892104"/>
-              <a:gd name="connsiteX23" fmla="*/ 4380068 w 4381009"/>
-              <a:gd name="connsiteY23" fmla="*/ 2883010 h 5892104"/>
-              <a:gd name="connsiteX24" fmla="*/ 4380068 w 4381009"/>
-              <a:gd name="connsiteY24" fmla="*/ 3007715 h 5892104"/>
-              <a:gd name="connsiteX25" fmla="*/ 4378186 w 4381009"/>
-              <a:gd name="connsiteY25" fmla="*/ 3131210 h 5892104"/>
-              <a:gd name="connsiteX26" fmla="*/ 4375363 w 4381009"/>
-              <a:gd name="connsiteY26" fmla="*/ 3252283 h 5892104"/>
-              <a:gd name="connsiteX27" fmla="*/ 4372697 w 4381009"/>
-              <a:gd name="connsiteY27" fmla="*/ 3372146 h 5892104"/>
-              <a:gd name="connsiteX28" fmla="*/ 4369718 w 4381009"/>
-              <a:gd name="connsiteY28" fmla="*/ 3489587 h 5892104"/>
-              <a:gd name="connsiteX29" fmla="*/ 4365170 w 4381009"/>
-              <a:gd name="connsiteY29" fmla="*/ 3606423 h 5892104"/>
-              <a:gd name="connsiteX30" fmla="*/ 4360309 w 4381009"/>
-              <a:gd name="connsiteY30" fmla="*/ 3721443 h 5892104"/>
-              <a:gd name="connsiteX31" fmla="*/ 4355918 w 4381009"/>
-              <a:gd name="connsiteY31" fmla="*/ 3834041 h 5892104"/>
-              <a:gd name="connsiteX32" fmla="*/ 4343529 w 4381009"/>
-              <a:gd name="connsiteY32" fmla="*/ 4053789 h 5892104"/>
-              <a:gd name="connsiteX33" fmla="*/ 4330356 w 4381009"/>
-              <a:gd name="connsiteY33" fmla="*/ 4264457 h 5892104"/>
-              <a:gd name="connsiteX34" fmla="*/ 4316556 w 4381009"/>
-              <a:gd name="connsiteY34" fmla="*/ 4466650 h 5892104"/>
-              <a:gd name="connsiteX35" fmla="*/ 4301344 w 4381009"/>
-              <a:gd name="connsiteY35" fmla="*/ 4657946 h 5892104"/>
-              <a:gd name="connsiteX36" fmla="*/ 4285506 w 4381009"/>
-              <a:gd name="connsiteY36" fmla="*/ 4840767 h 5892104"/>
-              <a:gd name="connsiteX37" fmla="*/ 4268412 w 4381009"/>
-              <a:gd name="connsiteY37" fmla="*/ 5010269 h 5892104"/>
-              <a:gd name="connsiteX38" fmla="*/ 4251633 w 4381009"/>
-              <a:gd name="connsiteY38" fmla="*/ 5169481 h 5892104"/>
-              <a:gd name="connsiteX39" fmla="*/ 4234853 w 4381009"/>
-              <a:gd name="connsiteY39" fmla="*/ 5315980 h 5892104"/>
-              <a:gd name="connsiteX40" fmla="*/ 4219014 w 4381009"/>
-              <a:gd name="connsiteY40" fmla="*/ 5450371 h 5892104"/>
-              <a:gd name="connsiteX41" fmla="*/ 4203959 w 4381009"/>
-              <a:gd name="connsiteY41" fmla="*/ 5569628 h 5892104"/>
-              <a:gd name="connsiteX42" fmla="*/ 4189689 w 4381009"/>
-              <a:gd name="connsiteY42" fmla="*/ 5677384 h 5892104"/>
-              <a:gd name="connsiteX43" fmla="*/ 4177770 w 4381009"/>
-              <a:gd name="connsiteY43" fmla="*/ 5768189 h 5892104"/>
-              <a:gd name="connsiteX44" fmla="*/ 4166479 w 4381009"/>
-              <a:gd name="connsiteY44" fmla="*/ 5844465 h 5892104"/>
-              <a:gd name="connsiteX45" fmla="*/ 4159132 w 4381009"/>
-              <a:gd name="connsiteY45" fmla="*/ 5892104 h 5892104"/>
-              <a:gd name="connsiteX46" fmla="*/ 0 w 4381009"/>
-              <a:gd name="connsiteY46" fmla="*/ 5892104 h 5892104"/>
-            </a:gdLst>
-            <a:ahLst/>
-            <a:cxnLst>
-              <a:cxn ang="0">
-                <a:pos x="connsiteX0" y="connsiteY0"/>
-              </a:cxn>
-              <a:cxn ang="0">
-                <a:pos x="connsiteX1" y="connsiteY1"/>
-              </a:cxn>
-              <a:cxn ang="0">
-                <a:pos x="connsiteX2" y="connsiteY2"/>
-              </a:cxn>
-              <a:cxn ang="0">
-                <a:pos x="connsiteX3" y="connsiteY3"/>
-              </a:cxn>
-              <a:cxn ang="0">
-                <a:pos x="connsiteX4" y="connsiteY4"/>
-              </a:cxn>
-              <a:cxn ang="0">
-                <a:pos x="connsiteX5" y="connsiteY5"/>
-              </a:cxn>
-              <a:cxn ang="0">
-                <a:pos x="connsiteX6" y="connsiteY6"/>
-              </a:cxn>
-              <a:cxn ang="0">
-                <a:pos x="connsiteX7" y="connsiteY7"/>
-              </a:cxn>
-              <a:cxn ang="0">
-                <a:pos x="connsiteX8" y="connsiteY8"/>
-              </a:cxn>
-              <a:cxn ang="0">
-                <a:pos x="connsiteX9" y="connsiteY9"/>
-              </a:cxn>
-              <a:cxn ang="0">
-                <a:pos x="connsiteX10" y="connsiteY10"/>
-              </a:cxn>
-              <a:cxn ang="0">
-                <a:pos x="connsiteX11" y="connsiteY11"/>
-              </a:cxn>
-              <a:cxn ang="0">
-                <a:pos x="connsiteX12" y="connsiteY12"/>
-              </a:cxn>
-              <a:cxn ang="0">
-                <a:pos x="connsiteX13" y="connsiteY13"/>
-              </a:cxn>
-              <a:cxn ang="0">
-                <a:pos x="connsiteX14" y="connsiteY14"/>
-              </a:cxn>
-              <a:cxn ang="0">
-                <a:pos x="connsiteX15" y="connsiteY15"/>
-              </a:cxn>
-              <a:cxn ang="0">
-                <a:pos x="connsiteX16" y="connsiteY16"/>
-              </a:cxn>
-              <a:cxn ang="0">
-                <a:pos x="connsiteX17" y="connsiteY17"/>
-              </a:cxn>
-              <a:cxn ang="0">
-                <a:pos x="connsiteX18" y="connsiteY18"/>
-              </a:cxn>
-              <a:cxn ang="0">
-                <a:pos x="connsiteX19" y="connsiteY19"/>
-              </a:cxn>
-              <a:cxn ang="0">
-                <a:pos x="connsiteX20" y="connsiteY20"/>
-              </a:cxn>
-              <a:cxn ang="0">
-                <a:pos x="connsiteX21" y="connsiteY21"/>
-              </a:cxn>
-              <a:cxn ang="0">
-                <a:pos x="connsiteX22" y="connsiteY22"/>
-              </a:cxn>
-              <a:cxn ang="0">
-                <a:pos x="connsiteX23" y="connsiteY23"/>
-              </a:cxn>
-              <a:cxn ang="0">
-                <a:pos x="connsiteX24" y="connsiteY24"/>
-              </a:cxn>
-              <a:cxn ang="0">
-                <a:pos x="connsiteX25" y="connsiteY25"/>
-              </a:cxn>
-              <a:cxn ang="0">
-                <a:pos x="connsiteX26" y="connsiteY26"/>
-              </a:cxn>
-              <a:cxn ang="0">
-                <a:pos x="connsiteX27" y="connsiteY27"/>
-              </a:cxn>
-              <a:cxn ang="0">
-                <a:pos x="connsiteX28" y="connsiteY28"/>
-              </a:cxn>
-              <a:cxn ang="0">
-                <a:pos x="connsiteX29" y="connsiteY29"/>
-              </a:cxn>
-              <a:cxn ang="0">
-                <a:pos x="connsiteX30" y="connsiteY30"/>
-              </a:cxn>
-              <a:cxn ang="0">
-                <a:pos x="connsiteX31" y="connsiteY31"/>
-              </a:cxn>
-              <a:cxn ang="0">
-                <a:pos x="connsiteX32" y="connsiteY32"/>
-              </a:cxn>
-              <a:cxn ang="0">
-                <a:pos x="connsiteX33" y="connsiteY33"/>
-              </a:cxn>
-              <a:cxn ang="0">
-                <a:pos x="connsiteX34" y="connsiteY34"/>
-              </a:cxn>
-              <a:cxn ang="0">
-                <a:pos x="connsiteX35" y="connsiteY35"/>
-              </a:cxn>
-              <a:cxn ang="0">
-                <a:pos x="connsiteX36" y="connsiteY36"/>
-              </a:cxn>
-              <a:cxn ang="0">
-                <a:pos x="connsiteX37" y="connsiteY37"/>
-              </a:cxn>
-              <a:cxn ang="0">
-                <a:pos x="connsiteX38" y="connsiteY38"/>
-              </a:cxn>
-              <a:cxn ang="0">
-                <a:pos x="connsiteX39" y="connsiteY39"/>
-              </a:cxn>
-              <a:cxn ang="0">
-                <a:pos x="connsiteX40" y="connsiteY40"/>
-              </a:cxn>
-              <a:cxn ang="0">
-                <a:pos x="connsiteX41" y="connsiteY41"/>
-              </a:cxn>
-              <a:cxn ang="0">
-                <a:pos x="connsiteX42" y="connsiteY42"/>
-              </a:cxn>
-              <a:cxn ang="0">
-                <a:pos x="connsiteX43" y="connsiteY43"/>
-              </a:cxn>
-              <a:cxn ang="0">
-                <a:pos x="connsiteX44" y="connsiteY44"/>
-              </a:cxn>
-              <a:cxn ang="0">
-                <a:pos x="connsiteX45" y="connsiteY45"/>
-              </a:cxn>
-              <a:cxn ang="0">
-                <a:pos x="connsiteX46" y="connsiteY46"/>
-              </a:cxn>
-            </a:cxnLst>
-            <a:rect l="l" t="t" r="r" b="b"/>
-            <a:pathLst>
-              <a:path w="4381009" h="5892104">
-                <a:moveTo>
-                  <a:pt x="0" y="0"/>
-                </a:moveTo>
-                <a:lnTo>
-                  <a:pt x="4157628" y="0"/>
-                </a:lnTo>
-                <a:lnTo>
-                  <a:pt x="4169302" y="68659"/>
-                </a:lnTo>
-                <a:lnTo>
-                  <a:pt x="4191571" y="205472"/>
-                </a:lnTo>
-                <a:lnTo>
-                  <a:pt x="4213368" y="342890"/>
-                </a:lnTo>
-                <a:lnTo>
-                  <a:pt x="4232030" y="480913"/>
-                </a:lnTo>
-                <a:lnTo>
-                  <a:pt x="4250848" y="618332"/>
-                </a:lnTo>
-                <a:lnTo>
-                  <a:pt x="4268412" y="756355"/>
-                </a:lnTo>
-                <a:lnTo>
-                  <a:pt x="4283467" y="892563"/>
-                </a:lnTo>
-                <a:lnTo>
-                  <a:pt x="4297737" y="1030587"/>
-                </a:lnTo>
-                <a:lnTo>
-                  <a:pt x="4310754" y="1168005"/>
-                </a:lnTo>
-                <a:lnTo>
-                  <a:pt x="4322045" y="1303002"/>
-                </a:lnTo>
-                <a:lnTo>
-                  <a:pt x="4333336" y="1439815"/>
-                </a:lnTo>
-                <a:lnTo>
-                  <a:pt x="4342745" y="1574812"/>
-                </a:lnTo>
-                <a:lnTo>
-                  <a:pt x="4350115" y="1709808"/>
-                </a:lnTo>
-                <a:lnTo>
-                  <a:pt x="4357799" y="1844200"/>
-                </a:lnTo>
-                <a:lnTo>
-                  <a:pt x="4364229" y="1977381"/>
-                </a:lnTo>
-                <a:lnTo>
-                  <a:pt x="4368777" y="2109351"/>
-                </a:lnTo>
-                <a:lnTo>
-                  <a:pt x="4372697" y="2241321"/>
-                </a:lnTo>
-                <a:lnTo>
-                  <a:pt x="4376461" y="2372080"/>
-                </a:lnTo>
-                <a:lnTo>
-                  <a:pt x="4378186" y="2501023"/>
-                </a:lnTo>
-                <a:lnTo>
-                  <a:pt x="4380068" y="2629966"/>
-                </a:lnTo>
-                <a:lnTo>
-                  <a:pt x="4381009" y="2757093"/>
-                </a:lnTo>
-                <a:lnTo>
-                  <a:pt x="4380068" y="2883010"/>
-                </a:lnTo>
-                <a:lnTo>
-                  <a:pt x="4380068" y="3007715"/>
-                </a:lnTo>
-                <a:lnTo>
-                  <a:pt x="4378186" y="3131210"/>
-                </a:lnTo>
-                <a:lnTo>
-                  <a:pt x="4375363" y="3252283"/>
-                </a:lnTo>
-                <a:lnTo>
-                  <a:pt x="4372697" y="3372146"/>
-                </a:lnTo>
-                <a:lnTo>
-                  <a:pt x="4369718" y="3489587"/>
-                </a:lnTo>
-                <a:lnTo>
-                  <a:pt x="4365170" y="3606423"/>
-                </a:lnTo>
-                <a:lnTo>
-                  <a:pt x="4360309" y="3721443"/>
-                </a:lnTo>
-                <a:lnTo>
-                  <a:pt x="4355918" y="3834041"/>
-                </a:lnTo>
-                <a:lnTo>
-                  <a:pt x="4343529" y="4053789"/>
-                </a:lnTo>
-                <a:lnTo>
-                  <a:pt x="4330356" y="4264457"/>
-                </a:lnTo>
-                <a:lnTo>
-                  <a:pt x="4316556" y="4466650"/>
-                </a:lnTo>
-                <a:lnTo>
-                  <a:pt x="4301344" y="4657946"/>
-                </a:lnTo>
-                <a:lnTo>
-                  <a:pt x="4285506" y="4840767"/>
-                </a:lnTo>
-                <a:lnTo>
-                  <a:pt x="4268412" y="5010269"/>
-                </a:lnTo>
-                <a:lnTo>
-                  <a:pt x="4251633" y="5169481"/>
-                </a:lnTo>
-                <a:lnTo>
-                  <a:pt x="4234853" y="5315980"/>
-                </a:lnTo>
-                <a:lnTo>
-                  <a:pt x="4219014" y="5450371"/>
-                </a:lnTo>
-                <a:lnTo>
-                  <a:pt x="4203959" y="5569628"/>
-                </a:lnTo>
-                <a:lnTo>
-                  <a:pt x="4189689" y="5677384"/>
-                </a:lnTo>
-                <a:lnTo>
-                  <a:pt x="4177770" y="5768189"/>
-                </a:lnTo>
-                <a:lnTo>
-                  <a:pt x="4166479" y="5844465"/>
-                </a:lnTo>
-                <a:lnTo>
-                  <a:pt x="4159132" y="5892104"/>
-                </a:lnTo>
-                <a:lnTo>
-                  <a:pt x="0" y="5892104"/>
-                </a:lnTo>
-                <a:close/>
-              </a:path>
-            </a:pathLst>
-          </a:custGeom>
-          <a:solidFill>
-            <a:srgbClr val="404040"/>
-          </a:solidFill>
-          <a:ln>
-            <a:noFill/>
-          </a:ln>
-        </p:spPr>
-        <p:style>
-          <a:lnRef idx="2">
-            <a:schemeClr val="accent1">
-              <a:shade val="50000"/>
-            </a:schemeClr>
-          </a:lnRef>
-          <a:fillRef idx="1">
-            <a:schemeClr val="accent1"/>
-          </a:fillRef>
-          <a:effectRef idx="0">
-            <a:schemeClr val="accent1"/>
-          </a:effectRef>
-          <a:fontRef idx="minor">
-            <a:schemeClr val="lt1"/>
-          </a:fontRef>
-        </p:style>
-        <p:txBody>
-          <a:bodyPr wrap="square" rtlCol="0" anchor="ctr">
-            <a:noAutofit/>
-          </a:bodyPr>
-          <a:lstStyle/>
-          <a:p>
-            <a:pPr marL="0" marR="0" lvl="0" indent="0" algn="ctr" defTabSz="457200" rtl="0" eaLnBrk="1" fontAlgn="auto" latinLnBrk="0" hangingPunct="1">
-              <a:lnSpc>
-                <a:spcPct val="100000"/>
-              </a:lnSpc>
-              <a:spcBef>
-                <a:spcPts val="0"/>
-              </a:spcBef>
-              <a:spcAft>
-                <a:spcPts val="0"/>
-              </a:spcAft>
-              <a:buClrTx/>
-              <a:buSzTx/>
-              <a:buFontTx/>
-              <a:buNone/>
-              <a:tabLst/>
-              <a:defRPr/>
-            </a:pPr>
-            <a:endParaRPr kumimoji="0" lang="en-US" sz="1800" b="0" i="0" u="none" strike="noStrike" kern="1200" cap="none" spc="0" normalizeH="0" baseline="0" noProof="0">
-              <a:ln>
-                <a:noFill/>
-              </a:ln>
-              <a:solidFill>
-                <a:prstClr val="white"/>
-              </a:solidFill>
-              <a:effectLst/>
-              <a:uLnTx/>
-              <a:uFillTx/>
-              <a:latin typeface="Calibri" panose="020F0502020204030204"/>
-              <a:ea typeface="+mn-ea"/>
-              <a:cs typeface="+mn-cs"/>
-            </a:endParaRPr>
-          </a:p>
-        </p:txBody>
-      </p:sp>
-      <p:sp>
-        <p:nvSpPr>
           <p:cNvPr id="2" name="Title 1">
             <a:extLst>
               <a:ext uri="{FF2B5EF4-FFF2-40B4-BE49-F238E27FC236}">
-                <a16:creationId xmlns:a16="http://schemas.microsoft.com/office/drawing/2014/main" id="{2F8A7BDA-6EC3-5642-BF77-F8618978186E}"/>
+                <a16:creationId xmlns:a16="http://schemas.microsoft.com/office/drawing/2014/main" id="{61450426-FE2A-274F-97D4-0BFE7FDFF67C}"/>
               </a:ext>
             </a:extLst>
           </p:cNvPr>
@@ -29692,8 +30253,8 @@
         </p:nvSpPr>
         <p:spPr>
           <a:xfrm>
-            <a:off x="484096" y="1012004"/>
-            <a:ext cx="4381009" cy="4795408"/>
+            <a:off x="838200" y="365125"/>
+            <a:ext cx="10515600" cy="1325563"/>
           </a:xfrm>
         </p:spPr>
         <p:txBody>
@@ -29704,23 +30265,32 @@
           <a:p>
             <a:pPr algn="ctr"/>
             <a:r>
-              <a:rPr lang="en-US" sz="6600" b="1" dirty="0">
+              <a:rPr lang="en-US" sz="5400" b="1" dirty="0">
                 <a:solidFill>
-                  <a:srgbClr val="00B050"/>
+                  <a:schemeClr val="accent6">
+                    <a:lumMod val="50000"/>
+                  </a:schemeClr>
                 </a:solidFill>
                 <a:latin typeface="Baskerville Old Face" panose="02020602080505020303" pitchFamily="18" charset="77"/>
               </a:rPr>
               <a:t>Process “Successes”:</a:t>
             </a:r>
+            <a:endParaRPr lang="en-US" sz="5400" dirty="0">
+              <a:solidFill>
+                <a:schemeClr val="accent6">
+                  <a:lumMod val="50000"/>
+                </a:schemeClr>
+              </a:solidFill>
+            </a:endParaRPr>
           </a:p>
         </p:txBody>
       </p:sp>
       <p:graphicFrame>
         <p:nvGraphicFramePr>
-          <p:cNvPr id="15" name="Content Placeholder 2">
+          <p:cNvPr id="13" name="Content Placeholder 2">
             <a:extLst>
               <a:ext uri="{FF2B5EF4-FFF2-40B4-BE49-F238E27FC236}">
-                <a16:creationId xmlns:a16="http://schemas.microsoft.com/office/drawing/2014/main" id="{6B808EDA-29EC-4D02-B583-993B9CA2227B}"/>
+                <a16:creationId xmlns:a16="http://schemas.microsoft.com/office/drawing/2014/main" id="{DC249909-263A-4538-8E25-855054B78B3A}"/>
               </a:ext>
             </a:extLst>
           </p:cNvPr>
@@ -29731,25 +30301,25 @@
             <p:ph idx="1"/>
             <p:extLst>
               <p:ext uri="{D42A27DB-BD31-4B8C-83A1-F6EECF244321}">
-                <p14:modId xmlns:p14="http://schemas.microsoft.com/office/powerpoint/2010/main" val="3189997849"/>
+                <p14:modId xmlns:p14="http://schemas.microsoft.com/office/powerpoint/2010/main" val="437787187"/>
               </p:ext>
             </p:extLst>
           </p:nvPr>
         </p:nvGraphicFramePr>
         <p:xfrm>
-          <a:off x="5194300" y="470924"/>
-          <a:ext cx="6513604" cy="5885426"/>
+          <a:off x="463463" y="1690688"/>
+          <a:ext cx="11361107" cy="4459591"/>
         </p:xfrm>
         <a:graphic>
           <a:graphicData uri="http://schemas.openxmlformats.org/drawingml/2006/diagram">
-            <dgm:relIds xmlns:dgm="http://schemas.openxmlformats.org/drawingml/2006/diagram" xmlns:r="http://schemas.openxmlformats.org/officeDocument/2006/relationships" r:dm="rId2" r:lo="rId3" r:qs="rId4" r:cs="rId5"/>
+            <dgm:relIds xmlns:dgm="http://schemas.openxmlformats.org/drawingml/2006/diagram" xmlns:r="http://schemas.openxmlformats.org/officeDocument/2006/relationships" r:dm="rId3" r:lo="rId4" r:qs="rId5" r:cs="rId6"/>
           </a:graphicData>
         </a:graphic>
       </p:graphicFrame>
     </p:spTree>
     <p:extLst>
       <p:ext uri="{BB962C8B-B14F-4D97-AF65-F5344CB8AC3E}">
-        <p14:creationId xmlns:p14="http://schemas.microsoft.com/office/powerpoint/2010/main" val="3912475194"/>
+        <p14:creationId xmlns:p14="http://schemas.microsoft.com/office/powerpoint/2010/main" val="4200986644"/>
       </p:ext>
     </p:extLst>
   </p:cSld>
@@ -29801,7 +30371,7 @@
           </p:nvPr>
         </p:nvPicPr>
         <p:blipFill rotWithShape="1">
-          <a:blip r:embed="rId2"/>
+          <a:blip r:embed="rId3"/>
           <a:srcRect b="6250"/>
           <a:stretch/>
         </p:blipFill>
@@ -30082,7 +30652,7 @@
           <p:nvPr/>
         </p:nvPicPr>
         <p:blipFill rotWithShape="1">
-          <a:blip r:embed="rId2"/>
+          <a:blip r:embed="rId3"/>
           <a:srcRect t="9493" r="9091"/>
           <a:stretch/>
         </p:blipFill>
@@ -30222,8 +30792,8 @@
         </p:nvSpPr>
         <p:spPr>
           <a:xfrm>
-            <a:off x="115613" y="2121763"/>
-            <a:ext cx="4645573" cy="3773010"/>
+            <a:off x="115613" y="2121762"/>
+            <a:ext cx="4645573" cy="3963727"/>
           </a:xfrm>
         </p:spPr>
         <p:txBody>
@@ -30236,7 +30806,7 @@
               <a:buNone/>
             </a:pPr>
             <a:r>
-              <a:rPr lang="en-US" sz="2000" b="1" dirty="0">
+              <a:rPr lang="en-US" sz="1850" b="1" dirty="0">
                 <a:solidFill>
                   <a:srgbClr val="015053"/>
                 </a:solidFill>
@@ -30247,29 +30817,18 @@
           </a:p>
           <a:p>
             <a:r>
-              <a:rPr lang="en-US" sz="1600" dirty="0">
+              <a:rPr lang="en-US" sz="1850" dirty="0">
                 <a:solidFill>
                   <a:srgbClr val="015053"/>
                 </a:solidFill>
                 <a:latin typeface="Baskerville Old Face" panose="02020602080505020303" pitchFamily="18" charset="77"/>
               </a:rPr>
-              <a:t>This parking finder site serves to accommodate a flexible payment method in the future. So, the users usually can pay by credit card or in cash. There are also before-mentioned features as adding extra parking time or navigating back to the parked car. </a:t>
+              <a:t>This Park Me site serves to accommodate a flexible payment method in the future. So, the users usually can pay by credit card. There are also before-mentioned features as adding extra parking time or navigating back to the parked car. </a:t>
             </a:r>
           </a:p>
           <a:p>
             <a:r>
-              <a:rPr lang="en-US" sz="1600" dirty="0">
-                <a:solidFill>
-                  <a:srgbClr val="015053"/>
-                </a:solidFill>
-                <a:latin typeface="Baskerville Old Face" panose="02020602080505020303" pitchFamily="18" charset="77"/>
-              </a:rPr>
-              <a:t>This innovation allows reserving a parking spot. The user can obtain a place that fits the funds and pre-pay it on a daily, weekly, and monthly base. It provides for avoiding everyday reservations.</a:t>
-            </a:r>
-          </a:p>
-          <a:p>
-            <a:r>
-              <a:rPr lang="en-US" sz="1600" dirty="0">
+              <a:rPr lang="en-US" sz="1850" dirty="0">
                 <a:solidFill>
                   <a:srgbClr val="015053"/>
                 </a:solidFill>
@@ -30280,7 +30839,7 @@
           </a:p>
           <a:p>
             <a:r>
-              <a:rPr lang="en-US" sz="1600" dirty="0">
+              <a:rPr lang="en-US" sz="1850" dirty="0">
                 <a:solidFill>
                   <a:srgbClr val="015053"/>
                 </a:solidFill>
@@ -30407,7 +30966,7 @@
           <p:nvPr/>
         </p:nvPicPr>
         <p:blipFill rotWithShape="1">
-          <a:blip r:embed="rId2">
+          <a:blip r:embed="rId3">
             <a:alphaModFix amt="35000"/>
           </a:blip>
           <a:srcRect l="760" r="1463" b="1"/>
@@ -30760,7 +31319,7 @@
             <p:ph idx="1"/>
             <p:extLst>
               <p:ext uri="{D42A27DB-BD31-4B8C-83A1-F6EECF244321}">
-                <p14:modId xmlns:p14="http://schemas.microsoft.com/office/powerpoint/2010/main" val="4108412131"/>
+                <p14:modId xmlns:p14="http://schemas.microsoft.com/office/powerpoint/2010/main" val="3704692273"/>
               </p:ext>
             </p:extLst>
           </p:nvPr>
@@ -30771,7 +31330,7 @@
         </p:xfrm>
         <a:graphic>
           <a:graphicData uri="http://schemas.openxmlformats.org/drawingml/2006/diagram">
-            <dgm:relIds xmlns:dgm="http://schemas.openxmlformats.org/drawingml/2006/diagram" xmlns:r="http://schemas.openxmlformats.org/officeDocument/2006/relationships" r:dm="rId2" r:lo="rId3" r:qs="rId4" r:cs="rId5"/>
+            <dgm:relIds xmlns:dgm="http://schemas.openxmlformats.org/drawingml/2006/diagram" xmlns:r="http://schemas.openxmlformats.org/officeDocument/2006/relationships" r:dm="rId3" r:lo="rId4" r:qs="rId5" r:cs="rId6"/>
           </a:graphicData>
         </a:graphic>
       </p:graphicFrame>
@@ -30828,7 +31387,7 @@
           <p:nvPr/>
         </p:nvPicPr>
         <p:blipFill rotWithShape="1">
-          <a:blip r:embed="rId2"/>
+          <a:blip r:embed="rId3"/>
           <a:srcRect/>
           <a:stretch/>
         </p:blipFill>
@@ -31041,7 +31600,7 @@
           </p:nvPr>
         </p:nvPicPr>
         <p:blipFill>
-          <a:blip r:embed="rId2">
+          <a:blip r:embed="rId3">
             <a:extLst>
               <a:ext uri="{28A0092B-C50C-407E-A947-70E740481C1C}">
                 <a14:useLocalDpi xmlns:a14="http://schemas.microsoft.com/office/drawing/2010/main" val="0"/>
@@ -31265,7 +31824,7 @@
           <p:nvPr/>
         </p:nvPicPr>
         <p:blipFill rotWithShape="1">
-          <a:blip r:embed="rId3">
+          <a:blip r:embed="rId4">
             <a:alphaModFix/>
           </a:blip>
           <a:srcRect l="21041" r="25455" b="-1"/>
@@ -31425,7 +31984,7 @@
             <p:ph idx="1"/>
             <p:extLst>
               <p:ext uri="{D42A27DB-BD31-4B8C-83A1-F6EECF244321}">
-                <p14:modId xmlns:p14="http://schemas.microsoft.com/office/powerpoint/2010/main" val="2513002409"/>
+                <p14:modId xmlns:p14="http://schemas.microsoft.com/office/powerpoint/2010/main" val="1455317428"/>
               </p:ext>
             </p:extLst>
           </p:nvPr>
@@ -31436,7 +31995,7 @@
         </p:xfrm>
         <a:graphic>
           <a:graphicData uri="http://schemas.openxmlformats.org/drawingml/2006/diagram">
-            <dgm:relIds xmlns:dgm="http://schemas.openxmlformats.org/drawingml/2006/diagram" xmlns:r="http://schemas.openxmlformats.org/officeDocument/2006/relationships" r:dm="rId4" r:lo="rId5" r:qs="rId6" r:cs="rId7"/>
+            <dgm:relIds xmlns:dgm="http://schemas.openxmlformats.org/drawingml/2006/diagram" xmlns:r="http://schemas.openxmlformats.org/officeDocument/2006/relationships" r:dm="rId5" r:lo="rId6" r:qs="rId7" r:cs="rId8"/>
           </a:graphicData>
         </a:graphic>
       </p:graphicFrame>
@@ -31688,7 +32247,7 @@
             <p:ph idx="1"/>
             <p:extLst>
               <p:ext uri="{D42A27DB-BD31-4B8C-83A1-F6EECF244321}">
-                <p14:modId xmlns:p14="http://schemas.microsoft.com/office/powerpoint/2010/main" val="3159183864"/>
+                <p14:modId xmlns:p14="http://schemas.microsoft.com/office/powerpoint/2010/main" val="1315050337"/>
               </p:ext>
             </p:extLst>
           </p:nvPr>
@@ -31699,7 +32258,7 @@
         </p:xfrm>
         <a:graphic>
           <a:graphicData uri="http://schemas.openxmlformats.org/drawingml/2006/diagram">
-            <dgm:relIds xmlns:dgm="http://schemas.openxmlformats.org/drawingml/2006/diagram" xmlns:r="http://schemas.openxmlformats.org/officeDocument/2006/relationships" r:dm="rId2" r:lo="rId3" r:qs="rId4" r:cs="rId5"/>
+            <dgm:relIds xmlns:dgm="http://schemas.openxmlformats.org/drawingml/2006/diagram" xmlns:r="http://schemas.openxmlformats.org/officeDocument/2006/relationships" r:dm="rId3" r:lo="rId4" r:qs="rId5" r:cs="rId6"/>
           </a:graphicData>
         </a:graphic>
       </p:graphicFrame>
@@ -31893,7 +32452,7 @@
             <p:ph idx="1"/>
             <p:extLst>
               <p:ext uri="{D42A27DB-BD31-4B8C-83A1-F6EECF244321}">
-                <p14:modId xmlns:p14="http://schemas.microsoft.com/office/powerpoint/2010/main" val="2627061551"/>
+                <p14:modId xmlns:p14="http://schemas.microsoft.com/office/powerpoint/2010/main" val="1480613766"/>
               </p:ext>
             </p:extLst>
           </p:nvPr>
@@ -31904,7 +32463,7 @@
         </p:xfrm>
         <a:graphic>
           <a:graphicData uri="http://schemas.openxmlformats.org/drawingml/2006/diagram">
-            <dgm:relIds xmlns:dgm="http://schemas.openxmlformats.org/drawingml/2006/diagram" xmlns:r="http://schemas.openxmlformats.org/officeDocument/2006/relationships" r:dm="rId2" r:lo="rId3" r:qs="rId4" r:cs="rId5"/>
+            <dgm:relIds xmlns:dgm="http://schemas.openxmlformats.org/drawingml/2006/diagram" xmlns:r="http://schemas.openxmlformats.org/officeDocument/2006/relationships" r:dm="rId3" r:lo="rId4" r:qs="rId5" r:cs="rId6"/>
           </a:graphicData>
         </a:graphic>
       </p:graphicFrame>
@@ -32068,7 +32627,7 @@
                 </a:solidFill>
                 <a:latin typeface="Baskerville Old Face" panose="02020602080505020303" pitchFamily="18" charset="77"/>
               </a:rPr>
-              <a:t>“User story about Search Bar”:</a:t>
+              <a:t>“User story about Sign Up”:</a:t>
             </a:r>
           </a:p>
         </p:txBody>
@@ -32089,7 +32648,7 @@
             <p:ph idx="1"/>
             <p:extLst>
               <p:ext uri="{D42A27DB-BD31-4B8C-83A1-F6EECF244321}">
-                <p14:modId xmlns:p14="http://schemas.microsoft.com/office/powerpoint/2010/main" val="2125287703"/>
+                <p14:modId xmlns:p14="http://schemas.microsoft.com/office/powerpoint/2010/main" val="3597956341"/>
               </p:ext>
             </p:extLst>
           </p:nvPr>
@@ -32100,7 +32659,7 @@
         </p:xfrm>
         <a:graphic>
           <a:graphicData uri="http://schemas.openxmlformats.org/drawingml/2006/diagram">
-            <dgm:relIds xmlns:dgm="http://schemas.openxmlformats.org/drawingml/2006/diagram" xmlns:r="http://schemas.openxmlformats.org/officeDocument/2006/relationships" r:dm="rId2" r:lo="rId3" r:qs="rId4" r:cs="rId5"/>
+            <dgm:relIds xmlns:dgm="http://schemas.openxmlformats.org/drawingml/2006/diagram" xmlns:r="http://schemas.openxmlformats.org/officeDocument/2006/relationships" r:dm="rId3" r:lo="rId4" r:qs="rId5" r:cs="rId6"/>
           </a:graphicData>
         </a:graphic>
       </p:graphicFrame>
@@ -32700,7 +33259,7 @@
         </p:xfrm>
         <a:graphic>
           <a:graphicData uri="http://schemas.openxmlformats.org/drawingml/2006/diagram">
-            <dgm:relIds xmlns:dgm="http://schemas.openxmlformats.org/drawingml/2006/diagram" xmlns:r="http://schemas.openxmlformats.org/officeDocument/2006/relationships" r:dm="rId2" r:lo="rId3" r:qs="rId4" r:cs="rId5"/>
+            <dgm:relIds xmlns:dgm="http://schemas.openxmlformats.org/drawingml/2006/diagram" xmlns:r="http://schemas.openxmlformats.org/officeDocument/2006/relationships" r:dm="rId3" r:lo="rId4" r:qs="rId5" r:cs="rId6"/>
           </a:graphicData>
         </a:graphic>
       </p:graphicFrame>
@@ -32893,7 +33452,7 @@
           <p:nvPr/>
         </p:nvPicPr>
         <p:blipFill rotWithShape="1">
-          <a:blip r:embed="rId2"/>
+          <a:blip r:embed="rId3"/>
           <a:srcRect r="5249" b="1"/>
           <a:stretch/>
         </p:blipFill>
@@ -33110,7 +33669,7 @@
           <p:nvPr/>
         </p:nvPicPr>
         <p:blipFill rotWithShape="1">
-          <a:blip r:embed="rId3"/>
+          <a:blip r:embed="rId4"/>
           <a:srcRect l="3538" r="14461" b="-2"/>
           <a:stretch/>
         </p:blipFill>
@@ -33356,7 +33915,7 @@
           <p:nvPr/>
         </p:nvPicPr>
         <p:blipFill rotWithShape="1">
-          <a:blip r:embed="rId4"/>
+          <a:blip r:embed="rId5"/>
           <a:srcRect t="10720" b="19071"/>
           <a:stretch/>
         </p:blipFill>
@@ -33982,7 +34541,7 @@
           <p:nvPr/>
         </p:nvPicPr>
         <p:blipFill>
-          <a:blip r:embed="rId2"/>
+          <a:blip r:embed="rId3"/>
           <a:stretch>
             <a:fillRect/>
           </a:stretch>
@@ -34024,7 +34583,7 @@
         </p:xfrm>
         <a:graphic>
           <a:graphicData uri="http://schemas.openxmlformats.org/drawingml/2006/diagram">
-            <dgm:relIds xmlns:dgm="http://schemas.openxmlformats.org/drawingml/2006/diagram" xmlns:r="http://schemas.openxmlformats.org/officeDocument/2006/relationships" r:dm="rId3" r:lo="rId4" r:qs="rId5" r:cs="rId6"/>
+            <dgm:relIds xmlns:dgm="http://schemas.openxmlformats.org/drawingml/2006/diagram" xmlns:r="http://schemas.openxmlformats.org/officeDocument/2006/relationships" r:dm="rId4" r:lo="rId5" r:qs="rId6" r:cs="rId7"/>
           </a:graphicData>
         </a:graphic>
       </p:graphicFrame>
@@ -34141,7 +34700,7 @@
           <p:nvPr/>
         </p:nvPicPr>
         <p:blipFill rotWithShape="1">
-          <a:blip r:embed="rId2"/>
+          <a:blip r:embed="rId3"/>
           <a:srcRect r="1" b="105"/>
           <a:stretch/>
         </p:blipFill>
@@ -34726,19 +35285,19 @@
         </p:spPr>
         <p:txBody>
           <a:bodyPr anchor="t">
-            <a:normAutofit fontScale="62500" lnSpcReduction="20000"/>
+            <a:noAutofit/>
           </a:bodyPr>
           <a:lstStyle/>
           <a:p>
             <a:r>
-              <a:rPr lang="en-US" b="1" dirty="0">
+              <a:rPr lang="en-US" sz="2000" b="1" dirty="0">
                 <a:solidFill>
                   <a:srgbClr val="E87C42"/>
                 </a:solidFill>
               </a:rPr>
               <a:t>GPS tracking</a:t>
             </a:r>
-            <a:endParaRPr lang="en-US" dirty="0">
+            <a:endParaRPr lang="en-US" sz="2000" dirty="0">
               <a:solidFill>
                 <a:srgbClr val="E87C42"/>
               </a:solidFill>
@@ -34749,20 +35308,20 @@
               <a:buNone/>
             </a:pPr>
             <a:r>
-              <a:rPr lang="en-US" dirty="0"/>
+              <a:rPr lang="en-US" sz="2000" dirty="0"/>
               <a:t>To make the site more accessible to the users, it’s necessary to enable GPS tracking. This technology allows us to find the location of the car and determine the distance to the nearest parking lot.</a:t>
             </a:r>
           </a:p>
           <a:p>
             <a:r>
-              <a:rPr lang="en-US" b="1" dirty="0">
+              <a:rPr lang="en-US" sz="2000" b="1" dirty="0">
                 <a:solidFill>
                   <a:srgbClr val="E87C42"/>
                 </a:solidFill>
               </a:rPr>
               <a:t>Searching</a:t>
             </a:r>
-            <a:endParaRPr lang="en-US" dirty="0">
+            <a:endParaRPr lang="en-US" sz="2000" dirty="0">
               <a:solidFill>
                 <a:srgbClr val="E87C42"/>
               </a:solidFill>
@@ -34773,36 +35332,9 @@
               <a:buNone/>
             </a:pPr>
             <a:r>
-              <a:rPr lang="en-US" dirty="0"/>
-              <a:t>The searching method should be as secure as possible. For instance, the app can offer to find the closest spot in one tap.</a:t>
+              <a:rPr lang="en-US" sz="2000" dirty="0"/>
+              <a:t>The searching method should be as secure as possible. For instance, the app can offer to find the closest spot in one tap by asking if the user allow as to access their location.</a:t>
             </a:r>
-          </a:p>
-          <a:p>
-            <a:r>
-              <a:rPr lang="en-US" b="1" dirty="0">
-                <a:solidFill>
-                  <a:srgbClr val="E87C42"/>
-                </a:solidFill>
-              </a:rPr>
-              <a:t>Heat map</a:t>
-            </a:r>
-            <a:endParaRPr lang="en-US" dirty="0">
-              <a:solidFill>
-                <a:srgbClr val="E87C42"/>
-              </a:solidFill>
-            </a:endParaRPr>
-          </a:p>
-          <a:p>
-            <a:pPr marL="0" indent="0">
-              <a:buNone/>
-            </a:pPr>
-            <a:r>
-              <a:rPr lang="en-US" dirty="0"/>
-              <a:t>The application can determine the most energetic routes in the real-time mode. Based on this information, users can plan for their bookings.</a:t>
-            </a:r>
-          </a:p>
-          <a:p>
-            <a:endParaRPr lang="en-US" sz="1300" dirty="0"/>
           </a:p>
         </p:txBody>
       </p:sp>
